--- a/tfboys.pptx
+++ b/tfboys.pptx
@@ -5,13 +5,15 @@
     <p:sldMasterId id="2147483648" r:id="rId1"/>
   </p:sldMasterIdLst>
   <p:notesMasterIdLst>
-    <p:notesMasterId r:id="rId6"/>
+    <p:notesMasterId r:id="rId8"/>
   </p:notesMasterIdLst>
   <p:sldIdLst>
     <p:sldId id="256" r:id="rId2"/>
     <p:sldId id="281" r:id="rId3"/>
     <p:sldId id="282" r:id="rId4"/>
-    <p:sldId id="272" r:id="rId5"/>
+    <p:sldId id="283" r:id="rId5"/>
+    <p:sldId id="284" r:id="rId6"/>
+    <p:sldId id="272" r:id="rId7"/>
   </p:sldIdLst>
   <p:sldSz cx="12192000" cy="6858000"/>
   <p:notesSz cx="6858000" cy="9144000"/>
@@ -3921,8 +3923,8 @@
         </p:nvSpPr>
         <p:spPr>
           <a:xfrm>
-            <a:off x="2839967" y="2464928"/>
-            <a:ext cx="7199969" cy="628762"/>
+            <a:off x="2839967" y="2621400"/>
+            <a:ext cx="4555244" cy="738664"/>
           </a:xfrm>
           <a:prstGeom prst="rect">
             <a:avLst/>
@@ -3941,12 +3943,20 @@
               </a:lnSpc>
             </a:pPr>
             <a:r>
-              <a:rPr kumimoji="1" lang="en-US" altLang="zh-CN" sz="2800" smtClean="0">
+              <a:rPr kumimoji="1" lang="en-US" altLang="zh-CN" sz="2800" dirty="0" err="1" smtClean="0">
                 <a:latin typeface="Adobe Heiti Std R" charset="-122"/>
                 <a:ea typeface="Adobe Heiti Std R" charset="-122"/>
                 <a:cs typeface="Adobe Heiti Std R" charset="-122"/>
               </a:rPr>
-              <a:t>Weekly Report </a:t>
+              <a:t>Tensorflow</a:t>
+            </a:r>
+            <a:r>
+              <a:rPr kumimoji="1" lang="en-US" altLang="zh-CN" sz="2800" dirty="0" smtClean="0">
+                <a:latin typeface="Adobe Heiti Std R" charset="-122"/>
+                <a:ea typeface="Adobe Heiti Std R" charset="-122"/>
+                <a:cs typeface="Adobe Heiti Std R" charset="-122"/>
+              </a:rPr>
+              <a:t> Introduction </a:t>
             </a:r>
             <a:endParaRPr kumimoji="1" lang="zh-CN" altLang="en-US" sz="2800" dirty="0">
               <a:latin typeface="Adobe Heiti Std R" charset="-122"/>
@@ -3964,8 +3974,8 @@
         </p:nvSpPr>
         <p:spPr>
           <a:xfrm>
-            <a:off x="7899399" y="4523422"/>
-            <a:ext cx="2146742" cy="369332"/>
+            <a:off x="9139689" y="4385938"/>
+            <a:ext cx="1800493" cy="646331"/>
           </a:xfrm>
           <a:prstGeom prst="rect">
             <a:avLst/>
@@ -3984,7 +3994,15 @@
                 <a:ea typeface="SimHei" charset="-122"/>
                 <a:cs typeface="SimHei" charset="-122"/>
               </a:rPr>
-              <a:t>郑瑞麒 </a:t>
+              <a:t>郑瑞</a:t>
+            </a:r>
+            <a:r>
+              <a:rPr lang="zh-CN" altLang="en-US" dirty="0" smtClean="0">
+                <a:latin typeface="SimHei" charset="-122"/>
+                <a:ea typeface="SimHei" charset="-122"/>
+                <a:cs typeface="SimHei" charset="-122"/>
+              </a:rPr>
+              <a:t>麒</a:t>
             </a:r>
             <a:r>
               <a:rPr lang="en-US" altLang="zh-CN" dirty="0" smtClean="0">
@@ -3992,7 +4010,25 @@
                 <a:ea typeface="SimHei" charset="-122"/>
                 <a:cs typeface="SimHei" charset="-122"/>
               </a:rPr>
-              <a:t>2019/11/21</a:t>
+              <a:t>11712501</a:t>
+            </a:r>
+          </a:p>
+          <a:p>
+            <a:r>
+              <a:rPr kumimoji="1" lang="zh-CN" altLang="en-US" dirty="0" smtClean="0">
+                <a:latin typeface="SimHei" charset="-122"/>
+                <a:ea typeface="SimHei" charset="-122"/>
+                <a:cs typeface="SimHei" charset="-122"/>
+              </a:rPr>
+              <a:t>朱俊达</a:t>
+            </a:r>
+            <a:r>
+              <a:rPr kumimoji="1" lang="en-US" altLang="zh-CN" dirty="0" smtClean="0">
+                <a:latin typeface="SimHei" charset="-122"/>
+                <a:ea typeface="SimHei" charset="-122"/>
+                <a:cs typeface="SimHei" charset="-122"/>
+              </a:rPr>
+              <a:t>11712504</a:t>
             </a:r>
             <a:endParaRPr kumimoji="1" lang="zh-CN" altLang="en-US" dirty="0">
               <a:latin typeface="SimHei" charset="-122"/>
@@ -4097,52 +4133,8 @@
           <a:lstStyle/>
           <a:p>
             <a:r>
-              <a:rPr lang="en-US" altLang="zh-CN" b="1" dirty="0" smtClean="0"/>
-              <a:t>4.</a:t>
-            </a:r>
-            <a:r>
-              <a:rPr lang="zh-CN" altLang="en-US" b="1" dirty="0" smtClean="0"/>
-              <a:t> </a:t>
-            </a:r>
-            <a:r>
-              <a:rPr lang="en-US" altLang="zh-CN" b="1" dirty="0" err="1" smtClean="0"/>
-              <a:t>DeepWalk</a:t>
-            </a:r>
-            <a:r>
-              <a:rPr lang="zh-CN" altLang="en-US" b="1" dirty="0" smtClean="0"/>
-              <a:t> </a:t>
-            </a:r>
-            <a:r>
-              <a:rPr lang="en-US" altLang="zh-CN" b="1" dirty="0" smtClean="0"/>
-              <a:t>with</a:t>
-            </a:r>
-            <a:r>
-              <a:rPr lang="zh-CN" altLang="en-US" b="1" dirty="0" smtClean="0"/>
-              <a:t> </a:t>
-            </a:r>
-            <a:r>
-              <a:rPr lang="en-US" altLang="zh-CN" b="1" dirty="0" smtClean="0"/>
-              <a:t>SMOTE</a:t>
-            </a:r>
-            <a:r>
-              <a:rPr lang="zh-CN" altLang="en-US" b="1" dirty="0" smtClean="0"/>
-              <a:t> </a:t>
-            </a:r>
-            <a:r>
-              <a:rPr lang="en-US" altLang="zh-CN" b="1" dirty="0" smtClean="0"/>
-              <a:t>and</a:t>
-            </a:r>
-            <a:r>
-              <a:rPr lang="zh-CN" altLang="en-US" b="1" dirty="0" smtClean="0"/>
-              <a:t> </a:t>
-            </a:r>
-            <a:r>
-              <a:rPr lang="en-US" altLang="zh-CN" b="1" dirty="0" smtClean="0"/>
-              <a:t>ENN</a:t>
-            </a:r>
-            <a:r>
-              <a:rPr lang="zh-CN" altLang="en-US" b="1" dirty="0" smtClean="0"/>
-              <a:t> </a:t>
+              <a:rPr lang="en-HK" b="1" dirty="0" smtClean="0"/>
+              <a:t>1. Introduction </a:t>
             </a:r>
             <a:endParaRPr lang="en-HK" b="1" dirty="0"/>
           </a:p>
@@ -4269,261 +4261,196 @@
           </a:prstGeom>
         </p:spPr>
       </p:pic>
+      <p:sp>
+        <p:nvSpPr>
+          <p:cNvPr id="7" name="文本框 6"/>
+          <p:cNvSpPr txBox="1"/>
+          <p:nvPr/>
+        </p:nvSpPr>
+        <p:spPr>
+          <a:xfrm>
+            <a:off x="849370" y="3934048"/>
+            <a:ext cx="5998630" cy="369332"/>
+          </a:xfrm>
+          <a:prstGeom prst="rect">
+            <a:avLst/>
+          </a:prstGeom>
+          <a:noFill/>
+        </p:spPr>
+        <p:txBody>
+          <a:bodyPr wrap="none" rtlCol="0">
+            <a:spAutoFit/>
+          </a:bodyPr>
+          <a:lstStyle/>
+          <a:p>
+            <a:r>
+              <a:rPr lang="en-US" altLang="zh-CN" dirty="0" err="1">
+                <a:solidFill>
+                  <a:srgbClr val="1F0909"/>
+                </a:solidFill>
+                <a:latin typeface="PT Serif" charset="0"/>
+              </a:rPr>
+              <a:t>Tensorflow</a:t>
+            </a:r>
+            <a:r>
+              <a:rPr lang="en-US" altLang="zh-CN" dirty="0">
+                <a:solidFill>
+                  <a:srgbClr val="1F0909"/>
+                </a:solidFill>
+                <a:latin typeface="PT Serif" charset="0"/>
+              </a:rPr>
+              <a:t> applications: Google </a:t>
+            </a:r>
+            <a:r>
+              <a:rPr lang="en-US" altLang="zh-CN" dirty="0" err="1">
+                <a:solidFill>
+                  <a:srgbClr val="1F0909"/>
+                </a:solidFill>
+                <a:latin typeface="PT Serif" charset="0"/>
+              </a:rPr>
+              <a:t>RankBrain</a:t>
+            </a:r>
+            <a:r>
+              <a:rPr lang="en-US" altLang="zh-CN" dirty="0">
+                <a:solidFill>
+                  <a:srgbClr val="1F0909"/>
+                </a:solidFill>
+                <a:latin typeface="PT Serif" charset="0"/>
+              </a:rPr>
+              <a:t>, </a:t>
+            </a:r>
+            <a:r>
+              <a:rPr lang="en-US" altLang="zh-CN" dirty="0">
+                <a:solidFill>
+                  <a:srgbClr val="1F0909"/>
+                </a:solidFill>
+                <a:latin typeface="PT Serif" charset="0"/>
+              </a:rPr>
+              <a:t>S</a:t>
+            </a:r>
+            <a:r>
+              <a:rPr lang="en-US" altLang="zh-CN" dirty="0">
+                <a:solidFill>
+                  <a:srgbClr val="1F0909"/>
+                </a:solidFill>
+                <a:latin typeface="PT Serif" charset="0"/>
+              </a:rPr>
+              <a:t>mart Reply</a:t>
+            </a:r>
+            <a:endParaRPr lang="zh-CN" altLang="en-US" dirty="0">
+              <a:solidFill>
+                <a:srgbClr val="1F0909"/>
+              </a:solidFill>
+              <a:latin typeface="PT Serif" charset="0"/>
+            </a:endParaRPr>
+          </a:p>
+        </p:txBody>
+      </p:sp>
       <p:pic>
         <p:nvPicPr>
-          <p:cNvPr id="16" name="图片 15"/>
+          <p:cNvPr id="9" name="图片 8"/>
           <p:cNvPicPr>
             <a:picLocks noChangeAspect="1"/>
           </p:cNvPicPr>
           <p:nvPr/>
         </p:nvPicPr>
         <p:blipFill>
-          <a:blip r:embed="rId8"/>
+          <a:blip r:embed="rId8">
+            <a:extLst>
+              <a:ext uri="{28A0092B-C50C-407E-A947-70E740481C1C}">
+                <a14:useLocalDpi xmlns:a14="http://schemas.microsoft.com/office/drawing/2010/main" val="0"/>
+              </a:ext>
+            </a:extLst>
+          </a:blip>
           <a:stretch>
             <a:fillRect/>
           </a:stretch>
         </p:blipFill>
         <p:spPr>
           <a:xfrm>
-            <a:off x="942538" y="4174775"/>
-            <a:ext cx="4634274" cy="1177473"/>
+            <a:off x="225734" y="3799165"/>
+            <a:ext cx="623636" cy="639098"/>
           </a:xfrm>
           <a:prstGeom prst="rect">
             <a:avLst/>
           </a:prstGeom>
         </p:spPr>
       </p:pic>
-      <p:sp>
-        <p:nvSpPr>
-          <p:cNvPr id="17" name="文本框 16"/>
-          <p:cNvSpPr txBox="1"/>
-          <p:nvPr/>
-        </p:nvSpPr>
-        <p:spPr>
-          <a:xfrm>
-            <a:off x="832088" y="3694374"/>
-            <a:ext cx="4855175" cy="369332"/>
-          </a:xfrm>
-          <a:prstGeom prst="rect">
-            <a:avLst/>
-          </a:prstGeom>
-          <a:noFill/>
-        </p:spPr>
-        <p:txBody>
-          <a:bodyPr wrap="none" rtlCol="0">
-            <a:spAutoFit/>
-          </a:bodyPr>
-          <a:lstStyle/>
-          <a:p>
-            <a:r>
-              <a:rPr kumimoji="1" lang="en-US" altLang="zh-CN" dirty="0" smtClean="0"/>
-              <a:t>with</a:t>
-            </a:r>
-            <a:r>
-              <a:rPr kumimoji="1" lang="zh-CN" altLang="en-US" dirty="0" smtClean="0"/>
-              <a:t> </a:t>
-            </a:r>
-            <a:r>
-              <a:rPr lang="en-US" altLang="zh-CN" dirty="0"/>
-              <a:t>Synthetic Minority Over-sampling Technique</a:t>
-            </a:r>
-            <a:endParaRPr kumimoji="1" lang="zh-CN" altLang="en-US" dirty="0"/>
-          </a:p>
-        </p:txBody>
-      </p:sp>
-      <p:sp>
-        <p:nvSpPr>
-          <p:cNvPr id="14" name="文本框 13"/>
-          <p:cNvSpPr txBox="1"/>
-          <p:nvPr/>
-        </p:nvSpPr>
-        <p:spPr>
-          <a:xfrm>
-            <a:off x="801887" y="2004684"/>
-            <a:ext cx="4885376" cy="369332"/>
-          </a:xfrm>
-          <a:prstGeom prst="rect">
-            <a:avLst/>
-          </a:prstGeom>
-          <a:noFill/>
-        </p:spPr>
-        <p:txBody>
-          <a:bodyPr wrap="none" rtlCol="0">
-            <a:spAutoFit/>
-          </a:bodyPr>
-          <a:lstStyle/>
-          <a:p>
-            <a:r>
-              <a:rPr kumimoji="1" lang="en-US" altLang="zh-CN" dirty="0" err="1" smtClean="0"/>
-              <a:t>DeepWalk</a:t>
-            </a:r>
-            <a:r>
-              <a:rPr kumimoji="1" lang="zh-CN" altLang="en-US" dirty="0" smtClean="0"/>
-              <a:t> </a:t>
-            </a:r>
-            <a:r>
-              <a:rPr kumimoji="1" lang="en-US" altLang="zh-CN" dirty="0" smtClean="0"/>
-              <a:t>and</a:t>
-            </a:r>
-            <a:r>
-              <a:rPr kumimoji="1" lang="zh-CN" altLang="en-US" dirty="0" smtClean="0"/>
-              <a:t> </a:t>
-            </a:r>
-            <a:r>
-              <a:rPr kumimoji="1" lang="en-US" altLang="zh-CN" dirty="0" smtClean="0"/>
-              <a:t>Logistic</a:t>
-            </a:r>
-            <a:r>
-              <a:rPr kumimoji="1" lang="zh-CN" altLang="en-US" dirty="0" smtClean="0"/>
-              <a:t> </a:t>
-            </a:r>
-            <a:r>
-              <a:rPr kumimoji="1" lang="en-US" altLang="zh-CN" dirty="0" smtClean="0"/>
-              <a:t>Regression</a:t>
-            </a:r>
-            <a:r>
-              <a:rPr kumimoji="1" lang="zh-CN" altLang="en-US" dirty="0" smtClean="0"/>
-              <a:t> </a:t>
-            </a:r>
-            <a:r>
-              <a:rPr kumimoji="1" lang="en-US" altLang="zh-CN" dirty="0" smtClean="0"/>
-              <a:t>without</a:t>
-            </a:r>
-            <a:r>
-              <a:rPr kumimoji="1" lang="zh-CN" altLang="en-US" dirty="0" smtClean="0"/>
-              <a:t> </a:t>
-            </a:r>
-            <a:r>
-              <a:rPr kumimoji="1" lang="en-US" altLang="zh-CN" dirty="0" smtClean="0"/>
-              <a:t>SMOTE</a:t>
-            </a:r>
-            <a:endParaRPr kumimoji="1" lang="zh-CN" altLang="en-US" dirty="0"/>
-          </a:p>
-        </p:txBody>
-      </p:sp>
       <p:pic>
         <p:nvPicPr>
-          <p:cNvPr id="11" name="图片 10"/>
+          <p:cNvPr id="15" name="图片 14"/>
           <p:cNvPicPr>
             <a:picLocks noChangeAspect="1"/>
           </p:cNvPicPr>
           <p:nvPr/>
         </p:nvPicPr>
-        <p:blipFill>
-          <a:blip r:embed="rId9">
-            <a:extLst>
-              <a:ext uri="{28A0092B-C50C-407E-A947-70E740481C1C}">
-                <a14:useLocalDpi xmlns:a14="http://schemas.microsoft.com/office/drawing/2010/main" val="0"/>
-              </a:ext>
-            </a:extLst>
-          </a:blip>
-          <a:stretch>
-            <a:fillRect/>
-          </a:stretch>
+        <p:blipFill rotWithShape="1">
+          <a:blip r:embed="rId9"/>
+          <a:srcRect l="55112" t="14917" r="5877" b="18680"/>
+          <a:stretch/>
         </p:blipFill>
         <p:spPr>
           <a:xfrm>
-            <a:off x="1076784" y="2462542"/>
-            <a:ext cx="4610479" cy="1091527"/>
+            <a:off x="8334317" y="706304"/>
+            <a:ext cx="3397113" cy="5430030"/>
           </a:xfrm>
           <a:prstGeom prst="rect">
             <a:avLst/>
           </a:prstGeom>
         </p:spPr>
       </p:pic>
-      <p:pic>
-        <p:nvPicPr>
-          <p:cNvPr id="12" name="图片 11"/>
-          <p:cNvPicPr>
-            <a:picLocks noChangeAspect="1"/>
-          </p:cNvPicPr>
+      <p:sp>
+        <p:nvSpPr>
+          <p:cNvPr id="19" name="矩形 18"/>
+          <p:cNvSpPr/>
           <p:nvPr/>
-        </p:nvPicPr>
-        <p:blipFill>
-          <a:blip r:embed="rId10"/>
-          <a:stretch>
-            <a:fillRect/>
-          </a:stretch>
-        </p:blipFill>
-        <p:spPr>
-          <a:xfrm>
-            <a:off x="7091167" y="3259308"/>
-            <a:ext cx="5223004" cy="1100352"/>
+        </p:nvSpPr>
+        <p:spPr>
+          <a:xfrm>
+            <a:off x="849370" y="2157480"/>
+            <a:ext cx="6096000" cy="646331"/>
           </a:xfrm>
           <a:prstGeom prst="rect">
             <a:avLst/>
           </a:prstGeom>
         </p:spPr>
-      </p:pic>
-      <p:sp>
-        <p:nvSpPr>
-          <p:cNvPr id="13" name="矩形 12"/>
-          <p:cNvSpPr/>
-          <p:nvPr/>
-        </p:nvSpPr>
-        <p:spPr>
-          <a:xfrm>
-            <a:off x="7227644" y="1766510"/>
-            <a:ext cx="1728743" cy="369332"/>
-          </a:xfrm>
-          <a:prstGeom prst="rect">
-            <a:avLst/>
-          </a:prstGeom>
-        </p:spPr>
-        <p:txBody>
-          <a:bodyPr wrap="none">
+        <p:txBody>
+          <a:bodyPr>
             <a:spAutoFit/>
           </a:bodyPr>
           <a:lstStyle/>
           <a:p>
             <a:r>
-              <a:rPr kumimoji="1" lang="en-US" altLang="zh-CN" dirty="0" smtClean="0"/>
-              <a:t>SMOTE</a:t>
-            </a:r>
-            <a:r>
-              <a:rPr kumimoji="1" lang="zh-CN" altLang="en-US" dirty="0" smtClean="0"/>
-              <a:t> </a:t>
-            </a:r>
-            <a:r>
-              <a:rPr kumimoji="1" lang="en-US" altLang="zh-CN" dirty="0" smtClean="0"/>
-              <a:t>and</a:t>
-            </a:r>
-            <a:r>
-              <a:rPr kumimoji="1" lang="zh-CN" altLang="en-US" dirty="0" smtClean="0"/>
-              <a:t> </a:t>
-            </a:r>
-            <a:r>
-              <a:rPr kumimoji="1" lang="en-US" altLang="zh-CN" dirty="0" smtClean="0"/>
-              <a:t>ENN</a:t>
-            </a:r>
-            <a:endParaRPr kumimoji="1" lang="zh-CN" altLang="en-US" dirty="0"/>
-          </a:p>
-        </p:txBody>
-      </p:sp>
-      <p:pic>
-        <p:nvPicPr>
-          <p:cNvPr id="18" name="图片 17"/>
-          <p:cNvPicPr>
-            <a:picLocks noChangeAspect="1"/>
-          </p:cNvPicPr>
-          <p:nvPr/>
-        </p:nvPicPr>
-        <p:blipFill>
-          <a:blip r:embed="rId11"/>
-          <a:stretch>
-            <a:fillRect/>
-          </a:stretch>
-        </p:blipFill>
-        <p:spPr>
-          <a:xfrm>
-            <a:off x="7227644" y="2152464"/>
-            <a:ext cx="4131963" cy="855841"/>
-          </a:xfrm>
-          <a:prstGeom prst="rect">
-            <a:avLst/>
-          </a:prstGeom>
-        </p:spPr>
-      </p:pic>
+              <a:rPr lang="en-US" altLang="zh-CN" dirty="0">
+                <a:solidFill>
+                  <a:srgbClr val="1F0909"/>
+                </a:solidFill>
+                <a:latin typeface="PT Serif" charset="0"/>
+              </a:rPr>
+              <a:t>The core purpose of </a:t>
+            </a:r>
+            <a:r>
+              <a:rPr lang="en-US" altLang="zh-CN" dirty="0" err="1">
+                <a:solidFill>
+                  <a:srgbClr val="1F0909"/>
+                </a:solidFill>
+                <a:latin typeface="PT Serif" charset="0"/>
+              </a:rPr>
+              <a:t>tensorflow</a:t>
+            </a:r>
+            <a:r>
+              <a:rPr lang="en-US" altLang="zh-CN" dirty="0">
+                <a:solidFill>
+                  <a:srgbClr val="1F0909"/>
+                </a:solidFill>
+                <a:latin typeface="PT Serif" charset="0"/>
+              </a:rPr>
+              <a:t> is to unify various forms of machine learning on top of the single flexible platform.</a:t>
+            </a:r>
+            <a:endParaRPr lang="zh-CN" altLang="en-US" dirty="0"/>
+          </a:p>
+        </p:txBody>
+      </p:sp>
     </p:spTree>
     <p:extLst>
       <p:ext uri="{BB962C8B-B14F-4D97-AF65-F5344CB8AC3E}">
@@ -4537,7 +4464,75 @@
   <p:timing>
     <p:tnLst>
       <p:par>
-        <p:cTn id="1" dur="indefinite" restart="never" nodeType="tmRoot"/>
+        <p:cTn id="1" dur="indefinite" restart="never" nodeType="tmRoot">
+          <p:childTnLst>
+            <p:seq concurrent="1" nextAc="seek">
+              <p:cTn id="2" dur="indefinite" nodeType="mainSeq">
+                <p:childTnLst>
+                  <p:par>
+                    <p:cTn id="3" fill="hold">
+                      <p:stCondLst>
+                        <p:cond delay="indefinite"/>
+                      </p:stCondLst>
+                      <p:childTnLst>
+                        <p:par>
+                          <p:cTn id="4" fill="hold">
+                            <p:stCondLst>
+                              <p:cond delay="0"/>
+                            </p:stCondLst>
+                            <p:childTnLst>
+                              <p:par>
+                                <p:cTn id="5" presetID="1" presetClass="entr" presetSubtype="0" fill="hold" nodeType="clickEffect">
+                                  <p:stCondLst>
+                                    <p:cond delay="0"/>
+                                  </p:stCondLst>
+                                  <p:childTnLst>
+                                    <p:set>
+                                      <p:cBhvr>
+                                        <p:cTn id="6" dur="1" fill="hold">
+                                          <p:stCondLst>
+                                            <p:cond delay="0"/>
+                                          </p:stCondLst>
+                                        </p:cTn>
+                                        <p:tgtEl>
+                                          <p:spTgt spid="15"/>
+                                        </p:tgtEl>
+                                        <p:attrNameLst>
+                                          <p:attrName>style.visibility</p:attrName>
+                                        </p:attrNameLst>
+                                      </p:cBhvr>
+                                      <p:to>
+                                        <p:strVal val="visible"/>
+                                      </p:to>
+                                    </p:set>
+                                  </p:childTnLst>
+                                </p:cTn>
+                              </p:par>
+                            </p:childTnLst>
+                          </p:cTn>
+                        </p:par>
+                      </p:childTnLst>
+                    </p:cTn>
+                  </p:par>
+                </p:childTnLst>
+              </p:cTn>
+              <p:prevCondLst>
+                <p:cond evt="onPrev" delay="0">
+                  <p:tgtEl>
+                    <p:sldTgt/>
+                  </p:tgtEl>
+                </p:cond>
+              </p:prevCondLst>
+              <p:nextCondLst>
+                <p:cond evt="onNext" delay="0">
+                  <p:tgtEl>
+                    <p:sldTgt/>
+                  </p:tgtEl>
+                </p:cond>
+              </p:nextCondLst>
+            </p:seq>
+          </p:childTnLst>
+        </p:cTn>
       </p:par>
     </p:tnLst>
   </p:timing>
@@ -4619,20 +4614,8 @@
           <a:lstStyle/>
           <a:p>
             <a:r>
-              <a:rPr lang="en-US" altLang="zh-CN" b="1" dirty="0"/>
-              <a:t>5</a:t>
-            </a:r>
-            <a:r>
               <a:rPr lang="en-US" altLang="zh-CN" b="1" dirty="0" smtClean="0"/>
-              <a:t>.</a:t>
-            </a:r>
-            <a:r>
-              <a:rPr lang="zh-CN" altLang="en-US" b="1" dirty="0" smtClean="0"/>
-              <a:t> </a:t>
-            </a:r>
-            <a:r>
-              <a:rPr lang="en-US" altLang="zh-CN" b="1" dirty="0" smtClean="0"/>
-              <a:t>Plans</a:t>
+              <a:t>2. Motivation</a:t>
             </a:r>
             <a:endParaRPr lang="en-HK" b="1" dirty="0"/>
           </a:p>
@@ -4767,8 +4750,8 @@
         </p:nvSpPr>
         <p:spPr>
           <a:xfrm>
-            <a:off x="1239029" y="2237349"/>
-            <a:ext cx="6130761" cy="1569660"/>
+            <a:off x="1077849" y="3156601"/>
+            <a:ext cx="4479061" cy="1569660"/>
           </a:xfrm>
           <a:prstGeom prst="rect">
             <a:avLst/>
@@ -4781,160 +4764,337 @@
           </a:bodyPr>
           <a:lstStyle/>
           <a:p>
-            <a:pPr marL="457200" indent="-457200">
-              <a:buAutoNum type="arabicPeriod"/>
+            <a:pPr marL="457200" marR="0" lvl="0" indent="-457200" defTabSz="914400" eaLnBrk="1" fontAlgn="auto" latinLnBrk="0" hangingPunct="1">
+              <a:lnSpc>
+                <a:spcPct val="100000"/>
+              </a:lnSpc>
+              <a:spcBef>
+                <a:spcPts val="0"/>
+              </a:spcBef>
+              <a:spcAft>
+                <a:spcPts val="0"/>
+              </a:spcAft>
+              <a:buClrTx/>
+              <a:buSzTx/>
+              <a:buFontTx/>
+              <a:buNone/>
+              <a:tabLst/>
+              <a:defRPr/>
             </a:pPr>
             <a:r>
               <a:rPr kumimoji="1" lang="en-US" altLang="zh-CN" sz="2400" dirty="0" smtClean="0"/>
-              <a:t>Combine</a:t>
-            </a:r>
-            <a:r>
-              <a:rPr kumimoji="1" lang="zh-CN" altLang="en-US" sz="2400" dirty="0" smtClean="0"/>
-              <a:t> </a:t>
-            </a:r>
+              <a:t>What we need: </a:t>
+            </a:r>
+          </a:p>
+          <a:p>
+            <a:pPr marL="457200" lvl="0" indent="-457200">
+              <a:buFont typeface="Arial" charset="0"/>
+              <a:buChar char="•"/>
+            </a:pPr>
+            <a:r>
+              <a:rPr lang="en-US" altLang="zh-CN" sz="2400" dirty="0"/>
+              <a:t>large-scale </a:t>
+            </a:r>
+            <a:r>
+              <a:rPr lang="en-US" altLang="zh-CN" sz="2400" dirty="0" smtClean="0"/>
+              <a:t>training</a:t>
+            </a:r>
+          </a:p>
+          <a:p>
+            <a:pPr marL="457200" lvl="0" indent="-457200">
+              <a:buFont typeface="Arial" charset="0"/>
+              <a:buChar char="•"/>
+            </a:pPr>
             <a:r>
               <a:rPr kumimoji="1" lang="en-US" altLang="zh-CN" sz="2400" dirty="0" smtClean="0"/>
-              <a:t>GCN</a:t>
-            </a:r>
-            <a:r>
-              <a:rPr kumimoji="1" lang="zh-CN" altLang="en-US" sz="2400" dirty="0" smtClean="0"/>
-              <a:t> </a:t>
-            </a:r>
+              <a:t>Taking models into production</a:t>
+            </a:r>
+          </a:p>
+          <a:p>
+            <a:pPr marL="457200" lvl="0" indent="-457200">
+              <a:buFont typeface="Arial" charset="0"/>
+              <a:buChar char="•"/>
+            </a:pPr>
             <a:r>
               <a:rPr kumimoji="1" lang="en-US" altLang="zh-CN" sz="2400" dirty="0" smtClean="0"/>
-              <a:t>with</a:t>
-            </a:r>
-            <a:r>
-              <a:rPr kumimoji="1" lang="zh-CN" altLang="en-US" sz="2400" dirty="0" smtClean="0"/>
-              <a:t> </a:t>
-            </a:r>
-            <a:r>
-              <a:rPr kumimoji="1" lang="en-US" altLang="zh-CN" sz="2400" dirty="0" smtClean="0"/>
-              <a:t>SMOTE</a:t>
-            </a:r>
-            <a:r>
-              <a:rPr kumimoji="1" lang="zh-CN" altLang="en-US" sz="2400" dirty="0" smtClean="0"/>
-              <a:t> </a:t>
-            </a:r>
-            <a:endParaRPr kumimoji="1" lang="en-US" altLang="zh-CN" sz="2400" dirty="0" smtClean="0"/>
-          </a:p>
-          <a:p>
-            <a:pPr marL="457200" indent="-457200">
-              <a:buAutoNum type="arabicPeriod"/>
+              <a:t>Machine learning research</a:t>
+            </a:r>
+            <a:endParaRPr kumimoji="1" lang="en-US" altLang="zh-CN" sz="2400" dirty="0"/>
+          </a:p>
+        </p:txBody>
+      </p:sp>
+      <p:sp>
+        <p:nvSpPr>
+          <p:cNvPr id="7" name="矩形 6"/>
+          <p:cNvSpPr/>
+          <p:nvPr/>
+        </p:nvSpPr>
+        <p:spPr>
+          <a:xfrm>
+            <a:off x="7058478" y="3698684"/>
+            <a:ext cx="2237151" cy="923330"/>
+          </a:xfrm>
+          <a:prstGeom prst="rect">
+            <a:avLst/>
+          </a:prstGeom>
+          <a:noFill/>
+        </p:spPr>
+        <p:txBody>
+          <a:bodyPr wrap="none" lIns="91440" tIns="45720" rIns="91440" bIns="45720">
+            <a:spAutoFit/>
+          </a:bodyPr>
+          <a:lstStyle/>
+          <a:p>
+            <a:pPr algn="ctr"/>
+            <a:r>
+              <a:rPr lang="en-US" altLang="zh-CN" sz="5400" b="1" cap="none" spc="0" dirty="0" smtClean="0">
+                <a:ln w="9525">
+                  <a:solidFill>
+                    <a:schemeClr val="bg1"/>
+                  </a:solidFill>
+                  <a:prstDash val="solid"/>
+                </a:ln>
+                <a:solidFill>
+                  <a:schemeClr val="accent5"/>
+                </a:solidFill>
+                <a:effectLst>
+                  <a:outerShdw blurRad="12700" dist="38100" dir="2700000" algn="tl" rotWithShape="0">
+                    <a:schemeClr val="accent5">
+                      <a:lumMod val="60000"/>
+                      <a:lumOff val="40000"/>
+                    </a:schemeClr>
+                  </a:outerShdw>
+                </a:effectLst>
+              </a:rPr>
+              <a:t>System</a:t>
+            </a:r>
+          </a:p>
+        </p:txBody>
+      </p:sp>
+      <p:sp>
+        <p:nvSpPr>
+          <p:cNvPr id="11" name="右箭头 10"/>
+          <p:cNvSpPr/>
+          <p:nvPr/>
+        </p:nvSpPr>
+        <p:spPr>
+          <a:xfrm rot="10800000">
+            <a:off x="5799920" y="3975391"/>
+            <a:ext cx="1066796" cy="369915"/>
+          </a:xfrm>
+          <a:prstGeom prst="rightArrow">
+            <a:avLst/>
+          </a:prstGeom>
+          <a:solidFill>
+            <a:schemeClr val="accent5"/>
+          </a:solidFill>
+          <a:ln>
+            <a:solidFill>
+              <a:schemeClr val="accent5"/>
+            </a:solidFill>
+          </a:ln>
+        </p:spPr>
+        <p:style>
+          <a:lnRef idx="2">
+            <a:schemeClr val="accent1">
+              <a:shade val="50000"/>
+            </a:schemeClr>
+          </a:lnRef>
+          <a:fillRef idx="1">
+            <a:schemeClr val="accent1"/>
+          </a:fillRef>
+          <a:effectRef idx="0">
+            <a:schemeClr val="accent1"/>
+          </a:effectRef>
+          <a:fontRef idx="minor">
+            <a:schemeClr val="lt1"/>
+          </a:fontRef>
+        </p:style>
+        <p:txBody>
+          <a:bodyPr rtlCol="0" anchor="ctr"/>
+          <a:lstStyle/>
+          <a:p>
+            <a:pPr algn="ctr"/>
+            <a:endParaRPr kumimoji="1" lang="zh-CN" altLang="en-US"/>
+          </a:p>
+        </p:txBody>
+      </p:sp>
+      <p:cxnSp>
+        <p:nvCxnSpPr>
+          <p:cNvPr id="13" name="直线连接符 12"/>
+          <p:cNvCxnSpPr/>
+          <p:nvPr/>
+        </p:nvCxnSpPr>
+        <p:spPr>
+          <a:xfrm>
+            <a:off x="6918219" y="3566349"/>
+            <a:ext cx="2281875" cy="1296538"/>
+          </a:xfrm>
+          <a:prstGeom prst="line">
+            <a:avLst/>
+          </a:prstGeom>
+          <a:ln>
+            <a:solidFill>
+              <a:srgbClr val="C00000"/>
+            </a:solidFill>
+          </a:ln>
+        </p:spPr>
+        <p:style>
+          <a:lnRef idx="1">
+            <a:schemeClr val="accent1"/>
+          </a:lnRef>
+          <a:fillRef idx="0">
+            <a:schemeClr val="accent1"/>
+          </a:fillRef>
+          <a:effectRef idx="0">
+            <a:schemeClr val="accent1"/>
+          </a:effectRef>
+          <a:fontRef idx="minor">
+            <a:schemeClr val="tx1"/>
+          </a:fontRef>
+        </p:style>
+      </p:cxnSp>
+      <p:cxnSp>
+        <p:nvCxnSpPr>
+          <p:cNvPr id="16" name="直线连接符 15"/>
+          <p:cNvCxnSpPr/>
+          <p:nvPr/>
+        </p:nvCxnSpPr>
+        <p:spPr>
+          <a:xfrm flipV="1">
+            <a:off x="6918219" y="3501112"/>
+            <a:ext cx="2281875" cy="1361775"/>
+          </a:xfrm>
+          <a:prstGeom prst="line">
+            <a:avLst/>
+          </a:prstGeom>
+          <a:ln>
+            <a:solidFill>
+              <a:srgbClr val="C00000"/>
+            </a:solidFill>
+          </a:ln>
+        </p:spPr>
+        <p:style>
+          <a:lnRef idx="1">
+            <a:schemeClr val="accent1"/>
+          </a:lnRef>
+          <a:fillRef idx="0">
+            <a:schemeClr val="accent1"/>
+          </a:fillRef>
+          <a:effectRef idx="0">
+            <a:schemeClr val="accent1"/>
+          </a:effectRef>
+          <a:fontRef idx="minor">
+            <a:schemeClr val="tx1"/>
+          </a:fontRef>
+        </p:style>
+      </p:cxnSp>
+      <p:sp>
+        <p:nvSpPr>
+          <p:cNvPr id="20" name="文本框 19"/>
+          <p:cNvSpPr txBox="1"/>
+          <p:nvPr/>
+        </p:nvSpPr>
+        <p:spPr>
+          <a:xfrm>
+            <a:off x="1747436" y="5524437"/>
+            <a:ext cx="1267463" cy="461665"/>
+          </a:xfrm>
+          <a:prstGeom prst="rect">
+            <a:avLst/>
+          </a:prstGeom>
+          <a:noFill/>
+        </p:spPr>
+        <p:txBody>
+          <a:bodyPr wrap="none" rtlCol="0">
+            <a:spAutoFit/>
+          </a:bodyPr>
+          <a:lstStyle/>
+          <a:p>
+            <a:r>
+              <a:rPr kumimoji="1" lang="en-US" altLang="zh-CN" sz="2400" dirty="0"/>
+              <a:t>Disbelief</a:t>
+            </a:r>
+            <a:endParaRPr kumimoji="1" lang="zh-CN" altLang="en-US" sz="2400" dirty="0"/>
+          </a:p>
+        </p:txBody>
+      </p:sp>
+      <p:pic>
+        <p:nvPicPr>
+          <p:cNvPr id="21" name="图片 20"/>
+          <p:cNvPicPr>
+            <a:picLocks noChangeAspect="1"/>
+          </p:cNvPicPr>
+          <p:nvPr/>
+        </p:nvPicPr>
+        <p:blipFill>
+          <a:blip r:embed="rId8">
+            <a:extLst>
+              <a:ext uri="{28A0092B-C50C-407E-A947-70E740481C1C}">
+                <a14:useLocalDpi xmlns:a14="http://schemas.microsoft.com/office/drawing/2010/main" val="0"/>
+              </a:ext>
+            </a:extLst>
+          </a:blip>
+          <a:stretch>
+            <a:fillRect/>
+          </a:stretch>
+        </p:blipFill>
+        <p:spPr>
+          <a:xfrm>
+            <a:off x="1123800" y="5483630"/>
+            <a:ext cx="623636" cy="639098"/>
+          </a:xfrm>
+          <a:prstGeom prst="rect">
+            <a:avLst/>
+          </a:prstGeom>
+        </p:spPr>
+      </p:pic>
+      <p:sp>
+        <p:nvSpPr>
+          <p:cNvPr id="22" name="文本框 21"/>
+          <p:cNvSpPr txBox="1"/>
+          <p:nvPr/>
+        </p:nvSpPr>
+        <p:spPr>
+          <a:xfrm>
+            <a:off x="1022113" y="1564789"/>
+            <a:ext cx="5437835" cy="1200329"/>
+          </a:xfrm>
+          <a:prstGeom prst="rect">
+            <a:avLst/>
+          </a:prstGeom>
+          <a:noFill/>
+        </p:spPr>
+        <p:txBody>
+          <a:bodyPr wrap="none" rtlCol="0">
+            <a:spAutoFit/>
+          </a:bodyPr>
+          <a:lstStyle/>
+          <a:p>
+            <a:r>
+              <a:rPr kumimoji="1" lang="en-US" altLang="zh-CN" sz="2400" dirty="0"/>
+              <a:t>What we have:</a:t>
+            </a:r>
+          </a:p>
+          <a:p>
+            <a:pPr marL="285750" indent="-285750">
+              <a:buFont typeface="Arial" charset="0"/>
+              <a:buChar char="•"/>
             </a:pPr>
             <a:r>
-              <a:rPr kumimoji="1" lang="en-US" altLang="zh-CN" sz="2400" dirty="0" smtClean="0"/>
-              <a:t>Algorithm</a:t>
-            </a:r>
-            <a:r>
-              <a:rPr kumimoji="1" lang="zh-CN" altLang="en-US" sz="2400" dirty="0" smtClean="0"/>
-              <a:t> </a:t>
-            </a:r>
-            <a:r>
-              <a:rPr kumimoji="1" lang="en-US" altLang="zh-CN" sz="2400" dirty="0" smtClean="0"/>
-              <a:t>validation</a:t>
-            </a:r>
-            <a:r>
-              <a:rPr kumimoji="1" lang="zh-CN" altLang="en-US" sz="2400" dirty="0" smtClean="0"/>
-              <a:t> </a:t>
-            </a:r>
-            <a:r>
-              <a:rPr kumimoji="1" lang="en-US" altLang="zh-CN" sz="2400" dirty="0" smtClean="0"/>
-              <a:t>analysis.</a:t>
-            </a:r>
-            <a:r>
-              <a:rPr kumimoji="1" lang="zh-CN" altLang="en-US" sz="2400" dirty="0" smtClean="0"/>
-              <a:t> </a:t>
-            </a:r>
-            <a:r>
-              <a:rPr kumimoji="1" lang="en-US" altLang="zh-CN" sz="2400" dirty="0" smtClean="0"/>
-              <a:t>Repeat</a:t>
-            </a:r>
-            <a:r>
-              <a:rPr kumimoji="1" lang="zh-CN" altLang="en-US" sz="2400" dirty="0" smtClean="0"/>
-              <a:t> </a:t>
-            </a:r>
-            <a:r>
-              <a:rPr kumimoji="1" lang="en-US" altLang="zh-CN" sz="2400" dirty="0" smtClean="0"/>
-              <a:t>the</a:t>
-            </a:r>
-            <a:r>
-              <a:rPr kumimoji="1" lang="zh-CN" altLang="en-US" sz="2400" dirty="0" smtClean="0"/>
-              <a:t> </a:t>
-            </a:r>
-            <a:r>
-              <a:rPr kumimoji="1" lang="en-US" altLang="zh-CN" sz="2400" dirty="0" smtClean="0"/>
-              <a:t>experiment</a:t>
-            </a:r>
-            <a:r>
-              <a:rPr kumimoji="1" lang="zh-CN" altLang="en-US" sz="2400" dirty="0" smtClean="0"/>
-              <a:t> </a:t>
-            </a:r>
-            <a:r>
-              <a:rPr kumimoji="1" lang="en-US" altLang="zh-CN" sz="2400" dirty="0" smtClean="0"/>
-              <a:t>10</a:t>
-            </a:r>
-            <a:r>
-              <a:rPr kumimoji="1" lang="zh-CN" altLang="en-US" sz="2400" dirty="0" smtClean="0"/>
-              <a:t> </a:t>
-            </a:r>
-            <a:r>
-              <a:rPr kumimoji="1" lang="en-US" altLang="zh-CN" sz="2400" dirty="0" smtClean="0"/>
-              <a:t>times</a:t>
-            </a:r>
-            <a:r>
-              <a:rPr kumimoji="1" lang="zh-CN" altLang="en-US" sz="2400" dirty="0" smtClean="0"/>
-              <a:t> </a:t>
-            </a:r>
-            <a:r>
-              <a:rPr kumimoji="1" lang="en-US" altLang="zh-CN" sz="2400" dirty="0" smtClean="0"/>
-              <a:t>and</a:t>
-            </a:r>
-            <a:r>
-              <a:rPr kumimoji="1" lang="zh-CN" altLang="en-US" sz="2400" dirty="0" smtClean="0"/>
-              <a:t> </a:t>
-            </a:r>
-            <a:r>
-              <a:rPr kumimoji="1" lang="en-US" altLang="zh-CN" sz="2400" dirty="0" smtClean="0"/>
-              <a:t>record</a:t>
-            </a:r>
-            <a:r>
-              <a:rPr kumimoji="1" lang="zh-CN" altLang="en-US" sz="2400" dirty="0" smtClean="0"/>
-              <a:t> </a:t>
-            </a:r>
-            <a:r>
-              <a:rPr kumimoji="1" lang="en-US" altLang="zh-CN" sz="2400" dirty="0" smtClean="0"/>
-              <a:t>its</a:t>
-            </a:r>
-            <a:r>
-              <a:rPr kumimoji="1" lang="zh-CN" altLang="en-US" sz="2400" dirty="0"/>
-              <a:t> </a:t>
-            </a:r>
-            <a:r>
-              <a:rPr kumimoji="1" lang="en-US" altLang="zh-CN" sz="2400" dirty="0" smtClean="0"/>
-              <a:t>outcome</a:t>
-            </a:r>
-            <a:r>
-              <a:rPr kumimoji="1" lang="zh-CN" altLang="en-US" sz="2400" dirty="0" smtClean="0"/>
-              <a:t> </a:t>
-            </a:r>
-            <a:r>
-              <a:rPr kumimoji="1" lang="en-US" altLang="zh-CN" sz="2400" dirty="0" smtClean="0"/>
-              <a:t>and</a:t>
-            </a:r>
-            <a:r>
-              <a:rPr kumimoji="1" lang="zh-CN" altLang="en-US" sz="2400" dirty="0" smtClean="0"/>
-              <a:t> </a:t>
-            </a:r>
-            <a:r>
-              <a:rPr kumimoji="1" lang="en-US" altLang="zh-CN" sz="2400" dirty="0" smtClean="0"/>
-              <a:t>result</a:t>
-            </a:r>
-            <a:r>
-              <a:rPr kumimoji="1" lang="zh-CN" altLang="en-US" sz="2400" dirty="0" smtClean="0"/>
-              <a:t> </a:t>
-            </a:r>
-            <a:endParaRPr kumimoji="1" lang="en-US" altLang="zh-CN" sz="2400" dirty="0"/>
+              <a:rPr kumimoji="1" lang="en-US" altLang="zh-CN" sz="2400" dirty="0"/>
+              <a:t>Well designed machine learning models</a:t>
+            </a:r>
+          </a:p>
+          <a:p>
+            <a:pPr marL="285750" indent="-285750">
+              <a:buFont typeface="Arial" charset="0"/>
+              <a:buChar char="•"/>
+            </a:pPr>
+            <a:r>
+              <a:rPr kumimoji="1" lang="en-US" altLang="zh-CN" sz="2400" dirty="0"/>
+              <a:t>Large datasets</a:t>
+            </a:r>
           </a:p>
         </p:txBody>
       </p:sp>
@@ -4942,6 +5102,532 @@
     <p:extLst>
       <p:ext uri="{BB962C8B-B14F-4D97-AF65-F5344CB8AC3E}">
         <p14:creationId xmlns:p14="http://schemas.microsoft.com/office/powerpoint/2010/main" val="259597921"/>
+      </p:ext>
+    </p:extLst>
+  </p:cSld>
+  <p:clrMapOvr>
+    <a:masterClrMapping/>
+  </p:clrMapOvr>
+  <p:timing>
+    <p:tnLst>
+      <p:par>
+        <p:cTn id="1" dur="indefinite" restart="never" nodeType="tmRoot">
+          <p:childTnLst>
+            <p:seq concurrent="1" nextAc="seek">
+              <p:cTn id="2" dur="indefinite" nodeType="mainSeq">
+                <p:childTnLst>
+                  <p:par>
+                    <p:cTn id="3" fill="hold">
+                      <p:stCondLst>
+                        <p:cond delay="indefinite"/>
+                      </p:stCondLst>
+                      <p:childTnLst>
+                        <p:par>
+                          <p:cTn id="4" fill="hold">
+                            <p:stCondLst>
+                              <p:cond delay="0"/>
+                            </p:stCondLst>
+                            <p:childTnLst>
+                              <p:par>
+                                <p:cTn id="5" presetID="1" presetClass="entr" presetSubtype="0" fill="hold" grpId="0" nodeType="clickEffect">
+                                  <p:stCondLst>
+                                    <p:cond delay="0"/>
+                                  </p:stCondLst>
+                                  <p:childTnLst>
+                                    <p:set>
+                                      <p:cBhvr>
+                                        <p:cTn id="6" dur="1" fill="hold">
+                                          <p:stCondLst>
+                                            <p:cond delay="0"/>
+                                          </p:stCondLst>
+                                        </p:cTn>
+                                        <p:tgtEl>
+                                          <p:spTgt spid="11"/>
+                                        </p:tgtEl>
+                                        <p:attrNameLst>
+                                          <p:attrName>style.visibility</p:attrName>
+                                        </p:attrNameLst>
+                                      </p:cBhvr>
+                                      <p:to>
+                                        <p:strVal val="visible"/>
+                                      </p:to>
+                                    </p:set>
+                                  </p:childTnLst>
+                                </p:cTn>
+                              </p:par>
+                              <p:par>
+                                <p:cTn id="7" presetID="1" presetClass="entr" presetSubtype="0" fill="hold" grpId="0" nodeType="withEffect">
+                                  <p:stCondLst>
+                                    <p:cond delay="0"/>
+                                  </p:stCondLst>
+                                  <p:childTnLst>
+                                    <p:set>
+                                      <p:cBhvr>
+                                        <p:cTn id="8" dur="1" fill="hold">
+                                          <p:stCondLst>
+                                            <p:cond delay="0"/>
+                                          </p:stCondLst>
+                                        </p:cTn>
+                                        <p:tgtEl>
+                                          <p:spTgt spid="7"/>
+                                        </p:tgtEl>
+                                        <p:attrNameLst>
+                                          <p:attrName>style.visibility</p:attrName>
+                                        </p:attrNameLst>
+                                      </p:cBhvr>
+                                      <p:to>
+                                        <p:strVal val="visible"/>
+                                      </p:to>
+                                    </p:set>
+                                  </p:childTnLst>
+                                </p:cTn>
+                              </p:par>
+                              <p:par>
+                                <p:cTn id="9" presetID="1" presetClass="entr" presetSubtype="0" fill="hold" nodeType="withEffect">
+                                  <p:stCondLst>
+                                    <p:cond delay="0"/>
+                                  </p:stCondLst>
+                                  <p:childTnLst>
+                                    <p:set>
+                                      <p:cBhvr>
+                                        <p:cTn id="10" dur="1" fill="hold">
+                                          <p:stCondLst>
+                                            <p:cond delay="0"/>
+                                          </p:stCondLst>
+                                        </p:cTn>
+                                        <p:tgtEl>
+                                          <p:spTgt spid="13"/>
+                                        </p:tgtEl>
+                                        <p:attrNameLst>
+                                          <p:attrName>style.visibility</p:attrName>
+                                        </p:attrNameLst>
+                                      </p:cBhvr>
+                                      <p:to>
+                                        <p:strVal val="visible"/>
+                                      </p:to>
+                                    </p:set>
+                                  </p:childTnLst>
+                                </p:cTn>
+                              </p:par>
+                              <p:par>
+                                <p:cTn id="11" presetID="1" presetClass="entr" presetSubtype="0" fill="hold" nodeType="withEffect">
+                                  <p:stCondLst>
+                                    <p:cond delay="0"/>
+                                  </p:stCondLst>
+                                  <p:childTnLst>
+                                    <p:set>
+                                      <p:cBhvr>
+                                        <p:cTn id="12" dur="1" fill="hold">
+                                          <p:stCondLst>
+                                            <p:cond delay="0"/>
+                                          </p:stCondLst>
+                                        </p:cTn>
+                                        <p:tgtEl>
+                                          <p:spTgt spid="16"/>
+                                        </p:tgtEl>
+                                        <p:attrNameLst>
+                                          <p:attrName>style.visibility</p:attrName>
+                                        </p:attrNameLst>
+                                      </p:cBhvr>
+                                      <p:to>
+                                        <p:strVal val="visible"/>
+                                      </p:to>
+                                    </p:set>
+                                  </p:childTnLst>
+                                </p:cTn>
+                              </p:par>
+                            </p:childTnLst>
+                          </p:cTn>
+                        </p:par>
+                      </p:childTnLst>
+                    </p:cTn>
+                  </p:par>
+                </p:childTnLst>
+              </p:cTn>
+              <p:prevCondLst>
+                <p:cond evt="onPrev" delay="0">
+                  <p:tgtEl>
+                    <p:sldTgt/>
+                  </p:tgtEl>
+                </p:cond>
+              </p:prevCondLst>
+              <p:nextCondLst>
+                <p:cond evt="onNext" delay="0">
+                  <p:tgtEl>
+                    <p:sldTgt/>
+                  </p:tgtEl>
+                </p:cond>
+              </p:nextCondLst>
+            </p:seq>
+          </p:childTnLst>
+        </p:cTn>
+      </p:par>
+    </p:tnLst>
+    <p:bldLst>
+      <p:bldP spid="7" grpId="0"/>
+      <p:bldP spid="11" grpId="0" animBg="1"/>
+    </p:bldLst>
+  </p:timing>
+</p:sld>
+</file>
+
+<file path=ppt/slides/slide4.xml><?xml version="1.0" encoding="utf-8"?>
+<p:sld xmlns:a="http://schemas.openxmlformats.org/drawingml/2006/main" xmlns:r="http://schemas.openxmlformats.org/officeDocument/2006/relationships" xmlns:p="http://schemas.openxmlformats.org/presentationml/2006/main">
+  <p:cSld>
+    <p:spTree>
+      <p:nvGrpSpPr>
+        <p:cNvPr id="1" name=""/>
+        <p:cNvGrpSpPr/>
+        <p:nvPr/>
+      </p:nvGrpSpPr>
+      <p:grpSpPr>
+        <a:xfrm>
+          <a:off x="0" y="0"/>
+          <a:ext cx="0" cy="0"/>
+          <a:chOff x="0" y="0"/>
+          <a:chExt cx="0" cy="0"/>
+        </a:xfrm>
+      </p:grpSpPr>
+      <p:pic>
+        <p:nvPicPr>
+          <p:cNvPr id="8" name="内容占位符 7"/>
+          <p:cNvPicPr>
+            <a:picLocks noGrp="1" noChangeAspect="1"/>
+          </p:cNvPicPr>
+          <p:nvPr>
+            <p:ph idx="1"/>
+          </p:nvPr>
+        </p:nvPicPr>
+        <p:blipFill>
+          <a:blip r:embed="rId2">
+            <a:extLst>
+              <a:ext uri="{28A0092B-C50C-407E-A947-70E740481C1C}">
+                <a14:useLocalDpi xmlns:a14="http://schemas.microsoft.com/office/drawing/2010/main" val="0"/>
+              </a:ext>
+            </a:extLst>
+          </a:blip>
+          <a:stretch>
+            <a:fillRect/>
+          </a:stretch>
+        </p:blipFill>
+        <p:spPr>
+          <a:xfrm>
+            <a:off x="-423851" y="-708903"/>
+            <a:ext cx="13039702" cy="2652243"/>
+          </a:xfrm>
+        </p:spPr>
+      </p:pic>
+      <p:sp>
+        <p:nvSpPr>
+          <p:cNvPr id="2" name="标题 1">
+            <a:extLst>
+              <a:ext uri="{FF2B5EF4-FFF2-40B4-BE49-F238E27FC236}">
+                <a16:creationId xmlns="" xmlns:a16="http://schemas.microsoft.com/office/drawing/2014/main" id="{729E7753-D934-41AF-979C-BE3013383BDA}"/>
+              </a:ext>
+            </a:extLst>
+          </p:cNvPr>
+          <p:cNvSpPr>
+            <a:spLocks noGrp="1"/>
+          </p:cNvSpPr>
+          <p:nvPr>
+            <p:ph type="title"/>
+          </p:nvPr>
+        </p:nvSpPr>
+        <p:spPr>
+          <a:xfrm>
+            <a:off x="1077849" y="-45562"/>
+            <a:ext cx="10515600" cy="1325563"/>
+          </a:xfrm>
+        </p:spPr>
+        <p:txBody>
+          <a:bodyPr>
+            <a:normAutofit/>
+          </a:bodyPr>
+          <a:lstStyle/>
+          <a:p>
+            <a:r>
+              <a:rPr lang="en-US" altLang="zh-CN" b="1" dirty="0" smtClean="0"/>
+              <a:t>3. Limitation of Disbelief</a:t>
+            </a:r>
+            <a:endParaRPr lang="en-HK" b="1" dirty="0"/>
+          </a:p>
+        </p:txBody>
+      </p:sp>
+      <p:pic>
+        <p:nvPicPr>
+          <p:cNvPr id="4" name="图形 3">
+            <a:extLst>
+              <a:ext uri="{FF2B5EF4-FFF2-40B4-BE49-F238E27FC236}">
+                <a16:creationId xmlns="" xmlns:a16="http://schemas.microsoft.com/office/drawing/2014/main" id="{3EF556CA-30DB-46CA-B010-E7BC06705578}"/>
+              </a:ext>
+            </a:extLst>
+          </p:cNvPr>
+          <p:cNvPicPr>
+            <a:picLocks noChangeAspect="1"/>
+          </p:cNvPicPr>
+          <p:nvPr/>
+        </p:nvPicPr>
+        <p:blipFill>
+          <a:blip r:embed="rId3">
+            <a:extLst>
+              <a:ext uri="{96DAC541-7B7A-43D3-8B79-37D633B846F1}">
+                <asvg:svgBlip xmlns="" xmlns:asvg="http://schemas.microsoft.com/office/drawing/2016/SVG/main" r:embed="rId5"/>
+              </a:ext>
+            </a:extLst>
+          </a:blip>
+          <a:stretch>
+            <a:fillRect/>
+          </a:stretch>
+        </p:blipFill>
+        <p:spPr>
+          <a:xfrm>
+            <a:off x="-50800" y="6122728"/>
+            <a:ext cx="12242800" cy="1278197"/>
+          </a:xfrm>
+          <a:prstGeom prst="rect">
+            <a:avLst/>
+          </a:prstGeom>
+        </p:spPr>
+      </p:pic>
+      <p:sp>
+        <p:nvSpPr>
+          <p:cNvPr id="5" name="箭头: 五边形 4">
+            <a:extLst>
+              <a:ext uri="{FF2B5EF4-FFF2-40B4-BE49-F238E27FC236}">
+                <a16:creationId xmlns="" xmlns:a16="http://schemas.microsoft.com/office/drawing/2014/main" id="{61E862C7-DDED-46B2-88A9-92A4D3F40475}"/>
+              </a:ext>
+            </a:extLst>
+          </p:cNvPr>
+          <p:cNvSpPr/>
+          <p:nvPr/>
+        </p:nvSpPr>
+        <p:spPr>
+          <a:xfrm rot="5400000">
+            <a:off x="-60257" y="234315"/>
+            <a:ext cx="1234440" cy="765810"/>
+          </a:xfrm>
+          <a:prstGeom prst="homePlate">
+            <a:avLst/>
+          </a:prstGeom>
+          <a:solidFill>
+            <a:srgbClr val="034246"/>
+          </a:solidFill>
+        </p:spPr>
+        <p:style>
+          <a:lnRef idx="2">
+            <a:schemeClr val="accent1">
+              <a:shade val="50000"/>
+            </a:schemeClr>
+          </a:lnRef>
+          <a:fillRef idx="1">
+            <a:schemeClr val="accent1"/>
+          </a:fillRef>
+          <a:effectRef idx="0">
+            <a:schemeClr val="accent1"/>
+          </a:effectRef>
+          <a:fontRef idx="minor">
+            <a:schemeClr val="lt1"/>
+          </a:fontRef>
+        </p:style>
+        <p:txBody>
+          <a:bodyPr rtlCol="0" anchor="ctr"/>
+          <a:lstStyle/>
+          <a:p>
+            <a:pPr algn="ctr"/>
+            <a:endParaRPr lang="en-HK"/>
+          </a:p>
+        </p:txBody>
+      </p:sp>
+      <p:pic>
+        <p:nvPicPr>
+          <p:cNvPr id="6" name="图形 5">
+            <a:extLst>
+              <a:ext uri="{FF2B5EF4-FFF2-40B4-BE49-F238E27FC236}">
+                <a16:creationId xmlns="" xmlns:a16="http://schemas.microsoft.com/office/drawing/2014/main" id="{217E1EC4-7E0E-4611-9AC8-528215714F14}"/>
+              </a:ext>
+            </a:extLst>
+          </p:cNvPr>
+          <p:cNvPicPr>
+            <a:picLocks noChangeAspect="1"/>
+          </p:cNvPicPr>
+          <p:nvPr/>
+        </p:nvPicPr>
+        <p:blipFill>
+          <a:blip r:embed="rId6">
+            <a:extLst>
+              <a:ext uri="{96DAC541-7B7A-43D3-8B79-37D633B846F1}">
+                <asvg:svgBlip xmlns="" xmlns:asvg="http://schemas.microsoft.com/office/drawing/2016/SVG/main" r:embed="rId7"/>
+              </a:ext>
+            </a:extLst>
+          </a:blip>
+          <a:stretch>
+            <a:fillRect/>
+          </a:stretch>
+        </p:blipFill>
+        <p:spPr>
+          <a:xfrm>
+            <a:off x="312039" y="103823"/>
+            <a:ext cx="489848" cy="717523"/>
+          </a:xfrm>
+          <a:prstGeom prst="rect">
+            <a:avLst/>
+          </a:prstGeom>
+        </p:spPr>
+      </p:pic>
+      <p:sp>
+        <p:nvSpPr>
+          <p:cNvPr id="3" name="文本框 2"/>
+          <p:cNvSpPr txBox="1"/>
+          <p:nvPr/>
+        </p:nvSpPr>
+        <p:spPr>
+          <a:xfrm>
+            <a:off x="450376" y="2113124"/>
+            <a:ext cx="9779793" cy="2862322"/>
+          </a:xfrm>
+          <a:prstGeom prst="rect">
+            <a:avLst/>
+          </a:prstGeom>
+          <a:noFill/>
+        </p:spPr>
+        <p:txBody>
+          <a:bodyPr wrap="none" rtlCol="0">
+            <a:spAutoFit/>
+          </a:bodyPr>
+          <a:lstStyle/>
+          <a:p>
+            <a:pPr marL="285750" indent="-285750">
+              <a:buFont typeface="Arial" charset="0"/>
+              <a:buChar char="•"/>
+            </a:pPr>
+            <a:r>
+              <a:rPr kumimoji="1" lang="en-US" altLang="zh-CN" dirty="0" smtClean="0"/>
+              <a:t>Layers: </a:t>
+            </a:r>
+          </a:p>
+          <a:p>
+            <a:r>
+              <a:rPr kumimoji="1" lang="en-US" altLang="zh-CN" dirty="0" smtClean="0"/>
+              <a:t>Layers in Disbelief are written as C++ classes, which is not friendly when user want to create new layer.</a:t>
+            </a:r>
+          </a:p>
+          <a:p>
+            <a:endParaRPr kumimoji="1" lang="en-US" altLang="zh-CN" dirty="0"/>
+          </a:p>
+          <a:p>
+            <a:pPr marL="285750" indent="-285750">
+              <a:buFont typeface="Arial" charset="0"/>
+              <a:buChar char="•"/>
+            </a:pPr>
+            <a:r>
+              <a:rPr lang="en-US" altLang="zh-CN" dirty="0"/>
+              <a:t>Optimization Techniques</a:t>
+            </a:r>
+            <a:r>
+              <a:rPr lang="en-US" altLang="zh-CN" dirty="0" smtClean="0"/>
+              <a:t>:</a:t>
+            </a:r>
+          </a:p>
+          <a:p>
+            <a:r>
+              <a:rPr lang="en-US" altLang="zh-CN" dirty="0"/>
+              <a:t>optimization methods outside of stochastic gradient </a:t>
+            </a:r>
+            <a:r>
+              <a:rPr lang="en-US" altLang="zh-CN" dirty="0" smtClean="0"/>
+              <a:t>descent(SGD)</a:t>
+            </a:r>
+            <a:r>
+              <a:rPr lang="en-US" altLang="zh-CN" dirty="0"/>
+              <a:t> </a:t>
+            </a:r>
+            <a:r>
+              <a:rPr lang="en-US" altLang="zh-CN" dirty="0" smtClean="0"/>
+              <a:t>is </a:t>
+            </a:r>
+            <a:r>
+              <a:rPr lang="en-US" altLang="zh-CN" dirty="0"/>
+              <a:t>not easy and might not work </a:t>
+            </a:r>
+            <a:r>
+              <a:rPr lang="en-US" altLang="zh-CN" dirty="0" smtClean="0"/>
+              <a:t>well</a:t>
+            </a:r>
+          </a:p>
+          <a:p>
+            <a:r>
+              <a:rPr lang="en-US" altLang="zh-CN" b="1" dirty="0"/>
+              <a:t>Batch gradient </a:t>
+            </a:r>
+            <a:r>
+              <a:rPr lang="en-US" altLang="zh-CN" b="1" dirty="0" smtClean="0"/>
+              <a:t>descent      Adaptive </a:t>
+            </a:r>
+            <a:r>
+              <a:rPr lang="en-US" altLang="zh-CN" b="1" dirty="0"/>
+              <a:t>Moment Estimation (Adam)</a:t>
+            </a:r>
+          </a:p>
+          <a:p>
+            <a:endParaRPr lang="en-US" altLang="zh-CN" b="1" dirty="0" smtClean="0"/>
+          </a:p>
+          <a:p>
+            <a:pPr marL="285750" indent="-285750">
+              <a:buFont typeface="Arial" charset="0"/>
+              <a:buChar char="•"/>
+            </a:pPr>
+            <a:r>
+              <a:rPr lang="en-US" altLang="zh-CN" dirty="0"/>
+              <a:t>NN structures</a:t>
+            </a:r>
+            <a:r>
+              <a:rPr lang="en-US" altLang="zh-CN" dirty="0" smtClean="0"/>
+              <a:t>:</a:t>
+            </a:r>
+          </a:p>
+          <a:p>
+            <a:r>
+              <a:rPr lang="en-US" altLang="zh-CN" dirty="0"/>
+              <a:t>Fixed execution </a:t>
+            </a:r>
+            <a:r>
+              <a:rPr lang="en-US" altLang="zh-CN" dirty="0" smtClean="0"/>
+              <a:t>pattern</a:t>
+            </a:r>
+          </a:p>
+          <a:p>
+            <a:r>
+              <a:rPr lang="en-US" altLang="zh-CN" b="1" dirty="0"/>
+              <a:t>Generative Adversarial </a:t>
+            </a:r>
+            <a:r>
+              <a:rPr lang="en-US" altLang="zh-CN" b="1" dirty="0"/>
+              <a:t>Network(GAN</a:t>
+            </a:r>
+            <a:r>
+              <a:rPr lang="en-US" altLang="zh-CN" b="1" dirty="0" smtClean="0"/>
+              <a:t>)</a:t>
+            </a:r>
+            <a:r>
+              <a:rPr lang="zh-CN" altLang="en-US" b="1" dirty="0" smtClean="0"/>
+              <a:t>  </a:t>
+            </a:r>
+            <a:r>
+              <a:rPr lang="en-US" altLang="zh-CN" b="1" dirty="0" err="1" smtClean="0"/>
+              <a:t>GraphGAN</a:t>
+            </a:r>
+            <a:r>
+              <a:rPr lang="en-US" altLang="zh-CN" b="1" dirty="0" smtClean="0"/>
+              <a:t> Dropout </a:t>
+            </a:r>
+            <a:endParaRPr lang="zh-CN" altLang="en-US" b="1" dirty="0"/>
+          </a:p>
+        </p:txBody>
+      </p:sp>
+    </p:spTree>
+    <p:extLst>
+      <p:ext uri="{BB962C8B-B14F-4D97-AF65-F5344CB8AC3E}">
+        <p14:creationId xmlns:p14="http://schemas.microsoft.com/office/powerpoint/2010/main" val="561979452"/>
       </p:ext>
     </p:extLst>
   </p:cSld>
@@ -4958,7 +5644,687 @@
 </p:sld>
 </file>
 
-<file path=ppt/slides/slide4.xml><?xml version="1.0" encoding="utf-8"?>
+<file path=ppt/slides/slide5.xml><?xml version="1.0" encoding="utf-8"?>
+<p:sld xmlns:a="http://schemas.openxmlformats.org/drawingml/2006/main" xmlns:r="http://schemas.openxmlformats.org/officeDocument/2006/relationships" xmlns:p="http://schemas.openxmlformats.org/presentationml/2006/main">
+  <p:cSld>
+    <p:spTree>
+      <p:nvGrpSpPr>
+        <p:cNvPr id="1" name=""/>
+        <p:cNvGrpSpPr/>
+        <p:nvPr/>
+      </p:nvGrpSpPr>
+      <p:grpSpPr>
+        <a:xfrm>
+          <a:off x="0" y="0"/>
+          <a:ext cx="0" cy="0"/>
+          <a:chOff x="0" y="0"/>
+          <a:chExt cx="0" cy="0"/>
+        </a:xfrm>
+      </p:grpSpPr>
+      <p:pic>
+        <p:nvPicPr>
+          <p:cNvPr id="8" name="内容占位符 7"/>
+          <p:cNvPicPr>
+            <a:picLocks noGrp="1" noChangeAspect="1"/>
+          </p:cNvPicPr>
+          <p:nvPr>
+            <p:ph idx="1"/>
+          </p:nvPr>
+        </p:nvPicPr>
+        <p:blipFill>
+          <a:blip r:embed="rId2">
+            <a:extLst>
+              <a:ext uri="{28A0092B-C50C-407E-A947-70E740481C1C}">
+                <a14:useLocalDpi xmlns:a14="http://schemas.microsoft.com/office/drawing/2010/main" val="0"/>
+              </a:ext>
+            </a:extLst>
+          </a:blip>
+          <a:stretch>
+            <a:fillRect/>
+          </a:stretch>
+        </p:blipFill>
+        <p:spPr>
+          <a:xfrm>
+            <a:off x="-423851" y="-708903"/>
+            <a:ext cx="13039702" cy="2652243"/>
+          </a:xfrm>
+        </p:spPr>
+      </p:pic>
+      <p:sp>
+        <p:nvSpPr>
+          <p:cNvPr id="2" name="标题 1">
+            <a:extLst>
+              <a:ext uri="{FF2B5EF4-FFF2-40B4-BE49-F238E27FC236}">
+                <a16:creationId xmlns="" xmlns:a16="http://schemas.microsoft.com/office/drawing/2014/main" id="{729E7753-D934-41AF-979C-BE3013383BDA}"/>
+              </a:ext>
+            </a:extLst>
+          </p:cNvPr>
+          <p:cNvSpPr>
+            <a:spLocks noGrp="1"/>
+          </p:cNvSpPr>
+          <p:nvPr>
+            <p:ph type="title"/>
+          </p:nvPr>
+        </p:nvSpPr>
+        <p:spPr>
+          <a:xfrm>
+            <a:off x="1077849" y="-45562"/>
+            <a:ext cx="10515600" cy="1325563"/>
+          </a:xfrm>
+        </p:spPr>
+        <p:txBody>
+          <a:bodyPr>
+            <a:normAutofit/>
+          </a:bodyPr>
+          <a:lstStyle/>
+          <a:p>
+            <a:r>
+              <a:rPr lang="en-US" altLang="zh-CN" b="1" dirty="0"/>
+              <a:t>4</a:t>
+            </a:r>
+            <a:r>
+              <a:rPr lang="en-US" altLang="zh-CN" b="1" dirty="0" smtClean="0"/>
+              <a:t>. </a:t>
+            </a:r>
+            <a:r>
+              <a:rPr lang="en-US" altLang="zh-CN" b="1" dirty="0"/>
+              <a:t>Core</a:t>
+            </a:r>
+            <a:r>
+              <a:rPr lang="zh-CN" altLang="en-US" b="1" dirty="0"/>
+              <a:t> </a:t>
+            </a:r>
+            <a:r>
+              <a:rPr lang="en-US" altLang="zh-CN" b="1" dirty="0"/>
+              <a:t>design principles</a:t>
+            </a:r>
+            <a:endParaRPr lang="en-HK" b="1" dirty="0"/>
+          </a:p>
+        </p:txBody>
+      </p:sp>
+      <p:pic>
+        <p:nvPicPr>
+          <p:cNvPr id="4" name="图形 3">
+            <a:extLst>
+              <a:ext uri="{FF2B5EF4-FFF2-40B4-BE49-F238E27FC236}">
+                <a16:creationId xmlns="" xmlns:a16="http://schemas.microsoft.com/office/drawing/2014/main" id="{3EF556CA-30DB-46CA-B010-E7BC06705578}"/>
+              </a:ext>
+            </a:extLst>
+          </p:cNvPr>
+          <p:cNvPicPr>
+            <a:picLocks noChangeAspect="1"/>
+          </p:cNvPicPr>
+          <p:nvPr/>
+        </p:nvPicPr>
+        <p:blipFill>
+          <a:blip r:embed="rId3">
+            <a:extLst>
+              <a:ext uri="{96DAC541-7B7A-43D3-8B79-37D633B846F1}">
+                <asvg:svgBlip xmlns="" xmlns:asvg="http://schemas.microsoft.com/office/drawing/2016/SVG/main" r:embed="rId5"/>
+              </a:ext>
+            </a:extLst>
+          </a:blip>
+          <a:stretch>
+            <a:fillRect/>
+          </a:stretch>
+        </p:blipFill>
+        <p:spPr>
+          <a:xfrm>
+            <a:off x="-50800" y="6122728"/>
+            <a:ext cx="12242800" cy="1278197"/>
+          </a:xfrm>
+          <a:prstGeom prst="rect">
+            <a:avLst/>
+          </a:prstGeom>
+        </p:spPr>
+      </p:pic>
+      <p:sp>
+        <p:nvSpPr>
+          <p:cNvPr id="5" name="箭头: 五边形 4">
+            <a:extLst>
+              <a:ext uri="{FF2B5EF4-FFF2-40B4-BE49-F238E27FC236}">
+                <a16:creationId xmlns="" xmlns:a16="http://schemas.microsoft.com/office/drawing/2014/main" id="{61E862C7-DDED-46B2-88A9-92A4D3F40475}"/>
+              </a:ext>
+            </a:extLst>
+          </p:cNvPr>
+          <p:cNvSpPr/>
+          <p:nvPr/>
+        </p:nvSpPr>
+        <p:spPr>
+          <a:xfrm rot="5400000">
+            <a:off x="-60257" y="234315"/>
+            <a:ext cx="1234440" cy="765810"/>
+          </a:xfrm>
+          <a:prstGeom prst="homePlate">
+            <a:avLst/>
+          </a:prstGeom>
+          <a:solidFill>
+            <a:srgbClr val="034246"/>
+          </a:solidFill>
+        </p:spPr>
+        <p:style>
+          <a:lnRef idx="2">
+            <a:schemeClr val="accent1">
+              <a:shade val="50000"/>
+            </a:schemeClr>
+          </a:lnRef>
+          <a:fillRef idx="1">
+            <a:schemeClr val="accent1"/>
+          </a:fillRef>
+          <a:effectRef idx="0">
+            <a:schemeClr val="accent1"/>
+          </a:effectRef>
+          <a:fontRef idx="minor">
+            <a:schemeClr val="lt1"/>
+          </a:fontRef>
+        </p:style>
+        <p:txBody>
+          <a:bodyPr rtlCol="0" anchor="ctr"/>
+          <a:lstStyle/>
+          <a:p>
+            <a:pPr algn="ctr"/>
+            <a:endParaRPr lang="en-HK"/>
+          </a:p>
+        </p:txBody>
+      </p:sp>
+      <p:pic>
+        <p:nvPicPr>
+          <p:cNvPr id="6" name="图形 5">
+            <a:extLst>
+              <a:ext uri="{FF2B5EF4-FFF2-40B4-BE49-F238E27FC236}">
+                <a16:creationId xmlns="" xmlns:a16="http://schemas.microsoft.com/office/drawing/2014/main" id="{217E1EC4-7E0E-4611-9AC8-528215714F14}"/>
+              </a:ext>
+            </a:extLst>
+          </p:cNvPr>
+          <p:cNvPicPr>
+            <a:picLocks noChangeAspect="1"/>
+          </p:cNvPicPr>
+          <p:nvPr/>
+        </p:nvPicPr>
+        <p:blipFill>
+          <a:blip r:embed="rId6">
+            <a:extLst>
+              <a:ext uri="{96DAC541-7B7A-43D3-8B79-37D633B846F1}">
+                <asvg:svgBlip xmlns="" xmlns:asvg="http://schemas.microsoft.com/office/drawing/2016/SVG/main" r:embed="rId7"/>
+              </a:ext>
+            </a:extLst>
+          </a:blip>
+          <a:stretch>
+            <a:fillRect/>
+          </a:stretch>
+        </p:blipFill>
+        <p:spPr>
+          <a:xfrm>
+            <a:off x="312039" y="103823"/>
+            <a:ext cx="489848" cy="717523"/>
+          </a:xfrm>
+          <a:prstGeom prst="rect">
+            <a:avLst/>
+          </a:prstGeom>
+        </p:spPr>
+      </p:pic>
+      <p:sp>
+        <p:nvSpPr>
+          <p:cNvPr id="9" name="文本框 8"/>
+          <p:cNvSpPr txBox="1"/>
+          <p:nvPr/>
+        </p:nvSpPr>
+        <p:spPr>
+          <a:xfrm>
+            <a:off x="655092" y="1943340"/>
+            <a:ext cx="6267550" cy="1477328"/>
+          </a:xfrm>
+          <a:prstGeom prst="rect">
+            <a:avLst/>
+          </a:prstGeom>
+          <a:noFill/>
+        </p:spPr>
+        <p:txBody>
+          <a:bodyPr wrap="none" rtlCol="0">
+            <a:spAutoFit/>
+          </a:bodyPr>
+          <a:lstStyle/>
+          <a:p>
+            <a:r>
+              <a:rPr lang="en-US" altLang="zh-CN" dirty="0"/>
+              <a:t>Dataflow graphs of primitive </a:t>
+            </a:r>
+            <a:r>
+              <a:rPr lang="en-US" altLang="zh-CN" dirty="0" smtClean="0"/>
+              <a:t>operators</a:t>
+            </a:r>
+          </a:p>
+          <a:p>
+            <a:r>
+              <a:rPr lang="en-US" altLang="zh-CN" dirty="0" err="1"/>
+              <a:t>TensorFlow</a:t>
+            </a:r>
+            <a:r>
+              <a:rPr lang="en-US" altLang="zh-CN" dirty="0"/>
+              <a:t> model represents</a:t>
+            </a:r>
+          </a:p>
+          <a:p>
+            <a:r>
+              <a:rPr lang="en-US" altLang="zh-CN" dirty="0"/>
+              <a:t>individual mathematical operators (such as matrix multiplication,</a:t>
+            </a:r>
+          </a:p>
+          <a:p>
+            <a:r>
+              <a:rPr lang="en-US" altLang="zh-CN" dirty="0"/>
+              <a:t>convolution, etc.) as nodes in the dataflow</a:t>
+            </a:r>
+          </a:p>
+          <a:p>
+            <a:r>
+              <a:rPr lang="en-US" altLang="zh-CN" dirty="0"/>
+              <a:t>graph.</a:t>
+            </a:r>
+            <a:endParaRPr kumimoji="1" lang="zh-CN" altLang="en-US" dirty="0"/>
+          </a:p>
+        </p:txBody>
+      </p:sp>
+      <p:sp>
+        <p:nvSpPr>
+          <p:cNvPr id="10" name="椭圆 9"/>
+          <p:cNvSpPr/>
+          <p:nvPr/>
+        </p:nvSpPr>
+        <p:spPr>
+          <a:xfrm>
+            <a:off x="7629099" y="2836401"/>
+            <a:ext cx="409432" cy="436728"/>
+          </a:xfrm>
+          <a:prstGeom prst="ellipse">
+            <a:avLst/>
+          </a:prstGeom>
+        </p:spPr>
+        <p:style>
+          <a:lnRef idx="2">
+            <a:schemeClr val="accent1">
+              <a:shade val="50000"/>
+            </a:schemeClr>
+          </a:lnRef>
+          <a:fillRef idx="1">
+            <a:schemeClr val="accent1"/>
+          </a:fillRef>
+          <a:effectRef idx="0">
+            <a:schemeClr val="accent1"/>
+          </a:effectRef>
+          <a:fontRef idx="minor">
+            <a:schemeClr val="lt1"/>
+          </a:fontRef>
+        </p:style>
+        <p:txBody>
+          <a:bodyPr rtlCol="0" anchor="ctr"/>
+          <a:lstStyle/>
+          <a:p>
+            <a:pPr algn="ctr"/>
+            <a:endParaRPr kumimoji="1" lang="zh-CN" altLang="en-US"/>
+          </a:p>
+        </p:txBody>
+      </p:sp>
+      <p:sp>
+        <p:nvSpPr>
+          <p:cNvPr id="11" name="椭圆 10"/>
+          <p:cNvSpPr/>
+          <p:nvPr/>
+        </p:nvSpPr>
+        <p:spPr>
+          <a:xfrm>
+            <a:off x="9359814" y="2836401"/>
+            <a:ext cx="409432" cy="436728"/>
+          </a:xfrm>
+          <a:prstGeom prst="ellipse">
+            <a:avLst/>
+          </a:prstGeom>
+        </p:spPr>
+        <p:style>
+          <a:lnRef idx="2">
+            <a:schemeClr val="accent1">
+              <a:shade val="50000"/>
+            </a:schemeClr>
+          </a:lnRef>
+          <a:fillRef idx="1">
+            <a:schemeClr val="accent1"/>
+          </a:fillRef>
+          <a:effectRef idx="0">
+            <a:schemeClr val="accent1"/>
+          </a:effectRef>
+          <a:fontRef idx="minor">
+            <a:schemeClr val="lt1"/>
+          </a:fontRef>
+        </p:style>
+        <p:txBody>
+          <a:bodyPr rtlCol="0" anchor="ctr"/>
+          <a:lstStyle/>
+          <a:p>
+            <a:pPr algn="ctr"/>
+            <a:endParaRPr kumimoji="1" lang="zh-CN" altLang="en-US"/>
+          </a:p>
+        </p:txBody>
+      </p:sp>
+      <p:sp>
+        <p:nvSpPr>
+          <p:cNvPr id="12" name="椭圆 11"/>
+          <p:cNvSpPr/>
+          <p:nvPr/>
+        </p:nvSpPr>
+        <p:spPr>
+          <a:xfrm>
+            <a:off x="11184017" y="2836401"/>
+            <a:ext cx="409432" cy="436728"/>
+          </a:xfrm>
+          <a:prstGeom prst="ellipse">
+            <a:avLst/>
+          </a:prstGeom>
+        </p:spPr>
+        <p:style>
+          <a:lnRef idx="2">
+            <a:schemeClr val="accent1">
+              <a:shade val="50000"/>
+            </a:schemeClr>
+          </a:lnRef>
+          <a:fillRef idx="1">
+            <a:schemeClr val="accent1"/>
+          </a:fillRef>
+          <a:effectRef idx="0">
+            <a:schemeClr val="accent1"/>
+          </a:effectRef>
+          <a:fontRef idx="minor">
+            <a:schemeClr val="lt1"/>
+          </a:fontRef>
+        </p:style>
+        <p:txBody>
+          <a:bodyPr rtlCol="0" anchor="ctr"/>
+          <a:lstStyle/>
+          <a:p>
+            <a:pPr algn="ctr"/>
+            <a:endParaRPr kumimoji="1" lang="zh-CN" altLang="en-US"/>
+          </a:p>
+        </p:txBody>
+      </p:sp>
+      <p:sp>
+        <p:nvSpPr>
+          <p:cNvPr id="13" name="弧 12"/>
+          <p:cNvSpPr/>
+          <p:nvPr/>
+        </p:nvSpPr>
+        <p:spPr>
+          <a:xfrm rot="18700668">
+            <a:off x="7631130" y="2269127"/>
+            <a:ext cx="2334133" cy="2601992"/>
+          </a:xfrm>
+          <a:prstGeom prst="arc">
+            <a:avLst/>
+          </a:prstGeom>
+        </p:spPr>
+        <p:style>
+          <a:lnRef idx="1">
+            <a:schemeClr val="accent1"/>
+          </a:lnRef>
+          <a:fillRef idx="0">
+            <a:schemeClr val="accent1"/>
+          </a:fillRef>
+          <a:effectRef idx="0">
+            <a:schemeClr val="accent1"/>
+          </a:effectRef>
+          <a:fontRef idx="minor">
+            <a:schemeClr val="tx1"/>
+          </a:fontRef>
+        </p:style>
+        <p:txBody>
+          <a:bodyPr rtlCol="0" anchor="ctr"/>
+          <a:lstStyle/>
+          <a:p>
+            <a:pPr algn="ctr"/>
+            <a:endParaRPr kumimoji="1" lang="zh-CN" altLang="en-US"/>
+          </a:p>
+        </p:txBody>
+      </p:sp>
+      <p:sp>
+        <p:nvSpPr>
+          <p:cNvPr id="14" name="弧 13"/>
+          <p:cNvSpPr/>
+          <p:nvPr/>
+        </p:nvSpPr>
+        <p:spPr>
+          <a:xfrm rot="18700668">
+            <a:off x="9506684" y="2269127"/>
+            <a:ext cx="2334133" cy="2601992"/>
+          </a:xfrm>
+          <a:prstGeom prst="arc">
+            <a:avLst/>
+          </a:prstGeom>
+        </p:spPr>
+        <p:style>
+          <a:lnRef idx="1">
+            <a:schemeClr val="accent1"/>
+          </a:lnRef>
+          <a:fillRef idx="0">
+            <a:schemeClr val="accent1"/>
+          </a:fillRef>
+          <a:effectRef idx="0">
+            <a:schemeClr val="accent1"/>
+          </a:effectRef>
+          <a:fontRef idx="minor">
+            <a:schemeClr val="tx1"/>
+          </a:fontRef>
+        </p:style>
+        <p:txBody>
+          <a:bodyPr rtlCol="0" anchor="ctr"/>
+          <a:lstStyle/>
+          <a:p>
+            <a:pPr algn="ctr"/>
+            <a:endParaRPr kumimoji="1" lang="zh-CN" altLang="en-US"/>
+          </a:p>
+        </p:txBody>
+      </p:sp>
+      <p:sp>
+        <p:nvSpPr>
+          <p:cNvPr id="15" name="矩形 14"/>
+          <p:cNvSpPr/>
+          <p:nvPr/>
+        </p:nvSpPr>
+        <p:spPr>
+          <a:xfrm>
+            <a:off x="7350460" y="4107267"/>
+            <a:ext cx="2274469" cy="646331"/>
+          </a:xfrm>
+          <a:prstGeom prst="rect">
+            <a:avLst/>
+          </a:prstGeom>
+        </p:spPr>
+        <p:txBody>
+          <a:bodyPr wrap="none">
+            <a:spAutoFit/>
+          </a:bodyPr>
+          <a:lstStyle/>
+          <a:p>
+            <a:r>
+              <a:rPr lang="en-US" altLang="zh-CN" dirty="0"/>
+              <a:t>local </a:t>
+            </a:r>
+            <a:r>
+              <a:rPr lang="en-US" altLang="zh-CN" dirty="0" smtClean="0"/>
+              <a:t>computation</a:t>
+            </a:r>
+          </a:p>
+          <a:p>
+            <a:r>
+              <a:rPr lang="en-US" altLang="zh-CN" dirty="0" smtClean="0"/>
+              <a:t>Also called Operations</a:t>
+            </a:r>
+            <a:endParaRPr lang="zh-CN" altLang="en-US" dirty="0"/>
+          </a:p>
+        </p:txBody>
+      </p:sp>
+      <p:sp>
+        <p:nvSpPr>
+          <p:cNvPr id="16" name="矩形 15"/>
+          <p:cNvSpPr/>
+          <p:nvPr/>
+        </p:nvSpPr>
+        <p:spPr>
+          <a:xfrm>
+            <a:off x="7644776" y="1279389"/>
+            <a:ext cx="2124470" cy="923330"/>
+          </a:xfrm>
+          <a:prstGeom prst="rect">
+            <a:avLst/>
+          </a:prstGeom>
+        </p:spPr>
+        <p:txBody>
+          <a:bodyPr wrap="square">
+            <a:spAutoFit/>
+          </a:bodyPr>
+          <a:lstStyle/>
+          <a:p>
+            <a:r>
+              <a:rPr lang="en-US" altLang="zh-CN" dirty="0"/>
+              <a:t>Tensors</a:t>
+            </a:r>
+            <a:r>
+              <a:rPr lang="zh-CN" altLang="en-US" dirty="0"/>
+              <a:t> </a:t>
+            </a:r>
+            <a:r>
+              <a:rPr lang="en-US" altLang="zh-CN" dirty="0"/>
+              <a:t>(values of the </a:t>
+            </a:r>
+            <a:r>
+              <a:rPr lang="en-US" altLang="zh-CN" dirty="0" smtClean="0"/>
+              <a:t>node1 output and node2 input</a:t>
+            </a:r>
+            <a:r>
+              <a:rPr lang="en-US" altLang="zh-CN" dirty="0" smtClean="0">
+                <a:solidFill>
+                  <a:srgbClr val="424242"/>
+                </a:solidFill>
+                <a:latin typeface="桤™" charset="0"/>
+              </a:rPr>
+              <a:t>)</a:t>
+            </a:r>
+            <a:endParaRPr lang="zh-CN" altLang="en-US" dirty="0"/>
+          </a:p>
+        </p:txBody>
+      </p:sp>
+      <p:sp>
+        <p:nvSpPr>
+          <p:cNvPr id="17" name="文本框 16"/>
+          <p:cNvSpPr txBox="1"/>
+          <p:nvPr/>
+        </p:nvSpPr>
+        <p:spPr>
+          <a:xfrm>
+            <a:off x="7429050" y="3275032"/>
+            <a:ext cx="862737" cy="369332"/>
+          </a:xfrm>
+          <a:prstGeom prst="rect">
+            <a:avLst/>
+          </a:prstGeom>
+          <a:noFill/>
+        </p:spPr>
+        <p:txBody>
+          <a:bodyPr wrap="none" rtlCol="0">
+            <a:spAutoFit/>
+          </a:bodyPr>
+          <a:lstStyle/>
+          <a:p>
+            <a:r>
+              <a:rPr kumimoji="1" lang="en-US" altLang="zh-CN" smtClean="0"/>
+              <a:t>Node 1</a:t>
+            </a:r>
+            <a:endParaRPr kumimoji="1" lang="zh-CN" altLang="en-US" dirty="0"/>
+          </a:p>
+        </p:txBody>
+      </p:sp>
+      <p:sp>
+        <p:nvSpPr>
+          <p:cNvPr id="18" name="文本框 17"/>
+          <p:cNvSpPr txBox="1"/>
+          <p:nvPr/>
+        </p:nvSpPr>
+        <p:spPr>
+          <a:xfrm>
+            <a:off x="9141653" y="3275032"/>
+            <a:ext cx="862737" cy="369332"/>
+          </a:xfrm>
+          <a:prstGeom prst="rect">
+            <a:avLst/>
+          </a:prstGeom>
+          <a:noFill/>
+        </p:spPr>
+        <p:txBody>
+          <a:bodyPr wrap="none" rtlCol="0">
+            <a:spAutoFit/>
+          </a:bodyPr>
+          <a:lstStyle/>
+          <a:p>
+            <a:r>
+              <a:rPr kumimoji="1" lang="en-US" altLang="zh-CN" dirty="0" smtClean="0"/>
+              <a:t>Node 2</a:t>
+            </a:r>
+            <a:endParaRPr kumimoji="1" lang="zh-CN" altLang="en-US" dirty="0"/>
+          </a:p>
+        </p:txBody>
+      </p:sp>
+      <p:cxnSp>
+        <p:nvCxnSpPr>
+          <p:cNvPr id="20" name="曲线连接符 19"/>
+          <p:cNvCxnSpPr/>
+          <p:nvPr/>
+        </p:nvCxnSpPr>
+        <p:spPr>
+          <a:xfrm rot="16200000" flipH="1">
+            <a:off x="7794603" y="3662139"/>
+            <a:ext cx="487855" cy="393755"/>
+          </a:xfrm>
+          <a:prstGeom prst="curvedConnector3">
+            <a:avLst/>
+          </a:prstGeom>
+          <a:ln>
+            <a:headEnd type="triangle"/>
+            <a:tailEnd type="triangle"/>
+          </a:ln>
+        </p:spPr>
+        <p:style>
+          <a:lnRef idx="1">
+            <a:schemeClr val="accent1"/>
+          </a:lnRef>
+          <a:fillRef idx="0">
+            <a:schemeClr val="accent1"/>
+          </a:fillRef>
+          <a:effectRef idx="0">
+            <a:schemeClr val="accent1"/>
+          </a:effectRef>
+          <a:fontRef idx="minor">
+            <a:schemeClr val="tx1"/>
+          </a:fontRef>
+        </p:style>
+      </p:cxnSp>
+    </p:spTree>
+    <p:extLst>
+      <p:ext uri="{BB962C8B-B14F-4D97-AF65-F5344CB8AC3E}">
+        <p14:creationId xmlns:p14="http://schemas.microsoft.com/office/powerpoint/2010/main" val="693797255"/>
+      </p:ext>
+    </p:extLst>
+  </p:cSld>
+  <p:clrMapOvr>
+    <a:masterClrMapping/>
+  </p:clrMapOvr>
+  <p:timing>
+    <p:tnLst>
+      <p:par>
+        <p:cTn id="1" dur="indefinite" restart="never" nodeType="tmRoot"/>
+      </p:par>
+    </p:tnLst>
+  </p:timing>
+</p:sld>
+</file>
+
+<file path=ppt/slides/slide6.xml><?xml version="1.0" encoding="utf-8"?>
 <p:sld xmlns:a="http://schemas.openxmlformats.org/drawingml/2006/main" xmlns:r="http://schemas.openxmlformats.org/officeDocument/2006/relationships" xmlns:p="http://schemas.openxmlformats.org/presentationml/2006/main">
   <p:cSld>
     <p:spTree>

--- a/tfboys.pptx
+++ b/tfboys.pptx
@@ -5871,8 +5871,8 @@
         </p:nvSpPr>
         <p:spPr>
           <a:xfrm>
-            <a:off x="655092" y="1943340"/>
-            <a:ext cx="6267550" cy="1477328"/>
+            <a:off x="575439" y="1929572"/>
+            <a:ext cx="5933472" cy="1077218"/>
           </a:xfrm>
           <a:prstGeom prst="rect">
             <a:avLst/>
@@ -5880,17 +5880,17 @@
           <a:noFill/>
         </p:spPr>
         <p:txBody>
-          <a:bodyPr wrap="none" rtlCol="0">
+          <a:bodyPr wrap="square" rtlCol="0">
             <a:spAutoFit/>
           </a:bodyPr>
           <a:lstStyle/>
           <a:p>
             <a:r>
-              <a:rPr lang="en-US" altLang="zh-CN" dirty="0"/>
+              <a:rPr lang="en-US" altLang="zh-CN" sz="2800" dirty="0"/>
               <a:t>Dataflow graphs of primitive </a:t>
             </a:r>
             <a:r>
-              <a:rPr lang="en-US" altLang="zh-CN" dirty="0" smtClean="0"/>
+              <a:rPr lang="en-US" altLang="zh-CN" sz="2800" dirty="0" smtClean="0"/>
               <a:t>operators</a:t>
             </a:r>
           </a:p>
@@ -5901,25 +5901,47 @@
             </a:r>
             <a:r>
               <a:rPr lang="en-US" altLang="zh-CN" dirty="0"/>
-              <a:t> model represents</a:t>
-            </a:r>
-          </a:p>
-          <a:p>
+              <a:t> model </a:t>
+            </a:r>
+            <a:r>
+              <a:rPr lang="en-US" altLang="zh-CN" dirty="0" smtClean="0"/>
+              <a:t>represents</a:t>
+            </a:r>
+            <a:r>
+              <a:rPr lang="zh-CN" altLang="en-US" dirty="0" smtClean="0"/>
+              <a:t> </a:t>
+            </a:r>
+            <a:r>
+              <a:rPr lang="en-US" altLang="zh-CN" dirty="0" smtClean="0"/>
+              <a:t>individual </a:t>
+            </a:r>
             <a:r>
               <a:rPr lang="en-US" altLang="zh-CN" dirty="0"/>
-              <a:t>individual mathematical operators (such as matrix multiplication,</a:t>
-            </a:r>
-          </a:p>
-          <a:p>
+              <a:t>mathematical operators </a:t>
+            </a:r>
+            <a:r>
+              <a:rPr lang="en-US" altLang="zh-CN" dirty="0" smtClean="0"/>
+              <a:t>as </a:t>
+            </a:r>
             <a:r>
               <a:rPr lang="en-US" altLang="zh-CN" dirty="0"/>
-              <a:t>convolution, etc.) as nodes in the dataflow</a:t>
-            </a:r>
-          </a:p>
-          <a:p>
+              <a:t>nodes in the </a:t>
+            </a:r>
+            <a:r>
+              <a:rPr lang="en-US" altLang="zh-CN" dirty="0" smtClean="0"/>
+              <a:t>dataflow</a:t>
+            </a:r>
+            <a:r>
+              <a:rPr lang="zh-CN" altLang="en-US" dirty="0" smtClean="0"/>
+              <a:t> </a:t>
+            </a:r>
+            <a:r>
+              <a:rPr lang="en-US" altLang="zh-CN" dirty="0" smtClean="0"/>
+              <a:t>graph</a:t>
+            </a:r>
             <a:r>
               <a:rPr lang="en-US" altLang="zh-CN" dirty="0"/>
-              <a:t>graph.</a:t>
+              <a:t>.</a:t>
             </a:r>
             <a:endParaRPr kumimoji="1" lang="zh-CN" altLang="en-US" dirty="0"/>
           </a:p>
@@ -6304,6 +6326,423 @@
           </a:fontRef>
         </p:style>
       </p:cxnSp>
+      <p:sp>
+        <p:nvSpPr>
+          <p:cNvPr id="21" name="文本框 20"/>
+          <p:cNvSpPr txBox="1"/>
+          <p:nvPr/>
+        </p:nvSpPr>
+        <p:spPr>
+          <a:xfrm>
+            <a:off x="575438" y="3509814"/>
+            <a:ext cx="6233475" cy="1631216"/>
+          </a:xfrm>
+          <a:prstGeom prst="rect">
+            <a:avLst/>
+          </a:prstGeom>
+          <a:noFill/>
+        </p:spPr>
+        <p:txBody>
+          <a:bodyPr wrap="square" rtlCol="0">
+            <a:spAutoFit/>
+          </a:bodyPr>
+          <a:lstStyle/>
+          <a:p>
+            <a:r>
+              <a:rPr lang="en-US" altLang="zh-CN" sz="2800" dirty="0"/>
+              <a:t>Deferred </a:t>
+            </a:r>
+            <a:r>
+              <a:rPr lang="en-US" altLang="zh-CN" sz="2800" dirty="0" smtClean="0"/>
+              <a:t>execution</a:t>
+            </a:r>
+          </a:p>
+          <a:p>
+            <a:r>
+              <a:rPr lang="en-US" altLang="zh-CN" dirty="0"/>
+              <a:t>Two </a:t>
+            </a:r>
+            <a:r>
+              <a:rPr lang="en-US" altLang="zh-CN" dirty="0"/>
+              <a:t>phases:</a:t>
+            </a:r>
+          </a:p>
+          <a:p>
+            <a:pPr marL="285750" indent="-285750">
+              <a:buFont typeface="Arial" charset="0"/>
+              <a:buChar char="•"/>
+            </a:pPr>
+            <a:r>
+              <a:rPr lang="en-US" altLang="zh-CN" dirty="0"/>
+              <a:t>defines the </a:t>
+            </a:r>
+            <a:r>
+              <a:rPr lang="en-US" altLang="zh-CN" dirty="0" smtClean="0"/>
+              <a:t>program as </a:t>
+            </a:r>
+            <a:r>
+              <a:rPr lang="en-US" altLang="zh-CN" dirty="0"/>
+              <a:t>a symbolic dataflow </a:t>
+            </a:r>
+            <a:r>
+              <a:rPr lang="en-US" altLang="zh-CN" dirty="0" smtClean="0"/>
+              <a:t>graph</a:t>
+            </a:r>
+          </a:p>
+          <a:p>
+            <a:pPr marL="285750" indent="-285750">
+              <a:buFont typeface="Arial" charset="0"/>
+              <a:buChar char="•"/>
+            </a:pPr>
+            <a:r>
+              <a:rPr lang="en-US" altLang="zh-CN" dirty="0"/>
+              <a:t>executes an optimized version of </a:t>
+            </a:r>
+            <a:r>
+              <a:rPr lang="en-US" altLang="zh-CN" dirty="0" smtClean="0"/>
+              <a:t>the program </a:t>
+            </a:r>
+            <a:r>
+              <a:rPr lang="en-US" altLang="zh-CN" dirty="0"/>
+              <a:t>on the set of available devices.</a:t>
+            </a:r>
+            <a:endParaRPr lang="zh-CN" altLang="en-US" dirty="0"/>
+          </a:p>
+        </p:txBody>
+      </p:sp>
+      <p:sp>
+        <p:nvSpPr>
+          <p:cNvPr id="22" name="圆角矩形 21"/>
+          <p:cNvSpPr/>
+          <p:nvPr/>
+        </p:nvSpPr>
+        <p:spPr>
+          <a:xfrm>
+            <a:off x="1077849" y="5306886"/>
+            <a:ext cx="368814" cy="1080266"/>
+          </a:xfrm>
+          <a:prstGeom prst="roundRect">
+            <a:avLst/>
+          </a:prstGeom>
+          <a:solidFill>
+            <a:schemeClr val="accent2"/>
+          </a:solidFill>
+          <a:ln>
+            <a:solidFill>
+              <a:srgbClr val="C00000"/>
+            </a:solidFill>
+          </a:ln>
+        </p:spPr>
+        <p:style>
+          <a:lnRef idx="2">
+            <a:schemeClr val="accent1">
+              <a:shade val="50000"/>
+            </a:schemeClr>
+          </a:lnRef>
+          <a:fillRef idx="1">
+            <a:schemeClr val="accent1"/>
+          </a:fillRef>
+          <a:effectRef idx="0">
+            <a:schemeClr val="accent1"/>
+          </a:effectRef>
+          <a:fontRef idx="minor">
+            <a:schemeClr val="lt1"/>
+          </a:fontRef>
+        </p:style>
+        <p:txBody>
+          <a:bodyPr rtlCol="0" anchor="ctr"/>
+          <a:lstStyle/>
+          <a:p>
+            <a:pPr algn="ctr"/>
+            <a:endParaRPr kumimoji="1" lang="zh-CN" altLang="en-US"/>
+          </a:p>
+        </p:txBody>
+      </p:sp>
+      <p:sp>
+        <p:nvSpPr>
+          <p:cNvPr id="23" name="圆角矩形 22"/>
+          <p:cNvSpPr/>
+          <p:nvPr/>
+        </p:nvSpPr>
+        <p:spPr>
+          <a:xfrm>
+            <a:off x="1487164" y="5306886"/>
+            <a:ext cx="368814" cy="1080266"/>
+          </a:xfrm>
+          <a:prstGeom prst="roundRect">
+            <a:avLst/>
+          </a:prstGeom>
+        </p:spPr>
+        <p:style>
+          <a:lnRef idx="2">
+            <a:schemeClr val="accent1">
+              <a:shade val="50000"/>
+            </a:schemeClr>
+          </a:lnRef>
+          <a:fillRef idx="1">
+            <a:schemeClr val="accent1"/>
+          </a:fillRef>
+          <a:effectRef idx="0">
+            <a:schemeClr val="accent1"/>
+          </a:effectRef>
+          <a:fontRef idx="minor">
+            <a:schemeClr val="lt1"/>
+          </a:fontRef>
+        </p:style>
+        <p:txBody>
+          <a:bodyPr rtlCol="0" anchor="ctr"/>
+          <a:lstStyle/>
+          <a:p>
+            <a:pPr algn="ctr"/>
+            <a:endParaRPr kumimoji="1" lang="zh-CN" altLang="en-US"/>
+          </a:p>
+        </p:txBody>
+      </p:sp>
+      <p:sp>
+        <p:nvSpPr>
+          <p:cNvPr id="24" name="圆角矩形 23"/>
+          <p:cNvSpPr/>
+          <p:nvPr/>
+        </p:nvSpPr>
+        <p:spPr>
+          <a:xfrm>
+            <a:off x="1896480" y="5306886"/>
+            <a:ext cx="368814" cy="1080266"/>
+          </a:xfrm>
+          <a:prstGeom prst="roundRect">
+            <a:avLst/>
+          </a:prstGeom>
+          <a:solidFill>
+            <a:schemeClr val="accent4"/>
+          </a:solidFill>
+        </p:spPr>
+        <p:style>
+          <a:lnRef idx="2">
+            <a:schemeClr val="accent1">
+              <a:shade val="50000"/>
+            </a:schemeClr>
+          </a:lnRef>
+          <a:fillRef idx="1">
+            <a:schemeClr val="accent1"/>
+          </a:fillRef>
+          <a:effectRef idx="0">
+            <a:schemeClr val="accent1"/>
+          </a:effectRef>
+          <a:fontRef idx="minor">
+            <a:schemeClr val="lt1"/>
+          </a:fontRef>
+        </p:style>
+        <p:txBody>
+          <a:bodyPr rtlCol="0" anchor="ctr"/>
+          <a:lstStyle/>
+          <a:p>
+            <a:pPr algn="ctr"/>
+            <a:endParaRPr kumimoji="1" lang="zh-CN" altLang="en-US"/>
+          </a:p>
+        </p:txBody>
+      </p:sp>
+      <p:sp>
+        <p:nvSpPr>
+          <p:cNvPr id="27" name="右箭头 26"/>
+          <p:cNvSpPr/>
+          <p:nvPr/>
+        </p:nvSpPr>
+        <p:spPr>
+          <a:xfrm>
+            <a:off x="2527393" y="5719117"/>
+            <a:ext cx="1583140" cy="259308"/>
+          </a:xfrm>
+          <a:prstGeom prst="rightArrow">
+            <a:avLst/>
+          </a:prstGeom>
+        </p:spPr>
+        <p:style>
+          <a:lnRef idx="2">
+            <a:schemeClr val="accent1">
+              <a:shade val="50000"/>
+            </a:schemeClr>
+          </a:lnRef>
+          <a:fillRef idx="1">
+            <a:schemeClr val="accent1"/>
+          </a:fillRef>
+          <a:effectRef idx="0">
+            <a:schemeClr val="accent1"/>
+          </a:effectRef>
+          <a:fontRef idx="minor">
+            <a:schemeClr val="lt1"/>
+          </a:fontRef>
+        </p:style>
+        <p:txBody>
+          <a:bodyPr rtlCol="0" anchor="ctr"/>
+          <a:lstStyle/>
+          <a:p>
+            <a:pPr algn="ctr"/>
+            <a:endParaRPr kumimoji="1" lang="zh-CN" altLang="en-US"/>
+          </a:p>
+        </p:txBody>
+      </p:sp>
+      <p:sp>
+        <p:nvSpPr>
+          <p:cNvPr id="28" name="圆角矩形 27"/>
+          <p:cNvSpPr/>
+          <p:nvPr/>
+        </p:nvSpPr>
+        <p:spPr>
+          <a:xfrm>
+            <a:off x="4925154" y="5306886"/>
+            <a:ext cx="368814" cy="1080266"/>
+          </a:xfrm>
+          <a:prstGeom prst="roundRect">
+            <a:avLst/>
+          </a:prstGeom>
+          <a:solidFill>
+            <a:schemeClr val="accent2"/>
+          </a:solidFill>
+          <a:ln>
+            <a:solidFill>
+              <a:srgbClr val="C00000"/>
+            </a:solidFill>
+          </a:ln>
+        </p:spPr>
+        <p:style>
+          <a:lnRef idx="2">
+            <a:schemeClr val="accent1">
+              <a:shade val="50000"/>
+            </a:schemeClr>
+          </a:lnRef>
+          <a:fillRef idx="1">
+            <a:schemeClr val="accent1"/>
+          </a:fillRef>
+          <a:effectRef idx="0">
+            <a:schemeClr val="accent1"/>
+          </a:effectRef>
+          <a:fontRef idx="minor">
+            <a:schemeClr val="lt1"/>
+          </a:fontRef>
+        </p:style>
+        <p:txBody>
+          <a:bodyPr rtlCol="0" anchor="ctr"/>
+          <a:lstStyle/>
+          <a:p>
+            <a:pPr algn="ctr"/>
+            <a:endParaRPr kumimoji="1" lang="zh-CN" altLang="en-US"/>
+          </a:p>
+        </p:txBody>
+      </p:sp>
+      <p:sp>
+        <p:nvSpPr>
+          <p:cNvPr id="29" name="圆角矩形 28"/>
+          <p:cNvSpPr/>
+          <p:nvPr/>
+        </p:nvSpPr>
+        <p:spPr>
+          <a:xfrm>
+            <a:off x="4502336" y="5306886"/>
+            <a:ext cx="368814" cy="1080266"/>
+          </a:xfrm>
+          <a:prstGeom prst="roundRect">
+            <a:avLst/>
+          </a:prstGeom>
+        </p:spPr>
+        <p:style>
+          <a:lnRef idx="2">
+            <a:schemeClr val="accent1">
+              <a:shade val="50000"/>
+            </a:schemeClr>
+          </a:lnRef>
+          <a:fillRef idx="1">
+            <a:schemeClr val="accent1"/>
+          </a:fillRef>
+          <a:effectRef idx="0">
+            <a:schemeClr val="accent1"/>
+          </a:effectRef>
+          <a:fontRef idx="minor">
+            <a:schemeClr val="lt1"/>
+          </a:fontRef>
+        </p:style>
+        <p:txBody>
+          <a:bodyPr rtlCol="0" anchor="ctr"/>
+          <a:lstStyle/>
+          <a:p>
+            <a:pPr algn="ctr"/>
+            <a:endParaRPr kumimoji="1" lang="zh-CN" altLang="en-US"/>
+          </a:p>
+        </p:txBody>
+      </p:sp>
+      <p:sp>
+        <p:nvSpPr>
+          <p:cNvPr id="30" name="圆角矩形 29"/>
+          <p:cNvSpPr/>
+          <p:nvPr/>
+        </p:nvSpPr>
+        <p:spPr>
+          <a:xfrm>
+            <a:off x="5347972" y="5307591"/>
+            <a:ext cx="368814" cy="1080266"/>
+          </a:xfrm>
+          <a:prstGeom prst="roundRect">
+            <a:avLst/>
+          </a:prstGeom>
+          <a:solidFill>
+            <a:schemeClr val="accent4"/>
+          </a:solidFill>
+        </p:spPr>
+        <p:style>
+          <a:lnRef idx="2">
+            <a:schemeClr val="accent1">
+              <a:shade val="50000"/>
+            </a:schemeClr>
+          </a:lnRef>
+          <a:fillRef idx="1">
+            <a:schemeClr val="accent1"/>
+          </a:fillRef>
+          <a:effectRef idx="0">
+            <a:schemeClr val="accent1"/>
+          </a:effectRef>
+          <a:fontRef idx="minor">
+            <a:schemeClr val="lt1"/>
+          </a:fontRef>
+        </p:style>
+        <p:txBody>
+          <a:bodyPr rtlCol="0" anchor="ctr"/>
+          <a:lstStyle/>
+          <a:p>
+            <a:pPr algn="ctr"/>
+            <a:endParaRPr kumimoji="1" lang="zh-CN" altLang="en-US"/>
+          </a:p>
+        </p:txBody>
+      </p:sp>
+      <p:sp>
+        <p:nvSpPr>
+          <p:cNvPr id="31" name="矩形 30"/>
+          <p:cNvSpPr/>
+          <p:nvPr/>
+        </p:nvSpPr>
+        <p:spPr>
+          <a:xfrm>
+            <a:off x="1487766" y="6488668"/>
+            <a:ext cx="4108817" cy="369332"/>
+          </a:xfrm>
+          <a:prstGeom prst="rect">
+            <a:avLst/>
+          </a:prstGeom>
+        </p:spPr>
+        <p:txBody>
+          <a:bodyPr wrap="none">
+            <a:spAutoFit/>
+          </a:bodyPr>
+          <a:lstStyle/>
+          <a:p>
+            <a:r>
+              <a:rPr lang="en-US" altLang="zh-CN">
+                <a:latin typeface=""/>
+              </a:rPr>
+              <a:t>without waiting for intermediate results</a:t>
+            </a:r>
+            <a:endParaRPr lang="zh-CN" altLang="en-US" dirty="0"/>
+          </a:p>
+        </p:txBody>
+      </p:sp>
     </p:spTree>
     <p:extLst>
       <p:ext uri="{BB962C8B-B14F-4D97-AF65-F5344CB8AC3E}">

--- a/tfboys.pptx
+++ b/tfboys.pptx
@@ -5,7 +5,7 @@
     <p:sldMasterId id="2147483648" r:id="rId1"/>
   </p:sldMasterIdLst>
   <p:notesMasterIdLst>
-    <p:notesMasterId r:id="rId8"/>
+    <p:notesMasterId r:id="rId10"/>
   </p:notesMasterIdLst>
   <p:sldIdLst>
     <p:sldId id="256" r:id="rId2"/>
@@ -13,7 +13,9 @@
     <p:sldId id="282" r:id="rId4"/>
     <p:sldId id="283" r:id="rId5"/>
     <p:sldId id="284" r:id="rId6"/>
-    <p:sldId id="272" r:id="rId7"/>
+    <p:sldId id="286" r:id="rId7"/>
+    <p:sldId id="285" r:id="rId8"/>
+    <p:sldId id="272" r:id="rId9"/>
   </p:sldIdLst>
   <p:sldSz cx="12192000" cy="6858000"/>
   <p:notesSz cx="6858000" cy="9144000"/>
@@ -5872,7 +5874,7 @@
         <p:spPr>
           <a:xfrm>
             <a:off x="575439" y="1929572"/>
-            <a:ext cx="5933472" cy="1077218"/>
+            <a:ext cx="5933472" cy="1508105"/>
           </a:xfrm>
           <a:prstGeom prst="rect">
             <a:avLst/>
@@ -5886,8 +5888,20 @@
           <a:lstStyle/>
           <a:p>
             <a:r>
+              <a:rPr lang="en-US" altLang="zh-CN" sz="2800" dirty="0" smtClean="0"/>
+              <a:t>4.1</a:t>
+            </a:r>
+            <a:r>
+              <a:rPr lang="zh-CN" altLang="en-US" sz="2800" dirty="0" smtClean="0"/>
+              <a:t> </a:t>
+            </a:r>
+            <a:r>
+              <a:rPr lang="en-US" altLang="zh-CN" sz="2800" dirty="0" smtClean="0"/>
+              <a:t>Dataflow </a:t>
+            </a:r>
+            <a:r>
               <a:rPr lang="en-US" altLang="zh-CN" sz="2800" dirty="0"/>
-              <a:t>Dataflow graphs of primitive </a:t>
+              <a:t>graphs of primitive </a:t>
             </a:r>
             <a:r>
               <a:rPr lang="en-US" altLang="zh-CN" sz="2800" dirty="0" smtClean="0"/>
@@ -6349,12 +6363,16 @@
           <a:lstStyle/>
           <a:p>
             <a:r>
-              <a:rPr lang="en-US" altLang="zh-CN" sz="2800" dirty="0"/>
-              <a:t>Deferred </a:t>
-            </a:r>
-            <a:r>
               <a:rPr lang="en-US" altLang="zh-CN" sz="2800" dirty="0" smtClean="0"/>
-              <a:t>execution</a:t>
+              <a:t>4.2</a:t>
+            </a:r>
+            <a:r>
+              <a:rPr lang="zh-CN" altLang="en-US" sz="2800" dirty="0" smtClean="0"/>
+              <a:t> </a:t>
+            </a:r>
+            <a:r>
+              <a:rPr lang="en-US" altLang="zh-CN" sz="2800" dirty="0" smtClean="0"/>
+              <a:t>Deferred execution</a:t>
             </a:r>
           </a:p>
           <a:p>
@@ -6743,10 +6761,1163 @@
           </a:p>
         </p:txBody>
       </p:sp>
+      <p:sp>
+        <p:nvSpPr>
+          <p:cNvPr id="33" name="文本框 32"/>
+          <p:cNvSpPr txBox="1"/>
+          <p:nvPr/>
+        </p:nvSpPr>
+        <p:spPr>
+          <a:xfrm>
+            <a:off x="6079219" y="4897901"/>
+            <a:ext cx="5933472" cy="523220"/>
+          </a:xfrm>
+          <a:prstGeom prst="rect">
+            <a:avLst/>
+          </a:prstGeom>
+          <a:noFill/>
+        </p:spPr>
+        <p:txBody>
+          <a:bodyPr wrap="square" rtlCol="0">
+            <a:spAutoFit/>
+          </a:bodyPr>
+          <a:lstStyle/>
+          <a:p>
+            <a:r>
+              <a:rPr lang="en-US" altLang="zh-CN" sz="2800" dirty="0"/>
+              <a:t>4.3</a:t>
+            </a:r>
+            <a:r>
+              <a:rPr lang="zh-CN" altLang="en-US" sz="2800" dirty="0"/>
+              <a:t> </a:t>
+            </a:r>
+            <a:r>
+              <a:rPr lang="en-US" altLang="zh-CN" sz="2800" dirty="0"/>
+              <a:t>heterogeneous</a:t>
+            </a:r>
+            <a:r>
+              <a:rPr lang="zh-CN" altLang="en-US" sz="2800" dirty="0"/>
+              <a:t> </a:t>
+            </a:r>
+            <a:r>
+              <a:rPr lang="en-US" altLang="zh-CN" sz="2800" dirty="0"/>
+              <a:t>divides</a:t>
+            </a:r>
+            <a:r>
+              <a:rPr lang="zh-CN" altLang="en-US" sz="2800" dirty="0"/>
+              <a:t> </a:t>
+            </a:r>
+            <a:endParaRPr lang="zh-CN" altLang="en-US" sz="2800" dirty="0"/>
+          </a:p>
+        </p:txBody>
+      </p:sp>
+      <p:sp>
+        <p:nvSpPr>
+          <p:cNvPr id="34" name="文本框 33"/>
+          <p:cNvSpPr txBox="1"/>
+          <p:nvPr/>
+        </p:nvSpPr>
+        <p:spPr>
+          <a:xfrm>
+            <a:off x="6305668" y="5421121"/>
+            <a:ext cx="5707024" cy="646331"/>
+          </a:xfrm>
+          <a:prstGeom prst="rect">
+            <a:avLst/>
+          </a:prstGeom>
+          <a:noFill/>
+        </p:spPr>
+        <p:txBody>
+          <a:bodyPr wrap="square" rtlCol="0">
+            <a:spAutoFit/>
+          </a:bodyPr>
+          <a:lstStyle/>
+          <a:p>
+            <a:r>
+              <a:rPr lang="en-US" altLang="zh-CN" dirty="0" smtClean="0"/>
+              <a:t>the same</a:t>
+            </a:r>
+            <a:r>
+              <a:rPr lang="zh-CN" altLang="en-US" dirty="0" smtClean="0"/>
+              <a:t> </a:t>
+            </a:r>
+            <a:r>
+              <a:rPr lang="en-US" altLang="zh-CN" dirty="0" smtClean="0"/>
+              <a:t>program </a:t>
+            </a:r>
+            <a:r>
+              <a:rPr lang="en-US" altLang="zh-CN" dirty="0"/>
+              <a:t>can easily target GPUs, </a:t>
+            </a:r>
+            <a:r>
+              <a:rPr lang="en-US" altLang="zh-CN" dirty="0"/>
+              <a:t>mobile </a:t>
+            </a:r>
+            <a:r>
+              <a:rPr lang="en-US" altLang="zh-CN" dirty="0" smtClean="0"/>
+              <a:t>CPUs, or</a:t>
+            </a:r>
+            <a:endParaRPr kumimoji="1" lang="zh-CN" altLang="en-US" dirty="0"/>
+          </a:p>
+          <a:p>
+            <a:r>
+              <a:rPr lang="en-US" altLang="zh-CN" dirty="0" smtClean="0"/>
+              <a:t>Tensor </a:t>
+            </a:r>
+            <a:r>
+              <a:rPr lang="en-US" altLang="zh-CN" dirty="0"/>
+              <a:t>Processing </a:t>
+            </a:r>
+            <a:r>
+              <a:rPr lang="en-US" altLang="zh-CN" dirty="0" smtClean="0"/>
+              <a:t>Unit (TPUs)</a:t>
+            </a:r>
+            <a:endParaRPr kumimoji="1" lang="zh-CN" altLang="en-US" dirty="0"/>
+          </a:p>
+        </p:txBody>
+      </p:sp>
     </p:spTree>
     <p:extLst>
       <p:ext uri="{BB962C8B-B14F-4D97-AF65-F5344CB8AC3E}">
         <p14:creationId xmlns:p14="http://schemas.microsoft.com/office/powerpoint/2010/main" val="693797255"/>
+      </p:ext>
+    </p:extLst>
+  </p:cSld>
+  <p:clrMapOvr>
+    <a:masterClrMapping/>
+  </p:clrMapOvr>
+  <p:timing>
+    <p:tnLst>
+      <p:par>
+        <p:cTn id="1" dur="indefinite" restart="never" nodeType="tmRoot">
+          <p:childTnLst>
+            <p:seq concurrent="1" nextAc="seek">
+              <p:cTn id="2" dur="indefinite" nodeType="mainSeq">
+                <p:childTnLst>
+                  <p:par>
+                    <p:cTn id="3" fill="hold">
+                      <p:stCondLst>
+                        <p:cond delay="indefinite"/>
+                      </p:stCondLst>
+                      <p:childTnLst>
+                        <p:par>
+                          <p:cTn id="4" fill="hold">
+                            <p:stCondLst>
+                              <p:cond delay="0"/>
+                            </p:stCondLst>
+                            <p:childTnLst>
+                              <p:par>
+                                <p:cTn id="5" presetID="1" presetClass="entr" presetSubtype="0" fill="hold" grpId="0" nodeType="clickEffect">
+                                  <p:stCondLst>
+                                    <p:cond delay="0"/>
+                                  </p:stCondLst>
+                                  <p:childTnLst>
+                                    <p:set>
+                                      <p:cBhvr>
+                                        <p:cTn id="6" dur="1" fill="hold">
+                                          <p:stCondLst>
+                                            <p:cond delay="0"/>
+                                          </p:stCondLst>
+                                        </p:cTn>
+                                        <p:tgtEl>
+                                          <p:spTgt spid="21"/>
+                                        </p:tgtEl>
+                                        <p:attrNameLst>
+                                          <p:attrName>style.visibility</p:attrName>
+                                        </p:attrNameLst>
+                                      </p:cBhvr>
+                                      <p:to>
+                                        <p:strVal val="visible"/>
+                                      </p:to>
+                                    </p:set>
+                                  </p:childTnLst>
+                                </p:cTn>
+                              </p:par>
+                              <p:par>
+                                <p:cTn id="7" presetID="1" presetClass="entr" presetSubtype="0" fill="hold" grpId="0" nodeType="withEffect">
+                                  <p:stCondLst>
+                                    <p:cond delay="0"/>
+                                  </p:stCondLst>
+                                  <p:childTnLst>
+                                    <p:set>
+                                      <p:cBhvr>
+                                        <p:cTn id="8" dur="1" fill="hold">
+                                          <p:stCondLst>
+                                            <p:cond delay="0"/>
+                                          </p:stCondLst>
+                                        </p:cTn>
+                                        <p:tgtEl>
+                                          <p:spTgt spid="24"/>
+                                        </p:tgtEl>
+                                        <p:attrNameLst>
+                                          <p:attrName>style.visibility</p:attrName>
+                                        </p:attrNameLst>
+                                      </p:cBhvr>
+                                      <p:to>
+                                        <p:strVal val="visible"/>
+                                      </p:to>
+                                    </p:set>
+                                  </p:childTnLst>
+                                </p:cTn>
+                              </p:par>
+                              <p:par>
+                                <p:cTn id="9" presetID="1" presetClass="entr" presetSubtype="0" fill="hold" grpId="0" nodeType="withEffect">
+                                  <p:stCondLst>
+                                    <p:cond delay="0"/>
+                                  </p:stCondLst>
+                                  <p:childTnLst>
+                                    <p:set>
+                                      <p:cBhvr>
+                                        <p:cTn id="10" dur="1" fill="hold">
+                                          <p:stCondLst>
+                                            <p:cond delay="0"/>
+                                          </p:stCondLst>
+                                        </p:cTn>
+                                        <p:tgtEl>
+                                          <p:spTgt spid="23"/>
+                                        </p:tgtEl>
+                                        <p:attrNameLst>
+                                          <p:attrName>style.visibility</p:attrName>
+                                        </p:attrNameLst>
+                                      </p:cBhvr>
+                                      <p:to>
+                                        <p:strVal val="visible"/>
+                                      </p:to>
+                                    </p:set>
+                                  </p:childTnLst>
+                                </p:cTn>
+                              </p:par>
+                              <p:par>
+                                <p:cTn id="11" presetID="1" presetClass="entr" presetSubtype="0" fill="hold" grpId="0" nodeType="withEffect">
+                                  <p:stCondLst>
+                                    <p:cond delay="0"/>
+                                  </p:stCondLst>
+                                  <p:childTnLst>
+                                    <p:set>
+                                      <p:cBhvr>
+                                        <p:cTn id="12" dur="1" fill="hold">
+                                          <p:stCondLst>
+                                            <p:cond delay="0"/>
+                                          </p:stCondLst>
+                                        </p:cTn>
+                                        <p:tgtEl>
+                                          <p:spTgt spid="22"/>
+                                        </p:tgtEl>
+                                        <p:attrNameLst>
+                                          <p:attrName>style.visibility</p:attrName>
+                                        </p:attrNameLst>
+                                      </p:cBhvr>
+                                      <p:to>
+                                        <p:strVal val="visible"/>
+                                      </p:to>
+                                    </p:set>
+                                  </p:childTnLst>
+                                </p:cTn>
+                              </p:par>
+                              <p:par>
+                                <p:cTn id="13" presetID="1" presetClass="entr" presetSubtype="0" fill="hold" grpId="0" nodeType="withEffect">
+                                  <p:stCondLst>
+                                    <p:cond delay="0"/>
+                                  </p:stCondLst>
+                                  <p:childTnLst>
+                                    <p:set>
+                                      <p:cBhvr>
+                                        <p:cTn id="14" dur="1" fill="hold">
+                                          <p:stCondLst>
+                                            <p:cond delay="0"/>
+                                          </p:stCondLst>
+                                        </p:cTn>
+                                        <p:tgtEl>
+                                          <p:spTgt spid="27"/>
+                                        </p:tgtEl>
+                                        <p:attrNameLst>
+                                          <p:attrName>style.visibility</p:attrName>
+                                        </p:attrNameLst>
+                                      </p:cBhvr>
+                                      <p:to>
+                                        <p:strVal val="visible"/>
+                                      </p:to>
+                                    </p:set>
+                                  </p:childTnLst>
+                                </p:cTn>
+                              </p:par>
+                              <p:par>
+                                <p:cTn id="15" presetID="1" presetClass="entr" presetSubtype="0" fill="hold" grpId="0" nodeType="withEffect">
+                                  <p:stCondLst>
+                                    <p:cond delay="0"/>
+                                  </p:stCondLst>
+                                  <p:childTnLst>
+                                    <p:set>
+                                      <p:cBhvr>
+                                        <p:cTn id="16" dur="1" fill="hold">
+                                          <p:stCondLst>
+                                            <p:cond delay="0"/>
+                                          </p:stCondLst>
+                                        </p:cTn>
+                                        <p:tgtEl>
+                                          <p:spTgt spid="29"/>
+                                        </p:tgtEl>
+                                        <p:attrNameLst>
+                                          <p:attrName>style.visibility</p:attrName>
+                                        </p:attrNameLst>
+                                      </p:cBhvr>
+                                      <p:to>
+                                        <p:strVal val="visible"/>
+                                      </p:to>
+                                    </p:set>
+                                  </p:childTnLst>
+                                </p:cTn>
+                              </p:par>
+                              <p:par>
+                                <p:cTn id="17" presetID="1" presetClass="entr" presetSubtype="0" fill="hold" grpId="0" nodeType="withEffect">
+                                  <p:stCondLst>
+                                    <p:cond delay="0"/>
+                                  </p:stCondLst>
+                                  <p:childTnLst>
+                                    <p:set>
+                                      <p:cBhvr>
+                                        <p:cTn id="18" dur="1" fill="hold">
+                                          <p:stCondLst>
+                                            <p:cond delay="0"/>
+                                          </p:stCondLst>
+                                        </p:cTn>
+                                        <p:tgtEl>
+                                          <p:spTgt spid="28"/>
+                                        </p:tgtEl>
+                                        <p:attrNameLst>
+                                          <p:attrName>style.visibility</p:attrName>
+                                        </p:attrNameLst>
+                                      </p:cBhvr>
+                                      <p:to>
+                                        <p:strVal val="visible"/>
+                                      </p:to>
+                                    </p:set>
+                                  </p:childTnLst>
+                                </p:cTn>
+                              </p:par>
+                              <p:par>
+                                <p:cTn id="19" presetID="1" presetClass="entr" presetSubtype="0" fill="hold" grpId="0" nodeType="withEffect">
+                                  <p:stCondLst>
+                                    <p:cond delay="0"/>
+                                  </p:stCondLst>
+                                  <p:childTnLst>
+                                    <p:set>
+                                      <p:cBhvr>
+                                        <p:cTn id="20" dur="1" fill="hold">
+                                          <p:stCondLst>
+                                            <p:cond delay="0"/>
+                                          </p:stCondLst>
+                                        </p:cTn>
+                                        <p:tgtEl>
+                                          <p:spTgt spid="30"/>
+                                        </p:tgtEl>
+                                        <p:attrNameLst>
+                                          <p:attrName>style.visibility</p:attrName>
+                                        </p:attrNameLst>
+                                      </p:cBhvr>
+                                      <p:to>
+                                        <p:strVal val="visible"/>
+                                      </p:to>
+                                    </p:set>
+                                  </p:childTnLst>
+                                </p:cTn>
+                              </p:par>
+                              <p:par>
+                                <p:cTn id="21" presetID="1" presetClass="entr" presetSubtype="0" fill="hold" grpId="0" nodeType="withEffect">
+                                  <p:stCondLst>
+                                    <p:cond delay="0"/>
+                                  </p:stCondLst>
+                                  <p:childTnLst>
+                                    <p:set>
+                                      <p:cBhvr>
+                                        <p:cTn id="22" dur="1" fill="hold">
+                                          <p:stCondLst>
+                                            <p:cond delay="0"/>
+                                          </p:stCondLst>
+                                        </p:cTn>
+                                        <p:tgtEl>
+                                          <p:spTgt spid="31"/>
+                                        </p:tgtEl>
+                                        <p:attrNameLst>
+                                          <p:attrName>style.visibility</p:attrName>
+                                        </p:attrNameLst>
+                                      </p:cBhvr>
+                                      <p:to>
+                                        <p:strVal val="visible"/>
+                                      </p:to>
+                                    </p:set>
+                                  </p:childTnLst>
+                                </p:cTn>
+                              </p:par>
+                            </p:childTnLst>
+                          </p:cTn>
+                        </p:par>
+                      </p:childTnLst>
+                    </p:cTn>
+                  </p:par>
+                  <p:par>
+                    <p:cTn id="23" fill="hold">
+                      <p:stCondLst>
+                        <p:cond delay="indefinite"/>
+                      </p:stCondLst>
+                      <p:childTnLst>
+                        <p:par>
+                          <p:cTn id="24" fill="hold">
+                            <p:stCondLst>
+                              <p:cond delay="0"/>
+                            </p:stCondLst>
+                            <p:childTnLst>
+                              <p:par>
+                                <p:cTn id="25" presetID="1" presetClass="entr" presetSubtype="0" fill="hold" grpId="0" nodeType="clickEffect">
+                                  <p:stCondLst>
+                                    <p:cond delay="0"/>
+                                  </p:stCondLst>
+                                  <p:childTnLst>
+                                    <p:set>
+                                      <p:cBhvr>
+                                        <p:cTn id="26" dur="1" fill="hold">
+                                          <p:stCondLst>
+                                            <p:cond delay="0"/>
+                                          </p:stCondLst>
+                                        </p:cTn>
+                                        <p:tgtEl>
+                                          <p:spTgt spid="33"/>
+                                        </p:tgtEl>
+                                        <p:attrNameLst>
+                                          <p:attrName>style.visibility</p:attrName>
+                                        </p:attrNameLst>
+                                      </p:cBhvr>
+                                      <p:to>
+                                        <p:strVal val="visible"/>
+                                      </p:to>
+                                    </p:set>
+                                  </p:childTnLst>
+                                </p:cTn>
+                              </p:par>
+                              <p:par>
+                                <p:cTn id="27" presetID="1" presetClass="entr" presetSubtype="0" fill="hold" grpId="0" nodeType="withEffect">
+                                  <p:stCondLst>
+                                    <p:cond delay="0"/>
+                                  </p:stCondLst>
+                                  <p:childTnLst>
+                                    <p:set>
+                                      <p:cBhvr>
+                                        <p:cTn id="28" dur="1" fill="hold">
+                                          <p:stCondLst>
+                                            <p:cond delay="0"/>
+                                          </p:stCondLst>
+                                        </p:cTn>
+                                        <p:tgtEl>
+                                          <p:spTgt spid="34"/>
+                                        </p:tgtEl>
+                                        <p:attrNameLst>
+                                          <p:attrName>style.visibility</p:attrName>
+                                        </p:attrNameLst>
+                                      </p:cBhvr>
+                                      <p:to>
+                                        <p:strVal val="visible"/>
+                                      </p:to>
+                                    </p:set>
+                                  </p:childTnLst>
+                                </p:cTn>
+                              </p:par>
+                            </p:childTnLst>
+                          </p:cTn>
+                        </p:par>
+                      </p:childTnLst>
+                    </p:cTn>
+                  </p:par>
+                </p:childTnLst>
+              </p:cTn>
+              <p:prevCondLst>
+                <p:cond evt="onPrev" delay="0">
+                  <p:tgtEl>
+                    <p:sldTgt/>
+                  </p:tgtEl>
+                </p:cond>
+              </p:prevCondLst>
+              <p:nextCondLst>
+                <p:cond evt="onNext" delay="0">
+                  <p:tgtEl>
+                    <p:sldTgt/>
+                  </p:tgtEl>
+                </p:cond>
+              </p:nextCondLst>
+            </p:seq>
+          </p:childTnLst>
+        </p:cTn>
+      </p:par>
+    </p:tnLst>
+    <p:bldLst>
+      <p:bldP spid="21" grpId="0"/>
+      <p:bldP spid="22" grpId="0" animBg="1"/>
+      <p:bldP spid="23" grpId="0" animBg="1"/>
+      <p:bldP spid="24" grpId="0" animBg="1"/>
+      <p:bldP spid="27" grpId="0" animBg="1"/>
+      <p:bldP spid="28" grpId="0" animBg="1"/>
+      <p:bldP spid="29" grpId="0" animBg="1"/>
+      <p:bldP spid="30" grpId="0" animBg="1"/>
+      <p:bldP spid="31" grpId="0"/>
+      <p:bldP spid="33" grpId="0"/>
+      <p:bldP spid="34" grpId="0"/>
+    </p:bldLst>
+  </p:timing>
+</p:sld>
+</file>
+
+<file path=ppt/slides/slide6.xml><?xml version="1.0" encoding="utf-8"?>
+<p:sld xmlns:a="http://schemas.openxmlformats.org/drawingml/2006/main" xmlns:r="http://schemas.openxmlformats.org/officeDocument/2006/relationships" xmlns:p="http://schemas.openxmlformats.org/presentationml/2006/main">
+  <p:cSld>
+    <p:spTree>
+      <p:nvGrpSpPr>
+        <p:cNvPr id="1" name=""/>
+        <p:cNvGrpSpPr/>
+        <p:nvPr/>
+      </p:nvGrpSpPr>
+      <p:grpSpPr>
+        <a:xfrm>
+          <a:off x="0" y="0"/>
+          <a:ext cx="0" cy="0"/>
+          <a:chOff x="0" y="0"/>
+          <a:chExt cx="0" cy="0"/>
+        </a:xfrm>
+      </p:grpSpPr>
+      <p:pic>
+        <p:nvPicPr>
+          <p:cNvPr id="8" name="内容占位符 7"/>
+          <p:cNvPicPr>
+            <a:picLocks noGrp="1" noChangeAspect="1"/>
+          </p:cNvPicPr>
+          <p:nvPr>
+            <p:ph idx="1"/>
+          </p:nvPr>
+        </p:nvPicPr>
+        <p:blipFill>
+          <a:blip r:embed="rId2">
+            <a:extLst>
+              <a:ext uri="{28A0092B-C50C-407E-A947-70E740481C1C}">
+                <a14:useLocalDpi xmlns:a14="http://schemas.microsoft.com/office/drawing/2010/main" val="0"/>
+              </a:ext>
+            </a:extLst>
+          </a:blip>
+          <a:stretch>
+            <a:fillRect/>
+          </a:stretch>
+        </p:blipFill>
+        <p:spPr>
+          <a:xfrm>
+            <a:off x="-423851" y="-708903"/>
+            <a:ext cx="13039702" cy="2652243"/>
+          </a:xfrm>
+        </p:spPr>
+      </p:pic>
+      <p:sp>
+        <p:nvSpPr>
+          <p:cNvPr id="2" name="标题 1">
+            <a:extLst>
+              <a:ext uri="{FF2B5EF4-FFF2-40B4-BE49-F238E27FC236}">
+                <a16:creationId xmlns="" xmlns:a16="http://schemas.microsoft.com/office/drawing/2014/main" id="{729E7753-D934-41AF-979C-BE3013383BDA}"/>
+              </a:ext>
+            </a:extLst>
+          </p:cNvPr>
+          <p:cNvSpPr>
+            <a:spLocks noGrp="1"/>
+          </p:cNvSpPr>
+          <p:nvPr>
+            <p:ph type="title"/>
+          </p:nvPr>
+        </p:nvSpPr>
+        <p:spPr>
+          <a:xfrm>
+            <a:off x="1077849" y="-45562"/>
+            <a:ext cx="10515600" cy="1325563"/>
+          </a:xfrm>
+        </p:spPr>
+        <p:txBody>
+          <a:bodyPr>
+            <a:normAutofit/>
+          </a:bodyPr>
+          <a:lstStyle/>
+          <a:p>
+            <a:r>
+              <a:rPr lang="en-US" altLang="zh-CN" b="1" dirty="0"/>
+              <a:t>4</a:t>
+            </a:r>
+            <a:r>
+              <a:rPr lang="en-US" altLang="zh-CN" b="1" dirty="0" smtClean="0"/>
+              <a:t>. </a:t>
+            </a:r>
+            <a:r>
+              <a:rPr lang="en-US" altLang="zh-CN" b="1" dirty="0"/>
+              <a:t>Core</a:t>
+            </a:r>
+            <a:r>
+              <a:rPr lang="zh-CN" altLang="en-US" b="1" dirty="0"/>
+              <a:t> </a:t>
+            </a:r>
+            <a:r>
+              <a:rPr lang="en-US" altLang="zh-CN" b="1" dirty="0"/>
+              <a:t>design principles</a:t>
+            </a:r>
+            <a:endParaRPr lang="en-HK" b="1" dirty="0"/>
+          </a:p>
+        </p:txBody>
+      </p:sp>
+      <p:pic>
+        <p:nvPicPr>
+          <p:cNvPr id="4" name="图形 3">
+            <a:extLst>
+              <a:ext uri="{FF2B5EF4-FFF2-40B4-BE49-F238E27FC236}">
+                <a16:creationId xmlns="" xmlns:a16="http://schemas.microsoft.com/office/drawing/2014/main" id="{3EF556CA-30DB-46CA-B010-E7BC06705578}"/>
+              </a:ext>
+            </a:extLst>
+          </p:cNvPr>
+          <p:cNvPicPr>
+            <a:picLocks noChangeAspect="1"/>
+          </p:cNvPicPr>
+          <p:nvPr/>
+        </p:nvPicPr>
+        <p:blipFill>
+          <a:blip r:embed="rId3">
+            <a:extLst>
+              <a:ext uri="{96DAC541-7B7A-43D3-8B79-37D633B846F1}">
+                <asvg:svgBlip xmlns="" xmlns:asvg="http://schemas.microsoft.com/office/drawing/2016/SVG/main" r:embed="rId5"/>
+              </a:ext>
+            </a:extLst>
+          </a:blip>
+          <a:stretch>
+            <a:fillRect/>
+          </a:stretch>
+        </p:blipFill>
+        <p:spPr>
+          <a:xfrm>
+            <a:off x="-50800" y="6122728"/>
+            <a:ext cx="12242800" cy="1278197"/>
+          </a:xfrm>
+          <a:prstGeom prst="rect">
+            <a:avLst/>
+          </a:prstGeom>
+        </p:spPr>
+      </p:pic>
+      <p:sp>
+        <p:nvSpPr>
+          <p:cNvPr id="5" name="箭头: 五边形 4">
+            <a:extLst>
+              <a:ext uri="{FF2B5EF4-FFF2-40B4-BE49-F238E27FC236}">
+                <a16:creationId xmlns="" xmlns:a16="http://schemas.microsoft.com/office/drawing/2014/main" id="{61E862C7-DDED-46B2-88A9-92A4D3F40475}"/>
+              </a:ext>
+            </a:extLst>
+          </p:cNvPr>
+          <p:cNvSpPr/>
+          <p:nvPr/>
+        </p:nvSpPr>
+        <p:spPr>
+          <a:xfrm rot="5400000">
+            <a:off x="-60257" y="234315"/>
+            <a:ext cx="1234440" cy="765810"/>
+          </a:xfrm>
+          <a:prstGeom prst="homePlate">
+            <a:avLst/>
+          </a:prstGeom>
+          <a:solidFill>
+            <a:srgbClr val="034246"/>
+          </a:solidFill>
+        </p:spPr>
+        <p:style>
+          <a:lnRef idx="2">
+            <a:schemeClr val="accent1">
+              <a:shade val="50000"/>
+            </a:schemeClr>
+          </a:lnRef>
+          <a:fillRef idx="1">
+            <a:schemeClr val="accent1"/>
+          </a:fillRef>
+          <a:effectRef idx="0">
+            <a:schemeClr val="accent1"/>
+          </a:effectRef>
+          <a:fontRef idx="minor">
+            <a:schemeClr val="lt1"/>
+          </a:fontRef>
+        </p:style>
+        <p:txBody>
+          <a:bodyPr rtlCol="0" anchor="ctr"/>
+          <a:lstStyle/>
+          <a:p>
+            <a:pPr algn="ctr"/>
+            <a:endParaRPr lang="en-HK"/>
+          </a:p>
+        </p:txBody>
+      </p:sp>
+      <p:pic>
+        <p:nvPicPr>
+          <p:cNvPr id="6" name="图形 5">
+            <a:extLst>
+              <a:ext uri="{FF2B5EF4-FFF2-40B4-BE49-F238E27FC236}">
+                <a16:creationId xmlns="" xmlns:a16="http://schemas.microsoft.com/office/drawing/2014/main" id="{217E1EC4-7E0E-4611-9AC8-528215714F14}"/>
+              </a:ext>
+            </a:extLst>
+          </p:cNvPr>
+          <p:cNvPicPr>
+            <a:picLocks noChangeAspect="1"/>
+          </p:cNvPicPr>
+          <p:nvPr/>
+        </p:nvPicPr>
+        <p:blipFill>
+          <a:blip r:embed="rId6">
+            <a:extLst>
+              <a:ext uri="{96DAC541-7B7A-43D3-8B79-37D633B846F1}">
+                <asvg:svgBlip xmlns="" xmlns:asvg="http://schemas.microsoft.com/office/drawing/2016/SVG/main" r:embed="rId7"/>
+              </a:ext>
+            </a:extLst>
+          </a:blip>
+          <a:stretch>
+            <a:fillRect/>
+          </a:stretch>
+        </p:blipFill>
+        <p:spPr>
+          <a:xfrm>
+            <a:off x="312039" y="103823"/>
+            <a:ext cx="489848" cy="717523"/>
+          </a:xfrm>
+          <a:prstGeom prst="rect">
+            <a:avLst/>
+          </a:prstGeom>
+        </p:spPr>
+      </p:pic>
+      <p:sp>
+        <p:nvSpPr>
+          <p:cNvPr id="10" name="椭圆 9"/>
+          <p:cNvSpPr/>
+          <p:nvPr/>
+        </p:nvSpPr>
+        <p:spPr>
+          <a:xfrm>
+            <a:off x="7629099" y="2836401"/>
+            <a:ext cx="409432" cy="436728"/>
+          </a:xfrm>
+          <a:prstGeom prst="ellipse">
+            <a:avLst/>
+          </a:prstGeom>
+        </p:spPr>
+        <p:style>
+          <a:lnRef idx="2">
+            <a:schemeClr val="accent1">
+              <a:shade val="50000"/>
+            </a:schemeClr>
+          </a:lnRef>
+          <a:fillRef idx="1">
+            <a:schemeClr val="accent1"/>
+          </a:fillRef>
+          <a:effectRef idx="0">
+            <a:schemeClr val="accent1"/>
+          </a:effectRef>
+          <a:fontRef idx="minor">
+            <a:schemeClr val="lt1"/>
+          </a:fontRef>
+        </p:style>
+        <p:txBody>
+          <a:bodyPr rtlCol="0" anchor="ctr"/>
+          <a:lstStyle/>
+          <a:p>
+            <a:pPr algn="ctr"/>
+            <a:endParaRPr kumimoji="1" lang="zh-CN" altLang="en-US"/>
+          </a:p>
+        </p:txBody>
+      </p:sp>
+      <p:sp>
+        <p:nvSpPr>
+          <p:cNvPr id="11" name="椭圆 10"/>
+          <p:cNvSpPr/>
+          <p:nvPr/>
+        </p:nvSpPr>
+        <p:spPr>
+          <a:xfrm>
+            <a:off x="9359814" y="2836401"/>
+            <a:ext cx="409432" cy="436728"/>
+          </a:xfrm>
+          <a:prstGeom prst="ellipse">
+            <a:avLst/>
+          </a:prstGeom>
+        </p:spPr>
+        <p:style>
+          <a:lnRef idx="2">
+            <a:schemeClr val="accent1">
+              <a:shade val="50000"/>
+            </a:schemeClr>
+          </a:lnRef>
+          <a:fillRef idx="1">
+            <a:schemeClr val="accent1"/>
+          </a:fillRef>
+          <a:effectRef idx="0">
+            <a:schemeClr val="accent1"/>
+          </a:effectRef>
+          <a:fontRef idx="minor">
+            <a:schemeClr val="lt1"/>
+          </a:fontRef>
+        </p:style>
+        <p:txBody>
+          <a:bodyPr rtlCol="0" anchor="ctr"/>
+          <a:lstStyle/>
+          <a:p>
+            <a:pPr algn="ctr"/>
+            <a:endParaRPr kumimoji="1" lang="zh-CN" altLang="en-US"/>
+          </a:p>
+        </p:txBody>
+      </p:sp>
+      <p:sp>
+        <p:nvSpPr>
+          <p:cNvPr id="12" name="椭圆 11"/>
+          <p:cNvSpPr/>
+          <p:nvPr/>
+        </p:nvSpPr>
+        <p:spPr>
+          <a:xfrm>
+            <a:off x="11184017" y="2836401"/>
+            <a:ext cx="409432" cy="436728"/>
+          </a:xfrm>
+          <a:prstGeom prst="ellipse">
+            <a:avLst/>
+          </a:prstGeom>
+        </p:spPr>
+        <p:style>
+          <a:lnRef idx="2">
+            <a:schemeClr val="accent1">
+              <a:shade val="50000"/>
+            </a:schemeClr>
+          </a:lnRef>
+          <a:fillRef idx="1">
+            <a:schemeClr val="accent1"/>
+          </a:fillRef>
+          <a:effectRef idx="0">
+            <a:schemeClr val="accent1"/>
+          </a:effectRef>
+          <a:fontRef idx="minor">
+            <a:schemeClr val="lt1"/>
+          </a:fontRef>
+        </p:style>
+        <p:txBody>
+          <a:bodyPr rtlCol="0" anchor="ctr"/>
+          <a:lstStyle/>
+          <a:p>
+            <a:pPr algn="ctr"/>
+            <a:endParaRPr kumimoji="1" lang="zh-CN" altLang="en-US"/>
+          </a:p>
+        </p:txBody>
+      </p:sp>
+      <p:sp>
+        <p:nvSpPr>
+          <p:cNvPr id="13" name="弧 12"/>
+          <p:cNvSpPr/>
+          <p:nvPr/>
+        </p:nvSpPr>
+        <p:spPr>
+          <a:xfrm rot="18700668">
+            <a:off x="7631130" y="2269127"/>
+            <a:ext cx="2334133" cy="2601992"/>
+          </a:xfrm>
+          <a:prstGeom prst="arc">
+            <a:avLst/>
+          </a:prstGeom>
+        </p:spPr>
+        <p:style>
+          <a:lnRef idx="1">
+            <a:schemeClr val="accent1"/>
+          </a:lnRef>
+          <a:fillRef idx="0">
+            <a:schemeClr val="accent1"/>
+          </a:fillRef>
+          <a:effectRef idx="0">
+            <a:schemeClr val="accent1"/>
+          </a:effectRef>
+          <a:fontRef idx="minor">
+            <a:schemeClr val="tx1"/>
+          </a:fontRef>
+        </p:style>
+        <p:txBody>
+          <a:bodyPr rtlCol="0" anchor="ctr"/>
+          <a:lstStyle/>
+          <a:p>
+            <a:pPr algn="ctr"/>
+            <a:endParaRPr kumimoji="1" lang="zh-CN" altLang="en-US"/>
+          </a:p>
+        </p:txBody>
+      </p:sp>
+      <p:sp>
+        <p:nvSpPr>
+          <p:cNvPr id="14" name="弧 13"/>
+          <p:cNvSpPr/>
+          <p:nvPr/>
+        </p:nvSpPr>
+        <p:spPr>
+          <a:xfrm rot="18700668">
+            <a:off x="9506684" y="2269127"/>
+            <a:ext cx="2334133" cy="2601992"/>
+          </a:xfrm>
+          <a:prstGeom prst="arc">
+            <a:avLst/>
+          </a:prstGeom>
+        </p:spPr>
+        <p:style>
+          <a:lnRef idx="1">
+            <a:schemeClr val="accent1"/>
+          </a:lnRef>
+          <a:fillRef idx="0">
+            <a:schemeClr val="accent1"/>
+          </a:fillRef>
+          <a:effectRef idx="0">
+            <a:schemeClr val="accent1"/>
+          </a:effectRef>
+          <a:fontRef idx="minor">
+            <a:schemeClr val="tx1"/>
+          </a:fontRef>
+        </p:style>
+        <p:txBody>
+          <a:bodyPr rtlCol="0" anchor="ctr"/>
+          <a:lstStyle/>
+          <a:p>
+            <a:pPr algn="ctr"/>
+            <a:endParaRPr kumimoji="1" lang="zh-CN" altLang="en-US"/>
+          </a:p>
+        </p:txBody>
+      </p:sp>
+      <p:sp>
+        <p:nvSpPr>
+          <p:cNvPr id="15" name="矩形 14"/>
+          <p:cNvSpPr/>
+          <p:nvPr/>
+        </p:nvSpPr>
+        <p:spPr>
+          <a:xfrm>
+            <a:off x="6856096" y="4090874"/>
+            <a:ext cx="3209148" cy="369332"/>
+          </a:xfrm>
+          <a:prstGeom prst="rect">
+            <a:avLst/>
+          </a:prstGeom>
+        </p:spPr>
+        <p:txBody>
+          <a:bodyPr wrap="none">
+            <a:spAutoFit/>
+          </a:bodyPr>
+          <a:lstStyle/>
+          <a:p>
+            <a:r>
+              <a:rPr lang="en-US" altLang="zh-CN"/>
+              <a:t>vertices may have mutable state</a:t>
+            </a:r>
+            <a:endParaRPr lang="zh-CN" altLang="en-US" dirty="0"/>
+          </a:p>
+        </p:txBody>
+      </p:sp>
+      <p:sp>
+        <p:nvSpPr>
+          <p:cNvPr id="16" name="矩形 15"/>
+          <p:cNvSpPr/>
+          <p:nvPr/>
+        </p:nvSpPr>
+        <p:spPr>
+          <a:xfrm>
+            <a:off x="7644776" y="1279389"/>
+            <a:ext cx="2124470" cy="923330"/>
+          </a:xfrm>
+          <a:prstGeom prst="rect">
+            <a:avLst/>
+          </a:prstGeom>
+        </p:spPr>
+        <p:txBody>
+          <a:bodyPr wrap="square">
+            <a:spAutoFit/>
+          </a:bodyPr>
+          <a:lstStyle/>
+          <a:p>
+            <a:r>
+              <a:rPr lang="en-US" altLang="zh-CN" dirty="0"/>
+              <a:t>Tensors</a:t>
+            </a:r>
+            <a:r>
+              <a:rPr lang="zh-CN" altLang="en-US" dirty="0"/>
+              <a:t> </a:t>
+            </a:r>
+            <a:r>
+              <a:rPr lang="en-US" altLang="zh-CN" dirty="0"/>
+              <a:t>(values of the </a:t>
+            </a:r>
+            <a:r>
+              <a:rPr lang="en-US" altLang="zh-CN" dirty="0" smtClean="0"/>
+              <a:t>node1 output and node2 input</a:t>
+            </a:r>
+            <a:r>
+              <a:rPr lang="en-US" altLang="zh-CN" dirty="0" smtClean="0">
+                <a:solidFill>
+                  <a:srgbClr val="424242"/>
+                </a:solidFill>
+                <a:latin typeface="桤™" charset="0"/>
+              </a:rPr>
+              <a:t>)</a:t>
+            </a:r>
+            <a:endParaRPr lang="zh-CN" altLang="en-US" dirty="0"/>
+          </a:p>
+        </p:txBody>
+      </p:sp>
+      <p:sp>
+        <p:nvSpPr>
+          <p:cNvPr id="17" name="文本框 16"/>
+          <p:cNvSpPr txBox="1"/>
+          <p:nvPr/>
+        </p:nvSpPr>
+        <p:spPr>
+          <a:xfrm>
+            <a:off x="7429050" y="3275032"/>
+            <a:ext cx="862737" cy="369332"/>
+          </a:xfrm>
+          <a:prstGeom prst="rect">
+            <a:avLst/>
+          </a:prstGeom>
+          <a:noFill/>
+        </p:spPr>
+        <p:txBody>
+          <a:bodyPr wrap="none" rtlCol="0">
+            <a:spAutoFit/>
+          </a:bodyPr>
+          <a:lstStyle/>
+          <a:p>
+            <a:r>
+              <a:rPr kumimoji="1" lang="en-US" altLang="zh-CN" smtClean="0"/>
+              <a:t>Node 1</a:t>
+            </a:r>
+            <a:endParaRPr kumimoji="1" lang="zh-CN" altLang="en-US" dirty="0"/>
+          </a:p>
+        </p:txBody>
+      </p:sp>
+      <p:sp>
+        <p:nvSpPr>
+          <p:cNvPr id="18" name="文本框 17"/>
+          <p:cNvSpPr txBox="1"/>
+          <p:nvPr/>
+        </p:nvSpPr>
+        <p:spPr>
+          <a:xfrm>
+            <a:off x="9141653" y="3275032"/>
+            <a:ext cx="862737" cy="369332"/>
+          </a:xfrm>
+          <a:prstGeom prst="rect">
+            <a:avLst/>
+          </a:prstGeom>
+          <a:noFill/>
+        </p:spPr>
+        <p:txBody>
+          <a:bodyPr wrap="none" rtlCol="0">
+            <a:spAutoFit/>
+          </a:bodyPr>
+          <a:lstStyle/>
+          <a:p>
+            <a:r>
+              <a:rPr kumimoji="1" lang="en-US" altLang="zh-CN" dirty="0" smtClean="0"/>
+              <a:t>Node 2</a:t>
+            </a:r>
+            <a:endParaRPr kumimoji="1" lang="zh-CN" altLang="en-US" dirty="0"/>
+          </a:p>
+        </p:txBody>
+      </p:sp>
+      <p:cxnSp>
+        <p:nvCxnSpPr>
+          <p:cNvPr id="20" name="曲线连接符 19"/>
+          <p:cNvCxnSpPr/>
+          <p:nvPr/>
+        </p:nvCxnSpPr>
+        <p:spPr>
+          <a:xfrm rot="16200000" flipH="1">
+            <a:off x="7794603" y="3662139"/>
+            <a:ext cx="487855" cy="393755"/>
+          </a:xfrm>
+          <a:prstGeom prst="curvedConnector3">
+            <a:avLst/>
+          </a:prstGeom>
+          <a:ln>
+            <a:headEnd type="triangle"/>
+            <a:tailEnd type="triangle"/>
+          </a:ln>
+        </p:spPr>
+        <p:style>
+          <a:lnRef idx="1">
+            <a:schemeClr val="accent1"/>
+          </a:lnRef>
+          <a:fillRef idx="0">
+            <a:schemeClr val="accent1"/>
+          </a:fillRef>
+          <a:effectRef idx="0">
+            <a:schemeClr val="accent1"/>
+          </a:effectRef>
+          <a:fontRef idx="minor">
+            <a:schemeClr val="tx1"/>
+          </a:fontRef>
+        </p:style>
+      </p:cxnSp>
+      <p:sp>
+        <p:nvSpPr>
+          <p:cNvPr id="3" name="文本框 2"/>
+          <p:cNvSpPr txBox="1"/>
+          <p:nvPr/>
+        </p:nvSpPr>
+        <p:spPr>
+          <a:xfrm>
+            <a:off x="628437" y="2202719"/>
+            <a:ext cx="5587041" cy="1908215"/>
+          </a:xfrm>
+          <a:prstGeom prst="rect">
+            <a:avLst/>
+          </a:prstGeom>
+          <a:noFill/>
+        </p:spPr>
+        <p:txBody>
+          <a:bodyPr wrap="square" rtlCol="0">
+            <a:spAutoFit/>
+          </a:bodyPr>
+          <a:lstStyle/>
+          <a:p>
+            <a:r>
+              <a:rPr lang="en-US" altLang="zh-CN" sz="2800" dirty="0"/>
+              <a:t>4.4 </a:t>
+            </a:r>
+            <a:r>
+              <a:rPr lang="en-US" altLang="zh-CN" sz="2800" dirty="0" smtClean="0"/>
+              <a:t>parallelization</a:t>
+            </a:r>
+          </a:p>
+          <a:p>
+            <a:r>
+              <a:rPr lang="en-US" altLang="zh-CN" dirty="0"/>
+              <a:t>vertices may have mutable state that can be shared between </a:t>
+            </a:r>
+            <a:r>
+              <a:rPr lang="en-US" altLang="zh-CN" dirty="0" smtClean="0"/>
+              <a:t>different executions </a:t>
+            </a:r>
+            <a:r>
+              <a:rPr lang="en-US" altLang="zh-CN" dirty="0"/>
+              <a:t>of the </a:t>
+            </a:r>
+            <a:r>
+              <a:rPr lang="en-US" altLang="zh-CN" dirty="0" smtClean="0"/>
+              <a:t>graph</a:t>
+            </a:r>
+          </a:p>
+          <a:p>
+            <a:endParaRPr lang="en-US" altLang="zh-CN" dirty="0"/>
+          </a:p>
+          <a:p>
+            <a:r>
+              <a:rPr lang="en-US" altLang="zh-CN" dirty="0"/>
+              <a:t>Model supports multiple concurrent executions on overlapping subgraphs of the overall graph</a:t>
+            </a:r>
+            <a:endParaRPr lang="zh-CN" altLang="en-US" dirty="0"/>
+          </a:p>
+        </p:txBody>
+      </p:sp>
+    </p:spTree>
+    <p:extLst>
+      <p:ext uri="{BB962C8B-B14F-4D97-AF65-F5344CB8AC3E}">
+        <p14:creationId xmlns:p14="http://schemas.microsoft.com/office/powerpoint/2010/main" val="1912631507"/>
       </p:ext>
     </p:extLst>
   </p:cSld>
@@ -6763,7 +7934,361 @@
 </p:sld>
 </file>
 
-<file path=ppt/slides/slide6.xml><?xml version="1.0" encoding="utf-8"?>
+<file path=ppt/slides/slide7.xml><?xml version="1.0" encoding="utf-8"?>
+<p:sld xmlns:a="http://schemas.openxmlformats.org/drawingml/2006/main" xmlns:r="http://schemas.openxmlformats.org/officeDocument/2006/relationships" xmlns:p="http://schemas.openxmlformats.org/presentationml/2006/main">
+  <p:cSld>
+    <p:spTree>
+      <p:nvGrpSpPr>
+        <p:cNvPr id="1" name=""/>
+        <p:cNvGrpSpPr/>
+        <p:nvPr/>
+      </p:nvGrpSpPr>
+      <p:grpSpPr>
+        <a:xfrm>
+          <a:off x="0" y="0"/>
+          <a:ext cx="0" cy="0"/>
+          <a:chOff x="0" y="0"/>
+          <a:chExt cx="0" cy="0"/>
+        </a:xfrm>
+      </p:grpSpPr>
+      <p:pic>
+        <p:nvPicPr>
+          <p:cNvPr id="8" name="内容占位符 7"/>
+          <p:cNvPicPr>
+            <a:picLocks noGrp="1" noChangeAspect="1"/>
+          </p:cNvPicPr>
+          <p:nvPr>
+            <p:ph idx="1"/>
+          </p:nvPr>
+        </p:nvPicPr>
+        <p:blipFill>
+          <a:blip r:embed="rId2">
+            <a:extLst>
+              <a:ext uri="{28A0092B-C50C-407E-A947-70E740481C1C}">
+                <a14:useLocalDpi xmlns:a14="http://schemas.microsoft.com/office/drawing/2010/main" val="0"/>
+              </a:ext>
+            </a:extLst>
+          </a:blip>
+          <a:stretch>
+            <a:fillRect/>
+          </a:stretch>
+        </p:blipFill>
+        <p:spPr>
+          <a:xfrm>
+            <a:off x="-423851" y="-708903"/>
+            <a:ext cx="13039702" cy="2652243"/>
+          </a:xfrm>
+        </p:spPr>
+      </p:pic>
+      <p:sp>
+        <p:nvSpPr>
+          <p:cNvPr id="2" name="标题 1">
+            <a:extLst>
+              <a:ext uri="{FF2B5EF4-FFF2-40B4-BE49-F238E27FC236}">
+                <a16:creationId xmlns="" xmlns:a16="http://schemas.microsoft.com/office/drawing/2014/main" id="{729E7753-D934-41AF-979C-BE3013383BDA}"/>
+              </a:ext>
+            </a:extLst>
+          </p:cNvPr>
+          <p:cNvSpPr>
+            <a:spLocks noGrp="1"/>
+          </p:cNvSpPr>
+          <p:nvPr>
+            <p:ph type="title"/>
+          </p:nvPr>
+        </p:nvSpPr>
+        <p:spPr>
+          <a:xfrm>
+            <a:off x="1077849" y="-45562"/>
+            <a:ext cx="10515600" cy="1325563"/>
+          </a:xfrm>
+        </p:spPr>
+        <p:txBody>
+          <a:bodyPr>
+            <a:normAutofit/>
+          </a:bodyPr>
+          <a:lstStyle/>
+          <a:p>
+            <a:r>
+              <a:rPr lang="en-US" altLang="zh-CN" b="1" dirty="0"/>
+              <a:t>4</a:t>
+            </a:r>
+            <a:r>
+              <a:rPr lang="en-US" altLang="zh-CN" b="1" dirty="0" smtClean="0"/>
+              <a:t>. </a:t>
+            </a:r>
+            <a:r>
+              <a:rPr lang="en-US" altLang="zh-CN" b="1" dirty="0"/>
+              <a:t>Core</a:t>
+            </a:r>
+            <a:r>
+              <a:rPr lang="zh-CN" altLang="en-US" b="1" dirty="0"/>
+              <a:t> </a:t>
+            </a:r>
+            <a:r>
+              <a:rPr lang="en-US" altLang="zh-CN" b="1" dirty="0"/>
+              <a:t>design principles</a:t>
+            </a:r>
+            <a:endParaRPr lang="en-HK" b="1" dirty="0"/>
+          </a:p>
+        </p:txBody>
+      </p:sp>
+      <p:pic>
+        <p:nvPicPr>
+          <p:cNvPr id="4" name="图形 3">
+            <a:extLst>
+              <a:ext uri="{FF2B5EF4-FFF2-40B4-BE49-F238E27FC236}">
+                <a16:creationId xmlns="" xmlns:a16="http://schemas.microsoft.com/office/drawing/2014/main" id="{3EF556CA-30DB-46CA-B010-E7BC06705578}"/>
+              </a:ext>
+            </a:extLst>
+          </p:cNvPr>
+          <p:cNvPicPr>
+            <a:picLocks noChangeAspect="1"/>
+          </p:cNvPicPr>
+          <p:nvPr/>
+        </p:nvPicPr>
+        <p:blipFill>
+          <a:blip r:embed="rId3">
+            <a:extLst>
+              <a:ext uri="{96DAC541-7B7A-43D3-8B79-37D633B846F1}">
+                <asvg:svgBlip xmlns="" xmlns:asvg="http://schemas.microsoft.com/office/drawing/2016/SVG/main" r:embed="rId5"/>
+              </a:ext>
+            </a:extLst>
+          </a:blip>
+          <a:stretch>
+            <a:fillRect/>
+          </a:stretch>
+        </p:blipFill>
+        <p:spPr>
+          <a:xfrm>
+            <a:off x="-50800" y="6122728"/>
+            <a:ext cx="12242800" cy="1278197"/>
+          </a:xfrm>
+          <a:prstGeom prst="rect">
+            <a:avLst/>
+          </a:prstGeom>
+        </p:spPr>
+      </p:pic>
+      <p:sp>
+        <p:nvSpPr>
+          <p:cNvPr id="5" name="箭头: 五边形 4">
+            <a:extLst>
+              <a:ext uri="{FF2B5EF4-FFF2-40B4-BE49-F238E27FC236}">
+                <a16:creationId xmlns="" xmlns:a16="http://schemas.microsoft.com/office/drawing/2014/main" id="{61E862C7-DDED-46B2-88A9-92A4D3F40475}"/>
+              </a:ext>
+            </a:extLst>
+          </p:cNvPr>
+          <p:cNvSpPr/>
+          <p:nvPr/>
+        </p:nvSpPr>
+        <p:spPr>
+          <a:xfrm rot="5400000">
+            <a:off x="-60257" y="234315"/>
+            <a:ext cx="1234440" cy="765810"/>
+          </a:xfrm>
+          <a:prstGeom prst="homePlate">
+            <a:avLst/>
+          </a:prstGeom>
+          <a:solidFill>
+            <a:srgbClr val="034246"/>
+          </a:solidFill>
+        </p:spPr>
+        <p:style>
+          <a:lnRef idx="2">
+            <a:schemeClr val="accent1">
+              <a:shade val="50000"/>
+            </a:schemeClr>
+          </a:lnRef>
+          <a:fillRef idx="1">
+            <a:schemeClr val="accent1"/>
+          </a:fillRef>
+          <a:effectRef idx="0">
+            <a:schemeClr val="accent1"/>
+          </a:effectRef>
+          <a:fontRef idx="minor">
+            <a:schemeClr val="lt1"/>
+          </a:fontRef>
+        </p:style>
+        <p:txBody>
+          <a:bodyPr rtlCol="0" anchor="ctr"/>
+          <a:lstStyle/>
+          <a:p>
+            <a:pPr algn="ctr"/>
+            <a:endParaRPr lang="en-HK"/>
+          </a:p>
+        </p:txBody>
+      </p:sp>
+      <p:pic>
+        <p:nvPicPr>
+          <p:cNvPr id="6" name="图形 5">
+            <a:extLst>
+              <a:ext uri="{FF2B5EF4-FFF2-40B4-BE49-F238E27FC236}">
+                <a16:creationId xmlns="" xmlns:a16="http://schemas.microsoft.com/office/drawing/2014/main" id="{217E1EC4-7E0E-4611-9AC8-528215714F14}"/>
+              </a:ext>
+            </a:extLst>
+          </p:cNvPr>
+          <p:cNvPicPr>
+            <a:picLocks noChangeAspect="1"/>
+          </p:cNvPicPr>
+          <p:nvPr/>
+        </p:nvPicPr>
+        <p:blipFill>
+          <a:blip r:embed="rId6">
+            <a:extLst>
+              <a:ext uri="{96DAC541-7B7A-43D3-8B79-37D633B846F1}">
+                <asvg:svgBlip xmlns="" xmlns:asvg="http://schemas.microsoft.com/office/drawing/2016/SVG/main" r:embed="rId7"/>
+              </a:ext>
+            </a:extLst>
+          </a:blip>
+          <a:stretch>
+            <a:fillRect/>
+          </a:stretch>
+        </p:blipFill>
+        <p:spPr>
+          <a:xfrm>
+            <a:off x="312039" y="103823"/>
+            <a:ext cx="489848" cy="717523"/>
+          </a:xfrm>
+          <a:prstGeom prst="rect">
+            <a:avLst/>
+          </a:prstGeom>
+        </p:spPr>
+      </p:pic>
+      <p:sp>
+        <p:nvSpPr>
+          <p:cNvPr id="9" name="文本框 8"/>
+          <p:cNvSpPr txBox="1"/>
+          <p:nvPr/>
+        </p:nvSpPr>
+        <p:spPr>
+          <a:xfrm>
+            <a:off x="575439" y="1929572"/>
+            <a:ext cx="5933472" cy="523220"/>
+          </a:xfrm>
+          <a:prstGeom prst="rect">
+            <a:avLst/>
+          </a:prstGeom>
+          <a:noFill/>
+        </p:spPr>
+        <p:txBody>
+          <a:bodyPr wrap="square" rtlCol="0">
+            <a:spAutoFit/>
+          </a:bodyPr>
+          <a:lstStyle/>
+          <a:p>
+            <a:r>
+              <a:rPr lang="en-US" altLang="zh-CN" sz="2800" dirty="0"/>
+              <a:t>4.3</a:t>
+            </a:r>
+            <a:r>
+              <a:rPr lang="zh-CN" altLang="en-US" sz="2800" dirty="0"/>
+              <a:t> </a:t>
+            </a:r>
+            <a:r>
+              <a:rPr lang="en-US" altLang="zh-CN" sz="2800" dirty="0"/>
+              <a:t>heterogeneous</a:t>
+            </a:r>
+            <a:r>
+              <a:rPr lang="zh-CN" altLang="en-US" sz="2800" dirty="0"/>
+              <a:t> </a:t>
+            </a:r>
+            <a:r>
+              <a:rPr lang="en-US" altLang="zh-CN" sz="2800" dirty="0"/>
+              <a:t>divides</a:t>
+            </a:r>
+            <a:r>
+              <a:rPr lang="zh-CN" altLang="en-US" sz="2800" dirty="0"/>
+              <a:t> </a:t>
+            </a:r>
+            <a:endParaRPr lang="zh-CN" altLang="en-US" sz="2800" dirty="0"/>
+          </a:p>
+        </p:txBody>
+      </p:sp>
+      <p:sp>
+        <p:nvSpPr>
+          <p:cNvPr id="3" name="文本框 2"/>
+          <p:cNvSpPr txBox="1"/>
+          <p:nvPr/>
+        </p:nvSpPr>
+        <p:spPr>
+          <a:xfrm>
+            <a:off x="801888" y="2452792"/>
+            <a:ext cx="5707024" cy="646331"/>
+          </a:xfrm>
+          <a:prstGeom prst="rect">
+            <a:avLst/>
+          </a:prstGeom>
+          <a:noFill/>
+        </p:spPr>
+        <p:txBody>
+          <a:bodyPr wrap="square" rtlCol="0">
+            <a:spAutoFit/>
+          </a:bodyPr>
+          <a:lstStyle/>
+          <a:p>
+            <a:r>
+              <a:rPr lang="en-US" altLang="zh-CN" dirty="0" smtClean="0"/>
+              <a:t>the same</a:t>
+            </a:r>
+            <a:r>
+              <a:rPr lang="zh-CN" altLang="en-US" dirty="0" smtClean="0"/>
+              <a:t> </a:t>
+            </a:r>
+            <a:r>
+              <a:rPr lang="en-US" altLang="zh-CN" dirty="0" smtClean="0"/>
+              <a:t>program </a:t>
+            </a:r>
+            <a:r>
+              <a:rPr lang="en-US" altLang="zh-CN" dirty="0"/>
+              <a:t>can easily target GPUs, </a:t>
+            </a:r>
+            <a:r>
+              <a:rPr lang="en-US" altLang="zh-CN" dirty="0"/>
+              <a:t>mobile </a:t>
+            </a:r>
+            <a:r>
+              <a:rPr lang="en-US" altLang="zh-CN" dirty="0" smtClean="0"/>
+              <a:t>CPUs, or</a:t>
+            </a:r>
+            <a:endParaRPr kumimoji="1" lang="zh-CN" altLang="en-US" dirty="0"/>
+          </a:p>
+          <a:p>
+            <a:r>
+              <a:rPr lang="en-US" altLang="zh-CN" dirty="0" smtClean="0"/>
+              <a:t>Tensor </a:t>
+            </a:r>
+            <a:r>
+              <a:rPr lang="en-US" altLang="zh-CN" dirty="0"/>
+              <a:t>Processing </a:t>
+            </a:r>
+            <a:r>
+              <a:rPr lang="en-US" altLang="zh-CN" dirty="0" smtClean="0"/>
+              <a:t>Unit (TPUs)</a:t>
+            </a:r>
+            <a:endParaRPr kumimoji="1" lang="zh-CN" altLang="en-US" dirty="0"/>
+          </a:p>
+        </p:txBody>
+      </p:sp>
+    </p:spTree>
+    <p:extLst>
+      <p:ext uri="{BB962C8B-B14F-4D97-AF65-F5344CB8AC3E}">
+        <p14:creationId xmlns:p14="http://schemas.microsoft.com/office/powerpoint/2010/main" val="1302835920"/>
+      </p:ext>
+    </p:extLst>
+  </p:cSld>
+  <p:clrMapOvr>
+    <a:masterClrMapping/>
+  </p:clrMapOvr>
+  <p:timing>
+    <p:tnLst>
+      <p:par>
+        <p:cTn id="1" dur="indefinite" restart="never" nodeType="tmRoot"/>
+      </p:par>
+    </p:tnLst>
+  </p:timing>
+</p:sld>
+</file>
+
+<file path=ppt/slides/slide8.xml><?xml version="1.0" encoding="utf-8"?>
 <p:sld xmlns:a="http://schemas.openxmlformats.org/drawingml/2006/main" xmlns:r="http://schemas.openxmlformats.org/officeDocument/2006/relationships" xmlns:p="http://schemas.openxmlformats.org/presentationml/2006/main">
   <p:cSld>
     <p:spTree>

--- a/tfboys.pptx
+++ b/tfboys.pptx
@@ -215,7 +215,7 @@
           <a:p>
             <a:fld id="{86FE79D6-2289-0840-AD6B-47A692AC3DAD}" type="datetimeFigureOut">
               <a:rPr kumimoji="1" lang="zh-CN" altLang="en-US" smtClean="0"/>
-              <a:t>2020/5/5</a:t>
+              <a:t>2020/5/6</a:t>
             </a:fld>
             <a:endParaRPr kumimoji="1" lang="zh-CN" altLang="en-US"/>
           </a:p>
@@ -505,7 +505,7 @@
           <p:cNvPr id="2" name="标题 1">
             <a:extLst>
               <a:ext uri="{FF2B5EF4-FFF2-40B4-BE49-F238E27FC236}">
-                <a16:creationId xmlns="" xmlns:a16="http://schemas.microsoft.com/office/drawing/2014/main" id="{E1ABA578-C201-44E1-9CCF-CBFCBD81C268}"/>
+                <a16:creationId xmlns:a16="http://schemas.microsoft.com/office/drawing/2014/main" xmlns="" id="{E1ABA578-C201-44E1-9CCF-CBFCBD81C268}"/>
               </a:ext>
             </a:extLst>
           </p:cNvPr>
@@ -543,7 +543,7 @@
           <p:cNvPr id="3" name="副标题 2">
             <a:extLst>
               <a:ext uri="{FF2B5EF4-FFF2-40B4-BE49-F238E27FC236}">
-                <a16:creationId xmlns="" xmlns:a16="http://schemas.microsoft.com/office/drawing/2014/main" id="{09D0484D-405E-4DBD-BA96-DFE5EC3B4D20}"/>
+                <a16:creationId xmlns:a16="http://schemas.microsoft.com/office/drawing/2014/main" xmlns="" id="{09D0484D-405E-4DBD-BA96-DFE5EC3B4D20}"/>
               </a:ext>
             </a:extLst>
           </p:cNvPr>
@@ -614,7 +614,7 @@
           <p:cNvPr id="4" name="日期占位符 3">
             <a:extLst>
               <a:ext uri="{FF2B5EF4-FFF2-40B4-BE49-F238E27FC236}">
-                <a16:creationId xmlns="" xmlns:a16="http://schemas.microsoft.com/office/drawing/2014/main" id="{5B387873-9167-48CB-BC68-E89A623BC415}"/>
+                <a16:creationId xmlns:a16="http://schemas.microsoft.com/office/drawing/2014/main" xmlns="" id="{5B387873-9167-48CB-BC68-E89A623BC415}"/>
               </a:ext>
             </a:extLst>
           </p:cNvPr>
@@ -632,7 +632,7 @@
           <a:p>
             <a:fld id="{407A2EF7-7F0C-4E84-B18C-B3F19A6758E7}" type="datetimeFigureOut">
               <a:rPr lang="en-HK" smtClean="0"/>
-              <a:t>5/5/2020</a:t>
+              <a:t>6/5/2020</a:t>
             </a:fld>
             <a:endParaRPr lang="en-HK"/>
           </a:p>
@@ -643,7 +643,7 @@
           <p:cNvPr id="5" name="页脚占位符 4">
             <a:extLst>
               <a:ext uri="{FF2B5EF4-FFF2-40B4-BE49-F238E27FC236}">
-                <a16:creationId xmlns="" xmlns:a16="http://schemas.microsoft.com/office/drawing/2014/main" id="{F31F78E5-F4F6-49F9-AA6F-3E11691323A5}"/>
+                <a16:creationId xmlns:a16="http://schemas.microsoft.com/office/drawing/2014/main" xmlns="" id="{F31F78E5-F4F6-49F9-AA6F-3E11691323A5}"/>
               </a:ext>
             </a:extLst>
           </p:cNvPr>
@@ -668,7 +668,7 @@
           <p:cNvPr id="6" name="灯片编号占位符 5">
             <a:extLst>
               <a:ext uri="{FF2B5EF4-FFF2-40B4-BE49-F238E27FC236}">
-                <a16:creationId xmlns="" xmlns:a16="http://schemas.microsoft.com/office/drawing/2014/main" id="{6B295491-755B-44C8-A182-63B66EF82147}"/>
+                <a16:creationId xmlns:a16="http://schemas.microsoft.com/office/drawing/2014/main" xmlns="" id="{6B295491-755B-44C8-A182-63B66EF82147}"/>
               </a:ext>
             </a:extLst>
           </p:cNvPr>
@@ -727,7 +727,7 @@
           <p:cNvPr id="2" name="标题 1">
             <a:extLst>
               <a:ext uri="{FF2B5EF4-FFF2-40B4-BE49-F238E27FC236}">
-                <a16:creationId xmlns="" xmlns:a16="http://schemas.microsoft.com/office/drawing/2014/main" id="{56D7D339-D707-433A-B968-074FE318802E}"/>
+                <a16:creationId xmlns:a16="http://schemas.microsoft.com/office/drawing/2014/main" xmlns="" id="{56D7D339-D707-433A-B968-074FE318802E}"/>
               </a:ext>
             </a:extLst>
           </p:cNvPr>
@@ -756,7 +756,7 @@
           <p:cNvPr id="3" name="竖排文字占位符 2">
             <a:extLst>
               <a:ext uri="{FF2B5EF4-FFF2-40B4-BE49-F238E27FC236}">
-                <a16:creationId xmlns="" xmlns:a16="http://schemas.microsoft.com/office/drawing/2014/main" id="{4BB12DB9-AC80-4A5C-B793-79B705E61005}"/>
+                <a16:creationId xmlns:a16="http://schemas.microsoft.com/office/drawing/2014/main" xmlns="" id="{4BB12DB9-AC80-4A5C-B793-79B705E61005}"/>
               </a:ext>
             </a:extLst>
           </p:cNvPr>
@@ -814,7 +814,7 @@
           <p:cNvPr id="4" name="日期占位符 3">
             <a:extLst>
               <a:ext uri="{FF2B5EF4-FFF2-40B4-BE49-F238E27FC236}">
-                <a16:creationId xmlns="" xmlns:a16="http://schemas.microsoft.com/office/drawing/2014/main" id="{0B1741DD-D5F5-4CBE-A2BF-88C83DE7B024}"/>
+                <a16:creationId xmlns:a16="http://schemas.microsoft.com/office/drawing/2014/main" xmlns="" id="{0B1741DD-D5F5-4CBE-A2BF-88C83DE7B024}"/>
               </a:ext>
             </a:extLst>
           </p:cNvPr>
@@ -832,7 +832,7 @@
           <a:p>
             <a:fld id="{407A2EF7-7F0C-4E84-B18C-B3F19A6758E7}" type="datetimeFigureOut">
               <a:rPr lang="en-HK" smtClean="0"/>
-              <a:t>5/5/2020</a:t>
+              <a:t>6/5/2020</a:t>
             </a:fld>
             <a:endParaRPr lang="en-HK"/>
           </a:p>
@@ -843,7 +843,7 @@
           <p:cNvPr id="5" name="页脚占位符 4">
             <a:extLst>
               <a:ext uri="{FF2B5EF4-FFF2-40B4-BE49-F238E27FC236}">
-                <a16:creationId xmlns="" xmlns:a16="http://schemas.microsoft.com/office/drawing/2014/main" id="{AEB94EC6-71AB-4F3F-A721-CCCD9B1A95CE}"/>
+                <a16:creationId xmlns:a16="http://schemas.microsoft.com/office/drawing/2014/main" xmlns="" id="{AEB94EC6-71AB-4F3F-A721-CCCD9B1A95CE}"/>
               </a:ext>
             </a:extLst>
           </p:cNvPr>
@@ -868,7 +868,7 @@
           <p:cNvPr id="6" name="灯片编号占位符 5">
             <a:extLst>
               <a:ext uri="{FF2B5EF4-FFF2-40B4-BE49-F238E27FC236}">
-                <a16:creationId xmlns="" xmlns:a16="http://schemas.microsoft.com/office/drawing/2014/main" id="{2F05A9BA-FAAA-49BA-90A9-E224683B400B}"/>
+                <a16:creationId xmlns:a16="http://schemas.microsoft.com/office/drawing/2014/main" xmlns="" id="{2F05A9BA-FAAA-49BA-90A9-E224683B400B}"/>
               </a:ext>
             </a:extLst>
           </p:cNvPr>
@@ -927,7 +927,7 @@
           <p:cNvPr id="2" name="竖排标题 1">
             <a:extLst>
               <a:ext uri="{FF2B5EF4-FFF2-40B4-BE49-F238E27FC236}">
-                <a16:creationId xmlns="" xmlns:a16="http://schemas.microsoft.com/office/drawing/2014/main" id="{7D700267-B605-4157-B20B-40BBB7B74C7A}"/>
+                <a16:creationId xmlns:a16="http://schemas.microsoft.com/office/drawing/2014/main" xmlns="" id="{7D700267-B605-4157-B20B-40BBB7B74C7A}"/>
               </a:ext>
             </a:extLst>
           </p:cNvPr>
@@ -961,7 +961,7 @@
           <p:cNvPr id="3" name="竖排文字占位符 2">
             <a:extLst>
               <a:ext uri="{FF2B5EF4-FFF2-40B4-BE49-F238E27FC236}">
-                <a16:creationId xmlns="" xmlns:a16="http://schemas.microsoft.com/office/drawing/2014/main" id="{CC78DF51-DB4C-4372-8FDE-03E9CB8CF256}"/>
+                <a16:creationId xmlns:a16="http://schemas.microsoft.com/office/drawing/2014/main" xmlns="" id="{CC78DF51-DB4C-4372-8FDE-03E9CB8CF256}"/>
               </a:ext>
             </a:extLst>
           </p:cNvPr>
@@ -1024,7 +1024,7 @@
           <p:cNvPr id="4" name="日期占位符 3">
             <a:extLst>
               <a:ext uri="{FF2B5EF4-FFF2-40B4-BE49-F238E27FC236}">
-                <a16:creationId xmlns="" xmlns:a16="http://schemas.microsoft.com/office/drawing/2014/main" id="{40A55B68-32B1-47D6-9504-39D7BAA94703}"/>
+                <a16:creationId xmlns:a16="http://schemas.microsoft.com/office/drawing/2014/main" xmlns="" id="{40A55B68-32B1-47D6-9504-39D7BAA94703}"/>
               </a:ext>
             </a:extLst>
           </p:cNvPr>
@@ -1042,7 +1042,7 @@
           <a:p>
             <a:fld id="{407A2EF7-7F0C-4E84-B18C-B3F19A6758E7}" type="datetimeFigureOut">
               <a:rPr lang="en-HK" smtClean="0"/>
-              <a:t>5/5/2020</a:t>
+              <a:t>6/5/2020</a:t>
             </a:fld>
             <a:endParaRPr lang="en-HK"/>
           </a:p>
@@ -1053,7 +1053,7 @@
           <p:cNvPr id="5" name="页脚占位符 4">
             <a:extLst>
               <a:ext uri="{FF2B5EF4-FFF2-40B4-BE49-F238E27FC236}">
-                <a16:creationId xmlns="" xmlns:a16="http://schemas.microsoft.com/office/drawing/2014/main" id="{4EE98774-A846-4775-9492-34882F2AED50}"/>
+                <a16:creationId xmlns:a16="http://schemas.microsoft.com/office/drawing/2014/main" xmlns="" id="{4EE98774-A846-4775-9492-34882F2AED50}"/>
               </a:ext>
             </a:extLst>
           </p:cNvPr>
@@ -1078,7 +1078,7 @@
           <p:cNvPr id="6" name="灯片编号占位符 5">
             <a:extLst>
               <a:ext uri="{FF2B5EF4-FFF2-40B4-BE49-F238E27FC236}">
-                <a16:creationId xmlns="" xmlns:a16="http://schemas.microsoft.com/office/drawing/2014/main" id="{7577D9AD-0D4D-412F-8E91-B6723ED2A074}"/>
+                <a16:creationId xmlns:a16="http://schemas.microsoft.com/office/drawing/2014/main" xmlns="" id="{7577D9AD-0D4D-412F-8E91-B6723ED2A074}"/>
               </a:ext>
             </a:extLst>
           </p:cNvPr>
@@ -1137,7 +1137,7 @@
           <p:cNvPr id="2" name="标题 1">
             <a:extLst>
               <a:ext uri="{FF2B5EF4-FFF2-40B4-BE49-F238E27FC236}">
-                <a16:creationId xmlns="" xmlns:a16="http://schemas.microsoft.com/office/drawing/2014/main" id="{53DE86E6-24B9-42C0-A724-6C0F47F6B303}"/>
+                <a16:creationId xmlns:a16="http://schemas.microsoft.com/office/drawing/2014/main" xmlns="" id="{53DE86E6-24B9-42C0-A724-6C0F47F6B303}"/>
               </a:ext>
             </a:extLst>
           </p:cNvPr>
@@ -1166,7 +1166,7 @@
           <p:cNvPr id="3" name="内容占位符 2">
             <a:extLst>
               <a:ext uri="{FF2B5EF4-FFF2-40B4-BE49-F238E27FC236}">
-                <a16:creationId xmlns="" xmlns:a16="http://schemas.microsoft.com/office/drawing/2014/main" id="{22C670AB-6FAF-4D48-BBA7-E09EF676E477}"/>
+                <a16:creationId xmlns:a16="http://schemas.microsoft.com/office/drawing/2014/main" xmlns="" id="{22C670AB-6FAF-4D48-BBA7-E09EF676E477}"/>
               </a:ext>
             </a:extLst>
           </p:cNvPr>
@@ -1224,7 +1224,7 @@
           <p:cNvPr id="4" name="日期占位符 3">
             <a:extLst>
               <a:ext uri="{FF2B5EF4-FFF2-40B4-BE49-F238E27FC236}">
-                <a16:creationId xmlns="" xmlns:a16="http://schemas.microsoft.com/office/drawing/2014/main" id="{F2AD0F8C-0BAF-4F6D-BF74-D61D7A527CDC}"/>
+                <a16:creationId xmlns:a16="http://schemas.microsoft.com/office/drawing/2014/main" xmlns="" id="{F2AD0F8C-0BAF-4F6D-BF74-D61D7A527CDC}"/>
               </a:ext>
             </a:extLst>
           </p:cNvPr>
@@ -1242,7 +1242,7 @@
           <a:p>
             <a:fld id="{407A2EF7-7F0C-4E84-B18C-B3F19A6758E7}" type="datetimeFigureOut">
               <a:rPr lang="en-HK" smtClean="0"/>
-              <a:t>5/5/2020</a:t>
+              <a:t>6/5/2020</a:t>
             </a:fld>
             <a:endParaRPr lang="en-HK"/>
           </a:p>
@@ -1253,7 +1253,7 @@
           <p:cNvPr id="5" name="页脚占位符 4">
             <a:extLst>
               <a:ext uri="{FF2B5EF4-FFF2-40B4-BE49-F238E27FC236}">
-                <a16:creationId xmlns="" xmlns:a16="http://schemas.microsoft.com/office/drawing/2014/main" id="{3740D7B1-76CD-4A59-AADE-7D1AC8F89D96}"/>
+                <a16:creationId xmlns:a16="http://schemas.microsoft.com/office/drawing/2014/main" xmlns="" id="{3740D7B1-76CD-4A59-AADE-7D1AC8F89D96}"/>
               </a:ext>
             </a:extLst>
           </p:cNvPr>
@@ -1278,7 +1278,7 @@
           <p:cNvPr id="6" name="灯片编号占位符 5">
             <a:extLst>
               <a:ext uri="{FF2B5EF4-FFF2-40B4-BE49-F238E27FC236}">
-                <a16:creationId xmlns="" xmlns:a16="http://schemas.microsoft.com/office/drawing/2014/main" id="{B8E2BDD7-B7C8-46C3-BE21-494E97077123}"/>
+                <a16:creationId xmlns:a16="http://schemas.microsoft.com/office/drawing/2014/main" xmlns="" id="{B8E2BDD7-B7C8-46C3-BE21-494E97077123}"/>
               </a:ext>
             </a:extLst>
           </p:cNvPr>
@@ -1337,7 +1337,7 @@
           <p:cNvPr id="2" name="标题 1">
             <a:extLst>
               <a:ext uri="{FF2B5EF4-FFF2-40B4-BE49-F238E27FC236}">
-                <a16:creationId xmlns="" xmlns:a16="http://schemas.microsoft.com/office/drawing/2014/main" id="{EF630EB9-240A-468D-82D0-1DD6B136C24E}"/>
+                <a16:creationId xmlns:a16="http://schemas.microsoft.com/office/drawing/2014/main" xmlns="" id="{EF630EB9-240A-468D-82D0-1DD6B136C24E}"/>
               </a:ext>
             </a:extLst>
           </p:cNvPr>
@@ -1375,7 +1375,7 @@
           <p:cNvPr id="3" name="文本占位符 2">
             <a:extLst>
               <a:ext uri="{FF2B5EF4-FFF2-40B4-BE49-F238E27FC236}">
-                <a16:creationId xmlns="" xmlns:a16="http://schemas.microsoft.com/office/drawing/2014/main" id="{07225E28-68D6-4F8E-B9FC-3BBE22C048A6}"/>
+                <a16:creationId xmlns:a16="http://schemas.microsoft.com/office/drawing/2014/main" xmlns="" id="{07225E28-68D6-4F8E-B9FC-3BBE22C048A6}"/>
               </a:ext>
             </a:extLst>
           </p:cNvPr>
@@ -1500,7 +1500,7 @@
           <p:cNvPr id="4" name="日期占位符 3">
             <a:extLst>
               <a:ext uri="{FF2B5EF4-FFF2-40B4-BE49-F238E27FC236}">
-                <a16:creationId xmlns="" xmlns:a16="http://schemas.microsoft.com/office/drawing/2014/main" id="{4F640468-40A7-4808-8CA9-B298F03BB54A}"/>
+                <a16:creationId xmlns:a16="http://schemas.microsoft.com/office/drawing/2014/main" xmlns="" id="{4F640468-40A7-4808-8CA9-B298F03BB54A}"/>
               </a:ext>
             </a:extLst>
           </p:cNvPr>
@@ -1518,7 +1518,7 @@
           <a:p>
             <a:fld id="{407A2EF7-7F0C-4E84-B18C-B3F19A6758E7}" type="datetimeFigureOut">
               <a:rPr lang="en-HK" smtClean="0"/>
-              <a:t>5/5/2020</a:t>
+              <a:t>6/5/2020</a:t>
             </a:fld>
             <a:endParaRPr lang="en-HK"/>
           </a:p>
@@ -1529,7 +1529,7 @@
           <p:cNvPr id="5" name="页脚占位符 4">
             <a:extLst>
               <a:ext uri="{FF2B5EF4-FFF2-40B4-BE49-F238E27FC236}">
-                <a16:creationId xmlns="" xmlns:a16="http://schemas.microsoft.com/office/drawing/2014/main" id="{32319A1F-D48D-4433-880F-65EE12329F3C}"/>
+                <a16:creationId xmlns:a16="http://schemas.microsoft.com/office/drawing/2014/main" xmlns="" id="{32319A1F-D48D-4433-880F-65EE12329F3C}"/>
               </a:ext>
             </a:extLst>
           </p:cNvPr>
@@ -1554,7 +1554,7 @@
           <p:cNvPr id="6" name="灯片编号占位符 5">
             <a:extLst>
               <a:ext uri="{FF2B5EF4-FFF2-40B4-BE49-F238E27FC236}">
-                <a16:creationId xmlns="" xmlns:a16="http://schemas.microsoft.com/office/drawing/2014/main" id="{856A12AF-D448-4A9A-8CAD-8396CA2708B4}"/>
+                <a16:creationId xmlns:a16="http://schemas.microsoft.com/office/drawing/2014/main" xmlns="" id="{856A12AF-D448-4A9A-8CAD-8396CA2708B4}"/>
               </a:ext>
             </a:extLst>
           </p:cNvPr>
@@ -1613,7 +1613,7 @@
           <p:cNvPr id="2" name="标题 1">
             <a:extLst>
               <a:ext uri="{FF2B5EF4-FFF2-40B4-BE49-F238E27FC236}">
-                <a16:creationId xmlns="" xmlns:a16="http://schemas.microsoft.com/office/drawing/2014/main" id="{515DC4D6-AF79-4CC5-818E-233E0780847C}"/>
+                <a16:creationId xmlns:a16="http://schemas.microsoft.com/office/drawing/2014/main" xmlns="" id="{515DC4D6-AF79-4CC5-818E-233E0780847C}"/>
               </a:ext>
             </a:extLst>
           </p:cNvPr>
@@ -1642,7 +1642,7 @@
           <p:cNvPr id="3" name="内容占位符 2">
             <a:extLst>
               <a:ext uri="{FF2B5EF4-FFF2-40B4-BE49-F238E27FC236}">
-                <a16:creationId xmlns="" xmlns:a16="http://schemas.microsoft.com/office/drawing/2014/main" id="{D9F89AAD-8911-43B4-88EB-A3ED27F046EC}"/>
+                <a16:creationId xmlns:a16="http://schemas.microsoft.com/office/drawing/2014/main" xmlns="" id="{D9F89AAD-8911-43B4-88EB-A3ED27F046EC}"/>
               </a:ext>
             </a:extLst>
           </p:cNvPr>
@@ -1705,7 +1705,7 @@
           <p:cNvPr id="4" name="内容占位符 3">
             <a:extLst>
               <a:ext uri="{FF2B5EF4-FFF2-40B4-BE49-F238E27FC236}">
-                <a16:creationId xmlns="" xmlns:a16="http://schemas.microsoft.com/office/drawing/2014/main" id="{7DDED95B-9D7D-41BB-8267-4560C66467CA}"/>
+                <a16:creationId xmlns:a16="http://schemas.microsoft.com/office/drawing/2014/main" xmlns="" id="{7DDED95B-9D7D-41BB-8267-4560C66467CA}"/>
               </a:ext>
             </a:extLst>
           </p:cNvPr>
@@ -1768,7 +1768,7 @@
           <p:cNvPr id="5" name="日期占位符 4">
             <a:extLst>
               <a:ext uri="{FF2B5EF4-FFF2-40B4-BE49-F238E27FC236}">
-                <a16:creationId xmlns="" xmlns:a16="http://schemas.microsoft.com/office/drawing/2014/main" id="{CB302EFD-77A2-48D2-82EC-F0C843524A55}"/>
+                <a16:creationId xmlns:a16="http://schemas.microsoft.com/office/drawing/2014/main" xmlns="" id="{CB302EFD-77A2-48D2-82EC-F0C843524A55}"/>
               </a:ext>
             </a:extLst>
           </p:cNvPr>
@@ -1786,7 +1786,7 @@
           <a:p>
             <a:fld id="{407A2EF7-7F0C-4E84-B18C-B3F19A6758E7}" type="datetimeFigureOut">
               <a:rPr lang="en-HK" smtClean="0"/>
-              <a:t>5/5/2020</a:t>
+              <a:t>6/5/2020</a:t>
             </a:fld>
             <a:endParaRPr lang="en-HK"/>
           </a:p>
@@ -1797,7 +1797,7 @@
           <p:cNvPr id="6" name="页脚占位符 5">
             <a:extLst>
               <a:ext uri="{FF2B5EF4-FFF2-40B4-BE49-F238E27FC236}">
-                <a16:creationId xmlns="" xmlns:a16="http://schemas.microsoft.com/office/drawing/2014/main" id="{94972DB4-6292-42C8-AF5E-4B0766E69570}"/>
+                <a16:creationId xmlns:a16="http://schemas.microsoft.com/office/drawing/2014/main" xmlns="" id="{94972DB4-6292-42C8-AF5E-4B0766E69570}"/>
               </a:ext>
             </a:extLst>
           </p:cNvPr>
@@ -1822,7 +1822,7 @@
           <p:cNvPr id="7" name="灯片编号占位符 6">
             <a:extLst>
               <a:ext uri="{FF2B5EF4-FFF2-40B4-BE49-F238E27FC236}">
-                <a16:creationId xmlns="" xmlns:a16="http://schemas.microsoft.com/office/drawing/2014/main" id="{BF6BF759-0BC0-4680-A75E-C9B899043F1A}"/>
+                <a16:creationId xmlns:a16="http://schemas.microsoft.com/office/drawing/2014/main" xmlns="" id="{BF6BF759-0BC0-4680-A75E-C9B899043F1A}"/>
               </a:ext>
             </a:extLst>
           </p:cNvPr>
@@ -1881,7 +1881,7 @@
           <p:cNvPr id="2" name="标题 1">
             <a:extLst>
               <a:ext uri="{FF2B5EF4-FFF2-40B4-BE49-F238E27FC236}">
-                <a16:creationId xmlns="" xmlns:a16="http://schemas.microsoft.com/office/drawing/2014/main" id="{0037F786-8235-4C23-8AA5-8A373C59BC0E}"/>
+                <a16:creationId xmlns:a16="http://schemas.microsoft.com/office/drawing/2014/main" xmlns="" id="{0037F786-8235-4C23-8AA5-8A373C59BC0E}"/>
               </a:ext>
             </a:extLst>
           </p:cNvPr>
@@ -1915,7 +1915,7 @@
           <p:cNvPr id="3" name="文本占位符 2">
             <a:extLst>
               <a:ext uri="{FF2B5EF4-FFF2-40B4-BE49-F238E27FC236}">
-                <a16:creationId xmlns="" xmlns:a16="http://schemas.microsoft.com/office/drawing/2014/main" id="{358D6110-38BD-46ED-A13F-18BA26C948D5}"/>
+                <a16:creationId xmlns:a16="http://schemas.microsoft.com/office/drawing/2014/main" xmlns="" id="{358D6110-38BD-46ED-A13F-18BA26C948D5}"/>
               </a:ext>
             </a:extLst>
           </p:cNvPr>
@@ -1986,7 +1986,7 @@
           <p:cNvPr id="4" name="内容占位符 3">
             <a:extLst>
               <a:ext uri="{FF2B5EF4-FFF2-40B4-BE49-F238E27FC236}">
-                <a16:creationId xmlns="" xmlns:a16="http://schemas.microsoft.com/office/drawing/2014/main" id="{28965AA4-5D4A-4070-85D0-0675BF4CB7D3}"/>
+                <a16:creationId xmlns:a16="http://schemas.microsoft.com/office/drawing/2014/main" xmlns="" id="{28965AA4-5D4A-4070-85D0-0675BF4CB7D3}"/>
               </a:ext>
             </a:extLst>
           </p:cNvPr>
@@ -2049,7 +2049,7 @@
           <p:cNvPr id="5" name="文本占位符 4">
             <a:extLst>
               <a:ext uri="{FF2B5EF4-FFF2-40B4-BE49-F238E27FC236}">
-                <a16:creationId xmlns="" xmlns:a16="http://schemas.microsoft.com/office/drawing/2014/main" id="{CA713767-1A81-4611-A956-3FCEE64B093B}"/>
+                <a16:creationId xmlns:a16="http://schemas.microsoft.com/office/drawing/2014/main" xmlns="" id="{CA713767-1A81-4611-A956-3FCEE64B093B}"/>
               </a:ext>
             </a:extLst>
           </p:cNvPr>
@@ -2120,7 +2120,7 @@
           <p:cNvPr id="6" name="内容占位符 5">
             <a:extLst>
               <a:ext uri="{FF2B5EF4-FFF2-40B4-BE49-F238E27FC236}">
-                <a16:creationId xmlns="" xmlns:a16="http://schemas.microsoft.com/office/drawing/2014/main" id="{C9E718FC-344C-4CC7-9C8B-02ABD6B4548B}"/>
+                <a16:creationId xmlns:a16="http://schemas.microsoft.com/office/drawing/2014/main" xmlns="" id="{C9E718FC-344C-4CC7-9C8B-02ABD6B4548B}"/>
               </a:ext>
             </a:extLst>
           </p:cNvPr>
@@ -2183,7 +2183,7 @@
           <p:cNvPr id="7" name="日期占位符 6">
             <a:extLst>
               <a:ext uri="{FF2B5EF4-FFF2-40B4-BE49-F238E27FC236}">
-                <a16:creationId xmlns="" xmlns:a16="http://schemas.microsoft.com/office/drawing/2014/main" id="{5A4B984F-7B00-4417-B6AB-3AEC84B46576}"/>
+                <a16:creationId xmlns:a16="http://schemas.microsoft.com/office/drawing/2014/main" xmlns="" id="{5A4B984F-7B00-4417-B6AB-3AEC84B46576}"/>
               </a:ext>
             </a:extLst>
           </p:cNvPr>
@@ -2201,7 +2201,7 @@
           <a:p>
             <a:fld id="{407A2EF7-7F0C-4E84-B18C-B3F19A6758E7}" type="datetimeFigureOut">
               <a:rPr lang="en-HK" smtClean="0"/>
-              <a:t>5/5/2020</a:t>
+              <a:t>6/5/2020</a:t>
             </a:fld>
             <a:endParaRPr lang="en-HK"/>
           </a:p>
@@ -2212,7 +2212,7 @@
           <p:cNvPr id="8" name="页脚占位符 7">
             <a:extLst>
               <a:ext uri="{FF2B5EF4-FFF2-40B4-BE49-F238E27FC236}">
-                <a16:creationId xmlns="" xmlns:a16="http://schemas.microsoft.com/office/drawing/2014/main" id="{C43A7609-754C-4D13-86FC-D90FA492F9F0}"/>
+                <a16:creationId xmlns:a16="http://schemas.microsoft.com/office/drawing/2014/main" xmlns="" id="{C43A7609-754C-4D13-86FC-D90FA492F9F0}"/>
               </a:ext>
             </a:extLst>
           </p:cNvPr>
@@ -2237,7 +2237,7 @@
           <p:cNvPr id="9" name="灯片编号占位符 8">
             <a:extLst>
               <a:ext uri="{FF2B5EF4-FFF2-40B4-BE49-F238E27FC236}">
-                <a16:creationId xmlns="" xmlns:a16="http://schemas.microsoft.com/office/drawing/2014/main" id="{AD3E7907-9201-4055-98E7-D83E4E72AB71}"/>
+                <a16:creationId xmlns:a16="http://schemas.microsoft.com/office/drawing/2014/main" xmlns="" id="{AD3E7907-9201-4055-98E7-D83E4E72AB71}"/>
               </a:ext>
             </a:extLst>
           </p:cNvPr>
@@ -2296,7 +2296,7 @@
           <p:cNvPr id="2" name="标题 1">
             <a:extLst>
               <a:ext uri="{FF2B5EF4-FFF2-40B4-BE49-F238E27FC236}">
-                <a16:creationId xmlns="" xmlns:a16="http://schemas.microsoft.com/office/drawing/2014/main" id="{4F2BF22C-BF6A-4712-9FA6-6D394A343628}"/>
+                <a16:creationId xmlns:a16="http://schemas.microsoft.com/office/drawing/2014/main" xmlns="" id="{4F2BF22C-BF6A-4712-9FA6-6D394A343628}"/>
               </a:ext>
             </a:extLst>
           </p:cNvPr>
@@ -2325,7 +2325,7 @@
           <p:cNvPr id="3" name="日期占位符 2">
             <a:extLst>
               <a:ext uri="{FF2B5EF4-FFF2-40B4-BE49-F238E27FC236}">
-                <a16:creationId xmlns="" xmlns:a16="http://schemas.microsoft.com/office/drawing/2014/main" id="{DB0AEA36-5DE6-45B7-8297-10BADF3EB89A}"/>
+                <a16:creationId xmlns:a16="http://schemas.microsoft.com/office/drawing/2014/main" xmlns="" id="{DB0AEA36-5DE6-45B7-8297-10BADF3EB89A}"/>
               </a:ext>
             </a:extLst>
           </p:cNvPr>
@@ -2343,7 +2343,7 @@
           <a:p>
             <a:fld id="{407A2EF7-7F0C-4E84-B18C-B3F19A6758E7}" type="datetimeFigureOut">
               <a:rPr lang="en-HK" smtClean="0"/>
-              <a:t>5/5/2020</a:t>
+              <a:t>6/5/2020</a:t>
             </a:fld>
             <a:endParaRPr lang="en-HK"/>
           </a:p>
@@ -2354,7 +2354,7 @@
           <p:cNvPr id="4" name="页脚占位符 3">
             <a:extLst>
               <a:ext uri="{FF2B5EF4-FFF2-40B4-BE49-F238E27FC236}">
-                <a16:creationId xmlns="" xmlns:a16="http://schemas.microsoft.com/office/drawing/2014/main" id="{5F4880B7-27C4-43AC-8ED4-B106EF2FBBAB}"/>
+                <a16:creationId xmlns:a16="http://schemas.microsoft.com/office/drawing/2014/main" xmlns="" id="{5F4880B7-27C4-43AC-8ED4-B106EF2FBBAB}"/>
               </a:ext>
             </a:extLst>
           </p:cNvPr>
@@ -2379,7 +2379,7 @@
           <p:cNvPr id="5" name="灯片编号占位符 4">
             <a:extLst>
               <a:ext uri="{FF2B5EF4-FFF2-40B4-BE49-F238E27FC236}">
-                <a16:creationId xmlns="" xmlns:a16="http://schemas.microsoft.com/office/drawing/2014/main" id="{8E2732FF-00BC-4316-8E76-94F48AE49FCC}"/>
+                <a16:creationId xmlns:a16="http://schemas.microsoft.com/office/drawing/2014/main" xmlns="" id="{8E2732FF-00BC-4316-8E76-94F48AE49FCC}"/>
               </a:ext>
             </a:extLst>
           </p:cNvPr>
@@ -2438,7 +2438,7 @@
           <p:cNvPr id="2" name="日期占位符 1">
             <a:extLst>
               <a:ext uri="{FF2B5EF4-FFF2-40B4-BE49-F238E27FC236}">
-                <a16:creationId xmlns="" xmlns:a16="http://schemas.microsoft.com/office/drawing/2014/main" id="{19E699B1-7FF0-4C6C-A56F-9C25C73907C4}"/>
+                <a16:creationId xmlns:a16="http://schemas.microsoft.com/office/drawing/2014/main" xmlns="" id="{19E699B1-7FF0-4C6C-A56F-9C25C73907C4}"/>
               </a:ext>
             </a:extLst>
           </p:cNvPr>
@@ -2456,7 +2456,7 @@
           <a:p>
             <a:fld id="{407A2EF7-7F0C-4E84-B18C-B3F19A6758E7}" type="datetimeFigureOut">
               <a:rPr lang="en-HK" smtClean="0"/>
-              <a:t>5/5/2020</a:t>
+              <a:t>6/5/2020</a:t>
             </a:fld>
             <a:endParaRPr lang="en-HK"/>
           </a:p>
@@ -2467,7 +2467,7 @@
           <p:cNvPr id="3" name="页脚占位符 2">
             <a:extLst>
               <a:ext uri="{FF2B5EF4-FFF2-40B4-BE49-F238E27FC236}">
-                <a16:creationId xmlns="" xmlns:a16="http://schemas.microsoft.com/office/drawing/2014/main" id="{11579AD8-4AA9-43EE-AE9D-7E393458C81C}"/>
+                <a16:creationId xmlns:a16="http://schemas.microsoft.com/office/drawing/2014/main" xmlns="" id="{11579AD8-4AA9-43EE-AE9D-7E393458C81C}"/>
               </a:ext>
             </a:extLst>
           </p:cNvPr>
@@ -2492,7 +2492,7 @@
           <p:cNvPr id="4" name="灯片编号占位符 3">
             <a:extLst>
               <a:ext uri="{FF2B5EF4-FFF2-40B4-BE49-F238E27FC236}">
-                <a16:creationId xmlns="" xmlns:a16="http://schemas.microsoft.com/office/drawing/2014/main" id="{3B433511-75E1-4490-99BB-998C0E5C0067}"/>
+                <a16:creationId xmlns:a16="http://schemas.microsoft.com/office/drawing/2014/main" xmlns="" id="{3B433511-75E1-4490-99BB-998C0E5C0067}"/>
               </a:ext>
             </a:extLst>
           </p:cNvPr>
@@ -2551,7 +2551,7 @@
           <p:cNvPr id="2" name="标题 1">
             <a:extLst>
               <a:ext uri="{FF2B5EF4-FFF2-40B4-BE49-F238E27FC236}">
-                <a16:creationId xmlns="" xmlns:a16="http://schemas.microsoft.com/office/drawing/2014/main" id="{6F9D324F-8DB9-46BA-BC33-99BCBD290ACD}"/>
+                <a16:creationId xmlns:a16="http://schemas.microsoft.com/office/drawing/2014/main" xmlns="" id="{6F9D324F-8DB9-46BA-BC33-99BCBD290ACD}"/>
               </a:ext>
             </a:extLst>
           </p:cNvPr>
@@ -2589,7 +2589,7 @@
           <p:cNvPr id="3" name="内容占位符 2">
             <a:extLst>
               <a:ext uri="{FF2B5EF4-FFF2-40B4-BE49-F238E27FC236}">
-                <a16:creationId xmlns="" xmlns:a16="http://schemas.microsoft.com/office/drawing/2014/main" id="{D4889D60-CCDE-4B53-BB02-CE859A53DCC5}"/>
+                <a16:creationId xmlns:a16="http://schemas.microsoft.com/office/drawing/2014/main" xmlns="" id="{D4889D60-CCDE-4B53-BB02-CE859A53DCC5}"/>
               </a:ext>
             </a:extLst>
           </p:cNvPr>
@@ -2680,7 +2680,7 @@
           <p:cNvPr id="4" name="文本占位符 3">
             <a:extLst>
               <a:ext uri="{FF2B5EF4-FFF2-40B4-BE49-F238E27FC236}">
-                <a16:creationId xmlns="" xmlns:a16="http://schemas.microsoft.com/office/drawing/2014/main" id="{57123F21-C1C7-4646-9D8A-B946ECD8F544}"/>
+                <a16:creationId xmlns:a16="http://schemas.microsoft.com/office/drawing/2014/main" xmlns="" id="{57123F21-C1C7-4646-9D8A-B946ECD8F544}"/>
               </a:ext>
             </a:extLst>
           </p:cNvPr>
@@ -2751,7 +2751,7 @@
           <p:cNvPr id="5" name="日期占位符 4">
             <a:extLst>
               <a:ext uri="{FF2B5EF4-FFF2-40B4-BE49-F238E27FC236}">
-                <a16:creationId xmlns="" xmlns:a16="http://schemas.microsoft.com/office/drawing/2014/main" id="{FE02C645-B04A-4B8F-99D2-7C141988F454}"/>
+                <a16:creationId xmlns:a16="http://schemas.microsoft.com/office/drawing/2014/main" xmlns="" id="{FE02C645-B04A-4B8F-99D2-7C141988F454}"/>
               </a:ext>
             </a:extLst>
           </p:cNvPr>
@@ -2769,7 +2769,7 @@
           <a:p>
             <a:fld id="{407A2EF7-7F0C-4E84-B18C-B3F19A6758E7}" type="datetimeFigureOut">
               <a:rPr lang="en-HK" smtClean="0"/>
-              <a:t>5/5/2020</a:t>
+              <a:t>6/5/2020</a:t>
             </a:fld>
             <a:endParaRPr lang="en-HK"/>
           </a:p>
@@ -2780,7 +2780,7 @@
           <p:cNvPr id="6" name="页脚占位符 5">
             <a:extLst>
               <a:ext uri="{FF2B5EF4-FFF2-40B4-BE49-F238E27FC236}">
-                <a16:creationId xmlns="" xmlns:a16="http://schemas.microsoft.com/office/drawing/2014/main" id="{557EDFEF-A175-46DC-8551-41ADECEFF66B}"/>
+                <a16:creationId xmlns:a16="http://schemas.microsoft.com/office/drawing/2014/main" xmlns="" id="{557EDFEF-A175-46DC-8551-41ADECEFF66B}"/>
               </a:ext>
             </a:extLst>
           </p:cNvPr>
@@ -2805,7 +2805,7 @@
           <p:cNvPr id="7" name="灯片编号占位符 6">
             <a:extLst>
               <a:ext uri="{FF2B5EF4-FFF2-40B4-BE49-F238E27FC236}">
-                <a16:creationId xmlns="" xmlns:a16="http://schemas.microsoft.com/office/drawing/2014/main" id="{64EBF448-10BF-471D-8701-6C0D40E26A68}"/>
+                <a16:creationId xmlns:a16="http://schemas.microsoft.com/office/drawing/2014/main" xmlns="" id="{64EBF448-10BF-471D-8701-6C0D40E26A68}"/>
               </a:ext>
             </a:extLst>
           </p:cNvPr>
@@ -2864,7 +2864,7 @@
           <p:cNvPr id="2" name="标题 1">
             <a:extLst>
               <a:ext uri="{FF2B5EF4-FFF2-40B4-BE49-F238E27FC236}">
-                <a16:creationId xmlns="" xmlns:a16="http://schemas.microsoft.com/office/drawing/2014/main" id="{5249D34A-D8A8-41D6-9E49-C19985C37E62}"/>
+                <a16:creationId xmlns:a16="http://schemas.microsoft.com/office/drawing/2014/main" xmlns="" id="{5249D34A-D8A8-41D6-9E49-C19985C37E62}"/>
               </a:ext>
             </a:extLst>
           </p:cNvPr>
@@ -2902,7 +2902,7 @@
           <p:cNvPr id="3" name="图片占位符 2">
             <a:extLst>
               <a:ext uri="{FF2B5EF4-FFF2-40B4-BE49-F238E27FC236}">
-                <a16:creationId xmlns="" xmlns:a16="http://schemas.microsoft.com/office/drawing/2014/main" id="{EBD6AF32-E484-4945-A0C5-0FB42E32639C}"/>
+                <a16:creationId xmlns:a16="http://schemas.microsoft.com/office/drawing/2014/main" xmlns="" id="{EBD6AF32-E484-4945-A0C5-0FB42E32639C}"/>
               </a:ext>
             </a:extLst>
           </p:cNvPr>
@@ -2973,7 +2973,7 @@
           <p:cNvPr id="4" name="文本占位符 3">
             <a:extLst>
               <a:ext uri="{FF2B5EF4-FFF2-40B4-BE49-F238E27FC236}">
-                <a16:creationId xmlns="" xmlns:a16="http://schemas.microsoft.com/office/drawing/2014/main" id="{C14EE127-D055-4FD5-A3C0-B580AC001CD6}"/>
+                <a16:creationId xmlns:a16="http://schemas.microsoft.com/office/drawing/2014/main" xmlns="" id="{C14EE127-D055-4FD5-A3C0-B580AC001CD6}"/>
               </a:ext>
             </a:extLst>
           </p:cNvPr>
@@ -3044,7 +3044,7 @@
           <p:cNvPr id="5" name="日期占位符 4">
             <a:extLst>
               <a:ext uri="{FF2B5EF4-FFF2-40B4-BE49-F238E27FC236}">
-                <a16:creationId xmlns="" xmlns:a16="http://schemas.microsoft.com/office/drawing/2014/main" id="{0E58A864-E669-4281-8003-877718F4E6C8}"/>
+                <a16:creationId xmlns:a16="http://schemas.microsoft.com/office/drawing/2014/main" xmlns="" id="{0E58A864-E669-4281-8003-877718F4E6C8}"/>
               </a:ext>
             </a:extLst>
           </p:cNvPr>
@@ -3062,7 +3062,7 @@
           <a:p>
             <a:fld id="{407A2EF7-7F0C-4E84-B18C-B3F19A6758E7}" type="datetimeFigureOut">
               <a:rPr lang="en-HK" smtClean="0"/>
-              <a:t>5/5/2020</a:t>
+              <a:t>6/5/2020</a:t>
             </a:fld>
             <a:endParaRPr lang="en-HK"/>
           </a:p>
@@ -3073,7 +3073,7 @@
           <p:cNvPr id="6" name="页脚占位符 5">
             <a:extLst>
               <a:ext uri="{FF2B5EF4-FFF2-40B4-BE49-F238E27FC236}">
-                <a16:creationId xmlns="" xmlns:a16="http://schemas.microsoft.com/office/drawing/2014/main" id="{90BCAF0C-99C4-4CC8-A38F-E546A9B436C3}"/>
+                <a16:creationId xmlns:a16="http://schemas.microsoft.com/office/drawing/2014/main" xmlns="" id="{90BCAF0C-99C4-4CC8-A38F-E546A9B436C3}"/>
               </a:ext>
             </a:extLst>
           </p:cNvPr>
@@ -3098,7 +3098,7 @@
           <p:cNvPr id="7" name="灯片编号占位符 6">
             <a:extLst>
               <a:ext uri="{FF2B5EF4-FFF2-40B4-BE49-F238E27FC236}">
-                <a16:creationId xmlns="" xmlns:a16="http://schemas.microsoft.com/office/drawing/2014/main" id="{6A8ECC5B-C067-4E5B-BD29-963A07BFC62A}"/>
+                <a16:creationId xmlns:a16="http://schemas.microsoft.com/office/drawing/2014/main" xmlns="" id="{6A8ECC5B-C067-4E5B-BD29-963A07BFC62A}"/>
               </a:ext>
             </a:extLst>
           </p:cNvPr>
@@ -3162,7 +3162,7 @@
           <p:cNvPr id="2" name="标题占位符 1">
             <a:extLst>
               <a:ext uri="{FF2B5EF4-FFF2-40B4-BE49-F238E27FC236}">
-                <a16:creationId xmlns="" xmlns:a16="http://schemas.microsoft.com/office/drawing/2014/main" id="{50B3F8FE-B562-40D6-A7EB-E930DC81A30F}"/>
+                <a16:creationId xmlns:a16="http://schemas.microsoft.com/office/drawing/2014/main" xmlns="" id="{50B3F8FE-B562-40D6-A7EB-E930DC81A30F}"/>
               </a:ext>
             </a:extLst>
           </p:cNvPr>
@@ -3201,7 +3201,7 @@
           <p:cNvPr id="3" name="文本占位符 2">
             <a:extLst>
               <a:ext uri="{FF2B5EF4-FFF2-40B4-BE49-F238E27FC236}">
-                <a16:creationId xmlns="" xmlns:a16="http://schemas.microsoft.com/office/drawing/2014/main" id="{4105D7F9-32FB-4FE4-81FC-7821BF273E32}"/>
+                <a16:creationId xmlns:a16="http://schemas.microsoft.com/office/drawing/2014/main" xmlns="" id="{4105D7F9-32FB-4FE4-81FC-7821BF273E32}"/>
               </a:ext>
             </a:extLst>
           </p:cNvPr>
@@ -3269,7 +3269,7 @@
           <p:cNvPr id="4" name="日期占位符 3">
             <a:extLst>
               <a:ext uri="{FF2B5EF4-FFF2-40B4-BE49-F238E27FC236}">
-                <a16:creationId xmlns="" xmlns:a16="http://schemas.microsoft.com/office/drawing/2014/main" id="{FC1BF6C2-4CCF-47A7-BC5A-3AFE65D9ABF7}"/>
+                <a16:creationId xmlns:a16="http://schemas.microsoft.com/office/drawing/2014/main" xmlns="" id="{FC1BF6C2-4CCF-47A7-BC5A-3AFE65D9ABF7}"/>
               </a:ext>
             </a:extLst>
           </p:cNvPr>
@@ -3305,7 +3305,7 @@
           <a:p>
             <a:fld id="{407A2EF7-7F0C-4E84-B18C-B3F19A6758E7}" type="datetimeFigureOut">
               <a:rPr lang="en-HK" smtClean="0"/>
-              <a:t>5/5/2020</a:t>
+              <a:t>6/5/2020</a:t>
             </a:fld>
             <a:endParaRPr lang="en-HK"/>
           </a:p>
@@ -3316,7 +3316,7 @@
           <p:cNvPr id="5" name="页脚占位符 4">
             <a:extLst>
               <a:ext uri="{FF2B5EF4-FFF2-40B4-BE49-F238E27FC236}">
-                <a16:creationId xmlns="" xmlns:a16="http://schemas.microsoft.com/office/drawing/2014/main" id="{5BEF03B7-BF15-4069-AE64-17A82B94E117}"/>
+                <a16:creationId xmlns:a16="http://schemas.microsoft.com/office/drawing/2014/main" xmlns="" id="{5BEF03B7-BF15-4069-AE64-17A82B94E117}"/>
               </a:ext>
             </a:extLst>
           </p:cNvPr>
@@ -3359,7 +3359,7 @@
           <p:cNvPr id="6" name="灯片编号占位符 5">
             <a:extLst>
               <a:ext uri="{FF2B5EF4-FFF2-40B4-BE49-F238E27FC236}">
-                <a16:creationId xmlns="" xmlns:a16="http://schemas.microsoft.com/office/drawing/2014/main" id="{7FB921DD-8807-4D1C-959A-2CB0177FE614}"/>
+                <a16:creationId xmlns:a16="http://schemas.microsoft.com/office/drawing/2014/main" xmlns="" id="{7FB921DD-8807-4D1C-959A-2CB0177FE614}"/>
               </a:ext>
             </a:extLst>
           </p:cNvPr>
@@ -3727,7 +3727,7 @@
           <p:cNvPr id="15" name="图形 14">
             <a:extLst>
               <a:ext uri="{FF2B5EF4-FFF2-40B4-BE49-F238E27FC236}">
-                <a16:creationId xmlns="" xmlns:a16="http://schemas.microsoft.com/office/drawing/2014/main" id="{2409ED88-2CA5-41A4-8701-762ACFEE5E2D}"/>
+                <a16:creationId xmlns:a16="http://schemas.microsoft.com/office/drawing/2014/main" xmlns="" id="{2409ED88-2CA5-41A4-8701-762ACFEE5E2D}"/>
               </a:ext>
             </a:extLst>
           </p:cNvPr>
@@ -3740,7 +3740,7 @@
           <a:blip r:embed="rId2">
             <a:extLst>
               <a:ext uri="{96DAC541-7B7A-43D3-8B79-37D633B846F1}">
-                <asvg:svgBlip xmlns="" xmlns:asvg="http://schemas.microsoft.com/office/drawing/2016/SVG/main" r:embed="rId3"/>
+                <asvg:svgBlip xmlns:asvg="http://schemas.microsoft.com/office/drawing/2016/SVG/main" xmlns="" r:embed="rId3"/>
               </a:ext>
             </a:extLst>
           </a:blip>
@@ -3763,7 +3763,7 @@
           <p:cNvPr id="17" name="图形 16">
             <a:extLst>
               <a:ext uri="{FF2B5EF4-FFF2-40B4-BE49-F238E27FC236}">
-                <a16:creationId xmlns="" xmlns:a16="http://schemas.microsoft.com/office/drawing/2014/main" id="{A70AE1BF-E01E-40B3-82FE-EBDAE98EF033}"/>
+                <a16:creationId xmlns:a16="http://schemas.microsoft.com/office/drawing/2014/main" xmlns="" id="{A70AE1BF-E01E-40B3-82FE-EBDAE98EF033}"/>
               </a:ext>
             </a:extLst>
           </p:cNvPr>
@@ -3776,7 +3776,7 @@
           <a:blip r:embed="rId4">
             <a:extLst>
               <a:ext uri="{96DAC541-7B7A-43D3-8B79-37D633B846F1}">
-                <asvg:svgBlip xmlns="" xmlns:asvg="http://schemas.microsoft.com/office/drawing/2016/SVG/main" r:embed="rId5"/>
+                <asvg:svgBlip xmlns:asvg="http://schemas.microsoft.com/office/drawing/2016/SVG/main" xmlns="" r:embed="rId5"/>
               </a:ext>
             </a:extLst>
           </a:blip>
@@ -3799,7 +3799,7 @@
           <p:cNvPr id="18" name="图形 17">
             <a:extLst>
               <a:ext uri="{FF2B5EF4-FFF2-40B4-BE49-F238E27FC236}">
-                <a16:creationId xmlns="" xmlns:a16="http://schemas.microsoft.com/office/drawing/2014/main" id="{9786F39B-3422-4B47-882D-76178895E44F}"/>
+                <a16:creationId xmlns:a16="http://schemas.microsoft.com/office/drawing/2014/main" xmlns="" id="{9786F39B-3422-4B47-882D-76178895E44F}"/>
               </a:ext>
             </a:extLst>
           </p:cNvPr>
@@ -3812,7 +3812,7 @@
           <a:blip r:embed="rId2">
             <a:extLst>
               <a:ext uri="{96DAC541-7B7A-43D3-8B79-37D633B846F1}">
-                <asvg:svgBlip xmlns="" xmlns:asvg="http://schemas.microsoft.com/office/drawing/2016/SVG/main" r:embed="rId3"/>
+                <asvg:svgBlip xmlns:asvg="http://schemas.microsoft.com/office/drawing/2016/SVG/main" xmlns="" r:embed="rId3"/>
               </a:ext>
             </a:extLst>
           </a:blip>
@@ -3835,7 +3835,7 @@
           <p:cNvPr id="27" name="图形 26">
             <a:extLst>
               <a:ext uri="{FF2B5EF4-FFF2-40B4-BE49-F238E27FC236}">
-                <a16:creationId xmlns="" xmlns:a16="http://schemas.microsoft.com/office/drawing/2014/main" id="{26D176A5-483B-42B4-B7CB-15332828ABE9}"/>
+                <a16:creationId xmlns:a16="http://schemas.microsoft.com/office/drawing/2014/main" xmlns="" id="{26D176A5-483B-42B4-B7CB-15332828ABE9}"/>
               </a:ext>
             </a:extLst>
           </p:cNvPr>
@@ -3848,7 +3848,7 @@
           <a:blip r:embed="rId6">
             <a:extLst>
               <a:ext uri="{96DAC541-7B7A-43D3-8B79-37D633B846F1}">
-                <asvg:svgBlip xmlns="" xmlns:asvg="http://schemas.microsoft.com/office/drawing/2016/SVG/main" r:embed="rId7"/>
+                <asvg:svgBlip xmlns:asvg="http://schemas.microsoft.com/office/drawing/2016/SVG/main" xmlns="" r:embed="rId7"/>
               </a:ext>
             </a:extLst>
           </a:blip>
@@ -3871,7 +3871,7 @@
           <p:cNvPr id="28" name="标题 1">
             <a:extLst>
               <a:ext uri="{FF2B5EF4-FFF2-40B4-BE49-F238E27FC236}">
-                <a16:creationId xmlns="" xmlns:a16="http://schemas.microsoft.com/office/drawing/2014/main" id="{D8C0095A-FB59-40F4-9812-D28C3424933B}"/>
+                <a16:creationId xmlns:a16="http://schemas.microsoft.com/office/drawing/2014/main" xmlns="" id="{D8C0095A-FB59-40F4-9812-D28C3424933B}"/>
               </a:ext>
             </a:extLst>
           </p:cNvPr>
@@ -4111,7 +4111,7 @@
           <p:cNvPr id="2" name="标题 1">
             <a:extLst>
               <a:ext uri="{FF2B5EF4-FFF2-40B4-BE49-F238E27FC236}">
-                <a16:creationId xmlns="" xmlns:a16="http://schemas.microsoft.com/office/drawing/2014/main" id="{729E7753-D934-41AF-979C-BE3013383BDA}"/>
+                <a16:creationId xmlns:a16="http://schemas.microsoft.com/office/drawing/2014/main" xmlns="" id="{729E7753-D934-41AF-979C-BE3013383BDA}"/>
               </a:ext>
             </a:extLst>
           </p:cNvPr>
@@ -4147,7 +4147,7 @@
           <p:cNvPr id="4" name="图形 3">
             <a:extLst>
               <a:ext uri="{FF2B5EF4-FFF2-40B4-BE49-F238E27FC236}">
-                <a16:creationId xmlns="" xmlns:a16="http://schemas.microsoft.com/office/drawing/2014/main" id="{3EF556CA-30DB-46CA-B010-E7BC06705578}"/>
+                <a16:creationId xmlns:a16="http://schemas.microsoft.com/office/drawing/2014/main" xmlns="" id="{3EF556CA-30DB-46CA-B010-E7BC06705578}"/>
               </a:ext>
             </a:extLst>
           </p:cNvPr>
@@ -4160,7 +4160,7 @@
           <a:blip r:embed="rId3">
             <a:extLst>
               <a:ext uri="{96DAC541-7B7A-43D3-8B79-37D633B846F1}">
-                <asvg:svgBlip xmlns="" xmlns:asvg="http://schemas.microsoft.com/office/drawing/2016/SVG/main" r:embed="rId5"/>
+                <asvg:svgBlip xmlns:asvg="http://schemas.microsoft.com/office/drawing/2016/SVG/main" xmlns="" r:embed="rId5"/>
               </a:ext>
             </a:extLst>
           </a:blip>
@@ -4183,7 +4183,7 @@
           <p:cNvPr id="5" name="箭头: 五边形 4">
             <a:extLst>
               <a:ext uri="{FF2B5EF4-FFF2-40B4-BE49-F238E27FC236}">
-                <a16:creationId xmlns="" xmlns:a16="http://schemas.microsoft.com/office/drawing/2014/main" id="{61E862C7-DDED-46B2-88A9-92A4D3F40475}"/>
+                <a16:creationId xmlns:a16="http://schemas.microsoft.com/office/drawing/2014/main" xmlns="" id="{61E862C7-DDED-46B2-88A9-92A4D3F40475}"/>
               </a:ext>
             </a:extLst>
           </p:cNvPr>
@@ -4232,7 +4232,7 @@
           <p:cNvPr id="6" name="图形 5">
             <a:extLst>
               <a:ext uri="{FF2B5EF4-FFF2-40B4-BE49-F238E27FC236}">
-                <a16:creationId xmlns="" xmlns:a16="http://schemas.microsoft.com/office/drawing/2014/main" id="{217E1EC4-7E0E-4611-9AC8-528215714F14}"/>
+                <a16:creationId xmlns:a16="http://schemas.microsoft.com/office/drawing/2014/main" xmlns="" id="{217E1EC4-7E0E-4611-9AC8-528215714F14}"/>
               </a:ext>
             </a:extLst>
           </p:cNvPr>
@@ -4245,7 +4245,7 @@
           <a:blip r:embed="rId6">
             <a:extLst>
               <a:ext uri="{96DAC541-7B7A-43D3-8B79-37D633B846F1}">
-                <asvg:svgBlip xmlns="" xmlns:asvg="http://schemas.microsoft.com/office/drawing/2016/SVG/main" r:embed="rId7"/>
+                <asvg:svgBlip xmlns:asvg="http://schemas.microsoft.com/office/drawing/2016/SVG/main" xmlns="" r:embed="rId7"/>
               </a:ext>
             </a:extLst>
           </a:blip>
@@ -4319,25 +4319,7 @@
                 </a:solidFill>
                 <a:latin typeface="PT Serif" charset="0"/>
               </a:rPr>
-              <a:t>, </a:t>
-            </a:r>
-            <a:r>
-              <a:rPr lang="en-US" altLang="zh-CN" dirty="0">
-                <a:solidFill>
-                  <a:srgbClr val="1F0909"/>
-                </a:solidFill>
-                <a:latin typeface="PT Serif" charset="0"/>
-              </a:rPr>
-              <a:t>S</a:t>
-            </a:r>
-            <a:r>
-              <a:rPr lang="en-US" altLang="zh-CN" dirty="0">
-                <a:solidFill>
-                  <a:srgbClr val="1F0909"/>
-                </a:solidFill>
-                <a:latin typeface="PT Serif" charset="0"/>
-              </a:rPr>
-              <a:t>mart Reply</a:t>
+              <a:t>, Smart Reply</a:t>
             </a:r>
             <a:endParaRPr lang="zh-CN" altLang="en-US" dirty="0">
               <a:solidFill>
@@ -4592,7 +4574,7 @@
           <p:cNvPr id="2" name="标题 1">
             <a:extLst>
               <a:ext uri="{FF2B5EF4-FFF2-40B4-BE49-F238E27FC236}">
-                <a16:creationId xmlns="" xmlns:a16="http://schemas.microsoft.com/office/drawing/2014/main" id="{729E7753-D934-41AF-979C-BE3013383BDA}"/>
+                <a16:creationId xmlns:a16="http://schemas.microsoft.com/office/drawing/2014/main" xmlns="" id="{729E7753-D934-41AF-979C-BE3013383BDA}"/>
               </a:ext>
             </a:extLst>
           </p:cNvPr>
@@ -4628,7 +4610,7 @@
           <p:cNvPr id="4" name="图形 3">
             <a:extLst>
               <a:ext uri="{FF2B5EF4-FFF2-40B4-BE49-F238E27FC236}">
-                <a16:creationId xmlns="" xmlns:a16="http://schemas.microsoft.com/office/drawing/2014/main" id="{3EF556CA-30DB-46CA-B010-E7BC06705578}"/>
+                <a16:creationId xmlns:a16="http://schemas.microsoft.com/office/drawing/2014/main" xmlns="" id="{3EF556CA-30DB-46CA-B010-E7BC06705578}"/>
               </a:ext>
             </a:extLst>
           </p:cNvPr>
@@ -4641,7 +4623,7 @@
           <a:blip r:embed="rId3">
             <a:extLst>
               <a:ext uri="{96DAC541-7B7A-43D3-8B79-37D633B846F1}">
-                <asvg:svgBlip xmlns="" xmlns:asvg="http://schemas.microsoft.com/office/drawing/2016/SVG/main" r:embed="rId5"/>
+                <asvg:svgBlip xmlns:asvg="http://schemas.microsoft.com/office/drawing/2016/SVG/main" xmlns="" r:embed="rId5"/>
               </a:ext>
             </a:extLst>
           </a:blip>
@@ -4664,7 +4646,7 @@
           <p:cNvPr id="5" name="箭头: 五边形 4">
             <a:extLst>
               <a:ext uri="{FF2B5EF4-FFF2-40B4-BE49-F238E27FC236}">
-                <a16:creationId xmlns="" xmlns:a16="http://schemas.microsoft.com/office/drawing/2014/main" id="{61E862C7-DDED-46B2-88A9-92A4D3F40475}"/>
+                <a16:creationId xmlns:a16="http://schemas.microsoft.com/office/drawing/2014/main" xmlns="" id="{61E862C7-DDED-46B2-88A9-92A4D3F40475}"/>
               </a:ext>
             </a:extLst>
           </p:cNvPr>
@@ -4713,7 +4695,7 @@
           <p:cNvPr id="6" name="图形 5">
             <a:extLst>
               <a:ext uri="{FF2B5EF4-FFF2-40B4-BE49-F238E27FC236}">
-                <a16:creationId xmlns="" xmlns:a16="http://schemas.microsoft.com/office/drawing/2014/main" id="{217E1EC4-7E0E-4611-9AC8-528215714F14}"/>
+                <a16:creationId xmlns:a16="http://schemas.microsoft.com/office/drawing/2014/main" xmlns="" id="{217E1EC4-7E0E-4611-9AC8-528215714F14}"/>
               </a:ext>
             </a:extLst>
           </p:cNvPr>
@@ -4726,7 +4708,7 @@
           <a:blip r:embed="rId6">
             <a:extLst>
               <a:ext uri="{96DAC541-7B7A-43D3-8B79-37D633B846F1}">
-                <asvg:svgBlip xmlns="" xmlns:asvg="http://schemas.microsoft.com/office/drawing/2016/SVG/main" r:embed="rId7"/>
+                <asvg:svgBlip xmlns:asvg="http://schemas.microsoft.com/office/drawing/2016/SVG/main" xmlns="" r:embed="rId7"/>
               </a:ext>
             </a:extLst>
           </a:blip>
@@ -5324,7 +5306,7 @@
           <p:cNvPr id="2" name="标题 1">
             <a:extLst>
               <a:ext uri="{FF2B5EF4-FFF2-40B4-BE49-F238E27FC236}">
-                <a16:creationId xmlns="" xmlns:a16="http://schemas.microsoft.com/office/drawing/2014/main" id="{729E7753-D934-41AF-979C-BE3013383BDA}"/>
+                <a16:creationId xmlns:a16="http://schemas.microsoft.com/office/drawing/2014/main" xmlns="" id="{729E7753-D934-41AF-979C-BE3013383BDA}"/>
               </a:ext>
             </a:extLst>
           </p:cNvPr>
@@ -5360,7 +5342,7 @@
           <p:cNvPr id="4" name="图形 3">
             <a:extLst>
               <a:ext uri="{FF2B5EF4-FFF2-40B4-BE49-F238E27FC236}">
-                <a16:creationId xmlns="" xmlns:a16="http://schemas.microsoft.com/office/drawing/2014/main" id="{3EF556CA-30DB-46CA-B010-E7BC06705578}"/>
+                <a16:creationId xmlns:a16="http://schemas.microsoft.com/office/drawing/2014/main" xmlns="" id="{3EF556CA-30DB-46CA-B010-E7BC06705578}"/>
               </a:ext>
             </a:extLst>
           </p:cNvPr>
@@ -5373,7 +5355,7 @@
           <a:blip r:embed="rId3">
             <a:extLst>
               <a:ext uri="{96DAC541-7B7A-43D3-8B79-37D633B846F1}">
-                <asvg:svgBlip xmlns="" xmlns:asvg="http://schemas.microsoft.com/office/drawing/2016/SVG/main" r:embed="rId5"/>
+                <asvg:svgBlip xmlns:asvg="http://schemas.microsoft.com/office/drawing/2016/SVG/main" xmlns="" r:embed="rId5"/>
               </a:ext>
             </a:extLst>
           </a:blip>
@@ -5396,7 +5378,7 @@
           <p:cNvPr id="5" name="箭头: 五边形 4">
             <a:extLst>
               <a:ext uri="{FF2B5EF4-FFF2-40B4-BE49-F238E27FC236}">
-                <a16:creationId xmlns="" xmlns:a16="http://schemas.microsoft.com/office/drawing/2014/main" id="{61E862C7-DDED-46B2-88A9-92A4D3F40475}"/>
+                <a16:creationId xmlns:a16="http://schemas.microsoft.com/office/drawing/2014/main" xmlns="" id="{61E862C7-DDED-46B2-88A9-92A4D3F40475}"/>
               </a:ext>
             </a:extLst>
           </p:cNvPr>
@@ -5445,7 +5427,7 @@
           <p:cNvPr id="6" name="图形 5">
             <a:extLst>
               <a:ext uri="{FF2B5EF4-FFF2-40B4-BE49-F238E27FC236}">
-                <a16:creationId xmlns="" xmlns:a16="http://schemas.microsoft.com/office/drawing/2014/main" id="{217E1EC4-7E0E-4611-9AC8-528215714F14}"/>
+                <a16:creationId xmlns:a16="http://schemas.microsoft.com/office/drawing/2014/main" xmlns="" id="{217E1EC4-7E0E-4611-9AC8-528215714F14}"/>
               </a:ext>
             </a:extLst>
           </p:cNvPr>
@@ -5458,7 +5440,7 @@
           <a:blip r:embed="rId6">
             <a:extLst>
               <a:ext uri="{96DAC541-7B7A-43D3-8B79-37D633B846F1}">
-                <asvg:svgBlip xmlns="" xmlns:asvg="http://schemas.microsoft.com/office/drawing/2016/SVG/main" r:embed="rId7"/>
+                <asvg:svgBlip xmlns:asvg="http://schemas.microsoft.com/office/drawing/2016/SVG/main" xmlns="" r:embed="rId7"/>
               </a:ext>
             </a:extLst>
           </a:blip>
@@ -5600,11 +5582,7 @@
           <a:p>
             <a:r>
               <a:rPr lang="en-US" altLang="zh-CN" b="1" dirty="0"/>
-              <a:t>Generative Adversarial </a:t>
-            </a:r>
-            <a:r>
-              <a:rPr lang="en-US" altLang="zh-CN" b="1" dirty="0"/>
-              <a:t>Network(GAN</a:t>
+              <a:t>Generative Adversarial Network(GAN</a:t>
             </a:r>
             <a:r>
               <a:rPr lang="en-US" altLang="zh-CN" b="1" dirty="0" smtClean="0"/>
@@ -5697,7 +5675,7 @@
           <p:cNvPr id="2" name="标题 1">
             <a:extLst>
               <a:ext uri="{FF2B5EF4-FFF2-40B4-BE49-F238E27FC236}">
-                <a16:creationId xmlns="" xmlns:a16="http://schemas.microsoft.com/office/drawing/2014/main" id="{729E7753-D934-41AF-979C-BE3013383BDA}"/>
+                <a16:creationId xmlns:a16="http://schemas.microsoft.com/office/drawing/2014/main" xmlns="" id="{729E7753-D934-41AF-979C-BE3013383BDA}"/>
               </a:ext>
             </a:extLst>
           </p:cNvPr>
@@ -5749,7 +5727,7 @@
           <p:cNvPr id="4" name="图形 3">
             <a:extLst>
               <a:ext uri="{FF2B5EF4-FFF2-40B4-BE49-F238E27FC236}">
-                <a16:creationId xmlns="" xmlns:a16="http://schemas.microsoft.com/office/drawing/2014/main" id="{3EF556CA-30DB-46CA-B010-E7BC06705578}"/>
+                <a16:creationId xmlns:a16="http://schemas.microsoft.com/office/drawing/2014/main" xmlns="" id="{3EF556CA-30DB-46CA-B010-E7BC06705578}"/>
               </a:ext>
             </a:extLst>
           </p:cNvPr>
@@ -5762,7 +5740,7 @@
           <a:blip r:embed="rId3">
             <a:extLst>
               <a:ext uri="{96DAC541-7B7A-43D3-8B79-37D633B846F1}">
-                <asvg:svgBlip xmlns="" xmlns:asvg="http://schemas.microsoft.com/office/drawing/2016/SVG/main" r:embed="rId5"/>
+                <asvg:svgBlip xmlns:asvg="http://schemas.microsoft.com/office/drawing/2016/SVG/main" xmlns="" r:embed="rId5"/>
               </a:ext>
             </a:extLst>
           </a:blip>
@@ -5785,7 +5763,7 @@
           <p:cNvPr id="5" name="箭头: 五边形 4">
             <a:extLst>
               <a:ext uri="{FF2B5EF4-FFF2-40B4-BE49-F238E27FC236}">
-                <a16:creationId xmlns="" xmlns:a16="http://schemas.microsoft.com/office/drawing/2014/main" id="{61E862C7-DDED-46B2-88A9-92A4D3F40475}"/>
+                <a16:creationId xmlns:a16="http://schemas.microsoft.com/office/drawing/2014/main" xmlns="" id="{61E862C7-DDED-46B2-88A9-92A4D3F40475}"/>
               </a:ext>
             </a:extLst>
           </p:cNvPr>
@@ -5834,7 +5812,7 @@
           <p:cNvPr id="6" name="图形 5">
             <a:extLst>
               <a:ext uri="{FF2B5EF4-FFF2-40B4-BE49-F238E27FC236}">
-                <a16:creationId xmlns="" xmlns:a16="http://schemas.microsoft.com/office/drawing/2014/main" id="{217E1EC4-7E0E-4611-9AC8-528215714F14}"/>
+                <a16:creationId xmlns:a16="http://schemas.microsoft.com/office/drawing/2014/main" xmlns="" id="{217E1EC4-7E0E-4611-9AC8-528215714F14}"/>
               </a:ext>
             </a:extLst>
           </p:cNvPr>
@@ -5847,7 +5825,7 @@
           <a:blip r:embed="rId6">
             <a:extLst>
               <a:ext uri="{96DAC541-7B7A-43D3-8B79-37D633B846F1}">
-                <asvg:svgBlip xmlns="" xmlns:asvg="http://schemas.microsoft.com/office/drawing/2016/SVG/main" r:embed="rId7"/>
+                <asvg:svgBlip xmlns:asvg="http://schemas.microsoft.com/office/drawing/2016/SVG/main" xmlns="" r:embed="rId7"/>
               </a:ext>
             </a:extLst>
           </a:blip>
@@ -6378,11 +6356,7 @@
           <a:p>
             <a:r>
               <a:rPr lang="en-US" altLang="zh-CN" dirty="0"/>
-              <a:t>Two </a:t>
-            </a:r>
-            <a:r>
-              <a:rPr lang="en-US" altLang="zh-CN" dirty="0"/>
-              <a:t>phases:</a:t>
+              <a:t>Two phases:</a:t>
             </a:r>
           </a:p>
           <a:p>
@@ -6763,14 +6737,96 @@
       </p:sp>
       <p:sp>
         <p:nvSpPr>
-          <p:cNvPr id="33" name="文本框 32"/>
+          <p:cNvPr id="3" name="文本框 2"/>
           <p:cNvSpPr txBox="1"/>
           <p:nvPr/>
         </p:nvSpPr>
         <p:spPr>
           <a:xfrm>
-            <a:off x="6079219" y="4897901"/>
-            <a:ext cx="5933472" cy="523220"/>
+            <a:off x="7124794" y="5121865"/>
+            <a:ext cx="1008609" cy="923330"/>
+          </a:xfrm>
+          <a:prstGeom prst="rect">
+            <a:avLst/>
+          </a:prstGeom>
+          <a:noFill/>
+        </p:spPr>
+        <p:txBody>
+          <a:bodyPr wrap="none" rtlCol="0">
+            <a:spAutoFit/>
+          </a:bodyPr>
+          <a:lstStyle/>
+          <a:p>
+            <a:r>
+              <a:rPr kumimoji="1" lang="en-US" altLang="zh-CN" dirty="0" smtClean="0"/>
+              <a:t>A = B + C</a:t>
+            </a:r>
+          </a:p>
+          <a:p>
+            <a:r>
+              <a:rPr kumimoji="1" lang="en-US" altLang="zh-CN" dirty="0" smtClean="0"/>
+              <a:t>X = X + A</a:t>
+            </a:r>
+          </a:p>
+          <a:p>
+            <a:r>
+              <a:rPr kumimoji="1" lang="en-US" altLang="zh-CN" dirty="0" smtClean="0"/>
+              <a:t>Y = Y + 1</a:t>
+            </a:r>
+            <a:endParaRPr kumimoji="1" lang="zh-CN" altLang="en-US" dirty="0"/>
+          </a:p>
+        </p:txBody>
+      </p:sp>
+      <p:sp>
+        <p:nvSpPr>
+          <p:cNvPr id="32" name="右箭头 31"/>
+          <p:cNvSpPr/>
+          <p:nvPr/>
+        </p:nvSpPr>
+        <p:spPr>
+          <a:xfrm>
+            <a:off x="8199306" y="5490726"/>
+            <a:ext cx="942347" cy="206441"/>
+          </a:xfrm>
+          <a:prstGeom prst="rightArrow">
+            <a:avLst/>
+          </a:prstGeom>
+        </p:spPr>
+        <p:style>
+          <a:lnRef idx="2">
+            <a:schemeClr val="accent1">
+              <a:shade val="50000"/>
+            </a:schemeClr>
+          </a:lnRef>
+          <a:fillRef idx="1">
+            <a:schemeClr val="accent1"/>
+          </a:fillRef>
+          <a:effectRef idx="0">
+            <a:schemeClr val="accent1"/>
+          </a:effectRef>
+          <a:fontRef idx="minor">
+            <a:schemeClr val="lt1"/>
+          </a:fontRef>
+        </p:style>
+        <p:txBody>
+          <a:bodyPr rtlCol="0" anchor="ctr"/>
+          <a:lstStyle/>
+          <a:p>
+            <a:pPr algn="ctr"/>
+            <a:endParaRPr kumimoji="1" lang="zh-CN" altLang="en-US"/>
+          </a:p>
+        </p:txBody>
+      </p:sp>
+      <p:sp>
+        <p:nvSpPr>
+          <p:cNvPr id="7" name="文本框 6"/>
+          <p:cNvSpPr txBox="1"/>
+          <p:nvPr/>
+        </p:nvSpPr>
+        <p:spPr>
+          <a:xfrm>
+            <a:off x="9151812" y="5200688"/>
+            <a:ext cx="2727795" cy="646331"/>
           </a:xfrm>
           <a:prstGeom prst="rect">
             <a:avLst/>
@@ -6784,95 +6840,32 @@
           <a:lstStyle/>
           <a:p>
             <a:r>
-              <a:rPr lang="en-US" altLang="zh-CN" sz="2800" dirty="0"/>
-              <a:t>4.3</a:t>
-            </a:r>
-            <a:r>
-              <a:rPr lang="zh-CN" altLang="en-US" sz="2800" dirty="0"/>
-              <a:t> </a:t>
-            </a:r>
-            <a:r>
-              <a:rPr lang="en-US" altLang="zh-CN" sz="2800" dirty="0"/>
-              <a:t>heterogeneous</a:t>
-            </a:r>
-            <a:r>
-              <a:rPr lang="zh-CN" altLang="en-US" sz="2800" dirty="0"/>
-              <a:t> </a:t>
-            </a:r>
-            <a:r>
-              <a:rPr lang="en-US" altLang="zh-CN" sz="2800" dirty="0"/>
-              <a:t>divides</a:t>
-            </a:r>
-            <a:r>
-              <a:rPr lang="zh-CN" altLang="en-US" sz="2800" dirty="0"/>
-              <a:t> </a:t>
-            </a:r>
-            <a:endParaRPr lang="zh-CN" altLang="en-US" sz="2800" dirty="0"/>
-          </a:p>
-        </p:txBody>
-      </p:sp>
-      <p:sp>
-        <p:nvSpPr>
-          <p:cNvPr id="34" name="文本框 33"/>
-          <p:cNvSpPr txBox="1"/>
-          <p:nvPr/>
-        </p:nvSpPr>
-        <p:spPr>
-          <a:xfrm>
-            <a:off x="6305668" y="5421121"/>
-            <a:ext cx="5707024" cy="646331"/>
-          </a:xfrm>
-          <a:prstGeom prst="rect">
-            <a:avLst/>
-          </a:prstGeom>
-          <a:noFill/>
-        </p:spPr>
-        <p:txBody>
-          <a:bodyPr wrap="square" rtlCol="0">
-            <a:spAutoFit/>
-          </a:bodyPr>
-          <a:lstStyle/>
-          <a:p>
-            <a:r>
-              <a:rPr lang="en-US" altLang="zh-CN" dirty="0" smtClean="0"/>
-              <a:t>the same</a:t>
-            </a:r>
-            <a:r>
-              <a:rPr lang="zh-CN" altLang="en-US" dirty="0" smtClean="0"/>
-              <a:t> </a:t>
-            </a:r>
-            <a:r>
-              <a:rPr lang="en-US" altLang="zh-CN" dirty="0" smtClean="0"/>
-              <a:t>program </a:t>
-            </a:r>
-            <a:r>
-              <a:rPr lang="en-US" altLang="zh-CN" dirty="0"/>
-              <a:t>can easily target GPUs, </a:t>
-            </a:r>
-            <a:r>
-              <a:rPr lang="en-US" altLang="zh-CN" dirty="0"/>
-              <a:t>mobile </a:t>
-            </a:r>
-            <a:r>
-              <a:rPr lang="en-US" altLang="zh-CN" dirty="0" smtClean="0"/>
-              <a:t>CPUs, or</a:t>
-            </a:r>
-            <a:endParaRPr kumimoji="1" lang="zh-CN" altLang="en-US" dirty="0"/>
-          </a:p>
-          <a:p>
-            <a:r>
-              <a:rPr lang="en-US" altLang="zh-CN" dirty="0" smtClean="0"/>
-              <a:t>Tensor </a:t>
-            </a:r>
-            <a:r>
-              <a:rPr lang="en-US" altLang="zh-CN" dirty="0"/>
-              <a:t>Processing </a:t>
-            </a:r>
-            <a:r>
-              <a:rPr lang="en-US" altLang="zh-CN" dirty="0" smtClean="0"/>
-              <a:t>Unit (TPUs)</a:t>
-            </a:r>
-            <a:endParaRPr kumimoji="1" lang="zh-CN" altLang="en-US" dirty="0"/>
+              <a:rPr kumimoji="1" lang="en-US" altLang="zh-CN" dirty="0"/>
+              <a:t>Y = Y + </a:t>
+            </a:r>
+            <a:r>
+              <a:rPr kumimoji="1" lang="en-US" altLang="zh-CN" dirty="0" smtClean="0"/>
+              <a:t>1    A </a:t>
+            </a:r>
+            <a:r>
+              <a:rPr kumimoji="1" lang="en-US" altLang="zh-CN" dirty="0"/>
+              <a:t>= B + C</a:t>
+            </a:r>
+          </a:p>
+          <a:p>
+            <a:r>
+              <a:rPr kumimoji="1" lang="en-US" altLang="zh-CN" dirty="0" smtClean="0"/>
+              <a:t>           </a:t>
+            </a:r>
+            <a:r>
+              <a:rPr kumimoji="1" lang="en-US" altLang="zh-CN" dirty="0"/>
+              <a:t>X = X + </a:t>
+            </a:r>
+            <a:r>
+              <a:rPr kumimoji="1" lang="en-US" altLang="zh-CN" dirty="0" smtClean="0"/>
+              <a:t>A</a:t>
+            </a:r>
+            <a:endParaRPr kumimoji="1" lang="en-US" altLang="zh-CN" dirty="0"/>
           </a:p>
         </p:txBody>
       </p:sp>
@@ -7155,33 +7148,1281 @@
                       </p:childTnLst>
                     </p:cTn>
                   </p:par>
+                </p:childTnLst>
+              </p:cTn>
+              <p:prevCondLst>
+                <p:cond evt="onPrev" delay="0">
+                  <p:tgtEl>
+                    <p:sldTgt/>
+                  </p:tgtEl>
+                </p:cond>
+              </p:prevCondLst>
+              <p:nextCondLst>
+                <p:cond evt="onNext" delay="0">
+                  <p:tgtEl>
+                    <p:sldTgt/>
+                  </p:tgtEl>
+                </p:cond>
+              </p:nextCondLst>
+            </p:seq>
+          </p:childTnLst>
+        </p:cTn>
+      </p:par>
+    </p:tnLst>
+    <p:bldLst>
+      <p:bldP spid="21" grpId="0"/>
+      <p:bldP spid="22" grpId="0" animBg="1"/>
+      <p:bldP spid="23" grpId="0" animBg="1"/>
+      <p:bldP spid="24" grpId="0" animBg="1"/>
+      <p:bldP spid="27" grpId="0" animBg="1"/>
+      <p:bldP spid="28" grpId="0" animBg="1"/>
+      <p:bldP spid="29" grpId="0" animBg="1"/>
+      <p:bldP spid="30" grpId="0" animBg="1"/>
+      <p:bldP spid="31" grpId="0"/>
+    </p:bldLst>
+  </p:timing>
+</p:sld>
+</file>
+
+<file path=ppt/slides/slide6.xml><?xml version="1.0" encoding="utf-8"?>
+<p:sld xmlns:a="http://schemas.openxmlformats.org/drawingml/2006/main" xmlns:r="http://schemas.openxmlformats.org/officeDocument/2006/relationships" xmlns:p="http://schemas.openxmlformats.org/presentationml/2006/main">
+  <p:cSld>
+    <p:spTree>
+      <p:nvGrpSpPr>
+        <p:cNvPr id="1" name=""/>
+        <p:cNvGrpSpPr/>
+        <p:nvPr/>
+      </p:nvGrpSpPr>
+      <p:grpSpPr>
+        <a:xfrm>
+          <a:off x="0" y="0"/>
+          <a:ext cx="0" cy="0"/>
+          <a:chOff x="0" y="0"/>
+          <a:chExt cx="0" cy="0"/>
+        </a:xfrm>
+      </p:grpSpPr>
+      <p:pic>
+        <p:nvPicPr>
+          <p:cNvPr id="8" name="内容占位符 7"/>
+          <p:cNvPicPr>
+            <a:picLocks noGrp="1" noChangeAspect="1"/>
+          </p:cNvPicPr>
+          <p:nvPr>
+            <p:ph idx="1"/>
+          </p:nvPr>
+        </p:nvPicPr>
+        <p:blipFill>
+          <a:blip r:embed="rId2">
+            <a:extLst>
+              <a:ext uri="{28A0092B-C50C-407E-A947-70E740481C1C}">
+                <a14:useLocalDpi xmlns:a14="http://schemas.microsoft.com/office/drawing/2010/main" val="0"/>
+              </a:ext>
+            </a:extLst>
+          </a:blip>
+          <a:stretch>
+            <a:fillRect/>
+          </a:stretch>
+        </p:blipFill>
+        <p:spPr>
+          <a:xfrm>
+            <a:off x="-423851" y="-708903"/>
+            <a:ext cx="13039702" cy="2652243"/>
+          </a:xfrm>
+        </p:spPr>
+      </p:pic>
+      <p:sp>
+        <p:nvSpPr>
+          <p:cNvPr id="2" name="标题 1">
+            <a:extLst>
+              <a:ext uri="{FF2B5EF4-FFF2-40B4-BE49-F238E27FC236}">
+                <a16:creationId xmlns:a16="http://schemas.microsoft.com/office/drawing/2014/main" xmlns="" id="{729E7753-D934-41AF-979C-BE3013383BDA}"/>
+              </a:ext>
+            </a:extLst>
+          </p:cNvPr>
+          <p:cNvSpPr>
+            <a:spLocks noGrp="1"/>
+          </p:cNvSpPr>
+          <p:nvPr>
+            <p:ph type="title"/>
+          </p:nvPr>
+        </p:nvSpPr>
+        <p:spPr>
+          <a:xfrm>
+            <a:off x="1077849" y="-45562"/>
+            <a:ext cx="10515600" cy="1325563"/>
+          </a:xfrm>
+        </p:spPr>
+        <p:txBody>
+          <a:bodyPr>
+            <a:normAutofit/>
+          </a:bodyPr>
+          <a:lstStyle/>
+          <a:p>
+            <a:r>
+              <a:rPr lang="en-US" altLang="zh-CN" b="1" dirty="0"/>
+              <a:t>4</a:t>
+            </a:r>
+            <a:r>
+              <a:rPr lang="en-US" altLang="zh-CN" b="1" dirty="0" smtClean="0"/>
+              <a:t>. </a:t>
+            </a:r>
+            <a:r>
+              <a:rPr lang="en-US" altLang="zh-CN" b="1" dirty="0"/>
+              <a:t>Core</a:t>
+            </a:r>
+            <a:r>
+              <a:rPr lang="zh-CN" altLang="en-US" b="1" dirty="0"/>
+              <a:t> </a:t>
+            </a:r>
+            <a:r>
+              <a:rPr lang="en-US" altLang="zh-CN" b="1" dirty="0"/>
+              <a:t>design principles</a:t>
+            </a:r>
+            <a:endParaRPr lang="en-HK" b="1" dirty="0"/>
+          </a:p>
+        </p:txBody>
+      </p:sp>
+      <p:pic>
+        <p:nvPicPr>
+          <p:cNvPr id="4" name="图形 3">
+            <a:extLst>
+              <a:ext uri="{FF2B5EF4-FFF2-40B4-BE49-F238E27FC236}">
+                <a16:creationId xmlns:a16="http://schemas.microsoft.com/office/drawing/2014/main" xmlns="" id="{3EF556CA-30DB-46CA-B010-E7BC06705578}"/>
+              </a:ext>
+            </a:extLst>
+          </p:cNvPr>
+          <p:cNvPicPr>
+            <a:picLocks noChangeAspect="1"/>
+          </p:cNvPicPr>
+          <p:nvPr/>
+        </p:nvPicPr>
+        <p:blipFill>
+          <a:blip r:embed="rId3">
+            <a:extLst>
+              <a:ext uri="{96DAC541-7B7A-43D3-8B79-37D633B846F1}">
+                <asvg:svgBlip xmlns:asvg="http://schemas.microsoft.com/office/drawing/2016/SVG/main" xmlns="" r:embed="rId5"/>
+              </a:ext>
+            </a:extLst>
+          </a:blip>
+          <a:stretch>
+            <a:fillRect/>
+          </a:stretch>
+        </p:blipFill>
+        <p:spPr>
+          <a:xfrm>
+            <a:off x="-50800" y="6122728"/>
+            <a:ext cx="12242800" cy="1278197"/>
+          </a:xfrm>
+          <a:prstGeom prst="rect">
+            <a:avLst/>
+          </a:prstGeom>
+        </p:spPr>
+      </p:pic>
+      <p:sp>
+        <p:nvSpPr>
+          <p:cNvPr id="5" name="箭头: 五边形 4">
+            <a:extLst>
+              <a:ext uri="{FF2B5EF4-FFF2-40B4-BE49-F238E27FC236}">
+                <a16:creationId xmlns:a16="http://schemas.microsoft.com/office/drawing/2014/main" xmlns="" id="{61E862C7-DDED-46B2-88A9-92A4D3F40475}"/>
+              </a:ext>
+            </a:extLst>
+          </p:cNvPr>
+          <p:cNvSpPr/>
+          <p:nvPr/>
+        </p:nvSpPr>
+        <p:spPr>
+          <a:xfrm rot="5400000">
+            <a:off x="-60257" y="234315"/>
+            <a:ext cx="1234440" cy="765810"/>
+          </a:xfrm>
+          <a:prstGeom prst="homePlate">
+            <a:avLst/>
+          </a:prstGeom>
+          <a:solidFill>
+            <a:srgbClr val="034246"/>
+          </a:solidFill>
+        </p:spPr>
+        <p:style>
+          <a:lnRef idx="2">
+            <a:schemeClr val="accent1">
+              <a:shade val="50000"/>
+            </a:schemeClr>
+          </a:lnRef>
+          <a:fillRef idx="1">
+            <a:schemeClr val="accent1"/>
+          </a:fillRef>
+          <a:effectRef idx="0">
+            <a:schemeClr val="accent1"/>
+          </a:effectRef>
+          <a:fontRef idx="minor">
+            <a:schemeClr val="lt1"/>
+          </a:fontRef>
+        </p:style>
+        <p:txBody>
+          <a:bodyPr rtlCol="0" anchor="ctr"/>
+          <a:lstStyle/>
+          <a:p>
+            <a:pPr algn="ctr"/>
+            <a:endParaRPr lang="en-HK"/>
+          </a:p>
+        </p:txBody>
+      </p:sp>
+      <p:pic>
+        <p:nvPicPr>
+          <p:cNvPr id="6" name="图形 5">
+            <a:extLst>
+              <a:ext uri="{FF2B5EF4-FFF2-40B4-BE49-F238E27FC236}">
+                <a16:creationId xmlns:a16="http://schemas.microsoft.com/office/drawing/2014/main" xmlns="" id="{217E1EC4-7E0E-4611-9AC8-528215714F14}"/>
+              </a:ext>
+            </a:extLst>
+          </p:cNvPr>
+          <p:cNvPicPr>
+            <a:picLocks noChangeAspect="1"/>
+          </p:cNvPicPr>
+          <p:nvPr/>
+        </p:nvPicPr>
+        <p:blipFill>
+          <a:blip r:embed="rId6">
+            <a:extLst>
+              <a:ext uri="{96DAC541-7B7A-43D3-8B79-37D633B846F1}">
+                <asvg:svgBlip xmlns:asvg="http://schemas.microsoft.com/office/drawing/2016/SVG/main" xmlns="" r:embed="rId7"/>
+              </a:ext>
+            </a:extLst>
+          </a:blip>
+          <a:stretch>
+            <a:fillRect/>
+          </a:stretch>
+        </p:blipFill>
+        <p:spPr>
+          <a:xfrm>
+            <a:off x="312039" y="103823"/>
+            <a:ext cx="489848" cy="717523"/>
+          </a:xfrm>
+          <a:prstGeom prst="rect">
+            <a:avLst/>
+          </a:prstGeom>
+        </p:spPr>
+      </p:pic>
+      <p:sp>
+        <p:nvSpPr>
+          <p:cNvPr id="10" name="椭圆 9"/>
+          <p:cNvSpPr/>
+          <p:nvPr/>
+        </p:nvSpPr>
+        <p:spPr>
+          <a:xfrm>
+            <a:off x="7656396" y="1872959"/>
+            <a:ext cx="409432" cy="436728"/>
+          </a:xfrm>
+          <a:prstGeom prst="ellipse">
+            <a:avLst/>
+          </a:prstGeom>
+        </p:spPr>
+        <p:style>
+          <a:lnRef idx="2">
+            <a:schemeClr val="accent1">
+              <a:shade val="50000"/>
+            </a:schemeClr>
+          </a:lnRef>
+          <a:fillRef idx="1">
+            <a:schemeClr val="accent1"/>
+          </a:fillRef>
+          <a:effectRef idx="0">
+            <a:schemeClr val="accent1"/>
+          </a:effectRef>
+          <a:fontRef idx="minor">
+            <a:schemeClr val="lt1"/>
+          </a:fontRef>
+        </p:style>
+        <p:txBody>
+          <a:bodyPr rtlCol="0" anchor="ctr"/>
+          <a:lstStyle/>
+          <a:p>
+            <a:pPr algn="ctr"/>
+            <a:endParaRPr kumimoji="1" lang="zh-CN" altLang="en-US"/>
+          </a:p>
+        </p:txBody>
+      </p:sp>
+      <p:sp>
+        <p:nvSpPr>
+          <p:cNvPr id="11" name="椭圆 10"/>
+          <p:cNvSpPr/>
+          <p:nvPr/>
+        </p:nvSpPr>
+        <p:spPr>
+          <a:xfrm>
+            <a:off x="9387111" y="1872959"/>
+            <a:ext cx="409432" cy="436728"/>
+          </a:xfrm>
+          <a:prstGeom prst="ellipse">
+            <a:avLst/>
+          </a:prstGeom>
+        </p:spPr>
+        <p:style>
+          <a:lnRef idx="2">
+            <a:schemeClr val="accent1">
+              <a:shade val="50000"/>
+            </a:schemeClr>
+          </a:lnRef>
+          <a:fillRef idx="1">
+            <a:schemeClr val="accent1"/>
+          </a:fillRef>
+          <a:effectRef idx="0">
+            <a:schemeClr val="accent1"/>
+          </a:effectRef>
+          <a:fontRef idx="minor">
+            <a:schemeClr val="lt1"/>
+          </a:fontRef>
+        </p:style>
+        <p:txBody>
+          <a:bodyPr rtlCol="0" anchor="ctr"/>
+          <a:lstStyle/>
+          <a:p>
+            <a:pPr algn="ctr"/>
+            <a:endParaRPr kumimoji="1" lang="zh-CN" altLang="en-US"/>
+          </a:p>
+        </p:txBody>
+      </p:sp>
+      <p:sp>
+        <p:nvSpPr>
+          <p:cNvPr id="12" name="椭圆 11"/>
+          <p:cNvSpPr/>
+          <p:nvPr/>
+        </p:nvSpPr>
+        <p:spPr>
+          <a:xfrm>
+            <a:off x="11211314" y="1872959"/>
+            <a:ext cx="409432" cy="436728"/>
+          </a:xfrm>
+          <a:prstGeom prst="ellipse">
+            <a:avLst/>
+          </a:prstGeom>
+        </p:spPr>
+        <p:style>
+          <a:lnRef idx="2">
+            <a:schemeClr val="accent1">
+              <a:shade val="50000"/>
+            </a:schemeClr>
+          </a:lnRef>
+          <a:fillRef idx="1">
+            <a:schemeClr val="accent1"/>
+          </a:fillRef>
+          <a:effectRef idx="0">
+            <a:schemeClr val="accent1"/>
+          </a:effectRef>
+          <a:fontRef idx="minor">
+            <a:schemeClr val="lt1"/>
+          </a:fontRef>
+        </p:style>
+        <p:txBody>
+          <a:bodyPr rtlCol="0" anchor="ctr"/>
+          <a:lstStyle/>
+          <a:p>
+            <a:pPr algn="ctr"/>
+            <a:endParaRPr kumimoji="1" lang="zh-CN" altLang="en-US"/>
+          </a:p>
+        </p:txBody>
+      </p:sp>
+      <p:sp>
+        <p:nvSpPr>
+          <p:cNvPr id="13" name="弧 12"/>
+          <p:cNvSpPr/>
+          <p:nvPr/>
+        </p:nvSpPr>
+        <p:spPr>
+          <a:xfrm rot="18700668">
+            <a:off x="7658427" y="1305685"/>
+            <a:ext cx="2334133" cy="2601992"/>
+          </a:xfrm>
+          <a:prstGeom prst="arc">
+            <a:avLst/>
+          </a:prstGeom>
+        </p:spPr>
+        <p:style>
+          <a:lnRef idx="1">
+            <a:schemeClr val="accent1"/>
+          </a:lnRef>
+          <a:fillRef idx="0">
+            <a:schemeClr val="accent1"/>
+          </a:fillRef>
+          <a:effectRef idx="0">
+            <a:schemeClr val="accent1"/>
+          </a:effectRef>
+          <a:fontRef idx="minor">
+            <a:schemeClr val="tx1"/>
+          </a:fontRef>
+        </p:style>
+        <p:txBody>
+          <a:bodyPr rtlCol="0" anchor="ctr"/>
+          <a:lstStyle/>
+          <a:p>
+            <a:pPr algn="ctr"/>
+            <a:endParaRPr kumimoji="1" lang="zh-CN" altLang="en-US"/>
+          </a:p>
+        </p:txBody>
+      </p:sp>
+      <p:sp>
+        <p:nvSpPr>
+          <p:cNvPr id="14" name="弧 13"/>
+          <p:cNvSpPr/>
+          <p:nvPr/>
+        </p:nvSpPr>
+        <p:spPr>
+          <a:xfrm rot="18700668">
+            <a:off x="9533981" y="1305685"/>
+            <a:ext cx="2334133" cy="2601992"/>
+          </a:xfrm>
+          <a:prstGeom prst="arc">
+            <a:avLst/>
+          </a:prstGeom>
+        </p:spPr>
+        <p:style>
+          <a:lnRef idx="1">
+            <a:schemeClr val="accent1"/>
+          </a:lnRef>
+          <a:fillRef idx="0">
+            <a:schemeClr val="accent1"/>
+          </a:fillRef>
+          <a:effectRef idx="0">
+            <a:schemeClr val="accent1"/>
+          </a:effectRef>
+          <a:fontRef idx="minor">
+            <a:schemeClr val="tx1"/>
+          </a:fontRef>
+        </p:style>
+        <p:txBody>
+          <a:bodyPr rtlCol="0" anchor="ctr"/>
+          <a:lstStyle/>
+          <a:p>
+            <a:pPr algn="ctr"/>
+            <a:endParaRPr kumimoji="1" lang="zh-CN" altLang="en-US"/>
+          </a:p>
+        </p:txBody>
+      </p:sp>
+      <p:sp>
+        <p:nvSpPr>
+          <p:cNvPr id="15" name="矩形 14"/>
+          <p:cNvSpPr/>
+          <p:nvPr/>
+        </p:nvSpPr>
+        <p:spPr>
+          <a:xfrm>
+            <a:off x="6883393" y="3127432"/>
+            <a:ext cx="3209148" cy="369332"/>
+          </a:xfrm>
+          <a:prstGeom prst="rect">
+            <a:avLst/>
+          </a:prstGeom>
+        </p:spPr>
+        <p:txBody>
+          <a:bodyPr wrap="none">
+            <a:spAutoFit/>
+          </a:bodyPr>
+          <a:lstStyle/>
+          <a:p>
+            <a:r>
+              <a:rPr lang="en-US" altLang="zh-CN" dirty="0"/>
+              <a:t>vertices may have mutable state</a:t>
+            </a:r>
+            <a:endParaRPr lang="zh-CN" altLang="en-US" dirty="0"/>
+          </a:p>
+        </p:txBody>
+      </p:sp>
+      <p:sp>
+        <p:nvSpPr>
+          <p:cNvPr id="17" name="文本框 16"/>
+          <p:cNvSpPr txBox="1"/>
+          <p:nvPr/>
+        </p:nvSpPr>
+        <p:spPr>
+          <a:xfrm>
+            <a:off x="7456347" y="2311590"/>
+            <a:ext cx="862737" cy="369332"/>
+          </a:xfrm>
+          <a:prstGeom prst="rect">
+            <a:avLst/>
+          </a:prstGeom>
+          <a:noFill/>
+        </p:spPr>
+        <p:txBody>
+          <a:bodyPr wrap="none" rtlCol="0">
+            <a:spAutoFit/>
+          </a:bodyPr>
+          <a:lstStyle/>
+          <a:p>
+            <a:r>
+              <a:rPr kumimoji="1" lang="en-US" altLang="zh-CN" smtClean="0"/>
+              <a:t>Node 1</a:t>
+            </a:r>
+            <a:endParaRPr kumimoji="1" lang="zh-CN" altLang="en-US" dirty="0"/>
+          </a:p>
+        </p:txBody>
+      </p:sp>
+      <p:sp>
+        <p:nvSpPr>
+          <p:cNvPr id="18" name="文本框 17"/>
+          <p:cNvSpPr txBox="1"/>
+          <p:nvPr/>
+        </p:nvSpPr>
+        <p:spPr>
+          <a:xfrm>
+            <a:off x="9168950" y="2311590"/>
+            <a:ext cx="862737" cy="369332"/>
+          </a:xfrm>
+          <a:prstGeom prst="rect">
+            <a:avLst/>
+          </a:prstGeom>
+          <a:noFill/>
+        </p:spPr>
+        <p:txBody>
+          <a:bodyPr wrap="none" rtlCol="0">
+            <a:spAutoFit/>
+          </a:bodyPr>
+          <a:lstStyle/>
+          <a:p>
+            <a:r>
+              <a:rPr kumimoji="1" lang="en-US" altLang="zh-CN" dirty="0" smtClean="0"/>
+              <a:t>Node 2</a:t>
+            </a:r>
+            <a:endParaRPr kumimoji="1" lang="zh-CN" altLang="en-US" dirty="0"/>
+          </a:p>
+        </p:txBody>
+      </p:sp>
+      <p:cxnSp>
+        <p:nvCxnSpPr>
+          <p:cNvPr id="20" name="曲线连接符 19"/>
+          <p:cNvCxnSpPr/>
+          <p:nvPr/>
+        </p:nvCxnSpPr>
+        <p:spPr>
+          <a:xfrm rot="16200000" flipH="1">
+            <a:off x="7821900" y="2698697"/>
+            <a:ext cx="487855" cy="393755"/>
+          </a:xfrm>
+          <a:prstGeom prst="curvedConnector3">
+            <a:avLst/>
+          </a:prstGeom>
+          <a:ln>
+            <a:headEnd type="triangle"/>
+            <a:tailEnd type="triangle"/>
+          </a:ln>
+        </p:spPr>
+        <p:style>
+          <a:lnRef idx="1">
+            <a:schemeClr val="accent1"/>
+          </a:lnRef>
+          <a:fillRef idx="0">
+            <a:schemeClr val="accent1"/>
+          </a:fillRef>
+          <a:effectRef idx="0">
+            <a:schemeClr val="accent1"/>
+          </a:effectRef>
+          <a:fontRef idx="minor">
+            <a:schemeClr val="tx1"/>
+          </a:fontRef>
+        </p:style>
+      </p:cxnSp>
+      <p:sp>
+        <p:nvSpPr>
+          <p:cNvPr id="3" name="文本框 2"/>
+          <p:cNvSpPr txBox="1"/>
+          <p:nvPr/>
+        </p:nvSpPr>
+        <p:spPr>
+          <a:xfrm>
+            <a:off x="578452" y="3903737"/>
+            <a:ext cx="5587041" cy="1908215"/>
+          </a:xfrm>
+          <a:prstGeom prst="rect">
+            <a:avLst/>
+          </a:prstGeom>
+          <a:noFill/>
+        </p:spPr>
+        <p:txBody>
+          <a:bodyPr wrap="square" rtlCol="0">
+            <a:spAutoFit/>
+          </a:bodyPr>
+          <a:lstStyle/>
+          <a:p>
+            <a:r>
+              <a:rPr lang="en-US" altLang="zh-CN" sz="2800" dirty="0"/>
+              <a:t>4.4 </a:t>
+            </a:r>
+            <a:r>
+              <a:rPr lang="en-US" altLang="zh-CN" sz="2800" dirty="0" smtClean="0"/>
+              <a:t>parallelization</a:t>
+            </a:r>
+          </a:p>
+          <a:p>
+            <a:r>
+              <a:rPr lang="en-US" altLang="zh-CN" dirty="0"/>
+              <a:t>vertices may have mutable state that can be shared between </a:t>
+            </a:r>
+            <a:r>
+              <a:rPr lang="en-US" altLang="zh-CN" dirty="0" smtClean="0"/>
+              <a:t>different executions </a:t>
+            </a:r>
+            <a:r>
+              <a:rPr lang="en-US" altLang="zh-CN" dirty="0"/>
+              <a:t>of the </a:t>
+            </a:r>
+            <a:r>
+              <a:rPr lang="en-US" altLang="zh-CN" dirty="0" smtClean="0"/>
+              <a:t>graph</a:t>
+            </a:r>
+          </a:p>
+          <a:p>
+            <a:endParaRPr lang="en-US" altLang="zh-CN" dirty="0"/>
+          </a:p>
+          <a:p>
+            <a:r>
+              <a:rPr lang="en-US" altLang="zh-CN" dirty="0"/>
+              <a:t>Model supports multiple concurrent executions on overlapping subgraphs of the overall graph</a:t>
+            </a:r>
+            <a:endParaRPr lang="zh-CN" altLang="en-US" dirty="0"/>
+          </a:p>
+        </p:txBody>
+      </p:sp>
+      <p:sp>
+        <p:nvSpPr>
+          <p:cNvPr id="19" name="文本框 18"/>
+          <p:cNvSpPr txBox="1"/>
+          <p:nvPr/>
+        </p:nvSpPr>
+        <p:spPr>
+          <a:xfrm>
+            <a:off x="478904" y="2047163"/>
+            <a:ext cx="5933472" cy="523220"/>
+          </a:xfrm>
+          <a:prstGeom prst="rect">
+            <a:avLst/>
+          </a:prstGeom>
+          <a:noFill/>
+        </p:spPr>
+        <p:txBody>
+          <a:bodyPr wrap="square" rtlCol="0">
+            <a:spAutoFit/>
+          </a:bodyPr>
+          <a:lstStyle/>
+          <a:p>
+            <a:r>
+              <a:rPr lang="en-US" altLang="zh-CN" sz="2800" dirty="0"/>
+              <a:t>4.3</a:t>
+            </a:r>
+            <a:r>
+              <a:rPr lang="zh-CN" altLang="en-US" sz="2800" dirty="0"/>
+              <a:t> </a:t>
+            </a:r>
+            <a:r>
+              <a:rPr lang="en-US" altLang="zh-CN" sz="2800" dirty="0"/>
+              <a:t>heterogeneous</a:t>
+            </a:r>
+            <a:r>
+              <a:rPr lang="zh-CN" altLang="en-US" sz="2800" dirty="0"/>
+              <a:t> </a:t>
+            </a:r>
+            <a:r>
+              <a:rPr lang="en-US" altLang="zh-CN" sz="2800" dirty="0"/>
+              <a:t>divides</a:t>
+            </a:r>
+            <a:r>
+              <a:rPr lang="zh-CN" altLang="en-US" sz="2800" dirty="0"/>
+              <a:t> </a:t>
+            </a:r>
+          </a:p>
+        </p:txBody>
+      </p:sp>
+      <p:sp>
+        <p:nvSpPr>
+          <p:cNvPr id="21" name="文本框 20"/>
+          <p:cNvSpPr txBox="1"/>
+          <p:nvPr/>
+        </p:nvSpPr>
+        <p:spPr>
+          <a:xfrm>
+            <a:off x="705353" y="2570383"/>
+            <a:ext cx="5707024" cy="646331"/>
+          </a:xfrm>
+          <a:prstGeom prst="rect">
+            <a:avLst/>
+          </a:prstGeom>
+          <a:noFill/>
+        </p:spPr>
+        <p:txBody>
+          <a:bodyPr wrap="square" rtlCol="0">
+            <a:spAutoFit/>
+          </a:bodyPr>
+          <a:lstStyle/>
+          <a:p>
+            <a:r>
+              <a:rPr lang="en-US" altLang="zh-CN" dirty="0" smtClean="0"/>
+              <a:t>the same</a:t>
+            </a:r>
+            <a:r>
+              <a:rPr lang="zh-CN" altLang="en-US" dirty="0" smtClean="0"/>
+              <a:t> </a:t>
+            </a:r>
+            <a:r>
+              <a:rPr lang="en-US" altLang="zh-CN" dirty="0" smtClean="0"/>
+              <a:t>program </a:t>
+            </a:r>
+            <a:r>
+              <a:rPr lang="en-US" altLang="zh-CN" dirty="0"/>
+              <a:t>can easily target GPUs, mobile </a:t>
+            </a:r>
+            <a:r>
+              <a:rPr lang="en-US" altLang="zh-CN" dirty="0" smtClean="0"/>
+              <a:t>CPUs, or</a:t>
+            </a:r>
+            <a:endParaRPr kumimoji="1" lang="zh-CN" altLang="en-US" dirty="0"/>
+          </a:p>
+          <a:p>
+            <a:r>
+              <a:rPr lang="en-US" altLang="zh-CN" dirty="0" smtClean="0"/>
+              <a:t>Tensor </a:t>
+            </a:r>
+            <a:r>
+              <a:rPr lang="en-US" altLang="zh-CN" dirty="0"/>
+              <a:t>Processing </a:t>
+            </a:r>
+            <a:r>
+              <a:rPr lang="en-US" altLang="zh-CN" dirty="0" smtClean="0"/>
+              <a:t>Unit (TPUs)</a:t>
+            </a:r>
+            <a:endParaRPr kumimoji="1" lang="zh-CN" altLang="en-US" dirty="0"/>
+          </a:p>
+        </p:txBody>
+      </p:sp>
+      <p:sp>
+        <p:nvSpPr>
+          <p:cNvPr id="7" name="椭圆 6"/>
+          <p:cNvSpPr/>
+          <p:nvPr/>
+        </p:nvSpPr>
+        <p:spPr>
+          <a:xfrm>
+            <a:off x="8652681" y="4940490"/>
+            <a:ext cx="1143862" cy="477671"/>
+          </a:xfrm>
+          <a:prstGeom prst="ellipse">
+            <a:avLst/>
+          </a:prstGeom>
+          <a:noFill/>
+        </p:spPr>
+        <p:style>
+          <a:lnRef idx="2">
+            <a:schemeClr val="accent1">
+              <a:shade val="50000"/>
+            </a:schemeClr>
+          </a:lnRef>
+          <a:fillRef idx="1">
+            <a:schemeClr val="accent1"/>
+          </a:fillRef>
+          <a:effectRef idx="0">
+            <a:schemeClr val="accent1"/>
+          </a:effectRef>
+          <a:fontRef idx="minor">
+            <a:schemeClr val="lt1"/>
+          </a:fontRef>
+        </p:style>
+        <p:txBody>
+          <a:bodyPr rtlCol="0" anchor="ctr"/>
+          <a:lstStyle/>
+          <a:p>
+            <a:pPr algn="ctr"/>
+            <a:endParaRPr kumimoji="1" lang="zh-CN" altLang="en-US"/>
+          </a:p>
+        </p:txBody>
+      </p:sp>
+      <p:sp>
+        <p:nvSpPr>
+          <p:cNvPr id="22" name="椭圆 21"/>
+          <p:cNvSpPr/>
+          <p:nvPr/>
+        </p:nvSpPr>
+        <p:spPr>
+          <a:xfrm>
+            <a:off x="6780219" y="4935651"/>
+            <a:ext cx="1143862" cy="477671"/>
+          </a:xfrm>
+          <a:prstGeom prst="ellipse">
+            <a:avLst/>
+          </a:prstGeom>
+          <a:noFill/>
+        </p:spPr>
+        <p:style>
+          <a:lnRef idx="2">
+            <a:schemeClr val="accent1">
+              <a:shade val="50000"/>
+            </a:schemeClr>
+          </a:lnRef>
+          <a:fillRef idx="1">
+            <a:schemeClr val="accent1"/>
+          </a:fillRef>
+          <a:effectRef idx="0">
+            <a:schemeClr val="accent1"/>
+          </a:effectRef>
+          <a:fontRef idx="minor">
+            <a:schemeClr val="lt1"/>
+          </a:fontRef>
+        </p:style>
+        <p:txBody>
+          <a:bodyPr rtlCol="0" anchor="ctr"/>
+          <a:lstStyle/>
+          <a:p>
+            <a:pPr algn="ctr"/>
+            <a:endParaRPr kumimoji="1" lang="zh-CN" altLang="en-US"/>
+          </a:p>
+        </p:txBody>
+      </p:sp>
+      <p:sp>
+        <p:nvSpPr>
+          <p:cNvPr id="23" name="椭圆 22"/>
+          <p:cNvSpPr/>
+          <p:nvPr/>
+        </p:nvSpPr>
+        <p:spPr>
+          <a:xfrm>
+            <a:off x="10573233" y="4948638"/>
+            <a:ext cx="1143862" cy="477671"/>
+          </a:xfrm>
+          <a:prstGeom prst="ellipse">
+            <a:avLst/>
+          </a:prstGeom>
+          <a:noFill/>
+        </p:spPr>
+        <p:style>
+          <a:lnRef idx="2">
+            <a:schemeClr val="accent1">
+              <a:shade val="50000"/>
+            </a:schemeClr>
+          </a:lnRef>
+          <a:fillRef idx="1">
+            <a:schemeClr val="accent1"/>
+          </a:fillRef>
+          <a:effectRef idx="0">
+            <a:schemeClr val="accent1"/>
+          </a:effectRef>
+          <a:fontRef idx="minor">
+            <a:schemeClr val="lt1"/>
+          </a:fontRef>
+        </p:style>
+        <p:txBody>
+          <a:bodyPr rtlCol="0" anchor="ctr"/>
+          <a:lstStyle/>
+          <a:p>
+            <a:pPr algn="ctr"/>
+            <a:endParaRPr kumimoji="1" lang="zh-CN" altLang="en-US"/>
+          </a:p>
+        </p:txBody>
+      </p:sp>
+      <p:sp>
+        <p:nvSpPr>
+          <p:cNvPr id="9" name="文本框 8"/>
+          <p:cNvSpPr txBox="1"/>
+          <p:nvPr/>
+        </p:nvSpPr>
+        <p:spPr>
+          <a:xfrm>
+            <a:off x="8945496" y="4989820"/>
+            <a:ext cx="646331" cy="369332"/>
+          </a:xfrm>
+          <a:prstGeom prst="rect">
+            <a:avLst/>
+          </a:prstGeom>
+          <a:noFill/>
+        </p:spPr>
+        <p:txBody>
+          <a:bodyPr wrap="none" rtlCol="0">
+            <a:spAutoFit/>
+          </a:bodyPr>
+          <a:lstStyle/>
+          <a:p>
+            <a:r>
+              <a:rPr kumimoji="1" lang="en-US" altLang="zh-CN" smtClean="0"/>
+              <a:t>X * X</a:t>
+            </a:r>
+            <a:endParaRPr kumimoji="1" lang="zh-CN" altLang="en-US" dirty="0"/>
+          </a:p>
+        </p:txBody>
+      </p:sp>
+      <p:sp>
+        <p:nvSpPr>
+          <p:cNvPr id="24" name="文本框 23"/>
+          <p:cNvSpPr txBox="1"/>
+          <p:nvPr/>
+        </p:nvSpPr>
+        <p:spPr>
+          <a:xfrm>
+            <a:off x="7225176" y="4991759"/>
+            <a:ext cx="317716" cy="369332"/>
+          </a:xfrm>
+          <a:prstGeom prst="rect">
+            <a:avLst/>
+          </a:prstGeom>
+          <a:noFill/>
+        </p:spPr>
+        <p:txBody>
+          <a:bodyPr wrap="none" rtlCol="0">
+            <a:spAutoFit/>
+          </a:bodyPr>
+          <a:lstStyle/>
+          <a:p>
+            <a:r>
+              <a:rPr kumimoji="1" lang="en-US" altLang="zh-CN" dirty="0" smtClean="0"/>
+              <a:t>A</a:t>
+            </a:r>
+            <a:endParaRPr kumimoji="1" lang="zh-CN" altLang="en-US" dirty="0"/>
+          </a:p>
+        </p:txBody>
+      </p:sp>
+      <p:sp>
+        <p:nvSpPr>
+          <p:cNvPr id="25" name="文本框 24"/>
+          <p:cNvSpPr txBox="1"/>
+          <p:nvPr/>
+        </p:nvSpPr>
+        <p:spPr>
+          <a:xfrm>
+            <a:off x="10991917" y="5019708"/>
+            <a:ext cx="309700" cy="369332"/>
+          </a:xfrm>
+          <a:prstGeom prst="rect">
+            <a:avLst/>
+          </a:prstGeom>
+          <a:noFill/>
+        </p:spPr>
+        <p:txBody>
+          <a:bodyPr wrap="none" rtlCol="0">
+            <a:spAutoFit/>
+          </a:bodyPr>
+          <a:lstStyle/>
+          <a:p>
+            <a:r>
+              <a:rPr kumimoji="1" lang="en-US" altLang="zh-CN" dirty="0" smtClean="0"/>
+              <a:t>B</a:t>
+            </a:r>
+            <a:endParaRPr kumimoji="1" lang="zh-CN" altLang="en-US" dirty="0"/>
+          </a:p>
+        </p:txBody>
+      </p:sp>
+      <p:cxnSp>
+        <p:nvCxnSpPr>
+          <p:cNvPr id="29" name="直线连接符 28"/>
+          <p:cNvCxnSpPr>
+            <a:stCxn id="22" idx="0"/>
+            <a:endCxn id="30" idx="3"/>
+          </p:cNvCxnSpPr>
+          <p:nvPr/>
+        </p:nvCxnSpPr>
+        <p:spPr>
+          <a:xfrm flipV="1">
+            <a:off x="7352150" y="4421423"/>
+            <a:ext cx="397282" cy="514228"/>
+          </a:xfrm>
+          <a:prstGeom prst="line">
+            <a:avLst/>
+          </a:prstGeom>
+        </p:spPr>
+        <p:style>
+          <a:lnRef idx="1">
+            <a:schemeClr val="accent1"/>
+          </a:lnRef>
+          <a:fillRef idx="0">
+            <a:schemeClr val="accent1"/>
+          </a:fillRef>
+          <a:effectRef idx="0">
+            <a:schemeClr val="accent1"/>
+          </a:effectRef>
+          <a:fontRef idx="minor">
+            <a:schemeClr val="tx1"/>
+          </a:fontRef>
+        </p:style>
+      </p:cxnSp>
+      <p:sp>
+        <p:nvSpPr>
+          <p:cNvPr id="30" name="椭圆 29"/>
+          <p:cNvSpPr/>
+          <p:nvPr/>
+        </p:nvSpPr>
+        <p:spPr>
+          <a:xfrm>
+            <a:off x="7581917" y="4013705"/>
+            <a:ext cx="1143862" cy="477671"/>
+          </a:xfrm>
+          <a:prstGeom prst="ellipse">
+            <a:avLst/>
+          </a:prstGeom>
+          <a:noFill/>
+        </p:spPr>
+        <p:style>
+          <a:lnRef idx="2">
+            <a:schemeClr val="accent1">
+              <a:shade val="50000"/>
+            </a:schemeClr>
+          </a:lnRef>
+          <a:fillRef idx="1">
+            <a:schemeClr val="accent1"/>
+          </a:fillRef>
+          <a:effectRef idx="0">
+            <a:schemeClr val="accent1"/>
+          </a:effectRef>
+          <a:fontRef idx="minor">
+            <a:schemeClr val="lt1"/>
+          </a:fontRef>
+        </p:style>
+        <p:txBody>
+          <a:bodyPr rtlCol="0" anchor="ctr"/>
+          <a:lstStyle/>
+          <a:p>
+            <a:pPr algn="ctr"/>
+            <a:endParaRPr kumimoji="1" lang="zh-CN" altLang="en-US"/>
+          </a:p>
+        </p:txBody>
+      </p:sp>
+      <p:cxnSp>
+        <p:nvCxnSpPr>
+          <p:cNvPr id="32" name="直线连接符 31"/>
+          <p:cNvCxnSpPr>
+            <a:stCxn id="7" idx="0"/>
+            <a:endCxn id="30" idx="5"/>
+          </p:cNvCxnSpPr>
+          <p:nvPr/>
+        </p:nvCxnSpPr>
+        <p:spPr>
+          <a:xfrm flipH="1" flipV="1">
+            <a:off x="8558264" y="4421423"/>
+            <a:ext cx="666348" cy="519067"/>
+          </a:xfrm>
+          <a:prstGeom prst="line">
+            <a:avLst/>
+          </a:prstGeom>
+        </p:spPr>
+        <p:style>
+          <a:lnRef idx="1">
+            <a:schemeClr val="accent1"/>
+          </a:lnRef>
+          <a:fillRef idx="0">
+            <a:schemeClr val="accent1"/>
+          </a:fillRef>
+          <a:effectRef idx="0">
+            <a:schemeClr val="accent1"/>
+          </a:effectRef>
+          <a:fontRef idx="minor">
+            <a:schemeClr val="tx1"/>
+          </a:fontRef>
+        </p:style>
+      </p:cxnSp>
+      <p:cxnSp>
+        <p:nvCxnSpPr>
+          <p:cNvPr id="35" name="直线连接符 34"/>
+          <p:cNvCxnSpPr/>
+          <p:nvPr/>
+        </p:nvCxnSpPr>
+        <p:spPr>
+          <a:xfrm flipV="1">
+            <a:off x="9239720" y="4424673"/>
+            <a:ext cx="397282" cy="514228"/>
+          </a:xfrm>
+          <a:prstGeom prst="line">
+            <a:avLst/>
+          </a:prstGeom>
+        </p:spPr>
+        <p:style>
+          <a:lnRef idx="1">
+            <a:schemeClr val="accent1"/>
+          </a:lnRef>
+          <a:fillRef idx="0">
+            <a:schemeClr val="accent1"/>
+          </a:fillRef>
+          <a:effectRef idx="0">
+            <a:schemeClr val="accent1"/>
+          </a:effectRef>
+          <a:fontRef idx="minor">
+            <a:schemeClr val="tx1"/>
+          </a:fontRef>
+        </p:style>
+      </p:cxnSp>
+      <p:sp>
+        <p:nvSpPr>
+          <p:cNvPr id="36" name="椭圆 35"/>
+          <p:cNvSpPr/>
+          <p:nvPr/>
+        </p:nvSpPr>
+        <p:spPr>
+          <a:xfrm>
+            <a:off x="9457471" y="4003787"/>
+            <a:ext cx="1143862" cy="477671"/>
+          </a:xfrm>
+          <a:prstGeom prst="ellipse">
+            <a:avLst/>
+          </a:prstGeom>
+          <a:noFill/>
+        </p:spPr>
+        <p:style>
+          <a:lnRef idx="2">
+            <a:schemeClr val="accent1">
+              <a:shade val="50000"/>
+            </a:schemeClr>
+          </a:lnRef>
+          <a:fillRef idx="1">
+            <a:schemeClr val="accent1"/>
+          </a:fillRef>
+          <a:effectRef idx="0">
+            <a:schemeClr val="accent1"/>
+          </a:effectRef>
+          <a:fontRef idx="minor">
+            <a:schemeClr val="lt1"/>
+          </a:fontRef>
+        </p:style>
+        <p:txBody>
+          <a:bodyPr rtlCol="0" anchor="ctr"/>
+          <a:lstStyle/>
+          <a:p>
+            <a:pPr algn="ctr"/>
+            <a:endParaRPr kumimoji="1" lang="zh-CN" altLang="en-US"/>
+          </a:p>
+        </p:txBody>
+      </p:sp>
+      <p:cxnSp>
+        <p:nvCxnSpPr>
+          <p:cNvPr id="37" name="直线连接符 36"/>
+          <p:cNvCxnSpPr/>
+          <p:nvPr/>
+        </p:nvCxnSpPr>
+        <p:spPr>
+          <a:xfrm flipH="1" flipV="1">
+            <a:off x="10445834" y="4424673"/>
+            <a:ext cx="666348" cy="519067"/>
+          </a:xfrm>
+          <a:prstGeom prst="line">
+            <a:avLst/>
+          </a:prstGeom>
+        </p:spPr>
+        <p:style>
+          <a:lnRef idx="1">
+            <a:schemeClr val="accent1"/>
+          </a:lnRef>
+          <a:fillRef idx="0">
+            <a:schemeClr val="accent1"/>
+          </a:fillRef>
+          <a:effectRef idx="0">
+            <a:schemeClr val="accent1"/>
+          </a:effectRef>
+          <a:fontRef idx="minor">
+            <a:schemeClr val="tx1"/>
+          </a:fontRef>
+        </p:style>
+      </p:cxnSp>
+      <p:sp>
+        <p:nvSpPr>
+          <p:cNvPr id="38" name="文本框 37"/>
+          <p:cNvSpPr txBox="1"/>
+          <p:nvPr/>
+        </p:nvSpPr>
+        <p:spPr>
+          <a:xfrm>
+            <a:off x="7685479" y="4067874"/>
+            <a:ext cx="1000595" cy="369332"/>
+          </a:xfrm>
+          <a:prstGeom prst="rect">
+            <a:avLst/>
+          </a:prstGeom>
+          <a:noFill/>
+        </p:spPr>
+        <p:txBody>
+          <a:bodyPr wrap="none" rtlCol="0">
+            <a:spAutoFit/>
+          </a:bodyPr>
+          <a:lstStyle/>
+          <a:p>
+            <a:r>
+              <a:rPr kumimoji="1" lang="en-US" altLang="zh-CN" smtClean="0"/>
+              <a:t>A + X * X</a:t>
+            </a:r>
+            <a:endParaRPr kumimoji="1" lang="zh-CN" altLang="en-US" dirty="0"/>
+          </a:p>
+        </p:txBody>
+      </p:sp>
+      <p:sp>
+        <p:nvSpPr>
+          <p:cNvPr id="40" name="文本框 39"/>
+          <p:cNvSpPr txBox="1"/>
+          <p:nvPr/>
+        </p:nvSpPr>
+        <p:spPr>
+          <a:xfrm>
+            <a:off x="9529104" y="4016021"/>
+            <a:ext cx="992579" cy="369332"/>
+          </a:xfrm>
+          <a:prstGeom prst="rect">
+            <a:avLst/>
+          </a:prstGeom>
+          <a:noFill/>
+        </p:spPr>
+        <p:txBody>
+          <a:bodyPr wrap="none" rtlCol="0">
+            <a:spAutoFit/>
+          </a:bodyPr>
+          <a:lstStyle/>
+          <a:p>
+            <a:r>
+              <a:rPr kumimoji="1" lang="en-US" altLang="zh-CN" dirty="0"/>
+              <a:t>B</a:t>
+            </a:r>
+            <a:r>
+              <a:rPr kumimoji="1" lang="en-US" altLang="zh-CN" dirty="0" smtClean="0"/>
+              <a:t> + X * X</a:t>
+            </a:r>
+            <a:endParaRPr kumimoji="1" lang="zh-CN" altLang="en-US" dirty="0"/>
+          </a:p>
+        </p:txBody>
+      </p:sp>
+    </p:spTree>
+    <p:extLst>
+      <p:ext uri="{BB962C8B-B14F-4D97-AF65-F5344CB8AC3E}">
+        <p14:creationId xmlns:p14="http://schemas.microsoft.com/office/powerpoint/2010/main" val="1912631507"/>
+      </p:ext>
+    </p:extLst>
+  </p:cSld>
+  <p:clrMapOvr>
+    <a:masterClrMapping/>
+  </p:clrMapOvr>
+  <p:timing>
+    <p:tnLst>
+      <p:par>
+        <p:cTn id="1" dur="indefinite" restart="never" nodeType="tmRoot">
+          <p:childTnLst>
+            <p:seq concurrent="1" nextAc="seek">
+              <p:cTn id="2" dur="indefinite" nodeType="mainSeq">
+                <p:childTnLst>
                   <p:par>
-                    <p:cTn id="23" fill="hold">
+                    <p:cTn id="3" fill="hold">
                       <p:stCondLst>
                         <p:cond delay="indefinite"/>
                       </p:stCondLst>
                       <p:childTnLst>
                         <p:par>
-                          <p:cTn id="24" fill="hold">
+                          <p:cTn id="4" fill="hold">
                             <p:stCondLst>
                               <p:cond delay="0"/>
                             </p:stCondLst>
                             <p:childTnLst>
                               <p:par>
-                                <p:cTn id="25" presetID="1" presetClass="entr" presetSubtype="0" fill="hold" grpId="0" nodeType="clickEffect">
+                                <p:cTn id="5" presetID="1" presetClass="entr" presetSubtype="0" fill="hold" grpId="0" nodeType="clickEffect">
                                   <p:stCondLst>
                                     <p:cond delay="0"/>
                                   </p:stCondLst>
                                   <p:childTnLst>
                                     <p:set>
                                       <p:cBhvr>
-                                        <p:cTn id="26" dur="1" fill="hold">
+                                        <p:cTn id="6" dur="1" fill="hold">
                                           <p:stCondLst>
                                             <p:cond delay="0"/>
                                           </p:stCondLst>
                                         </p:cTn>
                                         <p:tgtEl>
-                                          <p:spTgt spid="33"/>
+                                          <p:spTgt spid="19"/>
                                         </p:tgtEl>
                                         <p:attrNameLst>
                                           <p:attrName>style.visibility</p:attrName>
@@ -7195,20 +8436,20 @@
                                 </p:cTn>
                               </p:par>
                               <p:par>
-                                <p:cTn id="27" presetID="1" presetClass="entr" presetSubtype="0" fill="hold" grpId="0" nodeType="withEffect">
+                                <p:cTn id="7" presetID="1" presetClass="entr" presetSubtype="0" fill="hold" grpId="0" nodeType="withEffect">
                                   <p:stCondLst>
                                     <p:cond delay="0"/>
                                   </p:stCondLst>
                                   <p:childTnLst>
                                     <p:set>
                                       <p:cBhvr>
-                                        <p:cTn id="28" dur="1" fill="hold">
+                                        <p:cTn id="8" dur="1" fill="hold">
                                           <p:stCondLst>
                                             <p:cond delay="0"/>
                                           </p:stCondLst>
                                         </p:cTn>
                                         <p:tgtEl>
-                                          <p:spTgt spid="34"/>
+                                          <p:spTgt spid="21"/>
                                         </p:tgtEl>
                                         <p:attrNameLst>
                                           <p:attrName>style.visibility</p:attrName>
@@ -7249,687 +8490,9 @@
       </p:par>
     </p:tnLst>
     <p:bldLst>
+      <p:bldP spid="19" grpId="0"/>
       <p:bldP spid="21" grpId="0"/>
-      <p:bldP spid="22" grpId="0" animBg="1"/>
-      <p:bldP spid="23" grpId="0" animBg="1"/>
-      <p:bldP spid="24" grpId="0" animBg="1"/>
-      <p:bldP spid="27" grpId="0" animBg="1"/>
-      <p:bldP spid="28" grpId="0" animBg="1"/>
-      <p:bldP spid="29" grpId="0" animBg="1"/>
-      <p:bldP spid="30" grpId="0" animBg="1"/>
-      <p:bldP spid="31" grpId="0"/>
-      <p:bldP spid="33" grpId="0"/>
-      <p:bldP spid="34" grpId="0"/>
     </p:bldLst>
-  </p:timing>
-</p:sld>
-</file>
-
-<file path=ppt/slides/slide6.xml><?xml version="1.0" encoding="utf-8"?>
-<p:sld xmlns:a="http://schemas.openxmlformats.org/drawingml/2006/main" xmlns:r="http://schemas.openxmlformats.org/officeDocument/2006/relationships" xmlns:p="http://schemas.openxmlformats.org/presentationml/2006/main">
-  <p:cSld>
-    <p:spTree>
-      <p:nvGrpSpPr>
-        <p:cNvPr id="1" name=""/>
-        <p:cNvGrpSpPr/>
-        <p:nvPr/>
-      </p:nvGrpSpPr>
-      <p:grpSpPr>
-        <a:xfrm>
-          <a:off x="0" y="0"/>
-          <a:ext cx="0" cy="0"/>
-          <a:chOff x="0" y="0"/>
-          <a:chExt cx="0" cy="0"/>
-        </a:xfrm>
-      </p:grpSpPr>
-      <p:pic>
-        <p:nvPicPr>
-          <p:cNvPr id="8" name="内容占位符 7"/>
-          <p:cNvPicPr>
-            <a:picLocks noGrp="1" noChangeAspect="1"/>
-          </p:cNvPicPr>
-          <p:nvPr>
-            <p:ph idx="1"/>
-          </p:nvPr>
-        </p:nvPicPr>
-        <p:blipFill>
-          <a:blip r:embed="rId2">
-            <a:extLst>
-              <a:ext uri="{28A0092B-C50C-407E-A947-70E740481C1C}">
-                <a14:useLocalDpi xmlns:a14="http://schemas.microsoft.com/office/drawing/2010/main" val="0"/>
-              </a:ext>
-            </a:extLst>
-          </a:blip>
-          <a:stretch>
-            <a:fillRect/>
-          </a:stretch>
-        </p:blipFill>
-        <p:spPr>
-          <a:xfrm>
-            <a:off x="-423851" y="-708903"/>
-            <a:ext cx="13039702" cy="2652243"/>
-          </a:xfrm>
-        </p:spPr>
-      </p:pic>
-      <p:sp>
-        <p:nvSpPr>
-          <p:cNvPr id="2" name="标题 1">
-            <a:extLst>
-              <a:ext uri="{FF2B5EF4-FFF2-40B4-BE49-F238E27FC236}">
-                <a16:creationId xmlns="" xmlns:a16="http://schemas.microsoft.com/office/drawing/2014/main" id="{729E7753-D934-41AF-979C-BE3013383BDA}"/>
-              </a:ext>
-            </a:extLst>
-          </p:cNvPr>
-          <p:cNvSpPr>
-            <a:spLocks noGrp="1"/>
-          </p:cNvSpPr>
-          <p:nvPr>
-            <p:ph type="title"/>
-          </p:nvPr>
-        </p:nvSpPr>
-        <p:spPr>
-          <a:xfrm>
-            <a:off x="1077849" y="-45562"/>
-            <a:ext cx="10515600" cy="1325563"/>
-          </a:xfrm>
-        </p:spPr>
-        <p:txBody>
-          <a:bodyPr>
-            <a:normAutofit/>
-          </a:bodyPr>
-          <a:lstStyle/>
-          <a:p>
-            <a:r>
-              <a:rPr lang="en-US" altLang="zh-CN" b="1" dirty="0"/>
-              <a:t>4</a:t>
-            </a:r>
-            <a:r>
-              <a:rPr lang="en-US" altLang="zh-CN" b="1" dirty="0" smtClean="0"/>
-              <a:t>. </a:t>
-            </a:r>
-            <a:r>
-              <a:rPr lang="en-US" altLang="zh-CN" b="1" dirty="0"/>
-              <a:t>Core</a:t>
-            </a:r>
-            <a:r>
-              <a:rPr lang="zh-CN" altLang="en-US" b="1" dirty="0"/>
-              <a:t> </a:t>
-            </a:r>
-            <a:r>
-              <a:rPr lang="en-US" altLang="zh-CN" b="1" dirty="0"/>
-              <a:t>design principles</a:t>
-            </a:r>
-            <a:endParaRPr lang="en-HK" b="1" dirty="0"/>
-          </a:p>
-        </p:txBody>
-      </p:sp>
-      <p:pic>
-        <p:nvPicPr>
-          <p:cNvPr id="4" name="图形 3">
-            <a:extLst>
-              <a:ext uri="{FF2B5EF4-FFF2-40B4-BE49-F238E27FC236}">
-                <a16:creationId xmlns="" xmlns:a16="http://schemas.microsoft.com/office/drawing/2014/main" id="{3EF556CA-30DB-46CA-B010-E7BC06705578}"/>
-              </a:ext>
-            </a:extLst>
-          </p:cNvPr>
-          <p:cNvPicPr>
-            <a:picLocks noChangeAspect="1"/>
-          </p:cNvPicPr>
-          <p:nvPr/>
-        </p:nvPicPr>
-        <p:blipFill>
-          <a:blip r:embed="rId3">
-            <a:extLst>
-              <a:ext uri="{96DAC541-7B7A-43D3-8B79-37D633B846F1}">
-                <asvg:svgBlip xmlns="" xmlns:asvg="http://schemas.microsoft.com/office/drawing/2016/SVG/main" r:embed="rId5"/>
-              </a:ext>
-            </a:extLst>
-          </a:blip>
-          <a:stretch>
-            <a:fillRect/>
-          </a:stretch>
-        </p:blipFill>
-        <p:spPr>
-          <a:xfrm>
-            <a:off x="-50800" y="6122728"/>
-            <a:ext cx="12242800" cy="1278197"/>
-          </a:xfrm>
-          <a:prstGeom prst="rect">
-            <a:avLst/>
-          </a:prstGeom>
-        </p:spPr>
-      </p:pic>
-      <p:sp>
-        <p:nvSpPr>
-          <p:cNvPr id="5" name="箭头: 五边形 4">
-            <a:extLst>
-              <a:ext uri="{FF2B5EF4-FFF2-40B4-BE49-F238E27FC236}">
-                <a16:creationId xmlns="" xmlns:a16="http://schemas.microsoft.com/office/drawing/2014/main" id="{61E862C7-DDED-46B2-88A9-92A4D3F40475}"/>
-              </a:ext>
-            </a:extLst>
-          </p:cNvPr>
-          <p:cNvSpPr/>
-          <p:nvPr/>
-        </p:nvSpPr>
-        <p:spPr>
-          <a:xfrm rot="5400000">
-            <a:off x="-60257" y="234315"/>
-            <a:ext cx="1234440" cy="765810"/>
-          </a:xfrm>
-          <a:prstGeom prst="homePlate">
-            <a:avLst/>
-          </a:prstGeom>
-          <a:solidFill>
-            <a:srgbClr val="034246"/>
-          </a:solidFill>
-        </p:spPr>
-        <p:style>
-          <a:lnRef idx="2">
-            <a:schemeClr val="accent1">
-              <a:shade val="50000"/>
-            </a:schemeClr>
-          </a:lnRef>
-          <a:fillRef idx="1">
-            <a:schemeClr val="accent1"/>
-          </a:fillRef>
-          <a:effectRef idx="0">
-            <a:schemeClr val="accent1"/>
-          </a:effectRef>
-          <a:fontRef idx="minor">
-            <a:schemeClr val="lt1"/>
-          </a:fontRef>
-        </p:style>
-        <p:txBody>
-          <a:bodyPr rtlCol="0" anchor="ctr"/>
-          <a:lstStyle/>
-          <a:p>
-            <a:pPr algn="ctr"/>
-            <a:endParaRPr lang="en-HK"/>
-          </a:p>
-        </p:txBody>
-      </p:sp>
-      <p:pic>
-        <p:nvPicPr>
-          <p:cNvPr id="6" name="图形 5">
-            <a:extLst>
-              <a:ext uri="{FF2B5EF4-FFF2-40B4-BE49-F238E27FC236}">
-                <a16:creationId xmlns="" xmlns:a16="http://schemas.microsoft.com/office/drawing/2014/main" id="{217E1EC4-7E0E-4611-9AC8-528215714F14}"/>
-              </a:ext>
-            </a:extLst>
-          </p:cNvPr>
-          <p:cNvPicPr>
-            <a:picLocks noChangeAspect="1"/>
-          </p:cNvPicPr>
-          <p:nvPr/>
-        </p:nvPicPr>
-        <p:blipFill>
-          <a:blip r:embed="rId6">
-            <a:extLst>
-              <a:ext uri="{96DAC541-7B7A-43D3-8B79-37D633B846F1}">
-                <asvg:svgBlip xmlns="" xmlns:asvg="http://schemas.microsoft.com/office/drawing/2016/SVG/main" r:embed="rId7"/>
-              </a:ext>
-            </a:extLst>
-          </a:blip>
-          <a:stretch>
-            <a:fillRect/>
-          </a:stretch>
-        </p:blipFill>
-        <p:spPr>
-          <a:xfrm>
-            <a:off x="312039" y="103823"/>
-            <a:ext cx="489848" cy="717523"/>
-          </a:xfrm>
-          <a:prstGeom prst="rect">
-            <a:avLst/>
-          </a:prstGeom>
-        </p:spPr>
-      </p:pic>
-      <p:sp>
-        <p:nvSpPr>
-          <p:cNvPr id="10" name="椭圆 9"/>
-          <p:cNvSpPr/>
-          <p:nvPr/>
-        </p:nvSpPr>
-        <p:spPr>
-          <a:xfrm>
-            <a:off x="7629099" y="2836401"/>
-            <a:ext cx="409432" cy="436728"/>
-          </a:xfrm>
-          <a:prstGeom prst="ellipse">
-            <a:avLst/>
-          </a:prstGeom>
-        </p:spPr>
-        <p:style>
-          <a:lnRef idx="2">
-            <a:schemeClr val="accent1">
-              <a:shade val="50000"/>
-            </a:schemeClr>
-          </a:lnRef>
-          <a:fillRef idx="1">
-            <a:schemeClr val="accent1"/>
-          </a:fillRef>
-          <a:effectRef idx="0">
-            <a:schemeClr val="accent1"/>
-          </a:effectRef>
-          <a:fontRef idx="minor">
-            <a:schemeClr val="lt1"/>
-          </a:fontRef>
-        </p:style>
-        <p:txBody>
-          <a:bodyPr rtlCol="0" anchor="ctr"/>
-          <a:lstStyle/>
-          <a:p>
-            <a:pPr algn="ctr"/>
-            <a:endParaRPr kumimoji="1" lang="zh-CN" altLang="en-US"/>
-          </a:p>
-        </p:txBody>
-      </p:sp>
-      <p:sp>
-        <p:nvSpPr>
-          <p:cNvPr id="11" name="椭圆 10"/>
-          <p:cNvSpPr/>
-          <p:nvPr/>
-        </p:nvSpPr>
-        <p:spPr>
-          <a:xfrm>
-            <a:off x="9359814" y="2836401"/>
-            <a:ext cx="409432" cy="436728"/>
-          </a:xfrm>
-          <a:prstGeom prst="ellipse">
-            <a:avLst/>
-          </a:prstGeom>
-        </p:spPr>
-        <p:style>
-          <a:lnRef idx="2">
-            <a:schemeClr val="accent1">
-              <a:shade val="50000"/>
-            </a:schemeClr>
-          </a:lnRef>
-          <a:fillRef idx="1">
-            <a:schemeClr val="accent1"/>
-          </a:fillRef>
-          <a:effectRef idx="0">
-            <a:schemeClr val="accent1"/>
-          </a:effectRef>
-          <a:fontRef idx="minor">
-            <a:schemeClr val="lt1"/>
-          </a:fontRef>
-        </p:style>
-        <p:txBody>
-          <a:bodyPr rtlCol="0" anchor="ctr"/>
-          <a:lstStyle/>
-          <a:p>
-            <a:pPr algn="ctr"/>
-            <a:endParaRPr kumimoji="1" lang="zh-CN" altLang="en-US"/>
-          </a:p>
-        </p:txBody>
-      </p:sp>
-      <p:sp>
-        <p:nvSpPr>
-          <p:cNvPr id="12" name="椭圆 11"/>
-          <p:cNvSpPr/>
-          <p:nvPr/>
-        </p:nvSpPr>
-        <p:spPr>
-          <a:xfrm>
-            <a:off x="11184017" y="2836401"/>
-            <a:ext cx="409432" cy="436728"/>
-          </a:xfrm>
-          <a:prstGeom prst="ellipse">
-            <a:avLst/>
-          </a:prstGeom>
-        </p:spPr>
-        <p:style>
-          <a:lnRef idx="2">
-            <a:schemeClr val="accent1">
-              <a:shade val="50000"/>
-            </a:schemeClr>
-          </a:lnRef>
-          <a:fillRef idx="1">
-            <a:schemeClr val="accent1"/>
-          </a:fillRef>
-          <a:effectRef idx="0">
-            <a:schemeClr val="accent1"/>
-          </a:effectRef>
-          <a:fontRef idx="minor">
-            <a:schemeClr val="lt1"/>
-          </a:fontRef>
-        </p:style>
-        <p:txBody>
-          <a:bodyPr rtlCol="0" anchor="ctr"/>
-          <a:lstStyle/>
-          <a:p>
-            <a:pPr algn="ctr"/>
-            <a:endParaRPr kumimoji="1" lang="zh-CN" altLang="en-US"/>
-          </a:p>
-        </p:txBody>
-      </p:sp>
-      <p:sp>
-        <p:nvSpPr>
-          <p:cNvPr id="13" name="弧 12"/>
-          <p:cNvSpPr/>
-          <p:nvPr/>
-        </p:nvSpPr>
-        <p:spPr>
-          <a:xfrm rot="18700668">
-            <a:off x="7631130" y="2269127"/>
-            <a:ext cx="2334133" cy="2601992"/>
-          </a:xfrm>
-          <a:prstGeom prst="arc">
-            <a:avLst/>
-          </a:prstGeom>
-        </p:spPr>
-        <p:style>
-          <a:lnRef idx="1">
-            <a:schemeClr val="accent1"/>
-          </a:lnRef>
-          <a:fillRef idx="0">
-            <a:schemeClr val="accent1"/>
-          </a:fillRef>
-          <a:effectRef idx="0">
-            <a:schemeClr val="accent1"/>
-          </a:effectRef>
-          <a:fontRef idx="minor">
-            <a:schemeClr val="tx1"/>
-          </a:fontRef>
-        </p:style>
-        <p:txBody>
-          <a:bodyPr rtlCol="0" anchor="ctr"/>
-          <a:lstStyle/>
-          <a:p>
-            <a:pPr algn="ctr"/>
-            <a:endParaRPr kumimoji="1" lang="zh-CN" altLang="en-US"/>
-          </a:p>
-        </p:txBody>
-      </p:sp>
-      <p:sp>
-        <p:nvSpPr>
-          <p:cNvPr id="14" name="弧 13"/>
-          <p:cNvSpPr/>
-          <p:nvPr/>
-        </p:nvSpPr>
-        <p:spPr>
-          <a:xfrm rot="18700668">
-            <a:off x="9506684" y="2269127"/>
-            <a:ext cx="2334133" cy="2601992"/>
-          </a:xfrm>
-          <a:prstGeom prst="arc">
-            <a:avLst/>
-          </a:prstGeom>
-        </p:spPr>
-        <p:style>
-          <a:lnRef idx="1">
-            <a:schemeClr val="accent1"/>
-          </a:lnRef>
-          <a:fillRef idx="0">
-            <a:schemeClr val="accent1"/>
-          </a:fillRef>
-          <a:effectRef idx="0">
-            <a:schemeClr val="accent1"/>
-          </a:effectRef>
-          <a:fontRef idx="minor">
-            <a:schemeClr val="tx1"/>
-          </a:fontRef>
-        </p:style>
-        <p:txBody>
-          <a:bodyPr rtlCol="0" anchor="ctr"/>
-          <a:lstStyle/>
-          <a:p>
-            <a:pPr algn="ctr"/>
-            <a:endParaRPr kumimoji="1" lang="zh-CN" altLang="en-US"/>
-          </a:p>
-        </p:txBody>
-      </p:sp>
-      <p:sp>
-        <p:nvSpPr>
-          <p:cNvPr id="15" name="矩形 14"/>
-          <p:cNvSpPr/>
-          <p:nvPr/>
-        </p:nvSpPr>
-        <p:spPr>
-          <a:xfrm>
-            <a:off x="6856096" y="4090874"/>
-            <a:ext cx="3209148" cy="369332"/>
-          </a:xfrm>
-          <a:prstGeom prst="rect">
-            <a:avLst/>
-          </a:prstGeom>
-        </p:spPr>
-        <p:txBody>
-          <a:bodyPr wrap="none">
-            <a:spAutoFit/>
-          </a:bodyPr>
-          <a:lstStyle/>
-          <a:p>
-            <a:r>
-              <a:rPr lang="en-US" altLang="zh-CN"/>
-              <a:t>vertices may have mutable state</a:t>
-            </a:r>
-            <a:endParaRPr lang="zh-CN" altLang="en-US" dirty="0"/>
-          </a:p>
-        </p:txBody>
-      </p:sp>
-      <p:sp>
-        <p:nvSpPr>
-          <p:cNvPr id="16" name="矩形 15"/>
-          <p:cNvSpPr/>
-          <p:nvPr/>
-        </p:nvSpPr>
-        <p:spPr>
-          <a:xfrm>
-            <a:off x="7644776" y="1279389"/>
-            <a:ext cx="2124470" cy="923330"/>
-          </a:xfrm>
-          <a:prstGeom prst="rect">
-            <a:avLst/>
-          </a:prstGeom>
-        </p:spPr>
-        <p:txBody>
-          <a:bodyPr wrap="square">
-            <a:spAutoFit/>
-          </a:bodyPr>
-          <a:lstStyle/>
-          <a:p>
-            <a:r>
-              <a:rPr lang="en-US" altLang="zh-CN" dirty="0"/>
-              <a:t>Tensors</a:t>
-            </a:r>
-            <a:r>
-              <a:rPr lang="zh-CN" altLang="en-US" dirty="0"/>
-              <a:t> </a:t>
-            </a:r>
-            <a:r>
-              <a:rPr lang="en-US" altLang="zh-CN" dirty="0"/>
-              <a:t>(values of the </a:t>
-            </a:r>
-            <a:r>
-              <a:rPr lang="en-US" altLang="zh-CN" dirty="0" smtClean="0"/>
-              <a:t>node1 output and node2 input</a:t>
-            </a:r>
-            <a:r>
-              <a:rPr lang="en-US" altLang="zh-CN" dirty="0" smtClean="0">
-                <a:solidFill>
-                  <a:srgbClr val="424242"/>
-                </a:solidFill>
-                <a:latin typeface="桤™" charset="0"/>
-              </a:rPr>
-              <a:t>)</a:t>
-            </a:r>
-            <a:endParaRPr lang="zh-CN" altLang="en-US" dirty="0"/>
-          </a:p>
-        </p:txBody>
-      </p:sp>
-      <p:sp>
-        <p:nvSpPr>
-          <p:cNvPr id="17" name="文本框 16"/>
-          <p:cNvSpPr txBox="1"/>
-          <p:nvPr/>
-        </p:nvSpPr>
-        <p:spPr>
-          <a:xfrm>
-            <a:off x="7429050" y="3275032"/>
-            <a:ext cx="862737" cy="369332"/>
-          </a:xfrm>
-          <a:prstGeom prst="rect">
-            <a:avLst/>
-          </a:prstGeom>
-          <a:noFill/>
-        </p:spPr>
-        <p:txBody>
-          <a:bodyPr wrap="none" rtlCol="0">
-            <a:spAutoFit/>
-          </a:bodyPr>
-          <a:lstStyle/>
-          <a:p>
-            <a:r>
-              <a:rPr kumimoji="1" lang="en-US" altLang="zh-CN" smtClean="0"/>
-              <a:t>Node 1</a:t>
-            </a:r>
-            <a:endParaRPr kumimoji="1" lang="zh-CN" altLang="en-US" dirty="0"/>
-          </a:p>
-        </p:txBody>
-      </p:sp>
-      <p:sp>
-        <p:nvSpPr>
-          <p:cNvPr id="18" name="文本框 17"/>
-          <p:cNvSpPr txBox="1"/>
-          <p:nvPr/>
-        </p:nvSpPr>
-        <p:spPr>
-          <a:xfrm>
-            <a:off x="9141653" y="3275032"/>
-            <a:ext cx="862737" cy="369332"/>
-          </a:xfrm>
-          <a:prstGeom prst="rect">
-            <a:avLst/>
-          </a:prstGeom>
-          <a:noFill/>
-        </p:spPr>
-        <p:txBody>
-          <a:bodyPr wrap="none" rtlCol="0">
-            <a:spAutoFit/>
-          </a:bodyPr>
-          <a:lstStyle/>
-          <a:p>
-            <a:r>
-              <a:rPr kumimoji="1" lang="en-US" altLang="zh-CN" dirty="0" smtClean="0"/>
-              <a:t>Node 2</a:t>
-            </a:r>
-            <a:endParaRPr kumimoji="1" lang="zh-CN" altLang="en-US" dirty="0"/>
-          </a:p>
-        </p:txBody>
-      </p:sp>
-      <p:cxnSp>
-        <p:nvCxnSpPr>
-          <p:cNvPr id="20" name="曲线连接符 19"/>
-          <p:cNvCxnSpPr/>
-          <p:nvPr/>
-        </p:nvCxnSpPr>
-        <p:spPr>
-          <a:xfrm rot="16200000" flipH="1">
-            <a:off x="7794603" y="3662139"/>
-            <a:ext cx="487855" cy="393755"/>
-          </a:xfrm>
-          <a:prstGeom prst="curvedConnector3">
-            <a:avLst/>
-          </a:prstGeom>
-          <a:ln>
-            <a:headEnd type="triangle"/>
-            <a:tailEnd type="triangle"/>
-          </a:ln>
-        </p:spPr>
-        <p:style>
-          <a:lnRef idx="1">
-            <a:schemeClr val="accent1"/>
-          </a:lnRef>
-          <a:fillRef idx="0">
-            <a:schemeClr val="accent1"/>
-          </a:fillRef>
-          <a:effectRef idx="0">
-            <a:schemeClr val="accent1"/>
-          </a:effectRef>
-          <a:fontRef idx="minor">
-            <a:schemeClr val="tx1"/>
-          </a:fontRef>
-        </p:style>
-      </p:cxnSp>
-      <p:sp>
-        <p:nvSpPr>
-          <p:cNvPr id="3" name="文本框 2"/>
-          <p:cNvSpPr txBox="1"/>
-          <p:nvPr/>
-        </p:nvSpPr>
-        <p:spPr>
-          <a:xfrm>
-            <a:off x="628437" y="2202719"/>
-            <a:ext cx="5587041" cy="1908215"/>
-          </a:xfrm>
-          <a:prstGeom prst="rect">
-            <a:avLst/>
-          </a:prstGeom>
-          <a:noFill/>
-        </p:spPr>
-        <p:txBody>
-          <a:bodyPr wrap="square" rtlCol="0">
-            <a:spAutoFit/>
-          </a:bodyPr>
-          <a:lstStyle/>
-          <a:p>
-            <a:r>
-              <a:rPr lang="en-US" altLang="zh-CN" sz="2800" dirty="0"/>
-              <a:t>4.4 </a:t>
-            </a:r>
-            <a:r>
-              <a:rPr lang="en-US" altLang="zh-CN" sz="2800" dirty="0" smtClean="0"/>
-              <a:t>parallelization</a:t>
-            </a:r>
-          </a:p>
-          <a:p>
-            <a:r>
-              <a:rPr lang="en-US" altLang="zh-CN" dirty="0"/>
-              <a:t>vertices may have mutable state that can be shared between </a:t>
-            </a:r>
-            <a:r>
-              <a:rPr lang="en-US" altLang="zh-CN" dirty="0" smtClean="0"/>
-              <a:t>different executions </a:t>
-            </a:r>
-            <a:r>
-              <a:rPr lang="en-US" altLang="zh-CN" dirty="0"/>
-              <a:t>of the </a:t>
-            </a:r>
-            <a:r>
-              <a:rPr lang="en-US" altLang="zh-CN" dirty="0" smtClean="0"/>
-              <a:t>graph</a:t>
-            </a:r>
-          </a:p>
-          <a:p>
-            <a:endParaRPr lang="en-US" altLang="zh-CN" dirty="0"/>
-          </a:p>
-          <a:p>
-            <a:r>
-              <a:rPr lang="en-US" altLang="zh-CN" dirty="0"/>
-              <a:t>Model supports multiple concurrent executions on overlapping subgraphs of the overall graph</a:t>
-            </a:r>
-            <a:endParaRPr lang="zh-CN" altLang="en-US" dirty="0"/>
-          </a:p>
-        </p:txBody>
-      </p:sp>
-    </p:spTree>
-    <p:extLst>
-      <p:ext uri="{BB962C8B-B14F-4D97-AF65-F5344CB8AC3E}">
-        <p14:creationId xmlns:p14="http://schemas.microsoft.com/office/powerpoint/2010/main" val="1912631507"/>
-      </p:ext>
-    </p:extLst>
-  </p:cSld>
-  <p:clrMapOvr>
-    <a:masterClrMapping/>
-  </p:clrMapOvr>
-  <p:timing>
-    <p:tnLst>
-      <p:par>
-        <p:cTn id="1" dur="indefinite" restart="never" nodeType="tmRoot"/>
-      </p:par>
-    </p:tnLst>
   </p:timing>
 </p:sld>
 </file>
@@ -7975,7 +8538,7 @@
         </p:blipFill>
         <p:spPr>
           <a:xfrm>
-            <a:off x="-423851" y="-708903"/>
+            <a:off x="-449251" y="-1118025"/>
             <a:ext cx="13039702" cy="2652243"/>
           </a:xfrm>
         </p:spPr>
@@ -7985,7 +8548,7 @@
           <p:cNvPr id="2" name="标题 1">
             <a:extLst>
               <a:ext uri="{FF2B5EF4-FFF2-40B4-BE49-F238E27FC236}">
-                <a16:creationId xmlns="" xmlns:a16="http://schemas.microsoft.com/office/drawing/2014/main" id="{729E7753-D934-41AF-979C-BE3013383BDA}"/>
+                <a16:creationId xmlns:a16="http://schemas.microsoft.com/office/drawing/2014/main" xmlns="" id="{729E7753-D934-41AF-979C-BE3013383BDA}"/>
               </a:ext>
             </a:extLst>
           </p:cNvPr>
@@ -8009,24 +8572,12 @@
           <a:lstStyle/>
           <a:p>
             <a:r>
-              <a:rPr lang="en-US" altLang="zh-CN" b="1" dirty="0"/>
-              <a:t>4</a:t>
-            </a:r>
-            <a:r>
               <a:rPr lang="en-US" altLang="zh-CN" b="1" dirty="0" smtClean="0"/>
-              <a:t>. </a:t>
-            </a:r>
-            <a:r>
-              <a:rPr lang="en-US" altLang="zh-CN" b="1" dirty="0"/>
-              <a:t>Core</a:t>
-            </a:r>
-            <a:r>
-              <a:rPr lang="zh-CN" altLang="en-US" b="1" dirty="0"/>
-              <a:t> </a:t>
-            </a:r>
-            <a:r>
-              <a:rPr lang="en-US" altLang="zh-CN" b="1" dirty="0"/>
-              <a:t>design principles</a:t>
+              <a:t>5. Application of </a:t>
+            </a:r>
+            <a:r>
+              <a:rPr lang="en-US" altLang="zh-CN" b="1" dirty="0" err="1" smtClean="0"/>
+              <a:t>tensorflow</a:t>
             </a:r>
             <a:endParaRPr lang="en-HK" b="1" dirty="0"/>
           </a:p>
@@ -8037,7 +8588,7 @@
           <p:cNvPr id="4" name="图形 3">
             <a:extLst>
               <a:ext uri="{FF2B5EF4-FFF2-40B4-BE49-F238E27FC236}">
-                <a16:creationId xmlns="" xmlns:a16="http://schemas.microsoft.com/office/drawing/2014/main" id="{3EF556CA-30DB-46CA-B010-E7BC06705578}"/>
+                <a16:creationId xmlns:a16="http://schemas.microsoft.com/office/drawing/2014/main" xmlns="" id="{3EF556CA-30DB-46CA-B010-E7BC06705578}"/>
               </a:ext>
             </a:extLst>
           </p:cNvPr>
@@ -8050,7 +8601,7 @@
           <a:blip r:embed="rId3">
             <a:extLst>
               <a:ext uri="{96DAC541-7B7A-43D3-8B79-37D633B846F1}">
-                <asvg:svgBlip xmlns="" xmlns:asvg="http://schemas.microsoft.com/office/drawing/2016/SVG/main" r:embed="rId5"/>
+                <asvg:svgBlip xmlns:asvg="http://schemas.microsoft.com/office/drawing/2016/SVG/main" xmlns="" r:embed="rId5"/>
               </a:ext>
             </a:extLst>
           </a:blip>
@@ -8073,7 +8624,7 @@
           <p:cNvPr id="5" name="箭头: 五边形 4">
             <a:extLst>
               <a:ext uri="{FF2B5EF4-FFF2-40B4-BE49-F238E27FC236}">
-                <a16:creationId xmlns="" xmlns:a16="http://schemas.microsoft.com/office/drawing/2014/main" id="{61E862C7-DDED-46B2-88A9-92A4D3F40475}"/>
+                <a16:creationId xmlns:a16="http://schemas.microsoft.com/office/drawing/2014/main" xmlns="" id="{61E862C7-DDED-46B2-88A9-92A4D3F40475}"/>
               </a:ext>
             </a:extLst>
           </p:cNvPr>
@@ -8122,7 +8673,7 @@
           <p:cNvPr id="6" name="图形 5">
             <a:extLst>
               <a:ext uri="{FF2B5EF4-FFF2-40B4-BE49-F238E27FC236}">
-                <a16:creationId xmlns="" xmlns:a16="http://schemas.microsoft.com/office/drawing/2014/main" id="{217E1EC4-7E0E-4611-9AC8-528215714F14}"/>
+                <a16:creationId xmlns:a16="http://schemas.microsoft.com/office/drawing/2014/main" xmlns="" id="{217E1EC4-7E0E-4611-9AC8-528215714F14}"/>
               </a:ext>
             </a:extLst>
           </p:cNvPr>
@@ -8135,7 +8686,7 @@
           <a:blip r:embed="rId6">
             <a:extLst>
               <a:ext uri="{96DAC541-7B7A-43D3-8B79-37D633B846F1}">
-                <asvg:svgBlip xmlns="" xmlns:asvg="http://schemas.microsoft.com/office/drawing/2016/SVG/main" r:embed="rId7"/>
+                <asvg:svgBlip xmlns:asvg="http://schemas.microsoft.com/office/drawing/2016/SVG/main" xmlns="" r:embed="rId7"/>
               </a:ext>
             </a:extLst>
           </a:blip>
@@ -8155,14 +8706,1664 @@
       </p:pic>
       <p:sp>
         <p:nvSpPr>
-          <p:cNvPr id="9" name="文本框 8"/>
+          <p:cNvPr id="7" name="椭圆 6"/>
+          <p:cNvSpPr/>
+          <p:nvPr/>
+        </p:nvSpPr>
+        <p:spPr>
+          <a:xfrm>
+            <a:off x="801887" y="1943340"/>
+            <a:ext cx="275962" cy="308541"/>
+          </a:xfrm>
+          <a:prstGeom prst="ellipse">
+            <a:avLst/>
+          </a:prstGeom>
+        </p:spPr>
+        <p:style>
+          <a:lnRef idx="2">
+            <a:schemeClr val="accent1">
+              <a:shade val="50000"/>
+            </a:schemeClr>
+          </a:lnRef>
+          <a:fillRef idx="1">
+            <a:schemeClr val="accent1"/>
+          </a:fillRef>
+          <a:effectRef idx="0">
+            <a:schemeClr val="accent1"/>
+          </a:effectRef>
+          <a:fontRef idx="minor">
+            <a:schemeClr val="lt1"/>
+          </a:fontRef>
+        </p:style>
+        <p:txBody>
+          <a:bodyPr rtlCol="0" anchor="ctr"/>
+          <a:lstStyle/>
+          <a:p>
+            <a:pPr algn="ctr"/>
+            <a:endParaRPr kumimoji="1" lang="zh-CN" altLang="en-US"/>
+          </a:p>
+        </p:txBody>
+      </p:sp>
+      <p:sp>
+        <p:nvSpPr>
+          <p:cNvPr id="10" name="椭圆 9"/>
+          <p:cNvSpPr/>
+          <p:nvPr/>
+        </p:nvSpPr>
+        <p:spPr>
+          <a:xfrm>
+            <a:off x="801887" y="2343699"/>
+            <a:ext cx="275962" cy="308541"/>
+          </a:xfrm>
+          <a:prstGeom prst="ellipse">
+            <a:avLst/>
+          </a:prstGeom>
+        </p:spPr>
+        <p:style>
+          <a:lnRef idx="2">
+            <a:schemeClr val="accent1">
+              <a:shade val="50000"/>
+            </a:schemeClr>
+          </a:lnRef>
+          <a:fillRef idx="1">
+            <a:schemeClr val="accent1"/>
+          </a:fillRef>
+          <a:effectRef idx="0">
+            <a:schemeClr val="accent1"/>
+          </a:effectRef>
+          <a:fontRef idx="minor">
+            <a:schemeClr val="lt1"/>
+          </a:fontRef>
+        </p:style>
+        <p:txBody>
+          <a:bodyPr rtlCol="0" anchor="ctr"/>
+          <a:lstStyle/>
+          <a:p>
+            <a:pPr algn="ctr"/>
+            <a:endParaRPr kumimoji="1" lang="zh-CN" altLang="en-US"/>
+          </a:p>
+        </p:txBody>
+      </p:sp>
+      <p:sp>
+        <p:nvSpPr>
+          <p:cNvPr id="11" name="椭圆 10"/>
+          <p:cNvSpPr/>
+          <p:nvPr/>
+        </p:nvSpPr>
+        <p:spPr>
+          <a:xfrm>
+            <a:off x="801887" y="2785122"/>
+            <a:ext cx="275962" cy="308541"/>
+          </a:xfrm>
+          <a:prstGeom prst="ellipse">
+            <a:avLst/>
+          </a:prstGeom>
+        </p:spPr>
+        <p:style>
+          <a:lnRef idx="2">
+            <a:schemeClr val="accent1">
+              <a:shade val="50000"/>
+            </a:schemeClr>
+          </a:lnRef>
+          <a:fillRef idx="1">
+            <a:schemeClr val="accent1"/>
+          </a:fillRef>
+          <a:effectRef idx="0">
+            <a:schemeClr val="accent1"/>
+          </a:effectRef>
+          <a:fontRef idx="minor">
+            <a:schemeClr val="lt1"/>
+          </a:fontRef>
+        </p:style>
+        <p:txBody>
+          <a:bodyPr rtlCol="0" anchor="ctr"/>
+          <a:lstStyle/>
+          <a:p>
+            <a:pPr algn="ctr"/>
+            <a:endParaRPr kumimoji="1" lang="zh-CN" altLang="en-US"/>
+          </a:p>
+        </p:txBody>
+      </p:sp>
+      <p:sp>
+        <p:nvSpPr>
+          <p:cNvPr id="12" name="椭圆 11"/>
+          <p:cNvSpPr/>
+          <p:nvPr/>
+        </p:nvSpPr>
+        <p:spPr>
+          <a:xfrm>
+            <a:off x="1590572" y="1634799"/>
+            <a:ext cx="275962" cy="308541"/>
+          </a:xfrm>
+          <a:prstGeom prst="ellipse">
+            <a:avLst/>
+          </a:prstGeom>
+          <a:solidFill>
+            <a:schemeClr val="accent2"/>
+          </a:solidFill>
+        </p:spPr>
+        <p:style>
+          <a:lnRef idx="2">
+            <a:schemeClr val="accent1">
+              <a:shade val="50000"/>
+            </a:schemeClr>
+          </a:lnRef>
+          <a:fillRef idx="1">
+            <a:schemeClr val="accent1"/>
+          </a:fillRef>
+          <a:effectRef idx="0">
+            <a:schemeClr val="accent1"/>
+          </a:effectRef>
+          <a:fontRef idx="minor">
+            <a:schemeClr val="lt1"/>
+          </a:fontRef>
+        </p:style>
+        <p:txBody>
+          <a:bodyPr rtlCol="0" anchor="ctr"/>
+          <a:lstStyle/>
+          <a:p>
+            <a:pPr algn="ctr"/>
+            <a:endParaRPr kumimoji="1" lang="zh-CN" altLang="en-US"/>
+          </a:p>
+        </p:txBody>
+      </p:sp>
+      <p:sp>
+        <p:nvSpPr>
+          <p:cNvPr id="14" name="椭圆 13"/>
+          <p:cNvSpPr/>
+          <p:nvPr/>
+        </p:nvSpPr>
+        <p:spPr>
+          <a:xfrm>
+            <a:off x="1590572" y="2143867"/>
+            <a:ext cx="275962" cy="308541"/>
+          </a:xfrm>
+          <a:prstGeom prst="ellipse">
+            <a:avLst/>
+          </a:prstGeom>
+          <a:solidFill>
+            <a:schemeClr val="accent2"/>
+          </a:solidFill>
+        </p:spPr>
+        <p:style>
+          <a:lnRef idx="2">
+            <a:schemeClr val="accent1">
+              <a:shade val="50000"/>
+            </a:schemeClr>
+          </a:lnRef>
+          <a:fillRef idx="1">
+            <a:schemeClr val="accent1"/>
+          </a:fillRef>
+          <a:effectRef idx="0">
+            <a:schemeClr val="accent1"/>
+          </a:effectRef>
+          <a:fontRef idx="minor">
+            <a:schemeClr val="lt1"/>
+          </a:fontRef>
+        </p:style>
+        <p:txBody>
+          <a:bodyPr rtlCol="0" anchor="ctr"/>
+          <a:lstStyle/>
+          <a:p>
+            <a:pPr algn="ctr"/>
+            <a:endParaRPr kumimoji="1" lang="zh-CN" altLang="en-US"/>
+          </a:p>
+        </p:txBody>
+      </p:sp>
+      <p:sp>
+        <p:nvSpPr>
+          <p:cNvPr id="15" name="椭圆 14"/>
+          <p:cNvSpPr/>
+          <p:nvPr/>
+        </p:nvSpPr>
+        <p:spPr>
+          <a:xfrm>
+            <a:off x="1590572" y="2652240"/>
+            <a:ext cx="275962" cy="308541"/>
+          </a:xfrm>
+          <a:prstGeom prst="ellipse">
+            <a:avLst/>
+          </a:prstGeom>
+          <a:solidFill>
+            <a:schemeClr val="accent2"/>
+          </a:solidFill>
+        </p:spPr>
+        <p:style>
+          <a:lnRef idx="2">
+            <a:schemeClr val="accent1">
+              <a:shade val="50000"/>
+            </a:schemeClr>
+          </a:lnRef>
+          <a:fillRef idx="1">
+            <a:schemeClr val="accent1"/>
+          </a:fillRef>
+          <a:effectRef idx="0">
+            <a:schemeClr val="accent1"/>
+          </a:effectRef>
+          <a:fontRef idx="minor">
+            <a:schemeClr val="lt1"/>
+          </a:fontRef>
+        </p:style>
+        <p:txBody>
+          <a:bodyPr rtlCol="0" anchor="ctr"/>
+          <a:lstStyle/>
+          <a:p>
+            <a:pPr algn="ctr"/>
+            <a:endParaRPr kumimoji="1" lang="zh-CN" altLang="en-US"/>
+          </a:p>
+        </p:txBody>
+      </p:sp>
+      <p:sp>
+        <p:nvSpPr>
+          <p:cNvPr id="16" name="椭圆 15"/>
+          <p:cNvSpPr/>
+          <p:nvPr/>
+        </p:nvSpPr>
+        <p:spPr>
+          <a:xfrm>
+            <a:off x="1590572" y="3152323"/>
+            <a:ext cx="275962" cy="308541"/>
+          </a:xfrm>
+          <a:prstGeom prst="ellipse">
+            <a:avLst/>
+          </a:prstGeom>
+          <a:solidFill>
+            <a:schemeClr val="accent2"/>
+          </a:solidFill>
+        </p:spPr>
+        <p:style>
+          <a:lnRef idx="2">
+            <a:schemeClr val="accent1">
+              <a:shade val="50000"/>
+            </a:schemeClr>
+          </a:lnRef>
+          <a:fillRef idx="1">
+            <a:schemeClr val="accent1"/>
+          </a:fillRef>
+          <a:effectRef idx="0">
+            <a:schemeClr val="accent1"/>
+          </a:effectRef>
+          <a:fontRef idx="minor">
+            <a:schemeClr val="lt1"/>
+          </a:fontRef>
+        </p:style>
+        <p:txBody>
+          <a:bodyPr rtlCol="0" anchor="ctr"/>
+          <a:lstStyle/>
+          <a:p>
+            <a:pPr algn="ctr"/>
+            <a:endParaRPr kumimoji="1" lang="zh-CN" altLang="en-US"/>
+          </a:p>
+        </p:txBody>
+      </p:sp>
+      <p:sp>
+        <p:nvSpPr>
+          <p:cNvPr id="17" name="椭圆 16"/>
+          <p:cNvSpPr/>
+          <p:nvPr/>
+        </p:nvSpPr>
+        <p:spPr>
+          <a:xfrm>
+            <a:off x="2241276" y="1630417"/>
+            <a:ext cx="275962" cy="308541"/>
+          </a:xfrm>
+          <a:prstGeom prst="ellipse">
+            <a:avLst/>
+          </a:prstGeom>
+          <a:solidFill>
+            <a:schemeClr val="accent2"/>
+          </a:solidFill>
+        </p:spPr>
+        <p:style>
+          <a:lnRef idx="2">
+            <a:schemeClr val="accent1">
+              <a:shade val="50000"/>
+            </a:schemeClr>
+          </a:lnRef>
+          <a:fillRef idx="1">
+            <a:schemeClr val="accent1"/>
+          </a:fillRef>
+          <a:effectRef idx="0">
+            <a:schemeClr val="accent1"/>
+          </a:effectRef>
+          <a:fontRef idx="minor">
+            <a:schemeClr val="lt1"/>
+          </a:fontRef>
+        </p:style>
+        <p:txBody>
+          <a:bodyPr rtlCol="0" anchor="ctr"/>
+          <a:lstStyle/>
+          <a:p>
+            <a:pPr algn="ctr"/>
+            <a:endParaRPr kumimoji="1" lang="zh-CN" altLang="en-US"/>
+          </a:p>
+        </p:txBody>
+      </p:sp>
+      <p:sp>
+        <p:nvSpPr>
+          <p:cNvPr id="18" name="椭圆 17"/>
+          <p:cNvSpPr/>
+          <p:nvPr/>
+        </p:nvSpPr>
+        <p:spPr>
+          <a:xfrm>
+            <a:off x="2241276" y="2145317"/>
+            <a:ext cx="275962" cy="308541"/>
+          </a:xfrm>
+          <a:prstGeom prst="ellipse">
+            <a:avLst/>
+          </a:prstGeom>
+          <a:solidFill>
+            <a:schemeClr val="accent2"/>
+          </a:solidFill>
+        </p:spPr>
+        <p:style>
+          <a:lnRef idx="2">
+            <a:schemeClr val="accent1">
+              <a:shade val="50000"/>
+            </a:schemeClr>
+          </a:lnRef>
+          <a:fillRef idx="1">
+            <a:schemeClr val="accent1"/>
+          </a:fillRef>
+          <a:effectRef idx="0">
+            <a:schemeClr val="accent1"/>
+          </a:effectRef>
+          <a:fontRef idx="minor">
+            <a:schemeClr val="lt1"/>
+          </a:fontRef>
+        </p:style>
+        <p:txBody>
+          <a:bodyPr rtlCol="0" anchor="ctr"/>
+          <a:lstStyle/>
+          <a:p>
+            <a:pPr algn="ctr"/>
+            <a:endParaRPr kumimoji="1" lang="zh-CN" altLang="en-US"/>
+          </a:p>
+        </p:txBody>
+      </p:sp>
+      <p:sp>
+        <p:nvSpPr>
+          <p:cNvPr id="19" name="椭圆 18"/>
+          <p:cNvSpPr/>
+          <p:nvPr/>
+        </p:nvSpPr>
+        <p:spPr>
+          <a:xfrm>
+            <a:off x="2241276" y="2652240"/>
+            <a:ext cx="275962" cy="308541"/>
+          </a:xfrm>
+          <a:prstGeom prst="ellipse">
+            <a:avLst/>
+          </a:prstGeom>
+          <a:solidFill>
+            <a:schemeClr val="accent2"/>
+          </a:solidFill>
+        </p:spPr>
+        <p:style>
+          <a:lnRef idx="2">
+            <a:schemeClr val="accent1">
+              <a:shade val="50000"/>
+            </a:schemeClr>
+          </a:lnRef>
+          <a:fillRef idx="1">
+            <a:schemeClr val="accent1"/>
+          </a:fillRef>
+          <a:effectRef idx="0">
+            <a:schemeClr val="accent1"/>
+          </a:effectRef>
+          <a:fontRef idx="minor">
+            <a:schemeClr val="lt1"/>
+          </a:fontRef>
+        </p:style>
+        <p:txBody>
+          <a:bodyPr rtlCol="0" anchor="ctr"/>
+          <a:lstStyle/>
+          <a:p>
+            <a:pPr algn="ctr"/>
+            <a:endParaRPr kumimoji="1" lang="zh-CN" altLang="en-US"/>
+          </a:p>
+        </p:txBody>
+      </p:sp>
+      <p:sp>
+        <p:nvSpPr>
+          <p:cNvPr id="20" name="椭圆 19"/>
+          <p:cNvSpPr/>
+          <p:nvPr/>
+        </p:nvSpPr>
+        <p:spPr>
+          <a:xfrm>
+            <a:off x="2241276" y="3155001"/>
+            <a:ext cx="275962" cy="308541"/>
+          </a:xfrm>
+          <a:prstGeom prst="ellipse">
+            <a:avLst/>
+          </a:prstGeom>
+          <a:solidFill>
+            <a:schemeClr val="accent2"/>
+          </a:solidFill>
+        </p:spPr>
+        <p:style>
+          <a:lnRef idx="2">
+            <a:schemeClr val="accent1">
+              <a:shade val="50000"/>
+            </a:schemeClr>
+          </a:lnRef>
+          <a:fillRef idx="1">
+            <a:schemeClr val="accent1"/>
+          </a:fillRef>
+          <a:effectRef idx="0">
+            <a:schemeClr val="accent1"/>
+          </a:effectRef>
+          <a:fontRef idx="minor">
+            <a:schemeClr val="lt1"/>
+          </a:fontRef>
+        </p:style>
+        <p:txBody>
+          <a:bodyPr rtlCol="0" anchor="ctr"/>
+          <a:lstStyle/>
+          <a:p>
+            <a:pPr algn="ctr"/>
+            <a:endParaRPr kumimoji="1" lang="zh-CN" altLang="en-US"/>
+          </a:p>
+        </p:txBody>
+      </p:sp>
+      <p:sp>
+        <p:nvSpPr>
+          <p:cNvPr id="21" name="椭圆 20"/>
+          <p:cNvSpPr/>
+          <p:nvPr/>
+        </p:nvSpPr>
+        <p:spPr>
+          <a:xfrm>
+            <a:off x="3051731" y="2371425"/>
+            <a:ext cx="275962" cy="308541"/>
+          </a:xfrm>
+          <a:prstGeom prst="ellipse">
+            <a:avLst/>
+          </a:prstGeom>
+        </p:spPr>
+        <p:style>
+          <a:lnRef idx="2">
+            <a:schemeClr val="accent1">
+              <a:shade val="50000"/>
+            </a:schemeClr>
+          </a:lnRef>
+          <a:fillRef idx="1">
+            <a:schemeClr val="accent1"/>
+          </a:fillRef>
+          <a:effectRef idx="0">
+            <a:schemeClr val="accent1"/>
+          </a:effectRef>
+          <a:fontRef idx="minor">
+            <a:schemeClr val="lt1"/>
+          </a:fontRef>
+        </p:style>
+        <p:txBody>
+          <a:bodyPr rtlCol="0" anchor="ctr"/>
+          <a:lstStyle/>
+          <a:p>
+            <a:pPr algn="ctr"/>
+            <a:endParaRPr kumimoji="1" lang="zh-CN" altLang="en-US"/>
+          </a:p>
+        </p:txBody>
+      </p:sp>
+      <p:cxnSp>
+        <p:nvCxnSpPr>
+          <p:cNvPr id="23" name="直线箭头连接符 22"/>
+          <p:cNvCxnSpPr>
+            <a:endCxn id="12" idx="2"/>
+          </p:cNvCxnSpPr>
+          <p:nvPr/>
+        </p:nvCxnSpPr>
+        <p:spPr>
+          <a:xfrm flipV="1">
+            <a:off x="939868" y="1789070"/>
+            <a:ext cx="650704" cy="308540"/>
+          </a:xfrm>
+          <a:prstGeom prst="straightConnector1">
+            <a:avLst/>
+          </a:prstGeom>
+          <a:ln>
+            <a:tailEnd type="triangle"/>
+          </a:ln>
+        </p:spPr>
+        <p:style>
+          <a:lnRef idx="1">
+            <a:schemeClr val="accent1"/>
+          </a:lnRef>
+          <a:fillRef idx="0">
+            <a:schemeClr val="accent1"/>
+          </a:fillRef>
+          <a:effectRef idx="0">
+            <a:schemeClr val="accent1"/>
+          </a:effectRef>
+          <a:fontRef idx="minor">
+            <a:schemeClr val="tx1"/>
+          </a:fontRef>
+        </p:style>
+      </p:cxnSp>
+      <p:cxnSp>
+        <p:nvCxnSpPr>
+          <p:cNvPr id="25" name="直线箭头连接符 24"/>
+          <p:cNvCxnSpPr>
+            <a:stCxn id="7" idx="6"/>
+          </p:cNvCxnSpPr>
+          <p:nvPr/>
+        </p:nvCxnSpPr>
+        <p:spPr>
+          <a:xfrm>
+            <a:off x="1077849" y="2097611"/>
+            <a:ext cx="576250" cy="210618"/>
+          </a:xfrm>
+          <a:prstGeom prst="straightConnector1">
+            <a:avLst/>
+          </a:prstGeom>
+          <a:ln>
+            <a:tailEnd type="triangle"/>
+          </a:ln>
+        </p:spPr>
+        <p:style>
+          <a:lnRef idx="1">
+            <a:schemeClr val="accent1"/>
+          </a:lnRef>
+          <a:fillRef idx="0">
+            <a:schemeClr val="accent1"/>
+          </a:fillRef>
+          <a:effectRef idx="0">
+            <a:schemeClr val="accent1"/>
+          </a:effectRef>
+          <a:fontRef idx="minor">
+            <a:schemeClr val="tx1"/>
+          </a:fontRef>
+        </p:style>
+      </p:cxnSp>
+      <p:cxnSp>
+        <p:nvCxnSpPr>
+          <p:cNvPr id="27" name="直线箭头连接符 26"/>
+          <p:cNvCxnSpPr>
+            <a:endCxn id="15" idx="2"/>
+          </p:cNvCxnSpPr>
+          <p:nvPr/>
+        </p:nvCxnSpPr>
+        <p:spPr>
+          <a:xfrm>
+            <a:off x="939868" y="2133080"/>
+            <a:ext cx="650704" cy="673431"/>
+          </a:xfrm>
+          <a:prstGeom prst="straightConnector1">
+            <a:avLst/>
+          </a:prstGeom>
+          <a:ln>
+            <a:tailEnd type="triangle"/>
+          </a:ln>
+        </p:spPr>
+        <p:style>
+          <a:lnRef idx="1">
+            <a:schemeClr val="accent1"/>
+          </a:lnRef>
+          <a:fillRef idx="0">
+            <a:schemeClr val="accent1"/>
+          </a:fillRef>
+          <a:effectRef idx="0">
+            <a:schemeClr val="accent1"/>
+          </a:effectRef>
+          <a:fontRef idx="minor">
+            <a:schemeClr val="tx1"/>
+          </a:fontRef>
+        </p:style>
+      </p:cxnSp>
+      <p:cxnSp>
+        <p:nvCxnSpPr>
+          <p:cNvPr id="31" name="直线箭头连接符 30"/>
+          <p:cNvCxnSpPr>
+            <a:endCxn id="16" idx="2"/>
+          </p:cNvCxnSpPr>
+          <p:nvPr/>
+        </p:nvCxnSpPr>
+        <p:spPr>
+          <a:xfrm>
+            <a:off x="939868" y="2097610"/>
+            <a:ext cx="650704" cy="1208984"/>
+          </a:xfrm>
+          <a:prstGeom prst="straightConnector1">
+            <a:avLst/>
+          </a:prstGeom>
+          <a:ln>
+            <a:tailEnd type="triangle"/>
+          </a:ln>
+        </p:spPr>
+        <p:style>
+          <a:lnRef idx="1">
+            <a:schemeClr val="accent1"/>
+          </a:lnRef>
+          <a:fillRef idx="0">
+            <a:schemeClr val="accent1"/>
+          </a:fillRef>
+          <a:effectRef idx="0">
+            <a:schemeClr val="accent1"/>
+          </a:effectRef>
+          <a:fontRef idx="minor">
+            <a:schemeClr val="tx1"/>
+          </a:fontRef>
+        </p:style>
+      </p:cxnSp>
+      <p:cxnSp>
+        <p:nvCxnSpPr>
+          <p:cNvPr id="32" name="直线箭头连接符 31"/>
+          <p:cNvCxnSpPr>
+            <a:endCxn id="12" idx="2"/>
+          </p:cNvCxnSpPr>
+          <p:nvPr/>
+        </p:nvCxnSpPr>
+        <p:spPr>
+          <a:xfrm flipV="1">
+            <a:off x="939868" y="1789070"/>
+            <a:ext cx="650704" cy="708899"/>
+          </a:xfrm>
+          <a:prstGeom prst="straightConnector1">
+            <a:avLst/>
+          </a:prstGeom>
+          <a:ln>
+            <a:tailEnd type="triangle"/>
+          </a:ln>
+        </p:spPr>
+        <p:style>
+          <a:lnRef idx="1">
+            <a:schemeClr val="accent1"/>
+          </a:lnRef>
+          <a:fillRef idx="0">
+            <a:schemeClr val="accent1"/>
+          </a:fillRef>
+          <a:effectRef idx="0">
+            <a:schemeClr val="accent1"/>
+          </a:effectRef>
+          <a:fontRef idx="minor">
+            <a:schemeClr val="tx1"/>
+          </a:fontRef>
+        </p:style>
+      </p:cxnSp>
+      <p:cxnSp>
+        <p:nvCxnSpPr>
+          <p:cNvPr id="33" name="直线箭头连接符 32"/>
+          <p:cNvCxnSpPr>
+            <a:stCxn id="10" idx="6"/>
+            <a:endCxn id="14" idx="2"/>
+          </p:cNvCxnSpPr>
+          <p:nvPr/>
+        </p:nvCxnSpPr>
+        <p:spPr>
+          <a:xfrm flipV="1">
+            <a:off x="1077849" y="2298138"/>
+            <a:ext cx="512723" cy="199832"/>
+          </a:xfrm>
+          <a:prstGeom prst="straightConnector1">
+            <a:avLst/>
+          </a:prstGeom>
+          <a:ln>
+            <a:tailEnd type="triangle"/>
+          </a:ln>
+        </p:spPr>
+        <p:style>
+          <a:lnRef idx="1">
+            <a:schemeClr val="accent1"/>
+          </a:lnRef>
+          <a:fillRef idx="0">
+            <a:schemeClr val="accent1"/>
+          </a:fillRef>
+          <a:effectRef idx="0">
+            <a:schemeClr val="accent1"/>
+          </a:effectRef>
+          <a:fontRef idx="minor">
+            <a:schemeClr val="tx1"/>
+          </a:fontRef>
+        </p:style>
+      </p:cxnSp>
+      <p:cxnSp>
+        <p:nvCxnSpPr>
+          <p:cNvPr id="34" name="直线箭头连接符 33"/>
+          <p:cNvCxnSpPr>
+            <a:stCxn id="10" idx="6"/>
+            <a:endCxn id="15" idx="2"/>
+          </p:cNvCxnSpPr>
+          <p:nvPr/>
+        </p:nvCxnSpPr>
+        <p:spPr>
+          <a:xfrm>
+            <a:off x="1077849" y="2497970"/>
+            <a:ext cx="512723" cy="308541"/>
+          </a:xfrm>
+          <a:prstGeom prst="straightConnector1">
+            <a:avLst/>
+          </a:prstGeom>
+          <a:ln>
+            <a:tailEnd type="triangle"/>
+          </a:ln>
+        </p:spPr>
+        <p:style>
+          <a:lnRef idx="1">
+            <a:schemeClr val="accent1"/>
+          </a:lnRef>
+          <a:fillRef idx="0">
+            <a:schemeClr val="accent1"/>
+          </a:fillRef>
+          <a:effectRef idx="0">
+            <a:schemeClr val="accent1"/>
+          </a:effectRef>
+          <a:fontRef idx="minor">
+            <a:schemeClr val="tx1"/>
+          </a:fontRef>
+        </p:style>
+      </p:cxnSp>
+      <p:cxnSp>
+        <p:nvCxnSpPr>
+          <p:cNvPr id="35" name="直线箭头连接符 34"/>
+          <p:cNvCxnSpPr>
+            <a:stCxn id="10" idx="6"/>
+            <a:endCxn id="16" idx="2"/>
+          </p:cNvCxnSpPr>
+          <p:nvPr/>
+        </p:nvCxnSpPr>
+        <p:spPr>
+          <a:xfrm>
+            <a:off x="1077849" y="2497970"/>
+            <a:ext cx="512723" cy="808624"/>
+          </a:xfrm>
+          <a:prstGeom prst="straightConnector1">
+            <a:avLst/>
+          </a:prstGeom>
+          <a:ln>
+            <a:tailEnd type="triangle"/>
+          </a:ln>
+        </p:spPr>
+        <p:style>
+          <a:lnRef idx="1">
+            <a:schemeClr val="accent1"/>
+          </a:lnRef>
+          <a:fillRef idx="0">
+            <a:schemeClr val="accent1"/>
+          </a:fillRef>
+          <a:effectRef idx="0">
+            <a:schemeClr val="accent1"/>
+          </a:effectRef>
+          <a:fontRef idx="minor">
+            <a:schemeClr val="tx1"/>
+          </a:fontRef>
+        </p:style>
+      </p:cxnSp>
+      <p:cxnSp>
+        <p:nvCxnSpPr>
+          <p:cNvPr id="36" name="直线箭头连接符 35"/>
+          <p:cNvCxnSpPr>
+            <a:stCxn id="11" idx="6"/>
+            <a:endCxn id="12" idx="2"/>
+          </p:cNvCxnSpPr>
+          <p:nvPr/>
+        </p:nvCxnSpPr>
+        <p:spPr>
+          <a:xfrm flipV="1">
+            <a:off x="1077849" y="1789070"/>
+            <a:ext cx="512723" cy="1150323"/>
+          </a:xfrm>
+          <a:prstGeom prst="straightConnector1">
+            <a:avLst/>
+          </a:prstGeom>
+          <a:ln>
+            <a:tailEnd type="triangle"/>
+          </a:ln>
+        </p:spPr>
+        <p:style>
+          <a:lnRef idx="1">
+            <a:schemeClr val="accent1"/>
+          </a:lnRef>
+          <a:fillRef idx="0">
+            <a:schemeClr val="accent1"/>
+          </a:fillRef>
+          <a:effectRef idx="0">
+            <a:schemeClr val="accent1"/>
+          </a:effectRef>
+          <a:fontRef idx="minor">
+            <a:schemeClr val="tx1"/>
+          </a:fontRef>
+        </p:style>
+      </p:cxnSp>
+      <p:cxnSp>
+        <p:nvCxnSpPr>
+          <p:cNvPr id="37" name="直线箭头连接符 36"/>
+          <p:cNvCxnSpPr>
+            <a:stCxn id="11" idx="6"/>
+            <a:endCxn id="14" idx="2"/>
+          </p:cNvCxnSpPr>
+          <p:nvPr/>
+        </p:nvCxnSpPr>
+        <p:spPr>
+          <a:xfrm flipV="1">
+            <a:off x="1077849" y="2298138"/>
+            <a:ext cx="512723" cy="641255"/>
+          </a:xfrm>
+          <a:prstGeom prst="straightConnector1">
+            <a:avLst/>
+          </a:prstGeom>
+          <a:ln>
+            <a:tailEnd type="triangle"/>
+          </a:ln>
+        </p:spPr>
+        <p:style>
+          <a:lnRef idx="1">
+            <a:schemeClr val="accent1"/>
+          </a:lnRef>
+          <a:fillRef idx="0">
+            <a:schemeClr val="accent1"/>
+          </a:fillRef>
+          <a:effectRef idx="0">
+            <a:schemeClr val="accent1"/>
+          </a:effectRef>
+          <a:fontRef idx="minor">
+            <a:schemeClr val="tx1"/>
+          </a:fontRef>
+        </p:style>
+      </p:cxnSp>
+      <p:cxnSp>
+        <p:nvCxnSpPr>
+          <p:cNvPr id="38" name="直线箭头连接符 37"/>
+          <p:cNvCxnSpPr>
+            <a:stCxn id="11" idx="6"/>
+            <a:endCxn id="15" idx="2"/>
+          </p:cNvCxnSpPr>
+          <p:nvPr/>
+        </p:nvCxnSpPr>
+        <p:spPr>
+          <a:xfrm flipV="1">
+            <a:off x="1077849" y="2806511"/>
+            <a:ext cx="512723" cy="132882"/>
+          </a:xfrm>
+          <a:prstGeom prst="straightConnector1">
+            <a:avLst/>
+          </a:prstGeom>
+          <a:ln>
+            <a:tailEnd type="triangle"/>
+          </a:ln>
+        </p:spPr>
+        <p:style>
+          <a:lnRef idx="1">
+            <a:schemeClr val="accent1"/>
+          </a:lnRef>
+          <a:fillRef idx="0">
+            <a:schemeClr val="accent1"/>
+          </a:fillRef>
+          <a:effectRef idx="0">
+            <a:schemeClr val="accent1"/>
+          </a:effectRef>
+          <a:fontRef idx="minor">
+            <a:schemeClr val="tx1"/>
+          </a:fontRef>
+        </p:style>
+      </p:cxnSp>
+      <p:cxnSp>
+        <p:nvCxnSpPr>
+          <p:cNvPr id="39" name="直线箭头连接符 38"/>
+          <p:cNvCxnSpPr>
+            <a:stCxn id="11" idx="6"/>
+            <a:endCxn id="16" idx="2"/>
+          </p:cNvCxnSpPr>
+          <p:nvPr/>
+        </p:nvCxnSpPr>
+        <p:spPr>
+          <a:xfrm>
+            <a:off x="1077849" y="2939393"/>
+            <a:ext cx="512723" cy="367201"/>
+          </a:xfrm>
+          <a:prstGeom prst="straightConnector1">
+            <a:avLst/>
+          </a:prstGeom>
+          <a:ln>
+            <a:tailEnd type="triangle"/>
+          </a:ln>
+        </p:spPr>
+        <p:style>
+          <a:lnRef idx="1">
+            <a:schemeClr val="accent1"/>
+          </a:lnRef>
+          <a:fillRef idx="0">
+            <a:schemeClr val="accent1"/>
+          </a:fillRef>
+          <a:effectRef idx="0">
+            <a:schemeClr val="accent1"/>
+          </a:effectRef>
+          <a:fontRef idx="minor">
+            <a:schemeClr val="tx1"/>
+          </a:fontRef>
+        </p:style>
+      </p:cxnSp>
+      <p:cxnSp>
+        <p:nvCxnSpPr>
+          <p:cNvPr id="40" name="直线箭头连接符 39"/>
+          <p:cNvCxnSpPr>
+            <a:endCxn id="17" idx="2"/>
+          </p:cNvCxnSpPr>
+          <p:nvPr/>
+        </p:nvCxnSpPr>
+        <p:spPr>
+          <a:xfrm>
+            <a:off x="1866534" y="1774596"/>
+            <a:ext cx="374742" cy="10092"/>
+          </a:xfrm>
+          <a:prstGeom prst="straightConnector1">
+            <a:avLst/>
+          </a:prstGeom>
+          <a:ln>
+            <a:tailEnd type="triangle"/>
+          </a:ln>
+        </p:spPr>
+        <p:style>
+          <a:lnRef idx="1">
+            <a:schemeClr val="accent1"/>
+          </a:lnRef>
+          <a:fillRef idx="0">
+            <a:schemeClr val="accent1"/>
+          </a:fillRef>
+          <a:effectRef idx="0">
+            <a:schemeClr val="accent1"/>
+          </a:effectRef>
+          <a:fontRef idx="minor">
+            <a:schemeClr val="tx1"/>
+          </a:fontRef>
+        </p:style>
+      </p:cxnSp>
+      <p:cxnSp>
+        <p:nvCxnSpPr>
+          <p:cNvPr id="58" name="直线箭头连接符 57"/>
+          <p:cNvCxnSpPr>
+            <a:stCxn id="12" idx="6"/>
+            <a:endCxn id="18" idx="2"/>
+          </p:cNvCxnSpPr>
+          <p:nvPr/>
+        </p:nvCxnSpPr>
+        <p:spPr>
+          <a:xfrm>
+            <a:off x="1866534" y="1789070"/>
+            <a:ext cx="374742" cy="510518"/>
+          </a:xfrm>
+          <a:prstGeom prst="straightConnector1">
+            <a:avLst/>
+          </a:prstGeom>
+          <a:ln>
+            <a:tailEnd type="triangle"/>
+          </a:ln>
+        </p:spPr>
+        <p:style>
+          <a:lnRef idx="1">
+            <a:schemeClr val="accent1"/>
+          </a:lnRef>
+          <a:fillRef idx="0">
+            <a:schemeClr val="accent1"/>
+          </a:fillRef>
+          <a:effectRef idx="0">
+            <a:schemeClr val="accent1"/>
+          </a:effectRef>
+          <a:fontRef idx="minor">
+            <a:schemeClr val="tx1"/>
+          </a:fontRef>
+        </p:style>
+      </p:cxnSp>
+      <p:cxnSp>
+        <p:nvCxnSpPr>
+          <p:cNvPr id="59" name="直线箭头连接符 58"/>
+          <p:cNvCxnSpPr>
+            <a:stCxn id="12" idx="6"/>
+            <a:endCxn id="19" idx="2"/>
+          </p:cNvCxnSpPr>
+          <p:nvPr/>
+        </p:nvCxnSpPr>
+        <p:spPr>
+          <a:xfrm>
+            <a:off x="1866534" y="1789070"/>
+            <a:ext cx="374742" cy="1017441"/>
+          </a:xfrm>
+          <a:prstGeom prst="straightConnector1">
+            <a:avLst/>
+          </a:prstGeom>
+          <a:ln>
+            <a:tailEnd type="triangle"/>
+          </a:ln>
+        </p:spPr>
+        <p:style>
+          <a:lnRef idx="1">
+            <a:schemeClr val="accent1"/>
+          </a:lnRef>
+          <a:fillRef idx="0">
+            <a:schemeClr val="accent1"/>
+          </a:fillRef>
+          <a:effectRef idx="0">
+            <a:schemeClr val="accent1"/>
+          </a:effectRef>
+          <a:fontRef idx="minor">
+            <a:schemeClr val="tx1"/>
+          </a:fontRef>
+        </p:style>
+      </p:cxnSp>
+      <p:cxnSp>
+        <p:nvCxnSpPr>
+          <p:cNvPr id="60" name="直线箭头连接符 59"/>
+          <p:cNvCxnSpPr>
+            <a:stCxn id="12" idx="6"/>
+            <a:endCxn id="20" idx="2"/>
+          </p:cNvCxnSpPr>
+          <p:nvPr/>
+        </p:nvCxnSpPr>
+        <p:spPr>
+          <a:xfrm>
+            <a:off x="1866534" y="1789070"/>
+            <a:ext cx="374742" cy="1520202"/>
+          </a:xfrm>
+          <a:prstGeom prst="straightConnector1">
+            <a:avLst/>
+          </a:prstGeom>
+          <a:ln>
+            <a:tailEnd type="triangle"/>
+          </a:ln>
+        </p:spPr>
+        <p:style>
+          <a:lnRef idx="1">
+            <a:schemeClr val="accent1"/>
+          </a:lnRef>
+          <a:fillRef idx="0">
+            <a:schemeClr val="accent1"/>
+          </a:fillRef>
+          <a:effectRef idx="0">
+            <a:schemeClr val="accent1"/>
+          </a:effectRef>
+          <a:fontRef idx="minor">
+            <a:schemeClr val="tx1"/>
+          </a:fontRef>
+        </p:style>
+      </p:cxnSp>
+      <p:cxnSp>
+        <p:nvCxnSpPr>
+          <p:cNvPr id="61" name="直线箭头连接符 60"/>
+          <p:cNvCxnSpPr>
+            <a:stCxn id="14" idx="6"/>
+            <a:endCxn id="17" idx="2"/>
+          </p:cNvCxnSpPr>
+          <p:nvPr/>
+        </p:nvCxnSpPr>
+        <p:spPr>
+          <a:xfrm flipV="1">
+            <a:off x="1866534" y="1784688"/>
+            <a:ext cx="374742" cy="513450"/>
+          </a:xfrm>
+          <a:prstGeom prst="straightConnector1">
+            <a:avLst/>
+          </a:prstGeom>
+          <a:ln>
+            <a:tailEnd type="triangle"/>
+          </a:ln>
+        </p:spPr>
+        <p:style>
+          <a:lnRef idx="1">
+            <a:schemeClr val="accent1"/>
+          </a:lnRef>
+          <a:fillRef idx="0">
+            <a:schemeClr val="accent1"/>
+          </a:fillRef>
+          <a:effectRef idx="0">
+            <a:schemeClr val="accent1"/>
+          </a:effectRef>
+          <a:fontRef idx="minor">
+            <a:schemeClr val="tx1"/>
+          </a:fontRef>
+        </p:style>
+      </p:cxnSp>
+      <p:cxnSp>
+        <p:nvCxnSpPr>
+          <p:cNvPr id="62" name="直线箭头连接符 61"/>
+          <p:cNvCxnSpPr>
+            <a:stCxn id="14" idx="6"/>
+            <a:endCxn id="18" idx="2"/>
+          </p:cNvCxnSpPr>
+          <p:nvPr/>
+        </p:nvCxnSpPr>
+        <p:spPr>
+          <a:xfrm>
+            <a:off x="1866534" y="2298138"/>
+            <a:ext cx="374742" cy="1450"/>
+          </a:xfrm>
+          <a:prstGeom prst="straightConnector1">
+            <a:avLst/>
+          </a:prstGeom>
+          <a:ln>
+            <a:tailEnd type="triangle"/>
+          </a:ln>
+        </p:spPr>
+        <p:style>
+          <a:lnRef idx="1">
+            <a:schemeClr val="accent1"/>
+          </a:lnRef>
+          <a:fillRef idx="0">
+            <a:schemeClr val="accent1"/>
+          </a:fillRef>
+          <a:effectRef idx="0">
+            <a:schemeClr val="accent1"/>
+          </a:effectRef>
+          <a:fontRef idx="minor">
+            <a:schemeClr val="tx1"/>
+          </a:fontRef>
+        </p:style>
+      </p:cxnSp>
+      <p:cxnSp>
+        <p:nvCxnSpPr>
+          <p:cNvPr id="63" name="直线箭头连接符 62"/>
+          <p:cNvCxnSpPr>
+            <a:stCxn id="14" idx="6"/>
+            <a:endCxn id="19" idx="2"/>
+          </p:cNvCxnSpPr>
+          <p:nvPr/>
+        </p:nvCxnSpPr>
+        <p:spPr>
+          <a:xfrm>
+            <a:off x="1866534" y="2298138"/>
+            <a:ext cx="374742" cy="508373"/>
+          </a:xfrm>
+          <a:prstGeom prst="straightConnector1">
+            <a:avLst/>
+          </a:prstGeom>
+          <a:ln>
+            <a:tailEnd type="triangle"/>
+          </a:ln>
+        </p:spPr>
+        <p:style>
+          <a:lnRef idx="1">
+            <a:schemeClr val="accent1"/>
+          </a:lnRef>
+          <a:fillRef idx="0">
+            <a:schemeClr val="accent1"/>
+          </a:fillRef>
+          <a:effectRef idx="0">
+            <a:schemeClr val="accent1"/>
+          </a:effectRef>
+          <a:fontRef idx="minor">
+            <a:schemeClr val="tx1"/>
+          </a:fontRef>
+        </p:style>
+      </p:cxnSp>
+      <p:cxnSp>
+        <p:nvCxnSpPr>
+          <p:cNvPr id="64" name="直线箭头连接符 63"/>
+          <p:cNvCxnSpPr>
+            <a:stCxn id="14" idx="6"/>
+            <a:endCxn id="20" idx="2"/>
+          </p:cNvCxnSpPr>
+          <p:nvPr/>
+        </p:nvCxnSpPr>
+        <p:spPr>
+          <a:xfrm>
+            <a:off x="1866534" y="2298138"/>
+            <a:ext cx="374742" cy="1011134"/>
+          </a:xfrm>
+          <a:prstGeom prst="straightConnector1">
+            <a:avLst/>
+          </a:prstGeom>
+          <a:ln>
+            <a:tailEnd type="triangle"/>
+          </a:ln>
+        </p:spPr>
+        <p:style>
+          <a:lnRef idx="1">
+            <a:schemeClr val="accent1"/>
+          </a:lnRef>
+          <a:fillRef idx="0">
+            <a:schemeClr val="accent1"/>
+          </a:fillRef>
+          <a:effectRef idx="0">
+            <a:schemeClr val="accent1"/>
+          </a:effectRef>
+          <a:fontRef idx="minor">
+            <a:schemeClr val="tx1"/>
+          </a:fontRef>
+        </p:style>
+      </p:cxnSp>
+      <p:cxnSp>
+        <p:nvCxnSpPr>
+          <p:cNvPr id="65" name="直线箭头连接符 64"/>
+          <p:cNvCxnSpPr>
+            <a:stCxn id="15" idx="6"/>
+            <a:endCxn id="17" idx="2"/>
+          </p:cNvCxnSpPr>
+          <p:nvPr/>
+        </p:nvCxnSpPr>
+        <p:spPr>
+          <a:xfrm flipV="1">
+            <a:off x="1866534" y="1784688"/>
+            <a:ext cx="374742" cy="1021823"/>
+          </a:xfrm>
+          <a:prstGeom prst="straightConnector1">
+            <a:avLst/>
+          </a:prstGeom>
+          <a:ln>
+            <a:tailEnd type="triangle"/>
+          </a:ln>
+        </p:spPr>
+        <p:style>
+          <a:lnRef idx="1">
+            <a:schemeClr val="accent1"/>
+          </a:lnRef>
+          <a:fillRef idx="0">
+            <a:schemeClr val="accent1"/>
+          </a:fillRef>
+          <a:effectRef idx="0">
+            <a:schemeClr val="accent1"/>
+          </a:effectRef>
+          <a:fontRef idx="minor">
+            <a:schemeClr val="tx1"/>
+          </a:fontRef>
+        </p:style>
+      </p:cxnSp>
+      <p:cxnSp>
+        <p:nvCxnSpPr>
+          <p:cNvPr id="66" name="直线箭头连接符 65"/>
+          <p:cNvCxnSpPr>
+            <a:stCxn id="15" idx="6"/>
+            <a:endCxn id="18" idx="2"/>
+          </p:cNvCxnSpPr>
+          <p:nvPr/>
+        </p:nvCxnSpPr>
+        <p:spPr>
+          <a:xfrm flipV="1">
+            <a:off x="1866534" y="2299588"/>
+            <a:ext cx="374742" cy="506923"/>
+          </a:xfrm>
+          <a:prstGeom prst="straightConnector1">
+            <a:avLst/>
+          </a:prstGeom>
+          <a:ln>
+            <a:tailEnd type="triangle"/>
+          </a:ln>
+        </p:spPr>
+        <p:style>
+          <a:lnRef idx="1">
+            <a:schemeClr val="accent1"/>
+          </a:lnRef>
+          <a:fillRef idx="0">
+            <a:schemeClr val="accent1"/>
+          </a:fillRef>
+          <a:effectRef idx="0">
+            <a:schemeClr val="accent1"/>
+          </a:effectRef>
+          <a:fontRef idx="minor">
+            <a:schemeClr val="tx1"/>
+          </a:fontRef>
+        </p:style>
+      </p:cxnSp>
+      <p:cxnSp>
+        <p:nvCxnSpPr>
+          <p:cNvPr id="67" name="直线箭头连接符 66"/>
+          <p:cNvCxnSpPr>
+            <a:stCxn id="15" idx="6"/>
+            <a:endCxn id="19" idx="2"/>
+          </p:cNvCxnSpPr>
+          <p:nvPr/>
+        </p:nvCxnSpPr>
+        <p:spPr>
+          <a:xfrm>
+            <a:off x="1866534" y="2806511"/>
+            <a:ext cx="374742" cy="0"/>
+          </a:xfrm>
+          <a:prstGeom prst="straightConnector1">
+            <a:avLst/>
+          </a:prstGeom>
+          <a:ln>
+            <a:tailEnd type="triangle"/>
+          </a:ln>
+        </p:spPr>
+        <p:style>
+          <a:lnRef idx="1">
+            <a:schemeClr val="accent1"/>
+          </a:lnRef>
+          <a:fillRef idx="0">
+            <a:schemeClr val="accent1"/>
+          </a:fillRef>
+          <a:effectRef idx="0">
+            <a:schemeClr val="accent1"/>
+          </a:effectRef>
+          <a:fontRef idx="minor">
+            <a:schemeClr val="tx1"/>
+          </a:fontRef>
+        </p:style>
+      </p:cxnSp>
+      <p:cxnSp>
+        <p:nvCxnSpPr>
+          <p:cNvPr id="88" name="直线箭头连接符 87"/>
+          <p:cNvCxnSpPr>
+            <a:stCxn id="16" idx="6"/>
+            <a:endCxn id="19" idx="2"/>
+          </p:cNvCxnSpPr>
+          <p:nvPr/>
+        </p:nvCxnSpPr>
+        <p:spPr>
+          <a:xfrm flipV="1">
+            <a:off x="1866534" y="2806511"/>
+            <a:ext cx="374742" cy="500083"/>
+          </a:xfrm>
+          <a:prstGeom prst="straightConnector1">
+            <a:avLst/>
+          </a:prstGeom>
+          <a:ln>
+            <a:tailEnd type="triangle"/>
+          </a:ln>
+        </p:spPr>
+        <p:style>
+          <a:lnRef idx="1">
+            <a:schemeClr val="accent1"/>
+          </a:lnRef>
+          <a:fillRef idx="0">
+            <a:schemeClr val="accent1"/>
+          </a:fillRef>
+          <a:effectRef idx="0">
+            <a:schemeClr val="accent1"/>
+          </a:effectRef>
+          <a:fontRef idx="minor">
+            <a:schemeClr val="tx1"/>
+          </a:fontRef>
+        </p:style>
+      </p:cxnSp>
+      <p:cxnSp>
+        <p:nvCxnSpPr>
+          <p:cNvPr id="89" name="直线箭头连接符 88"/>
+          <p:cNvCxnSpPr>
+            <a:stCxn id="16" idx="6"/>
+            <a:endCxn id="20" idx="2"/>
+          </p:cNvCxnSpPr>
+          <p:nvPr/>
+        </p:nvCxnSpPr>
+        <p:spPr>
+          <a:xfrm>
+            <a:off x="1866534" y="3306594"/>
+            <a:ext cx="374742" cy="2678"/>
+          </a:xfrm>
+          <a:prstGeom prst="straightConnector1">
+            <a:avLst/>
+          </a:prstGeom>
+          <a:ln>
+            <a:tailEnd type="triangle"/>
+          </a:ln>
+        </p:spPr>
+        <p:style>
+          <a:lnRef idx="1">
+            <a:schemeClr val="accent1"/>
+          </a:lnRef>
+          <a:fillRef idx="0">
+            <a:schemeClr val="accent1"/>
+          </a:fillRef>
+          <a:effectRef idx="0">
+            <a:schemeClr val="accent1"/>
+          </a:effectRef>
+          <a:fontRef idx="minor">
+            <a:schemeClr val="tx1"/>
+          </a:fontRef>
+        </p:style>
+      </p:cxnSp>
+      <p:cxnSp>
+        <p:nvCxnSpPr>
+          <p:cNvPr id="90" name="直线箭头连接符 89"/>
+          <p:cNvCxnSpPr>
+            <a:stCxn id="16" idx="6"/>
+            <a:endCxn id="18" idx="2"/>
+          </p:cNvCxnSpPr>
+          <p:nvPr/>
+        </p:nvCxnSpPr>
+        <p:spPr>
+          <a:xfrm flipV="1">
+            <a:off x="1866534" y="2299588"/>
+            <a:ext cx="374742" cy="1007006"/>
+          </a:xfrm>
+          <a:prstGeom prst="straightConnector1">
+            <a:avLst/>
+          </a:prstGeom>
+          <a:ln>
+            <a:tailEnd type="triangle"/>
+          </a:ln>
+        </p:spPr>
+        <p:style>
+          <a:lnRef idx="1">
+            <a:schemeClr val="accent1"/>
+          </a:lnRef>
+          <a:fillRef idx="0">
+            <a:schemeClr val="accent1"/>
+          </a:fillRef>
+          <a:effectRef idx="0">
+            <a:schemeClr val="accent1"/>
+          </a:effectRef>
+          <a:fontRef idx="minor">
+            <a:schemeClr val="tx1"/>
+          </a:fontRef>
+        </p:style>
+      </p:cxnSp>
+      <p:cxnSp>
+        <p:nvCxnSpPr>
+          <p:cNvPr id="91" name="直线箭头连接符 90"/>
+          <p:cNvCxnSpPr>
+            <a:stCxn id="16" idx="6"/>
+            <a:endCxn id="17" idx="2"/>
+          </p:cNvCxnSpPr>
+          <p:nvPr/>
+        </p:nvCxnSpPr>
+        <p:spPr>
+          <a:xfrm flipV="1">
+            <a:off x="1866534" y="1784688"/>
+            <a:ext cx="374742" cy="1521906"/>
+          </a:xfrm>
+          <a:prstGeom prst="straightConnector1">
+            <a:avLst/>
+          </a:prstGeom>
+          <a:ln>
+            <a:tailEnd type="triangle"/>
+          </a:ln>
+        </p:spPr>
+        <p:style>
+          <a:lnRef idx="1">
+            <a:schemeClr val="accent1"/>
+          </a:lnRef>
+          <a:fillRef idx="0">
+            <a:schemeClr val="accent1"/>
+          </a:fillRef>
+          <a:effectRef idx="0">
+            <a:schemeClr val="accent1"/>
+          </a:effectRef>
+          <a:fontRef idx="minor">
+            <a:schemeClr val="tx1"/>
+          </a:fontRef>
+        </p:style>
+      </p:cxnSp>
+      <p:cxnSp>
+        <p:nvCxnSpPr>
+          <p:cNvPr id="92" name="直线箭头连接符 91"/>
+          <p:cNvCxnSpPr>
+            <a:stCxn id="15" idx="6"/>
+            <a:endCxn id="20" idx="2"/>
+          </p:cNvCxnSpPr>
+          <p:nvPr/>
+        </p:nvCxnSpPr>
+        <p:spPr>
+          <a:xfrm>
+            <a:off x="1866534" y="2806511"/>
+            <a:ext cx="374742" cy="502761"/>
+          </a:xfrm>
+          <a:prstGeom prst="straightConnector1">
+            <a:avLst/>
+          </a:prstGeom>
+          <a:ln>
+            <a:tailEnd type="triangle"/>
+          </a:ln>
+        </p:spPr>
+        <p:style>
+          <a:lnRef idx="1">
+            <a:schemeClr val="accent1"/>
+          </a:lnRef>
+          <a:fillRef idx="0">
+            <a:schemeClr val="accent1"/>
+          </a:fillRef>
+          <a:effectRef idx="0">
+            <a:schemeClr val="accent1"/>
+          </a:effectRef>
+          <a:fontRef idx="minor">
+            <a:schemeClr val="tx1"/>
+          </a:fontRef>
+        </p:style>
+      </p:cxnSp>
+      <p:cxnSp>
+        <p:nvCxnSpPr>
+          <p:cNvPr id="93" name="直线箭头连接符 92"/>
+          <p:cNvCxnSpPr>
+            <a:stCxn id="17" idx="6"/>
+            <a:endCxn id="21" idx="2"/>
+          </p:cNvCxnSpPr>
+          <p:nvPr/>
+        </p:nvCxnSpPr>
+        <p:spPr>
+          <a:xfrm>
+            <a:off x="2517238" y="1784688"/>
+            <a:ext cx="534493" cy="741008"/>
+          </a:xfrm>
+          <a:prstGeom prst="straightConnector1">
+            <a:avLst/>
+          </a:prstGeom>
+          <a:ln>
+            <a:tailEnd type="triangle"/>
+          </a:ln>
+        </p:spPr>
+        <p:style>
+          <a:lnRef idx="1">
+            <a:schemeClr val="accent1"/>
+          </a:lnRef>
+          <a:fillRef idx="0">
+            <a:schemeClr val="accent1"/>
+          </a:fillRef>
+          <a:effectRef idx="0">
+            <a:schemeClr val="accent1"/>
+          </a:effectRef>
+          <a:fontRef idx="minor">
+            <a:schemeClr val="tx1"/>
+          </a:fontRef>
+        </p:style>
+      </p:cxnSp>
+      <p:cxnSp>
+        <p:nvCxnSpPr>
+          <p:cNvPr id="94" name="直线箭头连接符 93"/>
+          <p:cNvCxnSpPr>
+            <a:stCxn id="18" idx="6"/>
+            <a:endCxn id="21" idx="2"/>
+          </p:cNvCxnSpPr>
+          <p:nvPr/>
+        </p:nvCxnSpPr>
+        <p:spPr>
+          <a:xfrm>
+            <a:off x="2517238" y="2299588"/>
+            <a:ext cx="534493" cy="226108"/>
+          </a:xfrm>
+          <a:prstGeom prst="straightConnector1">
+            <a:avLst/>
+          </a:prstGeom>
+          <a:ln>
+            <a:tailEnd type="triangle"/>
+          </a:ln>
+        </p:spPr>
+        <p:style>
+          <a:lnRef idx="1">
+            <a:schemeClr val="accent1"/>
+          </a:lnRef>
+          <a:fillRef idx="0">
+            <a:schemeClr val="accent1"/>
+          </a:fillRef>
+          <a:effectRef idx="0">
+            <a:schemeClr val="accent1"/>
+          </a:effectRef>
+          <a:fontRef idx="minor">
+            <a:schemeClr val="tx1"/>
+          </a:fontRef>
+        </p:style>
+      </p:cxnSp>
+      <p:cxnSp>
+        <p:nvCxnSpPr>
+          <p:cNvPr id="95" name="直线箭头连接符 94"/>
+          <p:cNvCxnSpPr>
+            <a:stCxn id="19" idx="6"/>
+            <a:endCxn id="21" idx="2"/>
+          </p:cNvCxnSpPr>
+          <p:nvPr/>
+        </p:nvCxnSpPr>
+        <p:spPr>
+          <a:xfrm flipV="1">
+            <a:off x="2517238" y="2525696"/>
+            <a:ext cx="534493" cy="280815"/>
+          </a:xfrm>
+          <a:prstGeom prst="straightConnector1">
+            <a:avLst/>
+          </a:prstGeom>
+          <a:ln>
+            <a:tailEnd type="triangle"/>
+          </a:ln>
+        </p:spPr>
+        <p:style>
+          <a:lnRef idx="1">
+            <a:schemeClr val="accent1"/>
+          </a:lnRef>
+          <a:fillRef idx="0">
+            <a:schemeClr val="accent1"/>
+          </a:fillRef>
+          <a:effectRef idx="0">
+            <a:schemeClr val="accent1"/>
+          </a:effectRef>
+          <a:fontRef idx="minor">
+            <a:schemeClr val="tx1"/>
+          </a:fontRef>
+        </p:style>
+      </p:cxnSp>
+      <p:cxnSp>
+        <p:nvCxnSpPr>
+          <p:cNvPr id="96" name="直线箭头连接符 95"/>
+          <p:cNvCxnSpPr>
+            <a:stCxn id="20" idx="6"/>
+            <a:endCxn id="21" idx="2"/>
+          </p:cNvCxnSpPr>
+          <p:nvPr/>
+        </p:nvCxnSpPr>
+        <p:spPr>
+          <a:xfrm flipV="1">
+            <a:off x="2517238" y="2525696"/>
+            <a:ext cx="534493" cy="783576"/>
+          </a:xfrm>
+          <a:prstGeom prst="straightConnector1">
+            <a:avLst/>
+          </a:prstGeom>
+          <a:ln>
+            <a:tailEnd type="triangle"/>
+          </a:ln>
+        </p:spPr>
+        <p:style>
+          <a:lnRef idx="1">
+            <a:schemeClr val="accent1"/>
+          </a:lnRef>
+          <a:fillRef idx="0">
+            <a:schemeClr val="accent1"/>
+          </a:fillRef>
+          <a:effectRef idx="0">
+            <a:schemeClr val="accent1"/>
+          </a:effectRef>
+          <a:fontRef idx="minor">
+            <a:schemeClr val="tx1"/>
+          </a:fontRef>
+        </p:style>
+      </p:cxnSp>
+      <p:sp>
+        <p:nvSpPr>
+          <p:cNvPr id="118" name="文本框 117"/>
           <p:cNvSpPr txBox="1"/>
           <p:nvPr/>
         </p:nvSpPr>
         <p:spPr>
           <a:xfrm>
-            <a:off x="575439" y="1929572"/>
-            <a:ext cx="5933472" cy="523220"/>
+            <a:off x="610449" y="3207043"/>
+            <a:ext cx="679994" cy="369332"/>
           </a:xfrm>
           <a:prstGeom prst="rect">
             <a:avLst/>
@@ -8170,49 +10371,29 @@
           <a:noFill/>
         </p:spPr>
         <p:txBody>
-          <a:bodyPr wrap="square" rtlCol="0">
+          <a:bodyPr wrap="none" rtlCol="0">
             <a:spAutoFit/>
           </a:bodyPr>
           <a:lstStyle/>
           <a:p>
             <a:r>
-              <a:rPr lang="en-US" altLang="zh-CN" sz="2800" dirty="0"/>
-              <a:t>4.3</a:t>
-            </a:r>
-            <a:r>
-              <a:rPr lang="zh-CN" altLang="en-US" sz="2800" dirty="0"/>
-              <a:t> </a:t>
-            </a:r>
-            <a:r>
-              <a:rPr lang="en-US" altLang="zh-CN" sz="2800" dirty="0"/>
-              <a:t>heterogeneous</a:t>
-            </a:r>
-            <a:r>
-              <a:rPr lang="zh-CN" altLang="en-US" sz="2800" dirty="0"/>
-              <a:t> </a:t>
-            </a:r>
-            <a:r>
-              <a:rPr lang="en-US" altLang="zh-CN" sz="2800" dirty="0"/>
-              <a:t>divides</a:t>
-            </a:r>
-            <a:r>
-              <a:rPr lang="zh-CN" altLang="en-US" sz="2800" dirty="0"/>
-              <a:t> </a:t>
-            </a:r>
-            <a:endParaRPr lang="zh-CN" altLang="en-US" sz="2800" dirty="0"/>
-          </a:p>
-        </p:txBody>
-      </p:sp>
-      <p:sp>
-        <p:nvSpPr>
-          <p:cNvPr id="3" name="文本框 2"/>
+              <a:rPr kumimoji="1" lang="en-US" altLang="zh-CN" smtClean="0"/>
+              <a:t>input</a:t>
+            </a:r>
+            <a:endParaRPr kumimoji="1" lang="zh-CN" altLang="en-US" dirty="0"/>
+          </a:p>
+        </p:txBody>
+      </p:sp>
+      <p:sp>
+        <p:nvSpPr>
+          <p:cNvPr id="119" name="文本框 118"/>
           <p:cNvSpPr txBox="1"/>
           <p:nvPr/>
         </p:nvSpPr>
         <p:spPr>
           <a:xfrm>
-            <a:off x="801888" y="2452792"/>
-            <a:ext cx="5707024" cy="646331"/>
+            <a:off x="377537" y="3874302"/>
+            <a:ext cx="1488997" cy="369332"/>
           </a:xfrm>
           <a:prstGeom prst="rect">
             <a:avLst/>
@@ -8220,54 +10401,257 @@
           <a:noFill/>
         </p:spPr>
         <p:txBody>
-          <a:bodyPr wrap="square" rtlCol="0">
+          <a:bodyPr wrap="none" rtlCol="0">
             <a:spAutoFit/>
           </a:bodyPr>
           <a:lstStyle/>
           <a:p>
             <a:r>
+              <a:rPr kumimoji="1" lang="en-US" altLang="zh-CN" smtClean="0"/>
+              <a:t>Hidden layer1</a:t>
+            </a:r>
+            <a:endParaRPr kumimoji="1" lang="zh-CN" altLang="en-US" dirty="0"/>
+          </a:p>
+        </p:txBody>
+      </p:sp>
+      <p:cxnSp>
+        <p:nvCxnSpPr>
+          <p:cNvPr id="121" name="曲线连接符 120"/>
+          <p:cNvCxnSpPr>
+            <a:stCxn id="16" idx="4"/>
+            <a:endCxn id="119" idx="0"/>
+          </p:cNvCxnSpPr>
+          <p:nvPr/>
+        </p:nvCxnSpPr>
+        <p:spPr>
+          <a:xfrm rot="5400000">
+            <a:off x="1218576" y="3364325"/>
+            <a:ext cx="413438" cy="606517"/>
+          </a:xfrm>
+          <a:prstGeom prst="curvedConnector3">
+            <a:avLst>
+              <a:gd name="adj1" fmla="val 50000"/>
+            </a:avLst>
+          </a:prstGeom>
+          <a:ln>
+            <a:headEnd type="triangle"/>
+            <a:tailEnd type="triangle"/>
+          </a:ln>
+        </p:spPr>
+        <p:style>
+          <a:lnRef idx="1">
+            <a:schemeClr val="accent1"/>
+          </a:lnRef>
+          <a:fillRef idx="0">
+            <a:schemeClr val="accent1"/>
+          </a:fillRef>
+          <a:effectRef idx="0">
+            <a:schemeClr val="accent1"/>
+          </a:effectRef>
+          <a:fontRef idx="minor">
+            <a:schemeClr val="tx1"/>
+          </a:fontRef>
+        </p:style>
+      </p:cxnSp>
+      <p:sp>
+        <p:nvSpPr>
+          <p:cNvPr id="123" name="文本框 122"/>
+          <p:cNvSpPr txBox="1"/>
+          <p:nvPr/>
+        </p:nvSpPr>
+        <p:spPr>
+          <a:xfrm>
+            <a:off x="1994601" y="3874302"/>
+            <a:ext cx="1488997" cy="369332"/>
+          </a:xfrm>
+          <a:prstGeom prst="rect">
+            <a:avLst/>
+          </a:prstGeom>
+          <a:noFill/>
+        </p:spPr>
+        <p:txBody>
+          <a:bodyPr wrap="none" rtlCol="0">
+            <a:spAutoFit/>
+          </a:bodyPr>
+          <a:lstStyle/>
+          <a:p>
+            <a:r>
+              <a:rPr kumimoji="1" lang="en-US" altLang="zh-CN" dirty="0" smtClean="0"/>
+              <a:t>Hidden layer2</a:t>
+            </a:r>
+            <a:endParaRPr kumimoji="1" lang="zh-CN" altLang="en-US" dirty="0"/>
+          </a:p>
+        </p:txBody>
+      </p:sp>
+      <p:cxnSp>
+        <p:nvCxnSpPr>
+          <p:cNvPr id="125" name="曲线连接符 124"/>
+          <p:cNvCxnSpPr>
+            <a:stCxn id="20" idx="4"/>
+            <a:endCxn id="123" idx="0"/>
+          </p:cNvCxnSpPr>
+          <p:nvPr/>
+        </p:nvCxnSpPr>
+        <p:spPr>
+          <a:xfrm rot="16200000" flipH="1">
+            <a:off x="2353798" y="3489000"/>
+            <a:ext cx="410760" cy="359843"/>
+          </a:xfrm>
+          <a:prstGeom prst="curvedConnector3">
+            <a:avLst/>
+          </a:prstGeom>
+          <a:ln>
+            <a:headEnd type="triangle"/>
+            <a:tailEnd type="triangle"/>
+          </a:ln>
+        </p:spPr>
+        <p:style>
+          <a:lnRef idx="1">
+            <a:schemeClr val="accent1"/>
+          </a:lnRef>
+          <a:fillRef idx="0">
+            <a:schemeClr val="accent1"/>
+          </a:fillRef>
+          <a:effectRef idx="0">
+            <a:schemeClr val="accent1"/>
+          </a:effectRef>
+          <a:fontRef idx="minor">
+            <a:schemeClr val="tx1"/>
+          </a:fontRef>
+        </p:style>
+      </p:cxnSp>
+      <p:sp>
+        <p:nvSpPr>
+          <p:cNvPr id="126" name="文本框 125"/>
+          <p:cNvSpPr txBox="1"/>
+          <p:nvPr/>
+        </p:nvSpPr>
+        <p:spPr>
+          <a:xfrm>
+            <a:off x="2827160" y="2947759"/>
+            <a:ext cx="825867" cy="369332"/>
+          </a:xfrm>
+          <a:prstGeom prst="rect">
+            <a:avLst/>
+          </a:prstGeom>
+          <a:noFill/>
+        </p:spPr>
+        <p:txBody>
+          <a:bodyPr wrap="none" rtlCol="0">
+            <a:spAutoFit/>
+          </a:bodyPr>
+          <a:lstStyle/>
+          <a:p>
+            <a:r>
+              <a:rPr kumimoji="1" lang="en-US" altLang="zh-CN" smtClean="0"/>
+              <a:t>output</a:t>
+            </a:r>
+            <a:endParaRPr kumimoji="1" lang="zh-CN" altLang="en-US" dirty="0"/>
+          </a:p>
+        </p:txBody>
+      </p:sp>
+      <p:pic>
+        <p:nvPicPr>
+          <p:cNvPr id="127" name="图片 126"/>
+          <p:cNvPicPr>
+            <a:picLocks noChangeAspect="1"/>
+          </p:cNvPicPr>
+          <p:nvPr/>
+        </p:nvPicPr>
+        <p:blipFill>
+          <a:blip r:embed="rId8"/>
+          <a:stretch>
+            <a:fillRect/>
+          </a:stretch>
+        </p:blipFill>
+        <p:spPr>
+          <a:xfrm>
+            <a:off x="4187520" y="945589"/>
+            <a:ext cx="3238500" cy="2590800"/>
+          </a:xfrm>
+          <a:prstGeom prst="rect">
+            <a:avLst/>
+          </a:prstGeom>
+        </p:spPr>
+      </p:pic>
+      <p:sp>
+        <p:nvSpPr>
+          <p:cNvPr id="128" name="文本框 127"/>
+          <p:cNvSpPr txBox="1"/>
+          <p:nvPr/>
+        </p:nvSpPr>
+        <p:spPr>
+          <a:xfrm>
+            <a:off x="6718717" y="6417550"/>
+            <a:ext cx="4874732" cy="369332"/>
+          </a:xfrm>
+          <a:prstGeom prst="rect">
+            <a:avLst/>
+          </a:prstGeom>
+          <a:noFill/>
+        </p:spPr>
+        <p:txBody>
+          <a:bodyPr wrap="none" rtlCol="0">
+            <a:spAutoFit/>
+          </a:bodyPr>
+          <a:lstStyle/>
+          <a:p>
+            <a:r>
+              <a:rPr kumimoji="1" lang="en-US" altLang="zh-CN" dirty="0" smtClean="0"/>
+              <a:t>Picture</a:t>
+            </a:r>
+            <a:r>
+              <a:rPr kumimoji="1" lang="zh-CN" altLang="en-US" dirty="0" smtClean="0"/>
+              <a:t> </a:t>
+            </a:r>
+            <a:r>
+              <a:rPr kumimoji="1" lang="en-US" altLang="zh-CN" dirty="0" smtClean="0"/>
+              <a:t>from</a:t>
+            </a:r>
+            <a:r>
+              <a:rPr kumimoji="1" lang="zh-CN" altLang="en-US" dirty="0" smtClean="0"/>
+              <a:t> </a:t>
+            </a:r>
+            <a:r>
               <a:rPr lang="en-US" altLang="zh-CN" dirty="0" smtClean="0"/>
-              <a:t>the same</a:t>
-            </a:r>
-            <a:r>
-              <a:rPr lang="zh-CN" altLang="en-US" dirty="0" smtClean="0"/>
-              <a:t> </a:t>
-            </a:r>
-            <a:r>
-              <a:rPr lang="en-US" altLang="zh-CN" dirty="0" smtClean="0"/>
-              <a:t>program </a:t>
+              <a:t>:</a:t>
             </a:r>
             <a:r>
               <a:rPr lang="en-US" altLang="zh-CN" dirty="0"/>
-              <a:t>can easily target GPUs, </a:t>
-            </a:r>
-            <a:r>
-              <a:rPr lang="en-US" altLang="zh-CN" dirty="0"/>
-              <a:t>mobile </a:t>
-            </a:r>
-            <a:r>
-              <a:rPr lang="en-US" altLang="zh-CN" dirty="0" smtClean="0"/>
-              <a:t>CPUs, or</a:t>
+              <a:t> </a:t>
+            </a:r>
+            <a:r>
+              <a:rPr lang="en-US" altLang="zh-CN" u="sng" dirty="0"/>
+              <a:t>http://yann.lecun.com/exdb/mnist/</a:t>
             </a:r>
             <a:endParaRPr kumimoji="1" lang="zh-CN" altLang="en-US" dirty="0"/>
           </a:p>
-          <a:p>
-            <a:r>
-              <a:rPr lang="en-US" altLang="zh-CN" dirty="0" smtClean="0"/>
-              <a:t>Tensor </a:t>
-            </a:r>
-            <a:r>
-              <a:rPr lang="en-US" altLang="zh-CN" dirty="0"/>
-              <a:t>Processing </a:t>
-            </a:r>
-            <a:r>
-              <a:rPr lang="en-US" altLang="zh-CN" dirty="0" smtClean="0"/>
-              <a:t>Unit (TPUs)</a:t>
-            </a:r>
-            <a:endParaRPr kumimoji="1" lang="zh-CN" altLang="en-US" dirty="0"/>
-          </a:p>
-        </p:txBody>
-      </p:sp>
+        </p:txBody>
+      </p:sp>
+      <p:pic>
+        <p:nvPicPr>
+          <p:cNvPr id="129" name="图片 128"/>
+          <p:cNvPicPr>
+            <a:picLocks noChangeAspect="1"/>
+          </p:cNvPicPr>
+          <p:nvPr/>
+        </p:nvPicPr>
+        <p:blipFill>
+          <a:blip r:embed="rId9"/>
+          <a:stretch>
+            <a:fillRect/>
+          </a:stretch>
+        </p:blipFill>
+        <p:spPr>
+          <a:xfrm>
+            <a:off x="4187520" y="3620922"/>
+            <a:ext cx="7143160" cy="3124518"/>
+          </a:xfrm>
+          <a:prstGeom prst="rect">
+            <a:avLst/>
+          </a:prstGeom>
+        </p:spPr>
+      </p:pic>
     </p:spTree>
     <p:extLst>
       <p:ext uri="{BB962C8B-B14F-4D97-AF65-F5344CB8AC3E}">
@@ -8281,7 +10665,75 @@
   <p:timing>
     <p:tnLst>
       <p:par>
-        <p:cTn id="1" dur="indefinite" restart="never" nodeType="tmRoot"/>
+        <p:cTn id="1" dur="indefinite" restart="never" nodeType="tmRoot">
+          <p:childTnLst>
+            <p:seq concurrent="1" nextAc="seek">
+              <p:cTn id="2" dur="indefinite" nodeType="mainSeq">
+                <p:childTnLst>
+                  <p:par>
+                    <p:cTn id="3" fill="hold">
+                      <p:stCondLst>
+                        <p:cond delay="indefinite"/>
+                      </p:stCondLst>
+                      <p:childTnLst>
+                        <p:par>
+                          <p:cTn id="4" fill="hold">
+                            <p:stCondLst>
+                              <p:cond delay="0"/>
+                            </p:stCondLst>
+                            <p:childTnLst>
+                              <p:par>
+                                <p:cTn id="5" presetID="1" presetClass="entr" presetSubtype="0" fill="hold" nodeType="clickEffect">
+                                  <p:stCondLst>
+                                    <p:cond delay="0"/>
+                                  </p:stCondLst>
+                                  <p:childTnLst>
+                                    <p:set>
+                                      <p:cBhvr>
+                                        <p:cTn id="6" dur="1" fill="hold">
+                                          <p:stCondLst>
+                                            <p:cond delay="0"/>
+                                          </p:stCondLst>
+                                        </p:cTn>
+                                        <p:tgtEl>
+                                          <p:spTgt spid="129"/>
+                                        </p:tgtEl>
+                                        <p:attrNameLst>
+                                          <p:attrName>style.visibility</p:attrName>
+                                        </p:attrNameLst>
+                                      </p:cBhvr>
+                                      <p:to>
+                                        <p:strVal val="visible"/>
+                                      </p:to>
+                                    </p:set>
+                                  </p:childTnLst>
+                                </p:cTn>
+                              </p:par>
+                            </p:childTnLst>
+                          </p:cTn>
+                        </p:par>
+                      </p:childTnLst>
+                    </p:cTn>
+                  </p:par>
+                </p:childTnLst>
+              </p:cTn>
+              <p:prevCondLst>
+                <p:cond evt="onPrev" delay="0">
+                  <p:tgtEl>
+                    <p:sldTgt/>
+                  </p:tgtEl>
+                </p:cond>
+              </p:prevCondLst>
+              <p:nextCondLst>
+                <p:cond evt="onNext" delay="0">
+                  <p:tgtEl>
+                    <p:sldTgt/>
+                  </p:tgtEl>
+                </p:cond>
+              </p:nextCondLst>
+            </p:seq>
+          </p:childTnLst>
+        </p:cTn>
       </p:par>
     </p:tnLst>
   </p:timing>
@@ -8339,7 +10791,7 @@
           <p:cNvPr id="2" name="标题 1">
             <a:extLst>
               <a:ext uri="{FF2B5EF4-FFF2-40B4-BE49-F238E27FC236}">
-                <a16:creationId xmlns="" xmlns:a16="http://schemas.microsoft.com/office/drawing/2014/main" id="{729E7753-D934-41AF-979C-BE3013383BDA}"/>
+                <a16:creationId xmlns:a16="http://schemas.microsoft.com/office/drawing/2014/main" xmlns="" id="{729E7753-D934-41AF-979C-BE3013383BDA}"/>
               </a:ext>
             </a:extLst>
           </p:cNvPr>
@@ -8377,7 +10829,7 @@
           <p:cNvPr id="4" name="图形 3">
             <a:extLst>
               <a:ext uri="{FF2B5EF4-FFF2-40B4-BE49-F238E27FC236}">
-                <a16:creationId xmlns="" xmlns:a16="http://schemas.microsoft.com/office/drawing/2014/main" id="{3EF556CA-30DB-46CA-B010-E7BC06705578}"/>
+                <a16:creationId xmlns:a16="http://schemas.microsoft.com/office/drawing/2014/main" xmlns="" id="{3EF556CA-30DB-46CA-B010-E7BC06705578}"/>
               </a:ext>
             </a:extLst>
           </p:cNvPr>
@@ -8390,7 +10842,7 @@
           <a:blip r:embed="rId3">
             <a:extLst>
               <a:ext uri="{96DAC541-7B7A-43D3-8B79-37D633B846F1}">
-                <asvg:svgBlip xmlns="" xmlns:asvg="http://schemas.microsoft.com/office/drawing/2016/SVG/main" r:embed="rId4"/>
+                <asvg:svgBlip xmlns:asvg="http://schemas.microsoft.com/office/drawing/2016/SVG/main" xmlns="" r:embed="rId4"/>
               </a:ext>
             </a:extLst>
           </a:blip>
@@ -8413,7 +10865,7 @@
           <p:cNvPr id="5" name="箭头: 五边形 4">
             <a:extLst>
               <a:ext uri="{FF2B5EF4-FFF2-40B4-BE49-F238E27FC236}">
-                <a16:creationId xmlns="" xmlns:a16="http://schemas.microsoft.com/office/drawing/2014/main" id="{61E862C7-DDED-46B2-88A9-92A4D3F40475}"/>
+                <a16:creationId xmlns:a16="http://schemas.microsoft.com/office/drawing/2014/main" xmlns="" id="{61E862C7-DDED-46B2-88A9-92A4D3F40475}"/>
               </a:ext>
             </a:extLst>
           </p:cNvPr>
@@ -8462,7 +10914,7 @@
           <p:cNvPr id="6" name="图形 5">
             <a:extLst>
               <a:ext uri="{FF2B5EF4-FFF2-40B4-BE49-F238E27FC236}">
-                <a16:creationId xmlns="" xmlns:a16="http://schemas.microsoft.com/office/drawing/2014/main" id="{217E1EC4-7E0E-4611-9AC8-528215714F14}"/>
+                <a16:creationId xmlns:a16="http://schemas.microsoft.com/office/drawing/2014/main" xmlns="" id="{217E1EC4-7E0E-4611-9AC8-528215714F14}"/>
               </a:ext>
             </a:extLst>
           </p:cNvPr>
@@ -8475,7 +10927,7 @@
           <a:blip r:embed="rId5">
             <a:extLst>
               <a:ext uri="{96DAC541-7B7A-43D3-8B79-37D633B846F1}">
-                <asvg:svgBlip xmlns="" xmlns:asvg="http://schemas.microsoft.com/office/drawing/2016/SVG/main" r:embed="rId6"/>
+                <asvg:svgBlip xmlns:asvg="http://schemas.microsoft.com/office/drawing/2016/SVG/main" xmlns="" r:embed="rId6"/>
               </a:ext>
             </a:extLst>
           </a:blip>

--- a/tfboys.pptx
+++ b/tfboys.pptx
@@ -5,7 +5,7 @@
     <p:sldMasterId id="2147483648" r:id="rId1"/>
   </p:sldMasterIdLst>
   <p:notesMasterIdLst>
-    <p:notesMasterId r:id="rId10"/>
+    <p:notesMasterId r:id="rId13"/>
   </p:notesMasterIdLst>
   <p:sldIdLst>
     <p:sldId id="256" r:id="rId2"/>
@@ -15,7 +15,10 @@
     <p:sldId id="284" r:id="rId6"/>
     <p:sldId id="286" r:id="rId7"/>
     <p:sldId id="285" r:id="rId8"/>
-    <p:sldId id="272" r:id="rId9"/>
+    <p:sldId id="287" r:id="rId9"/>
+    <p:sldId id="288" r:id="rId10"/>
+    <p:sldId id="289" r:id="rId11"/>
+    <p:sldId id="272" r:id="rId12"/>
   </p:sldIdLst>
   <p:sldSz cx="12192000" cy="6858000"/>
   <p:notesSz cx="6858000" cy="9144000"/>
@@ -279,38 +282,37 @@
           <a:p>
             <a:pPr lvl="0"/>
             <a:r>
-              <a:rPr kumimoji="1" lang="zh-CN" altLang="en-US" smtClean="0"/>
+              <a:rPr kumimoji="1" lang="zh-CN" altLang="en-US"/>
               <a:t>单击此处编辑母版文本样式</a:t>
             </a:r>
           </a:p>
           <a:p>
             <a:pPr lvl="1"/>
             <a:r>
-              <a:rPr kumimoji="1" lang="zh-CN" altLang="en-US" smtClean="0"/>
+              <a:rPr kumimoji="1" lang="zh-CN" altLang="en-US"/>
               <a:t>二级</a:t>
             </a:r>
           </a:p>
           <a:p>
             <a:pPr lvl="2"/>
             <a:r>
-              <a:rPr kumimoji="1" lang="zh-CN" altLang="en-US" smtClean="0"/>
+              <a:rPr kumimoji="1" lang="zh-CN" altLang="en-US"/>
               <a:t>三级</a:t>
             </a:r>
           </a:p>
           <a:p>
             <a:pPr lvl="3"/>
             <a:r>
-              <a:rPr kumimoji="1" lang="zh-CN" altLang="en-US" smtClean="0"/>
+              <a:rPr kumimoji="1" lang="zh-CN" altLang="en-US"/>
               <a:t>四级</a:t>
             </a:r>
           </a:p>
           <a:p>
             <a:pPr lvl="4"/>
             <a:r>
-              <a:rPr kumimoji="1" lang="zh-CN" altLang="en-US" smtClean="0"/>
+              <a:rPr kumimoji="1" lang="zh-CN" altLang="en-US"/>
               <a:t>五级</a:t>
             </a:r>
-            <a:endParaRPr kumimoji="1" lang="zh-CN" altLang="en-US"/>
           </a:p>
         </p:txBody>
       </p:sp>
@@ -505,7 +507,7 @@
           <p:cNvPr id="2" name="标题 1">
             <a:extLst>
               <a:ext uri="{FF2B5EF4-FFF2-40B4-BE49-F238E27FC236}">
-                <a16:creationId xmlns:a16="http://schemas.microsoft.com/office/drawing/2014/main" xmlns="" id="{E1ABA578-C201-44E1-9CCF-CBFCBD81C268}"/>
+                <a16:creationId xmlns:a16="http://schemas.microsoft.com/office/drawing/2014/main" id="{E1ABA578-C201-44E1-9CCF-CBFCBD81C268}"/>
               </a:ext>
             </a:extLst>
           </p:cNvPr>
@@ -531,7 +533,7 @@
           </a:lstStyle>
           <a:p>
             <a:r>
-              <a:rPr lang="zh-CN" altLang="en-US" smtClean="0"/>
+              <a:rPr lang="zh-CN" altLang="en-US"/>
               <a:t>单击此处编辑母版标题样式</a:t>
             </a:r>
             <a:endParaRPr lang="en-HK"/>
@@ -543,7 +545,7 @@
           <p:cNvPr id="3" name="副标题 2">
             <a:extLst>
               <a:ext uri="{FF2B5EF4-FFF2-40B4-BE49-F238E27FC236}">
-                <a16:creationId xmlns:a16="http://schemas.microsoft.com/office/drawing/2014/main" xmlns="" id="{09D0484D-405E-4DBD-BA96-DFE5EC3B4D20}"/>
+                <a16:creationId xmlns:a16="http://schemas.microsoft.com/office/drawing/2014/main" id="{09D0484D-405E-4DBD-BA96-DFE5EC3B4D20}"/>
               </a:ext>
             </a:extLst>
           </p:cNvPr>
@@ -602,7 +604,7 @@
           </a:lstStyle>
           <a:p>
             <a:r>
-              <a:rPr lang="zh-CN" altLang="en-US" smtClean="0"/>
+              <a:rPr lang="zh-CN" altLang="en-US"/>
               <a:t>单击此处编辑母版副标题样式</a:t>
             </a:r>
             <a:endParaRPr lang="en-HK"/>
@@ -614,7 +616,7 @@
           <p:cNvPr id="4" name="日期占位符 3">
             <a:extLst>
               <a:ext uri="{FF2B5EF4-FFF2-40B4-BE49-F238E27FC236}">
-                <a16:creationId xmlns:a16="http://schemas.microsoft.com/office/drawing/2014/main" xmlns="" id="{5B387873-9167-48CB-BC68-E89A623BC415}"/>
+                <a16:creationId xmlns:a16="http://schemas.microsoft.com/office/drawing/2014/main" id="{5B387873-9167-48CB-BC68-E89A623BC415}"/>
               </a:ext>
             </a:extLst>
           </p:cNvPr>
@@ -643,7 +645,7 @@
           <p:cNvPr id="5" name="页脚占位符 4">
             <a:extLst>
               <a:ext uri="{FF2B5EF4-FFF2-40B4-BE49-F238E27FC236}">
-                <a16:creationId xmlns:a16="http://schemas.microsoft.com/office/drawing/2014/main" xmlns="" id="{F31F78E5-F4F6-49F9-AA6F-3E11691323A5}"/>
+                <a16:creationId xmlns:a16="http://schemas.microsoft.com/office/drawing/2014/main" id="{F31F78E5-F4F6-49F9-AA6F-3E11691323A5}"/>
               </a:ext>
             </a:extLst>
           </p:cNvPr>
@@ -668,7 +670,7 @@
           <p:cNvPr id="6" name="灯片编号占位符 5">
             <a:extLst>
               <a:ext uri="{FF2B5EF4-FFF2-40B4-BE49-F238E27FC236}">
-                <a16:creationId xmlns:a16="http://schemas.microsoft.com/office/drawing/2014/main" xmlns="" id="{6B295491-755B-44C8-A182-63B66EF82147}"/>
+                <a16:creationId xmlns:a16="http://schemas.microsoft.com/office/drawing/2014/main" id="{6B295491-755B-44C8-A182-63B66EF82147}"/>
               </a:ext>
             </a:extLst>
           </p:cNvPr>
@@ -727,7 +729,7 @@
           <p:cNvPr id="2" name="标题 1">
             <a:extLst>
               <a:ext uri="{FF2B5EF4-FFF2-40B4-BE49-F238E27FC236}">
-                <a16:creationId xmlns:a16="http://schemas.microsoft.com/office/drawing/2014/main" xmlns="" id="{56D7D339-D707-433A-B968-074FE318802E}"/>
+                <a16:creationId xmlns:a16="http://schemas.microsoft.com/office/drawing/2014/main" id="{56D7D339-D707-433A-B968-074FE318802E}"/>
               </a:ext>
             </a:extLst>
           </p:cNvPr>
@@ -744,7 +746,7 @@
           <a:lstStyle/>
           <a:p>
             <a:r>
-              <a:rPr lang="zh-CN" altLang="en-US" smtClean="0"/>
+              <a:rPr lang="zh-CN" altLang="en-US"/>
               <a:t>单击此处编辑母版标题样式</a:t>
             </a:r>
             <a:endParaRPr lang="en-HK"/>
@@ -756,7 +758,7 @@
           <p:cNvPr id="3" name="竖排文字占位符 2">
             <a:extLst>
               <a:ext uri="{FF2B5EF4-FFF2-40B4-BE49-F238E27FC236}">
-                <a16:creationId xmlns:a16="http://schemas.microsoft.com/office/drawing/2014/main" xmlns="" id="{4BB12DB9-AC80-4A5C-B793-79B705E61005}"/>
+                <a16:creationId xmlns:a16="http://schemas.microsoft.com/office/drawing/2014/main" id="{4BB12DB9-AC80-4A5C-B793-79B705E61005}"/>
               </a:ext>
             </a:extLst>
           </p:cNvPr>
@@ -774,35 +776,35 @@
           <a:p>
             <a:pPr lvl="0"/>
             <a:r>
-              <a:rPr lang="zh-CN" altLang="en-US" smtClean="0"/>
+              <a:rPr lang="zh-CN" altLang="en-US"/>
               <a:t>单击此处编辑母版文本样式</a:t>
             </a:r>
           </a:p>
           <a:p>
             <a:pPr lvl="1"/>
             <a:r>
-              <a:rPr lang="zh-CN" altLang="en-US" smtClean="0"/>
+              <a:rPr lang="zh-CN" altLang="en-US"/>
               <a:t>二级</a:t>
             </a:r>
           </a:p>
           <a:p>
             <a:pPr lvl="2"/>
             <a:r>
-              <a:rPr lang="zh-CN" altLang="en-US" smtClean="0"/>
+              <a:rPr lang="zh-CN" altLang="en-US"/>
               <a:t>三级</a:t>
             </a:r>
           </a:p>
           <a:p>
             <a:pPr lvl="3"/>
             <a:r>
-              <a:rPr lang="zh-CN" altLang="en-US" smtClean="0"/>
+              <a:rPr lang="zh-CN" altLang="en-US"/>
               <a:t>四级</a:t>
             </a:r>
           </a:p>
           <a:p>
             <a:pPr lvl="4"/>
             <a:r>
-              <a:rPr lang="zh-CN" altLang="en-US" smtClean="0"/>
+              <a:rPr lang="zh-CN" altLang="en-US"/>
               <a:t>五级</a:t>
             </a:r>
             <a:endParaRPr lang="en-HK"/>
@@ -814,7 +816,7 @@
           <p:cNvPr id="4" name="日期占位符 3">
             <a:extLst>
               <a:ext uri="{FF2B5EF4-FFF2-40B4-BE49-F238E27FC236}">
-                <a16:creationId xmlns:a16="http://schemas.microsoft.com/office/drawing/2014/main" xmlns="" id="{0B1741DD-D5F5-4CBE-A2BF-88C83DE7B024}"/>
+                <a16:creationId xmlns:a16="http://schemas.microsoft.com/office/drawing/2014/main" id="{0B1741DD-D5F5-4CBE-A2BF-88C83DE7B024}"/>
               </a:ext>
             </a:extLst>
           </p:cNvPr>
@@ -843,7 +845,7 @@
           <p:cNvPr id="5" name="页脚占位符 4">
             <a:extLst>
               <a:ext uri="{FF2B5EF4-FFF2-40B4-BE49-F238E27FC236}">
-                <a16:creationId xmlns:a16="http://schemas.microsoft.com/office/drawing/2014/main" xmlns="" id="{AEB94EC6-71AB-4F3F-A721-CCCD9B1A95CE}"/>
+                <a16:creationId xmlns:a16="http://schemas.microsoft.com/office/drawing/2014/main" id="{AEB94EC6-71AB-4F3F-A721-CCCD9B1A95CE}"/>
               </a:ext>
             </a:extLst>
           </p:cNvPr>
@@ -868,7 +870,7 @@
           <p:cNvPr id="6" name="灯片编号占位符 5">
             <a:extLst>
               <a:ext uri="{FF2B5EF4-FFF2-40B4-BE49-F238E27FC236}">
-                <a16:creationId xmlns:a16="http://schemas.microsoft.com/office/drawing/2014/main" xmlns="" id="{2F05A9BA-FAAA-49BA-90A9-E224683B400B}"/>
+                <a16:creationId xmlns:a16="http://schemas.microsoft.com/office/drawing/2014/main" id="{2F05A9BA-FAAA-49BA-90A9-E224683B400B}"/>
               </a:ext>
             </a:extLst>
           </p:cNvPr>
@@ -927,7 +929,7 @@
           <p:cNvPr id="2" name="竖排标题 1">
             <a:extLst>
               <a:ext uri="{FF2B5EF4-FFF2-40B4-BE49-F238E27FC236}">
-                <a16:creationId xmlns:a16="http://schemas.microsoft.com/office/drawing/2014/main" xmlns="" id="{7D700267-B605-4157-B20B-40BBB7B74C7A}"/>
+                <a16:creationId xmlns:a16="http://schemas.microsoft.com/office/drawing/2014/main" id="{7D700267-B605-4157-B20B-40BBB7B74C7A}"/>
               </a:ext>
             </a:extLst>
           </p:cNvPr>
@@ -949,7 +951,7 @@
           <a:lstStyle/>
           <a:p>
             <a:r>
-              <a:rPr lang="zh-CN" altLang="en-US" smtClean="0"/>
+              <a:rPr lang="zh-CN" altLang="en-US"/>
               <a:t>单击此处编辑母版标题样式</a:t>
             </a:r>
             <a:endParaRPr lang="en-HK"/>
@@ -961,7 +963,7 @@
           <p:cNvPr id="3" name="竖排文字占位符 2">
             <a:extLst>
               <a:ext uri="{FF2B5EF4-FFF2-40B4-BE49-F238E27FC236}">
-                <a16:creationId xmlns:a16="http://schemas.microsoft.com/office/drawing/2014/main" xmlns="" id="{CC78DF51-DB4C-4372-8FDE-03E9CB8CF256}"/>
+                <a16:creationId xmlns:a16="http://schemas.microsoft.com/office/drawing/2014/main" id="{CC78DF51-DB4C-4372-8FDE-03E9CB8CF256}"/>
               </a:ext>
             </a:extLst>
           </p:cNvPr>
@@ -984,35 +986,35 @@
           <a:p>
             <a:pPr lvl="0"/>
             <a:r>
-              <a:rPr lang="zh-CN" altLang="en-US" smtClean="0"/>
+              <a:rPr lang="zh-CN" altLang="en-US"/>
               <a:t>单击此处编辑母版文本样式</a:t>
             </a:r>
           </a:p>
           <a:p>
             <a:pPr lvl="1"/>
             <a:r>
-              <a:rPr lang="zh-CN" altLang="en-US" smtClean="0"/>
+              <a:rPr lang="zh-CN" altLang="en-US"/>
               <a:t>二级</a:t>
             </a:r>
           </a:p>
           <a:p>
             <a:pPr lvl="2"/>
             <a:r>
-              <a:rPr lang="zh-CN" altLang="en-US" smtClean="0"/>
+              <a:rPr lang="zh-CN" altLang="en-US"/>
               <a:t>三级</a:t>
             </a:r>
           </a:p>
           <a:p>
             <a:pPr lvl="3"/>
             <a:r>
-              <a:rPr lang="zh-CN" altLang="en-US" smtClean="0"/>
+              <a:rPr lang="zh-CN" altLang="en-US"/>
               <a:t>四级</a:t>
             </a:r>
           </a:p>
           <a:p>
             <a:pPr lvl="4"/>
             <a:r>
-              <a:rPr lang="zh-CN" altLang="en-US" smtClean="0"/>
+              <a:rPr lang="zh-CN" altLang="en-US"/>
               <a:t>五级</a:t>
             </a:r>
             <a:endParaRPr lang="en-HK"/>
@@ -1024,7 +1026,7 @@
           <p:cNvPr id="4" name="日期占位符 3">
             <a:extLst>
               <a:ext uri="{FF2B5EF4-FFF2-40B4-BE49-F238E27FC236}">
-                <a16:creationId xmlns:a16="http://schemas.microsoft.com/office/drawing/2014/main" xmlns="" id="{40A55B68-32B1-47D6-9504-39D7BAA94703}"/>
+                <a16:creationId xmlns:a16="http://schemas.microsoft.com/office/drawing/2014/main" id="{40A55B68-32B1-47D6-9504-39D7BAA94703}"/>
               </a:ext>
             </a:extLst>
           </p:cNvPr>
@@ -1053,7 +1055,7 @@
           <p:cNvPr id="5" name="页脚占位符 4">
             <a:extLst>
               <a:ext uri="{FF2B5EF4-FFF2-40B4-BE49-F238E27FC236}">
-                <a16:creationId xmlns:a16="http://schemas.microsoft.com/office/drawing/2014/main" xmlns="" id="{4EE98774-A846-4775-9492-34882F2AED50}"/>
+                <a16:creationId xmlns:a16="http://schemas.microsoft.com/office/drawing/2014/main" id="{4EE98774-A846-4775-9492-34882F2AED50}"/>
               </a:ext>
             </a:extLst>
           </p:cNvPr>
@@ -1078,7 +1080,7 @@
           <p:cNvPr id="6" name="灯片编号占位符 5">
             <a:extLst>
               <a:ext uri="{FF2B5EF4-FFF2-40B4-BE49-F238E27FC236}">
-                <a16:creationId xmlns:a16="http://schemas.microsoft.com/office/drawing/2014/main" xmlns="" id="{7577D9AD-0D4D-412F-8E91-B6723ED2A074}"/>
+                <a16:creationId xmlns:a16="http://schemas.microsoft.com/office/drawing/2014/main" id="{7577D9AD-0D4D-412F-8E91-B6723ED2A074}"/>
               </a:ext>
             </a:extLst>
           </p:cNvPr>
@@ -1137,7 +1139,7 @@
           <p:cNvPr id="2" name="标题 1">
             <a:extLst>
               <a:ext uri="{FF2B5EF4-FFF2-40B4-BE49-F238E27FC236}">
-                <a16:creationId xmlns:a16="http://schemas.microsoft.com/office/drawing/2014/main" xmlns="" id="{53DE86E6-24B9-42C0-A724-6C0F47F6B303}"/>
+                <a16:creationId xmlns:a16="http://schemas.microsoft.com/office/drawing/2014/main" id="{53DE86E6-24B9-42C0-A724-6C0F47F6B303}"/>
               </a:ext>
             </a:extLst>
           </p:cNvPr>
@@ -1154,7 +1156,7 @@
           <a:lstStyle/>
           <a:p>
             <a:r>
-              <a:rPr lang="zh-CN" altLang="en-US" smtClean="0"/>
+              <a:rPr lang="zh-CN" altLang="en-US"/>
               <a:t>单击此处编辑母版标题样式</a:t>
             </a:r>
             <a:endParaRPr lang="en-HK"/>
@@ -1166,7 +1168,7 @@
           <p:cNvPr id="3" name="内容占位符 2">
             <a:extLst>
               <a:ext uri="{FF2B5EF4-FFF2-40B4-BE49-F238E27FC236}">
-                <a16:creationId xmlns:a16="http://schemas.microsoft.com/office/drawing/2014/main" xmlns="" id="{22C670AB-6FAF-4D48-BBA7-E09EF676E477}"/>
+                <a16:creationId xmlns:a16="http://schemas.microsoft.com/office/drawing/2014/main" id="{22C670AB-6FAF-4D48-BBA7-E09EF676E477}"/>
               </a:ext>
             </a:extLst>
           </p:cNvPr>
@@ -1184,35 +1186,35 @@
           <a:p>
             <a:pPr lvl="0"/>
             <a:r>
-              <a:rPr lang="zh-CN" altLang="en-US" smtClean="0"/>
+              <a:rPr lang="zh-CN" altLang="en-US"/>
               <a:t>单击此处编辑母版文本样式</a:t>
             </a:r>
           </a:p>
           <a:p>
             <a:pPr lvl="1"/>
             <a:r>
-              <a:rPr lang="zh-CN" altLang="en-US" smtClean="0"/>
+              <a:rPr lang="zh-CN" altLang="en-US"/>
               <a:t>二级</a:t>
             </a:r>
           </a:p>
           <a:p>
             <a:pPr lvl="2"/>
             <a:r>
-              <a:rPr lang="zh-CN" altLang="en-US" smtClean="0"/>
+              <a:rPr lang="zh-CN" altLang="en-US"/>
               <a:t>三级</a:t>
             </a:r>
           </a:p>
           <a:p>
             <a:pPr lvl="3"/>
             <a:r>
-              <a:rPr lang="zh-CN" altLang="en-US" smtClean="0"/>
+              <a:rPr lang="zh-CN" altLang="en-US"/>
               <a:t>四级</a:t>
             </a:r>
           </a:p>
           <a:p>
             <a:pPr lvl="4"/>
             <a:r>
-              <a:rPr lang="zh-CN" altLang="en-US" smtClean="0"/>
+              <a:rPr lang="zh-CN" altLang="en-US"/>
               <a:t>五级</a:t>
             </a:r>
             <a:endParaRPr lang="en-HK"/>
@@ -1224,7 +1226,7 @@
           <p:cNvPr id="4" name="日期占位符 3">
             <a:extLst>
               <a:ext uri="{FF2B5EF4-FFF2-40B4-BE49-F238E27FC236}">
-                <a16:creationId xmlns:a16="http://schemas.microsoft.com/office/drawing/2014/main" xmlns="" id="{F2AD0F8C-0BAF-4F6D-BF74-D61D7A527CDC}"/>
+                <a16:creationId xmlns:a16="http://schemas.microsoft.com/office/drawing/2014/main" id="{F2AD0F8C-0BAF-4F6D-BF74-D61D7A527CDC}"/>
               </a:ext>
             </a:extLst>
           </p:cNvPr>
@@ -1253,7 +1255,7 @@
           <p:cNvPr id="5" name="页脚占位符 4">
             <a:extLst>
               <a:ext uri="{FF2B5EF4-FFF2-40B4-BE49-F238E27FC236}">
-                <a16:creationId xmlns:a16="http://schemas.microsoft.com/office/drawing/2014/main" xmlns="" id="{3740D7B1-76CD-4A59-AADE-7D1AC8F89D96}"/>
+                <a16:creationId xmlns:a16="http://schemas.microsoft.com/office/drawing/2014/main" id="{3740D7B1-76CD-4A59-AADE-7D1AC8F89D96}"/>
               </a:ext>
             </a:extLst>
           </p:cNvPr>
@@ -1278,7 +1280,7 @@
           <p:cNvPr id="6" name="灯片编号占位符 5">
             <a:extLst>
               <a:ext uri="{FF2B5EF4-FFF2-40B4-BE49-F238E27FC236}">
-                <a16:creationId xmlns:a16="http://schemas.microsoft.com/office/drawing/2014/main" xmlns="" id="{B8E2BDD7-B7C8-46C3-BE21-494E97077123}"/>
+                <a16:creationId xmlns:a16="http://schemas.microsoft.com/office/drawing/2014/main" id="{B8E2BDD7-B7C8-46C3-BE21-494E97077123}"/>
               </a:ext>
             </a:extLst>
           </p:cNvPr>
@@ -1337,7 +1339,7 @@
           <p:cNvPr id="2" name="标题 1">
             <a:extLst>
               <a:ext uri="{FF2B5EF4-FFF2-40B4-BE49-F238E27FC236}">
-                <a16:creationId xmlns:a16="http://schemas.microsoft.com/office/drawing/2014/main" xmlns="" id="{EF630EB9-240A-468D-82D0-1DD6B136C24E}"/>
+                <a16:creationId xmlns:a16="http://schemas.microsoft.com/office/drawing/2014/main" id="{EF630EB9-240A-468D-82D0-1DD6B136C24E}"/>
               </a:ext>
             </a:extLst>
           </p:cNvPr>
@@ -1363,7 +1365,7 @@
           </a:lstStyle>
           <a:p>
             <a:r>
-              <a:rPr lang="zh-CN" altLang="en-US" smtClean="0"/>
+              <a:rPr lang="zh-CN" altLang="en-US"/>
               <a:t>单击此处编辑母版标题样式</a:t>
             </a:r>
             <a:endParaRPr lang="en-HK"/>
@@ -1375,7 +1377,7 @@
           <p:cNvPr id="3" name="文本占位符 2">
             <a:extLst>
               <a:ext uri="{FF2B5EF4-FFF2-40B4-BE49-F238E27FC236}">
-                <a16:creationId xmlns:a16="http://schemas.microsoft.com/office/drawing/2014/main" xmlns="" id="{07225E28-68D6-4F8E-B9FC-3BBE22C048A6}"/>
+                <a16:creationId xmlns:a16="http://schemas.microsoft.com/office/drawing/2014/main" id="{07225E28-68D6-4F8E-B9FC-3BBE22C048A6}"/>
               </a:ext>
             </a:extLst>
           </p:cNvPr>
@@ -1489,7 +1491,7 @@
           <a:p>
             <a:pPr lvl="0"/>
             <a:r>
-              <a:rPr lang="zh-CN" altLang="en-US" smtClean="0"/>
+              <a:rPr lang="zh-CN" altLang="en-US"/>
               <a:t>单击此处编辑母版文本样式</a:t>
             </a:r>
           </a:p>
@@ -1500,7 +1502,7 @@
           <p:cNvPr id="4" name="日期占位符 3">
             <a:extLst>
               <a:ext uri="{FF2B5EF4-FFF2-40B4-BE49-F238E27FC236}">
-                <a16:creationId xmlns:a16="http://schemas.microsoft.com/office/drawing/2014/main" xmlns="" id="{4F640468-40A7-4808-8CA9-B298F03BB54A}"/>
+                <a16:creationId xmlns:a16="http://schemas.microsoft.com/office/drawing/2014/main" id="{4F640468-40A7-4808-8CA9-B298F03BB54A}"/>
               </a:ext>
             </a:extLst>
           </p:cNvPr>
@@ -1529,7 +1531,7 @@
           <p:cNvPr id="5" name="页脚占位符 4">
             <a:extLst>
               <a:ext uri="{FF2B5EF4-FFF2-40B4-BE49-F238E27FC236}">
-                <a16:creationId xmlns:a16="http://schemas.microsoft.com/office/drawing/2014/main" xmlns="" id="{32319A1F-D48D-4433-880F-65EE12329F3C}"/>
+                <a16:creationId xmlns:a16="http://schemas.microsoft.com/office/drawing/2014/main" id="{32319A1F-D48D-4433-880F-65EE12329F3C}"/>
               </a:ext>
             </a:extLst>
           </p:cNvPr>
@@ -1554,7 +1556,7 @@
           <p:cNvPr id="6" name="灯片编号占位符 5">
             <a:extLst>
               <a:ext uri="{FF2B5EF4-FFF2-40B4-BE49-F238E27FC236}">
-                <a16:creationId xmlns:a16="http://schemas.microsoft.com/office/drawing/2014/main" xmlns="" id="{856A12AF-D448-4A9A-8CAD-8396CA2708B4}"/>
+                <a16:creationId xmlns:a16="http://schemas.microsoft.com/office/drawing/2014/main" id="{856A12AF-D448-4A9A-8CAD-8396CA2708B4}"/>
               </a:ext>
             </a:extLst>
           </p:cNvPr>
@@ -1613,7 +1615,7 @@
           <p:cNvPr id="2" name="标题 1">
             <a:extLst>
               <a:ext uri="{FF2B5EF4-FFF2-40B4-BE49-F238E27FC236}">
-                <a16:creationId xmlns:a16="http://schemas.microsoft.com/office/drawing/2014/main" xmlns="" id="{515DC4D6-AF79-4CC5-818E-233E0780847C}"/>
+                <a16:creationId xmlns:a16="http://schemas.microsoft.com/office/drawing/2014/main" id="{515DC4D6-AF79-4CC5-818E-233E0780847C}"/>
               </a:ext>
             </a:extLst>
           </p:cNvPr>
@@ -1630,7 +1632,7 @@
           <a:lstStyle/>
           <a:p>
             <a:r>
-              <a:rPr lang="zh-CN" altLang="en-US" smtClean="0"/>
+              <a:rPr lang="zh-CN" altLang="en-US"/>
               <a:t>单击此处编辑母版标题样式</a:t>
             </a:r>
             <a:endParaRPr lang="en-HK"/>
@@ -1642,7 +1644,7 @@
           <p:cNvPr id="3" name="内容占位符 2">
             <a:extLst>
               <a:ext uri="{FF2B5EF4-FFF2-40B4-BE49-F238E27FC236}">
-                <a16:creationId xmlns:a16="http://schemas.microsoft.com/office/drawing/2014/main" xmlns="" id="{D9F89AAD-8911-43B4-88EB-A3ED27F046EC}"/>
+                <a16:creationId xmlns:a16="http://schemas.microsoft.com/office/drawing/2014/main" id="{D9F89AAD-8911-43B4-88EB-A3ED27F046EC}"/>
               </a:ext>
             </a:extLst>
           </p:cNvPr>
@@ -1665,35 +1667,35 @@
           <a:p>
             <a:pPr lvl="0"/>
             <a:r>
-              <a:rPr lang="zh-CN" altLang="en-US" smtClean="0"/>
+              <a:rPr lang="zh-CN" altLang="en-US"/>
               <a:t>单击此处编辑母版文本样式</a:t>
             </a:r>
           </a:p>
           <a:p>
             <a:pPr lvl="1"/>
             <a:r>
-              <a:rPr lang="zh-CN" altLang="en-US" smtClean="0"/>
+              <a:rPr lang="zh-CN" altLang="en-US"/>
               <a:t>二级</a:t>
             </a:r>
           </a:p>
           <a:p>
             <a:pPr lvl="2"/>
             <a:r>
-              <a:rPr lang="zh-CN" altLang="en-US" smtClean="0"/>
+              <a:rPr lang="zh-CN" altLang="en-US"/>
               <a:t>三级</a:t>
             </a:r>
           </a:p>
           <a:p>
             <a:pPr lvl="3"/>
             <a:r>
-              <a:rPr lang="zh-CN" altLang="en-US" smtClean="0"/>
+              <a:rPr lang="zh-CN" altLang="en-US"/>
               <a:t>四级</a:t>
             </a:r>
           </a:p>
           <a:p>
             <a:pPr lvl="4"/>
             <a:r>
-              <a:rPr lang="zh-CN" altLang="en-US" smtClean="0"/>
+              <a:rPr lang="zh-CN" altLang="en-US"/>
               <a:t>五级</a:t>
             </a:r>
             <a:endParaRPr lang="en-HK"/>
@@ -1705,7 +1707,7 @@
           <p:cNvPr id="4" name="内容占位符 3">
             <a:extLst>
               <a:ext uri="{FF2B5EF4-FFF2-40B4-BE49-F238E27FC236}">
-                <a16:creationId xmlns:a16="http://schemas.microsoft.com/office/drawing/2014/main" xmlns="" id="{7DDED95B-9D7D-41BB-8267-4560C66467CA}"/>
+                <a16:creationId xmlns:a16="http://schemas.microsoft.com/office/drawing/2014/main" id="{7DDED95B-9D7D-41BB-8267-4560C66467CA}"/>
               </a:ext>
             </a:extLst>
           </p:cNvPr>
@@ -1728,35 +1730,35 @@
           <a:p>
             <a:pPr lvl="0"/>
             <a:r>
-              <a:rPr lang="zh-CN" altLang="en-US" smtClean="0"/>
+              <a:rPr lang="zh-CN" altLang="en-US"/>
               <a:t>单击此处编辑母版文本样式</a:t>
             </a:r>
           </a:p>
           <a:p>
             <a:pPr lvl="1"/>
             <a:r>
-              <a:rPr lang="zh-CN" altLang="en-US" smtClean="0"/>
+              <a:rPr lang="zh-CN" altLang="en-US"/>
               <a:t>二级</a:t>
             </a:r>
           </a:p>
           <a:p>
             <a:pPr lvl="2"/>
             <a:r>
-              <a:rPr lang="zh-CN" altLang="en-US" smtClean="0"/>
+              <a:rPr lang="zh-CN" altLang="en-US"/>
               <a:t>三级</a:t>
             </a:r>
           </a:p>
           <a:p>
             <a:pPr lvl="3"/>
             <a:r>
-              <a:rPr lang="zh-CN" altLang="en-US" smtClean="0"/>
+              <a:rPr lang="zh-CN" altLang="en-US"/>
               <a:t>四级</a:t>
             </a:r>
           </a:p>
           <a:p>
             <a:pPr lvl="4"/>
             <a:r>
-              <a:rPr lang="zh-CN" altLang="en-US" smtClean="0"/>
+              <a:rPr lang="zh-CN" altLang="en-US"/>
               <a:t>五级</a:t>
             </a:r>
             <a:endParaRPr lang="en-HK"/>
@@ -1768,7 +1770,7 @@
           <p:cNvPr id="5" name="日期占位符 4">
             <a:extLst>
               <a:ext uri="{FF2B5EF4-FFF2-40B4-BE49-F238E27FC236}">
-                <a16:creationId xmlns:a16="http://schemas.microsoft.com/office/drawing/2014/main" xmlns="" id="{CB302EFD-77A2-48D2-82EC-F0C843524A55}"/>
+                <a16:creationId xmlns:a16="http://schemas.microsoft.com/office/drawing/2014/main" id="{CB302EFD-77A2-48D2-82EC-F0C843524A55}"/>
               </a:ext>
             </a:extLst>
           </p:cNvPr>
@@ -1797,7 +1799,7 @@
           <p:cNvPr id="6" name="页脚占位符 5">
             <a:extLst>
               <a:ext uri="{FF2B5EF4-FFF2-40B4-BE49-F238E27FC236}">
-                <a16:creationId xmlns:a16="http://schemas.microsoft.com/office/drawing/2014/main" xmlns="" id="{94972DB4-6292-42C8-AF5E-4B0766E69570}"/>
+                <a16:creationId xmlns:a16="http://schemas.microsoft.com/office/drawing/2014/main" id="{94972DB4-6292-42C8-AF5E-4B0766E69570}"/>
               </a:ext>
             </a:extLst>
           </p:cNvPr>
@@ -1822,7 +1824,7 @@
           <p:cNvPr id="7" name="灯片编号占位符 6">
             <a:extLst>
               <a:ext uri="{FF2B5EF4-FFF2-40B4-BE49-F238E27FC236}">
-                <a16:creationId xmlns:a16="http://schemas.microsoft.com/office/drawing/2014/main" xmlns="" id="{BF6BF759-0BC0-4680-A75E-C9B899043F1A}"/>
+                <a16:creationId xmlns:a16="http://schemas.microsoft.com/office/drawing/2014/main" id="{BF6BF759-0BC0-4680-A75E-C9B899043F1A}"/>
               </a:ext>
             </a:extLst>
           </p:cNvPr>
@@ -1881,7 +1883,7 @@
           <p:cNvPr id="2" name="标题 1">
             <a:extLst>
               <a:ext uri="{FF2B5EF4-FFF2-40B4-BE49-F238E27FC236}">
-                <a16:creationId xmlns:a16="http://schemas.microsoft.com/office/drawing/2014/main" xmlns="" id="{0037F786-8235-4C23-8AA5-8A373C59BC0E}"/>
+                <a16:creationId xmlns:a16="http://schemas.microsoft.com/office/drawing/2014/main" id="{0037F786-8235-4C23-8AA5-8A373C59BC0E}"/>
               </a:ext>
             </a:extLst>
           </p:cNvPr>
@@ -1903,7 +1905,7 @@
           <a:lstStyle/>
           <a:p>
             <a:r>
-              <a:rPr lang="zh-CN" altLang="en-US" smtClean="0"/>
+              <a:rPr lang="zh-CN" altLang="en-US"/>
               <a:t>单击此处编辑母版标题样式</a:t>
             </a:r>
             <a:endParaRPr lang="en-HK"/>
@@ -1915,7 +1917,7 @@
           <p:cNvPr id="3" name="文本占位符 2">
             <a:extLst>
               <a:ext uri="{FF2B5EF4-FFF2-40B4-BE49-F238E27FC236}">
-                <a16:creationId xmlns:a16="http://schemas.microsoft.com/office/drawing/2014/main" xmlns="" id="{358D6110-38BD-46ED-A13F-18BA26C948D5}"/>
+                <a16:creationId xmlns:a16="http://schemas.microsoft.com/office/drawing/2014/main" id="{358D6110-38BD-46ED-A13F-18BA26C948D5}"/>
               </a:ext>
             </a:extLst>
           </p:cNvPr>
@@ -1975,7 +1977,7 @@
           <a:p>
             <a:pPr lvl="0"/>
             <a:r>
-              <a:rPr lang="zh-CN" altLang="en-US" smtClean="0"/>
+              <a:rPr lang="zh-CN" altLang="en-US"/>
               <a:t>单击此处编辑母版文本样式</a:t>
             </a:r>
           </a:p>
@@ -1986,7 +1988,7 @@
           <p:cNvPr id="4" name="内容占位符 3">
             <a:extLst>
               <a:ext uri="{FF2B5EF4-FFF2-40B4-BE49-F238E27FC236}">
-                <a16:creationId xmlns:a16="http://schemas.microsoft.com/office/drawing/2014/main" xmlns="" id="{28965AA4-5D4A-4070-85D0-0675BF4CB7D3}"/>
+                <a16:creationId xmlns:a16="http://schemas.microsoft.com/office/drawing/2014/main" id="{28965AA4-5D4A-4070-85D0-0675BF4CB7D3}"/>
               </a:ext>
             </a:extLst>
           </p:cNvPr>
@@ -2009,35 +2011,35 @@
           <a:p>
             <a:pPr lvl="0"/>
             <a:r>
-              <a:rPr lang="zh-CN" altLang="en-US" smtClean="0"/>
+              <a:rPr lang="zh-CN" altLang="en-US"/>
               <a:t>单击此处编辑母版文本样式</a:t>
             </a:r>
           </a:p>
           <a:p>
             <a:pPr lvl="1"/>
             <a:r>
-              <a:rPr lang="zh-CN" altLang="en-US" smtClean="0"/>
+              <a:rPr lang="zh-CN" altLang="en-US"/>
               <a:t>二级</a:t>
             </a:r>
           </a:p>
           <a:p>
             <a:pPr lvl="2"/>
             <a:r>
-              <a:rPr lang="zh-CN" altLang="en-US" smtClean="0"/>
+              <a:rPr lang="zh-CN" altLang="en-US"/>
               <a:t>三级</a:t>
             </a:r>
           </a:p>
           <a:p>
             <a:pPr lvl="3"/>
             <a:r>
-              <a:rPr lang="zh-CN" altLang="en-US" smtClean="0"/>
+              <a:rPr lang="zh-CN" altLang="en-US"/>
               <a:t>四级</a:t>
             </a:r>
           </a:p>
           <a:p>
             <a:pPr lvl="4"/>
             <a:r>
-              <a:rPr lang="zh-CN" altLang="en-US" smtClean="0"/>
+              <a:rPr lang="zh-CN" altLang="en-US"/>
               <a:t>五级</a:t>
             </a:r>
             <a:endParaRPr lang="en-HK"/>
@@ -2049,7 +2051,7 @@
           <p:cNvPr id="5" name="文本占位符 4">
             <a:extLst>
               <a:ext uri="{FF2B5EF4-FFF2-40B4-BE49-F238E27FC236}">
-                <a16:creationId xmlns:a16="http://schemas.microsoft.com/office/drawing/2014/main" xmlns="" id="{CA713767-1A81-4611-A956-3FCEE64B093B}"/>
+                <a16:creationId xmlns:a16="http://schemas.microsoft.com/office/drawing/2014/main" id="{CA713767-1A81-4611-A956-3FCEE64B093B}"/>
               </a:ext>
             </a:extLst>
           </p:cNvPr>
@@ -2109,7 +2111,7 @@
           <a:p>
             <a:pPr lvl="0"/>
             <a:r>
-              <a:rPr lang="zh-CN" altLang="en-US" smtClean="0"/>
+              <a:rPr lang="zh-CN" altLang="en-US"/>
               <a:t>单击此处编辑母版文本样式</a:t>
             </a:r>
           </a:p>
@@ -2120,7 +2122,7 @@
           <p:cNvPr id="6" name="内容占位符 5">
             <a:extLst>
               <a:ext uri="{FF2B5EF4-FFF2-40B4-BE49-F238E27FC236}">
-                <a16:creationId xmlns:a16="http://schemas.microsoft.com/office/drawing/2014/main" xmlns="" id="{C9E718FC-344C-4CC7-9C8B-02ABD6B4548B}"/>
+                <a16:creationId xmlns:a16="http://schemas.microsoft.com/office/drawing/2014/main" id="{C9E718FC-344C-4CC7-9C8B-02ABD6B4548B}"/>
               </a:ext>
             </a:extLst>
           </p:cNvPr>
@@ -2143,35 +2145,35 @@
           <a:p>
             <a:pPr lvl="0"/>
             <a:r>
-              <a:rPr lang="zh-CN" altLang="en-US" smtClean="0"/>
+              <a:rPr lang="zh-CN" altLang="en-US"/>
               <a:t>单击此处编辑母版文本样式</a:t>
             </a:r>
           </a:p>
           <a:p>
             <a:pPr lvl="1"/>
             <a:r>
-              <a:rPr lang="zh-CN" altLang="en-US" smtClean="0"/>
+              <a:rPr lang="zh-CN" altLang="en-US"/>
               <a:t>二级</a:t>
             </a:r>
           </a:p>
           <a:p>
             <a:pPr lvl="2"/>
             <a:r>
-              <a:rPr lang="zh-CN" altLang="en-US" smtClean="0"/>
+              <a:rPr lang="zh-CN" altLang="en-US"/>
               <a:t>三级</a:t>
             </a:r>
           </a:p>
           <a:p>
             <a:pPr lvl="3"/>
             <a:r>
-              <a:rPr lang="zh-CN" altLang="en-US" smtClean="0"/>
+              <a:rPr lang="zh-CN" altLang="en-US"/>
               <a:t>四级</a:t>
             </a:r>
           </a:p>
           <a:p>
             <a:pPr lvl="4"/>
             <a:r>
-              <a:rPr lang="zh-CN" altLang="en-US" smtClean="0"/>
+              <a:rPr lang="zh-CN" altLang="en-US"/>
               <a:t>五级</a:t>
             </a:r>
             <a:endParaRPr lang="en-HK"/>
@@ -2183,7 +2185,7 @@
           <p:cNvPr id="7" name="日期占位符 6">
             <a:extLst>
               <a:ext uri="{FF2B5EF4-FFF2-40B4-BE49-F238E27FC236}">
-                <a16:creationId xmlns:a16="http://schemas.microsoft.com/office/drawing/2014/main" xmlns="" id="{5A4B984F-7B00-4417-B6AB-3AEC84B46576}"/>
+                <a16:creationId xmlns:a16="http://schemas.microsoft.com/office/drawing/2014/main" id="{5A4B984F-7B00-4417-B6AB-3AEC84B46576}"/>
               </a:ext>
             </a:extLst>
           </p:cNvPr>
@@ -2212,7 +2214,7 @@
           <p:cNvPr id="8" name="页脚占位符 7">
             <a:extLst>
               <a:ext uri="{FF2B5EF4-FFF2-40B4-BE49-F238E27FC236}">
-                <a16:creationId xmlns:a16="http://schemas.microsoft.com/office/drawing/2014/main" xmlns="" id="{C43A7609-754C-4D13-86FC-D90FA492F9F0}"/>
+                <a16:creationId xmlns:a16="http://schemas.microsoft.com/office/drawing/2014/main" id="{C43A7609-754C-4D13-86FC-D90FA492F9F0}"/>
               </a:ext>
             </a:extLst>
           </p:cNvPr>
@@ -2237,7 +2239,7 @@
           <p:cNvPr id="9" name="灯片编号占位符 8">
             <a:extLst>
               <a:ext uri="{FF2B5EF4-FFF2-40B4-BE49-F238E27FC236}">
-                <a16:creationId xmlns:a16="http://schemas.microsoft.com/office/drawing/2014/main" xmlns="" id="{AD3E7907-9201-4055-98E7-D83E4E72AB71}"/>
+                <a16:creationId xmlns:a16="http://schemas.microsoft.com/office/drawing/2014/main" id="{AD3E7907-9201-4055-98E7-D83E4E72AB71}"/>
               </a:ext>
             </a:extLst>
           </p:cNvPr>
@@ -2296,7 +2298,7 @@
           <p:cNvPr id="2" name="标题 1">
             <a:extLst>
               <a:ext uri="{FF2B5EF4-FFF2-40B4-BE49-F238E27FC236}">
-                <a16:creationId xmlns:a16="http://schemas.microsoft.com/office/drawing/2014/main" xmlns="" id="{4F2BF22C-BF6A-4712-9FA6-6D394A343628}"/>
+                <a16:creationId xmlns:a16="http://schemas.microsoft.com/office/drawing/2014/main" id="{4F2BF22C-BF6A-4712-9FA6-6D394A343628}"/>
               </a:ext>
             </a:extLst>
           </p:cNvPr>
@@ -2313,7 +2315,7 @@
           <a:lstStyle/>
           <a:p>
             <a:r>
-              <a:rPr lang="zh-CN" altLang="en-US" smtClean="0"/>
+              <a:rPr lang="zh-CN" altLang="en-US"/>
               <a:t>单击此处编辑母版标题样式</a:t>
             </a:r>
             <a:endParaRPr lang="en-HK"/>
@@ -2325,7 +2327,7 @@
           <p:cNvPr id="3" name="日期占位符 2">
             <a:extLst>
               <a:ext uri="{FF2B5EF4-FFF2-40B4-BE49-F238E27FC236}">
-                <a16:creationId xmlns:a16="http://schemas.microsoft.com/office/drawing/2014/main" xmlns="" id="{DB0AEA36-5DE6-45B7-8297-10BADF3EB89A}"/>
+                <a16:creationId xmlns:a16="http://schemas.microsoft.com/office/drawing/2014/main" id="{DB0AEA36-5DE6-45B7-8297-10BADF3EB89A}"/>
               </a:ext>
             </a:extLst>
           </p:cNvPr>
@@ -2354,7 +2356,7 @@
           <p:cNvPr id="4" name="页脚占位符 3">
             <a:extLst>
               <a:ext uri="{FF2B5EF4-FFF2-40B4-BE49-F238E27FC236}">
-                <a16:creationId xmlns:a16="http://schemas.microsoft.com/office/drawing/2014/main" xmlns="" id="{5F4880B7-27C4-43AC-8ED4-B106EF2FBBAB}"/>
+                <a16:creationId xmlns:a16="http://schemas.microsoft.com/office/drawing/2014/main" id="{5F4880B7-27C4-43AC-8ED4-B106EF2FBBAB}"/>
               </a:ext>
             </a:extLst>
           </p:cNvPr>
@@ -2379,7 +2381,7 @@
           <p:cNvPr id="5" name="灯片编号占位符 4">
             <a:extLst>
               <a:ext uri="{FF2B5EF4-FFF2-40B4-BE49-F238E27FC236}">
-                <a16:creationId xmlns:a16="http://schemas.microsoft.com/office/drawing/2014/main" xmlns="" id="{8E2732FF-00BC-4316-8E76-94F48AE49FCC}"/>
+                <a16:creationId xmlns:a16="http://schemas.microsoft.com/office/drawing/2014/main" id="{8E2732FF-00BC-4316-8E76-94F48AE49FCC}"/>
               </a:ext>
             </a:extLst>
           </p:cNvPr>
@@ -2438,7 +2440,7 @@
           <p:cNvPr id="2" name="日期占位符 1">
             <a:extLst>
               <a:ext uri="{FF2B5EF4-FFF2-40B4-BE49-F238E27FC236}">
-                <a16:creationId xmlns:a16="http://schemas.microsoft.com/office/drawing/2014/main" xmlns="" id="{19E699B1-7FF0-4C6C-A56F-9C25C73907C4}"/>
+                <a16:creationId xmlns:a16="http://schemas.microsoft.com/office/drawing/2014/main" id="{19E699B1-7FF0-4C6C-A56F-9C25C73907C4}"/>
               </a:ext>
             </a:extLst>
           </p:cNvPr>
@@ -2467,7 +2469,7 @@
           <p:cNvPr id="3" name="页脚占位符 2">
             <a:extLst>
               <a:ext uri="{FF2B5EF4-FFF2-40B4-BE49-F238E27FC236}">
-                <a16:creationId xmlns:a16="http://schemas.microsoft.com/office/drawing/2014/main" xmlns="" id="{11579AD8-4AA9-43EE-AE9D-7E393458C81C}"/>
+                <a16:creationId xmlns:a16="http://schemas.microsoft.com/office/drawing/2014/main" id="{11579AD8-4AA9-43EE-AE9D-7E393458C81C}"/>
               </a:ext>
             </a:extLst>
           </p:cNvPr>
@@ -2492,7 +2494,7 @@
           <p:cNvPr id="4" name="灯片编号占位符 3">
             <a:extLst>
               <a:ext uri="{FF2B5EF4-FFF2-40B4-BE49-F238E27FC236}">
-                <a16:creationId xmlns:a16="http://schemas.microsoft.com/office/drawing/2014/main" xmlns="" id="{3B433511-75E1-4490-99BB-998C0E5C0067}"/>
+                <a16:creationId xmlns:a16="http://schemas.microsoft.com/office/drawing/2014/main" id="{3B433511-75E1-4490-99BB-998C0E5C0067}"/>
               </a:ext>
             </a:extLst>
           </p:cNvPr>
@@ -2551,7 +2553,7 @@
           <p:cNvPr id="2" name="标题 1">
             <a:extLst>
               <a:ext uri="{FF2B5EF4-FFF2-40B4-BE49-F238E27FC236}">
-                <a16:creationId xmlns:a16="http://schemas.microsoft.com/office/drawing/2014/main" xmlns="" id="{6F9D324F-8DB9-46BA-BC33-99BCBD290ACD}"/>
+                <a16:creationId xmlns:a16="http://schemas.microsoft.com/office/drawing/2014/main" id="{6F9D324F-8DB9-46BA-BC33-99BCBD290ACD}"/>
               </a:ext>
             </a:extLst>
           </p:cNvPr>
@@ -2577,7 +2579,7 @@
           </a:lstStyle>
           <a:p>
             <a:r>
-              <a:rPr lang="zh-CN" altLang="en-US" smtClean="0"/>
+              <a:rPr lang="zh-CN" altLang="en-US"/>
               <a:t>单击此处编辑母版标题样式</a:t>
             </a:r>
             <a:endParaRPr lang="en-HK"/>
@@ -2589,7 +2591,7 @@
           <p:cNvPr id="3" name="内容占位符 2">
             <a:extLst>
               <a:ext uri="{FF2B5EF4-FFF2-40B4-BE49-F238E27FC236}">
-                <a16:creationId xmlns:a16="http://schemas.microsoft.com/office/drawing/2014/main" xmlns="" id="{D4889D60-CCDE-4B53-BB02-CE859A53DCC5}"/>
+                <a16:creationId xmlns:a16="http://schemas.microsoft.com/office/drawing/2014/main" id="{D4889D60-CCDE-4B53-BB02-CE859A53DCC5}"/>
               </a:ext>
             </a:extLst>
           </p:cNvPr>
@@ -2640,35 +2642,35 @@
           <a:p>
             <a:pPr lvl="0"/>
             <a:r>
-              <a:rPr lang="zh-CN" altLang="en-US" smtClean="0"/>
+              <a:rPr lang="zh-CN" altLang="en-US"/>
               <a:t>单击此处编辑母版文本样式</a:t>
             </a:r>
           </a:p>
           <a:p>
             <a:pPr lvl="1"/>
             <a:r>
-              <a:rPr lang="zh-CN" altLang="en-US" smtClean="0"/>
+              <a:rPr lang="zh-CN" altLang="en-US"/>
               <a:t>二级</a:t>
             </a:r>
           </a:p>
           <a:p>
             <a:pPr lvl="2"/>
             <a:r>
-              <a:rPr lang="zh-CN" altLang="en-US" smtClean="0"/>
+              <a:rPr lang="zh-CN" altLang="en-US"/>
               <a:t>三级</a:t>
             </a:r>
           </a:p>
           <a:p>
             <a:pPr lvl="3"/>
             <a:r>
-              <a:rPr lang="zh-CN" altLang="en-US" smtClean="0"/>
+              <a:rPr lang="zh-CN" altLang="en-US"/>
               <a:t>四级</a:t>
             </a:r>
           </a:p>
           <a:p>
             <a:pPr lvl="4"/>
             <a:r>
-              <a:rPr lang="zh-CN" altLang="en-US" smtClean="0"/>
+              <a:rPr lang="zh-CN" altLang="en-US"/>
               <a:t>五级</a:t>
             </a:r>
             <a:endParaRPr lang="en-HK"/>
@@ -2680,7 +2682,7 @@
           <p:cNvPr id="4" name="文本占位符 3">
             <a:extLst>
               <a:ext uri="{FF2B5EF4-FFF2-40B4-BE49-F238E27FC236}">
-                <a16:creationId xmlns:a16="http://schemas.microsoft.com/office/drawing/2014/main" xmlns="" id="{57123F21-C1C7-4646-9D8A-B946ECD8F544}"/>
+                <a16:creationId xmlns:a16="http://schemas.microsoft.com/office/drawing/2014/main" id="{57123F21-C1C7-4646-9D8A-B946ECD8F544}"/>
               </a:ext>
             </a:extLst>
           </p:cNvPr>
@@ -2740,7 +2742,7 @@
           <a:p>
             <a:pPr lvl="0"/>
             <a:r>
-              <a:rPr lang="zh-CN" altLang="en-US" smtClean="0"/>
+              <a:rPr lang="zh-CN" altLang="en-US"/>
               <a:t>单击此处编辑母版文本样式</a:t>
             </a:r>
           </a:p>
@@ -2751,7 +2753,7 @@
           <p:cNvPr id="5" name="日期占位符 4">
             <a:extLst>
               <a:ext uri="{FF2B5EF4-FFF2-40B4-BE49-F238E27FC236}">
-                <a16:creationId xmlns:a16="http://schemas.microsoft.com/office/drawing/2014/main" xmlns="" id="{FE02C645-B04A-4B8F-99D2-7C141988F454}"/>
+                <a16:creationId xmlns:a16="http://schemas.microsoft.com/office/drawing/2014/main" id="{FE02C645-B04A-4B8F-99D2-7C141988F454}"/>
               </a:ext>
             </a:extLst>
           </p:cNvPr>
@@ -2780,7 +2782,7 @@
           <p:cNvPr id="6" name="页脚占位符 5">
             <a:extLst>
               <a:ext uri="{FF2B5EF4-FFF2-40B4-BE49-F238E27FC236}">
-                <a16:creationId xmlns:a16="http://schemas.microsoft.com/office/drawing/2014/main" xmlns="" id="{557EDFEF-A175-46DC-8551-41ADECEFF66B}"/>
+                <a16:creationId xmlns:a16="http://schemas.microsoft.com/office/drawing/2014/main" id="{557EDFEF-A175-46DC-8551-41ADECEFF66B}"/>
               </a:ext>
             </a:extLst>
           </p:cNvPr>
@@ -2805,7 +2807,7 @@
           <p:cNvPr id="7" name="灯片编号占位符 6">
             <a:extLst>
               <a:ext uri="{FF2B5EF4-FFF2-40B4-BE49-F238E27FC236}">
-                <a16:creationId xmlns:a16="http://schemas.microsoft.com/office/drawing/2014/main" xmlns="" id="{64EBF448-10BF-471D-8701-6C0D40E26A68}"/>
+                <a16:creationId xmlns:a16="http://schemas.microsoft.com/office/drawing/2014/main" id="{64EBF448-10BF-471D-8701-6C0D40E26A68}"/>
               </a:ext>
             </a:extLst>
           </p:cNvPr>
@@ -2864,7 +2866,7 @@
           <p:cNvPr id="2" name="标题 1">
             <a:extLst>
               <a:ext uri="{FF2B5EF4-FFF2-40B4-BE49-F238E27FC236}">
-                <a16:creationId xmlns:a16="http://schemas.microsoft.com/office/drawing/2014/main" xmlns="" id="{5249D34A-D8A8-41D6-9E49-C19985C37E62}"/>
+                <a16:creationId xmlns:a16="http://schemas.microsoft.com/office/drawing/2014/main" id="{5249D34A-D8A8-41D6-9E49-C19985C37E62}"/>
               </a:ext>
             </a:extLst>
           </p:cNvPr>
@@ -2890,7 +2892,7 @@
           </a:lstStyle>
           <a:p>
             <a:r>
-              <a:rPr lang="zh-CN" altLang="en-US" smtClean="0"/>
+              <a:rPr lang="zh-CN" altLang="en-US"/>
               <a:t>单击此处编辑母版标题样式</a:t>
             </a:r>
             <a:endParaRPr lang="en-HK"/>
@@ -2902,7 +2904,7 @@
           <p:cNvPr id="3" name="图片占位符 2">
             <a:extLst>
               <a:ext uri="{FF2B5EF4-FFF2-40B4-BE49-F238E27FC236}">
-                <a16:creationId xmlns:a16="http://schemas.microsoft.com/office/drawing/2014/main" xmlns="" id="{EBD6AF32-E484-4945-A0C5-0FB42E32639C}"/>
+                <a16:creationId xmlns:a16="http://schemas.microsoft.com/office/drawing/2014/main" id="{EBD6AF32-E484-4945-A0C5-0FB42E32639C}"/>
               </a:ext>
             </a:extLst>
           </p:cNvPr>
@@ -2961,7 +2963,7 @@
           </a:lstStyle>
           <a:p>
             <a:r>
-              <a:rPr lang="zh-CN" altLang="en-US" smtClean="0"/>
+              <a:rPr lang="zh-CN" altLang="en-US"/>
               <a:t>将图片拖动到占位符，或单击添加图标</a:t>
             </a:r>
             <a:endParaRPr lang="en-HK"/>
@@ -2973,7 +2975,7 @@
           <p:cNvPr id="4" name="文本占位符 3">
             <a:extLst>
               <a:ext uri="{FF2B5EF4-FFF2-40B4-BE49-F238E27FC236}">
-                <a16:creationId xmlns:a16="http://schemas.microsoft.com/office/drawing/2014/main" xmlns="" id="{C14EE127-D055-4FD5-A3C0-B580AC001CD6}"/>
+                <a16:creationId xmlns:a16="http://schemas.microsoft.com/office/drawing/2014/main" id="{C14EE127-D055-4FD5-A3C0-B580AC001CD6}"/>
               </a:ext>
             </a:extLst>
           </p:cNvPr>
@@ -3033,7 +3035,7 @@
           <a:p>
             <a:pPr lvl="0"/>
             <a:r>
-              <a:rPr lang="zh-CN" altLang="en-US" smtClean="0"/>
+              <a:rPr lang="zh-CN" altLang="en-US"/>
               <a:t>单击此处编辑母版文本样式</a:t>
             </a:r>
           </a:p>
@@ -3044,7 +3046,7 @@
           <p:cNvPr id="5" name="日期占位符 4">
             <a:extLst>
               <a:ext uri="{FF2B5EF4-FFF2-40B4-BE49-F238E27FC236}">
-                <a16:creationId xmlns:a16="http://schemas.microsoft.com/office/drawing/2014/main" xmlns="" id="{0E58A864-E669-4281-8003-877718F4E6C8}"/>
+                <a16:creationId xmlns:a16="http://schemas.microsoft.com/office/drawing/2014/main" id="{0E58A864-E669-4281-8003-877718F4E6C8}"/>
               </a:ext>
             </a:extLst>
           </p:cNvPr>
@@ -3073,7 +3075,7 @@
           <p:cNvPr id="6" name="页脚占位符 5">
             <a:extLst>
               <a:ext uri="{FF2B5EF4-FFF2-40B4-BE49-F238E27FC236}">
-                <a16:creationId xmlns:a16="http://schemas.microsoft.com/office/drawing/2014/main" xmlns="" id="{90BCAF0C-99C4-4CC8-A38F-E546A9B436C3}"/>
+                <a16:creationId xmlns:a16="http://schemas.microsoft.com/office/drawing/2014/main" id="{90BCAF0C-99C4-4CC8-A38F-E546A9B436C3}"/>
               </a:ext>
             </a:extLst>
           </p:cNvPr>
@@ -3098,7 +3100,7 @@
           <p:cNvPr id="7" name="灯片编号占位符 6">
             <a:extLst>
               <a:ext uri="{FF2B5EF4-FFF2-40B4-BE49-F238E27FC236}">
-                <a16:creationId xmlns:a16="http://schemas.microsoft.com/office/drawing/2014/main" xmlns="" id="{6A8ECC5B-C067-4E5B-BD29-963A07BFC62A}"/>
+                <a16:creationId xmlns:a16="http://schemas.microsoft.com/office/drawing/2014/main" id="{6A8ECC5B-C067-4E5B-BD29-963A07BFC62A}"/>
               </a:ext>
             </a:extLst>
           </p:cNvPr>
@@ -3162,7 +3164,7 @@
           <p:cNvPr id="2" name="标题占位符 1">
             <a:extLst>
               <a:ext uri="{FF2B5EF4-FFF2-40B4-BE49-F238E27FC236}">
-                <a16:creationId xmlns:a16="http://schemas.microsoft.com/office/drawing/2014/main" xmlns="" id="{50B3F8FE-B562-40D6-A7EB-E930DC81A30F}"/>
+                <a16:creationId xmlns:a16="http://schemas.microsoft.com/office/drawing/2014/main" id="{50B3F8FE-B562-40D6-A7EB-E930DC81A30F}"/>
               </a:ext>
             </a:extLst>
           </p:cNvPr>
@@ -3201,7 +3203,7 @@
           <p:cNvPr id="3" name="文本占位符 2">
             <a:extLst>
               <a:ext uri="{FF2B5EF4-FFF2-40B4-BE49-F238E27FC236}">
-                <a16:creationId xmlns:a16="http://schemas.microsoft.com/office/drawing/2014/main" xmlns="" id="{4105D7F9-32FB-4FE4-81FC-7821BF273E32}"/>
+                <a16:creationId xmlns:a16="http://schemas.microsoft.com/office/drawing/2014/main" id="{4105D7F9-32FB-4FE4-81FC-7821BF273E32}"/>
               </a:ext>
             </a:extLst>
           </p:cNvPr>
@@ -3269,7 +3271,7 @@
           <p:cNvPr id="4" name="日期占位符 3">
             <a:extLst>
               <a:ext uri="{FF2B5EF4-FFF2-40B4-BE49-F238E27FC236}">
-                <a16:creationId xmlns:a16="http://schemas.microsoft.com/office/drawing/2014/main" xmlns="" id="{FC1BF6C2-4CCF-47A7-BC5A-3AFE65D9ABF7}"/>
+                <a16:creationId xmlns:a16="http://schemas.microsoft.com/office/drawing/2014/main" id="{FC1BF6C2-4CCF-47A7-BC5A-3AFE65D9ABF7}"/>
               </a:ext>
             </a:extLst>
           </p:cNvPr>
@@ -3316,7 +3318,7 @@
           <p:cNvPr id="5" name="页脚占位符 4">
             <a:extLst>
               <a:ext uri="{FF2B5EF4-FFF2-40B4-BE49-F238E27FC236}">
-                <a16:creationId xmlns:a16="http://schemas.microsoft.com/office/drawing/2014/main" xmlns="" id="{5BEF03B7-BF15-4069-AE64-17A82B94E117}"/>
+                <a16:creationId xmlns:a16="http://schemas.microsoft.com/office/drawing/2014/main" id="{5BEF03B7-BF15-4069-AE64-17A82B94E117}"/>
               </a:ext>
             </a:extLst>
           </p:cNvPr>
@@ -3359,7 +3361,7 @@
           <p:cNvPr id="6" name="灯片编号占位符 5">
             <a:extLst>
               <a:ext uri="{FF2B5EF4-FFF2-40B4-BE49-F238E27FC236}">
-                <a16:creationId xmlns:a16="http://schemas.microsoft.com/office/drawing/2014/main" xmlns="" id="{7FB921DD-8807-4D1C-959A-2CB0177FE614}"/>
+                <a16:creationId xmlns:a16="http://schemas.microsoft.com/office/drawing/2014/main" id="{7FB921DD-8807-4D1C-959A-2CB0177FE614}"/>
               </a:ext>
             </a:extLst>
           </p:cNvPr>
@@ -3727,7 +3729,7 @@
           <p:cNvPr id="15" name="图形 14">
             <a:extLst>
               <a:ext uri="{FF2B5EF4-FFF2-40B4-BE49-F238E27FC236}">
-                <a16:creationId xmlns:a16="http://schemas.microsoft.com/office/drawing/2014/main" xmlns="" id="{2409ED88-2CA5-41A4-8701-762ACFEE5E2D}"/>
+                <a16:creationId xmlns:a16="http://schemas.microsoft.com/office/drawing/2014/main" id="{2409ED88-2CA5-41A4-8701-762ACFEE5E2D}"/>
               </a:ext>
             </a:extLst>
           </p:cNvPr>
@@ -3740,7 +3742,7 @@
           <a:blip r:embed="rId2">
             <a:extLst>
               <a:ext uri="{96DAC541-7B7A-43D3-8B79-37D633B846F1}">
-                <asvg:svgBlip xmlns:asvg="http://schemas.microsoft.com/office/drawing/2016/SVG/main" xmlns="" r:embed="rId3"/>
+                <asvg:svgBlip xmlns:asvg="http://schemas.microsoft.com/office/drawing/2016/SVG/main" r:embed="rId3"/>
               </a:ext>
             </a:extLst>
           </a:blip>
@@ -3763,7 +3765,7 @@
           <p:cNvPr id="17" name="图形 16">
             <a:extLst>
               <a:ext uri="{FF2B5EF4-FFF2-40B4-BE49-F238E27FC236}">
-                <a16:creationId xmlns:a16="http://schemas.microsoft.com/office/drawing/2014/main" xmlns="" id="{A70AE1BF-E01E-40B3-82FE-EBDAE98EF033}"/>
+                <a16:creationId xmlns:a16="http://schemas.microsoft.com/office/drawing/2014/main" id="{A70AE1BF-E01E-40B3-82FE-EBDAE98EF033}"/>
               </a:ext>
             </a:extLst>
           </p:cNvPr>
@@ -3776,7 +3778,7 @@
           <a:blip r:embed="rId4">
             <a:extLst>
               <a:ext uri="{96DAC541-7B7A-43D3-8B79-37D633B846F1}">
-                <asvg:svgBlip xmlns:asvg="http://schemas.microsoft.com/office/drawing/2016/SVG/main" xmlns="" r:embed="rId5"/>
+                <asvg:svgBlip xmlns:asvg="http://schemas.microsoft.com/office/drawing/2016/SVG/main" r:embed="rId5"/>
               </a:ext>
             </a:extLst>
           </a:blip>
@@ -3799,7 +3801,7 @@
           <p:cNvPr id="18" name="图形 17">
             <a:extLst>
               <a:ext uri="{FF2B5EF4-FFF2-40B4-BE49-F238E27FC236}">
-                <a16:creationId xmlns:a16="http://schemas.microsoft.com/office/drawing/2014/main" xmlns="" id="{9786F39B-3422-4B47-882D-76178895E44F}"/>
+                <a16:creationId xmlns:a16="http://schemas.microsoft.com/office/drawing/2014/main" id="{9786F39B-3422-4B47-882D-76178895E44F}"/>
               </a:ext>
             </a:extLst>
           </p:cNvPr>
@@ -3812,7 +3814,7 @@
           <a:blip r:embed="rId2">
             <a:extLst>
               <a:ext uri="{96DAC541-7B7A-43D3-8B79-37D633B846F1}">
-                <asvg:svgBlip xmlns:asvg="http://schemas.microsoft.com/office/drawing/2016/SVG/main" xmlns="" r:embed="rId3"/>
+                <asvg:svgBlip xmlns:asvg="http://schemas.microsoft.com/office/drawing/2016/SVG/main" r:embed="rId3"/>
               </a:ext>
             </a:extLst>
           </a:blip>
@@ -3835,7 +3837,7 @@
           <p:cNvPr id="27" name="图形 26">
             <a:extLst>
               <a:ext uri="{FF2B5EF4-FFF2-40B4-BE49-F238E27FC236}">
-                <a16:creationId xmlns:a16="http://schemas.microsoft.com/office/drawing/2014/main" xmlns="" id="{26D176A5-483B-42B4-B7CB-15332828ABE9}"/>
+                <a16:creationId xmlns:a16="http://schemas.microsoft.com/office/drawing/2014/main" id="{26D176A5-483B-42B4-B7CB-15332828ABE9}"/>
               </a:ext>
             </a:extLst>
           </p:cNvPr>
@@ -3848,7 +3850,7 @@
           <a:blip r:embed="rId6">
             <a:extLst>
               <a:ext uri="{96DAC541-7B7A-43D3-8B79-37D633B846F1}">
-                <asvg:svgBlip xmlns:asvg="http://schemas.microsoft.com/office/drawing/2016/SVG/main" xmlns="" r:embed="rId7"/>
+                <asvg:svgBlip xmlns:asvg="http://schemas.microsoft.com/office/drawing/2016/SVG/main" r:embed="rId7"/>
               </a:ext>
             </a:extLst>
           </a:blip>
@@ -3871,7 +3873,7 @@
           <p:cNvPr id="28" name="标题 1">
             <a:extLst>
               <a:ext uri="{FF2B5EF4-FFF2-40B4-BE49-F238E27FC236}">
-                <a16:creationId xmlns:a16="http://schemas.microsoft.com/office/drawing/2014/main" xmlns="" id="{D8C0095A-FB59-40F4-9812-D28C3424933B}"/>
+                <a16:creationId xmlns:a16="http://schemas.microsoft.com/office/drawing/2014/main" id="{D8C0095A-FB59-40F4-9812-D28C3424933B}"/>
               </a:ext>
             </a:extLst>
           </p:cNvPr>
@@ -3945,7 +3947,7 @@
               </a:lnSpc>
             </a:pPr>
             <a:r>
-              <a:rPr kumimoji="1" lang="en-US" altLang="zh-CN" sz="2800" dirty="0" err="1" smtClean="0">
+              <a:rPr kumimoji="1" lang="en-US" altLang="zh-CN" sz="2800" dirty="0" err="1">
                 <a:latin typeface="Adobe Heiti Std R" charset="-122"/>
                 <a:ea typeface="Adobe Heiti Std R" charset="-122"/>
                 <a:cs typeface="Adobe Heiti Std R" charset="-122"/>
@@ -3953,7 +3955,7 @@
               <a:t>Tensorflow</a:t>
             </a:r>
             <a:r>
-              <a:rPr kumimoji="1" lang="en-US" altLang="zh-CN" sz="2800" dirty="0" smtClean="0">
+              <a:rPr kumimoji="1" lang="en-US" altLang="zh-CN" sz="2800" dirty="0">
                 <a:latin typeface="Adobe Heiti Std R" charset="-122"/>
                 <a:ea typeface="Adobe Heiti Std R" charset="-122"/>
                 <a:cs typeface="Adobe Heiti Std R" charset="-122"/>
@@ -3996,18 +3998,10 @@
                 <a:ea typeface="SimHei" charset="-122"/>
                 <a:cs typeface="SimHei" charset="-122"/>
               </a:rPr>
-              <a:t>郑瑞</a:t>
-            </a:r>
-            <a:r>
-              <a:rPr lang="zh-CN" altLang="en-US" dirty="0" smtClean="0">
-                <a:latin typeface="SimHei" charset="-122"/>
-                <a:ea typeface="SimHei" charset="-122"/>
-                <a:cs typeface="SimHei" charset="-122"/>
-              </a:rPr>
-              <a:t>麒</a:t>
-            </a:r>
-            <a:r>
-              <a:rPr lang="en-US" altLang="zh-CN" dirty="0" smtClean="0">
+              <a:t>郑瑞麒</a:t>
+            </a:r>
+            <a:r>
+              <a:rPr lang="en-US" altLang="zh-CN" dirty="0">
                 <a:latin typeface="SimHei" charset="-122"/>
                 <a:ea typeface="SimHei" charset="-122"/>
                 <a:cs typeface="SimHei" charset="-122"/>
@@ -4017,7 +4011,7 @@
           </a:p>
           <a:p>
             <a:r>
-              <a:rPr kumimoji="1" lang="zh-CN" altLang="en-US" dirty="0" smtClean="0">
+              <a:rPr kumimoji="1" lang="zh-CN" altLang="en-US" dirty="0">
                 <a:latin typeface="SimHei" charset="-122"/>
                 <a:ea typeface="SimHei" charset="-122"/>
                 <a:cs typeface="SimHei" charset="-122"/>
@@ -4025,7 +4019,7 @@
               <a:t>朱俊达</a:t>
             </a:r>
             <a:r>
-              <a:rPr kumimoji="1" lang="en-US" altLang="zh-CN" dirty="0" smtClean="0">
+              <a:rPr kumimoji="1" lang="en-US" altLang="zh-CN" dirty="0">
                 <a:latin typeface="SimHei" charset="-122"/>
                 <a:ea typeface="SimHei" charset="-122"/>
                 <a:cs typeface="SimHei" charset="-122"/>
@@ -4050,13 +4044,831 @@
   <p:clrMapOvr>
     <a:masterClrMapping/>
   </p:clrMapOvr>
-  <p:timing>
-    <p:tnLst>
-      <p:par>
-        <p:cTn id="1" dur="indefinite" restart="never" nodeType="tmRoot"/>
-      </p:par>
-    </p:tnLst>
-  </p:timing>
+</p:sld>
+</file>
+
+<file path=ppt/slides/slide10.xml><?xml version="1.0" encoding="utf-8"?>
+<p:sld xmlns:a="http://schemas.openxmlformats.org/drawingml/2006/main" xmlns:r="http://schemas.openxmlformats.org/officeDocument/2006/relationships" xmlns:p="http://schemas.openxmlformats.org/presentationml/2006/main">
+  <p:cSld>
+    <p:spTree>
+      <p:nvGrpSpPr>
+        <p:cNvPr id="1" name=""/>
+        <p:cNvGrpSpPr/>
+        <p:nvPr/>
+      </p:nvGrpSpPr>
+      <p:grpSpPr>
+        <a:xfrm>
+          <a:off x="0" y="0"/>
+          <a:ext cx="0" cy="0"/>
+          <a:chOff x="0" y="0"/>
+          <a:chExt cx="0" cy="0"/>
+        </a:xfrm>
+      </p:grpSpPr>
+      <p:pic>
+        <p:nvPicPr>
+          <p:cNvPr id="8" name="内容占位符 7"/>
+          <p:cNvPicPr>
+            <a:picLocks noGrp="1" noChangeAspect="1"/>
+          </p:cNvPicPr>
+          <p:nvPr>
+            <p:ph idx="1"/>
+          </p:nvPr>
+        </p:nvPicPr>
+        <p:blipFill>
+          <a:blip r:embed="rId2">
+            <a:extLst>
+              <a:ext uri="{28A0092B-C50C-407E-A947-70E740481C1C}">
+                <a14:useLocalDpi xmlns:a14="http://schemas.microsoft.com/office/drawing/2010/main" val="0"/>
+              </a:ext>
+            </a:extLst>
+          </a:blip>
+          <a:stretch>
+            <a:fillRect/>
+          </a:stretch>
+        </p:blipFill>
+        <p:spPr>
+          <a:xfrm>
+            <a:off x="-577070" y="-1019703"/>
+            <a:ext cx="13039702" cy="2652243"/>
+          </a:xfrm>
+        </p:spPr>
+      </p:pic>
+      <p:sp>
+        <p:nvSpPr>
+          <p:cNvPr id="2" name="标题 1">
+            <a:extLst>
+              <a:ext uri="{FF2B5EF4-FFF2-40B4-BE49-F238E27FC236}">
+                <a16:creationId xmlns:a16="http://schemas.microsoft.com/office/drawing/2014/main" id="{729E7753-D934-41AF-979C-BE3013383BDA}"/>
+              </a:ext>
+            </a:extLst>
+          </p:cNvPr>
+          <p:cNvSpPr>
+            <a:spLocks noGrp="1"/>
+          </p:cNvSpPr>
+          <p:nvPr>
+            <p:ph type="title"/>
+          </p:nvPr>
+        </p:nvSpPr>
+        <p:spPr>
+          <a:xfrm>
+            <a:off x="1077849" y="-45562"/>
+            <a:ext cx="10515600" cy="1325563"/>
+          </a:xfrm>
+        </p:spPr>
+        <p:txBody>
+          <a:bodyPr>
+            <a:normAutofit/>
+          </a:bodyPr>
+          <a:lstStyle/>
+          <a:p>
+            <a:r>
+              <a:rPr lang="en-US" altLang="zh-CN" b="1" dirty="0"/>
+              <a:t>5. Application of </a:t>
+            </a:r>
+            <a:r>
+              <a:rPr lang="en-US" altLang="zh-CN" b="1" dirty="0" err="1"/>
+              <a:t>tensorflow</a:t>
+            </a:r>
+            <a:r>
+              <a:rPr lang="en-US" altLang="zh-CN" b="1" dirty="0"/>
+              <a:t>  -- </a:t>
+            </a:r>
+            <a:r>
+              <a:rPr lang="en-US" altLang="zh-CN" dirty="0"/>
+              <a:t>Enterprises</a:t>
+            </a:r>
+            <a:endParaRPr lang="en-HK" b="1" dirty="0"/>
+          </a:p>
+        </p:txBody>
+      </p:sp>
+      <p:pic>
+        <p:nvPicPr>
+          <p:cNvPr id="4" name="图形 3">
+            <a:extLst>
+              <a:ext uri="{FF2B5EF4-FFF2-40B4-BE49-F238E27FC236}">
+                <a16:creationId xmlns:a16="http://schemas.microsoft.com/office/drawing/2014/main" id="{3EF556CA-30DB-46CA-B010-E7BC06705578}"/>
+              </a:ext>
+            </a:extLst>
+          </p:cNvPr>
+          <p:cNvPicPr>
+            <a:picLocks noChangeAspect="1"/>
+          </p:cNvPicPr>
+          <p:nvPr/>
+        </p:nvPicPr>
+        <p:blipFill>
+          <a:blip r:embed="rId3">
+            <a:extLst>
+              <a:ext uri="{96DAC541-7B7A-43D3-8B79-37D633B846F1}">
+                <asvg:svgBlip xmlns:asvg="http://schemas.microsoft.com/office/drawing/2016/SVG/main" r:embed="rId4"/>
+              </a:ext>
+            </a:extLst>
+          </a:blip>
+          <a:stretch>
+            <a:fillRect/>
+          </a:stretch>
+        </p:blipFill>
+        <p:spPr>
+          <a:xfrm>
+            <a:off x="-50800" y="6122728"/>
+            <a:ext cx="12242800" cy="1278197"/>
+          </a:xfrm>
+          <a:prstGeom prst="rect">
+            <a:avLst/>
+          </a:prstGeom>
+        </p:spPr>
+      </p:pic>
+      <p:sp>
+        <p:nvSpPr>
+          <p:cNvPr id="5" name="箭头: 五边形 4">
+            <a:extLst>
+              <a:ext uri="{FF2B5EF4-FFF2-40B4-BE49-F238E27FC236}">
+                <a16:creationId xmlns:a16="http://schemas.microsoft.com/office/drawing/2014/main" id="{61E862C7-DDED-46B2-88A9-92A4D3F40475}"/>
+              </a:ext>
+            </a:extLst>
+          </p:cNvPr>
+          <p:cNvSpPr/>
+          <p:nvPr/>
+        </p:nvSpPr>
+        <p:spPr>
+          <a:xfrm rot="5400000">
+            <a:off x="-60257" y="234315"/>
+            <a:ext cx="1234440" cy="765810"/>
+          </a:xfrm>
+          <a:prstGeom prst="homePlate">
+            <a:avLst/>
+          </a:prstGeom>
+          <a:solidFill>
+            <a:srgbClr val="034246"/>
+          </a:solidFill>
+        </p:spPr>
+        <p:style>
+          <a:lnRef idx="2">
+            <a:schemeClr val="accent1">
+              <a:shade val="50000"/>
+            </a:schemeClr>
+          </a:lnRef>
+          <a:fillRef idx="1">
+            <a:schemeClr val="accent1"/>
+          </a:fillRef>
+          <a:effectRef idx="0">
+            <a:schemeClr val="accent1"/>
+          </a:effectRef>
+          <a:fontRef idx="minor">
+            <a:schemeClr val="lt1"/>
+          </a:fontRef>
+        </p:style>
+        <p:txBody>
+          <a:bodyPr rtlCol="0" anchor="ctr"/>
+          <a:lstStyle/>
+          <a:p>
+            <a:pPr algn="ctr"/>
+            <a:endParaRPr lang="en-HK"/>
+          </a:p>
+        </p:txBody>
+      </p:sp>
+      <p:pic>
+        <p:nvPicPr>
+          <p:cNvPr id="6" name="图形 5">
+            <a:extLst>
+              <a:ext uri="{FF2B5EF4-FFF2-40B4-BE49-F238E27FC236}">
+                <a16:creationId xmlns:a16="http://schemas.microsoft.com/office/drawing/2014/main" id="{217E1EC4-7E0E-4611-9AC8-528215714F14}"/>
+              </a:ext>
+            </a:extLst>
+          </p:cNvPr>
+          <p:cNvPicPr>
+            <a:picLocks noChangeAspect="1"/>
+          </p:cNvPicPr>
+          <p:nvPr/>
+        </p:nvPicPr>
+        <p:blipFill>
+          <a:blip r:embed="rId5">
+            <a:extLst>
+              <a:ext uri="{96DAC541-7B7A-43D3-8B79-37D633B846F1}">
+                <asvg:svgBlip xmlns:asvg="http://schemas.microsoft.com/office/drawing/2016/SVG/main" r:embed="rId6"/>
+              </a:ext>
+            </a:extLst>
+          </a:blip>
+          <a:stretch>
+            <a:fillRect/>
+          </a:stretch>
+        </p:blipFill>
+        <p:spPr>
+          <a:xfrm>
+            <a:off x="312039" y="103823"/>
+            <a:ext cx="489848" cy="717523"/>
+          </a:xfrm>
+          <a:prstGeom prst="rect">
+            <a:avLst/>
+          </a:prstGeom>
+        </p:spPr>
+      </p:pic>
+      <p:sp>
+        <p:nvSpPr>
+          <p:cNvPr id="7" name="矩形 6">
+            <a:extLst>
+              <a:ext uri="{FF2B5EF4-FFF2-40B4-BE49-F238E27FC236}">
+                <a16:creationId xmlns:a16="http://schemas.microsoft.com/office/drawing/2014/main" id="{0E6E5E10-CB6E-48A9-958C-AC330CBA839D}"/>
+              </a:ext>
+            </a:extLst>
+          </p:cNvPr>
+          <p:cNvSpPr/>
+          <p:nvPr/>
+        </p:nvSpPr>
+        <p:spPr>
+          <a:xfrm>
+            <a:off x="489756" y="1728913"/>
+            <a:ext cx="3313176" cy="923330"/>
+          </a:xfrm>
+          <a:prstGeom prst="rect">
+            <a:avLst/>
+          </a:prstGeom>
+        </p:spPr>
+        <p:txBody>
+          <a:bodyPr wrap="square">
+            <a:spAutoFit/>
+          </a:bodyPr>
+          <a:lstStyle/>
+          <a:p>
+            <a:r>
+              <a:rPr lang="en-US" altLang="zh-CN" dirty="0"/>
+              <a:t>Wear a Mask, A very interesting app that masks your avatar. [4]</a:t>
+            </a:r>
+          </a:p>
+          <a:p>
+            <a:endParaRPr lang="en-US" altLang="zh-CN" dirty="0"/>
+          </a:p>
+        </p:txBody>
+      </p:sp>
+      <p:sp>
+        <p:nvSpPr>
+          <p:cNvPr id="10" name="矩形 9">
+            <a:extLst>
+              <a:ext uri="{FF2B5EF4-FFF2-40B4-BE49-F238E27FC236}">
+                <a16:creationId xmlns:a16="http://schemas.microsoft.com/office/drawing/2014/main" id="{E6D616A1-78CD-4702-B0F6-2558B79A6057}"/>
+              </a:ext>
+            </a:extLst>
+          </p:cNvPr>
+          <p:cNvSpPr/>
+          <p:nvPr/>
+        </p:nvSpPr>
+        <p:spPr>
+          <a:xfrm>
+            <a:off x="801887" y="5506829"/>
+            <a:ext cx="4625369" cy="923330"/>
+          </a:xfrm>
+          <a:prstGeom prst="rect">
+            <a:avLst/>
+          </a:prstGeom>
+        </p:spPr>
+        <p:txBody>
+          <a:bodyPr wrap="none">
+            <a:spAutoFit/>
+          </a:bodyPr>
+          <a:lstStyle/>
+          <a:p>
+            <a:r>
+              <a:rPr lang="en-US" altLang="zh-CN" dirty="0"/>
+              <a:t>[4]https://github.com/zamhown/wear-a-mask</a:t>
+            </a:r>
+          </a:p>
+          <a:p>
+            <a:r>
+              <a:rPr lang="en-US" altLang="zh-CN" dirty="0"/>
+              <a:t>[5] </a:t>
+            </a:r>
+            <a:r>
+              <a:rPr lang="en-US" altLang="zh-CN" dirty="0">
+                <a:hlinkClick r:id="rId7"/>
+              </a:rPr>
+              <a:t>https://github.com/mgechev/movement.js</a:t>
+            </a:r>
+            <a:endParaRPr lang="en-US" altLang="zh-CN" dirty="0"/>
+          </a:p>
+          <a:p>
+            <a:r>
+              <a:rPr lang="en-US" altLang="zh-CN" dirty="0"/>
+              <a:t>[6]https://github.com/zhanyongsheng/LetsJum</a:t>
+            </a:r>
+          </a:p>
+        </p:txBody>
+      </p:sp>
+      <p:pic>
+        <p:nvPicPr>
+          <p:cNvPr id="9" name="图片 8">
+            <a:extLst>
+              <a:ext uri="{FF2B5EF4-FFF2-40B4-BE49-F238E27FC236}">
+                <a16:creationId xmlns:a16="http://schemas.microsoft.com/office/drawing/2014/main" id="{F34B8978-5FBA-4F65-ACA8-3F18D3E2903E}"/>
+              </a:ext>
+            </a:extLst>
+          </p:cNvPr>
+          <p:cNvPicPr>
+            <a:picLocks noChangeAspect="1"/>
+          </p:cNvPicPr>
+          <p:nvPr/>
+        </p:nvPicPr>
+        <p:blipFill>
+          <a:blip r:embed="rId8">
+            <a:extLst>
+              <a:ext uri="{28A0092B-C50C-407E-A947-70E740481C1C}">
+                <a14:useLocalDpi xmlns:a14="http://schemas.microsoft.com/office/drawing/2010/main" val="0"/>
+              </a:ext>
+            </a:extLst>
+          </a:blip>
+          <a:stretch>
+            <a:fillRect/>
+          </a:stretch>
+        </p:blipFill>
+        <p:spPr>
+          <a:xfrm>
+            <a:off x="8277225" y="2879981"/>
+            <a:ext cx="1389831" cy="3088513"/>
+          </a:xfrm>
+          <a:prstGeom prst="rect">
+            <a:avLst/>
+          </a:prstGeom>
+        </p:spPr>
+      </p:pic>
+      <p:sp>
+        <p:nvSpPr>
+          <p:cNvPr id="11" name="矩形 10">
+            <a:extLst>
+              <a:ext uri="{FF2B5EF4-FFF2-40B4-BE49-F238E27FC236}">
+                <a16:creationId xmlns:a16="http://schemas.microsoft.com/office/drawing/2014/main" id="{4CF3A791-93E3-426C-B735-F92DE966E307}"/>
+              </a:ext>
+            </a:extLst>
+          </p:cNvPr>
+          <p:cNvSpPr/>
+          <p:nvPr/>
+        </p:nvSpPr>
+        <p:spPr>
+          <a:xfrm>
+            <a:off x="7640278" y="1525419"/>
+            <a:ext cx="3237271" cy="1200329"/>
+          </a:xfrm>
+          <a:prstGeom prst="rect">
+            <a:avLst/>
+          </a:prstGeom>
+        </p:spPr>
+        <p:txBody>
+          <a:bodyPr wrap="square">
+            <a:spAutoFit/>
+          </a:bodyPr>
+          <a:lstStyle/>
+          <a:p>
+            <a:r>
+              <a:rPr lang="en-US" altLang="zh-CN" dirty="0"/>
+              <a:t>An implementation of TensorFlow that automatically plays WeChat hop on Android phones[6]</a:t>
+            </a:r>
+          </a:p>
+        </p:txBody>
+      </p:sp>
+      <p:sp>
+        <p:nvSpPr>
+          <p:cNvPr id="12" name="矩形 11">
+            <a:extLst>
+              <a:ext uri="{FF2B5EF4-FFF2-40B4-BE49-F238E27FC236}">
+                <a16:creationId xmlns:a16="http://schemas.microsoft.com/office/drawing/2014/main" id="{086EF21F-2450-4B50-BF99-7C730549EF60}"/>
+              </a:ext>
+            </a:extLst>
+          </p:cNvPr>
+          <p:cNvSpPr/>
+          <p:nvPr/>
+        </p:nvSpPr>
+        <p:spPr>
+          <a:xfrm>
+            <a:off x="4065017" y="1632540"/>
+            <a:ext cx="3313175" cy="923330"/>
+          </a:xfrm>
+          <a:prstGeom prst="rect">
+            <a:avLst/>
+          </a:prstGeom>
+        </p:spPr>
+        <p:txBody>
+          <a:bodyPr wrap="square">
+            <a:spAutoFit/>
+          </a:bodyPr>
+          <a:lstStyle/>
+          <a:p>
+            <a:r>
+              <a:rPr lang="en-US" altLang="zh-CN" dirty="0"/>
+              <a:t>Without </a:t>
+            </a:r>
+            <a:r>
+              <a:rPr lang="en-US" altLang="zh-CN" dirty="0" err="1"/>
+              <a:t>keyboard,all</a:t>
+            </a:r>
+            <a:r>
+              <a:rPr lang="en-US" altLang="zh-CN" dirty="0"/>
+              <a:t> you need to play Mortal Kombat on your laptop is a front-facing camera.[5]</a:t>
+            </a:r>
+          </a:p>
+        </p:txBody>
+      </p:sp>
+    </p:spTree>
+    <p:extLst>
+      <p:ext uri="{BB962C8B-B14F-4D97-AF65-F5344CB8AC3E}">
+        <p14:creationId xmlns:p14="http://schemas.microsoft.com/office/powerpoint/2010/main" val="2054943402"/>
+      </p:ext>
+    </p:extLst>
+  </p:cSld>
+  <p:clrMapOvr>
+    <a:masterClrMapping/>
+  </p:clrMapOvr>
+</p:sld>
+</file>
+
+<file path=ppt/slides/slide11.xml><?xml version="1.0" encoding="utf-8"?>
+<p:sld xmlns:a="http://schemas.openxmlformats.org/drawingml/2006/main" xmlns:r="http://schemas.openxmlformats.org/officeDocument/2006/relationships" xmlns:p="http://schemas.openxmlformats.org/presentationml/2006/main">
+  <p:cSld>
+    <p:spTree>
+      <p:nvGrpSpPr>
+        <p:cNvPr id="1" name=""/>
+        <p:cNvGrpSpPr/>
+        <p:nvPr/>
+      </p:nvGrpSpPr>
+      <p:grpSpPr>
+        <a:xfrm>
+          <a:off x="0" y="0"/>
+          <a:ext cx="0" cy="0"/>
+          <a:chOff x="0" y="0"/>
+          <a:chExt cx="0" cy="0"/>
+        </a:xfrm>
+      </p:grpSpPr>
+      <p:pic>
+        <p:nvPicPr>
+          <p:cNvPr id="8" name="内容占位符 7"/>
+          <p:cNvPicPr>
+            <a:picLocks noGrp="1" noChangeAspect="1"/>
+          </p:cNvPicPr>
+          <p:nvPr>
+            <p:ph idx="1"/>
+          </p:nvPr>
+        </p:nvPicPr>
+        <p:blipFill>
+          <a:blip r:embed="rId2">
+            <a:extLst>
+              <a:ext uri="{28A0092B-C50C-407E-A947-70E740481C1C}">
+                <a14:useLocalDpi xmlns:a14="http://schemas.microsoft.com/office/drawing/2010/main" val="0"/>
+              </a:ext>
+            </a:extLst>
+          </a:blip>
+          <a:stretch>
+            <a:fillRect/>
+          </a:stretch>
+        </p:blipFill>
+        <p:spPr>
+          <a:xfrm>
+            <a:off x="-423851" y="-708903"/>
+            <a:ext cx="13039702" cy="2652243"/>
+          </a:xfrm>
+        </p:spPr>
+      </p:pic>
+      <p:sp>
+        <p:nvSpPr>
+          <p:cNvPr id="2" name="标题 1">
+            <a:extLst>
+              <a:ext uri="{FF2B5EF4-FFF2-40B4-BE49-F238E27FC236}">
+                <a16:creationId xmlns:a16="http://schemas.microsoft.com/office/drawing/2014/main" id="{729E7753-D934-41AF-979C-BE3013383BDA}"/>
+              </a:ext>
+            </a:extLst>
+          </p:cNvPr>
+          <p:cNvSpPr>
+            <a:spLocks noGrp="1"/>
+          </p:cNvSpPr>
+          <p:nvPr>
+            <p:ph type="title"/>
+          </p:nvPr>
+        </p:nvSpPr>
+        <p:spPr>
+          <a:xfrm>
+            <a:off x="1077849" y="-45562"/>
+            <a:ext cx="10515600" cy="1325563"/>
+          </a:xfrm>
+        </p:spPr>
+        <p:txBody>
+          <a:bodyPr/>
+          <a:lstStyle/>
+          <a:p>
+            <a:r>
+              <a:rPr lang="en-US" altLang="zh-CN" b="1" dirty="0"/>
+              <a:t>6. Reference</a:t>
+            </a:r>
+            <a:endParaRPr lang="en-HK" dirty="0"/>
+          </a:p>
+        </p:txBody>
+      </p:sp>
+      <p:pic>
+        <p:nvPicPr>
+          <p:cNvPr id="4" name="图形 3">
+            <a:extLst>
+              <a:ext uri="{FF2B5EF4-FFF2-40B4-BE49-F238E27FC236}">
+                <a16:creationId xmlns:a16="http://schemas.microsoft.com/office/drawing/2014/main" id="{3EF556CA-30DB-46CA-B010-E7BC06705578}"/>
+              </a:ext>
+            </a:extLst>
+          </p:cNvPr>
+          <p:cNvPicPr>
+            <a:picLocks noChangeAspect="1"/>
+          </p:cNvPicPr>
+          <p:nvPr/>
+        </p:nvPicPr>
+        <p:blipFill>
+          <a:blip r:embed="rId3">
+            <a:extLst>
+              <a:ext uri="{96DAC541-7B7A-43D3-8B79-37D633B846F1}">
+                <asvg:svgBlip xmlns:asvg="http://schemas.microsoft.com/office/drawing/2016/SVG/main" r:embed="rId4"/>
+              </a:ext>
+            </a:extLst>
+          </a:blip>
+          <a:stretch>
+            <a:fillRect/>
+          </a:stretch>
+        </p:blipFill>
+        <p:spPr>
+          <a:xfrm>
+            <a:off x="-50800" y="6122728"/>
+            <a:ext cx="12242800" cy="1278197"/>
+          </a:xfrm>
+          <a:prstGeom prst="rect">
+            <a:avLst/>
+          </a:prstGeom>
+        </p:spPr>
+      </p:pic>
+      <p:sp>
+        <p:nvSpPr>
+          <p:cNvPr id="5" name="箭头: 五边形 4">
+            <a:extLst>
+              <a:ext uri="{FF2B5EF4-FFF2-40B4-BE49-F238E27FC236}">
+                <a16:creationId xmlns:a16="http://schemas.microsoft.com/office/drawing/2014/main" id="{61E862C7-DDED-46B2-88A9-92A4D3F40475}"/>
+              </a:ext>
+            </a:extLst>
+          </p:cNvPr>
+          <p:cNvSpPr/>
+          <p:nvPr/>
+        </p:nvSpPr>
+        <p:spPr>
+          <a:xfrm rot="5400000">
+            <a:off x="-60257" y="234315"/>
+            <a:ext cx="1234440" cy="765810"/>
+          </a:xfrm>
+          <a:prstGeom prst="homePlate">
+            <a:avLst/>
+          </a:prstGeom>
+          <a:solidFill>
+            <a:srgbClr val="034246"/>
+          </a:solidFill>
+        </p:spPr>
+        <p:style>
+          <a:lnRef idx="2">
+            <a:schemeClr val="accent1">
+              <a:shade val="50000"/>
+            </a:schemeClr>
+          </a:lnRef>
+          <a:fillRef idx="1">
+            <a:schemeClr val="accent1"/>
+          </a:fillRef>
+          <a:effectRef idx="0">
+            <a:schemeClr val="accent1"/>
+          </a:effectRef>
+          <a:fontRef idx="minor">
+            <a:schemeClr val="lt1"/>
+          </a:fontRef>
+        </p:style>
+        <p:txBody>
+          <a:bodyPr rtlCol="0" anchor="ctr"/>
+          <a:lstStyle/>
+          <a:p>
+            <a:pPr algn="ctr"/>
+            <a:endParaRPr lang="en-HK"/>
+          </a:p>
+        </p:txBody>
+      </p:sp>
+      <p:pic>
+        <p:nvPicPr>
+          <p:cNvPr id="6" name="图形 5">
+            <a:extLst>
+              <a:ext uri="{FF2B5EF4-FFF2-40B4-BE49-F238E27FC236}">
+                <a16:creationId xmlns:a16="http://schemas.microsoft.com/office/drawing/2014/main" id="{217E1EC4-7E0E-4611-9AC8-528215714F14}"/>
+              </a:ext>
+            </a:extLst>
+          </p:cNvPr>
+          <p:cNvPicPr>
+            <a:picLocks noChangeAspect="1"/>
+          </p:cNvPicPr>
+          <p:nvPr/>
+        </p:nvPicPr>
+        <p:blipFill>
+          <a:blip r:embed="rId5">
+            <a:extLst>
+              <a:ext uri="{96DAC541-7B7A-43D3-8B79-37D633B846F1}">
+                <asvg:svgBlip xmlns:asvg="http://schemas.microsoft.com/office/drawing/2016/SVG/main" r:embed="rId6"/>
+              </a:ext>
+            </a:extLst>
+          </a:blip>
+          <a:stretch>
+            <a:fillRect/>
+          </a:stretch>
+        </p:blipFill>
+        <p:spPr>
+          <a:xfrm>
+            <a:off x="312039" y="103823"/>
+            <a:ext cx="489848" cy="717523"/>
+          </a:xfrm>
+          <a:prstGeom prst="rect">
+            <a:avLst/>
+          </a:prstGeom>
+        </p:spPr>
+      </p:pic>
+      <p:sp>
+        <p:nvSpPr>
+          <p:cNvPr id="7" name="矩形 6"/>
+          <p:cNvSpPr/>
+          <p:nvPr/>
+        </p:nvSpPr>
+        <p:spPr>
+          <a:xfrm>
+            <a:off x="939868" y="2034782"/>
+            <a:ext cx="8683430" cy="3970318"/>
+          </a:xfrm>
+          <a:prstGeom prst="rect">
+            <a:avLst/>
+          </a:prstGeom>
+        </p:spPr>
+        <p:txBody>
+          <a:bodyPr wrap="square">
+            <a:spAutoFit/>
+          </a:bodyPr>
+          <a:lstStyle/>
+          <a:p>
+            <a:pPr>
+              <a:spcAft>
+                <a:spcPts val="0"/>
+              </a:spcAft>
+            </a:pPr>
+            <a:r>
+              <a:rPr lang="en-US" altLang="zh-CN" dirty="0"/>
+              <a:t>[1] H. He and E. A. Garcia, “Learning from imbalanced data.” IEEE Transactions on Knowledge and Data Engineering, 21(9), 1263-1284, 2009.</a:t>
+            </a:r>
+            <a:endParaRPr lang="zh-CN" altLang="zh-CN" dirty="0"/>
+          </a:p>
+          <a:p>
+            <a:pPr>
+              <a:spcAft>
+                <a:spcPts val="0"/>
+              </a:spcAft>
+            </a:pPr>
+            <a:r>
+              <a:rPr lang="en-US" altLang="zh-CN" dirty="0"/>
+              <a:t>[2] Wu, Jun, J. He, and Y. Liu. "</a:t>
+            </a:r>
+            <a:r>
+              <a:rPr lang="en-US" altLang="zh-CN" dirty="0" err="1"/>
+              <a:t>ImVerde</a:t>
+            </a:r>
+            <a:r>
+              <a:rPr lang="en-US" altLang="zh-CN" dirty="0"/>
+              <a:t>: Vertex-Diminished Random Walk for Learning Network Representation from Imbalanced Data." (2018).</a:t>
+            </a:r>
+            <a:endParaRPr lang="zh-CN" altLang="zh-CN" dirty="0"/>
+          </a:p>
+          <a:p>
+            <a:pPr>
+              <a:spcAft>
+                <a:spcPts val="0"/>
+              </a:spcAft>
+            </a:pPr>
+            <a:r>
+              <a:rPr lang="en-US" altLang="zh-CN" dirty="0"/>
+              <a:t>[3] W. L. Hamilton, R. Ying and J. </a:t>
+            </a:r>
+            <a:r>
+              <a:rPr lang="en-US" altLang="zh-CN" dirty="0" err="1"/>
+              <a:t>Leskovec</a:t>
+            </a:r>
+            <a:r>
+              <a:rPr lang="en-US" altLang="zh-CN" dirty="0"/>
+              <a:t>, “Representation Learning on Graphs: Methods and Applications.” IEEE Data Engineering Bulletin, 2017</a:t>
+            </a:r>
+            <a:endParaRPr lang="zh-CN" altLang="zh-CN" dirty="0"/>
+          </a:p>
+          <a:p>
+            <a:pPr>
+              <a:spcAft>
+                <a:spcPts val="0"/>
+              </a:spcAft>
+            </a:pPr>
+            <a:r>
+              <a:rPr lang="en-US" altLang="zh-CN" dirty="0"/>
+              <a:t>[4] A. G. Duran, M. </a:t>
+            </a:r>
+            <a:r>
+              <a:rPr lang="en-US" altLang="zh-CN" dirty="0" err="1"/>
+              <a:t>Niepert</a:t>
+            </a:r>
+            <a:r>
+              <a:rPr lang="en-US" altLang="zh-CN" dirty="0"/>
+              <a:t>, “Learning Graph Representations with Embedding Propagation.” In NIPS, 5119-5130, 2017.</a:t>
+            </a:r>
+            <a:endParaRPr lang="zh-CN" altLang="zh-CN" dirty="0"/>
+          </a:p>
+          <a:p>
+            <a:pPr>
+              <a:spcAft>
+                <a:spcPts val="0"/>
+              </a:spcAft>
+            </a:pPr>
+            <a:r>
+              <a:rPr lang="en-US" altLang="zh-CN" dirty="0"/>
+              <a:t>[5] J. Liang, P. Jacobs, J. Sun and S. </a:t>
+            </a:r>
+            <a:r>
+              <a:rPr lang="en-US" altLang="zh-CN" dirty="0" err="1"/>
+              <a:t>Parthasarathy</a:t>
+            </a:r>
+            <a:r>
+              <a:rPr lang="en-US" altLang="zh-CN" dirty="0"/>
+              <a:t>, “Semi-supervised</a:t>
+            </a:r>
+            <a:endParaRPr lang="zh-CN" altLang="zh-CN" dirty="0"/>
+          </a:p>
+          <a:p>
+            <a:pPr>
+              <a:spcAft>
+                <a:spcPts val="0"/>
+              </a:spcAft>
+            </a:pPr>
+            <a:r>
+              <a:rPr lang="en-US" altLang="zh-CN" dirty="0"/>
+              <a:t>embedding in attributed networks with outliers.” In SDM, 153-161,</a:t>
+            </a:r>
+            <a:endParaRPr lang="zh-CN" altLang="zh-CN" dirty="0"/>
+          </a:p>
+          <a:p>
+            <a:pPr>
+              <a:spcAft>
+                <a:spcPts val="0"/>
+              </a:spcAft>
+            </a:pPr>
+            <a:r>
+              <a:rPr lang="en-US" altLang="zh-CN" dirty="0"/>
+              <a:t>2018.</a:t>
+            </a:r>
+            <a:endParaRPr lang="zh-CN" altLang="zh-CN" dirty="0"/>
+          </a:p>
+          <a:p>
+            <a:pPr>
+              <a:spcAft>
+                <a:spcPts val="0"/>
+              </a:spcAft>
+            </a:pPr>
+            <a:r>
+              <a:rPr lang="en-US" altLang="zh-CN" dirty="0"/>
+              <a:t>[6] Z. Yang, W. W. Cohen, and R. </a:t>
+            </a:r>
+            <a:r>
+              <a:rPr lang="en-US" altLang="zh-CN" dirty="0" err="1"/>
+              <a:t>Salakhutdinov</a:t>
+            </a:r>
+            <a:r>
+              <a:rPr lang="en-US" altLang="zh-CN" dirty="0"/>
+              <a:t>, “Revisiting </a:t>
+            </a:r>
+            <a:r>
+              <a:rPr lang="en-US" altLang="zh-CN" dirty="0" err="1"/>
+              <a:t>semisupervised</a:t>
+            </a:r>
+            <a:endParaRPr lang="zh-CN" altLang="zh-CN" dirty="0"/>
+          </a:p>
+          <a:p>
+            <a:pPr>
+              <a:spcAft>
+                <a:spcPts val="0"/>
+              </a:spcAft>
+            </a:pPr>
+            <a:r>
+              <a:rPr lang="en-US" altLang="zh-CN" dirty="0"/>
+              <a:t>learning with graph embeddings.” In ICML, 40-48, 2016.</a:t>
+            </a:r>
+          </a:p>
+          <a:p>
+            <a:pPr>
+              <a:spcAft>
+                <a:spcPts val="0"/>
+              </a:spcAft>
+            </a:pPr>
+            <a:endParaRPr lang="zh-CN" altLang="zh-CN" dirty="0"/>
+          </a:p>
+        </p:txBody>
+      </p:sp>
+    </p:spTree>
+    <p:extLst>
+      <p:ext uri="{BB962C8B-B14F-4D97-AF65-F5344CB8AC3E}">
+        <p14:creationId xmlns:p14="http://schemas.microsoft.com/office/powerpoint/2010/main" val="1040690934"/>
+      </p:ext>
+    </p:extLst>
+  </p:cSld>
+  <p:clrMapOvr>
+    <a:masterClrMapping/>
+  </p:clrMapOvr>
 </p:sld>
 </file>
 
@@ -4111,7 +4923,7 @@
           <p:cNvPr id="2" name="标题 1">
             <a:extLst>
               <a:ext uri="{FF2B5EF4-FFF2-40B4-BE49-F238E27FC236}">
-                <a16:creationId xmlns:a16="http://schemas.microsoft.com/office/drawing/2014/main" xmlns="" id="{729E7753-D934-41AF-979C-BE3013383BDA}"/>
+                <a16:creationId xmlns:a16="http://schemas.microsoft.com/office/drawing/2014/main" id="{729E7753-D934-41AF-979C-BE3013383BDA}"/>
               </a:ext>
             </a:extLst>
           </p:cNvPr>
@@ -4135,10 +4947,9 @@
           <a:lstStyle/>
           <a:p>
             <a:r>
-              <a:rPr lang="en-HK" b="1" dirty="0" smtClean="0"/>
+              <a:rPr lang="en-HK" b="1" dirty="0"/>
               <a:t>1. Introduction </a:t>
             </a:r>
-            <a:endParaRPr lang="en-HK" b="1" dirty="0"/>
           </a:p>
         </p:txBody>
       </p:sp>
@@ -4147,7 +4958,7 @@
           <p:cNvPr id="4" name="图形 3">
             <a:extLst>
               <a:ext uri="{FF2B5EF4-FFF2-40B4-BE49-F238E27FC236}">
-                <a16:creationId xmlns:a16="http://schemas.microsoft.com/office/drawing/2014/main" xmlns="" id="{3EF556CA-30DB-46CA-B010-E7BC06705578}"/>
+                <a16:creationId xmlns:a16="http://schemas.microsoft.com/office/drawing/2014/main" id="{3EF556CA-30DB-46CA-B010-E7BC06705578}"/>
               </a:ext>
             </a:extLst>
           </p:cNvPr>
@@ -4160,7 +4971,7 @@
           <a:blip r:embed="rId3">
             <a:extLst>
               <a:ext uri="{96DAC541-7B7A-43D3-8B79-37D633B846F1}">
-                <asvg:svgBlip xmlns:asvg="http://schemas.microsoft.com/office/drawing/2016/SVG/main" xmlns="" r:embed="rId5"/>
+                <asvg:svgBlip xmlns:asvg="http://schemas.microsoft.com/office/drawing/2016/SVG/main" r:embed="rId4"/>
               </a:ext>
             </a:extLst>
           </a:blip>
@@ -4183,7 +4994,7 @@
           <p:cNvPr id="5" name="箭头: 五边形 4">
             <a:extLst>
               <a:ext uri="{FF2B5EF4-FFF2-40B4-BE49-F238E27FC236}">
-                <a16:creationId xmlns:a16="http://schemas.microsoft.com/office/drawing/2014/main" xmlns="" id="{61E862C7-DDED-46B2-88A9-92A4D3F40475}"/>
+                <a16:creationId xmlns:a16="http://schemas.microsoft.com/office/drawing/2014/main" id="{61E862C7-DDED-46B2-88A9-92A4D3F40475}"/>
               </a:ext>
             </a:extLst>
           </p:cNvPr>
@@ -4232,7 +5043,7 @@
           <p:cNvPr id="6" name="图形 5">
             <a:extLst>
               <a:ext uri="{FF2B5EF4-FFF2-40B4-BE49-F238E27FC236}">
-                <a16:creationId xmlns:a16="http://schemas.microsoft.com/office/drawing/2014/main" xmlns="" id="{217E1EC4-7E0E-4611-9AC8-528215714F14}"/>
+                <a16:creationId xmlns:a16="http://schemas.microsoft.com/office/drawing/2014/main" id="{217E1EC4-7E0E-4611-9AC8-528215714F14}"/>
               </a:ext>
             </a:extLst>
           </p:cNvPr>
@@ -4242,10 +5053,10 @@
           <p:nvPr/>
         </p:nvPicPr>
         <p:blipFill>
-          <a:blip r:embed="rId6">
+          <a:blip r:embed="rId5">
             <a:extLst>
               <a:ext uri="{96DAC541-7B7A-43D3-8B79-37D633B846F1}">
-                <asvg:svgBlip xmlns:asvg="http://schemas.microsoft.com/office/drawing/2016/SVG/main" xmlns="" r:embed="rId7"/>
+                <asvg:svgBlip xmlns:asvg="http://schemas.microsoft.com/office/drawing/2016/SVG/main" r:embed="rId6"/>
               </a:ext>
             </a:extLst>
           </a:blip>
@@ -4339,7 +5150,7 @@
           <p:nvPr/>
         </p:nvPicPr>
         <p:blipFill>
-          <a:blip r:embed="rId8">
+          <a:blip r:embed="rId7">
             <a:extLst>
               <a:ext uri="{28A0092B-C50C-407E-A947-70E740481C1C}">
                 <a14:useLocalDpi xmlns:a14="http://schemas.microsoft.com/office/drawing/2010/main" val="0"/>
@@ -4369,7 +5180,7 @@
           <p:nvPr/>
         </p:nvPicPr>
         <p:blipFill rotWithShape="1">
-          <a:blip r:embed="rId9"/>
+          <a:blip r:embed="rId8"/>
           <a:srcRect l="55112" t="14917" r="5877" b="18680"/>
           <a:stretch/>
         </p:blipFill>
@@ -4574,7 +5385,7 @@
           <p:cNvPr id="2" name="标题 1">
             <a:extLst>
               <a:ext uri="{FF2B5EF4-FFF2-40B4-BE49-F238E27FC236}">
-                <a16:creationId xmlns:a16="http://schemas.microsoft.com/office/drawing/2014/main" xmlns="" id="{729E7753-D934-41AF-979C-BE3013383BDA}"/>
+                <a16:creationId xmlns:a16="http://schemas.microsoft.com/office/drawing/2014/main" id="{729E7753-D934-41AF-979C-BE3013383BDA}"/>
               </a:ext>
             </a:extLst>
           </p:cNvPr>
@@ -4598,7 +5409,7 @@
           <a:lstStyle/>
           <a:p>
             <a:r>
-              <a:rPr lang="en-US" altLang="zh-CN" b="1" dirty="0" smtClean="0"/>
+              <a:rPr lang="en-US" altLang="zh-CN" b="1" dirty="0"/>
               <a:t>2. Motivation</a:t>
             </a:r>
             <a:endParaRPr lang="en-HK" b="1" dirty="0"/>
@@ -4610,7 +5421,7 @@
           <p:cNvPr id="4" name="图形 3">
             <a:extLst>
               <a:ext uri="{FF2B5EF4-FFF2-40B4-BE49-F238E27FC236}">
-                <a16:creationId xmlns:a16="http://schemas.microsoft.com/office/drawing/2014/main" xmlns="" id="{3EF556CA-30DB-46CA-B010-E7BC06705578}"/>
+                <a16:creationId xmlns:a16="http://schemas.microsoft.com/office/drawing/2014/main" id="{3EF556CA-30DB-46CA-B010-E7BC06705578}"/>
               </a:ext>
             </a:extLst>
           </p:cNvPr>
@@ -4623,7 +5434,7 @@
           <a:blip r:embed="rId3">
             <a:extLst>
               <a:ext uri="{96DAC541-7B7A-43D3-8B79-37D633B846F1}">
-                <asvg:svgBlip xmlns:asvg="http://schemas.microsoft.com/office/drawing/2016/SVG/main" xmlns="" r:embed="rId5"/>
+                <asvg:svgBlip xmlns:asvg="http://schemas.microsoft.com/office/drawing/2016/SVG/main" r:embed="rId4"/>
               </a:ext>
             </a:extLst>
           </a:blip>
@@ -4646,7 +5457,7 @@
           <p:cNvPr id="5" name="箭头: 五边形 4">
             <a:extLst>
               <a:ext uri="{FF2B5EF4-FFF2-40B4-BE49-F238E27FC236}">
-                <a16:creationId xmlns:a16="http://schemas.microsoft.com/office/drawing/2014/main" xmlns="" id="{61E862C7-DDED-46B2-88A9-92A4D3F40475}"/>
+                <a16:creationId xmlns:a16="http://schemas.microsoft.com/office/drawing/2014/main" id="{61E862C7-DDED-46B2-88A9-92A4D3F40475}"/>
               </a:ext>
             </a:extLst>
           </p:cNvPr>
@@ -4695,7 +5506,7 @@
           <p:cNvPr id="6" name="图形 5">
             <a:extLst>
               <a:ext uri="{FF2B5EF4-FFF2-40B4-BE49-F238E27FC236}">
-                <a16:creationId xmlns:a16="http://schemas.microsoft.com/office/drawing/2014/main" xmlns="" id="{217E1EC4-7E0E-4611-9AC8-528215714F14}"/>
+                <a16:creationId xmlns:a16="http://schemas.microsoft.com/office/drawing/2014/main" id="{217E1EC4-7E0E-4611-9AC8-528215714F14}"/>
               </a:ext>
             </a:extLst>
           </p:cNvPr>
@@ -4705,10 +5516,10 @@
           <p:nvPr/>
         </p:nvPicPr>
         <p:blipFill>
-          <a:blip r:embed="rId6">
+          <a:blip r:embed="rId5">
             <a:extLst>
               <a:ext uri="{96DAC541-7B7A-43D3-8B79-37D633B846F1}">
-                <asvg:svgBlip xmlns:asvg="http://schemas.microsoft.com/office/drawing/2016/SVG/main" xmlns="" r:embed="rId7"/>
+                <asvg:svgBlip xmlns:asvg="http://schemas.microsoft.com/office/drawing/2016/SVG/main" r:embed="rId6"/>
               </a:ext>
             </a:extLst>
           </a:blip>
@@ -4766,7 +5577,7 @@
               <a:defRPr/>
             </a:pPr>
             <a:r>
-              <a:rPr kumimoji="1" lang="en-US" altLang="zh-CN" sz="2400" dirty="0" smtClean="0"/>
+              <a:rPr kumimoji="1" lang="en-US" altLang="zh-CN" sz="2400" dirty="0"/>
               <a:t>What we need: </a:t>
             </a:r>
           </a:p>
@@ -4777,11 +5588,7 @@
             </a:pPr>
             <a:r>
               <a:rPr lang="en-US" altLang="zh-CN" sz="2400" dirty="0"/>
-              <a:t>large-scale </a:t>
-            </a:r>
-            <a:r>
-              <a:rPr lang="en-US" altLang="zh-CN" sz="2400" dirty="0" smtClean="0"/>
-              <a:t>training</a:t>
+              <a:t>large-scale training</a:t>
             </a:r>
           </a:p>
           <a:p>
@@ -4790,7 +5597,7 @@
               <a:buChar char="•"/>
             </a:pPr>
             <a:r>
-              <a:rPr kumimoji="1" lang="en-US" altLang="zh-CN" sz="2400" dirty="0" smtClean="0"/>
+              <a:rPr kumimoji="1" lang="en-US" altLang="zh-CN" sz="2400" dirty="0"/>
               <a:t>Taking models into production</a:t>
             </a:r>
           </a:p>
@@ -4800,10 +5607,9 @@
               <a:buChar char="•"/>
             </a:pPr>
             <a:r>
-              <a:rPr kumimoji="1" lang="en-US" altLang="zh-CN" sz="2400" dirty="0" smtClean="0"/>
+              <a:rPr kumimoji="1" lang="en-US" altLang="zh-CN" sz="2400" dirty="0"/>
               <a:t>Machine learning research</a:t>
             </a:r>
-            <a:endParaRPr kumimoji="1" lang="en-US" altLang="zh-CN" sz="2400" dirty="0"/>
           </a:p>
         </p:txBody>
       </p:sp>
@@ -4831,7 +5637,7 @@
           <a:p>
             <a:pPr algn="ctr"/>
             <a:r>
-              <a:rPr lang="en-US" altLang="zh-CN" sz="5400" b="1" cap="none" spc="0" dirty="0" smtClean="0">
+              <a:rPr lang="en-US" altLang="zh-CN" sz="5400" b="1" cap="none" spc="0" dirty="0">
                 <a:ln w="9525">
                   <a:solidFill>
                     <a:schemeClr val="bg1"/>
@@ -5012,7 +5818,7 @@
           <p:nvPr/>
         </p:nvPicPr>
         <p:blipFill>
-          <a:blip r:embed="rId8">
+          <a:blip r:embed="rId7">
             <a:extLst>
               <a:ext uri="{28A0092B-C50C-407E-A947-70E740481C1C}">
                 <a14:useLocalDpi xmlns:a14="http://schemas.microsoft.com/office/drawing/2010/main" val="0"/>
@@ -5306,7 +6112,7 @@
           <p:cNvPr id="2" name="标题 1">
             <a:extLst>
               <a:ext uri="{FF2B5EF4-FFF2-40B4-BE49-F238E27FC236}">
-                <a16:creationId xmlns:a16="http://schemas.microsoft.com/office/drawing/2014/main" xmlns="" id="{729E7753-D934-41AF-979C-BE3013383BDA}"/>
+                <a16:creationId xmlns:a16="http://schemas.microsoft.com/office/drawing/2014/main" id="{729E7753-D934-41AF-979C-BE3013383BDA}"/>
               </a:ext>
             </a:extLst>
           </p:cNvPr>
@@ -5330,7 +6136,7 @@
           <a:lstStyle/>
           <a:p>
             <a:r>
-              <a:rPr lang="en-US" altLang="zh-CN" b="1" dirty="0" smtClean="0"/>
+              <a:rPr lang="en-US" altLang="zh-CN" b="1" dirty="0"/>
               <a:t>3. Limitation of Disbelief</a:t>
             </a:r>
             <a:endParaRPr lang="en-HK" b="1" dirty="0"/>
@@ -5342,7 +6148,7 @@
           <p:cNvPr id="4" name="图形 3">
             <a:extLst>
               <a:ext uri="{FF2B5EF4-FFF2-40B4-BE49-F238E27FC236}">
-                <a16:creationId xmlns:a16="http://schemas.microsoft.com/office/drawing/2014/main" xmlns="" id="{3EF556CA-30DB-46CA-B010-E7BC06705578}"/>
+                <a16:creationId xmlns:a16="http://schemas.microsoft.com/office/drawing/2014/main" id="{3EF556CA-30DB-46CA-B010-E7BC06705578}"/>
               </a:ext>
             </a:extLst>
           </p:cNvPr>
@@ -5355,7 +6161,7 @@
           <a:blip r:embed="rId3">
             <a:extLst>
               <a:ext uri="{96DAC541-7B7A-43D3-8B79-37D633B846F1}">
-                <asvg:svgBlip xmlns:asvg="http://schemas.microsoft.com/office/drawing/2016/SVG/main" xmlns="" r:embed="rId5"/>
+                <asvg:svgBlip xmlns:asvg="http://schemas.microsoft.com/office/drawing/2016/SVG/main" r:embed="rId4"/>
               </a:ext>
             </a:extLst>
           </a:blip>
@@ -5378,7 +6184,7 @@
           <p:cNvPr id="5" name="箭头: 五边形 4">
             <a:extLst>
               <a:ext uri="{FF2B5EF4-FFF2-40B4-BE49-F238E27FC236}">
-                <a16:creationId xmlns:a16="http://schemas.microsoft.com/office/drawing/2014/main" xmlns="" id="{61E862C7-DDED-46B2-88A9-92A4D3F40475}"/>
+                <a16:creationId xmlns:a16="http://schemas.microsoft.com/office/drawing/2014/main" id="{61E862C7-DDED-46B2-88A9-92A4D3F40475}"/>
               </a:ext>
             </a:extLst>
           </p:cNvPr>
@@ -5427,7 +6233,7 @@
           <p:cNvPr id="6" name="图形 5">
             <a:extLst>
               <a:ext uri="{FF2B5EF4-FFF2-40B4-BE49-F238E27FC236}">
-                <a16:creationId xmlns:a16="http://schemas.microsoft.com/office/drawing/2014/main" xmlns="" id="{217E1EC4-7E0E-4611-9AC8-528215714F14}"/>
+                <a16:creationId xmlns:a16="http://schemas.microsoft.com/office/drawing/2014/main" id="{217E1EC4-7E0E-4611-9AC8-528215714F14}"/>
               </a:ext>
             </a:extLst>
           </p:cNvPr>
@@ -5437,10 +6243,10 @@
           <p:nvPr/>
         </p:nvPicPr>
         <p:blipFill>
-          <a:blip r:embed="rId6">
+          <a:blip r:embed="rId5">
             <a:extLst>
               <a:ext uri="{96DAC541-7B7A-43D3-8B79-37D633B846F1}">
-                <asvg:svgBlip xmlns:asvg="http://schemas.microsoft.com/office/drawing/2016/SVG/main" xmlns="" r:embed="rId7"/>
+                <asvg:svgBlip xmlns:asvg="http://schemas.microsoft.com/office/drawing/2016/SVG/main" r:embed="rId6"/>
               </a:ext>
             </a:extLst>
           </a:blip>
@@ -5485,13 +6291,13 @@
               <a:buChar char="•"/>
             </a:pPr>
             <a:r>
-              <a:rPr kumimoji="1" lang="en-US" altLang="zh-CN" dirty="0" smtClean="0"/>
+              <a:rPr kumimoji="1" lang="en-US" altLang="zh-CN" dirty="0"/>
               <a:t>Layers: </a:t>
             </a:r>
           </a:p>
           <a:p>
             <a:r>
-              <a:rPr kumimoji="1" lang="en-US" altLang="zh-CN" dirty="0" smtClean="0"/>
+              <a:rPr kumimoji="1" lang="en-US" altLang="zh-CN" dirty="0"/>
               <a:t>Layers in Disbelief are written as C++ classes, which is not friendly when user want to create new layer.</a:t>
             </a:r>
           </a:p>
@@ -5505,55 +6311,23 @@
             </a:pPr>
             <a:r>
               <a:rPr lang="en-US" altLang="zh-CN" dirty="0"/>
-              <a:t>Optimization Techniques</a:t>
-            </a:r>
-            <a:r>
-              <a:rPr lang="en-US" altLang="zh-CN" dirty="0" smtClean="0"/>
-              <a:t>:</a:t>
+              <a:t>Optimization Techniques:</a:t>
             </a:r>
           </a:p>
           <a:p>
             <a:r>
               <a:rPr lang="en-US" altLang="zh-CN" dirty="0"/>
-              <a:t>optimization methods outside of stochastic gradient </a:t>
-            </a:r>
-            <a:r>
-              <a:rPr lang="en-US" altLang="zh-CN" dirty="0" smtClean="0"/>
-              <a:t>descent(SGD)</a:t>
-            </a:r>
-            <a:r>
-              <a:rPr lang="en-US" altLang="zh-CN" dirty="0"/>
-              <a:t> </a:t>
-            </a:r>
-            <a:r>
-              <a:rPr lang="en-US" altLang="zh-CN" dirty="0" smtClean="0"/>
-              <a:t>is </a:t>
-            </a:r>
-            <a:r>
-              <a:rPr lang="en-US" altLang="zh-CN" dirty="0"/>
-              <a:t>not easy and might not work </a:t>
-            </a:r>
-            <a:r>
-              <a:rPr lang="en-US" altLang="zh-CN" dirty="0" smtClean="0"/>
-              <a:t>well</a:t>
+              <a:t>optimization methods outside of stochastic gradient descent(SGD) is not easy and might not work well</a:t>
             </a:r>
           </a:p>
           <a:p>
             <a:r>
               <a:rPr lang="en-US" altLang="zh-CN" b="1" dirty="0"/>
-              <a:t>Batch gradient </a:t>
-            </a:r>
-            <a:r>
-              <a:rPr lang="en-US" altLang="zh-CN" b="1" dirty="0" smtClean="0"/>
-              <a:t>descent      Adaptive </a:t>
-            </a:r>
-            <a:r>
-              <a:rPr lang="en-US" altLang="zh-CN" b="1" dirty="0"/>
-              <a:t>Moment Estimation (Adam)</a:t>
-            </a:r>
-          </a:p>
-          <a:p>
-            <a:endParaRPr lang="en-US" altLang="zh-CN" b="1" dirty="0" smtClean="0"/>
+              <a:t>Batch gradient descent      Adaptive Moment Estimation (Adam)</a:t>
+            </a:r>
+          </a:p>
+          <a:p>
+            <a:endParaRPr lang="en-US" altLang="zh-CN" b="1" dirty="0"/>
           </a:p>
           <a:p>
             <a:pPr marL="285750" indent="-285750">
@@ -5562,42 +6336,30 @@
             </a:pPr>
             <a:r>
               <a:rPr lang="en-US" altLang="zh-CN" dirty="0"/>
-              <a:t>NN structures</a:t>
-            </a:r>
-            <a:r>
-              <a:rPr lang="en-US" altLang="zh-CN" dirty="0" smtClean="0"/>
-              <a:t>:</a:t>
+              <a:t>NN structures:</a:t>
             </a:r>
           </a:p>
           <a:p>
             <a:r>
               <a:rPr lang="en-US" altLang="zh-CN" dirty="0"/>
-              <a:t>Fixed execution </a:t>
-            </a:r>
-            <a:r>
-              <a:rPr lang="en-US" altLang="zh-CN" dirty="0" smtClean="0"/>
-              <a:t>pattern</a:t>
+              <a:t>Fixed execution pattern</a:t>
             </a:r>
           </a:p>
           <a:p>
             <a:r>
               <a:rPr lang="en-US" altLang="zh-CN" b="1" dirty="0"/>
-              <a:t>Generative Adversarial Network(GAN</a:t>
-            </a:r>
-            <a:r>
-              <a:rPr lang="en-US" altLang="zh-CN" b="1" dirty="0" smtClean="0"/>
-              <a:t>)</a:t>
-            </a:r>
-            <a:r>
-              <a:rPr lang="zh-CN" altLang="en-US" b="1" dirty="0" smtClean="0"/>
+              <a:t>Generative Adversarial Network(GAN)</a:t>
+            </a:r>
+            <a:r>
+              <a:rPr lang="zh-CN" altLang="en-US" b="1" dirty="0"/>
               <a:t>  </a:t>
             </a:r>
             <a:r>
-              <a:rPr lang="en-US" altLang="zh-CN" b="1" dirty="0" err="1" smtClean="0"/>
+              <a:rPr lang="en-US" altLang="zh-CN" b="1" dirty="0" err="1"/>
               <a:t>GraphGAN</a:t>
             </a:r>
             <a:r>
-              <a:rPr lang="en-US" altLang="zh-CN" b="1" dirty="0" smtClean="0"/>
+              <a:rPr lang="en-US" altLang="zh-CN" b="1" dirty="0"/>
               <a:t> Dropout </a:t>
             </a:r>
             <a:endParaRPr lang="zh-CN" altLang="en-US" b="1" dirty="0"/>
@@ -5614,13 +6376,6 @@
   <p:clrMapOvr>
     <a:masterClrMapping/>
   </p:clrMapOvr>
-  <p:timing>
-    <p:tnLst>
-      <p:par>
-        <p:cTn id="1" dur="indefinite" restart="never" nodeType="tmRoot"/>
-      </p:par>
-    </p:tnLst>
-  </p:timing>
 </p:sld>
 </file>
 
@@ -5675,7 +6430,7 @@
           <p:cNvPr id="2" name="标题 1">
             <a:extLst>
               <a:ext uri="{FF2B5EF4-FFF2-40B4-BE49-F238E27FC236}">
-                <a16:creationId xmlns:a16="http://schemas.microsoft.com/office/drawing/2014/main" xmlns="" id="{729E7753-D934-41AF-979C-BE3013383BDA}"/>
+                <a16:creationId xmlns:a16="http://schemas.microsoft.com/office/drawing/2014/main" id="{729E7753-D934-41AF-979C-BE3013383BDA}"/>
               </a:ext>
             </a:extLst>
           </p:cNvPr>
@@ -5700,15 +6455,7 @@
           <a:p>
             <a:r>
               <a:rPr lang="en-US" altLang="zh-CN" b="1" dirty="0"/>
-              <a:t>4</a:t>
-            </a:r>
-            <a:r>
-              <a:rPr lang="en-US" altLang="zh-CN" b="1" dirty="0" smtClean="0"/>
-              <a:t>. </a:t>
-            </a:r>
-            <a:r>
-              <a:rPr lang="en-US" altLang="zh-CN" b="1" dirty="0"/>
-              <a:t>Core</a:t>
+              <a:t>4. Core</a:t>
             </a:r>
             <a:r>
               <a:rPr lang="zh-CN" altLang="en-US" b="1" dirty="0"/>
@@ -5727,7 +6474,7 @@
           <p:cNvPr id="4" name="图形 3">
             <a:extLst>
               <a:ext uri="{FF2B5EF4-FFF2-40B4-BE49-F238E27FC236}">
-                <a16:creationId xmlns:a16="http://schemas.microsoft.com/office/drawing/2014/main" xmlns="" id="{3EF556CA-30DB-46CA-B010-E7BC06705578}"/>
+                <a16:creationId xmlns:a16="http://schemas.microsoft.com/office/drawing/2014/main" id="{3EF556CA-30DB-46CA-B010-E7BC06705578}"/>
               </a:ext>
             </a:extLst>
           </p:cNvPr>
@@ -5740,7 +6487,7 @@
           <a:blip r:embed="rId3">
             <a:extLst>
               <a:ext uri="{96DAC541-7B7A-43D3-8B79-37D633B846F1}">
-                <asvg:svgBlip xmlns:asvg="http://schemas.microsoft.com/office/drawing/2016/SVG/main" xmlns="" r:embed="rId5"/>
+                <asvg:svgBlip xmlns:asvg="http://schemas.microsoft.com/office/drawing/2016/SVG/main" r:embed="rId4"/>
               </a:ext>
             </a:extLst>
           </a:blip>
@@ -5763,7 +6510,7 @@
           <p:cNvPr id="5" name="箭头: 五边形 4">
             <a:extLst>
               <a:ext uri="{FF2B5EF4-FFF2-40B4-BE49-F238E27FC236}">
-                <a16:creationId xmlns:a16="http://schemas.microsoft.com/office/drawing/2014/main" xmlns="" id="{61E862C7-DDED-46B2-88A9-92A4D3F40475}"/>
+                <a16:creationId xmlns:a16="http://schemas.microsoft.com/office/drawing/2014/main" id="{61E862C7-DDED-46B2-88A9-92A4D3F40475}"/>
               </a:ext>
             </a:extLst>
           </p:cNvPr>
@@ -5812,7 +6559,7 @@
           <p:cNvPr id="6" name="图形 5">
             <a:extLst>
               <a:ext uri="{FF2B5EF4-FFF2-40B4-BE49-F238E27FC236}">
-                <a16:creationId xmlns:a16="http://schemas.microsoft.com/office/drawing/2014/main" xmlns="" id="{217E1EC4-7E0E-4611-9AC8-528215714F14}"/>
+                <a16:creationId xmlns:a16="http://schemas.microsoft.com/office/drawing/2014/main" id="{217E1EC4-7E0E-4611-9AC8-528215714F14}"/>
               </a:ext>
             </a:extLst>
           </p:cNvPr>
@@ -5822,10 +6569,10 @@
           <p:nvPr/>
         </p:nvPicPr>
         <p:blipFill>
-          <a:blip r:embed="rId6">
+          <a:blip r:embed="rId5">
             <a:extLst>
               <a:ext uri="{96DAC541-7B7A-43D3-8B79-37D633B846F1}">
-                <asvg:svgBlip xmlns:asvg="http://schemas.microsoft.com/office/drawing/2016/SVG/main" xmlns="" r:embed="rId7"/>
+                <asvg:svgBlip xmlns:asvg="http://schemas.microsoft.com/office/drawing/2016/SVG/main" r:embed="rId6"/>
               </a:ext>
             </a:extLst>
           </a:blip>
@@ -5866,24 +6613,16 @@
           <a:lstStyle/>
           <a:p>
             <a:r>
-              <a:rPr lang="en-US" altLang="zh-CN" sz="2800" dirty="0" smtClean="0"/>
+              <a:rPr lang="en-US" altLang="zh-CN" sz="2800" dirty="0"/>
               <a:t>4.1</a:t>
             </a:r>
             <a:r>
-              <a:rPr lang="zh-CN" altLang="en-US" sz="2800" dirty="0" smtClean="0"/>
+              <a:rPr lang="zh-CN" altLang="en-US" sz="2800" dirty="0"/>
               <a:t> </a:t>
             </a:r>
             <a:r>
-              <a:rPr lang="en-US" altLang="zh-CN" sz="2800" dirty="0" smtClean="0"/>
-              <a:t>Dataflow </a:t>
-            </a:r>
-            <a:r>
               <a:rPr lang="en-US" altLang="zh-CN" sz="2800" dirty="0"/>
-              <a:t>graphs of primitive </a:t>
-            </a:r>
-            <a:r>
-              <a:rPr lang="en-US" altLang="zh-CN" sz="2800" dirty="0" smtClean="0"/>
-              <a:t>operators</a:t>
+              <a:t>Dataflow graphs of primitive operators</a:t>
             </a:r>
           </a:p>
           <a:p>
@@ -5893,47 +6632,23 @@
             </a:r>
             <a:r>
               <a:rPr lang="en-US" altLang="zh-CN" dirty="0"/>
-              <a:t> model </a:t>
-            </a:r>
-            <a:r>
-              <a:rPr lang="en-US" altLang="zh-CN" dirty="0" smtClean="0"/>
-              <a:t>represents</a:t>
-            </a:r>
-            <a:r>
-              <a:rPr lang="zh-CN" altLang="en-US" dirty="0" smtClean="0"/>
+              <a:t> model represents</a:t>
+            </a:r>
+            <a:r>
+              <a:rPr lang="zh-CN" altLang="en-US" dirty="0"/>
               <a:t> </a:t>
             </a:r>
             <a:r>
-              <a:rPr lang="en-US" altLang="zh-CN" dirty="0" smtClean="0"/>
-              <a:t>individual </a:t>
-            </a:r>
-            <a:r>
               <a:rPr lang="en-US" altLang="zh-CN" dirty="0"/>
-              <a:t>mathematical operators </a:t>
-            </a:r>
-            <a:r>
-              <a:rPr lang="en-US" altLang="zh-CN" dirty="0" smtClean="0"/>
-              <a:t>as </a:t>
+              <a:t>individual mathematical operators as nodes in the dataflow</a:t>
+            </a:r>
+            <a:r>
+              <a:rPr lang="zh-CN" altLang="en-US" dirty="0"/>
+              <a:t> </a:t>
             </a:r>
             <a:r>
               <a:rPr lang="en-US" altLang="zh-CN" dirty="0"/>
-              <a:t>nodes in the </a:t>
-            </a:r>
-            <a:r>
-              <a:rPr lang="en-US" altLang="zh-CN" dirty="0" smtClean="0"/>
-              <a:t>dataflow</a:t>
-            </a:r>
-            <a:r>
-              <a:rPr lang="zh-CN" altLang="en-US" dirty="0" smtClean="0"/>
-              <a:t> </a:t>
-            </a:r>
-            <a:r>
-              <a:rPr lang="en-US" altLang="zh-CN" dirty="0" smtClean="0"/>
-              <a:t>graph</a:t>
-            </a:r>
-            <a:r>
-              <a:rPr lang="en-US" altLang="zh-CN" dirty="0"/>
-              <a:t>.</a:t>
+              <a:t>graph.</a:t>
             </a:r>
             <a:endParaRPr kumimoji="1" lang="zh-CN" altLang="en-US" dirty="0"/>
           </a:p>
@@ -6158,16 +6873,12 @@
           <a:p>
             <a:r>
               <a:rPr lang="en-US" altLang="zh-CN" dirty="0"/>
-              <a:t>local </a:t>
-            </a:r>
-            <a:r>
-              <a:rPr lang="en-US" altLang="zh-CN" dirty="0" smtClean="0"/>
-              <a:t>computation</a:t>
-            </a:r>
-          </a:p>
-          <a:p>
-            <a:r>
-              <a:rPr lang="en-US" altLang="zh-CN" dirty="0" smtClean="0"/>
+              <a:t>local computation</a:t>
+            </a:r>
+          </a:p>
+          <a:p>
+            <a:r>
+              <a:rPr lang="en-US" altLang="zh-CN" dirty="0"/>
               <a:t>Also called Operations</a:t>
             </a:r>
             <a:endParaRPr lang="zh-CN" altLang="en-US" dirty="0"/>
@@ -6205,14 +6916,10 @@
             </a:r>
             <a:r>
               <a:rPr lang="en-US" altLang="zh-CN" dirty="0"/>
-              <a:t>(values of the </a:t>
-            </a:r>
-            <a:r>
-              <a:rPr lang="en-US" altLang="zh-CN" dirty="0" smtClean="0"/>
-              <a:t>node1 output and node2 input</a:t>
-            </a:r>
-            <a:r>
-              <a:rPr lang="en-US" altLang="zh-CN" dirty="0" smtClean="0">
+              <a:t>(values of the node1 output and node2 input</a:t>
+            </a:r>
+            <a:r>
+              <a:rPr lang="en-US" altLang="zh-CN" dirty="0">
                 <a:solidFill>
                   <a:srgbClr val="424242"/>
                 </a:solidFill>
@@ -6247,7 +6954,7 @@
           <a:lstStyle/>
           <a:p>
             <a:r>
-              <a:rPr kumimoji="1" lang="en-US" altLang="zh-CN" smtClean="0"/>
+              <a:rPr kumimoji="1" lang="en-US" altLang="zh-CN"/>
               <a:t>Node 1</a:t>
             </a:r>
             <a:endParaRPr kumimoji="1" lang="zh-CN" altLang="en-US" dirty="0"/>
@@ -6277,7 +6984,7 @@
           <a:lstStyle/>
           <a:p>
             <a:r>
-              <a:rPr kumimoji="1" lang="en-US" altLang="zh-CN" dirty="0" smtClean="0"/>
+              <a:rPr kumimoji="1" lang="en-US" altLang="zh-CN" dirty="0"/>
               <a:t>Node 2</a:t>
             </a:r>
             <a:endParaRPr kumimoji="1" lang="zh-CN" altLang="en-US" dirty="0"/>
@@ -6341,15 +7048,15 @@
           <a:lstStyle/>
           <a:p>
             <a:r>
-              <a:rPr lang="en-US" altLang="zh-CN" sz="2800" dirty="0" smtClean="0"/>
+              <a:rPr lang="en-US" altLang="zh-CN" sz="2800" dirty="0"/>
               <a:t>4.2</a:t>
             </a:r>
             <a:r>
-              <a:rPr lang="zh-CN" altLang="en-US" sz="2800" dirty="0" smtClean="0"/>
+              <a:rPr lang="zh-CN" altLang="en-US" sz="2800" dirty="0"/>
               <a:t> </a:t>
             </a:r>
             <a:r>
-              <a:rPr lang="en-US" altLang="zh-CN" sz="2800" dirty="0" smtClean="0"/>
+              <a:rPr lang="en-US" altLang="zh-CN" sz="2800" dirty="0"/>
               <a:t>Deferred execution</a:t>
             </a:r>
           </a:p>
@@ -6366,19 +7073,7 @@
             </a:pPr>
             <a:r>
               <a:rPr lang="en-US" altLang="zh-CN" dirty="0"/>
-              <a:t>defines the </a:t>
-            </a:r>
-            <a:r>
-              <a:rPr lang="en-US" altLang="zh-CN" dirty="0" smtClean="0"/>
-              <a:t>program as </a:t>
-            </a:r>
-            <a:r>
-              <a:rPr lang="en-US" altLang="zh-CN" dirty="0"/>
-              <a:t>a symbolic dataflow </a:t>
-            </a:r>
-            <a:r>
-              <a:rPr lang="en-US" altLang="zh-CN" dirty="0" smtClean="0"/>
-              <a:t>graph</a:t>
+              <a:t>defines the program as a symbolic dataflow graph</a:t>
             </a:r>
           </a:p>
           <a:p>
@@ -6388,15 +7083,7 @@
             </a:pPr>
             <a:r>
               <a:rPr lang="en-US" altLang="zh-CN" dirty="0"/>
-              <a:t>executes an optimized version of </a:t>
-            </a:r>
-            <a:r>
-              <a:rPr lang="en-US" altLang="zh-CN" dirty="0" smtClean="0"/>
-              <a:t>the program </a:t>
-            </a:r>
-            <a:r>
-              <a:rPr lang="en-US" altLang="zh-CN" dirty="0"/>
-              <a:t>on the set of available devices.</a:t>
+              <a:t>executes an optimized version of the program on the set of available devices.</a:t>
             </a:r>
             <a:endParaRPr lang="zh-CN" altLang="en-US" dirty="0"/>
           </a:p>
@@ -6758,19 +7445,19 @@
           <a:lstStyle/>
           <a:p>
             <a:r>
-              <a:rPr kumimoji="1" lang="en-US" altLang="zh-CN" dirty="0" smtClean="0"/>
+              <a:rPr kumimoji="1" lang="en-US" altLang="zh-CN" dirty="0"/>
               <a:t>A = B + C</a:t>
             </a:r>
           </a:p>
           <a:p>
             <a:r>
-              <a:rPr kumimoji="1" lang="en-US" altLang="zh-CN" dirty="0" smtClean="0"/>
+              <a:rPr kumimoji="1" lang="en-US" altLang="zh-CN" dirty="0"/>
               <a:t>X = X + A</a:t>
             </a:r>
           </a:p>
           <a:p>
             <a:r>
-              <a:rPr kumimoji="1" lang="en-US" altLang="zh-CN" dirty="0" smtClean="0"/>
+              <a:rPr kumimoji="1" lang="en-US" altLang="zh-CN" dirty="0"/>
               <a:t>Y = Y + 1</a:t>
             </a:r>
             <a:endParaRPr kumimoji="1" lang="zh-CN" altLang="en-US" dirty="0"/>
@@ -6841,31 +7528,14 @@
           <a:p>
             <a:r>
               <a:rPr kumimoji="1" lang="en-US" altLang="zh-CN" dirty="0"/>
-              <a:t>Y = Y + </a:t>
-            </a:r>
-            <a:r>
-              <a:rPr kumimoji="1" lang="en-US" altLang="zh-CN" dirty="0" smtClean="0"/>
-              <a:t>1    A </a:t>
-            </a:r>
+              <a:t>Y = Y + 1    A = B + C</a:t>
+            </a:r>
+          </a:p>
+          <a:p>
             <a:r>
               <a:rPr kumimoji="1" lang="en-US" altLang="zh-CN" dirty="0"/>
-              <a:t>= B + C</a:t>
-            </a:r>
-          </a:p>
-          <a:p>
-            <a:r>
-              <a:rPr kumimoji="1" lang="en-US" altLang="zh-CN" dirty="0" smtClean="0"/>
-              <a:t>           </a:t>
-            </a:r>
-            <a:r>
-              <a:rPr kumimoji="1" lang="en-US" altLang="zh-CN" dirty="0"/>
-              <a:t>X = X + </a:t>
-            </a:r>
-            <a:r>
-              <a:rPr kumimoji="1" lang="en-US" altLang="zh-CN" dirty="0" smtClean="0"/>
-              <a:t>A</a:t>
-            </a:r>
-            <a:endParaRPr kumimoji="1" lang="en-US" altLang="zh-CN" dirty="0"/>
+              <a:t>           X = X + A</a:t>
+            </a:r>
           </a:p>
         </p:txBody>
       </p:sp>
@@ -7235,7 +7905,7 @@
           <p:cNvPr id="2" name="标题 1">
             <a:extLst>
               <a:ext uri="{FF2B5EF4-FFF2-40B4-BE49-F238E27FC236}">
-                <a16:creationId xmlns:a16="http://schemas.microsoft.com/office/drawing/2014/main" xmlns="" id="{729E7753-D934-41AF-979C-BE3013383BDA}"/>
+                <a16:creationId xmlns:a16="http://schemas.microsoft.com/office/drawing/2014/main" id="{729E7753-D934-41AF-979C-BE3013383BDA}"/>
               </a:ext>
             </a:extLst>
           </p:cNvPr>
@@ -7260,15 +7930,7 @@
           <a:p>
             <a:r>
               <a:rPr lang="en-US" altLang="zh-CN" b="1" dirty="0"/>
-              <a:t>4</a:t>
-            </a:r>
-            <a:r>
-              <a:rPr lang="en-US" altLang="zh-CN" b="1" dirty="0" smtClean="0"/>
-              <a:t>. </a:t>
-            </a:r>
-            <a:r>
-              <a:rPr lang="en-US" altLang="zh-CN" b="1" dirty="0"/>
-              <a:t>Core</a:t>
+              <a:t>4. Core</a:t>
             </a:r>
             <a:r>
               <a:rPr lang="zh-CN" altLang="en-US" b="1" dirty="0"/>
@@ -7287,7 +7949,7 @@
           <p:cNvPr id="4" name="图形 3">
             <a:extLst>
               <a:ext uri="{FF2B5EF4-FFF2-40B4-BE49-F238E27FC236}">
-                <a16:creationId xmlns:a16="http://schemas.microsoft.com/office/drawing/2014/main" xmlns="" id="{3EF556CA-30DB-46CA-B010-E7BC06705578}"/>
+                <a16:creationId xmlns:a16="http://schemas.microsoft.com/office/drawing/2014/main" id="{3EF556CA-30DB-46CA-B010-E7BC06705578}"/>
               </a:ext>
             </a:extLst>
           </p:cNvPr>
@@ -7300,7 +7962,7 @@
           <a:blip r:embed="rId3">
             <a:extLst>
               <a:ext uri="{96DAC541-7B7A-43D3-8B79-37D633B846F1}">
-                <asvg:svgBlip xmlns:asvg="http://schemas.microsoft.com/office/drawing/2016/SVG/main" xmlns="" r:embed="rId5"/>
+                <asvg:svgBlip xmlns:asvg="http://schemas.microsoft.com/office/drawing/2016/SVG/main" r:embed="rId4"/>
               </a:ext>
             </a:extLst>
           </a:blip>
@@ -7323,7 +7985,7 @@
           <p:cNvPr id="5" name="箭头: 五边形 4">
             <a:extLst>
               <a:ext uri="{FF2B5EF4-FFF2-40B4-BE49-F238E27FC236}">
-                <a16:creationId xmlns:a16="http://schemas.microsoft.com/office/drawing/2014/main" xmlns="" id="{61E862C7-DDED-46B2-88A9-92A4D3F40475}"/>
+                <a16:creationId xmlns:a16="http://schemas.microsoft.com/office/drawing/2014/main" id="{61E862C7-DDED-46B2-88A9-92A4D3F40475}"/>
               </a:ext>
             </a:extLst>
           </p:cNvPr>
@@ -7372,7 +8034,7 @@
           <p:cNvPr id="6" name="图形 5">
             <a:extLst>
               <a:ext uri="{FF2B5EF4-FFF2-40B4-BE49-F238E27FC236}">
-                <a16:creationId xmlns:a16="http://schemas.microsoft.com/office/drawing/2014/main" xmlns="" id="{217E1EC4-7E0E-4611-9AC8-528215714F14}"/>
+                <a16:creationId xmlns:a16="http://schemas.microsoft.com/office/drawing/2014/main" id="{217E1EC4-7E0E-4611-9AC8-528215714F14}"/>
               </a:ext>
             </a:extLst>
           </p:cNvPr>
@@ -7382,10 +8044,10 @@
           <p:nvPr/>
         </p:nvPicPr>
         <p:blipFill>
-          <a:blip r:embed="rId6">
+          <a:blip r:embed="rId5">
             <a:extLst>
               <a:ext uri="{96DAC541-7B7A-43D3-8B79-37D633B846F1}">
-                <asvg:svgBlip xmlns:asvg="http://schemas.microsoft.com/office/drawing/2016/SVG/main" xmlns="" r:embed="rId7"/>
+                <asvg:svgBlip xmlns:asvg="http://schemas.microsoft.com/office/drawing/2016/SVG/main" r:embed="rId6"/>
               </a:ext>
             </a:extLst>
           </a:blip>
@@ -7651,7 +8313,7 @@
           <a:lstStyle/>
           <a:p>
             <a:r>
-              <a:rPr kumimoji="1" lang="en-US" altLang="zh-CN" smtClean="0"/>
+              <a:rPr kumimoji="1" lang="en-US" altLang="zh-CN"/>
               <a:t>Node 1</a:t>
             </a:r>
             <a:endParaRPr kumimoji="1" lang="zh-CN" altLang="en-US" dirty="0"/>
@@ -7681,7 +8343,7 @@
           <a:lstStyle/>
           <a:p>
             <a:r>
-              <a:rPr kumimoji="1" lang="en-US" altLang="zh-CN" dirty="0" smtClean="0"/>
+              <a:rPr kumimoji="1" lang="en-US" altLang="zh-CN" dirty="0"/>
               <a:t>Node 2</a:t>
             </a:r>
             <a:endParaRPr kumimoji="1" lang="zh-CN" altLang="en-US" dirty="0"/>
@@ -7746,29 +8408,13 @@
           <a:p>
             <a:r>
               <a:rPr lang="en-US" altLang="zh-CN" sz="2800" dirty="0"/>
-              <a:t>4.4 </a:t>
-            </a:r>
-            <a:r>
-              <a:rPr lang="en-US" altLang="zh-CN" sz="2800" dirty="0" smtClean="0"/>
-              <a:t>parallelization</a:t>
+              <a:t>4.4 parallelization</a:t>
             </a:r>
           </a:p>
           <a:p>
             <a:r>
               <a:rPr lang="en-US" altLang="zh-CN" dirty="0"/>
-              <a:t>vertices may have mutable state that can be shared between </a:t>
-            </a:r>
-            <a:r>
-              <a:rPr lang="en-US" altLang="zh-CN" dirty="0" smtClean="0"/>
-              <a:t>different executions </a:t>
-            </a:r>
-            <a:r>
-              <a:rPr lang="en-US" altLang="zh-CN" dirty="0"/>
-              <a:t>of the </a:t>
-            </a:r>
-            <a:r>
-              <a:rPr lang="en-US" altLang="zh-CN" dirty="0" smtClean="0"/>
-              <a:t>graph</a:t>
+              <a:t>vertices may have mutable state that can be shared between different executions of the graph</a:t>
             </a:r>
           </a:p>
           <a:p>
@@ -7855,39 +8501,23 @@
           <a:lstStyle/>
           <a:p>
             <a:r>
-              <a:rPr lang="en-US" altLang="zh-CN" dirty="0" smtClean="0"/>
+              <a:rPr lang="en-US" altLang="zh-CN" dirty="0"/>
               <a:t>the same</a:t>
             </a:r>
             <a:r>
-              <a:rPr lang="zh-CN" altLang="en-US" dirty="0" smtClean="0"/>
+              <a:rPr lang="zh-CN" altLang="en-US" dirty="0"/>
               <a:t> </a:t>
             </a:r>
             <a:r>
-              <a:rPr lang="en-US" altLang="zh-CN" dirty="0" smtClean="0"/>
-              <a:t>program </a:t>
-            </a:r>
-            <a:r>
               <a:rPr lang="en-US" altLang="zh-CN" dirty="0"/>
-              <a:t>can easily target GPUs, mobile </a:t>
-            </a:r>
-            <a:r>
-              <a:rPr lang="en-US" altLang="zh-CN" dirty="0" smtClean="0"/>
-              <a:t>CPUs, or</a:t>
+              <a:t>program can easily target GPUs, mobile CPUs, or</a:t>
             </a:r>
             <a:endParaRPr kumimoji="1" lang="zh-CN" altLang="en-US" dirty="0"/>
           </a:p>
           <a:p>
             <a:r>
-              <a:rPr lang="en-US" altLang="zh-CN" dirty="0" smtClean="0"/>
-              <a:t>Tensor </a:t>
-            </a:r>
-            <a:r>
               <a:rPr lang="en-US" altLang="zh-CN" dirty="0"/>
-              <a:t>Processing </a:t>
-            </a:r>
-            <a:r>
-              <a:rPr lang="en-US" altLang="zh-CN" dirty="0" smtClean="0"/>
-              <a:t>Unit (TPUs)</a:t>
+              <a:t>Tensor Processing Unit (TPUs)</a:t>
             </a:r>
             <a:endParaRPr kumimoji="1" lang="zh-CN" altLang="en-US" dirty="0"/>
           </a:p>
@@ -8039,7 +8669,7 @@
           <a:lstStyle/>
           <a:p>
             <a:r>
-              <a:rPr kumimoji="1" lang="en-US" altLang="zh-CN" smtClean="0"/>
+              <a:rPr kumimoji="1" lang="en-US" altLang="zh-CN"/>
               <a:t>X * X</a:t>
             </a:r>
             <a:endParaRPr kumimoji="1" lang="zh-CN" altLang="en-US" dirty="0"/>
@@ -8069,7 +8699,7 @@
           <a:lstStyle/>
           <a:p>
             <a:r>
-              <a:rPr kumimoji="1" lang="en-US" altLang="zh-CN" dirty="0" smtClean="0"/>
+              <a:rPr kumimoji="1" lang="en-US" altLang="zh-CN" dirty="0"/>
               <a:t>A</a:t>
             </a:r>
             <a:endParaRPr kumimoji="1" lang="zh-CN" altLang="en-US" dirty="0"/>
@@ -8099,7 +8729,7 @@
           <a:lstStyle/>
           <a:p>
             <a:r>
-              <a:rPr kumimoji="1" lang="en-US" altLang="zh-CN" dirty="0" smtClean="0"/>
+              <a:rPr kumimoji="1" lang="en-US" altLang="zh-CN" dirty="0"/>
               <a:t>B</a:t>
             </a:r>
             <a:endParaRPr kumimoji="1" lang="zh-CN" altLang="en-US" dirty="0"/>
@@ -8337,7 +8967,7 @@
           <a:lstStyle/>
           <a:p>
             <a:r>
-              <a:rPr kumimoji="1" lang="en-US" altLang="zh-CN" smtClean="0"/>
+              <a:rPr kumimoji="1" lang="en-US" altLang="zh-CN"/>
               <a:t>A + X * X</a:t>
             </a:r>
             <a:endParaRPr kumimoji="1" lang="zh-CN" altLang="en-US" dirty="0"/>
@@ -8368,11 +8998,7 @@
           <a:p>
             <a:r>
               <a:rPr kumimoji="1" lang="en-US" altLang="zh-CN" dirty="0"/>
-              <a:t>B</a:t>
-            </a:r>
-            <a:r>
-              <a:rPr kumimoji="1" lang="en-US" altLang="zh-CN" dirty="0" smtClean="0"/>
-              <a:t> + X * X</a:t>
+              <a:t>B + X * X</a:t>
             </a:r>
             <a:endParaRPr kumimoji="1" lang="zh-CN" altLang="en-US" dirty="0"/>
           </a:p>
@@ -8548,7 +9174,7 @@
           <p:cNvPr id="2" name="标题 1">
             <a:extLst>
               <a:ext uri="{FF2B5EF4-FFF2-40B4-BE49-F238E27FC236}">
-                <a16:creationId xmlns:a16="http://schemas.microsoft.com/office/drawing/2014/main" xmlns="" id="{729E7753-D934-41AF-979C-BE3013383BDA}"/>
+                <a16:creationId xmlns:a16="http://schemas.microsoft.com/office/drawing/2014/main" id="{729E7753-D934-41AF-979C-BE3013383BDA}"/>
               </a:ext>
             </a:extLst>
           </p:cNvPr>
@@ -8572,11 +9198,11 @@
           <a:lstStyle/>
           <a:p>
             <a:r>
-              <a:rPr lang="en-US" altLang="zh-CN" b="1" dirty="0" smtClean="0"/>
+              <a:rPr lang="en-US" altLang="zh-CN" b="1" dirty="0"/>
               <a:t>5. Application of </a:t>
             </a:r>
             <a:r>
-              <a:rPr lang="en-US" altLang="zh-CN" b="1" dirty="0" err="1" smtClean="0"/>
+              <a:rPr lang="en-US" altLang="zh-CN" b="1" dirty="0" err="1"/>
               <a:t>tensorflow</a:t>
             </a:r>
             <a:endParaRPr lang="en-HK" b="1" dirty="0"/>
@@ -8588,7 +9214,7 @@
           <p:cNvPr id="4" name="图形 3">
             <a:extLst>
               <a:ext uri="{FF2B5EF4-FFF2-40B4-BE49-F238E27FC236}">
-                <a16:creationId xmlns:a16="http://schemas.microsoft.com/office/drawing/2014/main" xmlns="" id="{3EF556CA-30DB-46CA-B010-E7BC06705578}"/>
+                <a16:creationId xmlns:a16="http://schemas.microsoft.com/office/drawing/2014/main" id="{3EF556CA-30DB-46CA-B010-E7BC06705578}"/>
               </a:ext>
             </a:extLst>
           </p:cNvPr>
@@ -8601,7 +9227,7 @@
           <a:blip r:embed="rId3">
             <a:extLst>
               <a:ext uri="{96DAC541-7B7A-43D3-8B79-37D633B846F1}">
-                <asvg:svgBlip xmlns:asvg="http://schemas.microsoft.com/office/drawing/2016/SVG/main" xmlns="" r:embed="rId5"/>
+                <asvg:svgBlip xmlns:asvg="http://schemas.microsoft.com/office/drawing/2016/SVG/main" r:embed="rId4"/>
               </a:ext>
             </a:extLst>
           </a:blip>
@@ -8624,7 +9250,7 @@
           <p:cNvPr id="5" name="箭头: 五边形 4">
             <a:extLst>
               <a:ext uri="{FF2B5EF4-FFF2-40B4-BE49-F238E27FC236}">
-                <a16:creationId xmlns:a16="http://schemas.microsoft.com/office/drawing/2014/main" xmlns="" id="{61E862C7-DDED-46B2-88A9-92A4D3F40475}"/>
+                <a16:creationId xmlns:a16="http://schemas.microsoft.com/office/drawing/2014/main" id="{61E862C7-DDED-46B2-88A9-92A4D3F40475}"/>
               </a:ext>
             </a:extLst>
           </p:cNvPr>
@@ -8673,7 +9299,7 @@
           <p:cNvPr id="6" name="图形 5">
             <a:extLst>
               <a:ext uri="{FF2B5EF4-FFF2-40B4-BE49-F238E27FC236}">
-                <a16:creationId xmlns:a16="http://schemas.microsoft.com/office/drawing/2014/main" xmlns="" id="{217E1EC4-7E0E-4611-9AC8-528215714F14}"/>
+                <a16:creationId xmlns:a16="http://schemas.microsoft.com/office/drawing/2014/main" id="{217E1EC4-7E0E-4611-9AC8-528215714F14}"/>
               </a:ext>
             </a:extLst>
           </p:cNvPr>
@@ -8683,10 +9309,10 @@
           <p:nvPr/>
         </p:nvPicPr>
         <p:blipFill>
-          <a:blip r:embed="rId6">
+          <a:blip r:embed="rId5">
             <a:extLst>
               <a:ext uri="{96DAC541-7B7A-43D3-8B79-37D633B846F1}">
-                <asvg:svgBlip xmlns:asvg="http://schemas.microsoft.com/office/drawing/2016/SVG/main" xmlns="" r:embed="rId7"/>
+                <asvg:svgBlip xmlns:asvg="http://schemas.microsoft.com/office/drawing/2016/SVG/main" r:embed="rId6"/>
               </a:ext>
             </a:extLst>
           </a:blip>
@@ -10377,7 +11003,7 @@
           <a:lstStyle/>
           <a:p>
             <a:r>
-              <a:rPr kumimoji="1" lang="en-US" altLang="zh-CN" smtClean="0"/>
+              <a:rPr kumimoji="1" lang="en-US" altLang="zh-CN"/>
               <a:t>input</a:t>
             </a:r>
             <a:endParaRPr kumimoji="1" lang="zh-CN" altLang="en-US" dirty="0"/>
@@ -10407,7 +11033,7 @@
           <a:lstStyle/>
           <a:p>
             <a:r>
-              <a:rPr kumimoji="1" lang="en-US" altLang="zh-CN" smtClean="0"/>
+              <a:rPr kumimoji="1" lang="en-US" altLang="zh-CN"/>
               <a:t>Hidden layer1</a:t>
             </a:r>
             <a:endParaRPr kumimoji="1" lang="zh-CN" altLang="en-US" dirty="0"/>
@@ -10476,7 +11102,7 @@
           <a:lstStyle/>
           <a:p>
             <a:r>
-              <a:rPr kumimoji="1" lang="en-US" altLang="zh-CN" dirty="0" smtClean="0"/>
+              <a:rPr kumimoji="1" lang="en-US" altLang="zh-CN" dirty="0"/>
               <a:t>Hidden layer2</a:t>
             </a:r>
             <a:endParaRPr kumimoji="1" lang="zh-CN" altLang="en-US" dirty="0"/>
@@ -10543,7 +11169,7 @@
           <a:lstStyle/>
           <a:p>
             <a:r>
-              <a:rPr kumimoji="1" lang="en-US" altLang="zh-CN" smtClean="0"/>
+              <a:rPr kumimoji="1" lang="en-US" altLang="zh-CN"/>
               <a:t>output</a:t>
             </a:r>
             <a:endParaRPr kumimoji="1" lang="zh-CN" altLang="en-US" dirty="0"/>
@@ -10559,7 +11185,7 @@
           <p:nvPr/>
         </p:nvPicPr>
         <p:blipFill>
-          <a:blip r:embed="rId8"/>
+          <a:blip r:embed="rId7"/>
           <a:stretch>
             <a:fillRect/>
           </a:stretch>
@@ -10597,28 +11223,24 @@
           <a:lstStyle/>
           <a:p>
             <a:r>
-              <a:rPr kumimoji="1" lang="en-US" altLang="zh-CN" dirty="0" smtClean="0"/>
+              <a:rPr kumimoji="1" lang="en-US" altLang="zh-CN" dirty="0"/>
               <a:t>Picture</a:t>
             </a:r>
             <a:r>
-              <a:rPr kumimoji="1" lang="zh-CN" altLang="en-US" dirty="0" smtClean="0"/>
+              <a:rPr kumimoji="1" lang="zh-CN" altLang="en-US" dirty="0"/>
               <a:t> </a:t>
             </a:r>
             <a:r>
-              <a:rPr kumimoji="1" lang="en-US" altLang="zh-CN" dirty="0" smtClean="0"/>
+              <a:rPr kumimoji="1" lang="en-US" altLang="zh-CN" dirty="0"/>
               <a:t>from</a:t>
             </a:r>
             <a:r>
-              <a:rPr kumimoji="1" lang="zh-CN" altLang="en-US" dirty="0" smtClean="0"/>
+              <a:rPr kumimoji="1" lang="zh-CN" altLang="en-US" dirty="0"/>
               <a:t> </a:t>
             </a:r>
             <a:r>
-              <a:rPr lang="en-US" altLang="zh-CN" dirty="0" smtClean="0"/>
-              <a:t>:</a:t>
-            </a:r>
-            <a:r>
               <a:rPr lang="en-US" altLang="zh-CN" dirty="0"/>
-              <a:t> </a:t>
+              <a:t>: </a:t>
             </a:r>
             <a:r>
               <a:rPr lang="en-US" altLang="zh-CN" u="sng" dirty="0"/>
@@ -10637,7 +11259,7 @@
           <p:nvPr/>
         </p:nvPicPr>
         <p:blipFill>
-          <a:blip r:embed="rId9"/>
+          <a:blip r:embed="rId8"/>
           <a:stretch>
             <a:fillRect/>
           </a:stretch>
@@ -10781,7 +11403,7 @@
         </p:blipFill>
         <p:spPr>
           <a:xfrm>
-            <a:off x="-423851" y="-708903"/>
+            <a:off x="-449251" y="-1118025"/>
             <a:ext cx="13039702" cy="2652243"/>
           </a:xfrm>
         </p:spPr>
@@ -10791,7 +11413,7 @@
           <p:cNvPr id="2" name="标题 1">
             <a:extLst>
               <a:ext uri="{FF2B5EF4-FFF2-40B4-BE49-F238E27FC236}">
-                <a16:creationId xmlns:a16="http://schemas.microsoft.com/office/drawing/2014/main" xmlns="" id="{729E7753-D934-41AF-979C-BE3013383BDA}"/>
+                <a16:creationId xmlns:a16="http://schemas.microsoft.com/office/drawing/2014/main" id="{729E7753-D934-41AF-979C-BE3013383BDA}"/>
               </a:ext>
             </a:extLst>
           </p:cNvPr>
@@ -10809,18 +11431,24 @@
           </a:xfrm>
         </p:spPr>
         <p:txBody>
-          <a:bodyPr/>
+          <a:bodyPr>
+            <a:normAutofit/>
+          </a:bodyPr>
           <a:lstStyle/>
           <a:p>
             <a:r>
               <a:rPr lang="en-US" altLang="zh-CN" b="1" dirty="0"/>
-              <a:t>6. </a:t>
-            </a:r>
-            <a:r>
-              <a:rPr lang="en-US" altLang="zh-CN" b="1" dirty="0" smtClean="0"/>
-              <a:t>Reference</a:t>
-            </a:r>
-            <a:endParaRPr lang="en-HK" dirty="0"/>
+              <a:t>5. Application of </a:t>
+            </a:r>
+            <a:r>
+              <a:rPr lang="en-US" altLang="zh-CN" b="1" dirty="0" err="1"/>
+              <a:t>tensorflow</a:t>
+            </a:r>
+            <a:r>
+              <a:rPr lang="en-US" altLang="zh-CN" b="1" dirty="0"/>
+              <a:t> -- NLP </a:t>
+            </a:r>
+            <a:endParaRPr lang="en-HK" b="1" dirty="0"/>
           </a:p>
         </p:txBody>
       </p:sp>
@@ -10829,7 +11457,7 @@
           <p:cNvPr id="4" name="图形 3">
             <a:extLst>
               <a:ext uri="{FF2B5EF4-FFF2-40B4-BE49-F238E27FC236}">
-                <a16:creationId xmlns:a16="http://schemas.microsoft.com/office/drawing/2014/main" xmlns="" id="{3EF556CA-30DB-46CA-B010-E7BC06705578}"/>
+                <a16:creationId xmlns:a16="http://schemas.microsoft.com/office/drawing/2014/main" id="{3EF556CA-30DB-46CA-B010-E7BC06705578}"/>
               </a:ext>
             </a:extLst>
           </p:cNvPr>
@@ -10842,7 +11470,7 @@
           <a:blip r:embed="rId3">
             <a:extLst>
               <a:ext uri="{96DAC541-7B7A-43D3-8B79-37D633B846F1}">
-                <asvg:svgBlip xmlns:asvg="http://schemas.microsoft.com/office/drawing/2016/SVG/main" xmlns="" r:embed="rId4"/>
+                <asvg:svgBlip xmlns:asvg="http://schemas.microsoft.com/office/drawing/2016/SVG/main" r:embed="rId4"/>
               </a:ext>
             </a:extLst>
           </a:blip>
@@ -10865,7 +11493,7 @@
           <p:cNvPr id="5" name="箭头: 五边形 4">
             <a:extLst>
               <a:ext uri="{FF2B5EF4-FFF2-40B4-BE49-F238E27FC236}">
-                <a16:creationId xmlns:a16="http://schemas.microsoft.com/office/drawing/2014/main" xmlns="" id="{61E862C7-DDED-46B2-88A9-92A4D3F40475}"/>
+                <a16:creationId xmlns:a16="http://schemas.microsoft.com/office/drawing/2014/main" id="{61E862C7-DDED-46B2-88A9-92A4D3F40475}"/>
               </a:ext>
             </a:extLst>
           </p:cNvPr>
@@ -10914,7 +11542,7 @@
           <p:cNvPr id="6" name="图形 5">
             <a:extLst>
               <a:ext uri="{FF2B5EF4-FFF2-40B4-BE49-F238E27FC236}">
-                <a16:creationId xmlns:a16="http://schemas.microsoft.com/office/drawing/2014/main" xmlns="" id="{217E1EC4-7E0E-4611-9AC8-528215714F14}"/>
+                <a16:creationId xmlns:a16="http://schemas.microsoft.com/office/drawing/2014/main" id="{217E1EC4-7E0E-4611-9AC8-528215714F14}"/>
               </a:ext>
             </a:extLst>
           </p:cNvPr>
@@ -10927,7 +11555,7 @@
           <a:blip r:embed="rId5">
             <a:extLst>
               <a:ext uri="{96DAC541-7B7A-43D3-8B79-37D633B846F1}">
-                <asvg:svgBlip xmlns:asvg="http://schemas.microsoft.com/office/drawing/2016/SVG/main" xmlns="" r:embed="rId6"/>
+                <asvg:svgBlip xmlns:asvg="http://schemas.microsoft.com/office/drawing/2016/SVG/main" r:embed="rId6"/>
               </a:ext>
             </a:extLst>
           </a:blip>
@@ -10947,14 +11575,212 @@
       </p:pic>
       <p:sp>
         <p:nvSpPr>
-          <p:cNvPr id="7" name="矩形 6"/>
+          <p:cNvPr id="128" name="文本框 127"/>
+          <p:cNvSpPr txBox="1"/>
+          <p:nvPr/>
+        </p:nvSpPr>
+        <p:spPr>
+          <a:xfrm>
+            <a:off x="556963" y="5553848"/>
+            <a:ext cx="11121121" cy="1200329"/>
+          </a:xfrm>
+          <a:prstGeom prst="rect">
+            <a:avLst/>
+          </a:prstGeom>
+          <a:noFill/>
+        </p:spPr>
+        <p:txBody>
+          <a:bodyPr wrap="none" rtlCol="0">
+            <a:spAutoFit/>
+          </a:bodyPr>
+          <a:lstStyle/>
+          <a:p>
+            <a:r>
+              <a:rPr kumimoji="1" lang="en-US" altLang="zh-CN" dirty="0"/>
+              <a:t>Picture</a:t>
+            </a:r>
+            <a:r>
+              <a:rPr kumimoji="1" lang="zh-CN" altLang="en-US" dirty="0"/>
+              <a:t> </a:t>
+            </a:r>
+            <a:r>
+              <a:rPr kumimoji="1" lang="en-US" altLang="zh-CN" dirty="0"/>
+              <a:t>from</a:t>
+            </a:r>
+            <a:r>
+              <a:rPr kumimoji="1" lang="zh-CN" altLang="en-US" dirty="0"/>
+              <a:t> </a:t>
+            </a:r>
+            <a:r>
+              <a:rPr lang="en-US" altLang="zh-CN" dirty="0"/>
+              <a:t>:</a:t>
+            </a:r>
+          </a:p>
+          <a:p>
+            <a:r>
+              <a:rPr lang="en-US" altLang="zh-CN" dirty="0"/>
+              <a:t>[1] Attention Is All You Need</a:t>
+            </a:r>
+          </a:p>
+          <a:p>
+            <a:r>
+              <a:rPr kumimoji="1" lang="en-US" altLang="zh-CN" dirty="0"/>
+              <a:t>[2] BERT: Pre-training of Deep Bidirectional Transformers for Language Understanding</a:t>
+            </a:r>
+          </a:p>
+          <a:p>
+            <a:r>
+              <a:rPr kumimoji="1" lang="en-US" altLang="zh-CN" dirty="0"/>
+              <a:t>[3] </a:t>
+            </a:r>
+            <a:r>
+              <a:rPr kumimoji="1" lang="en-US" altLang="zh-CN" dirty="0" err="1"/>
+              <a:t>XLNet</a:t>
+            </a:r>
+            <a:r>
+              <a:rPr kumimoji="1" lang="en-US" altLang="zh-CN" dirty="0"/>
+              <a:t>: Generalized Auto regressive Pretraining </a:t>
+            </a:r>
+            <a:r>
+              <a:rPr kumimoji="1" lang="en-US" altLang="zh-CN" dirty="0" err="1"/>
+              <a:t>fo</a:t>
+            </a:r>
+            <a:r>
+              <a:rPr kumimoji="1" lang="en-US" altLang="zh-CN" dirty="0"/>
+              <a:t> </a:t>
+            </a:r>
+            <a:r>
+              <a:rPr kumimoji="1" lang="en-US" altLang="zh-CN" dirty="0" err="1"/>
+              <a:t>rLanguage</a:t>
+            </a:r>
+            <a:r>
+              <a:rPr kumimoji="1" lang="en-US" altLang="zh-CN" dirty="0"/>
+              <a:t> Understanding https://arxiv.org/pdf/1906.08237.pdf</a:t>
+            </a:r>
+            <a:endParaRPr kumimoji="1" lang="zh-CN" altLang="en-US" dirty="0"/>
+          </a:p>
+        </p:txBody>
+      </p:sp>
+      <p:pic>
+        <p:nvPicPr>
+          <p:cNvPr id="3" name="图片 2">
+            <a:extLst>
+              <a:ext uri="{FF2B5EF4-FFF2-40B4-BE49-F238E27FC236}">
+                <a16:creationId xmlns:a16="http://schemas.microsoft.com/office/drawing/2014/main" id="{0642A652-9092-4B49-9F13-A1AC496CEBC7}"/>
+              </a:ext>
+            </a:extLst>
+          </p:cNvPr>
+          <p:cNvPicPr>
+            <a:picLocks noChangeAspect="1"/>
+          </p:cNvPicPr>
+          <p:nvPr/>
+        </p:nvPicPr>
+        <p:blipFill>
+          <a:blip r:embed="rId7"/>
+          <a:stretch>
+            <a:fillRect/>
+          </a:stretch>
+        </p:blipFill>
+        <p:spPr>
+          <a:xfrm>
+            <a:off x="977774" y="2606681"/>
+            <a:ext cx="2381373" cy="2824419"/>
+          </a:xfrm>
+          <a:prstGeom prst="rect">
+            <a:avLst/>
+          </a:prstGeom>
+        </p:spPr>
+      </p:pic>
+      <p:sp>
+        <p:nvSpPr>
+          <p:cNvPr id="9" name="文本框 8">
+            <a:extLst>
+              <a:ext uri="{FF2B5EF4-FFF2-40B4-BE49-F238E27FC236}">
+                <a16:creationId xmlns:a16="http://schemas.microsoft.com/office/drawing/2014/main" id="{925116B3-747D-4D37-B828-5A92C8A187C5}"/>
+              </a:ext>
+            </a:extLst>
+          </p:cNvPr>
+          <p:cNvSpPr txBox="1"/>
+          <p:nvPr/>
+        </p:nvSpPr>
+        <p:spPr>
+          <a:xfrm>
+            <a:off x="1077849" y="1327541"/>
+            <a:ext cx="2181225" cy="954107"/>
+          </a:xfrm>
+          <a:prstGeom prst="rect">
+            <a:avLst/>
+          </a:prstGeom>
+          <a:noFill/>
+        </p:spPr>
+        <p:txBody>
+          <a:bodyPr wrap="square" rtlCol="0">
+            <a:spAutoFit/>
+          </a:bodyPr>
+          <a:lstStyle/>
+          <a:p>
+            <a:pPr algn="ctr"/>
+            <a:r>
+              <a:rPr lang="en-US" altLang="zh-CN" sz="2800" dirty="0"/>
+              <a:t>2016-2017</a:t>
+            </a:r>
+          </a:p>
+          <a:p>
+            <a:pPr algn="ctr"/>
+            <a:r>
+              <a:rPr lang="en-US" altLang="zh-CN" sz="2800" dirty="0"/>
+              <a:t>transformer</a:t>
+            </a:r>
+            <a:endParaRPr lang="zh-CN" altLang="en-US" sz="2800" dirty="0"/>
+          </a:p>
+        </p:txBody>
+      </p:sp>
+      <p:pic>
+        <p:nvPicPr>
+          <p:cNvPr id="13" name="图片 12">
+            <a:extLst>
+              <a:ext uri="{FF2B5EF4-FFF2-40B4-BE49-F238E27FC236}">
+                <a16:creationId xmlns:a16="http://schemas.microsoft.com/office/drawing/2014/main" id="{494E15AC-3F0A-48C4-93BE-B3C5D5838943}"/>
+              </a:ext>
+            </a:extLst>
+          </p:cNvPr>
+          <p:cNvPicPr>
+            <a:picLocks noChangeAspect="1"/>
+          </p:cNvPicPr>
+          <p:nvPr/>
+        </p:nvPicPr>
+        <p:blipFill>
+          <a:blip r:embed="rId8"/>
+          <a:stretch>
+            <a:fillRect/>
+          </a:stretch>
+        </p:blipFill>
+        <p:spPr>
+          <a:xfrm>
+            <a:off x="4448114" y="3126927"/>
+            <a:ext cx="2381372" cy="2152761"/>
+          </a:xfrm>
+          <a:prstGeom prst="rect">
+            <a:avLst/>
+          </a:prstGeom>
+        </p:spPr>
+      </p:pic>
+      <p:sp>
+        <p:nvSpPr>
+          <p:cNvPr id="22" name="矩形 21">
+            <a:extLst>
+              <a:ext uri="{FF2B5EF4-FFF2-40B4-BE49-F238E27FC236}">
+                <a16:creationId xmlns:a16="http://schemas.microsoft.com/office/drawing/2014/main" id="{FF23AF33-D36E-4D2F-925F-C9ED7041418D}"/>
+              </a:ext>
+            </a:extLst>
+          </p:cNvPr>
           <p:cNvSpPr/>
           <p:nvPr/>
         </p:nvSpPr>
         <p:spPr>
           <a:xfrm>
-            <a:off x="939868" y="2034782"/>
-            <a:ext cx="8683430" cy="3693319"/>
+            <a:off x="8702645" y="1449386"/>
+            <a:ext cx="2028825" cy="954107"/>
           </a:xfrm>
           <a:prstGeom prst="rect">
             <a:avLst/>
@@ -10966,184 +11792,455 @@
           </a:bodyPr>
           <a:lstStyle/>
           <a:p>
-            <a:pPr>
-              <a:spcAft>
-                <a:spcPts val="0"/>
-              </a:spcAft>
-            </a:pPr>
-            <a:r>
-              <a:rPr lang="en-US" altLang="zh-CN" dirty="0"/>
-              <a:t>[1] H. He and E. A. Garcia, “Learning from imbalanced data.” IEEE Transactions on Knowledge and Data Engineering, 21(9), 1263-1284, 2009.</a:t>
-            </a:r>
-            <a:endParaRPr lang="zh-CN" altLang="zh-CN" dirty="0"/>
-          </a:p>
-          <a:p>
-            <a:pPr>
-              <a:spcAft>
-                <a:spcPts val="0"/>
-              </a:spcAft>
-            </a:pPr>
-            <a:r>
-              <a:rPr lang="en-US" altLang="zh-CN" dirty="0"/>
-              <a:t>[2] Wu, Jun, J. He, and Y. Liu. "</a:t>
-            </a:r>
-            <a:r>
-              <a:rPr lang="en-US" altLang="zh-CN" dirty="0" err="1"/>
-              <a:t>ImVerde</a:t>
-            </a:r>
-            <a:r>
-              <a:rPr lang="en-US" altLang="zh-CN" dirty="0"/>
-              <a:t>: Vertex-Diminished Random Walk for Learning Network Representation from Imbalanced Data." (2018).</a:t>
-            </a:r>
-            <a:endParaRPr lang="zh-CN" altLang="zh-CN" dirty="0"/>
-          </a:p>
-          <a:p>
-            <a:pPr>
-              <a:spcAft>
-                <a:spcPts val="0"/>
-              </a:spcAft>
-            </a:pPr>
-            <a:r>
-              <a:rPr lang="en-US" altLang="zh-CN" dirty="0"/>
-              <a:t>[3] W. L. Hamilton, R. Ying and J. </a:t>
-            </a:r>
-            <a:r>
-              <a:rPr lang="en-US" altLang="zh-CN" dirty="0" err="1"/>
-              <a:t>Leskovec</a:t>
-            </a:r>
-            <a:r>
-              <a:rPr lang="en-US" altLang="zh-CN" dirty="0"/>
-              <a:t>, “Representation Learning on Graphs: Methods and Applications.” IEEE Data Engineering Bulletin, 2017</a:t>
-            </a:r>
-            <a:endParaRPr lang="zh-CN" altLang="zh-CN" dirty="0"/>
-          </a:p>
-          <a:p>
-            <a:pPr>
-              <a:spcAft>
-                <a:spcPts val="0"/>
-              </a:spcAft>
-            </a:pPr>
-            <a:r>
-              <a:rPr lang="en-US" altLang="zh-CN" dirty="0"/>
-              <a:t>[4] A. G. Duran, M. </a:t>
-            </a:r>
-            <a:r>
-              <a:rPr lang="en-US" altLang="zh-CN" dirty="0" err="1"/>
-              <a:t>Niepert</a:t>
-            </a:r>
-            <a:r>
-              <a:rPr lang="en-US" altLang="zh-CN" dirty="0"/>
-              <a:t>, “Learning Graph Representations with Embedding Propagation.” In NIPS, 5119-5130, 2017.</a:t>
-            </a:r>
-            <a:endParaRPr lang="zh-CN" altLang="zh-CN" dirty="0"/>
-          </a:p>
-          <a:p>
-            <a:pPr>
-              <a:spcAft>
-                <a:spcPts val="0"/>
-              </a:spcAft>
-            </a:pPr>
-            <a:r>
-              <a:rPr lang="en-US" altLang="zh-CN" dirty="0"/>
-              <a:t>[5] J. Liang, P. Jacobs, J. Sun and S. </a:t>
-            </a:r>
-            <a:r>
-              <a:rPr lang="en-US" altLang="zh-CN" dirty="0" err="1"/>
-              <a:t>Parthasarathy</a:t>
-            </a:r>
-            <a:r>
-              <a:rPr lang="en-US" altLang="zh-CN" dirty="0"/>
-              <a:t>, “Semi-supervised</a:t>
-            </a:r>
-            <a:endParaRPr lang="zh-CN" altLang="zh-CN" dirty="0"/>
-          </a:p>
-          <a:p>
-            <a:pPr>
-              <a:spcAft>
-                <a:spcPts val="0"/>
-              </a:spcAft>
-            </a:pPr>
-            <a:r>
-              <a:rPr lang="en-US" altLang="zh-CN" dirty="0"/>
-              <a:t>embedding in attributed networks with outliers.” In SDM, 153-161,</a:t>
-            </a:r>
-            <a:endParaRPr lang="zh-CN" altLang="zh-CN" dirty="0"/>
-          </a:p>
-          <a:p>
-            <a:pPr>
-              <a:spcAft>
-                <a:spcPts val="0"/>
-              </a:spcAft>
-            </a:pPr>
-            <a:r>
-              <a:rPr lang="en-US" altLang="zh-CN" dirty="0"/>
-              <a:t>2018.</a:t>
-            </a:r>
-            <a:endParaRPr lang="zh-CN" altLang="zh-CN" dirty="0"/>
-          </a:p>
-          <a:p>
-            <a:pPr>
-              <a:spcAft>
-                <a:spcPts val="0"/>
-              </a:spcAft>
-            </a:pPr>
-            <a:r>
-              <a:rPr lang="en-US" altLang="zh-CN" dirty="0"/>
-              <a:t>[6] Z. Yang, W. W. Cohen, and R. </a:t>
-            </a:r>
-            <a:r>
-              <a:rPr lang="en-US" altLang="zh-CN" dirty="0" err="1"/>
-              <a:t>Salakhutdinov</a:t>
-            </a:r>
-            <a:r>
-              <a:rPr lang="en-US" altLang="zh-CN" dirty="0"/>
-              <a:t>, “Revisiting </a:t>
-            </a:r>
-            <a:r>
-              <a:rPr lang="en-US" altLang="zh-CN" dirty="0" err="1"/>
-              <a:t>semisupervised</a:t>
-            </a:r>
-            <a:endParaRPr lang="zh-CN" altLang="zh-CN" dirty="0"/>
-          </a:p>
-          <a:p>
-            <a:pPr>
-              <a:spcAft>
-                <a:spcPts val="0"/>
-              </a:spcAft>
-            </a:pPr>
-            <a:r>
-              <a:rPr lang="en-US" altLang="zh-CN" dirty="0"/>
-              <a:t>learning with graph </a:t>
-            </a:r>
-            <a:r>
-              <a:rPr lang="en-US" altLang="zh-CN" dirty="0" err="1"/>
-              <a:t>embeddings</a:t>
-            </a:r>
-            <a:r>
-              <a:rPr lang="en-US" altLang="zh-CN" dirty="0"/>
-              <a:t>.” In ICML, 40-48, 2016.</a:t>
-            </a:r>
-            <a:endParaRPr lang="zh-CN" altLang="zh-CN" dirty="0"/>
-          </a:p>
-        </p:txBody>
-      </p:sp>
+            <a:pPr algn="ctr"/>
+            <a:r>
+              <a:rPr lang="en-US" altLang="zh-CN" sz="2800" dirty="0"/>
+              <a:t>2019</a:t>
+            </a:r>
+          </a:p>
+          <a:p>
+            <a:pPr algn="ctr"/>
+            <a:r>
+              <a:rPr lang="en-US" altLang="zh-CN" sz="2800" dirty="0" err="1"/>
+              <a:t>XLNet</a:t>
+            </a:r>
+            <a:endParaRPr lang="zh-CN" altLang="en-US" sz="2800" dirty="0"/>
+          </a:p>
+        </p:txBody>
+      </p:sp>
+      <p:sp>
+        <p:nvSpPr>
+          <p:cNvPr id="68" name="矩形 67">
+            <a:extLst>
+              <a:ext uri="{FF2B5EF4-FFF2-40B4-BE49-F238E27FC236}">
+                <a16:creationId xmlns:a16="http://schemas.microsoft.com/office/drawing/2014/main" id="{172B2EF1-F09A-4D98-B4DA-1BB859704179}"/>
+              </a:ext>
+            </a:extLst>
+          </p:cNvPr>
+          <p:cNvSpPr/>
+          <p:nvPr/>
+        </p:nvSpPr>
+        <p:spPr>
+          <a:xfrm>
+            <a:off x="4624387" y="1449387"/>
+            <a:ext cx="2028825" cy="954107"/>
+          </a:xfrm>
+          <a:prstGeom prst="rect">
+            <a:avLst/>
+          </a:prstGeom>
+        </p:spPr>
+        <p:txBody>
+          <a:bodyPr wrap="square">
+            <a:spAutoFit/>
+          </a:bodyPr>
+          <a:lstStyle/>
+          <a:p>
+            <a:pPr algn="ctr"/>
+            <a:r>
+              <a:rPr lang="en-US" altLang="zh-CN" sz="2800" dirty="0"/>
+              <a:t>2018</a:t>
+            </a:r>
+          </a:p>
+          <a:p>
+            <a:pPr algn="ctr"/>
+            <a:r>
+              <a:rPr lang="en-US" altLang="zh-CN" sz="2800" dirty="0"/>
+              <a:t>BERT</a:t>
+            </a:r>
+            <a:endParaRPr lang="zh-CN" altLang="en-US" sz="2800" dirty="0"/>
+          </a:p>
+        </p:txBody>
+      </p:sp>
+      <p:pic>
+        <p:nvPicPr>
+          <p:cNvPr id="24" name="图片 23">
+            <a:extLst>
+              <a:ext uri="{FF2B5EF4-FFF2-40B4-BE49-F238E27FC236}">
+                <a16:creationId xmlns:a16="http://schemas.microsoft.com/office/drawing/2014/main" id="{88F3AE07-48F3-4EA8-B445-192A4E0857E5}"/>
+              </a:ext>
+            </a:extLst>
+          </p:cNvPr>
+          <p:cNvPicPr>
+            <a:picLocks noChangeAspect="1"/>
+          </p:cNvPicPr>
+          <p:nvPr/>
+        </p:nvPicPr>
+        <p:blipFill>
+          <a:blip r:embed="rId9"/>
+          <a:stretch>
+            <a:fillRect/>
+          </a:stretch>
+        </p:blipFill>
+        <p:spPr>
+          <a:xfrm>
+            <a:off x="7560999" y="3253467"/>
+            <a:ext cx="4032450" cy="1899680"/>
+          </a:xfrm>
+          <a:prstGeom prst="rect">
+            <a:avLst/>
+          </a:prstGeom>
+        </p:spPr>
+      </p:pic>
     </p:spTree>
     <p:extLst>
       <p:ext uri="{BB962C8B-B14F-4D97-AF65-F5344CB8AC3E}">
-        <p14:creationId xmlns:p14="http://schemas.microsoft.com/office/powerpoint/2010/main" val="1040690934"/>
+        <p14:creationId xmlns:p14="http://schemas.microsoft.com/office/powerpoint/2010/main" val="1035536036"/>
       </p:ext>
     </p:extLst>
   </p:cSld>
   <p:clrMapOvr>
     <a:masterClrMapping/>
   </p:clrMapOvr>
-  <p:timing>
-    <p:tnLst>
-      <p:par>
-        <p:cTn id="1" dur="indefinite" restart="never" nodeType="tmRoot"/>
-      </p:par>
-    </p:tnLst>
-  </p:timing>
+</p:sld>
+</file>
+
+<file path=ppt/slides/slide9.xml><?xml version="1.0" encoding="utf-8"?>
+<p:sld xmlns:a="http://schemas.openxmlformats.org/drawingml/2006/main" xmlns:r="http://schemas.openxmlformats.org/officeDocument/2006/relationships" xmlns:p="http://schemas.openxmlformats.org/presentationml/2006/main">
+  <p:cSld>
+    <p:spTree>
+      <p:nvGrpSpPr>
+        <p:cNvPr id="1" name=""/>
+        <p:cNvGrpSpPr/>
+        <p:nvPr/>
+      </p:nvGrpSpPr>
+      <p:grpSpPr>
+        <a:xfrm>
+          <a:off x="0" y="0"/>
+          <a:ext cx="0" cy="0"/>
+          <a:chOff x="0" y="0"/>
+          <a:chExt cx="0" cy="0"/>
+        </a:xfrm>
+      </p:grpSpPr>
+      <p:pic>
+        <p:nvPicPr>
+          <p:cNvPr id="8" name="内容占位符 7"/>
+          <p:cNvPicPr>
+            <a:picLocks noGrp="1" noChangeAspect="1"/>
+          </p:cNvPicPr>
+          <p:nvPr>
+            <p:ph idx="1"/>
+          </p:nvPr>
+        </p:nvPicPr>
+        <p:blipFill>
+          <a:blip r:embed="rId2">
+            <a:extLst>
+              <a:ext uri="{28A0092B-C50C-407E-A947-70E740481C1C}">
+                <a14:useLocalDpi xmlns:a14="http://schemas.microsoft.com/office/drawing/2010/main" val="0"/>
+              </a:ext>
+            </a:extLst>
+          </a:blip>
+          <a:stretch>
+            <a:fillRect/>
+          </a:stretch>
+        </p:blipFill>
+        <p:spPr>
+          <a:xfrm>
+            <a:off x="-577070" y="-1019703"/>
+            <a:ext cx="13039702" cy="2652243"/>
+          </a:xfrm>
+        </p:spPr>
+      </p:pic>
+      <p:sp>
+        <p:nvSpPr>
+          <p:cNvPr id="2" name="标题 1">
+            <a:extLst>
+              <a:ext uri="{FF2B5EF4-FFF2-40B4-BE49-F238E27FC236}">
+                <a16:creationId xmlns:a16="http://schemas.microsoft.com/office/drawing/2014/main" id="{729E7753-D934-41AF-979C-BE3013383BDA}"/>
+              </a:ext>
+            </a:extLst>
+          </p:cNvPr>
+          <p:cNvSpPr>
+            <a:spLocks noGrp="1"/>
+          </p:cNvSpPr>
+          <p:nvPr>
+            <p:ph type="title"/>
+          </p:nvPr>
+        </p:nvSpPr>
+        <p:spPr>
+          <a:xfrm>
+            <a:off x="1077849" y="-45562"/>
+            <a:ext cx="10515600" cy="1325563"/>
+          </a:xfrm>
+        </p:spPr>
+        <p:txBody>
+          <a:bodyPr>
+            <a:normAutofit/>
+          </a:bodyPr>
+          <a:lstStyle/>
+          <a:p>
+            <a:r>
+              <a:rPr lang="en-US" altLang="zh-CN" b="1" dirty="0"/>
+              <a:t>5. Application of </a:t>
+            </a:r>
+            <a:r>
+              <a:rPr lang="en-US" altLang="zh-CN" b="1" dirty="0" err="1"/>
+              <a:t>tensorflow</a:t>
+            </a:r>
+            <a:r>
+              <a:rPr lang="en-US" altLang="zh-CN" b="1" dirty="0"/>
+              <a:t>  -- </a:t>
+            </a:r>
+            <a:r>
+              <a:rPr lang="en-US" altLang="zh-CN" dirty="0"/>
+              <a:t>Enterprises</a:t>
+            </a:r>
+            <a:endParaRPr lang="en-HK" b="1" dirty="0"/>
+          </a:p>
+        </p:txBody>
+      </p:sp>
+      <p:pic>
+        <p:nvPicPr>
+          <p:cNvPr id="4" name="图形 3">
+            <a:extLst>
+              <a:ext uri="{FF2B5EF4-FFF2-40B4-BE49-F238E27FC236}">
+                <a16:creationId xmlns:a16="http://schemas.microsoft.com/office/drawing/2014/main" id="{3EF556CA-30DB-46CA-B010-E7BC06705578}"/>
+              </a:ext>
+            </a:extLst>
+          </p:cNvPr>
+          <p:cNvPicPr>
+            <a:picLocks noChangeAspect="1"/>
+          </p:cNvPicPr>
+          <p:nvPr/>
+        </p:nvPicPr>
+        <p:blipFill>
+          <a:blip r:embed="rId3">
+            <a:extLst>
+              <a:ext uri="{96DAC541-7B7A-43D3-8B79-37D633B846F1}">
+                <asvg:svgBlip xmlns:asvg="http://schemas.microsoft.com/office/drawing/2016/SVG/main" r:embed="rId4"/>
+              </a:ext>
+            </a:extLst>
+          </a:blip>
+          <a:stretch>
+            <a:fillRect/>
+          </a:stretch>
+        </p:blipFill>
+        <p:spPr>
+          <a:xfrm>
+            <a:off x="-50800" y="6122728"/>
+            <a:ext cx="12242800" cy="1278197"/>
+          </a:xfrm>
+          <a:prstGeom prst="rect">
+            <a:avLst/>
+          </a:prstGeom>
+        </p:spPr>
+      </p:pic>
+      <p:sp>
+        <p:nvSpPr>
+          <p:cNvPr id="5" name="箭头: 五边形 4">
+            <a:extLst>
+              <a:ext uri="{FF2B5EF4-FFF2-40B4-BE49-F238E27FC236}">
+                <a16:creationId xmlns:a16="http://schemas.microsoft.com/office/drawing/2014/main" id="{61E862C7-DDED-46B2-88A9-92A4D3F40475}"/>
+              </a:ext>
+            </a:extLst>
+          </p:cNvPr>
+          <p:cNvSpPr/>
+          <p:nvPr/>
+        </p:nvSpPr>
+        <p:spPr>
+          <a:xfrm rot="5400000">
+            <a:off x="-60257" y="234315"/>
+            <a:ext cx="1234440" cy="765810"/>
+          </a:xfrm>
+          <a:prstGeom prst="homePlate">
+            <a:avLst/>
+          </a:prstGeom>
+          <a:solidFill>
+            <a:srgbClr val="034246"/>
+          </a:solidFill>
+        </p:spPr>
+        <p:style>
+          <a:lnRef idx="2">
+            <a:schemeClr val="accent1">
+              <a:shade val="50000"/>
+            </a:schemeClr>
+          </a:lnRef>
+          <a:fillRef idx="1">
+            <a:schemeClr val="accent1"/>
+          </a:fillRef>
+          <a:effectRef idx="0">
+            <a:schemeClr val="accent1"/>
+          </a:effectRef>
+          <a:fontRef idx="minor">
+            <a:schemeClr val="lt1"/>
+          </a:fontRef>
+        </p:style>
+        <p:txBody>
+          <a:bodyPr rtlCol="0" anchor="ctr"/>
+          <a:lstStyle/>
+          <a:p>
+            <a:pPr algn="ctr"/>
+            <a:endParaRPr lang="en-HK"/>
+          </a:p>
+        </p:txBody>
+      </p:sp>
+      <p:pic>
+        <p:nvPicPr>
+          <p:cNvPr id="6" name="图形 5">
+            <a:extLst>
+              <a:ext uri="{FF2B5EF4-FFF2-40B4-BE49-F238E27FC236}">
+                <a16:creationId xmlns:a16="http://schemas.microsoft.com/office/drawing/2014/main" id="{217E1EC4-7E0E-4611-9AC8-528215714F14}"/>
+              </a:ext>
+            </a:extLst>
+          </p:cNvPr>
+          <p:cNvPicPr>
+            <a:picLocks noChangeAspect="1"/>
+          </p:cNvPicPr>
+          <p:nvPr/>
+        </p:nvPicPr>
+        <p:blipFill>
+          <a:blip r:embed="rId5">
+            <a:extLst>
+              <a:ext uri="{96DAC541-7B7A-43D3-8B79-37D633B846F1}">
+                <asvg:svgBlip xmlns:asvg="http://schemas.microsoft.com/office/drawing/2016/SVG/main" r:embed="rId6"/>
+              </a:ext>
+            </a:extLst>
+          </a:blip>
+          <a:stretch>
+            <a:fillRect/>
+          </a:stretch>
+        </p:blipFill>
+        <p:spPr>
+          <a:xfrm>
+            <a:off x="312039" y="103823"/>
+            <a:ext cx="489848" cy="717523"/>
+          </a:xfrm>
+          <a:prstGeom prst="rect">
+            <a:avLst/>
+          </a:prstGeom>
+        </p:spPr>
+      </p:pic>
+      <p:sp>
+        <p:nvSpPr>
+          <p:cNvPr id="7" name="矩形 6">
+            <a:extLst>
+              <a:ext uri="{FF2B5EF4-FFF2-40B4-BE49-F238E27FC236}">
+                <a16:creationId xmlns:a16="http://schemas.microsoft.com/office/drawing/2014/main" id="{0E6E5E10-CB6E-48A9-958C-AC330CBA839D}"/>
+              </a:ext>
+            </a:extLst>
+          </p:cNvPr>
+          <p:cNvSpPr/>
+          <p:nvPr/>
+        </p:nvSpPr>
+        <p:spPr>
+          <a:xfrm>
+            <a:off x="1077849" y="1632540"/>
+            <a:ext cx="10239080" cy="2308324"/>
+          </a:xfrm>
+          <a:prstGeom prst="rect">
+            <a:avLst/>
+          </a:prstGeom>
+        </p:spPr>
+        <p:txBody>
+          <a:bodyPr wrap="square">
+            <a:spAutoFit/>
+          </a:bodyPr>
+          <a:lstStyle/>
+          <a:p>
+            <a:r>
+              <a:rPr lang="en-US" altLang="zh-CN" dirty="0">
+                <a:solidFill>
+                  <a:srgbClr val="333333"/>
+                </a:solidFill>
+                <a:latin typeface="Times New Roman" panose="02020603050405020304" pitchFamily="18" charset="0"/>
+                <a:cs typeface="Times New Roman" panose="02020603050405020304" pitchFamily="18" charset="0"/>
+              </a:rPr>
+              <a:t>in terms of </a:t>
+            </a:r>
+            <a:r>
+              <a:rPr lang="en-US" altLang="zh-CN" b="1" dirty="0">
+                <a:solidFill>
+                  <a:srgbClr val="333333"/>
+                </a:solidFill>
+                <a:latin typeface="Times New Roman" panose="02020603050405020304" pitchFamily="18" charset="0"/>
+                <a:cs typeface="Times New Roman" panose="02020603050405020304" pitchFamily="18" charset="0"/>
+              </a:rPr>
+              <a:t>marketing</a:t>
+            </a:r>
+            <a:r>
+              <a:rPr lang="en-US" altLang="zh-CN" dirty="0">
+                <a:solidFill>
+                  <a:srgbClr val="333333"/>
+                </a:solidFill>
+                <a:latin typeface="Times New Roman" panose="02020603050405020304" pitchFamily="18" charset="0"/>
+                <a:cs typeface="Times New Roman" panose="02020603050405020304" pitchFamily="18" charset="0"/>
+              </a:rPr>
+              <a:t>, Coca-Cola uses TensorFlow as a marketing tool in its customer loyalty program. Coca-Cola printed a 14-bit code on the back of bottle caps and created a machine learning system that uses TensorFlow to easily identify Numbers (often hard to see) to create proof of purchase</a:t>
+            </a:r>
+          </a:p>
+          <a:p>
+            <a:endParaRPr lang="en-US" altLang="zh-CN" dirty="0">
+              <a:solidFill>
+                <a:srgbClr val="333333"/>
+              </a:solidFill>
+              <a:latin typeface="Times New Roman" panose="02020603050405020304" pitchFamily="18" charset="0"/>
+              <a:cs typeface="Times New Roman" panose="02020603050405020304" pitchFamily="18" charset="0"/>
+            </a:endParaRPr>
+          </a:p>
+          <a:p>
+            <a:r>
+              <a:rPr lang="en-US" altLang="zh-CN" dirty="0">
+                <a:latin typeface="Times New Roman" panose="02020603050405020304" pitchFamily="18" charset="0"/>
+                <a:cs typeface="Times New Roman" panose="02020603050405020304" pitchFamily="18" charset="0"/>
+              </a:rPr>
+              <a:t>In terms of </a:t>
+            </a:r>
+            <a:r>
+              <a:rPr lang="en-US" altLang="zh-CN" b="1" dirty="0">
+                <a:latin typeface="Times New Roman" panose="02020603050405020304" pitchFamily="18" charset="0"/>
+                <a:cs typeface="Times New Roman" panose="02020603050405020304" pitchFamily="18" charset="0"/>
+              </a:rPr>
+              <a:t>telecom services</a:t>
+            </a:r>
+            <a:r>
+              <a:rPr lang="en-US" altLang="zh-CN" dirty="0">
+                <a:latin typeface="Times New Roman" panose="02020603050405020304" pitchFamily="18" charset="0"/>
+                <a:cs typeface="Times New Roman" panose="02020603050405020304" pitchFamily="18" charset="0"/>
+              </a:rPr>
+              <a:t>, China telecom business office APP builds a neural network to learn to recognize telecom recharge cards. Finally, it can be easily recognized in the case of backlight, jitter and severe digital occlusion. The success rate of model training is 99.3%, and it takes 0.05 seconds to complete the recognition.</a:t>
+            </a:r>
+          </a:p>
+        </p:txBody>
+      </p:sp>
+      <p:pic>
+        <p:nvPicPr>
+          <p:cNvPr id="11" name="图片 10">
+            <a:extLst>
+              <a:ext uri="{FF2B5EF4-FFF2-40B4-BE49-F238E27FC236}">
+                <a16:creationId xmlns:a16="http://schemas.microsoft.com/office/drawing/2014/main" id="{687EF785-8FB6-4514-A235-DC0BDCBB3419}"/>
+              </a:ext>
+            </a:extLst>
+          </p:cNvPr>
+          <p:cNvPicPr>
+            <a:picLocks noChangeAspect="1"/>
+          </p:cNvPicPr>
+          <p:nvPr/>
+        </p:nvPicPr>
+        <p:blipFill>
+          <a:blip r:embed="rId7"/>
+          <a:stretch>
+            <a:fillRect/>
+          </a:stretch>
+        </p:blipFill>
+        <p:spPr>
+          <a:xfrm>
+            <a:off x="2504256" y="4106941"/>
+            <a:ext cx="6487344" cy="2273342"/>
+          </a:xfrm>
+          <a:prstGeom prst="rect">
+            <a:avLst/>
+          </a:prstGeom>
+        </p:spPr>
+      </p:pic>
+    </p:spTree>
+    <p:extLst>
+      <p:ext uri="{BB962C8B-B14F-4D97-AF65-F5344CB8AC3E}">
+        <p14:creationId xmlns:p14="http://schemas.microsoft.com/office/powerpoint/2010/main" val="1737759753"/>
+      </p:ext>
+    </p:extLst>
+  </p:cSld>
+  <p:clrMapOvr>
+    <a:masterClrMapping/>
+  </p:clrMapOvr>
 </p:sld>
 </file>
 
@@ -11432,7 +12529,21 @@
       </a:bgFillStyleLst>
     </a:fmtScheme>
   </a:themeElements>
-  <a:objectDefaults/>
+  <a:objectDefaults>
+    <a:txDef>
+      <a:spPr>
+        <a:noFill/>
+      </a:spPr>
+      <a:bodyPr wrap="none" rtlCol="0">
+        <a:spAutoFit/>
+      </a:bodyPr>
+      <a:lstStyle>
+        <a:defPPr algn="l">
+          <a:defRPr kumimoji="1" dirty="0" smtClean="0"/>
+        </a:defPPr>
+      </a:lstStyle>
+    </a:txDef>
+  </a:objectDefaults>
   <a:extraClrSchemeLst/>
   <a:extLst>
     <a:ext uri="{05A4C25C-085E-4340-85A3-A5531E510DB2}">

--- a/tfboys.pptx
+++ b/tfboys.pptx
@@ -5,7 +5,7 @@
     <p:sldMasterId id="2147483648" r:id="rId1"/>
   </p:sldMasterIdLst>
   <p:notesMasterIdLst>
-    <p:notesMasterId r:id="rId10"/>
+    <p:notesMasterId r:id="rId13"/>
   </p:notesMasterIdLst>
   <p:sldIdLst>
     <p:sldId id="256" r:id="rId2"/>
@@ -15,7 +15,10 @@
     <p:sldId id="284" r:id="rId6"/>
     <p:sldId id="286" r:id="rId7"/>
     <p:sldId id="285" r:id="rId8"/>
-    <p:sldId id="272" r:id="rId9"/>
+    <p:sldId id="287" r:id="rId9"/>
+    <p:sldId id="288" r:id="rId10"/>
+    <p:sldId id="289" r:id="rId11"/>
+    <p:sldId id="272" r:id="rId12"/>
   </p:sldIdLst>
   <p:sldSz cx="12192000" cy="6858000"/>
   <p:notesSz cx="6858000" cy="9144000"/>
@@ -279,38 +282,37 @@
           <a:p>
             <a:pPr lvl="0"/>
             <a:r>
-              <a:rPr kumimoji="1" lang="zh-CN" altLang="en-US" smtClean="0"/>
+              <a:rPr kumimoji="1" lang="zh-CN" altLang="en-US"/>
               <a:t>单击此处编辑母版文本样式</a:t>
             </a:r>
           </a:p>
           <a:p>
             <a:pPr lvl="1"/>
             <a:r>
-              <a:rPr kumimoji="1" lang="zh-CN" altLang="en-US" smtClean="0"/>
+              <a:rPr kumimoji="1" lang="zh-CN" altLang="en-US"/>
               <a:t>二级</a:t>
             </a:r>
           </a:p>
           <a:p>
             <a:pPr lvl="2"/>
             <a:r>
-              <a:rPr kumimoji="1" lang="zh-CN" altLang="en-US" smtClean="0"/>
+              <a:rPr kumimoji="1" lang="zh-CN" altLang="en-US"/>
               <a:t>三级</a:t>
             </a:r>
           </a:p>
           <a:p>
             <a:pPr lvl="3"/>
             <a:r>
-              <a:rPr kumimoji="1" lang="zh-CN" altLang="en-US" smtClean="0"/>
+              <a:rPr kumimoji="1" lang="zh-CN" altLang="en-US"/>
               <a:t>四级</a:t>
             </a:r>
           </a:p>
           <a:p>
             <a:pPr lvl="4"/>
             <a:r>
-              <a:rPr kumimoji="1" lang="zh-CN" altLang="en-US" smtClean="0"/>
+              <a:rPr kumimoji="1" lang="zh-CN" altLang="en-US"/>
               <a:t>五级</a:t>
             </a:r>
-            <a:endParaRPr kumimoji="1" lang="zh-CN" altLang="en-US"/>
           </a:p>
         </p:txBody>
       </p:sp>
@@ -505,7 +507,7 @@
           <p:cNvPr id="2" name="标题 1">
             <a:extLst>
               <a:ext uri="{FF2B5EF4-FFF2-40B4-BE49-F238E27FC236}">
-                <a16:creationId xmlns:a16="http://schemas.microsoft.com/office/drawing/2014/main" xmlns="" id="{E1ABA578-C201-44E1-9CCF-CBFCBD81C268}"/>
+                <a16:creationId xmlns:a16="http://schemas.microsoft.com/office/drawing/2014/main" id="{E1ABA578-C201-44E1-9CCF-CBFCBD81C268}"/>
               </a:ext>
             </a:extLst>
           </p:cNvPr>
@@ -531,7 +533,7 @@
           </a:lstStyle>
           <a:p>
             <a:r>
-              <a:rPr lang="zh-CN" altLang="en-US" smtClean="0"/>
+              <a:rPr lang="zh-CN" altLang="en-US"/>
               <a:t>单击此处编辑母版标题样式</a:t>
             </a:r>
             <a:endParaRPr lang="en-HK"/>
@@ -543,7 +545,7 @@
           <p:cNvPr id="3" name="副标题 2">
             <a:extLst>
               <a:ext uri="{FF2B5EF4-FFF2-40B4-BE49-F238E27FC236}">
-                <a16:creationId xmlns:a16="http://schemas.microsoft.com/office/drawing/2014/main" xmlns="" id="{09D0484D-405E-4DBD-BA96-DFE5EC3B4D20}"/>
+                <a16:creationId xmlns:a16="http://schemas.microsoft.com/office/drawing/2014/main" id="{09D0484D-405E-4DBD-BA96-DFE5EC3B4D20}"/>
               </a:ext>
             </a:extLst>
           </p:cNvPr>
@@ -602,7 +604,7 @@
           </a:lstStyle>
           <a:p>
             <a:r>
-              <a:rPr lang="zh-CN" altLang="en-US" smtClean="0"/>
+              <a:rPr lang="zh-CN" altLang="en-US"/>
               <a:t>单击此处编辑母版副标题样式</a:t>
             </a:r>
             <a:endParaRPr lang="en-HK"/>
@@ -614,7 +616,7 @@
           <p:cNvPr id="4" name="日期占位符 3">
             <a:extLst>
               <a:ext uri="{FF2B5EF4-FFF2-40B4-BE49-F238E27FC236}">
-                <a16:creationId xmlns:a16="http://schemas.microsoft.com/office/drawing/2014/main" xmlns="" id="{5B387873-9167-48CB-BC68-E89A623BC415}"/>
+                <a16:creationId xmlns:a16="http://schemas.microsoft.com/office/drawing/2014/main" id="{5B387873-9167-48CB-BC68-E89A623BC415}"/>
               </a:ext>
             </a:extLst>
           </p:cNvPr>
@@ -643,7 +645,7 @@
           <p:cNvPr id="5" name="页脚占位符 4">
             <a:extLst>
               <a:ext uri="{FF2B5EF4-FFF2-40B4-BE49-F238E27FC236}">
-                <a16:creationId xmlns:a16="http://schemas.microsoft.com/office/drawing/2014/main" xmlns="" id="{F31F78E5-F4F6-49F9-AA6F-3E11691323A5}"/>
+                <a16:creationId xmlns:a16="http://schemas.microsoft.com/office/drawing/2014/main" id="{F31F78E5-F4F6-49F9-AA6F-3E11691323A5}"/>
               </a:ext>
             </a:extLst>
           </p:cNvPr>
@@ -668,7 +670,7 @@
           <p:cNvPr id="6" name="灯片编号占位符 5">
             <a:extLst>
               <a:ext uri="{FF2B5EF4-FFF2-40B4-BE49-F238E27FC236}">
-                <a16:creationId xmlns:a16="http://schemas.microsoft.com/office/drawing/2014/main" xmlns="" id="{6B295491-755B-44C8-A182-63B66EF82147}"/>
+                <a16:creationId xmlns:a16="http://schemas.microsoft.com/office/drawing/2014/main" id="{6B295491-755B-44C8-A182-63B66EF82147}"/>
               </a:ext>
             </a:extLst>
           </p:cNvPr>
@@ -727,7 +729,7 @@
           <p:cNvPr id="2" name="标题 1">
             <a:extLst>
               <a:ext uri="{FF2B5EF4-FFF2-40B4-BE49-F238E27FC236}">
-                <a16:creationId xmlns:a16="http://schemas.microsoft.com/office/drawing/2014/main" xmlns="" id="{56D7D339-D707-433A-B968-074FE318802E}"/>
+                <a16:creationId xmlns:a16="http://schemas.microsoft.com/office/drawing/2014/main" id="{56D7D339-D707-433A-B968-074FE318802E}"/>
               </a:ext>
             </a:extLst>
           </p:cNvPr>
@@ -744,7 +746,7 @@
           <a:lstStyle/>
           <a:p>
             <a:r>
-              <a:rPr lang="zh-CN" altLang="en-US" smtClean="0"/>
+              <a:rPr lang="zh-CN" altLang="en-US"/>
               <a:t>单击此处编辑母版标题样式</a:t>
             </a:r>
             <a:endParaRPr lang="en-HK"/>
@@ -756,7 +758,7 @@
           <p:cNvPr id="3" name="竖排文字占位符 2">
             <a:extLst>
               <a:ext uri="{FF2B5EF4-FFF2-40B4-BE49-F238E27FC236}">
-                <a16:creationId xmlns:a16="http://schemas.microsoft.com/office/drawing/2014/main" xmlns="" id="{4BB12DB9-AC80-4A5C-B793-79B705E61005}"/>
+                <a16:creationId xmlns:a16="http://schemas.microsoft.com/office/drawing/2014/main" id="{4BB12DB9-AC80-4A5C-B793-79B705E61005}"/>
               </a:ext>
             </a:extLst>
           </p:cNvPr>
@@ -774,35 +776,35 @@
           <a:p>
             <a:pPr lvl="0"/>
             <a:r>
-              <a:rPr lang="zh-CN" altLang="en-US" smtClean="0"/>
+              <a:rPr lang="zh-CN" altLang="en-US"/>
               <a:t>单击此处编辑母版文本样式</a:t>
             </a:r>
           </a:p>
           <a:p>
             <a:pPr lvl="1"/>
             <a:r>
-              <a:rPr lang="zh-CN" altLang="en-US" smtClean="0"/>
+              <a:rPr lang="zh-CN" altLang="en-US"/>
               <a:t>二级</a:t>
             </a:r>
           </a:p>
           <a:p>
             <a:pPr lvl="2"/>
             <a:r>
-              <a:rPr lang="zh-CN" altLang="en-US" smtClean="0"/>
+              <a:rPr lang="zh-CN" altLang="en-US"/>
               <a:t>三级</a:t>
             </a:r>
           </a:p>
           <a:p>
             <a:pPr lvl="3"/>
             <a:r>
-              <a:rPr lang="zh-CN" altLang="en-US" smtClean="0"/>
+              <a:rPr lang="zh-CN" altLang="en-US"/>
               <a:t>四级</a:t>
             </a:r>
           </a:p>
           <a:p>
             <a:pPr lvl="4"/>
             <a:r>
-              <a:rPr lang="zh-CN" altLang="en-US" smtClean="0"/>
+              <a:rPr lang="zh-CN" altLang="en-US"/>
               <a:t>五级</a:t>
             </a:r>
             <a:endParaRPr lang="en-HK"/>
@@ -814,7 +816,7 @@
           <p:cNvPr id="4" name="日期占位符 3">
             <a:extLst>
               <a:ext uri="{FF2B5EF4-FFF2-40B4-BE49-F238E27FC236}">
-                <a16:creationId xmlns:a16="http://schemas.microsoft.com/office/drawing/2014/main" xmlns="" id="{0B1741DD-D5F5-4CBE-A2BF-88C83DE7B024}"/>
+                <a16:creationId xmlns:a16="http://schemas.microsoft.com/office/drawing/2014/main" id="{0B1741DD-D5F5-4CBE-A2BF-88C83DE7B024}"/>
               </a:ext>
             </a:extLst>
           </p:cNvPr>
@@ -843,7 +845,7 @@
           <p:cNvPr id="5" name="页脚占位符 4">
             <a:extLst>
               <a:ext uri="{FF2B5EF4-FFF2-40B4-BE49-F238E27FC236}">
-                <a16:creationId xmlns:a16="http://schemas.microsoft.com/office/drawing/2014/main" xmlns="" id="{AEB94EC6-71AB-4F3F-A721-CCCD9B1A95CE}"/>
+                <a16:creationId xmlns:a16="http://schemas.microsoft.com/office/drawing/2014/main" id="{AEB94EC6-71AB-4F3F-A721-CCCD9B1A95CE}"/>
               </a:ext>
             </a:extLst>
           </p:cNvPr>
@@ -868,7 +870,7 @@
           <p:cNvPr id="6" name="灯片编号占位符 5">
             <a:extLst>
               <a:ext uri="{FF2B5EF4-FFF2-40B4-BE49-F238E27FC236}">
-                <a16:creationId xmlns:a16="http://schemas.microsoft.com/office/drawing/2014/main" xmlns="" id="{2F05A9BA-FAAA-49BA-90A9-E224683B400B}"/>
+                <a16:creationId xmlns:a16="http://schemas.microsoft.com/office/drawing/2014/main" id="{2F05A9BA-FAAA-49BA-90A9-E224683B400B}"/>
               </a:ext>
             </a:extLst>
           </p:cNvPr>
@@ -927,7 +929,7 @@
           <p:cNvPr id="2" name="竖排标题 1">
             <a:extLst>
               <a:ext uri="{FF2B5EF4-FFF2-40B4-BE49-F238E27FC236}">
-                <a16:creationId xmlns:a16="http://schemas.microsoft.com/office/drawing/2014/main" xmlns="" id="{7D700267-B605-4157-B20B-40BBB7B74C7A}"/>
+                <a16:creationId xmlns:a16="http://schemas.microsoft.com/office/drawing/2014/main" id="{7D700267-B605-4157-B20B-40BBB7B74C7A}"/>
               </a:ext>
             </a:extLst>
           </p:cNvPr>
@@ -949,7 +951,7 @@
           <a:lstStyle/>
           <a:p>
             <a:r>
-              <a:rPr lang="zh-CN" altLang="en-US" smtClean="0"/>
+              <a:rPr lang="zh-CN" altLang="en-US"/>
               <a:t>单击此处编辑母版标题样式</a:t>
             </a:r>
             <a:endParaRPr lang="en-HK"/>
@@ -961,7 +963,7 @@
           <p:cNvPr id="3" name="竖排文字占位符 2">
             <a:extLst>
               <a:ext uri="{FF2B5EF4-FFF2-40B4-BE49-F238E27FC236}">
-                <a16:creationId xmlns:a16="http://schemas.microsoft.com/office/drawing/2014/main" xmlns="" id="{CC78DF51-DB4C-4372-8FDE-03E9CB8CF256}"/>
+                <a16:creationId xmlns:a16="http://schemas.microsoft.com/office/drawing/2014/main" id="{CC78DF51-DB4C-4372-8FDE-03E9CB8CF256}"/>
               </a:ext>
             </a:extLst>
           </p:cNvPr>
@@ -984,35 +986,35 @@
           <a:p>
             <a:pPr lvl="0"/>
             <a:r>
-              <a:rPr lang="zh-CN" altLang="en-US" smtClean="0"/>
+              <a:rPr lang="zh-CN" altLang="en-US"/>
               <a:t>单击此处编辑母版文本样式</a:t>
             </a:r>
           </a:p>
           <a:p>
             <a:pPr lvl="1"/>
             <a:r>
-              <a:rPr lang="zh-CN" altLang="en-US" smtClean="0"/>
+              <a:rPr lang="zh-CN" altLang="en-US"/>
               <a:t>二级</a:t>
             </a:r>
           </a:p>
           <a:p>
             <a:pPr lvl="2"/>
             <a:r>
-              <a:rPr lang="zh-CN" altLang="en-US" smtClean="0"/>
+              <a:rPr lang="zh-CN" altLang="en-US"/>
               <a:t>三级</a:t>
             </a:r>
           </a:p>
           <a:p>
             <a:pPr lvl="3"/>
             <a:r>
-              <a:rPr lang="zh-CN" altLang="en-US" smtClean="0"/>
+              <a:rPr lang="zh-CN" altLang="en-US"/>
               <a:t>四级</a:t>
             </a:r>
           </a:p>
           <a:p>
             <a:pPr lvl="4"/>
             <a:r>
-              <a:rPr lang="zh-CN" altLang="en-US" smtClean="0"/>
+              <a:rPr lang="zh-CN" altLang="en-US"/>
               <a:t>五级</a:t>
             </a:r>
             <a:endParaRPr lang="en-HK"/>
@@ -1024,7 +1026,7 @@
           <p:cNvPr id="4" name="日期占位符 3">
             <a:extLst>
               <a:ext uri="{FF2B5EF4-FFF2-40B4-BE49-F238E27FC236}">
-                <a16:creationId xmlns:a16="http://schemas.microsoft.com/office/drawing/2014/main" xmlns="" id="{40A55B68-32B1-47D6-9504-39D7BAA94703}"/>
+                <a16:creationId xmlns:a16="http://schemas.microsoft.com/office/drawing/2014/main" id="{40A55B68-32B1-47D6-9504-39D7BAA94703}"/>
               </a:ext>
             </a:extLst>
           </p:cNvPr>
@@ -1053,7 +1055,7 @@
           <p:cNvPr id="5" name="页脚占位符 4">
             <a:extLst>
               <a:ext uri="{FF2B5EF4-FFF2-40B4-BE49-F238E27FC236}">
-                <a16:creationId xmlns:a16="http://schemas.microsoft.com/office/drawing/2014/main" xmlns="" id="{4EE98774-A846-4775-9492-34882F2AED50}"/>
+                <a16:creationId xmlns:a16="http://schemas.microsoft.com/office/drawing/2014/main" id="{4EE98774-A846-4775-9492-34882F2AED50}"/>
               </a:ext>
             </a:extLst>
           </p:cNvPr>
@@ -1078,7 +1080,7 @@
           <p:cNvPr id="6" name="灯片编号占位符 5">
             <a:extLst>
               <a:ext uri="{FF2B5EF4-FFF2-40B4-BE49-F238E27FC236}">
-                <a16:creationId xmlns:a16="http://schemas.microsoft.com/office/drawing/2014/main" xmlns="" id="{7577D9AD-0D4D-412F-8E91-B6723ED2A074}"/>
+                <a16:creationId xmlns:a16="http://schemas.microsoft.com/office/drawing/2014/main" id="{7577D9AD-0D4D-412F-8E91-B6723ED2A074}"/>
               </a:ext>
             </a:extLst>
           </p:cNvPr>
@@ -1137,7 +1139,7 @@
           <p:cNvPr id="2" name="标题 1">
             <a:extLst>
               <a:ext uri="{FF2B5EF4-FFF2-40B4-BE49-F238E27FC236}">
-                <a16:creationId xmlns:a16="http://schemas.microsoft.com/office/drawing/2014/main" xmlns="" id="{53DE86E6-24B9-42C0-A724-6C0F47F6B303}"/>
+                <a16:creationId xmlns:a16="http://schemas.microsoft.com/office/drawing/2014/main" id="{53DE86E6-24B9-42C0-A724-6C0F47F6B303}"/>
               </a:ext>
             </a:extLst>
           </p:cNvPr>
@@ -1154,7 +1156,7 @@
           <a:lstStyle/>
           <a:p>
             <a:r>
-              <a:rPr lang="zh-CN" altLang="en-US" smtClean="0"/>
+              <a:rPr lang="zh-CN" altLang="en-US"/>
               <a:t>单击此处编辑母版标题样式</a:t>
             </a:r>
             <a:endParaRPr lang="en-HK"/>
@@ -1166,7 +1168,7 @@
           <p:cNvPr id="3" name="内容占位符 2">
             <a:extLst>
               <a:ext uri="{FF2B5EF4-FFF2-40B4-BE49-F238E27FC236}">
-                <a16:creationId xmlns:a16="http://schemas.microsoft.com/office/drawing/2014/main" xmlns="" id="{22C670AB-6FAF-4D48-BBA7-E09EF676E477}"/>
+                <a16:creationId xmlns:a16="http://schemas.microsoft.com/office/drawing/2014/main" id="{22C670AB-6FAF-4D48-BBA7-E09EF676E477}"/>
               </a:ext>
             </a:extLst>
           </p:cNvPr>
@@ -1184,35 +1186,35 @@
           <a:p>
             <a:pPr lvl="0"/>
             <a:r>
-              <a:rPr lang="zh-CN" altLang="en-US" smtClean="0"/>
+              <a:rPr lang="zh-CN" altLang="en-US"/>
               <a:t>单击此处编辑母版文本样式</a:t>
             </a:r>
           </a:p>
           <a:p>
             <a:pPr lvl="1"/>
             <a:r>
-              <a:rPr lang="zh-CN" altLang="en-US" smtClean="0"/>
+              <a:rPr lang="zh-CN" altLang="en-US"/>
               <a:t>二级</a:t>
             </a:r>
           </a:p>
           <a:p>
             <a:pPr lvl="2"/>
             <a:r>
-              <a:rPr lang="zh-CN" altLang="en-US" smtClean="0"/>
+              <a:rPr lang="zh-CN" altLang="en-US"/>
               <a:t>三级</a:t>
             </a:r>
           </a:p>
           <a:p>
             <a:pPr lvl="3"/>
             <a:r>
-              <a:rPr lang="zh-CN" altLang="en-US" smtClean="0"/>
+              <a:rPr lang="zh-CN" altLang="en-US"/>
               <a:t>四级</a:t>
             </a:r>
           </a:p>
           <a:p>
             <a:pPr lvl="4"/>
             <a:r>
-              <a:rPr lang="zh-CN" altLang="en-US" smtClean="0"/>
+              <a:rPr lang="zh-CN" altLang="en-US"/>
               <a:t>五级</a:t>
             </a:r>
             <a:endParaRPr lang="en-HK"/>
@@ -1224,7 +1226,7 @@
           <p:cNvPr id="4" name="日期占位符 3">
             <a:extLst>
               <a:ext uri="{FF2B5EF4-FFF2-40B4-BE49-F238E27FC236}">
-                <a16:creationId xmlns:a16="http://schemas.microsoft.com/office/drawing/2014/main" xmlns="" id="{F2AD0F8C-0BAF-4F6D-BF74-D61D7A527CDC}"/>
+                <a16:creationId xmlns:a16="http://schemas.microsoft.com/office/drawing/2014/main" id="{F2AD0F8C-0BAF-4F6D-BF74-D61D7A527CDC}"/>
               </a:ext>
             </a:extLst>
           </p:cNvPr>
@@ -1253,7 +1255,7 @@
           <p:cNvPr id="5" name="页脚占位符 4">
             <a:extLst>
               <a:ext uri="{FF2B5EF4-FFF2-40B4-BE49-F238E27FC236}">
-                <a16:creationId xmlns:a16="http://schemas.microsoft.com/office/drawing/2014/main" xmlns="" id="{3740D7B1-76CD-4A59-AADE-7D1AC8F89D96}"/>
+                <a16:creationId xmlns:a16="http://schemas.microsoft.com/office/drawing/2014/main" id="{3740D7B1-76CD-4A59-AADE-7D1AC8F89D96}"/>
               </a:ext>
             </a:extLst>
           </p:cNvPr>
@@ -1278,7 +1280,7 @@
           <p:cNvPr id="6" name="灯片编号占位符 5">
             <a:extLst>
               <a:ext uri="{FF2B5EF4-FFF2-40B4-BE49-F238E27FC236}">
-                <a16:creationId xmlns:a16="http://schemas.microsoft.com/office/drawing/2014/main" xmlns="" id="{B8E2BDD7-B7C8-46C3-BE21-494E97077123}"/>
+                <a16:creationId xmlns:a16="http://schemas.microsoft.com/office/drawing/2014/main" id="{B8E2BDD7-B7C8-46C3-BE21-494E97077123}"/>
               </a:ext>
             </a:extLst>
           </p:cNvPr>
@@ -1337,7 +1339,7 @@
           <p:cNvPr id="2" name="标题 1">
             <a:extLst>
               <a:ext uri="{FF2B5EF4-FFF2-40B4-BE49-F238E27FC236}">
-                <a16:creationId xmlns:a16="http://schemas.microsoft.com/office/drawing/2014/main" xmlns="" id="{EF630EB9-240A-468D-82D0-1DD6B136C24E}"/>
+                <a16:creationId xmlns:a16="http://schemas.microsoft.com/office/drawing/2014/main" id="{EF630EB9-240A-468D-82D0-1DD6B136C24E}"/>
               </a:ext>
             </a:extLst>
           </p:cNvPr>
@@ -1363,7 +1365,7 @@
           </a:lstStyle>
           <a:p>
             <a:r>
-              <a:rPr lang="zh-CN" altLang="en-US" smtClean="0"/>
+              <a:rPr lang="zh-CN" altLang="en-US"/>
               <a:t>单击此处编辑母版标题样式</a:t>
             </a:r>
             <a:endParaRPr lang="en-HK"/>
@@ -1375,7 +1377,7 @@
           <p:cNvPr id="3" name="文本占位符 2">
             <a:extLst>
               <a:ext uri="{FF2B5EF4-FFF2-40B4-BE49-F238E27FC236}">
-                <a16:creationId xmlns:a16="http://schemas.microsoft.com/office/drawing/2014/main" xmlns="" id="{07225E28-68D6-4F8E-B9FC-3BBE22C048A6}"/>
+                <a16:creationId xmlns:a16="http://schemas.microsoft.com/office/drawing/2014/main" id="{07225E28-68D6-4F8E-B9FC-3BBE22C048A6}"/>
               </a:ext>
             </a:extLst>
           </p:cNvPr>
@@ -1489,7 +1491,7 @@
           <a:p>
             <a:pPr lvl="0"/>
             <a:r>
-              <a:rPr lang="zh-CN" altLang="en-US" smtClean="0"/>
+              <a:rPr lang="zh-CN" altLang="en-US"/>
               <a:t>单击此处编辑母版文本样式</a:t>
             </a:r>
           </a:p>
@@ -1500,7 +1502,7 @@
           <p:cNvPr id="4" name="日期占位符 3">
             <a:extLst>
               <a:ext uri="{FF2B5EF4-FFF2-40B4-BE49-F238E27FC236}">
-                <a16:creationId xmlns:a16="http://schemas.microsoft.com/office/drawing/2014/main" xmlns="" id="{4F640468-40A7-4808-8CA9-B298F03BB54A}"/>
+                <a16:creationId xmlns:a16="http://schemas.microsoft.com/office/drawing/2014/main" id="{4F640468-40A7-4808-8CA9-B298F03BB54A}"/>
               </a:ext>
             </a:extLst>
           </p:cNvPr>
@@ -1529,7 +1531,7 @@
           <p:cNvPr id="5" name="页脚占位符 4">
             <a:extLst>
               <a:ext uri="{FF2B5EF4-FFF2-40B4-BE49-F238E27FC236}">
-                <a16:creationId xmlns:a16="http://schemas.microsoft.com/office/drawing/2014/main" xmlns="" id="{32319A1F-D48D-4433-880F-65EE12329F3C}"/>
+                <a16:creationId xmlns:a16="http://schemas.microsoft.com/office/drawing/2014/main" id="{32319A1F-D48D-4433-880F-65EE12329F3C}"/>
               </a:ext>
             </a:extLst>
           </p:cNvPr>
@@ -1554,7 +1556,7 @@
           <p:cNvPr id="6" name="灯片编号占位符 5">
             <a:extLst>
               <a:ext uri="{FF2B5EF4-FFF2-40B4-BE49-F238E27FC236}">
-                <a16:creationId xmlns:a16="http://schemas.microsoft.com/office/drawing/2014/main" xmlns="" id="{856A12AF-D448-4A9A-8CAD-8396CA2708B4}"/>
+                <a16:creationId xmlns:a16="http://schemas.microsoft.com/office/drawing/2014/main" id="{856A12AF-D448-4A9A-8CAD-8396CA2708B4}"/>
               </a:ext>
             </a:extLst>
           </p:cNvPr>
@@ -1613,7 +1615,7 @@
           <p:cNvPr id="2" name="标题 1">
             <a:extLst>
               <a:ext uri="{FF2B5EF4-FFF2-40B4-BE49-F238E27FC236}">
-                <a16:creationId xmlns:a16="http://schemas.microsoft.com/office/drawing/2014/main" xmlns="" id="{515DC4D6-AF79-4CC5-818E-233E0780847C}"/>
+                <a16:creationId xmlns:a16="http://schemas.microsoft.com/office/drawing/2014/main" id="{515DC4D6-AF79-4CC5-818E-233E0780847C}"/>
               </a:ext>
             </a:extLst>
           </p:cNvPr>
@@ -1630,7 +1632,7 @@
           <a:lstStyle/>
           <a:p>
             <a:r>
-              <a:rPr lang="zh-CN" altLang="en-US" smtClean="0"/>
+              <a:rPr lang="zh-CN" altLang="en-US"/>
               <a:t>单击此处编辑母版标题样式</a:t>
             </a:r>
             <a:endParaRPr lang="en-HK"/>
@@ -1642,7 +1644,7 @@
           <p:cNvPr id="3" name="内容占位符 2">
             <a:extLst>
               <a:ext uri="{FF2B5EF4-FFF2-40B4-BE49-F238E27FC236}">
-                <a16:creationId xmlns:a16="http://schemas.microsoft.com/office/drawing/2014/main" xmlns="" id="{D9F89AAD-8911-43B4-88EB-A3ED27F046EC}"/>
+                <a16:creationId xmlns:a16="http://schemas.microsoft.com/office/drawing/2014/main" id="{D9F89AAD-8911-43B4-88EB-A3ED27F046EC}"/>
               </a:ext>
             </a:extLst>
           </p:cNvPr>
@@ -1665,35 +1667,35 @@
           <a:p>
             <a:pPr lvl="0"/>
             <a:r>
-              <a:rPr lang="zh-CN" altLang="en-US" smtClean="0"/>
+              <a:rPr lang="zh-CN" altLang="en-US"/>
               <a:t>单击此处编辑母版文本样式</a:t>
             </a:r>
           </a:p>
           <a:p>
             <a:pPr lvl="1"/>
             <a:r>
-              <a:rPr lang="zh-CN" altLang="en-US" smtClean="0"/>
+              <a:rPr lang="zh-CN" altLang="en-US"/>
               <a:t>二级</a:t>
             </a:r>
           </a:p>
           <a:p>
             <a:pPr lvl="2"/>
             <a:r>
-              <a:rPr lang="zh-CN" altLang="en-US" smtClean="0"/>
+              <a:rPr lang="zh-CN" altLang="en-US"/>
               <a:t>三级</a:t>
             </a:r>
           </a:p>
           <a:p>
             <a:pPr lvl="3"/>
             <a:r>
-              <a:rPr lang="zh-CN" altLang="en-US" smtClean="0"/>
+              <a:rPr lang="zh-CN" altLang="en-US"/>
               <a:t>四级</a:t>
             </a:r>
           </a:p>
           <a:p>
             <a:pPr lvl="4"/>
             <a:r>
-              <a:rPr lang="zh-CN" altLang="en-US" smtClean="0"/>
+              <a:rPr lang="zh-CN" altLang="en-US"/>
               <a:t>五级</a:t>
             </a:r>
             <a:endParaRPr lang="en-HK"/>
@@ -1705,7 +1707,7 @@
           <p:cNvPr id="4" name="内容占位符 3">
             <a:extLst>
               <a:ext uri="{FF2B5EF4-FFF2-40B4-BE49-F238E27FC236}">
-                <a16:creationId xmlns:a16="http://schemas.microsoft.com/office/drawing/2014/main" xmlns="" id="{7DDED95B-9D7D-41BB-8267-4560C66467CA}"/>
+                <a16:creationId xmlns:a16="http://schemas.microsoft.com/office/drawing/2014/main" id="{7DDED95B-9D7D-41BB-8267-4560C66467CA}"/>
               </a:ext>
             </a:extLst>
           </p:cNvPr>
@@ -1728,35 +1730,35 @@
           <a:p>
             <a:pPr lvl="0"/>
             <a:r>
-              <a:rPr lang="zh-CN" altLang="en-US" smtClean="0"/>
+              <a:rPr lang="zh-CN" altLang="en-US"/>
               <a:t>单击此处编辑母版文本样式</a:t>
             </a:r>
           </a:p>
           <a:p>
             <a:pPr lvl="1"/>
             <a:r>
-              <a:rPr lang="zh-CN" altLang="en-US" smtClean="0"/>
+              <a:rPr lang="zh-CN" altLang="en-US"/>
               <a:t>二级</a:t>
             </a:r>
           </a:p>
           <a:p>
             <a:pPr lvl="2"/>
             <a:r>
-              <a:rPr lang="zh-CN" altLang="en-US" smtClean="0"/>
+              <a:rPr lang="zh-CN" altLang="en-US"/>
               <a:t>三级</a:t>
             </a:r>
           </a:p>
           <a:p>
             <a:pPr lvl="3"/>
             <a:r>
-              <a:rPr lang="zh-CN" altLang="en-US" smtClean="0"/>
+              <a:rPr lang="zh-CN" altLang="en-US"/>
               <a:t>四级</a:t>
             </a:r>
           </a:p>
           <a:p>
             <a:pPr lvl="4"/>
             <a:r>
-              <a:rPr lang="zh-CN" altLang="en-US" smtClean="0"/>
+              <a:rPr lang="zh-CN" altLang="en-US"/>
               <a:t>五级</a:t>
             </a:r>
             <a:endParaRPr lang="en-HK"/>
@@ -1768,7 +1770,7 @@
           <p:cNvPr id="5" name="日期占位符 4">
             <a:extLst>
               <a:ext uri="{FF2B5EF4-FFF2-40B4-BE49-F238E27FC236}">
-                <a16:creationId xmlns:a16="http://schemas.microsoft.com/office/drawing/2014/main" xmlns="" id="{CB302EFD-77A2-48D2-82EC-F0C843524A55}"/>
+                <a16:creationId xmlns:a16="http://schemas.microsoft.com/office/drawing/2014/main" id="{CB302EFD-77A2-48D2-82EC-F0C843524A55}"/>
               </a:ext>
             </a:extLst>
           </p:cNvPr>
@@ -1797,7 +1799,7 @@
           <p:cNvPr id="6" name="页脚占位符 5">
             <a:extLst>
               <a:ext uri="{FF2B5EF4-FFF2-40B4-BE49-F238E27FC236}">
-                <a16:creationId xmlns:a16="http://schemas.microsoft.com/office/drawing/2014/main" xmlns="" id="{94972DB4-6292-42C8-AF5E-4B0766E69570}"/>
+                <a16:creationId xmlns:a16="http://schemas.microsoft.com/office/drawing/2014/main" id="{94972DB4-6292-42C8-AF5E-4B0766E69570}"/>
               </a:ext>
             </a:extLst>
           </p:cNvPr>
@@ -1822,7 +1824,7 @@
           <p:cNvPr id="7" name="灯片编号占位符 6">
             <a:extLst>
               <a:ext uri="{FF2B5EF4-FFF2-40B4-BE49-F238E27FC236}">
-                <a16:creationId xmlns:a16="http://schemas.microsoft.com/office/drawing/2014/main" xmlns="" id="{BF6BF759-0BC0-4680-A75E-C9B899043F1A}"/>
+                <a16:creationId xmlns:a16="http://schemas.microsoft.com/office/drawing/2014/main" id="{BF6BF759-0BC0-4680-A75E-C9B899043F1A}"/>
               </a:ext>
             </a:extLst>
           </p:cNvPr>
@@ -1881,7 +1883,7 @@
           <p:cNvPr id="2" name="标题 1">
             <a:extLst>
               <a:ext uri="{FF2B5EF4-FFF2-40B4-BE49-F238E27FC236}">
-                <a16:creationId xmlns:a16="http://schemas.microsoft.com/office/drawing/2014/main" xmlns="" id="{0037F786-8235-4C23-8AA5-8A373C59BC0E}"/>
+                <a16:creationId xmlns:a16="http://schemas.microsoft.com/office/drawing/2014/main" id="{0037F786-8235-4C23-8AA5-8A373C59BC0E}"/>
               </a:ext>
             </a:extLst>
           </p:cNvPr>
@@ -1903,7 +1905,7 @@
           <a:lstStyle/>
           <a:p>
             <a:r>
-              <a:rPr lang="zh-CN" altLang="en-US" smtClean="0"/>
+              <a:rPr lang="zh-CN" altLang="en-US"/>
               <a:t>单击此处编辑母版标题样式</a:t>
             </a:r>
             <a:endParaRPr lang="en-HK"/>
@@ -1915,7 +1917,7 @@
           <p:cNvPr id="3" name="文本占位符 2">
             <a:extLst>
               <a:ext uri="{FF2B5EF4-FFF2-40B4-BE49-F238E27FC236}">
-                <a16:creationId xmlns:a16="http://schemas.microsoft.com/office/drawing/2014/main" xmlns="" id="{358D6110-38BD-46ED-A13F-18BA26C948D5}"/>
+                <a16:creationId xmlns:a16="http://schemas.microsoft.com/office/drawing/2014/main" id="{358D6110-38BD-46ED-A13F-18BA26C948D5}"/>
               </a:ext>
             </a:extLst>
           </p:cNvPr>
@@ -1975,7 +1977,7 @@
           <a:p>
             <a:pPr lvl="0"/>
             <a:r>
-              <a:rPr lang="zh-CN" altLang="en-US" smtClean="0"/>
+              <a:rPr lang="zh-CN" altLang="en-US"/>
               <a:t>单击此处编辑母版文本样式</a:t>
             </a:r>
           </a:p>
@@ -1986,7 +1988,7 @@
           <p:cNvPr id="4" name="内容占位符 3">
             <a:extLst>
               <a:ext uri="{FF2B5EF4-FFF2-40B4-BE49-F238E27FC236}">
-                <a16:creationId xmlns:a16="http://schemas.microsoft.com/office/drawing/2014/main" xmlns="" id="{28965AA4-5D4A-4070-85D0-0675BF4CB7D3}"/>
+                <a16:creationId xmlns:a16="http://schemas.microsoft.com/office/drawing/2014/main" id="{28965AA4-5D4A-4070-85D0-0675BF4CB7D3}"/>
               </a:ext>
             </a:extLst>
           </p:cNvPr>
@@ -2009,35 +2011,35 @@
           <a:p>
             <a:pPr lvl="0"/>
             <a:r>
-              <a:rPr lang="zh-CN" altLang="en-US" smtClean="0"/>
+              <a:rPr lang="zh-CN" altLang="en-US"/>
               <a:t>单击此处编辑母版文本样式</a:t>
             </a:r>
           </a:p>
           <a:p>
             <a:pPr lvl="1"/>
             <a:r>
-              <a:rPr lang="zh-CN" altLang="en-US" smtClean="0"/>
+              <a:rPr lang="zh-CN" altLang="en-US"/>
               <a:t>二级</a:t>
             </a:r>
           </a:p>
           <a:p>
             <a:pPr lvl="2"/>
             <a:r>
-              <a:rPr lang="zh-CN" altLang="en-US" smtClean="0"/>
+              <a:rPr lang="zh-CN" altLang="en-US"/>
               <a:t>三级</a:t>
             </a:r>
           </a:p>
           <a:p>
             <a:pPr lvl="3"/>
             <a:r>
-              <a:rPr lang="zh-CN" altLang="en-US" smtClean="0"/>
+              <a:rPr lang="zh-CN" altLang="en-US"/>
               <a:t>四级</a:t>
             </a:r>
           </a:p>
           <a:p>
             <a:pPr lvl="4"/>
             <a:r>
-              <a:rPr lang="zh-CN" altLang="en-US" smtClean="0"/>
+              <a:rPr lang="zh-CN" altLang="en-US"/>
               <a:t>五级</a:t>
             </a:r>
             <a:endParaRPr lang="en-HK"/>
@@ -2049,7 +2051,7 @@
           <p:cNvPr id="5" name="文本占位符 4">
             <a:extLst>
               <a:ext uri="{FF2B5EF4-FFF2-40B4-BE49-F238E27FC236}">
-                <a16:creationId xmlns:a16="http://schemas.microsoft.com/office/drawing/2014/main" xmlns="" id="{CA713767-1A81-4611-A956-3FCEE64B093B}"/>
+                <a16:creationId xmlns:a16="http://schemas.microsoft.com/office/drawing/2014/main" id="{CA713767-1A81-4611-A956-3FCEE64B093B}"/>
               </a:ext>
             </a:extLst>
           </p:cNvPr>
@@ -2109,7 +2111,7 @@
           <a:p>
             <a:pPr lvl="0"/>
             <a:r>
-              <a:rPr lang="zh-CN" altLang="en-US" smtClean="0"/>
+              <a:rPr lang="zh-CN" altLang="en-US"/>
               <a:t>单击此处编辑母版文本样式</a:t>
             </a:r>
           </a:p>
@@ -2120,7 +2122,7 @@
           <p:cNvPr id="6" name="内容占位符 5">
             <a:extLst>
               <a:ext uri="{FF2B5EF4-FFF2-40B4-BE49-F238E27FC236}">
-                <a16:creationId xmlns:a16="http://schemas.microsoft.com/office/drawing/2014/main" xmlns="" id="{C9E718FC-344C-4CC7-9C8B-02ABD6B4548B}"/>
+                <a16:creationId xmlns:a16="http://schemas.microsoft.com/office/drawing/2014/main" id="{C9E718FC-344C-4CC7-9C8B-02ABD6B4548B}"/>
               </a:ext>
             </a:extLst>
           </p:cNvPr>
@@ -2143,35 +2145,35 @@
           <a:p>
             <a:pPr lvl="0"/>
             <a:r>
-              <a:rPr lang="zh-CN" altLang="en-US" smtClean="0"/>
+              <a:rPr lang="zh-CN" altLang="en-US"/>
               <a:t>单击此处编辑母版文本样式</a:t>
             </a:r>
           </a:p>
           <a:p>
             <a:pPr lvl="1"/>
             <a:r>
-              <a:rPr lang="zh-CN" altLang="en-US" smtClean="0"/>
+              <a:rPr lang="zh-CN" altLang="en-US"/>
               <a:t>二级</a:t>
             </a:r>
           </a:p>
           <a:p>
             <a:pPr lvl="2"/>
             <a:r>
-              <a:rPr lang="zh-CN" altLang="en-US" smtClean="0"/>
+              <a:rPr lang="zh-CN" altLang="en-US"/>
               <a:t>三级</a:t>
             </a:r>
           </a:p>
           <a:p>
             <a:pPr lvl="3"/>
             <a:r>
-              <a:rPr lang="zh-CN" altLang="en-US" smtClean="0"/>
+              <a:rPr lang="zh-CN" altLang="en-US"/>
               <a:t>四级</a:t>
             </a:r>
           </a:p>
           <a:p>
             <a:pPr lvl="4"/>
             <a:r>
-              <a:rPr lang="zh-CN" altLang="en-US" smtClean="0"/>
+              <a:rPr lang="zh-CN" altLang="en-US"/>
               <a:t>五级</a:t>
             </a:r>
             <a:endParaRPr lang="en-HK"/>
@@ -2183,7 +2185,7 @@
           <p:cNvPr id="7" name="日期占位符 6">
             <a:extLst>
               <a:ext uri="{FF2B5EF4-FFF2-40B4-BE49-F238E27FC236}">
-                <a16:creationId xmlns:a16="http://schemas.microsoft.com/office/drawing/2014/main" xmlns="" id="{5A4B984F-7B00-4417-B6AB-3AEC84B46576}"/>
+                <a16:creationId xmlns:a16="http://schemas.microsoft.com/office/drawing/2014/main" id="{5A4B984F-7B00-4417-B6AB-3AEC84B46576}"/>
               </a:ext>
             </a:extLst>
           </p:cNvPr>
@@ -2212,7 +2214,7 @@
           <p:cNvPr id="8" name="页脚占位符 7">
             <a:extLst>
               <a:ext uri="{FF2B5EF4-FFF2-40B4-BE49-F238E27FC236}">
-                <a16:creationId xmlns:a16="http://schemas.microsoft.com/office/drawing/2014/main" xmlns="" id="{C43A7609-754C-4D13-86FC-D90FA492F9F0}"/>
+                <a16:creationId xmlns:a16="http://schemas.microsoft.com/office/drawing/2014/main" id="{C43A7609-754C-4D13-86FC-D90FA492F9F0}"/>
               </a:ext>
             </a:extLst>
           </p:cNvPr>
@@ -2237,7 +2239,7 @@
           <p:cNvPr id="9" name="灯片编号占位符 8">
             <a:extLst>
               <a:ext uri="{FF2B5EF4-FFF2-40B4-BE49-F238E27FC236}">
-                <a16:creationId xmlns:a16="http://schemas.microsoft.com/office/drawing/2014/main" xmlns="" id="{AD3E7907-9201-4055-98E7-D83E4E72AB71}"/>
+                <a16:creationId xmlns:a16="http://schemas.microsoft.com/office/drawing/2014/main" id="{AD3E7907-9201-4055-98E7-D83E4E72AB71}"/>
               </a:ext>
             </a:extLst>
           </p:cNvPr>
@@ -2296,7 +2298,7 @@
           <p:cNvPr id="2" name="标题 1">
             <a:extLst>
               <a:ext uri="{FF2B5EF4-FFF2-40B4-BE49-F238E27FC236}">
-                <a16:creationId xmlns:a16="http://schemas.microsoft.com/office/drawing/2014/main" xmlns="" id="{4F2BF22C-BF6A-4712-9FA6-6D394A343628}"/>
+                <a16:creationId xmlns:a16="http://schemas.microsoft.com/office/drawing/2014/main" id="{4F2BF22C-BF6A-4712-9FA6-6D394A343628}"/>
               </a:ext>
             </a:extLst>
           </p:cNvPr>
@@ -2313,7 +2315,7 @@
           <a:lstStyle/>
           <a:p>
             <a:r>
-              <a:rPr lang="zh-CN" altLang="en-US" smtClean="0"/>
+              <a:rPr lang="zh-CN" altLang="en-US"/>
               <a:t>单击此处编辑母版标题样式</a:t>
             </a:r>
             <a:endParaRPr lang="en-HK"/>
@@ -2325,7 +2327,7 @@
           <p:cNvPr id="3" name="日期占位符 2">
             <a:extLst>
               <a:ext uri="{FF2B5EF4-FFF2-40B4-BE49-F238E27FC236}">
-                <a16:creationId xmlns:a16="http://schemas.microsoft.com/office/drawing/2014/main" xmlns="" id="{DB0AEA36-5DE6-45B7-8297-10BADF3EB89A}"/>
+                <a16:creationId xmlns:a16="http://schemas.microsoft.com/office/drawing/2014/main" id="{DB0AEA36-5DE6-45B7-8297-10BADF3EB89A}"/>
               </a:ext>
             </a:extLst>
           </p:cNvPr>
@@ -2354,7 +2356,7 @@
           <p:cNvPr id="4" name="页脚占位符 3">
             <a:extLst>
               <a:ext uri="{FF2B5EF4-FFF2-40B4-BE49-F238E27FC236}">
-                <a16:creationId xmlns:a16="http://schemas.microsoft.com/office/drawing/2014/main" xmlns="" id="{5F4880B7-27C4-43AC-8ED4-B106EF2FBBAB}"/>
+                <a16:creationId xmlns:a16="http://schemas.microsoft.com/office/drawing/2014/main" id="{5F4880B7-27C4-43AC-8ED4-B106EF2FBBAB}"/>
               </a:ext>
             </a:extLst>
           </p:cNvPr>
@@ -2379,7 +2381,7 @@
           <p:cNvPr id="5" name="灯片编号占位符 4">
             <a:extLst>
               <a:ext uri="{FF2B5EF4-FFF2-40B4-BE49-F238E27FC236}">
-                <a16:creationId xmlns:a16="http://schemas.microsoft.com/office/drawing/2014/main" xmlns="" id="{8E2732FF-00BC-4316-8E76-94F48AE49FCC}"/>
+                <a16:creationId xmlns:a16="http://schemas.microsoft.com/office/drawing/2014/main" id="{8E2732FF-00BC-4316-8E76-94F48AE49FCC}"/>
               </a:ext>
             </a:extLst>
           </p:cNvPr>
@@ -2438,7 +2440,7 @@
           <p:cNvPr id="2" name="日期占位符 1">
             <a:extLst>
               <a:ext uri="{FF2B5EF4-FFF2-40B4-BE49-F238E27FC236}">
-                <a16:creationId xmlns:a16="http://schemas.microsoft.com/office/drawing/2014/main" xmlns="" id="{19E699B1-7FF0-4C6C-A56F-9C25C73907C4}"/>
+                <a16:creationId xmlns:a16="http://schemas.microsoft.com/office/drawing/2014/main" id="{19E699B1-7FF0-4C6C-A56F-9C25C73907C4}"/>
               </a:ext>
             </a:extLst>
           </p:cNvPr>
@@ -2467,7 +2469,7 @@
           <p:cNvPr id="3" name="页脚占位符 2">
             <a:extLst>
               <a:ext uri="{FF2B5EF4-FFF2-40B4-BE49-F238E27FC236}">
-                <a16:creationId xmlns:a16="http://schemas.microsoft.com/office/drawing/2014/main" xmlns="" id="{11579AD8-4AA9-43EE-AE9D-7E393458C81C}"/>
+                <a16:creationId xmlns:a16="http://schemas.microsoft.com/office/drawing/2014/main" id="{11579AD8-4AA9-43EE-AE9D-7E393458C81C}"/>
               </a:ext>
             </a:extLst>
           </p:cNvPr>
@@ -2492,7 +2494,7 @@
           <p:cNvPr id="4" name="灯片编号占位符 3">
             <a:extLst>
               <a:ext uri="{FF2B5EF4-FFF2-40B4-BE49-F238E27FC236}">
-                <a16:creationId xmlns:a16="http://schemas.microsoft.com/office/drawing/2014/main" xmlns="" id="{3B433511-75E1-4490-99BB-998C0E5C0067}"/>
+                <a16:creationId xmlns:a16="http://schemas.microsoft.com/office/drawing/2014/main" id="{3B433511-75E1-4490-99BB-998C0E5C0067}"/>
               </a:ext>
             </a:extLst>
           </p:cNvPr>
@@ -2551,7 +2553,7 @@
           <p:cNvPr id="2" name="标题 1">
             <a:extLst>
               <a:ext uri="{FF2B5EF4-FFF2-40B4-BE49-F238E27FC236}">
-                <a16:creationId xmlns:a16="http://schemas.microsoft.com/office/drawing/2014/main" xmlns="" id="{6F9D324F-8DB9-46BA-BC33-99BCBD290ACD}"/>
+                <a16:creationId xmlns:a16="http://schemas.microsoft.com/office/drawing/2014/main" id="{6F9D324F-8DB9-46BA-BC33-99BCBD290ACD}"/>
               </a:ext>
             </a:extLst>
           </p:cNvPr>
@@ -2577,7 +2579,7 @@
           </a:lstStyle>
           <a:p>
             <a:r>
-              <a:rPr lang="zh-CN" altLang="en-US" smtClean="0"/>
+              <a:rPr lang="zh-CN" altLang="en-US"/>
               <a:t>单击此处编辑母版标题样式</a:t>
             </a:r>
             <a:endParaRPr lang="en-HK"/>
@@ -2589,7 +2591,7 @@
           <p:cNvPr id="3" name="内容占位符 2">
             <a:extLst>
               <a:ext uri="{FF2B5EF4-FFF2-40B4-BE49-F238E27FC236}">
-                <a16:creationId xmlns:a16="http://schemas.microsoft.com/office/drawing/2014/main" xmlns="" id="{D4889D60-CCDE-4B53-BB02-CE859A53DCC5}"/>
+                <a16:creationId xmlns:a16="http://schemas.microsoft.com/office/drawing/2014/main" id="{D4889D60-CCDE-4B53-BB02-CE859A53DCC5}"/>
               </a:ext>
             </a:extLst>
           </p:cNvPr>
@@ -2640,35 +2642,35 @@
           <a:p>
             <a:pPr lvl="0"/>
             <a:r>
-              <a:rPr lang="zh-CN" altLang="en-US" smtClean="0"/>
+              <a:rPr lang="zh-CN" altLang="en-US"/>
               <a:t>单击此处编辑母版文本样式</a:t>
             </a:r>
           </a:p>
           <a:p>
             <a:pPr lvl="1"/>
             <a:r>
-              <a:rPr lang="zh-CN" altLang="en-US" smtClean="0"/>
+              <a:rPr lang="zh-CN" altLang="en-US"/>
               <a:t>二级</a:t>
             </a:r>
           </a:p>
           <a:p>
             <a:pPr lvl="2"/>
             <a:r>
-              <a:rPr lang="zh-CN" altLang="en-US" smtClean="0"/>
+              <a:rPr lang="zh-CN" altLang="en-US"/>
               <a:t>三级</a:t>
             </a:r>
           </a:p>
           <a:p>
             <a:pPr lvl="3"/>
             <a:r>
-              <a:rPr lang="zh-CN" altLang="en-US" smtClean="0"/>
+              <a:rPr lang="zh-CN" altLang="en-US"/>
               <a:t>四级</a:t>
             </a:r>
           </a:p>
           <a:p>
             <a:pPr lvl="4"/>
             <a:r>
-              <a:rPr lang="zh-CN" altLang="en-US" smtClean="0"/>
+              <a:rPr lang="zh-CN" altLang="en-US"/>
               <a:t>五级</a:t>
             </a:r>
             <a:endParaRPr lang="en-HK"/>
@@ -2680,7 +2682,7 @@
           <p:cNvPr id="4" name="文本占位符 3">
             <a:extLst>
               <a:ext uri="{FF2B5EF4-FFF2-40B4-BE49-F238E27FC236}">
-                <a16:creationId xmlns:a16="http://schemas.microsoft.com/office/drawing/2014/main" xmlns="" id="{57123F21-C1C7-4646-9D8A-B946ECD8F544}"/>
+                <a16:creationId xmlns:a16="http://schemas.microsoft.com/office/drawing/2014/main" id="{57123F21-C1C7-4646-9D8A-B946ECD8F544}"/>
               </a:ext>
             </a:extLst>
           </p:cNvPr>
@@ -2740,7 +2742,7 @@
           <a:p>
             <a:pPr lvl="0"/>
             <a:r>
-              <a:rPr lang="zh-CN" altLang="en-US" smtClean="0"/>
+              <a:rPr lang="zh-CN" altLang="en-US"/>
               <a:t>单击此处编辑母版文本样式</a:t>
             </a:r>
           </a:p>
@@ -2751,7 +2753,7 @@
           <p:cNvPr id="5" name="日期占位符 4">
             <a:extLst>
               <a:ext uri="{FF2B5EF4-FFF2-40B4-BE49-F238E27FC236}">
-                <a16:creationId xmlns:a16="http://schemas.microsoft.com/office/drawing/2014/main" xmlns="" id="{FE02C645-B04A-4B8F-99D2-7C141988F454}"/>
+                <a16:creationId xmlns:a16="http://schemas.microsoft.com/office/drawing/2014/main" id="{FE02C645-B04A-4B8F-99D2-7C141988F454}"/>
               </a:ext>
             </a:extLst>
           </p:cNvPr>
@@ -2780,7 +2782,7 @@
           <p:cNvPr id="6" name="页脚占位符 5">
             <a:extLst>
               <a:ext uri="{FF2B5EF4-FFF2-40B4-BE49-F238E27FC236}">
-                <a16:creationId xmlns:a16="http://schemas.microsoft.com/office/drawing/2014/main" xmlns="" id="{557EDFEF-A175-46DC-8551-41ADECEFF66B}"/>
+                <a16:creationId xmlns:a16="http://schemas.microsoft.com/office/drawing/2014/main" id="{557EDFEF-A175-46DC-8551-41ADECEFF66B}"/>
               </a:ext>
             </a:extLst>
           </p:cNvPr>
@@ -2805,7 +2807,7 @@
           <p:cNvPr id="7" name="灯片编号占位符 6">
             <a:extLst>
               <a:ext uri="{FF2B5EF4-FFF2-40B4-BE49-F238E27FC236}">
-                <a16:creationId xmlns:a16="http://schemas.microsoft.com/office/drawing/2014/main" xmlns="" id="{64EBF448-10BF-471D-8701-6C0D40E26A68}"/>
+                <a16:creationId xmlns:a16="http://schemas.microsoft.com/office/drawing/2014/main" id="{64EBF448-10BF-471D-8701-6C0D40E26A68}"/>
               </a:ext>
             </a:extLst>
           </p:cNvPr>
@@ -2864,7 +2866,7 @@
           <p:cNvPr id="2" name="标题 1">
             <a:extLst>
               <a:ext uri="{FF2B5EF4-FFF2-40B4-BE49-F238E27FC236}">
-                <a16:creationId xmlns:a16="http://schemas.microsoft.com/office/drawing/2014/main" xmlns="" id="{5249D34A-D8A8-41D6-9E49-C19985C37E62}"/>
+                <a16:creationId xmlns:a16="http://schemas.microsoft.com/office/drawing/2014/main" id="{5249D34A-D8A8-41D6-9E49-C19985C37E62}"/>
               </a:ext>
             </a:extLst>
           </p:cNvPr>
@@ -2890,7 +2892,7 @@
           </a:lstStyle>
           <a:p>
             <a:r>
-              <a:rPr lang="zh-CN" altLang="en-US" smtClean="0"/>
+              <a:rPr lang="zh-CN" altLang="en-US"/>
               <a:t>单击此处编辑母版标题样式</a:t>
             </a:r>
             <a:endParaRPr lang="en-HK"/>
@@ -2902,7 +2904,7 @@
           <p:cNvPr id="3" name="图片占位符 2">
             <a:extLst>
               <a:ext uri="{FF2B5EF4-FFF2-40B4-BE49-F238E27FC236}">
-                <a16:creationId xmlns:a16="http://schemas.microsoft.com/office/drawing/2014/main" xmlns="" id="{EBD6AF32-E484-4945-A0C5-0FB42E32639C}"/>
+                <a16:creationId xmlns:a16="http://schemas.microsoft.com/office/drawing/2014/main" id="{EBD6AF32-E484-4945-A0C5-0FB42E32639C}"/>
               </a:ext>
             </a:extLst>
           </p:cNvPr>
@@ -2961,7 +2963,7 @@
           </a:lstStyle>
           <a:p>
             <a:r>
-              <a:rPr lang="zh-CN" altLang="en-US" smtClean="0"/>
+              <a:rPr lang="zh-CN" altLang="en-US"/>
               <a:t>将图片拖动到占位符，或单击添加图标</a:t>
             </a:r>
             <a:endParaRPr lang="en-HK"/>
@@ -2973,7 +2975,7 @@
           <p:cNvPr id="4" name="文本占位符 3">
             <a:extLst>
               <a:ext uri="{FF2B5EF4-FFF2-40B4-BE49-F238E27FC236}">
-                <a16:creationId xmlns:a16="http://schemas.microsoft.com/office/drawing/2014/main" xmlns="" id="{C14EE127-D055-4FD5-A3C0-B580AC001CD6}"/>
+                <a16:creationId xmlns:a16="http://schemas.microsoft.com/office/drawing/2014/main" id="{C14EE127-D055-4FD5-A3C0-B580AC001CD6}"/>
               </a:ext>
             </a:extLst>
           </p:cNvPr>
@@ -3033,7 +3035,7 @@
           <a:p>
             <a:pPr lvl="0"/>
             <a:r>
-              <a:rPr lang="zh-CN" altLang="en-US" smtClean="0"/>
+              <a:rPr lang="zh-CN" altLang="en-US"/>
               <a:t>单击此处编辑母版文本样式</a:t>
             </a:r>
           </a:p>
@@ -3044,7 +3046,7 @@
           <p:cNvPr id="5" name="日期占位符 4">
             <a:extLst>
               <a:ext uri="{FF2B5EF4-FFF2-40B4-BE49-F238E27FC236}">
-                <a16:creationId xmlns:a16="http://schemas.microsoft.com/office/drawing/2014/main" xmlns="" id="{0E58A864-E669-4281-8003-877718F4E6C8}"/>
+                <a16:creationId xmlns:a16="http://schemas.microsoft.com/office/drawing/2014/main" id="{0E58A864-E669-4281-8003-877718F4E6C8}"/>
               </a:ext>
             </a:extLst>
           </p:cNvPr>
@@ -3073,7 +3075,7 @@
           <p:cNvPr id="6" name="页脚占位符 5">
             <a:extLst>
               <a:ext uri="{FF2B5EF4-FFF2-40B4-BE49-F238E27FC236}">
-                <a16:creationId xmlns:a16="http://schemas.microsoft.com/office/drawing/2014/main" xmlns="" id="{90BCAF0C-99C4-4CC8-A38F-E546A9B436C3}"/>
+                <a16:creationId xmlns:a16="http://schemas.microsoft.com/office/drawing/2014/main" id="{90BCAF0C-99C4-4CC8-A38F-E546A9B436C3}"/>
               </a:ext>
             </a:extLst>
           </p:cNvPr>
@@ -3098,7 +3100,7 @@
           <p:cNvPr id="7" name="灯片编号占位符 6">
             <a:extLst>
               <a:ext uri="{FF2B5EF4-FFF2-40B4-BE49-F238E27FC236}">
-                <a16:creationId xmlns:a16="http://schemas.microsoft.com/office/drawing/2014/main" xmlns="" id="{6A8ECC5B-C067-4E5B-BD29-963A07BFC62A}"/>
+                <a16:creationId xmlns:a16="http://schemas.microsoft.com/office/drawing/2014/main" id="{6A8ECC5B-C067-4E5B-BD29-963A07BFC62A}"/>
               </a:ext>
             </a:extLst>
           </p:cNvPr>
@@ -3162,7 +3164,7 @@
           <p:cNvPr id="2" name="标题占位符 1">
             <a:extLst>
               <a:ext uri="{FF2B5EF4-FFF2-40B4-BE49-F238E27FC236}">
-                <a16:creationId xmlns:a16="http://schemas.microsoft.com/office/drawing/2014/main" xmlns="" id="{50B3F8FE-B562-40D6-A7EB-E930DC81A30F}"/>
+                <a16:creationId xmlns:a16="http://schemas.microsoft.com/office/drawing/2014/main" id="{50B3F8FE-B562-40D6-A7EB-E930DC81A30F}"/>
               </a:ext>
             </a:extLst>
           </p:cNvPr>
@@ -3201,7 +3203,7 @@
           <p:cNvPr id="3" name="文本占位符 2">
             <a:extLst>
               <a:ext uri="{FF2B5EF4-FFF2-40B4-BE49-F238E27FC236}">
-                <a16:creationId xmlns:a16="http://schemas.microsoft.com/office/drawing/2014/main" xmlns="" id="{4105D7F9-32FB-4FE4-81FC-7821BF273E32}"/>
+                <a16:creationId xmlns:a16="http://schemas.microsoft.com/office/drawing/2014/main" id="{4105D7F9-32FB-4FE4-81FC-7821BF273E32}"/>
               </a:ext>
             </a:extLst>
           </p:cNvPr>
@@ -3269,7 +3271,7 @@
           <p:cNvPr id="4" name="日期占位符 3">
             <a:extLst>
               <a:ext uri="{FF2B5EF4-FFF2-40B4-BE49-F238E27FC236}">
-                <a16:creationId xmlns:a16="http://schemas.microsoft.com/office/drawing/2014/main" xmlns="" id="{FC1BF6C2-4CCF-47A7-BC5A-3AFE65D9ABF7}"/>
+                <a16:creationId xmlns:a16="http://schemas.microsoft.com/office/drawing/2014/main" id="{FC1BF6C2-4CCF-47A7-BC5A-3AFE65D9ABF7}"/>
               </a:ext>
             </a:extLst>
           </p:cNvPr>
@@ -3316,7 +3318,7 @@
           <p:cNvPr id="5" name="页脚占位符 4">
             <a:extLst>
               <a:ext uri="{FF2B5EF4-FFF2-40B4-BE49-F238E27FC236}">
-                <a16:creationId xmlns:a16="http://schemas.microsoft.com/office/drawing/2014/main" xmlns="" id="{5BEF03B7-BF15-4069-AE64-17A82B94E117}"/>
+                <a16:creationId xmlns:a16="http://schemas.microsoft.com/office/drawing/2014/main" id="{5BEF03B7-BF15-4069-AE64-17A82B94E117}"/>
               </a:ext>
             </a:extLst>
           </p:cNvPr>
@@ -3359,7 +3361,7 @@
           <p:cNvPr id="6" name="灯片编号占位符 5">
             <a:extLst>
               <a:ext uri="{FF2B5EF4-FFF2-40B4-BE49-F238E27FC236}">
-                <a16:creationId xmlns:a16="http://schemas.microsoft.com/office/drawing/2014/main" xmlns="" id="{7FB921DD-8807-4D1C-959A-2CB0177FE614}"/>
+                <a16:creationId xmlns:a16="http://schemas.microsoft.com/office/drawing/2014/main" id="{7FB921DD-8807-4D1C-959A-2CB0177FE614}"/>
               </a:ext>
             </a:extLst>
           </p:cNvPr>
@@ -3727,7 +3729,7 @@
           <p:cNvPr id="15" name="图形 14">
             <a:extLst>
               <a:ext uri="{FF2B5EF4-FFF2-40B4-BE49-F238E27FC236}">
-                <a16:creationId xmlns:a16="http://schemas.microsoft.com/office/drawing/2014/main" xmlns="" id="{2409ED88-2CA5-41A4-8701-762ACFEE5E2D}"/>
+                <a16:creationId xmlns:a16="http://schemas.microsoft.com/office/drawing/2014/main" id="{2409ED88-2CA5-41A4-8701-762ACFEE5E2D}"/>
               </a:ext>
             </a:extLst>
           </p:cNvPr>
@@ -3740,7 +3742,7 @@
           <a:blip r:embed="rId2">
             <a:extLst>
               <a:ext uri="{96DAC541-7B7A-43D3-8B79-37D633B846F1}">
-                <asvg:svgBlip xmlns:asvg="http://schemas.microsoft.com/office/drawing/2016/SVG/main" xmlns="" r:embed="rId3"/>
+                <asvg:svgBlip xmlns:asvg="http://schemas.microsoft.com/office/drawing/2016/SVG/main" r:embed="rId3"/>
               </a:ext>
             </a:extLst>
           </a:blip>
@@ -3763,7 +3765,7 @@
           <p:cNvPr id="17" name="图形 16">
             <a:extLst>
               <a:ext uri="{FF2B5EF4-FFF2-40B4-BE49-F238E27FC236}">
-                <a16:creationId xmlns:a16="http://schemas.microsoft.com/office/drawing/2014/main" xmlns="" id="{A70AE1BF-E01E-40B3-82FE-EBDAE98EF033}"/>
+                <a16:creationId xmlns:a16="http://schemas.microsoft.com/office/drawing/2014/main" id="{A70AE1BF-E01E-40B3-82FE-EBDAE98EF033}"/>
               </a:ext>
             </a:extLst>
           </p:cNvPr>
@@ -3776,7 +3778,7 @@
           <a:blip r:embed="rId4">
             <a:extLst>
               <a:ext uri="{96DAC541-7B7A-43D3-8B79-37D633B846F1}">
-                <asvg:svgBlip xmlns:asvg="http://schemas.microsoft.com/office/drawing/2016/SVG/main" xmlns="" r:embed="rId5"/>
+                <asvg:svgBlip xmlns:asvg="http://schemas.microsoft.com/office/drawing/2016/SVG/main" r:embed="rId5"/>
               </a:ext>
             </a:extLst>
           </a:blip>
@@ -3799,7 +3801,7 @@
           <p:cNvPr id="18" name="图形 17">
             <a:extLst>
               <a:ext uri="{FF2B5EF4-FFF2-40B4-BE49-F238E27FC236}">
-                <a16:creationId xmlns:a16="http://schemas.microsoft.com/office/drawing/2014/main" xmlns="" id="{9786F39B-3422-4B47-882D-76178895E44F}"/>
+                <a16:creationId xmlns:a16="http://schemas.microsoft.com/office/drawing/2014/main" id="{9786F39B-3422-4B47-882D-76178895E44F}"/>
               </a:ext>
             </a:extLst>
           </p:cNvPr>
@@ -3812,7 +3814,7 @@
           <a:blip r:embed="rId2">
             <a:extLst>
               <a:ext uri="{96DAC541-7B7A-43D3-8B79-37D633B846F1}">
-                <asvg:svgBlip xmlns:asvg="http://schemas.microsoft.com/office/drawing/2016/SVG/main" xmlns="" r:embed="rId3"/>
+                <asvg:svgBlip xmlns:asvg="http://schemas.microsoft.com/office/drawing/2016/SVG/main" r:embed="rId3"/>
               </a:ext>
             </a:extLst>
           </a:blip>
@@ -3835,7 +3837,7 @@
           <p:cNvPr id="27" name="图形 26">
             <a:extLst>
               <a:ext uri="{FF2B5EF4-FFF2-40B4-BE49-F238E27FC236}">
-                <a16:creationId xmlns:a16="http://schemas.microsoft.com/office/drawing/2014/main" xmlns="" id="{26D176A5-483B-42B4-B7CB-15332828ABE9}"/>
+                <a16:creationId xmlns:a16="http://schemas.microsoft.com/office/drawing/2014/main" id="{26D176A5-483B-42B4-B7CB-15332828ABE9}"/>
               </a:ext>
             </a:extLst>
           </p:cNvPr>
@@ -3848,7 +3850,7 @@
           <a:blip r:embed="rId6">
             <a:extLst>
               <a:ext uri="{96DAC541-7B7A-43D3-8B79-37D633B846F1}">
-                <asvg:svgBlip xmlns:asvg="http://schemas.microsoft.com/office/drawing/2016/SVG/main" xmlns="" r:embed="rId7"/>
+                <asvg:svgBlip xmlns:asvg="http://schemas.microsoft.com/office/drawing/2016/SVG/main" r:embed="rId7"/>
               </a:ext>
             </a:extLst>
           </a:blip>
@@ -3871,7 +3873,7 @@
           <p:cNvPr id="28" name="标题 1">
             <a:extLst>
               <a:ext uri="{FF2B5EF4-FFF2-40B4-BE49-F238E27FC236}">
-                <a16:creationId xmlns:a16="http://schemas.microsoft.com/office/drawing/2014/main" xmlns="" id="{D8C0095A-FB59-40F4-9812-D28C3424933B}"/>
+                <a16:creationId xmlns:a16="http://schemas.microsoft.com/office/drawing/2014/main" id="{D8C0095A-FB59-40F4-9812-D28C3424933B}"/>
               </a:ext>
             </a:extLst>
           </p:cNvPr>
@@ -3945,7 +3947,7 @@
               </a:lnSpc>
             </a:pPr>
             <a:r>
-              <a:rPr kumimoji="1" lang="en-US" altLang="zh-CN" sz="2800" dirty="0" err="1" smtClean="0">
+              <a:rPr kumimoji="1" lang="en-US" altLang="zh-CN" sz="2800" dirty="0" err="1">
                 <a:latin typeface="Adobe Heiti Std R" charset="-122"/>
                 <a:ea typeface="Adobe Heiti Std R" charset="-122"/>
                 <a:cs typeface="Adobe Heiti Std R" charset="-122"/>
@@ -3953,7 +3955,7 @@
               <a:t>Tensorflow</a:t>
             </a:r>
             <a:r>
-              <a:rPr kumimoji="1" lang="en-US" altLang="zh-CN" sz="2800" dirty="0" smtClean="0">
+              <a:rPr kumimoji="1" lang="en-US" altLang="zh-CN" sz="2800" dirty="0">
                 <a:latin typeface="Adobe Heiti Std R" charset="-122"/>
                 <a:ea typeface="Adobe Heiti Std R" charset="-122"/>
                 <a:cs typeface="Adobe Heiti Std R" charset="-122"/>
@@ -3996,18 +3998,10 @@
                 <a:ea typeface="SimHei" charset="-122"/>
                 <a:cs typeface="SimHei" charset="-122"/>
               </a:rPr>
-              <a:t>郑瑞</a:t>
-            </a:r>
-            <a:r>
-              <a:rPr lang="zh-CN" altLang="en-US" dirty="0" smtClean="0">
-                <a:latin typeface="SimHei" charset="-122"/>
-                <a:ea typeface="SimHei" charset="-122"/>
-                <a:cs typeface="SimHei" charset="-122"/>
-              </a:rPr>
-              <a:t>麒</a:t>
-            </a:r>
-            <a:r>
-              <a:rPr lang="en-US" altLang="zh-CN" dirty="0" smtClean="0">
+              <a:t>郑瑞麒</a:t>
+            </a:r>
+            <a:r>
+              <a:rPr lang="en-US" altLang="zh-CN" dirty="0">
                 <a:latin typeface="SimHei" charset="-122"/>
                 <a:ea typeface="SimHei" charset="-122"/>
                 <a:cs typeface="SimHei" charset="-122"/>
@@ -4017,7 +4011,7 @@
           </a:p>
           <a:p>
             <a:r>
-              <a:rPr kumimoji="1" lang="zh-CN" altLang="en-US" dirty="0" smtClean="0">
+              <a:rPr kumimoji="1" lang="zh-CN" altLang="en-US" dirty="0">
                 <a:latin typeface="SimHei" charset="-122"/>
                 <a:ea typeface="SimHei" charset="-122"/>
                 <a:cs typeface="SimHei" charset="-122"/>
@@ -4025,7 +4019,7 @@
               <a:t>朱俊达</a:t>
             </a:r>
             <a:r>
-              <a:rPr kumimoji="1" lang="en-US" altLang="zh-CN" dirty="0" smtClean="0">
+              <a:rPr kumimoji="1" lang="en-US" altLang="zh-CN" dirty="0">
                 <a:latin typeface="SimHei" charset="-122"/>
                 <a:ea typeface="SimHei" charset="-122"/>
                 <a:cs typeface="SimHei" charset="-122"/>
@@ -4050,13 +4044,891 @@
   <p:clrMapOvr>
     <a:masterClrMapping/>
   </p:clrMapOvr>
-  <p:timing>
-    <p:tnLst>
-      <p:par>
-        <p:cTn id="1" dur="indefinite" restart="never" nodeType="tmRoot"/>
-      </p:par>
-    </p:tnLst>
-  </p:timing>
+</p:sld>
+</file>
+
+<file path=ppt/slides/slide10.xml><?xml version="1.0" encoding="utf-8"?>
+<p:sld xmlns:a="http://schemas.openxmlformats.org/drawingml/2006/main" xmlns:r="http://schemas.openxmlformats.org/officeDocument/2006/relationships" xmlns:p="http://schemas.openxmlformats.org/presentationml/2006/main">
+  <p:cSld>
+    <p:spTree>
+      <p:nvGrpSpPr>
+        <p:cNvPr id="1" name=""/>
+        <p:cNvGrpSpPr/>
+        <p:nvPr/>
+      </p:nvGrpSpPr>
+      <p:grpSpPr>
+        <a:xfrm>
+          <a:off x="0" y="0"/>
+          <a:ext cx="0" cy="0"/>
+          <a:chOff x="0" y="0"/>
+          <a:chExt cx="0" cy="0"/>
+        </a:xfrm>
+      </p:grpSpPr>
+      <p:pic>
+        <p:nvPicPr>
+          <p:cNvPr id="8" name="内容占位符 7"/>
+          <p:cNvPicPr>
+            <a:picLocks noGrp="1" noChangeAspect="1"/>
+          </p:cNvPicPr>
+          <p:nvPr>
+            <p:ph idx="1"/>
+          </p:nvPr>
+        </p:nvPicPr>
+        <p:blipFill>
+          <a:blip r:embed="rId2">
+            <a:extLst>
+              <a:ext uri="{28A0092B-C50C-407E-A947-70E740481C1C}">
+                <a14:useLocalDpi xmlns:a14="http://schemas.microsoft.com/office/drawing/2010/main" val="0"/>
+              </a:ext>
+            </a:extLst>
+          </a:blip>
+          <a:stretch>
+            <a:fillRect/>
+          </a:stretch>
+        </p:blipFill>
+        <p:spPr>
+          <a:xfrm>
+            <a:off x="-577070" y="-1019703"/>
+            <a:ext cx="13039702" cy="2652243"/>
+          </a:xfrm>
+        </p:spPr>
+      </p:pic>
+      <p:sp>
+        <p:nvSpPr>
+          <p:cNvPr id="2" name="标题 1">
+            <a:extLst>
+              <a:ext uri="{FF2B5EF4-FFF2-40B4-BE49-F238E27FC236}">
+                <a16:creationId xmlns:a16="http://schemas.microsoft.com/office/drawing/2014/main" id="{729E7753-D934-41AF-979C-BE3013383BDA}"/>
+              </a:ext>
+            </a:extLst>
+          </p:cNvPr>
+          <p:cNvSpPr>
+            <a:spLocks noGrp="1"/>
+          </p:cNvSpPr>
+          <p:nvPr>
+            <p:ph type="title"/>
+          </p:nvPr>
+        </p:nvSpPr>
+        <p:spPr>
+          <a:xfrm>
+            <a:off x="1077849" y="-45562"/>
+            <a:ext cx="10515600" cy="1325563"/>
+          </a:xfrm>
+        </p:spPr>
+        <p:txBody>
+          <a:bodyPr>
+            <a:normAutofit/>
+          </a:bodyPr>
+          <a:lstStyle/>
+          <a:p>
+            <a:r>
+              <a:rPr lang="en-US" altLang="zh-CN" b="1" dirty="0"/>
+              <a:t>5. Application of </a:t>
+            </a:r>
+            <a:r>
+              <a:rPr lang="en-US" altLang="zh-CN" b="1" dirty="0" err="1"/>
+              <a:t>tensorflow</a:t>
+            </a:r>
+            <a:r>
+              <a:rPr lang="en-US" altLang="zh-CN" b="1" dirty="0"/>
+              <a:t>  -- </a:t>
+            </a:r>
+            <a:r>
+              <a:rPr lang="en-US" altLang="zh-CN" dirty="0"/>
+              <a:t> individuals</a:t>
+            </a:r>
+            <a:endParaRPr lang="en-HK" b="1" dirty="0"/>
+          </a:p>
+        </p:txBody>
+      </p:sp>
+      <p:pic>
+        <p:nvPicPr>
+          <p:cNvPr id="4" name="图形 3">
+            <a:extLst>
+              <a:ext uri="{FF2B5EF4-FFF2-40B4-BE49-F238E27FC236}">
+                <a16:creationId xmlns:a16="http://schemas.microsoft.com/office/drawing/2014/main" id="{3EF556CA-30DB-46CA-B010-E7BC06705578}"/>
+              </a:ext>
+            </a:extLst>
+          </p:cNvPr>
+          <p:cNvPicPr>
+            <a:picLocks noChangeAspect="1"/>
+          </p:cNvPicPr>
+          <p:nvPr/>
+        </p:nvPicPr>
+        <p:blipFill>
+          <a:blip r:embed="rId3">
+            <a:extLst>
+              <a:ext uri="{96DAC541-7B7A-43D3-8B79-37D633B846F1}">
+                <asvg:svgBlip xmlns:asvg="http://schemas.microsoft.com/office/drawing/2016/SVG/main" r:embed="rId4"/>
+              </a:ext>
+            </a:extLst>
+          </a:blip>
+          <a:stretch>
+            <a:fillRect/>
+          </a:stretch>
+        </p:blipFill>
+        <p:spPr>
+          <a:xfrm>
+            <a:off x="-50800" y="6122728"/>
+            <a:ext cx="12242800" cy="1278197"/>
+          </a:xfrm>
+          <a:prstGeom prst="rect">
+            <a:avLst/>
+          </a:prstGeom>
+        </p:spPr>
+      </p:pic>
+      <p:sp>
+        <p:nvSpPr>
+          <p:cNvPr id="5" name="箭头: 五边形 4">
+            <a:extLst>
+              <a:ext uri="{FF2B5EF4-FFF2-40B4-BE49-F238E27FC236}">
+                <a16:creationId xmlns:a16="http://schemas.microsoft.com/office/drawing/2014/main" id="{61E862C7-DDED-46B2-88A9-92A4D3F40475}"/>
+              </a:ext>
+            </a:extLst>
+          </p:cNvPr>
+          <p:cNvSpPr/>
+          <p:nvPr/>
+        </p:nvSpPr>
+        <p:spPr>
+          <a:xfrm rot="5400000">
+            <a:off x="-60257" y="234315"/>
+            <a:ext cx="1234440" cy="765810"/>
+          </a:xfrm>
+          <a:prstGeom prst="homePlate">
+            <a:avLst/>
+          </a:prstGeom>
+          <a:solidFill>
+            <a:srgbClr val="034246"/>
+          </a:solidFill>
+        </p:spPr>
+        <p:style>
+          <a:lnRef idx="2">
+            <a:schemeClr val="accent1">
+              <a:shade val="50000"/>
+            </a:schemeClr>
+          </a:lnRef>
+          <a:fillRef idx="1">
+            <a:schemeClr val="accent1"/>
+          </a:fillRef>
+          <a:effectRef idx="0">
+            <a:schemeClr val="accent1"/>
+          </a:effectRef>
+          <a:fontRef idx="minor">
+            <a:schemeClr val="lt1"/>
+          </a:fontRef>
+        </p:style>
+        <p:txBody>
+          <a:bodyPr rtlCol="0" anchor="ctr"/>
+          <a:lstStyle/>
+          <a:p>
+            <a:pPr algn="ctr"/>
+            <a:endParaRPr lang="en-HK"/>
+          </a:p>
+        </p:txBody>
+      </p:sp>
+      <p:pic>
+        <p:nvPicPr>
+          <p:cNvPr id="6" name="图形 5">
+            <a:extLst>
+              <a:ext uri="{FF2B5EF4-FFF2-40B4-BE49-F238E27FC236}">
+                <a16:creationId xmlns:a16="http://schemas.microsoft.com/office/drawing/2014/main" id="{217E1EC4-7E0E-4611-9AC8-528215714F14}"/>
+              </a:ext>
+            </a:extLst>
+          </p:cNvPr>
+          <p:cNvPicPr>
+            <a:picLocks noChangeAspect="1"/>
+          </p:cNvPicPr>
+          <p:nvPr/>
+        </p:nvPicPr>
+        <p:blipFill>
+          <a:blip r:embed="rId5">
+            <a:extLst>
+              <a:ext uri="{96DAC541-7B7A-43D3-8B79-37D633B846F1}">
+                <asvg:svgBlip xmlns:asvg="http://schemas.microsoft.com/office/drawing/2016/SVG/main" r:embed="rId6"/>
+              </a:ext>
+            </a:extLst>
+          </a:blip>
+          <a:stretch>
+            <a:fillRect/>
+          </a:stretch>
+        </p:blipFill>
+        <p:spPr>
+          <a:xfrm>
+            <a:off x="312039" y="103823"/>
+            <a:ext cx="489848" cy="717523"/>
+          </a:xfrm>
+          <a:prstGeom prst="rect">
+            <a:avLst/>
+          </a:prstGeom>
+        </p:spPr>
+      </p:pic>
+      <p:sp>
+        <p:nvSpPr>
+          <p:cNvPr id="7" name="矩形 6">
+            <a:extLst>
+              <a:ext uri="{FF2B5EF4-FFF2-40B4-BE49-F238E27FC236}">
+                <a16:creationId xmlns:a16="http://schemas.microsoft.com/office/drawing/2014/main" id="{0E6E5E10-CB6E-48A9-958C-AC330CBA839D}"/>
+              </a:ext>
+            </a:extLst>
+          </p:cNvPr>
+          <p:cNvSpPr/>
+          <p:nvPr/>
+        </p:nvSpPr>
+        <p:spPr>
+          <a:xfrm>
+            <a:off x="489756" y="1728913"/>
+            <a:ext cx="3313176" cy="923330"/>
+          </a:xfrm>
+          <a:prstGeom prst="rect">
+            <a:avLst/>
+          </a:prstGeom>
+        </p:spPr>
+        <p:txBody>
+          <a:bodyPr wrap="square">
+            <a:spAutoFit/>
+          </a:bodyPr>
+          <a:lstStyle/>
+          <a:p>
+            <a:r>
+              <a:rPr lang="en-US" altLang="zh-CN" dirty="0"/>
+              <a:t>Wear a Mask, A very interesting app that masks your avatar. [4]</a:t>
+            </a:r>
+          </a:p>
+          <a:p>
+            <a:endParaRPr lang="en-US" altLang="zh-CN" dirty="0"/>
+          </a:p>
+        </p:txBody>
+      </p:sp>
+      <p:sp>
+        <p:nvSpPr>
+          <p:cNvPr id="10" name="矩形 9">
+            <a:extLst>
+              <a:ext uri="{FF2B5EF4-FFF2-40B4-BE49-F238E27FC236}">
+                <a16:creationId xmlns:a16="http://schemas.microsoft.com/office/drawing/2014/main" id="{E6D616A1-78CD-4702-B0F6-2558B79A6057}"/>
+              </a:ext>
+            </a:extLst>
+          </p:cNvPr>
+          <p:cNvSpPr/>
+          <p:nvPr/>
+        </p:nvSpPr>
+        <p:spPr>
+          <a:xfrm>
+            <a:off x="801887" y="5506829"/>
+            <a:ext cx="4625369" cy="923330"/>
+          </a:xfrm>
+          <a:prstGeom prst="rect">
+            <a:avLst/>
+          </a:prstGeom>
+        </p:spPr>
+        <p:txBody>
+          <a:bodyPr wrap="none">
+            <a:spAutoFit/>
+          </a:bodyPr>
+          <a:lstStyle/>
+          <a:p>
+            <a:r>
+              <a:rPr lang="en-US" altLang="zh-CN" dirty="0"/>
+              <a:t>[4]https://github.com/zamhown/wear-a-mask</a:t>
+            </a:r>
+          </a:p>
+          <a:p>
+            <a:r>
+              <a:rPr lang="en-US" altLang="zh-CN" dirty="0"/>
+              <a:t>[5] </a:t>
+            </a:r>
+            <a:r>
+              <a:rPr lang="en-US" altLang="zh-CN" dirty="0">
+                <a:hlinkClick r:id="rId7"/>
+              </a:rPr>
+              <a:t>https://github.com/mgechev/movement.js</a:t>
+            </a:r>
+            <a:endParaRPr lang="en-US" altLang="zh-CN" dirty="0"/>
+          </a:p>
+          <a:p>
+            <a:r>
+              <a:rPr lang="en-US" altLang="zh-CN" dirty="0"/>
+              <a:t>[6]https://github.com/zhanyongsheng/LetsJum</a:t>
+            </a:r>
+          </a:p>
+        </p:txBody>
+      </p:sp>
+      <p:pic>
+        <p:nvPicPr>
+          <p:cNvPr id="9" name="图片 8">
+            <a:extLst>
+              <a:ext uri="{FF2B5EF4-FFF2-40B4-BE49-F238E27FC236}">
+                <a16:creationId xmlns:a16="http://schemas.microsoft.com/office/drawing/2014/main" id="{F34B8978-5FBA-4F65-ACA8-3F18D3E2903E}"/>
+              </a:ext>
+            </a:extLst>
+          </p:cNvPr>
+          <p:cNvPicPr>
+            <a:picLocks noChangeAspect="1"/>
+          </p:cNvPicPr>
+          <p:nvPr/>
+        </p:nvPicPr>
+        <p:blipFill>
+          <a:blip r:embed="rId8">
+            <a:extLst>
+              <a:ext uri="{28A0092B-C50C-407E-A947-70E740481C1C}">
+                <a14:useLocalDpi xmlns:a14="http://schemas.microsoft.com/office/drawing/2010/main" val="0"/>
+              </a:ext>
+            </a:extLst>
+          </a:blip>
+          <a:stretch>
+            <a:fillRect/>
+          </a:stretch>
+        </p:blipFill>
+        <p:spPr>
+          <a:xfrm>
+            <a:off x="8277225" y="2879981"/>
+            <a:ext cx="1389831" cy="3088513"/>
+          </a:xfrm>
+          <a:prstGeom prst="rect">
+            <a:avLst/>
+          </a:prstGeom>
+        </p:spPr>
+      </p:pic>
+      <p:sp>
+        <p:nvSpPr>
+          <p:cNvPr id="11" name="矩形 10">
+            <a:extLst>
+              <a:ext uri="{FF2B5EF4-FFF2-40B4-BE49-F238E27FC236}">
+                <a16:creationId xmlns:a16="http://schemas.microsoft.com/office/drawing/2014/main" id="{4CF3A791-93E3-426C-B735-F92DE966E307}"/>
+              </a:ext>
+            </a:extLst>
+          </p:cNvPr>
+          <p:cNvSpPr/>
+          <p:nvPr/>
+        </p:nvSpPr>
+        <p:spPr>
+          <a:xfrm>
+            <a:off x="7640278" y="1525419"/>
+            <a:ext cx="3237271" cy="1200329"/>
+          </a:xfrm>
+          <a:prstGeom prst="rect">
+            <a:avLst/>
+          </a:prstGeom>
+        </p:spPr>
+        <p:txBody>
+          <a:bodyPr wrap="square">
+            <a:spAutoFit/>
+          </a:bodyPr>
+          <a:lstStyle/>
+          <a:p>
+            <a:r>
+              <a:rPr lang="en-US" altLang="zh-CN" dirty="0"/>
+              <a:t>An implementation of TensorFlow that automatically plays WeChat hop on Android phones[6]</a:t>
+            </a:r>
+          </a:p>
+        </p:txBody>
+      </p:sp>
+      <p:sp>
+        <p:nvSpPr>
+          <p:cNvPr id="12" name="矩形 11">
+            <a:extLst>
+              <a:ext uri="{FF2B5EF4-FFF2-40B4-BE49-F238E27FC236}">
+                <a16:creationId xmlns:a16="http://schemas.microsoft.com/office/drawing/2014/main" id="{086EF21F-2450-4B50-BF99-7C730549EF60}"/>
+              </a:ext>
+            </a:extLst>
+          </p:cNvPr>
+          <p:cNvSpPr/>
+          <p:nvPr/>
+        </p:nvSpPr>
+        <p:spPr>
+          <a:xfrm>
+            <a:off x="4065017" y="1632540"/>
+            <a:ext cx="3313175" cy="923330"/>
+          </a:xfrm>
+          <a:prstGeom prst="rect">
+            <a:avLst/>
+          </a:prstGeom>
+        </p:spPr>
+        <p:txBody>
+          <a:bodyPr wrap="square">
+            <a:spAutoFit/>
+          </a:bodyPr>
+          <a:lstStyle/>
+          <a:p>
+            <a:r>
+              <a:rPr lang="en-US" altLang="zh-CN" dirty="0"/>
+              <a:t>Without </a:t>
+            </a:r>
+            <a:r>
+              <a:rPr lang="en-US" altLang="zh-CN" dirty="0" err="1"/>
+              <a:t>keyboard,all</a:t>
+            </a:r>
+            <a:r>
+              <a:rPr lang="en-US" altLang="zh-CN" dirty="0"/>
+              <a:t> you need to play Mortal Kombat on your laptop is a front-facing camera.[5]</a:t>
+            </a:r>
+          </a:p>
+        </p:txBody>
+      </p:sp>
+      <p:pic>
+        <p:nvPicPr>
+          <p:cNvPr id="3" name="图片 2">
+            <a:extLst>
+              <a:ext uri="{FF2B5EF4-FFF2-40B4-BE49-F238E27FC236}">
+                <a16:creationId xmlns:a16="http://schemas.microsoft.com/office/drawing/2014/main" id="{F77C9EC8-A455-4553-8EBC-9D14305CF552}"/>
+              </a:ext>
+            </a:extLst>
+          </p:cNvPr>
+          <p:cNvPicPr>
+            <a:picLocks noChangeAspect="1"/>
+          </p:cNvPicPr>
+          <p:nvPr/>
+        </p:nvPicPr>
+        <p:blipFill>
+          <a:blip r:embed="rId9"/>
+          <a:stretch>
+            <a:fillRect/>
+          </a:stretch>
+        </p:blipFill>
+        <p:spPr>
+          <a:xfrm>
+            <a:off x="4065016" y="3256649"/>
+            <a:ext cx="3313176" cy="2153807"/>
+          </a:xfrm>
+          <a:prstGeom prst="rect">
+            <a:avLst/>
+          </a:prstGeom>
+        </p:spPr>
+      </p:pic>
+      <p:pic>
+        <p:nvPicPr>
+          <p:cNvPr id="13" name="图片 12">
+            <a:extLst>
+              <a:ext uri="{FF2B5EF4-FFF2-40B4-BE49-F238E27FC236}">
+                <a16:creationId xmlns:a16="http://schemas.microsoft.com/office/drawing/2014/main" id="{DC538AF9-B354-47F5-B989-D6B5AD59EE47}"/>
+              </a:ext>
+            </a:extLst>
+          </p:cNvPr>
+          <p:cNvPicPr>
+            <a:picLocks noChangeAspect="1"/>
+          </p:cNvPicPr>
+          <p:nvPr/>
+        </p:nvPicPr>
+        <p:blipFill>
+          <a:blip r:embed="rId10"/>
+          <a:stretch>
+            <a:fillRect/>
+          </a:stretch>
+        </p:blipFill>
+        <p:spPr>
+          <a:xfrm>
+            <a:off x="260678" y="3378157"/>
+            <a:ext cx="3542254" cy="1157906"/>
+          </a:xfrm>
+          <a:prstGeom prst="rect">
+            <a:avLst/>
+          </a:prstGeom>
+        </p:spPr>
+      </p:pic>
+    </p:spTree>
+    <p:extLst>
+      <p:ext uri="{BB962C8B-B14F-4D97-AF65-F5344CB8AC3E}">
+        <p14:creationId xmlns:p14="http://schemas.microsoft.com/office/powerpoint/2010/main" val="2054943402"/>
+      </p:ext>
+    </p:extLst>
+  </p:cSld>
+  <p:clrMapOvr>
+    <a:masterClrMapping/>
+  </p:clrMapOvr>
+</p:sld>
+</file>
+
+<file path=ppt/slides/slide11.xml><?xml version="1.0" encoding="utf-8"?>
+<p:sld xmlns:a="http://schemas.openxmlformats.org/drawingml/2006/main" xmlns:r="http://schemas.openxmlformats.org/officeDocument/2006/relationships" xmlns:p="http://schemas.openxmlformats.org/presentationml/2006/main">
+  <p:cSld>
+    <p:spTree>
+      <p:nvGrpSpPr>
+        <p:cNvPr id="1" name=""/>
+        <p:cNvGrpSpPr/>
+        <p:nvPr/>
+      </p:nvGrpSpPr>
+      <p:grpSpPr>
+        <a:xfrm>
+          <a:off x="0" y="0"/>
+          <a:ext cx="0" cy="0"/>
+          <a:chOff x="0" y="0"/>
+          <a:chExt cx="0" cy="0"/>
+        </a:xfrm>
+      </p:grpSpPr>
+      <p:pic>
+        <p:nvPicPr>
+          <p:cNvPr id="8" name="内容占位符 7"/>
+          <p:cNvPicPr>
+            <a:picLocks noGrp="1" noChangeAspect="1"/>
+          </p:cNvPicPr>
+          <p:nvPr>
+            <p:ph idx="1"/>
+          </p:nvPr>
+        </p:nvPicPr>
+        <p:blipFill>
+          <a:blip r:embed="rId2">
+            <a:extLst>
+              <a:ext uri="{28A0092B-C50C-407E-A947-70E740481C1C}">
+                <a14:useLocalDpi xmlns:a14="http://schemas.microsoft.com/office/drawing/2010/main" val="0"/>
+              </a:ext>
+            </a:extLst>
+          </a:blip>
+          <a:stretch>
+            <a:fillRect/>
+          </a:stretch>
+        </p:blipFill>
+        <p:spPr>
+          <a:xfrm>
+            <a:off x="-423851" y="-708903"/>
+            <a:ext cx="13039702" cy="2652243"/>
+          </a:xfrm>
+        </p:spPr>
+      </p:pic>
+      <p:sp>
+        <p:nvSpPr>
+          <p:cNvPr id="2" name="标题 1">
+            <a:extLst>
+              <a:ext uri="{FF2B5EF4-FFF2-40B4-BE49-F238E27FC236}">
+                <a16:creationId xmlns:a16="http://schemas.microsoft.com/office/drawing/2014/main" id="{729E7753-D934-41AF-979C-BE3013383BDA}"/>
+              </a:ext>
+            </a:extLst>
+          </p:cNvPr>
+          <p:cNvSpPr>
+            <a:spLocks noGrp="1"/>
+          </p:cNvSpPr>
+          <p:nvPr>
+            <p:ph type="title"/>
+          </p:nvPr>
+        </p:nvSpPr>
+        <p:spPr>
+          <a:xfrm>
+            <a:off x="1077849" y="-45562"/>
+            <a:ext cx="10515600" cy="1325563"/>
+          </a:xfrm>
+        </p:spPr>
+        <p:txBody>
+          <a:bodyPr/>
+          <a:lstStyle/>
+          <a:p>
+            <a:r>
+              <a:rPr lang="en-US" altLang="zh-CN" b="1" dirty="0"/>
+              <a:t>6. Reference</a:t>
+            </a:r>
+            <a:endParaRPr lang="en-HK" dirty="0"/>
+          </a:p>
+        </p:txBody>
+      </p:sp>
+      <p:pic>
+        <p:nvPicPr>
+          <p:cNvPr id="4" name="图形 3">
+            <a:extLst>
+              <a:ext uri="{FF2B5EF4-FFF2-40B4-BE49-F238E27FC236}">
+                <a16:creationId xmlns:a16="http://schemas.microsoft.com/office/drawing/2014/main" id="{3EF556CA-30DB-46CA-B010-E7BC06705578}"/>
+              </a:ext>
+            </a:extLst>
+          </p:cNvPr>
+          <p:cNvPicPr>
+            <a:picLocks noChangeAspect="1"/>
+          </p:cNvPicPr>
+          <p:nvPr/>
+        </p:nvPicPr>
+        <p:blipFill>
+          <a:blip r:embed="rId3">
+            <a:extLst>
+              <a:ext uri="{96DAC541-7B7A-43D3-8B79-37D633B846F1}">
+                <asvg:svgBlip xmlns:asvg="http://schemas.microsoft.com/office/drawing/2016/SVG/main" r:embed="rId4"/>
+              </a:ext>
+            </a:extLst>
+          </a:blip>
+          <a:stretch>
+            <a:fillRect/>
+          </a:stretch>
+        </p:blipFill>
+        <p:spPr>
+          <a:xfrm>
+            <a:off x="-50800" y="6122728"/>
+            <a:ext cx="12242800" cy="1278197"/>
+          </a:xfrm>
+          <a:prstGeom prst="rect">
+            <a:avLst/>
+          </a:prstGeom>
+        </p:spPr>
+      </p:pic>
+      <p:sp>
+        <p:nvSpPr>
+          <p:cNvPr id="5" name="箭头: 五边形 4">
+            <a:extLst>
+              <a:ext uri="{FF2B5EF4-FFF2-40B4-BE49-F238E27FC236}">
+                <a16:creationId xmlns:a16="http://schemas.microsoft.com/office/drawing/2014/main" id="{61E862C7-DDED-46B2-88A9-92A4D3F40475}"/>
+              </a:ext>
+            </a:extLst>
+          </p:cNvPr>
+          <p:cNvSpPr/>
+          <p:nvPr/>
+        </p:nvSpPr>
+        <p:spPr>
+          <a:xfrm rot="5400000">
+            <a:off x="-60257" y="234315"/>
+            <a:ext cx="1234440" cy="765810"/>
+          </a:xfrm>
+          <a:prstGeom prst="homePlate">
+            <a:avLst/>
+          </a:prstGeom>
+          <a:solidFill>
+            <a:srgbClr val="034246"/>
+          </a:solidFill>
+        </p:spPr>
+        <p:style>
+          <a:lnRef idx="2">
+            <a:schemeClr val="accent1">
+              <a:shade val="50000"/>
+            </a:schemeClr>
+          </a:lnRef>
+          <a:fillRef idx="1">
+            <a:schemeClr val="accent1"/>
+          </a:fillRef>
+          <a:effectRef idx="0">
+            <a:schemeClr val="accent1"/>
+          </a:effectRef>
+          <a:fontRef idx="minor">
+            <a:schemeClr val="lt1"/>
+          </a:fontRef>
+        </p:style>
+        <p:txBody>
+          <a:bodyPr rtlCol="0" anchor="ctr"/>
+          <a:lstStyle/>
+          <a:p>
+            <a:pPr algn="ctr"/>
+            <a:endParaRPr lang="en-HK"/>
+          </a:p>
+        </p:txBody>
+      </p:sp>
+      <p:pic>
+        <p:nvPicPr>
+          <p:cNvPr id="6" name="图形 5">
+            <a:extLst>
+              <a:ext uri="{FF2B5EF4-FFF2-40B4-BE49-F238E27FC236}">
+                <a16:creationId xmlns:a16="http://schemas.microsoft.com/office/drawing/2014/main" id="{217E1EC4-7E0E-4611-9AC8-528215714F14}"/>
+              </a:ext>
+            </a:extLst>
+          </p:cNvPr>
+          <p:cNvPicPr>
+            <a:picLocks noChangeAspect="1"/>
+          </p:cNvPicPr>
+          <p:nvPr/>
+        </p:nvPicPr>
+        <p:blipFill>
+          <a:blip r:embed="rId5">
+            <a:extLst>
+              <a:ext uri="{96DAC541-7B7A-43D3-8B79-37D633B846F1}">
+                <asvg:svgBlip xmlns:asvg="http://schemas.microsoft.com/office/drawing/2016/SVG/main" r:embed="rId6"/>
+              </a:ext>
+            </a:extLst>
+          </a:blip>
+          <a:stretch>
+            <a:fillRect/>
+          </a:stretch>
+        </p:blipFill>
+        <p:spPr>
+          <a:xfrm>
+            <a:off x="312039" y="103823"/>
+            <a:ext cx="489848" cy="717523"/>
+          </a:xfrm>
+          <a:prstGeom prst="rect">
+            <a:avLst/>
+          </a:prstGeom>
+        </p:spPr>
+      </p:pic>
+      <p:sp>
+        <p:nvSpPr>
+          <p:cNvPr id="7" name="矩形 6"/>
+          <p:cNvSpPr/>
+          <p:nvPr/>
+        </p:nvSpPr>
+        <p:spPr>
+          <a:xfrm>
+            <a:off x="939868" y="2034782"/>
+            <a:ext cx="8683430" cy="3970318"/>
+          </a:xfrm>
+          <a:prstGeom prst="rect">
+            <a:avLst/>
+          </a:prstGeom>
+        </p:spPr>
+        <p:txBody>
+          <a:bodyPr wrap="square">
+            <a:spAutoFit/>
+          </a:bodyPr>
+          <a:lstStyle/>
+          <a:p>
+            <a:pPr>
+              <a:spcAft>
+                <a:spcPts val="0"/>
+              </a:spcAft>
+            </a:pPr>
+            <a:r>
+              <a:rPr lang="en-US" altLang="zh-CN" dirty="0"/>
+              <a:t>[1] H. He and E. A. Garcia, “Learning from imbalanced data.” IEEE Transactions on Knowledge and Data Engineering, 21(9), 1263-1284, 2009.</a:t>
+            </a:r>
+            <a:endParaRPr lang="zh-CN" altLang="zh-CN" dirty="0"/>
+          </a:p>
+          <a:p>
+            <a:pPr>
+              <a:spcAft>
+                <a:spcPts val="0"/>
+              </a:spcAft>
+            </a:pPr>
+            <a:r>
+              <a:rPr lang="en-US" altLang="zh-CN" dirty="0"/>
+              <a:t>[2] Wu, Jun, J. He, and Y. Liu. "</a:t>
+            </a:r>
+            <a:r>
+              <a:rPr lang="en-US" altLang="zh-CN" dirty="0" err="1"/>
+              <a:t>ImVerde</a:t>
+            </a:r>
+            <a:r>
+              <a:rPr lang="en-US" altLang="zh-CN" dirty="0"/>
+              <a:t>: Vertex-Diminished Random Walk for Learning Network Representation from Imbalanced Data." (2018).</a:t>
+            </a:r>
+            <a:endParaRPr lang="zh-CN" altLang="zh-CN" dirty="0"/>
+          </a:p>
+          <a:p>
+            <a:pPr>
+              <a:spcAft>
+                <a:spcPts val="0"/>
+              </a:spcAft>
+            </a:pPr>
+            <a:r>
+              <a:rPr lang="en-US" altLang="zh-CN" dirty="0"/>
+              <a:t>[3] W. L. Hamilton, R. Ying and J. </a:t>
+            </a:r>
+            <a:r>
+              <a:rPr lang="en-US" altLang="zh-CN" dirty="0" err="1"/>
+              <a:t>Leskovec</a:t>
+            </a:r>
+            <a:r>
+              <a:rPr lang="en-US" altLang="zh-CN" dirty="0"/>
+              <a:t>, “Representation Learning on Graphs: Methods and Applications.” IEEE Data Engineering Bulletin, 2017</a:t>
+            </a:r>
+            <a:endParaRPr lang="zh-CN" altLang="zh-CN" dirty="0"/>
+          </a:p>
+          <a:p>
+            <a:pPr>
+              <a:spcAft>
+                <a:spcPts val="0"/>
+              </a:spcAft>
+            </a:pPr>
+            <a:r>
+              <a:rPr lang="en-US" altLang="zh-CN" dirty="0"/>
+              <a:t>[4] A. G. Duran, M. </a:t>
+            </a:r>
+            <a:r>
+              <a:rPr lang="en-US" altLang="zh-CN" dirty="0" err="1"/>
+              <a:t>Niepert</a:t>
+            </a:r>
+            <a:r>
+              <a:rPr lang="en-US" altLang="zh-CN" dirty="0"/>
+              <a:t>, “Learning Graph Representations with Embedding Propagation.” In NIPS, 5119-5130, 2017.</a:t>
+            </a:r>
+            <a:endParaRPr lang="zh-CN" altLang="zh-CN" dirty="0"/>
+          </a:p>
+          <a:p>
+            <a:pPr>
+              <a:spcAft>
+                <a:spcPts val="0"/>
+              </a:spcAft>
+            </a:pPr>
+            <a:r>
+              <a:rPr lang="en-US" altLang="zh-CN" dirty="0"/>
+              <a:t>[5] J. Liang, P. Jacobs, J. Sun and S. </a:t>
+            </a:r>
+            <a:r>
+              <a:rPr lang="en-US" altLang="zh-CN" dirty="0" err="1"/>
+              <a:t>Parthasarathy</a:t>
+            </a:r>
+            <a:r>
+              <a:rPr lang="en-US" altLang="zh-CN" dirty="0"/>
+              <a:t>, “Semi-supervised</a:t>
+            </a:r>
+            <a:endParaRPr lang="zh-CN" altLang="zh-CN" dirty="0"/>
+          </a:p>
+          <a:p>
+            <a:pPr>
+              <a:spcAft>
+                <a:spcPts val="0"/>
+              </a:spcAft>
+            </a:pPr>
+            <a:r>
+              <a:rPr lang="en-US" altLang="zh-CN" dirty="0"/>
+              <a:t>embedding in attributed networks with outliers.” In SDM, 153-161,</a:t>
+            </a:r>
+            <a:endParaRPr lang="zh-CN" altLang="zh-CN" dirty="0"/>
+          </a:p>
+          <a:p>
+            <a:pPr>
+              <a:spcAft>
+                <a:spcPts val="0"/>
+              </a:spcAft>
+            </a:pPr>
+            <a:r>
+              <a:rPr lang="en-US" altLang="zh-CN" dirty="0"/>
+              <a:t>2018.</a:t>
+            </a:r>
+            <a:endParaRPr lang="zh-CN" altLang="zh-CN" dirty="0"/>
+          </a:p>
+          <a:p>
+            <a:pPr>
+              <a:spcAft>
+                <a:spcPts val="0"/>
+              </a:spcAft>
+            </a:pPr>
+            <a:r>
+              <a:rPr lang="en-US" altLang="zh-CN" dirty="0"/>
+              <a:t>[6] Z. Yang, W. W. Cohen, and R. </a:t>
+            </a:r>
+            <a:r>
+              <a:rPr lang="en-US" altLang="zh-CN" dirty="0" err="1"/>
+              <a:t>Salakhutdinov</a:t>
+            </a:r>
+            <a:r>
+              <a:rPr lang="en-US" altLang="zh-CN" dirty="0"/>
+              <a:t>, “Revisiting </a:t>
+            </a:r>
+            <a:r>
+              <a:rPr lang="en-US" altLang="zh-CN" dirty="0" err="1"/>
+              <a:t>semisupervised</a:t>
+            </a:r>
+            <a:endParaRPr lang="zh-CN" altLang="zh-CN" dirty="0"/>
+          </a:p>
+          <a:p>
+            <a:pPr>
+              <a:spcAft>
+                <a:spcPts val="0"/>
+              </a:spcAft>
+            </a:pPr>
+            <a:r>
+              <a:rPr lang="en-US" altLang="zh-CN" dirty="0"/>
+              <a:t>learning with graph embeddings.” In ICML, 40-48, 2016.</a:t>
+            </a:r>
+          </a:p>
+          <a:p>
+            <a:pPr>
+              <a:spcAft>
+                <a:spcPts val="0"/>
+              </a:spcAft>
+            </a:pPr>
+            <a:endParaRPr lang="zh-CN" altLang="zh-CN" dirty="0"/>
+          </a:p>
+        </p:txBody>
+      </p:sp>
+    </p:spTree>
+    <p:extLst>
+      <p:ext uri="{BB962C8B-B14F-4D97-AF65-F5344CB8AC3E}">
+        <p14:creationId xmlns:p14="http://schemas.microsoft.com/office/powerpoint/2010/main" val="1040690934"/>
+      </p:ext>
+    </p:extLst>
+  </p:cSld>
+  <p:clrMapOvr>
+    <a:masterClrMapping/>
+  </p:clrMapOvr>
 </p:sld>
 </file>
 
@@ -4111,7 +4983,7 @@
           <p:cNvPr id="2" name="标题 1">
             <a:extLst>
               <a:ext uri="{FF2B5EF4-FFF2-40B4-BE49-F238E27FC236}">
-                <a16:creationId xmlns:a16="http://schemas.microsoft.com/office/drawing/2014/main" xmlns="" id="{729E7753-D934-41AF-979C-BE3013383BDA}"/>
+                <a16:creationId xmlns:a16="http://schemas.microsoft.com/office/drawing/2014/main" id="{729E7753-D934-41AF-979C-BE3013383BDA}"/>
               </a:ext>
             </a:extLst>
           </p:cNvPr>
@@ -4135,10 +5007,9 @@
           <a:lstStyle/>
           <a:p>
             <a:r>
-              <a:rPr lang="en-HK" b="1" dirty="0" smtClean="0"/>
+              <a:rPr lang="en-HK" b="1" dirty="0"/>
               <a:t>1. Introduction </a:t>
             </a:r>
-            <a:endParaRPr lang="en-HK" b="1" dirty="0"/>
           </a:p>
         </p:txBody>
       </p:sp>
@@ -4147,7 +5018,7 @@
           <p:cNvPr id="4" name="图形 3">
             <a:extLst>
               <a:ext uri="{FF2B5EF4-FFF2-40B4-BE49-F238E27FC236}">
-                <a16:creationId xmlns:a16="http://schemas.microsoft.com/office/drawing/2014/main" xmlns="" id="{3EF556CA-30DB-46CA-B010-E7BC06705578}"/>
+                <a16:creationId xmlns:a16="http://schemas.microsoft.com/office/drawing/2014/main" id="{3EF556CA-30DB-46CA-B010-E7BC06705578}"/>
               </a:ext>
             </a:extLst>
           </p:cNvPr>
@@ -4160,7 +5031,7 @@
           <a:blip r:embed="rId3">
             <a:extLst>
               <a:ext uri="{96DAC541-7B7A-43D3-8B79-37D633B846F1}">
-                <asvg:svgBlip xmlns:asvg="http://schemas.microsoft.com/office/drawing/2016/SVG/main" xmlns="" r:embed="rId5"/>
+                <asvg:svgBlip xmlns:asvg="http://schemas.microsoft.com/office/drawing/2016/SVG/main" r:embed="rId4"/>
               </a:ext>
             </a:extLst>
           </a:blip>
@@ -4183,7 +5054,7 @@
           <p:cNvPr id="5" name="箭头: 五边形 4">
             <a:extLst>
               <a:ext uri="{FF2B5EF4-FFF2-40B4-BE49-F238E27FC236}">
-                <a16:creationId xmlns:a16="http://schemas.microsoft.com/office/drawing/2014/main" xmlns="" id="{61E862C7-DDED-46B2-88A9-92A4D3F40475}"/>
+                <a16:creationId xmlns:a16="http://schemas.microsoft.com/office/drawing/2014/main" id="{61E862C7-DDED-46B2-88A9-92A4D3F40475}"/>
               </a:ext>
             </a:extLst>
           </p:cNvPr>
@@ -4232,7 +5103,7 @@
           <p:cNvPr id="6" name="图形 5">
             <a:extLst>
               <a:ext uri="{FF2B5EF4-FFF2-40B4-BE49-F238E27FC236}">
-                <a16:creationId xmlns:a16="http://schemas.microsoft.com/office/drawing/2014/main" xmlns="" id="{217E1EC4-7E0E-4611-9AC8-528215714F14}"/>
+                <a16:creationId xmlns:a16="http://schemas.microsoft.com/office/drawing/2014/main" id="{217E1EC4-7E0E-4611-9AC8-528215714F14}"/>
               </a:ext>
             </a:extLst>
           </p:cNvPr>
@@ -4242,10 +5113,10 @@
           <p:nvPr/>
         </p:nvPicPr>
         <p:blipFill>
-          <a:blip r:embed="rId6">
+          <a:blip r:embed="rId5">
             <a:extLst>
               <a:ext uri="{96DAC541-7B7A-43D3-8B79-37D633B846F1}">
-                <asvg:svgBlip xmlns:asvg="http://schemas.microsoft.com/office/drawing/2016/SVG/main" xmlns="" r:embed="rId7"/>
+                <asvg:svgBlip xmlns:asvg="http://schemas.microsoft.com/office/drawing/2016/SVG/main" r:embed="rId6"/>
               </a:ext>
             </a:extLst>
           </a:blip>
@@ -4339,7 +5210,7 @@
           <p:nvPr/>
         </p:nvPicPr>
         <p:blipFill>
-          <a:blip r:embed="rId8">
+          <a:blip r:embed="rId7">
             <a:extLst>
               <a:ext uri="{28A0092B-C50C-407E-A947-70E740481C1C}">
                 <a14:useLocalDpi xmlns:a14="http://schemas.microsoft.com/office/drawing/2010/main" val="0"/>
@@ -4369,7 +5240,7 @@
           <p:nvPr/>
         </p:nvPicPr>
         <p:blipFill rotWithShape="1">
-          <a:blip r:embed="rId9"/>
+          <a:blip r:embed="rId8"/>
           <a:srcRect l="55112" t="14917" r="5877" b="18680"/>
           <a:stretch/>
         </p:blipFill>
@@ -4574,7 +5445,7 @@
           <p:cNvPr id="2" name="标题 1">
             <a:extLst>
               <a:ext uri="{FF2B5EF4-FFF2-40B4-BE49-F238E27FC236}">
-                <a16:creationId xmlns:a16="http://schemas.microsoft.com/office/drawing/2014/main" xmlns="" id="{729E7753-D934-41AF-979C-BE3013383BDA}"/>
+                <a16:creationId xmlns:a16="http://schemas.microsoft.com/office/drawing/2014/main" id="{729E7753-D934-41AF-979C-BE3013383BDA}"/>
               </a:ext>
             </a:extLst>
           </p:cNvPr>
@@ -4598,7 +5469,7 @@
           <a:lstStyle/>
           <a:p>
             <a:r>
-              <a:rPr lang="en-US" altLang="zh-CN" b="1" dirty="0" smtClean="0"/>
+              <a:rPr lang="en-US" altLang="zh-CN" b="1" dirty="0"/>
               <a:t>2. Motivation</a:t>
             </a:r>
             <a:endParaRPr lang="en-HK" b="1" dirty="0"/>
@@ -4610,7 +5481,7 @@
           <p:cNvPr id="4" name="图形 3">
             <a:extLst>
               <a:ext uri="{FF2B5EF4-FFF2-40B4-BE49-F238E27FC236}">
-                <a16:creationId xmlns:a16="http://schemas.microsoft.com/office/drawing/2014/main" xmlns="" id="{3EF556CA-30DB-46CA-B010-E7BC06705578}"/>
+                <a16:creationId xmlns:a16="http://schemas.microsoft.com/office/drawing/2014/main" id="{3EF556CA-30DB-46CA-B010-E7BC06705578}"/>
               </a:ext>
             </a:extLst>
           </p:cNvPr>
@@ -4623,7 +5494,7 @@
           <a:blip r:embed="rId3">
             <a:extLst>
               <a:ext uri="{96DAC541-7B7A-43D3-8B79-37D633B846F1}">
-                <asvg:svgBlip xmlns:asvg="http://schemas.microsoft.com/office/drawing/2016/SVG/main" xmlns="" r:embed="rId5"/>
+                <asvg:svgBlip xmlns:asvg="http://schemas.microsoft.com/office/drawing/2016/SVG/main" r:embed="rId4"/>
               </a:ext>
             </a:extLst>
           </a:blip>
@@ -4646,7 +5517,7 @@
           <p:cNvPr id="5" name="箭头: 五边形 4">
             <a:extLst>
               <a:ext uri="{FF2B5EF4-FFF2-40B4-BE49-F238E27FC236}">
-                <a16:creationId xmlns:a16="http://schemas.microsoft.com/office/drawing/2014/main" xmlns="" id="{61E862C7-DDED-46B2-88A9-92A4D3F40475}"/>
+                <a16:creationId xmlns:a16="http://schemas.microsoft.com/office/drawing/2014/main" id="{61E862C7-DDED-46B2-88A9-92A4D3F40475}"/>
               </a:ext>
             </a:extLst>
           </p:cNvPr>
@@ -4695,7 +5566,7 @@
           <p:cNvPr id="6" name="图形 5">
             <a:extLst>
               <a:ext uri="{FF2B5EF4-FFF2-40B4-BE49-F238E27FC236}">
-                <a16:creationId xmlns:a16="http://schemas.microsoft.com/office/drawing/2014/main" xmlns="" id="{217E1EC4-7E0E-4611-9AC8-528215714F14}"/>
+                <a16:creationId xmlns:a16="http://schemas.microsoft.com/office/drawing/2014/main" id="{217E1EC4-7E0E-4611-9AC8-528215714F14}"/>
               </a:ext>
             </a:extLst>
           </p:cNvPr>
@@ -4705,10 +5576,10 @@
           <p:nvPr/>
         </p:nvPicPr>
         <p:blipFill>
-          <a:blip r:embed="rId6">
+          <a:blip r:embed="rId5">
             <a:extLst>
               <a:ext uri="{96DAC541-7B7A-43D3-8B79-37D633B846F1}">
-                <asvg:svgBlip xmlns:asvg="http://schemas.microsoft.com/office/drawing/2016/SVG/main" xmlns="" r:embed="rId7"/>
+                <asvg:svgBlip xmlns:asvg="http://schemas.microsoft.com/office/drawing/2016/SVG/main" r:embed="rId6"/>
               </a:ext>
             </a:extLst>
           </a:blip>
@@ -4766,7 +5637,7 @@
               <a:defRPr/>
             </a:pPr>
             <a:r>
-              <a:rPr kumimoji="1" lang="en-US" altLang="zh-CN" sz="2400" dirty="0" smtClean="0"/>
+              <a:rPr kumimoji="1" lang="en-US" altLang="zh-CN" sz="2400" dirty="0"/>
               <a:t>What we need: </a:t>
             </a:r>
           </a:p>
@@ -4777,11 +5648,7 @@
             </a:pPr>
             <a:r>
               <a:rPr lang="en-US" altLang="zh-CN" sz="2400" dirty="0"/>
-              <a:t>large-scale </a:t>
-            </a:r>
-            <a:r>
-              <a:rPr lang="en-US" altLang="zh-CN" sz="2400" dirty="0" smtClean="0"/>
-              <a:t>training</a:t>
+              <a:t>large-scale training</a:t>
             </a:r>
           </a:p>
           <a:p>
@@ -4790,7 +5657,7 @@
               <a:buChar char="•"/>
             </a:pPr>
             <a:r>
-              <a:rPr kumimoji="1" lang="en-US" altLang="zh-CN" sz="2400" dirty="0" smtClean="0"/>
+              <a:rPr kumimoji="1" lang="en-US" altLang="zh-CN" sz="2400" dirty="0"/>
               <a:t>Taking models into production</a:t>
             </a:r>
           </a:p>
@@ -4800,10 +5667,9 @@
               <a:buChar char="•"/>
             </a:pPr>
             <a:r>
-              <a:rPr kumimoji="1" lang="en-US" altLang="zh-CN" sz="2400" dirty="0" smtClean="0"/>
+              <a:rPr kumimoji="1" lang="en-US" altLang="zh-CN" sz="2400" dirty="0"/>
               <a:t>Machine learning research</a:t>
             </a:r>
-            <a:endParaRPr kumimoji="1" lang="en-US" altLang="zh-CN" sz="2400" dirty="0"/>
           </a:p>
         </p:txBody>
       </p:sp>
@@ -4831,7 +5697,7 @@
           <a:p>
             <a:pPr algn="ctr"/>
             <a:r>
-              <a:rPr lang="en-US" altLang="zh-CN" sz="5400" b="1" cap="none" spc="0" dirty="0" smtClean="0">
+              <a:rPr lang="en-US" altLang="zh-CN" sz="5400" b="1" cap="none" spc="0" dirty="0">
                 <a:ln w="9525">
                   <a:solidFill>
                     <a:schemeClr val="bg1"/>
@@ -5012,7 +5878,7 @@
           <p:nvPr/>
         </p:nvPicPr>
         <p:blipFill>
-          <a:blip r:embed="rId8">
+          <a:blip r:embed="rId7">
             <a:extLst>
               <a:ext uri="{28A0092B-C50C-407E-A947-70E740481C1C}">
                 <a14:useLocalDpi xmlns:a14="http://schemas.microsoft.com/office/drawing/2010/main" val="0"/>
@@ -5306,7 +6172,7 @@
           <p:cNvPr id="2" name="标题 1">
             <a:extLst>
               <a:ext uri="{FF2B5EF4-FFF2-40B4-BE49-F238E27FC236}">
-                <a16:creationId xmlns:a16="http://schemas.microsoft.com/office/drawing/2014/main" xmlns="" id="{729E7753-D934-41AF-979C-BE3013383BDA}"/>
+                <a16:creationId xmlns:a16="http://schemas.microsoft.com/office/drawing/2014/main" id="{729E7753-D934-41AF-979C-BE3013383BDA}"/>
               </a:ext>
             </a:extLst>
           </p:cNvPr>
@@ -5330,7 +6196,7 @@
           <a:lstStyle/>
           <a:p>
             <a:r>
-              <a:rPr lang="en-US" altLang="zh-CN" b="1" dirty="0" smtClean="0"/>
+              <a:rPr lang="en-US" altLang="zh-CN" b="1" dirty="0"/>
               <a:t>3. Limitation of Disbelief</a:t>
             </a:r>
             <a:endParaRPr lang="en-HK" b="1" dirty="0"/>
@@ -5342,7 +6208,7 @@
           <p:cNvPr id="4" name="图形 3">
             <a:extLst>
               <a:ext uri="{FF2B5EF4-FFF2-40B4-BE49-F238E27FC236}">
-                <a16:creationId xmlns:a16="http://schemas.microsoft.com/office/drawing/2014/main" xmlns="" id="{3EF556CA-30DB-46CA-B010-E7BC06705578}"/>
+                <a16:creationId xmlns:a16="http://schemas.microsoft.com/office/drawing/2014/main" id="{3EF556CA-30DB-46CA-B010-E7BC06705578}"/>
               </a:ext>
             </a:extLst>
           </p:cNvPr>
@@ -5355,7 +6221,7 @@
           <a:blip r:embed="rId3">
             <a:extLst>
               <a:ext uri="{96DAC541-7B7A-43D3-8B79-37D633B846F1}">
-                <asvg:svgBlip xmlns:asvg="http://schemas.microsoft.com/office/drawing/2016/SVG/main" xmlns="" r:embed="rId5"/>
+                <asvg:svgBlip xmlns:asvg="http://schemas.microsoft.com/office/drawing/2016/SVG/main" r:embed="rId4"/>
               </a:ext>
             </a:extLst>
           </a:blip>
@@ -5378,7 +6244,7 @@
           <p:cNvPr id="5" name="箭头: 五边形 4">
             <a:extLst>
               <a:ext uri="{FF2B5EF4-FFF2-40B4-BE49-F238E27FC236}">
-                <a16:creationId xmlns:a16="http://schemas.microsoft.com/office/drawing/2014/main" xmlns="" id="{61E862C7-DDED-46B2-88A9-92A4D3F40475}"/>
+                <a16:creationId xmlns:a16="http://schemas.microsoft.com/office/drawing/2014/main" id="{61E862C7-DDED-46B2-88A9-92A4D3F40475}"/>
               </a:ext>
             </a:extLst>
           </p:cNvPr>
@@ -5427,7 +6293,7 @@
           <p:cNvPr id="6" name="图形 5">
             <a:extLst>
               <a:ext uri="{FF2B5EF4-FFF2-40B4-BE49-F238E27FC236}">
-                <a16:creationId xmlns:a16="http://schemas.microsoft.com/office/drawing/2014/main" xmlns="" id="{217E1EC4-7E0E-4611-9AC8-528215714F14}"/>
+                <a16:creationId xmlns:a16="http://schemas.microsoft.com/office/drawing/2014/main" id="{217E1EC4-7E0E-4611-9AC8-528215714F14}"/>
               </a:ext>
             </a:extLst>
           </p:cNvPr>
@@ -5437,10 +6303,10 @@
           <p:nvPr/>
         </p:nvPicPr>
         <p:blipFill>
-          <a:blip r:embed="rId6">
+          <a:blip r:embed="rId5">
             <a:extLst>
               <a:ext uri="{96DAC541-7B7A-43D3-8B79-37D633B846F1}">
-                <asvg:svgBlip xmlns:asvg="http://schemas.microsoft.com/office/drawing/2016/SVG/main" xmlns="" r:embed="rId7"/>
+                <asvg:svgBlip xmlns:asvg="http://schemas.microsoft.com/office/drawing/2016/SVG/main" r:embed="rId6"/>
               </a:ext>
             </a:extLst>
           </a:blip>
@@ -5485,13 +6351,13 @@
               <a:buChar char="•"/>
             </a:pPr>
             <a:r>
-              <a:rPr kumimoji="1" lang="en-US" altLang="zh-CN" dirty="0" smtClean="0"/>
+              <a:rPr kumimoji="1" lang="en-US" altLang="zh-CN" dirty="0"/>
               <a:t>Layers: </a:t>
             </a:r>
           </a:p>
           <a:p>
             <a:r>
-              <a:rPr kumimoji="1" lang="en-US" altLang="zh-CN" dirty="0" smtClean="0"/>
+              <a:rPr kumimoji="1" lang="en-US" altLang="zh-CN" dirty="0"/>
               <a:t>Layers in Disbelief are written as C++ classes, which is not friendly when user want to create new layer.</a:t>
             </a:r>
           </a:p>
@@ -5505,55 +6371,23 @@
             </a:pPr>
             <a:r>
               <a:rPr lang="en-US" altLang="zh-CN" dirty="0"/>
-              <a:t>Optimization Techniques</a:t>
-            </a:r>
-            <a:r>
-              <a:rPr lang="en-US" altLang="zh-CN" dirty="0" smtClean="0"/>
-              <a:t>:</a:t>
+              <a:t>Optimization Techniques:</a:t>
             </a:r>
           </a:p>
           <a:p>
             <a:r>
               <a:rPr lang="en-US" altLang="zh-CN" dirty="0"/>
-              <a:t>optimization methods outside of stochastic gradient </a:t>
-            </a:r>
-            <a:r>
-              <a:rPr lang="en-US" altLang="zh-CN" dirty="0" smtClean="0"/>
-              <a:t>descent(SGD)</a:t>
-            </a:r>
-            <a:r>
-              <a:rPr lang="en-US" altLang="zh-CN" dirty="0"/>
-              <a:t> </a:t>
-            </a:r>
-            <a:r>
-              <a:rPr lang="en-US" altLang="zh-CN" dirty="0" smtClean="0"/>
-              <a:t>is </a:t>
-            </a:r>
-            <a:r>
-              <a:rPr lang="en-US" altLang="zh-CN" dirty="0"/>
-              <a:t>not easy and might not work </a:t>
-            </a:r>
-            <a:r>
-              <a:rPr lang="en-US" altLang="zh-CN" dirty="0" smtClean="0"/>
-              <a:t>well</a:t>
+              <a:t>optimization methods outside of stochastic gradient descent(SGD) is not easy and might not work well</a:t>
             </a:r>
           </a:p>
           <a:p>
             <a:r>
               <a:rPr lang="en-US" altLang="zh-CN" b="1" dirty="0"/>
-              <a:t>Batch gradient </a:t>
-            </a:r>
-            <a:r>
-              <a:rPr lang="en-US" altLang="zh-CN" b="1" dirty="0" smtClean="0"/>
-              <a:t>descent      Adaptive </a:t>
-            </a:r>
-            <a:r>
-              <a:rPr lang="en-US" altLang="zh-CN" b="1" dirty="0"/>
-              <a:t>Moment Estimation (Adam)</a:t>
-            </a:r>
-          </a:p>
-          <a:p>
-            <a:endParaRPr lang="en-US" altLang="zh-CN" b="1" dirty="0" smtClean="0"/>
+              <a:t>Batch gradient descent      Adaptive Moment Estimation (Adam)</a:t>
+            </a:r>
+          </a:p>
+          <a:p>
+            <a:endParaRPr lang="en-US" altLang="zh-CN" b="1" dirty="0"/>
           </a:p>
           <a:p>
             <a:pPr marL="285750" indent="-285750">
@@ -5562,42 +6396,30 @@
             </a:pPr>
             <a:r>
               <a:rPr lang="en-US" altLang="zh-CN" dirty="0"/>
-              <a:t>NN structures</a:t>
-            </a:r>
-            <a:r>
-              <a:rPr lang="en-US" altLang="zh-CN" dirty="0" smtClean="0"/>
-              <a:t>:</a:t>
+              <a:t>NN structures:</a:t>
             </a:r>
           </a:p>
           <a:p>
             <a:r>
               <a:rPr lang="en-US" altLang="zh-CN" dirty="0"/>
-              <a:t>Fixed execution </a:t>
-            </a:r>
-            <a:r>
-              <a:rPr lang="en-US" altLang="zh-CN" dirty="0" smtClean="0"/>
-              <a:t>pattern</a:t>
+              <a:t>Fixed execution pattern</a:t>
             </a:r>
           </a:p>
           <a:p>
             <a:r>
               <a:rPr lang="en-US" altLang="zh-CN" b="1" dirty="0"/>
-              <a:t>Generative Adversarial Network(GAN</a:t>
-            </a:r>
-            <a:r>
-              <a:rPr lang="en-US" altLang="zh-CN" b="1" dirty="0" smtClean="0"/>
-              <a:t>)</a:t>
-            </a:r>
-            <a:r>
-              <a:rPr lang="zh-CN" altLang="en-US" b="1" dirty="0" smtClean="0"/>
+              <a:t>Generative Adversarial Network(GAN)</a:t>
+            </a:r>
+            <a:r>
+              <a:rPr lang="zh-CN" altLang="en-US" b="1" dirty="0"/>
               <a:t>  </a:t>
             </a:r>
             <a:r>
-              <a:rPr lang="en-US" altLang="zh-CN" b="1" dirty="0" err="1" smtClean="0"/>
+              <a:rPr lang="en-US" altLang="zh-CN" b="1" dirty="0" err="1"/>
               <a:t>GraphGAN</a:t>
             </a:r>
             <a:r>
-              <a:rPr lang="en-US" altLang="zh-CN" b="1" dirty="0" smtClean="0"/>
+              <a:rPr lang="en-US" altLang="zh-CN" b="1" dirty="0"/>
               <a:t> Dropout </a:t>
             </a:r>
             <a:endParaRPr lang="zh-CN" altLang="en-US" b="1" dirty="0"/>
@@ -5614,13 +6436,6 @@
   <p:clrMapOvr>
     <a:masterClrMapping/>
   </p:clrMapOvr>
-  <p:timing>
-    <p:tnLst>
-      <p:par>
-        <p:cTn id="1" dur="indefinite" restart="never" nodeType="tmRoot"/>
-      </p:par>
-    </p:tnLst>
-  </p:timing>
 </p:sld>
 </file>
 
@@ -5675,7 +6490,7 @@
           <p:cNvPr id="2" name="标题 1">
             <a:extLst>
               <a:ext uri="{FF2B5EF4-FFF2-40B4-BE49-F238E27FC236}">
-                <a16:creationId xmlns:a16="http://schemas.microsoft.com/office/drawing/2014/main" xmlns="" id="{729E7753-D934-41AF-979C-BE3013383BDA}"/>
+                <a16:creationId xmlns:a16="http://schemas.microsoft.com/office/drawing/2014/main" id="{729E7753-D934-41AF-979C-BE3013383BDA}"/>
               </a:ext>
             </a:extLst>
           </p:cNvPr>
@@ -5700,15 +6515,7 @@
           <a:p>
             <a:r>
               <a:rPr lang="en-US" altLang="zh-CN" b="1" dirty="0"/>
-              <a:t>4</a:t>
-            </a:r>
-            <a:r>
-              <a:rPr lang="en-US" altLang="zh-CN" b="1" dirty="0" smtClean="0"/>
-              <a:t>. </a:t>
-            </a:r>
-            <a:r>
-              <a:rPr lang="en-US" altLang="zh-CN" b="1" dirty="0"/>
-              <a:t>Core</a:t>
+              <a:t>4. Core</a:t>
             </a:r>
             <a:r>
               <a:rPr lang="zh-CN" altLang="en-US" b="1" dirty="0"/>
@@ -5727,7 +6534,7 @@
           <p:cNvPr id="4" name="图形 3">
             <a:extLst>
               <a:ext uri="{FF2B5EF4-FFF2-40B4-BE49-F238E27FC236}">
-                <a16:creationId xmlns:a16="http://schemas.microsoft.com/office/drawing/2014/main" xmlns="" id="{3EF556CA-30DB-46CA-B010-E7BC06705578}"/>
+                <a16:creationId xmlns:a16="http://schemas.microsoft.com/office/drawing/2014/main" id="{3EF556CA-30DB-46CA-B010-E7BC06705578}"/>
               </a:ext>
             </a:extLst>
           </p:cNvPr>
@@ -5740,7 +6547,7 @@
           <a:blip r:embed="rId3">
             <a:extLst>
               <a:ext uri="{96DAC541-7B7A-43D3-8B79-37D633B846F1}">
-                <asvg:svgBlip xmlns:asvg="http://schemas.microsoft.com/office/drawing/2016/SVG/main" xmlns="" r:embed="rId5"/>
+                <asvg:svgBlip xmlns:asvg="http://schemas.microsoft.com/office/drawing/2016/SVG/main" r:embed="rId4"/>
               </a:ext>
             </a:extLst>
           </a:blip>
@@ -5763,7 +6570,7 @@
           <p:cNvPr id="5" name="箭头: 五边形 4">
             <a:extLst>
               <a:ext uri="{FF2B5EF4-FFF2-40B4-BE49-F238E27FC236}">
-                <a16:creationId xmlns:a16="http://schemas.microsoft.com/office/drawing/2014/main" xmlns="" id="{61E862C7-DDED-46B2-88A9-92A4D3F40475}"/>
+                <a16:creationId xmlns:a16="http://schemas.microsoft.com/office/drawing/2014/main" id="{61E862C7-DDED-46B2-88A9-92A4D3F40475}"/>
               </a:ext>
             </a:extLst>
           </p:cNvPr>
@@ -5812,7 +6619,7 @@
           <p:cNvPr id="6" name="图形 5">
             <a:extLst>
               <a:ext uri="{FF2B5EF4-FFF2-40B4-BE49-F238E27FC236}">
-                <a16:creationId xmlns:a16="http://schemas.microsoft.com/office/drawing/2014/main" xmlns="" id="{217E1EC4-7E0E-4611-9AC8-528215714F14}"/>
+                <a16:creationId xmlns:a16="http://schemas.microsoft.com/office/drawing/2014/main" id="{217E1EC4-7E0E-4611-9AC8-528215714F14}"/>
               </a:ext>
             </a:extLst>
           </p:cNvPr>
@@ -5822,10 +6629,10 @@
           <p:nvPr/>
         </p:nvPicPr>
         <p:blipFill>
-          <a:blip r:embed="rId6">
+          <a:blip r:embed="rId5">
             <a:extLst>
               <a:ext uri="{96DAC541-7B7A-43D3-8B79-37D633B846F1}">
-                <asvg:svgBlip xmlns:asvg="http://schemas.microsoft.com/office/drawing/2016/SVG/main" xmlns="" r:embed="rId7"/>
+                <asvg:svgBlip xmlns:asvg="http://schemas.microsoft.com/office/drawing/2016/SVG/main" r:embed="rId6"/>
               </a:ext>
             </a:extLst>
           </a:blip>
@@ -5866,24 +6673,16 @@
           <a:lstStyle/>
           <a:p>
             <a:r>
-              <a:rPr lang="en-US" altLang="zh-CN" sz="2800" dirty="0" smtClean="0"/>
+              <a:rPr lang="en-US" altLang="zh-CN" sz="2800" dirty="0"/>
               <a:t>4.1</a:t>
             </a:r>
             <a:r>
-              <a:rPr lang="zh-CN" altLang="en-US" sz="2800" dirty="0" smtClean="0"/>
+              <a:rPr lang="zh-CN" altLang="en-US" sz="2800" dirty="0"/>
               <a:t> </a:t>
             </a:r>
             <a:r>
-              <a:rPr lang="en-US" altLang="zh-CN" sz="2800" dirty="0" smtClean="0"/>
-              <a:t>Dataflow </a:t>
-            </a:r>
-            <a:r>
               <a:rPr lang="en-US" altLang="zh-CN" sz="2800" dirty="0"/>
-              <a:t>graphs of primitive </a:t>
-            </a:r>
-            <a:r>
-              <a:rPr lang="en-US" altLang="zh-CN" sz="2800" dirty="0" smtClean="0"/>
-              <a:t>operators</a:t>
+              <a:t>Dataflow graphs of primitive operators</a:t>
             </a:r>
           </a:p>
           <a:p>
@@ -5893,47 +6692,23 @@
             </a:r>
             <a:r>
               <a:rPr lang="en-US" altLang="zh-CN" dirty="0"/>
-              <a:t> model </a:t>
-            </a:r>
-            <a:r>
-              <a:rPr lang="en-US" altLang="zh-CN" dirty="0" smtClean="0"/>
-              <a:t>represents</a:t>
-            </a:r>
-            <a:r>
-              <a:rPr lang="zh-CN" altLang="en-US" dirty="0" smtClean="0"/>
+              <a:t> model represents</a:t>
+            </a:r>
+            <a:r>
+              <a:rPr lang="zh-CN" altLang="en-US" dirty="0"/>
               <a:t> </a:t>
             </a:r>
             <a:r>
-              <a:rPr lang="en-US" altLang="zh-CN" dirty="0" smtClean="0"/>
-              <a:t>individual </a:t>
-            </a:r>
-            <a:r>
               <a:rPr lang="en-US" altLang="zh-CN" dirty="0"/>
-              <a:t>mathematical operators </a:t>
-            </a:r>
-            <a:r>
-              <a:rPr lang="en-US" altLang="zh-CN" dirty="0" smtClean="0"/>
-              <a:t>as </a:t>
+              <a:t>individual mathematical operators as nodes in the dataflow</a:t>
+            </a:r>
+            <a:r>
+              <a:rPr lang="zh-CN" altLang="en-US" dirty="0"/>
+              <a:t> </a:t>
             </a:r>
             <a:r>
               <a:rPr lang="en-US" altLang="zh-CN" dirty="0"/>
-              <a:t>nodes in the </a:t>
-            </a:r>
-            <a:r>
-              <a:rPr lang="en-US" altLang="zh-CN" dirty="0" smtClean="0"/>
-              <a:t>dataflow</a:t>
-            </a:r>
-            <a:r>
-              <a:rPr lang="zh-CN" altLang="en-US" dirty="0" smtClean="0"/>
-              <a:t> </a:t>
-            </a:r>
-            <a:r>
-              <a:rPr lang="en-US" altLang="zh-CN" dirty="0" smtClean="0"/>
-              <a:t>graph</a:t>
-            </a:r>
-            <a:r>
-              <a:rPr lang="en-US" altLang="zh-CN" dirty="0"/>
-              <a:t>.</a:t>
+              <a:t>graph.</a:t>
             </a:r>
             <a:endParaRPr kumimoji="1" lang="zh-CN" altLang="en-US" dirty="0"/>
           </a:p>
@@ -6158,16 +6933,12 @@
           <a:p>
             <a:r>
               <a:rPr lang="en-US" altLang="zh-CN" dirty="0"/>
-              <a:t>local </a:t>
-            </a:r>
-            <a:r>
-              <a:rPr lang="en-US" altLang="zh-CN" dirty="0" smtClean="0"/>
-              <a:t>computation</a:t>
-            </a:r>
-          </a:p>
-          <a:p>
-            <a:r>
-              <a:rPr lang="en-US" altLang="zh-CN" dirty="0" smtClean="0"/>
+              <a:t>local computation</a:t>
+            </a:r>
+          </a:p>
+          <a:p>
+            <a:r>
+              <a:rPr lang="en-US" altLang="zh-CN" dirty="0"/>
               <a:t>Also called Operations</a:t>
             </a:r>
             <a:endParaRPr lang="zh-CN" altLang="en-US" dirty="0"/>
@@ -6205,14 +6976,10 @@
             </a:r>
             <a:r>
               <a:rPr lang="en-US" altLang="zh-CN" dirty="0"/>
-              <a:t>(values of the </a:t>
-            </a:r>
-            <a:r>
-              <a:rPr lang="en-US" altLang="zh-CN" dirty="0" smtClean="0"/>
-              <a:t>node1 output and node2 input</a:t>
-            </a:r>
-            <a:r>
-              <a:rPr lang="en-US" altLang="zh-CN" dirty="0" smtClean="0">
+              <a:t>(values of the node1 output and node2 input</a:t>
+            </a:r>
+            <a:r>
+              <a:rPr lang="en-US" altLang="zh-CN" dirty="0">
                 <a:solidFill>
                   <a:srgbClr val="424242"/>
                 </a:solidFill>
@@ -6247,7 +7014,7 @@
           <a:lstStyle/>
           <a:p>
             <a:r>
-              <a:rPr kumimoji="1" lang="en-US" altLang="zh-CN" smtClean="0"/>
+              <a:rPr kumimoji="1" lang="en-US" altLang="zh-CN"/>
               <a:t>Node 1</a:t>
             </a:r>
             <a:endParaRPr kumimoji="1" lang="zh-CN" altLang="en-US" dirty="0"/>
@@ -6277,7 +7044,7 @@
           <a:lstStyle/>
           <a:p>
             <a:r>
-              <a:rPr kumimoji="1" lang="en-US" altLang="zh-CN" dirty="0" smtClean="0"/>
+              <a:rPr kumimoji="1" lang="en-US" altLang="zh-CN" dirty="0"/>
               <a:t>Node 2</a:t>
             </a:r>
             <a:endParaRPr kumimoji="1" lang="zh-CN" altLang="en-US" dirty="0"/>
@@ -6341,15 +7108,15 @@
           <a:lstStyle/>
           <a:p>
             <a:r>
-              <a:rPr lang="en-US" altLang="zh-CN" sz="2800" dirty="0" smtClean="0"/>
+              <a:rPr lang="en-US" altLang="zh-CN" sz="2800" dirty="0"/>
               <a:t>4.2</a:t>
             </a:r>
             <a:r>
-              <a:rPr lang="zh-CN" altLang="en-US" sz="2800" dirty="0" smtClean="0"/>
+              <a:rPr lang="zh-CN" altLang="en-US" sz="2800" dirty="0"/>
               <a:t> </a:t>
             </a:r>
             <a:r>
-              <a:rPr lang="en-US" altLang="zh-CN" sz="2800" dirty="0" smtClean="0"/>
+              <a:rPr lang="en-US" altLang="zh-CN" sz="2800" dirty="0"/>
               <a:t>Deferred execution</a:t>
             </a:r>
           </a:p>
@@ -6366,19 +7133,7 @@
             </a:pPr>
             <a:r>
               <a:rPr lang="en-US" altLang="zh-CN" dirty="0"/>
-              <a:t>defines the </a:t>
-            </a:r>
-            <a:r>
-              <a:rPr lang="en-US" altLang="zh-CN" dirty="0" smtClean="0"/>
-              <a:t>program as </a:t>
-            </a:r>
-            <a:r>
-              <a:rPr lang="en-US" altLang="zh-CN" dirty="0"/>
-              <a:t>a symbolic dataflow </a:t>
-            </a:r>
-            <a:r>
-              <a:rPr lang="en-US" altLang="zh-CN" dirty="0" smtClean="0"/>
-              <a:t>graph</a:t>
+              <a:t>defines the program as a symbolic dataflow graph</a:t>
             </a:r>
           </a:p>
           <a:p>
@@ -6388,15 +7143,7 @@
             </a:pPr>
             <a:r>
               <a:rPr lang="en-US" altLang="zh-CN" dirty="0"/>
-              <a:t>executes an optimized version of </a:t>
-            </a:r>
-            <a:r>
-              <a:rPr lang="en-US" altLang="zh-CN" dirty="0" smtClean="0"/>
-              <a:t>the program </a:t>
-            </a:r>
-            <a:r>
-              <a:rPr lang="en-US" altLang="zh-CN" dirty="0"/>
-              <a:t>on the set of available devices.</a:t>
+              <a:t>executes an optimized version of the program on the set of available devices.</a:t>
             </a:r>
             <a:endParaRPr lang="zh-CN" altLang="en-US" dirty="0"/>
           </a:p>
@@ -6758,19 +7505,19 @@
           <a:lstStyle/>
           <a:p>
             <a:r>
-              <a:rPr kumimoji="1" lang="en-US" altLang="zh-CN" dirty="0" smtClean="0"/>
+              <a:rPr kumimoji="1" lang="en-US" altLang="zh-CN" dirty="0"/>
               <a:t>A = B + C</a:t>
             </a:r>
           </a:p>
           <a:p>
             <a:r>
-              <a:rPr kumimoji="1" lang="en-US" altLang="zh-CN" dirty="0" smtClean="0"/>
+              <a:rPr kumimoji="1" lang="en-US" altLang="zh-CN" dirty="0"/>
               <a:t>X = X + A</a:t>
             </a:r>
           </a:p>
           <a:p>
             <a:r>
-              <a:rPr kumimoji="1" lang="en-US" altLang="zh-CN" dirty="0" smtClean="0"/>
+              <a:rPr kumimoji="1" lang="en-US" altLang="zh-CN" dirty="0"/>
               <a:t>Y = Y + 1</a:t>
             </a:r>
             <a:endParaRPr kumimoji="1" lang="zh-CN" altLang="en-US" dirty="0"/>
@@ -6841,31 +7588,14 @@
           <a:p>
             <a:r>
               <a:rPr kumimoji="1" lang="en-US" altLang="zh-CN" dirty="0"/>
-              <a:t>Y = Y + </a:t>
-            </a:r>
-            <a:r>
-              <a:rPr kumimoji="1" lang="en-US" altLang="zh-CN" dirty="0" smtClean="0"/>
-              <a:t>1    A </a:t>
-            </a:r>
+              <a:t>Y = Y + 1    A = B + C</a:t>
+            </a:r>
+          </a:p>
+          <a:p>
             <a:r>
               <a:rPr kumimoji="1" lang="en-US" altLang="zh-CN" dirty="0"/>
-              <a:t>= B + C</a:t>
-            </a:r>
-          </a:p>
-          <a:p>
-            <a:r>
-              <a:rPr kumimoji="1" lang="en-US" altLang="zh-CN" dirty="0" smtClean="0"/>
-              <a:t>           </a:t>
-            </a:r>
-            <a:r>
-              <a:rPr kumimoji="1" lang="en-US" altLang="zh-CN" dirty="0"/>
-              <a:t>X = X + </a:t>
-            </a:r>
-            <a:r>
-              <a:rPr kumimoji="1" lang="en-US" altLang="zh-CN" dirty="0" smtClean="0"/>
-              <a:t>A</a:t>
-            </a:r>
-            <a:endParaRPr kumimoji="1" lang="en-US" altLang="zh-CN" dirty="0"/>
+              <a:t>           X = X + A</a:t>
+            </a:r>
           </a:p>
         </p:txBody>
       </p:sp>
@@ -7235,7 +7965,7 @@
           <p:cNvPr id="2" name="标题 1">
             <a:extLst>
               <a:ext uri="{FF2B5EF4-FFF2-40B4-BE49-F238E27FC236}">
-                <a16:creationId xmlns:a16="http://schemas.microsoft.com/office/drawing/2014/main" xmlns="" id="{729E7753-D934-41AF-979C-BE3013383BDA}"/>
+                <a16:creationId xmlns:a16="http://schemas.microsoft.com/office/drawing/2014/main" id="{729E7753-D934-41AF-979C-BE3013383BDA}"/>
               </a:ext>
             </a:extLst>
           </p:cNvPr>
@@ -7260,15 +7990,7 @@
           <a:p>
             <a:r>
               <a:rPr lang="en-US" altLang="zh-CN" b="1" dirty="0"/>
-              <a:t>4</a:t>
-            </a:r>
-            <a:r>
-              <a:rPr lang="en-US" altLang="zh-CN" b="1" dirty="0" smtClean="0"/>
-              <a:t>. </a:t>
-            </a:r>
-            <a:r>
-              <a:rPr lang="en-US" altLang="zh-CN" b="1" dirty="0"/>
-              <a:t>Core</a:t>
+              <a:t>4. Core</a:t>
             </a:r>
             <a:r>
               <a:rPr lang="zh-CN" altLang="en-US" b="1" dirty="0"/>
@@ -7287,7 +8009,7 @@
           <p:cNvPr id="4" name="图形 3">
             <a:extLst>
               <a:ext uri="{FF2B5EF4-FFF2-40B4-BE49-F238E27FC236}">
-                <a16:creationId xmlns:a16="http://schemas.microsoft.com/office/drawing/2014/main" xmlns="" id="{3EF556CA-30DB-46CA-B010-E7BC06705578}"/>
+                <a16:creationId xmlns:a16="http://schemas.microsoft.com/office/drawing/2014/main" id="{3EF556CA-30DB-46CA-B010-E7BC06705578}"/>
               </a:ext>
             </a:extLst>
           </p:cNvPr>
@@ -7300,7 +8022,7 @@
           <a:blip r:embed="rId3">
             <a:extLst>
               <a:ext uri="{96DAC541-7B7A-43D3-8B79-37D633B846F1}">
-                <asvg:svgBlip xmlns:asvg="http://schemas.microsoft.com/office/drawing/2016/SVG/main" xmlns="" r:embed="rId5"/>
+                <asvg:svgBlip xmlns:asvg="http://schemas.microsoft.com/office/drawing/2016/SVG/main" r:embed="rId4"/>
               </a:ext>
             </a:extLst>
           </a:blip>
@@ -7323,7 +8045,7 @@
           <p:cNvPr id="5" name="箭头: 五边形 4">
             <a:extLst>
               <a:ext uri="{FF2B5EF4-FFF2-40B4-BE49-F238E27FC236}">
-                <a16:creationId xmlns:a16="http://schemas.microsoft.com/office/drawing/2014/main" xmlns="" id="{61E862C7-DDED-46B2-88A9-92A4D3F40475}"/>
+                <a16:creationId xmlns:a16="http://schemas.microsoft.com/office/drawing/2014/main" id="{61E862C7-DDED-46B2-88A9-92A4D3F40475}"/>
               </a:ext>
             </a:extLst>
           </p:cNvPr>
@@ -7372,7 +8094,7 @@
           <p:cNvPr id="6" name="图形 5">
             <a:extLst>
               <a:ext uri="{FF2B5EF4-FFF2-40B4-BE49-F238E27FC236}">
-                <a16:creationId xmlns:a16="http://schemas.microsoft.com/office/drawing/2014/main" xmlns="" id="{217E1EC4-7E0E-4611-9AC8-528215714F14}"/>
+                <a16:creationId xmlns:a16="http://schemas.microsoft.com/office/drawing/2014/main" id="{217E1EC4-7E0E-4611-9AC8-528215714F14}"/>
               </a:ext>
             </a:extLst>
           </p:cNvPr>
@@ -7382,10 +8104,10 @@
           <p:nvPr/>
         </p:nvPicPr>
         <p:blipFill>
-          <a:blip r:embed="rId6">
+          <a:blip r:embed="rId5">
             <a:extLst>
               <a:ext uri="{96DAC541-7B7A-43D3-8B79-37D633B846F1}">
-                <asvg:svgBlip xmlns:asvg="http://schemas.microsoft.com/office/drawing/2016/SVG/main" xmlns="" r:embed="rId7"/>
+                <asvg:svgBlip xmlns:asvg="http://schemas.microsoft.com/office/drawing/2016/SVG/main" r:embed="rId6"/>
               </a:ext>
             </a:extLst>
           </a:blip>
@@ -7651,7 +8373,7 @@
           <a:lstStyle/>
           <a:p>
             <a:r>
-              <a:rPr kumimoji="1" lang="en-US" altLang="zh-CN" smtClean="0"/>
+              <a:rPr kumimoji="1" lang="en-US" altLang="zh-CN"/>
               <a:t>Node 1</a:t>
             </a:r>
             <a:endParaRPr kumimoji="1" lang="zh-CN" altLang="en-US" dirty="0"/>
@@ -7681,7 +8403,7 @@
           <a:lstStyle/>
           <a:p>
             <a:r>
-              <a:rPr kumimoji="1" lang="en-US" altLang="zh-CN" dirty="0" smtClean="0"/>
+              <a:rPr kumimoji="1" lang="en-US" altLang="zh-CN" dirty="0"/>
               <a:t>Node 2</a:t>
             </a:r>
             <a:endParaRPr kumimoji="1" lang="zh-CN" altLang="en-US" dirty="0"/>
@@ -7746,29 +8468,13 @@
           <a:p>
             <a:r>
               <a:rPr lang="en-US" altLang="zh-CN" sz="2800" dirty="0"/>
-              <a:t>4.4 </a:t>
-            </a:r>
-            <a:r>
-              <a:rPr lang="en-US" altLang="zh-CN" sz="2800" dirty="0" smtClean="0"/>
-              <a:t>parallelization</a:t>
+              <a:t>4.4 parallelization</a:t>
             </a:r>
           </a:p>
           <a:p>
             <a:r>
               <a:rPr lang="en-US" altLang="zh-CN" dirty="0"/>
-              <a:t>vertices may have mutable state that can be shared between </a:t>
-            </a:r>
-            <a:r>
-              <a:rPr lang="en-US" altLang="zh-CN" dirty="0" smtClean="0"/>
-              <a:t>different executions </a:t>
-            </a:r>
-            <a:r>
-              <a:rPr lang="en-US" altLang="zh-CN" dirty="0"/>
-              <a:t>of the </a:t>
-            </a:r>
-            <a:r>
-              <a:rPr lang="en-US" altLang="zh-CN" dirty="0" smtClean="0"/>
-              <a:t>graph</a:t>
+              <a:t>vertices may have mutable state that can be shared between different executions of the graph</a:t>
             </a:r>
           </a:p>
           <a:p>
@@ -7855,39 +8561,23 @@
           <a:lstStyle/>
           <a:p>
             <a:r>
-              <a:rPr lang="en-US" altLang="zh-CN" dirty="0" smtClean="0"/>
+              <a:rPr lang="en-US" altLang="zh-CN" dirty="0"/>
               <a:t>the same</a:t>
             </a:r>
             <a:r>
-              <a:rPr lang="zh-CN" altLang="en-US" dirty="0" smtClean="0"/>
+              <a:rPr lang="zh-CN" altLang="en-US" dirty="0"/>
               <a:t> </a:t>
             </a:r>
             <a:r>
-              <a:rPr lang="en-US" altLang="zh-CN" dirty="0" smtClean="0"/>
-              <a:t>program </a:t>
-            </a:r>
-            <a:r>
               <a:rPr lang="en-US" altLang="zh-CN" dirty="0"/>
-              <a:t>can easily target GPUs, mobile </a:t>
-            </a:r>
-            <a:r>
-              <a:rPr lang="en-US" altLang="zh-CN" dirty="0" smtClean="0"/>
-              <a:t>CPUs, or</a:t>
+              <a:t>program can easily target GPUs, mobile CPUs, or</a:t>
             </a:r>
             <a:endParaRPr kumimoji="1" lang="zh-CN" altLang="en-US" dirty="0"/>
           </a:p>
           <a:p>
             <a:r>
-              <a:rPr lang="en-US" altLang="zh-CN" dirty="0" smtClean="0"/>
-              <a:t>Tensor </a:t>
-            </a:r>
-            <a:r>
               <a:rPr lang="en-US" altLang="zh-CN" dirty="0"/>
-              <a:t>Processing </a:t>
-            </a:r>
-            <a:r>
-              <a:rPr lang="en-US" altLang="zh-CN" dirty="0" smtClean="0"/>
-              <a:t>Unit (TPUs)</a:t>
+              <a:t>Tensor Processing Unit (TPUs)</a:t>
             </a:r>
             <a:endParaRPr kumimoji="1" lang="zh-CN" altLang="en-US" dirty="0"/>
           </a:p>
@@ -8039,7 +8729,7 @@
           <a:lstStyle/>
           <a:p>
             <a:r>
-              <a:rPr kumimoji="1" lang="en-US" altLang="zh-CN" smtClean="0"/>
+              <a:rPr kumimoji="1" lang="en-US" altLang="zh-CN"/>
               <a:t>X * X</a:t>
             </a:r>
             <a:endParaRPr kumimoji="1" lang="zh-CN" altLang="en-US" dirty="0"/>
@@ -8069,7 +8759,7 @@
           <a:lstStyle/>
           <a:p>
             <a:r>
-              <a:rPr kumimoji="1" lang="en-US" altLang="zh-CN" dirty="0" smtClean="0"/>
+              <a:rPr kumimoji="1" lang="en-US" altLang="zh-CN" dirty="0"/>
               <a:t>A</a:t>
             </a:r>
             <a:endParaRPr kumimoji="1" lang="zh-CN" altLang="en-US" dirty="0"/>
@@ -8099,7 +8789,7 @@
           <a:lstStyle/>
           <a:p>
             <a:r>
-              <a:rPr kumimoji="1" lang="en-US" altLang="zh-CN" dirty="0" smtClean="0"/>
+              <a:rPr kumimoji="1" lang="en-US" altLang="zh-CN" dirty="0"/>
               <a:t>B</a:t>
             </a:r>
             <a:endParaRPr kumimoji="1" lang="zh-CN" altLang="en-US" dirty="0"/>
@@ -8337,7 +9027,7 @@
           <a:lstStyle/>
           <a:p>
             <a:r>
-              <a:rPr kumimoji="1" lang="en-US" altLang="zh-CN" smtClean="0"/>
+              <a:rPr kumimoji="1" lang="en-US" altLang="zh-CN"/>
               <a:t>A + X * X</a:t>
             </a:r>
             <a:endParaRPr kumimoji="1" lang="zh-CN" altLang="en-US" dirty="0"/>
@@ -8368,11 +9058,7 @@
           <a:p>
             <a:r>
               <a:rPr kumimoji="1" lang="en-US" altLang="zh-CN" dirty="0"/>
-              <a:t>B</a:t>
-            </a:r>
-            <a:r>
-              <a:rPr kumimoji="1" lang="en-US" altLang="zh-CN" dirty="0" smtClean="0"/>
-              <a:t> + X * X</a:t>
+              <a:t>B + X * X</a:t>
             </a:r>
             <a:endParaRPr kumimoji="1" lang="zh-CN" altLang="en-US" dirty="0"/>
           </a:p>
@@ -8548,7 +9234,7 @@
           <p:cNvPr id="2" name="标题 1">
             <a:extLst>
               <a:ext uri="{FF2B5EF4-FFF2-40B4-BE49-F238E27FC236}">
-                <a16:creationId xmlns:a16="http://schemas.microsoft.com/office/drawing/2014/main" xmlns="" id="{729E7753-D934-41AF-979C-BE3013383BDA}"/>
+                <a16:creationId xmlns:a16="http://schemas.microsoft.com/office/drawing/2014/main" id="{729E7753-D934-41AF-979C-BE3013383BDA}"/>
               </a:ext>
             </a:extLst>
           </p:cNvPr>
@@ -8572,11 +9258,11 @@
           <a:lstStyle/>
           <a:p>
             <a:r>
-              <a:rPr lang="en-US" altLang="zh-CN" b="1" dirty="0" smtClean="0"/>
+              <a:rPr lang="en-US" altLang="zh-CN" b="1" dirty="0"/>
               <a:t>5. Application of </a:t>
             </a:r>
             <a:r>
-              <a:rPr lang="en-US" altLang="zh-CN" b="1" dirty="0" err="1" smtClean="0"/>
+              <a:rPr lang="en-US" altLang="zh-CN" b="1" dirty="0" err="1"/>
               <a:t>tensorflow</a:t>
             </a:r>
             <a:endParaRPr lang="en-HK" b="1" dirty="0"/>
@@ -8588,7 +9274,7 @@
           <p:cNvPr id="4" name="图形 3">
             <a:extLst>
               <a:ext uri="{FF2B5EF4-FFF2-40B4-BE49-F238E27FC236}">
-                <a16:creationId xmlns:a16="http://schemas.microsoft.com/office/drawing/2014/main" xmlns="" id="{3EF556CA-30DB-46CA-B010-E7BC06705578}"/>
+                <a16:creationId xmlns:a16="http://schemas.microsoft.com/office/drawing/2014/main" id="{3EF556CA-30DB-46CA-B010-E7BC06705578}"/>
               </a:ext>
             </a:extLst>
           </p:cNvPr>
@@ -8601,7 +9287,7 @@
           <a:blip r:embed="rId3">
             <a:extLst>
               <a:ext uri="{96DAC541-7B7A-43D3-8B79-37D633B846F1}">
-                <asvg:svgBlip xmlns:asvg="http://schemas.microsoft.com/office/drawing/2016/SVG/main" xmlns="" r:embed="rId5"/>
+                <asvg:svgBlip xmlns:asvg="http://schemas.microsoft.com/office/drawing/2016/SVG/main" r:embed="rId4"/>
               </a:ext>
             </a:extLst>
           </a:blip>
@@ -8624,7 +9310,7 @@
           <p:cNvPr id="5" name="箭头: 五边形 4">
             <a:extLst>
               <a:ext uri="{FF2B5EF4-FFF2-40B4-BE49-F238E27FC236}">
-                <a16:creationId xmlns:a16="http://schemas.microsoft.com/office/drawing/2014/main" xmlns="" id="{61E862C7-DDED-46B2-88A9-92A4D3F40475}"/>
+                <a16:creationId xmlns:a16="http://schemas.microsoft.com/office/drawing/2014/main" id="{61E862C7-DDED-46B2-88A9-92A4D3F40475}"/>
               </a:ext>
             </a:extLst>
           </p:cNvPr>
@@ -8673,7 +9359,7 @@
           <p:cNvPr id="6" name="图形 5">
             <a:extLst>
               <a:ext uri="{FF2B5EF4-FFF2-40B4-BE49-F238E27FC236}">
-                <a16:creationId xmlns:a16="http://schemas.microsoft.com/office/drawing/2014/main" xmlns="" id="{217E1EC4-7E0E-4611-9AC8-528215714F14}"/>
+                <a16:creationId xmlns:a16="http://schemas.microsoft.com/office/drawing/2014/main" id="{217E1EC4-7E0E-4611-9AC8-528215714F14}"/>
               </a:ext>
             </a:extLst>
           </p:cNvPr>
@@ -8683,10 +9369,10 @@
           <p:nvPr/>
         </p:nvPicPr>
         <p:blipFill>
-          <a:blip r:embed="rId6">
+          <a:blip r:embed="rId5">
             <a:extLst>
               <a:ext uri="{96DAC541-7B7A-43D3-8B79-37D633B846F1}">
-                <asvg:svgBlip xmlns:asvg="http://schemas.microsoft.com/office/drawing/2016/SVG/main" xmlns="" r:embed="rId7"/>
+                <asvg:svgBlip xmlns:asvg="http://schemas.microsoft.com/office/drawing/2016/SVG/main" r:embed="rId6"/>
               </a:ext>
             </a:extLst>
           </a:blip>
@@ -10377,7 +11063,7 @@
           <a:lstStyle/>
           <a:p>
             <a:r>
-              <a:rPr kumimoji="1" lang="en-US" altLang="zh-CN" smtClean="0"/>
+              <a:rPr kumimoji="1" lang="en-US" altLang="zh-CN"/>
               <a:t>input</a:t>
             </a:r>
             <a:endParaRPr kumimoji="1" lang="zh-CN" altLang="en-US" dirty="0"/>
@@ -10407,7 +11093,7 @@
           <a:lstStyle/>
           <a:p>
             <a:r>
-              <a:rPr kumimoji="1" lang="en-US" altLang="zh-CN" smtClean="0"/>
+              <a:rPr kumimoji="1" lang="en-US" altLang="zh-CN"/>
               <a:t>Hidden layer1</a:t>
             </a:r>
             <a:endParaRPr kumimoji="1" lang="zh-CN" altLang="en-US" dirty="0"/>
@@ -10476,7 +11162,7 @@
           <a:lstStyle/>
           <a:p>
             <a:r>
-              <a:rPr kumimoji="1" lang="en-US" altLang="zh-CN" dirty="0" smtClean="0"/>
+              <a:rPr kumimoji="1" lang="en-US" altLang="zh-CN" dirty="0"/>
               <a:t>Hidden layer2</a:t>
             </a:r>
             <a:endParaRPr kumimoji="1" lang="zh-CN" altLang="en-US" dirty="0"/>
@@ -10543,7 +11229,7 @@
           <a:lstStyle/>
           <a:p>
             <a:r>
-              <a:rPr kumimoji="1" lang="en-US" altLang="zh-CN" smtClean="0"/>
+              <a:rPr kumimoji="1" lang="en-US" altLang="zh-CN"/>
               <a:t>output</a:t>
             </a:r>
             <a:endParaRPr kumimoji="1" lang="zh-CN" altLang="en-US" dirty="0"/>
@@ -10559,7 +11245,7 @@
           <p:nvPr/>
         </p:nvPicPr>
         <p:blipFill>
-          <a:blip r:embed="rId8"/>
+          <a:blip r:embed="rId7"/>
           <a:stretch>
             <a:fillRect/>
           </a:stretch>
@@ -10597,28 +11283,24 @@
           <a:lstStyle/>
           <a:p>
             <a:r>
-              <a:rPr kumimoji="1" lang="en-US" altLang="zh-CN" dirty="0" smtClean="0"/>
+              <a:rPr kumimoji="1" lang="en-US" altLang="zh-CN" dirty="0"/>
               <a:t>Picture</a:t>
             </a:r>
             <a:r>
-              <a:rPr kumimoji="1" lang="zh-CN" altLang="en-US" dirty="0" smtClean="0"/>
+              <a:rPr kumimoji="1" lang="zh-CN" altLang="en-US" dirty="0"/>
               <a:t> </a:t>
             </a:r>
             <a:r>
-              <a:rPr kumimoji="1" lang="en-US" altLang="zh-CN" dirty="0" smtClean="0"/>
+              <a:rPr kumimoji="1" lang="en-US" altLang="zh-CN" dirty="0"/>
               <a:t>from</a:t>
             </a:r>
             <a:r>
-              <a:rPr kumimoji="1" lang="zh-CN" altLang="en-US" dirty="0" smtClean="0"/>
+              <a:rPr kumimoji="1" lang="zh-CN" altLang="en-US" dirty="0"/>
               <a:t> </a:t>
             </a:r>
             <a:r>
-              <a:rPr lang="en-US" altLang="zh-CN" dirty="0" smtClean="0"/>
-              <a:t>:</a:t>
-            </a:r>
-            <a:r>
               <a:rPr lang="en-US" altLang="zh-CN" dirty="0"/>
-              <a:t> </a:t>
+              <a:t>: </a:t>
             </a:r>
             <a:r>
               <a:rPr lang="en-US" altLang="zh-CN" u="sng" dirty="0"/>
@@ -10637,7 +11319,7 @@
           <p:nvPr/>
         </p:nvPicPr>
         <p:blipFill>
-          <a:blip r:embed="rId9"/>
+          <a:blip r:embed="rId8"/>
           <a:stretch>
             <a:fillRect/>
           </a:stretch>
@@ -10781,7 +11463,7 @@
         </p:blipFill>
         <p:spPr>
           <a:xfrm>
-            <a:off x="-423851" y="-708903"/>
+            <a:off x="-449251" y="-1118025"/>
             <a:ext cx="13039702" cy="2652243"/>
           </a:xfrm>
         </p:spPr>
@@ -10791,7 +11473,7 @@
           <p:cNvPr id="2" name="标题 1">
             <a:extLst>
               <a:ext uri="{FF2B5EF4-FFF2-40B4-BE49-F238E27FC236}">
-                <a16:creationId xmlns:a16="http://schemas.microsoft.com/office/drawing/2014/main" xmlns="" id="{729E7753-D934-41AF-979C-BE3013383BDA}"/>
+                <a16:creationId xmlns:a16="http://schemas.microsoft.com/office/drawing/2014/main" id="{729E7753-D934-41AF-979C-BE3013383BDA}"/>
               </a:ext>
             </a:extLst>
           </p:cNvPr>
@@ -10809,18 +11491,24 @@
           </a:xfrm>
         </p:spPr>
         <p:txBody>
-          <a:bodyPr/>
+          <a:bodyPr>
+            <a:normAutofit/>
+          </a:bodyPr>
           <a:lstStyle/>
           <a:p>
             <a:r>
               <a:rPr lang="en-US" altLang="zh-CN" b="1" dirty="0"/>
-              <a:t>6. </a:t>
-            </a:r>
-            <a:r>
-              <a:rPr lang="en-US" altLang="zh-CN" b="1" dirty="0" smtClean="0"/>
-              <a:t>Reference</a:t>
-            </a:r>
-            <a:endParaRPr lang="en-HK" dirty="0"/>
+              <a:t>5. Application of </a:t>
+            </a:r>
+            <a:r>
+              <a:rPr lang="en-US" altLang="zh-CN" b="1" dirty="0" err="1"/>
+              <a:t>tensorflow</a:t>
+            </a:r>
+            <a:r>
+              <a:rPr lang="en-US" altLang="zh-CN" b="1" dirty="0"/>
+              <a:t> -- NLP </a:t>
+            </a:r>
+            <a:endParaRPr lang="en-HK" b="1" dirty="0"/>
           </a:p>
         </p:txBody>
       </p:sp>
@@ -10829,7 +11517,7 @@
           <p:cNvPr id="4" name="图形 3">
             <a:extLst>
               <a:ext uri="{FF2B5EF4-FFF2-40B4-BE49-F238E27FC236}">
-                <a16:creationId xmlns:a16="http://schemas.microsoft.com/office/drawing/2014/main" xmlns="" id="{3EF556CA-30DB-46CA-B010-E7BC06705578}"/>
+                <a16:creationId xmlns:a16="http://schemas.microsoft.com/office/drawing/2014/main" id="{3EF556CA-30DB-46CA-B010-E7BC06705578}"/>
               </a:ext>
             </a:extLst>
           </p:cNvPr>
@@ -10842,7 +11530,7 @@
           <a:blip r:embed="rId3">
             <a:extLst>
               <a:ext uri="{96DAC541-7B7A-43D3-8B79-37D633B846F1}">
-                <asvg:svgBlip xmlns:asvg="http://schemas.microsoft.com/office/drawing/2016/SVG/main" xmlns="" r:embed="rId4"/>
+                <asvg:svgBlip xmlns:asvg="http://schemas.microsoft.com/office/drawing/2016/SVG/main" r:embed="rId4"/>
               </a:ext>
             </a:extLst>
           </a:blip>
@@ -10865,7 +11553,7 @@
           <p:cNvPr id="5" name="箭头: 五边形 4">
             <a:extLst>
               <a:ext uri="{FF2B5EF4-FFF2-40B4-BE49-F238E27FC236}">
-                <a16:creationId xmlns:a16="http://schemas.microsoft.com/office/drawing/2014/main" xmlns="" id="{61E862C7-DDED-46B2-88A9-92A4D3F40475}"/>
+                <a16:creationId xmlns:a16="http://schemas.microsoft.com/office/drawing/2014/main" id="{61E862C7-DDED-46B2-88A9-92A4D3F40475}"/>
               </a:ext>
             </a:extLst>
           </p:cNvPr>
@@ -10914,7 +11602,7 @@
           <p:cNvPr id="6" name="图形 5">
             <a:extLst>
               <a:ext uri="{FF2B5EF4-FFF2-40B4-BE49-F238E27FC236}">
-                <a16:creationId xmlns:a16="http://schemas.microsoft.com/office/drawing/2014/main" xmlns="" id="{217E1EC4-7E0E-4611-9AC8-528215714F14}"/>
+                <a16:creationId xmlns:a16="http://schemas.microsoft.com/office/drawing/2014/main" id="{217E1EC4-7E0E-4611-9AC8-528215714F14}"/>
               </a:ext>
             </a:extLst>
           </p:cNvPr>
@@ -10927,7 +11615,7 @@
           <a:blip r:embed="rId5">
             <a:extLst>
               <a:ext uri="{96DAC541-7B7A-43D3-8B79-37D633B846F1}">
-                <asvg:svgBlip xmlns:asvg="http://schemas.microsoft.com/office/drawing/2016/SVG/main" xmlns="" r:embed="rId6"/>
+                <asvg:svgBlip xmlns:asvg="http://schemas.microsoft.com/office/drawing/2016/SVG/main" r:embed="rId6"/>
               </a:ext>
             </a:extLst>
           </a:blip>
@@ -10947,14 +11635,212 @@
       </p:pic>
       <p:sp>
         <p:nvSpPr>
-          <p:cNvPr id="7" name="矩形 6"/>
+          <p:cNvPr id="128" name="文本框 127"/>
+          <p:cNvSpPr txBox="1"/>
+          <p:nvPr/>
+        </p:nvSpPr>
+        <p:spPr>
+          <a:xfrm>
+            <a:off x="556963" y="5553848"/>
+            <a:ext cx="11121121" cy="1200329"/>
+          </a:xfrm>
+          <a:prstGeom prst="rect">
+            <a:avLst/>
+          </a:prstGeom>
+          <a:noFill/>
+        </p:spPr>
+        <p:txBody>
+          <a:bodyPr wrap="none" rtlCol="0">
+            <a:spAutoFit/>
+          </a:bodyPr>
+          <a:lstStyle/>
+          <a:p>
+            <a:r>
+              <a:rPr kumimoji="1" lang="en-US" altLang="zh-CN" dirty="0"/>
+              <a:t>Picture</a:t>
+            </a:r>
+            <a:r>
+              <a:rPr kumimoji="1" lang="zh-CN" altLang="en-US" dirty="0"/>
+              <a:t> </a:t>
+            </a:r>
+            <a:r>
+              <a:rPr kumimoji="1" lang="en-US" altLang="zh-CN" dirty="0"/>
+              <a:t>from</a:t>
+            </a:r>
+            <a:r>
+              <a:rPr kumimoji="1" lang="zh-CN" altLang="en-US" dirty="0"/>
+              <a:t> </a:t>
+            </a:r>
+            <a:r>
+              <a:rPr lang="en-US" altLang="zh-CN" dirty="0"/>
+              <a:t>:</a:t>
+            </a:r>
+          </a:p>
+          <a:p>
+            <a:r>
+              <a:rPr lang="en-US" altLang="zh-CN" dirty="0"/>
+              <a:t>[1] Attention Is All You Need</a:t>
+            </a:r>
+          </a:p>
+          <a:p>
+            <a:r>
+              <a:rPr kumimoji="1" lang="en-US" altLang="zh-CN" dirty="0"/>
+              <a:t>[2] BERT: Pre-training of Deep Bidirectional Transformers for Language Understanding</a:t>
+            </a:r>
+          </a:p>
+          <a:p>
+            <a:r>
+              <a:rPr kumimoji="1" lang="en-US" altLang="zh-CN" dirty="0"/>
+              <a:t>[3] </a:t>
+            </a:r>
+            <a:r>
+              <a:rPr kumimoji="1" lang="en-US" altLang="zh-CN" dirty="0" err="1"/>
+              <a:t>XLNet</a:t>
+            </a:r>
+            <a:r>
+              <a:rPr kumimoji="1" lang="en-US" altLang="zh-CN" dirty="0"/>
+              <a:t>: Generalized Auto regressive Pretraining </a:t>
+            </a:r>
+            <a:r>
+              <a:rPr kumimoji="1" lang="en-US" altLang="zh-CN" dirty="0" err="1"/>
+              <a:t>fo</a:t>
+            </a:r>
+            <a:r>
+              <a:rPr kumimoji="1" lang="en-US" altLang="zh-CN" dirty="0"/>
+              <a:t> </a:t>
+            </a:r>
+            <a:r>
+              <a:rPr kumimoji="1" lang="en-US" altLang="zh-CN" dirty="0" err="1"/>
+              <a:t>rLanguage</a:t>
+            </a:r>
+            <a:r>
+              <a:rPr kumimoji="1" lang="en-US" altLang="zh-CN" dirty="0"/>
+              <a:t> Understanding https://arxiv.org/pdf/1906.08237.pdf</a:t>
+            </a:r>
+            <a:endParaRPr kumimoji="1" lang="zh-CN" altLang="en-US" dirty="0"/>
+          </a:p>
+        </p:txBody>
+      </p:sp>
+      <p:pic>
+        <p:nvPicPr>
+          <p:cNvPr id="3" name="图片 2">
+            <a:extLst>
+              <a:ext uri="{FF2B5EF4-FFF2-40B4-BE49-F238E27FC236}">
+                <a16:creationId xmlns:a16="http://schemas.microsoft.com/office/drawing/2014/main" id="{0642A652-9092-4B49-9F13-A1AC496CEBC7}"/>
+              </a:ext>
+            </a:extLst>
+          </p:cNvPr>
+          <p:cNvPicPr>
+            <a:picLocks noChangeAspect="1"/>
+          </p:cNvPicPr>
+          <p:nvPr/>
+        </p:nvPicPr>
+        <p:blipFill>
+          <a:blip r:embed="rId7"/>
+          <a:stretch>
+            <a:fillRect/>
+          </a:stretch>
+        </p:blipFill>
+        <p:spPr>
+          <a:xfrm>
+            <a:off x="977774" y="2606681"/>
+            <a:ext cx="2381373" cy="2824419"/>
+          </a:xfrm>
+          <a:prstGeom prst="rect">
+            <a:avLst/>
+          </a:prstGeom>
+        </p:spPr>
+      </p:pic>
+      <p:sp>
+        <p:nvSpPr>
+          <p:cNvPr id="9" name="文本框 8">
+            <a:extLst>
+              <a:ext uri="{FF2B5EF4-FFF2-40B4-BE49-F238E27FC236}">
+                <a16:creationId xmlns:a16="http://schemas.microsoft.com/office/drawing/2014/main" id="{925116B3-747D-4D37-B828-5A92C8A187C5}"/>
+              </a:ext>
+            </a:extLst>
+          </p:cNvPr>
+          <p:cNvSpPr txBox="1"/>
+          <p:nvPr/>
+        </p:nvSpPr>
+        <p:spPr>
+          <a:xfrm>
+            <a:off x="1077849" y="1327541"/>
+            <a:ext cx="2181225" cy="954107"/>
+          </a:xfrm>
+          <a:prstGeom prst="rect">
+            <a:avLst/>
+          </a:prstGeom>
+          <a:noFill/>
+        </p:spPr>
+        <p:txBody>
+          <a:bodyPr wrap="square" rtlCol="0">
+            <a:spAutoFit/>
+          </a:bodyPr>
+          <a:lstStyle/>
+          <a:p>
+            <a:pPr algn="ctr"/>
+            <a:r>
+              <a:rPr lang="en-US" altLang="zh-CN" sz="2800" dirty="0"/>
+              <a:t>2016-2017</a:t>
+            </a:r>
+          </a:p>
+          <a:p>
+            <a:pPr algn="ctr"/>
+            <a:r>
+              <a:rPr lang="en-US" altLang="zh-CN" sz="2800" dirty="0"/>
+              <a:t>transformer</a:t>
+            </a:r>
+            <a:endParaRPr lang="zh-CN" altLang="en-US" sz="2800" dirty="0"/>
+          </a:p>
+        </p:txBody>
+      </p:sp>
+      <p:pic>
+        <p:nvPicPr>
+          <p:cNvPr id="13" name="图片 12">
+            <a:extLst>
+              <a:ext uri="{FF2B5EF4-FFF2-40B4-BE49-F238E27FC236}">
+                <a16:creationId xmlns:a16="http://schemas.microsoft.com/office/drawing/2014/main" id="{494E15AC-3F0A-48C4-93BE-B3C5D5838943}"/>
+              </a:ext>
+            </a:extLst>
+          </p:cNvPr>
+          <p:cNvPicPr>
+            <a:picLocks noChangeAspect="1"/>
+          </p:cNvPicPr>
+          <p:nvPr/>
+        </p:nvPicPr>
+        <p:blipFill>
+          <a:blip r:embed="rId8"/>
+          <a:stretch>
+            <a:fillRect/>
+          </a:stretch>
+        </p:blipFill>
+        <p:spPr>
+          <a:xfrm>
+            <a:off x="4448114" y="3126927"/>
+            <a:ext cx="2381372" cy="2152761"/>
+          </a:xfrm>
+          <a:prstGeom prst="rect">
+            <a:avLst/>
+          </a:prstGeom>
+        </p:spPr>
+      </p:pic>
+      <p:sp>
+        <p:nvSpPr>
+          <p:cNvPr id="22" name="矩形 21">
+            <a:extLst>
+              <a:ext uri="{FF2B5EF4-FFF2-40B4-BE49-F238E27FC236}">
+                <a16:creationId xmlns:a16="http://schemas.microsoft.com/office/drawing/2014/main" id="{FF23AF33-D36E-4D2F-925F-C9ED7041418D}"/>
+              </a:ext>
+            </a:extLst>
+          </p:cNvPr>
           <p:cNvSpPr/>
           <p:nvPr/>
         </p:nvSpPr>
         <p:spPr>
           <a:xfrm>
-            <a:off x="939868" y="2034782"/>
-            <a:ext cx="8683430" cy="3693319"/>
+            <a:off x="8702645" y="1449386"/>
+            <a:ext cx="2028825" cy="954107"/>
           </a:xfrm>
           <a:prstGeom prst="rect">
             <a:avLst/>
@@ -10966,184 +11852,425 @@
           </a:bodyPr>
           <a:lstStyle/>
           <a:p>
-            <a:pPr>
-              <a:spcAft>
-                <a:spcPts val="0"/>
-              </a:spcAft>
-            </a:pPr>
-            <a:r>
-              <a:rPr lang="en-US" altLang="zh-CN" dirty="0"/>
-              <a:t>[1] H. He and E. A. Garcia, “Learning from imbalanced data.” IEEE Transactions on Knowledge and Data Engineering, 21(9), 1263-1284, 2009.</a:t>
-            </a:r>
-            <a:endParaRPr lang="zh-CN" altLang="zh-CN" dirty="0"/>
-          </a:p>
-          <a:p>
-            <a:pPr>
-              <a:spcAft>
-                <a:spcPts val="0"/>
-              </a:spcAft>
-            </a:pPr>
-            <a:r>
-              <a:rPr lang="en-US" altLang="zh-CN" dirty="0"/>
-              <a:t>[2] Wu, Jun, J. He, and Y. Liu. "</a:t>
-            </a:r>
-            <a:r>
-              <a:rPr lang="en-US" altLang="zh-CN" dirty="0" err="1"/>
-              <a:t>ImVerde</a:t>
-            </a:r>
-            <a:r>
-              <a:rPr lang="en-US" altLang="zh-CN" dirty="0"/>
-              <a:t>: Vertex-Diminished Random Walk for Learning Network Representation from Imbalanced Data." (2018).</a:t>
-            </a:r>
-            <a:endParaRPr lang="zh-CN" altLang="zh-CN" dirty="0"/>
-          </a:p>
-          <a:p>
-            <a:pPr>
-              <a:spcAft>
-                <a:spcPts val="0"/>
-              </a:spcAft>
-            </a:pPr>
-            <a:r>
-              <a:rPr lang="en-US" altLang="zh-CN" dirty="0"/>
-              <a:t>[3] W. L. Hamilton, R. Ying and J. </a:t>
-            </a:r>
-            <a:r>
-              <a:rPr lang="en-US" altLang="zh-CN" dirty="0" err="1"/>
-              <a:t>Leskovec</a:t>
-            </a:r>
-            <a:r>
-              <a:rPr lang="en-US" altLang="zh-CN" dirty="0"/>
-              <a:t>, “Representation Learning on Graphs: Methods and Applications.” IEEE Data Engineering Bulletin, 2017</a:t>
-            </a:r>
-            <a:endParaRPr lang="zh-CN" altLang="zh-CN" dirty="0"/>
-          </a:p>
-          <a:p>
-            <a:pPr>
-              <a:spcAft>
-                <a:spcPts val="0"/>
-              </a:spcAft>
-            </a:pPr>
-            <a:r>
-              <a:rPr lang="en-US" altLang="zh-CN" dirty="0"/>
-              <a:t>[4] A. G. Duran, M. </a:t>
-            </a:r>
-            <a:r>
-              <a:rPr lang="en-US" altLang="zh-CN" dirty="0" err="1"/>
-              <a:t>Niepert</a:t>
-            </a:r>
-            <a:r>
-              <a:rPr lang="en-US" altLang="zh-CN" dirty="0"/>
-              <a:t>, “Learning Graph Representations with Embedding Propagation.” In NIPS, 5119-5130, 2017.</a:t>
-            </a:r>
-            <a:endParaRPr lang="zh-CN" altLang="zh-CN" dirty="0"/>
-          </a:p>
-          <a:p>
-            <a:pPr>
-              <a:spcAft>
-                <a:spcPts val="0"/>
-              </a:spcAft>
-            </a:pPr>
-            <a:r>
-              <a:rPr lang="en-US" altLang="zh-CN" dirty="0"/>
-              <a:t>[5] J. Liang, P. Jacobs, J. Sun and S. </a:t>
-            </a:r>
-            <a:r>
-              <a:rPr lang="en-US" altLang="zh-CN" dirty="0" err="1"/>
-              <a:t>Parthasarathy</a:t>
-            </a:r>
-            <a:r>
-              <a:rPr lang="en-US" altLang="zh-CN" dirty="0"/>
-              <a:t>, “Semi-supervised</a:t>
-            </a:r>
-            <a:endParaRPr lang="zh-CN" altLang="zh-CN" dirty="0"/>
-          </a:p>
-          <a:p>
-            <a:pPr>
-              <a:spcAft>
-                <a:spcPts val="0"/>
-              </a:spcAft>
-            </a:pPr>
-            <a:r>
-              <a:rPr lang="en-US" altLang="zh-CN" dirty="0"/>
-              <a:t>embedding in attributed networks with outliers.” In SDM, 153-161,</a:t>
-            </a:r>
-            <a:endParaRPr lang="zh-CN" altLang="zh-CN" dirty="0"/>
-          </a:p>
-          <a:p>
-            <a:pPr>
-              <a:spcAft>
-                <a:spcPts val="0"/>
-              </a:spcAft>
-            </a:pPr>
-            <a:r>
-              <a:rPr lang="en-US" altLang="zh-CN" dirty="0"/>
-              <a:t>2018.</a:t>
-            </a:r>
-            <a:endParaRPr lang="zh-CN" altLang="zh-CN" dirty="0"/>
-          </a:p>
-          <a:p>
-            <a:pPr>
-              <a:spcAft>
-                <a:spcPts val="0"/>
-              </a:spcAft>
-            </a:pPr>
-            <a:r>
-              <a:rPr lang="en-US" altLang="zh-CN" dirty="0"/>
-              <a:t>[6] Z. Yang, W. W. Cohen, and R. </a:t>
-            </a:r>
-            <a:r>
-              <a:rPr lang="en-US" altLang="zh-CN" dirty="0" err="1"/>
-              <a:t>Salakhutdinov</a:t>
-            </a:r>
-            <a:r>
-              <a:rPr lang="en-US" altLang="zh-CN" dirty="0"/>
-              <a:t>, “Revisiting </a:t>
-            </a:r>
-            <a:r>
-              <a:rPr lang="en-US" altLang="zh-CN" dirty="0" err="1"/>
-              <a:t>semisupervised</a:t>
-            </a:r>
-            <a:endParaRPr lang="zh-CN" altLang="zh-CN" dirty="0"/>
-          </a:p>
-          <a:p>
-            <a:pPr>
-              <a:spcAft>
-                <a:spcPts val="0"/>
-              </a:spcAft>
-            </a:pPr>
-            <a:r>
-              <a:rPr lang="en-US" altLang="zh-CN" dirty="0"/>
-              <a:t>learning with graph </a:t>
-            </a:r>
-            <a:r>
-              <a:rPr lang="en-US" altLang="zh-CN" dirty="0" err="1"/>
-              <a:t>embeddings</a:t>
-            </a:r>
-            <a:r>
-              <a:rPr lang="en-US" altLang="zh-CN" dirty="0"/>
-              <a:t>.” In ICML, 40-48, 2016.</a:t>
-            </a:r>
-            <a:endParaRPr lang="zh-CN" altLang="zh-CN" dirty="0"/>
-          </a:p>
-        </p:txBody>
-      </p:sp>
+            <a:pPr algn="ctr"/>
+            <a:r>
+              <a:rPr lang="en-US" altLang="zh-CN" sz="2800" dirty="0"/>
+              <a:t>2019</a:t>
+            </a:r>
+          </a:p>
+          <a:p>
+            <a:pPr algn="ctr"/>
+            <a:r>
+              <a:rPr lang="en-US" altLang="zh-CN" sz="2800" dirty="0" err="1"/>
+              <a:t>XLNet</a:t>
+            </a:r>
+            <a:endParaRPr lang="zh-CN" altLang="en-US" sz="2800" dirty="0"/>
+          </a:p>
+        </p:txBody>
+      </p:sp>
+      <p:sp>
+        <p:nvSpPr>
+          <p:cNvPr id="68" name="矩形 67">
+            <a:extLst>
+              <a:ext uri="{FF2B5EF4-FFF2-40B4-BE49-F238E27FC236}">
+                <a16:creationId xmlns:a16="http://schemas.microsoft.com/office/drawing/2014/main" id="{172B2EF1-F09A-4D98-B4DA-1BB859704179}"/>
+              </a:ext>
+            </a:extLst>
+          </p:cNvPr>
+          <p:cNvSpPr/>
+          <p:nvPr/>
+        </p:nvSpPr>
+        <p:spPr>
+          <a:xfrm>
+            <a:off x="4624387" y="1449387"/>
+            <a:ext cx="2028825" cy="954107"/>
+          </a:xfrm>
+          <a:prstGeom prst="rect">
+            <a:avLst/>
+          </a:prstGeom>
+        </p:spPr>
+        <p:txBody>
+          <a:bodyPr wrap="square">
+            <a:spAutoFit/>
+          </a:bodyPr>
+          <a:lstStyle/>
+          <a:p>
+            <a:pPr algn="ctr"/>
+            <a:r>
+              <a:rPr lang="en-US" altLang="zh-CN" sz="2800" dirty="0"/>
+              <a:t>2018</a:t>
+            </a:r>
+          </a:p>
+          <a:p>
+            <a:pPr algn="ctr"/>
+            <a:r>
+              <a:rPr lang="en-US" altLang="zh-CN" sz="2800" dirty="0"/>
+              <a:t>BERT</a:t>
+            </a:r>
+            <a:endParaRPr lang="zh-CN" altLang="en-US" sz="2800" dirty="0"/>
+          </a:p>
+        </p:txBody>
+      </p:sp>
+      <p:pic>
+        <p:nvPicPr>
+          <p:cNvPr id="24" name="图片 23">
+            <a:extLst>
+              <a:ext uri="{FF2B5EF4-FFF2-40B4-BE49-F238E27FC236}">
+                <a16:creationId xmlns:a16="http://schemas.microsoft.com/office/drawing/2014/main" id="{88F3AE07-48F3-4EA8-B445-192A4E0857E5}"/>
+              </a:ext>
+            </a:extLst>
+          </p:cNvPr>
+          <p:cNvPicPr>
+            <a:picLocks noChangeAspect="1"/>
+          </p:cNvPicPr>
+          <p:nvPr/>
+        </p:nvPicPr>
+        <p:blipFill>
+          <a:blip r:embed="rId9"/>
+          <a:stretch>
+            <a:fillRect/>
+          </a:stretch>
+        </p:blipFill>
+        <p:spPr>
+          <a:xfrm>
+            <a:off x="7560999" y="3253467"/>
+            <a:ext cx="4032450" cy="1899680"/>
+          </a:xfrm>
+          <a:prstGeom prst="rect">
+            <a:avLst/>
+          </a:prstGeom>
+        </p:spPr>
+      </p:pic>
     </p:spTree>
     <p:extLst>
       <p:ext uri="{BB962C8B-B14F-4D97-AF65-F5344CB8AC3E}">
-        <p14:creationId xmlns:p14="http://schemas.microsoft.com/office/powerpoint/2010/main" val="1040690934"/>
+        <p14:creationId xmlns:p14="http://schemas.microsoft.com/office/powerpoint/2010/main" val="1035536036"/>
       </p:ext>
     </p:extLst>
   </p:cSld>
   <p:clrMapOvr>
     <a:masterClrMapping/>
   </p:clrMapOvr>
-  <p:timing>
-    <p:tnLst>
-      <p:par>
-        <p:cTn id="1" dur="indefinite" restart="never" nodeType="tmRoot"/>
-      </p:par>
-    </p:tnLst>
-  </p:timing>
+</p:sld>
+</file>
+
+<file path=ppt/slides/slide9.xml><?xml version="1.0" encoding="utf-8"?>
+<p:sld xmlns:a="http://schemas.openxmlformats.org/drawingml/2006/main" xmlns:r="http://schemas.openxmlformats.org/officeDocument/2006/relationships" xmlns:p="http://schemas.openxmlformats.org/presentationml/2006/main">
+  <p:cSld>
+    <p:spTree>
+      <p:nvGrpSpPr>
+        <p:cNvPr id="1" name=""/>
+        <p:cNvGrpSpPr/>
+        <p:nvPr/>
+      </p:nvGrpSpPr>
+      <p:grpSpPr>
+        <a:xfrm>
+          <a:off x="0" y="0"/>
+          <a:ext cx="0" cy="0"/>
+          <a:chOff x="0" y="0"/>
+          <a:chExt cx="0" cy="0"/>
+        </a:xfrm>
+      </p:grpSpPr>
+      <p:pic>
+        <p:nvPicPr>
+          <p:cNvPr id="8" name="内容占位符 7"/>
+          <p:cNvPicPr>
+            <a:picLocks noGrp="1" noChangeAspect="1"/>
+          </p:cNvPicPr>
+          <p:nvPr>
+            <p:ph idx="1"/>
+          </p:nvPr>
+        </p:nvPicPr>
+        <p:blipFill>
+          <a:blip r:embed="rId2">
+            <a:extLst>
+              <a:ext uri="{28A0092B-C50C-407E-A947-70E740481C1C}">
+                <a14:useLocalDpi xmlns:a14="http://schemas.microsoft.com/office/drawing/2010/main" val="0"/>
+              </a:ext>
+            </a:extLst>
+          </a:blip>
+          <a:stretch>
+            <a:fillRect/>
+          </a:stretch>
+        </p:blipFill>
+        <p:spPr>
+          <a:xfrm>
+            <a:off x="-577070" y="-1019703"/>
+            <a:ext cx="13039702" cy="2652243"/>
+          </a:xfrm>
+        </p:spPr>
+      </p:pic>
+      <p:sp>
+        <p:nvSpPr>
+          <p:cNvPr id="2" name="标题 1">
+            <a:extLst>
+              <a:ext uri="{FF2B5EF4-FFF2-40B4-BE49-F238E27FC236}">
+                <a16:creationId xmlns:a16="http://schemas.microsoft.com/office/drawing/2014/main" id="{729E7753-D934-41AF-979C-BE3013383BDA}"/>
+              </a:ext>
+            </a:extLst>
+          </p:cNvPr>
+          <p:cNvSpPr>
+            <a:spLocks noGrp="1"/>
+          </p:cNvSpPr>
+          <p:nvPr>
+            <p:ph type="title"/>
+          </p:nvPr>
+        </p:nvSpPr>
+        <p:spPr>
+          <a:xfrm>
+            <a:off x="1077849" y="-45562"/>
+            <a:ext cx="10515600" cy="1325563"/>
+          </a:xfrm>
+        </p:spPr>
+        <p:txBody>
+          <a:bodyPr>
+            <a:normAutofit/>
+          </a:bodyPr>
+          <a:lstStyle/>
+          <a:p>
+            <a:r>
+              <a:rPr lang="en-US" altLang="zh-CN" b="1" dirty="0"/>
+              <a:t>5. Application of </a:t>
+            </a:r>
+            <a:r>
+              <a:rPr lang="en-US" altLang="zh-CN" b="1" dirty="0" err="1"/>
+              <a:t>tensorflow</a:t>
+            </a:r>
+            <a:r>
+              <a:rPr lang="en-US" altLang="zh-CN" b="1" dirty="0"/>
+              <a:t>  -- </a:t>
+            </a:r>
+            <a:r>
+              <a:rPr lang="en-US" altLang="zh-CN" dirty="0"/>
+              <a:t>Enterprises</a:t>
+            </a:r>
+            <a:endParaRPr lang="en-HK" b="1" dirty="0"/>
+          </a:p>
+        </p:txBody>
+      </p:sp>
+      <p:pic>
+        <p:nvPicPr>
+          <p:cNvPr id="4" name="图形 3">
+            <a:extLst>
+              <a:ext uri="{FF2B5EF4-FFF2-40B4-BE49-F238E27FC236}">
+                <a16:creationId xmlns:a16="http://schemas.microsoft.com/office/drawing/2014/main" id="{3EF556CA-30DB-46CA-B010-E7BC06705578}"/>
+              </a:ext>
+            </a:extLst>
+          </p:cNvPr>
+          <p:cNvPicPr>
+            <a:picLocks noChangeAspect="1"/>
+          </p:cNvPicPr>
+          <p:nvPr/>
+        </p:nvPicPr>
+        <p:blipFill>
+          <a:blip r:embed="rId3">
+            <a:extLst>
+              <a:ext uri="{96DAC541-7B7A-43D3-8B79-37D633B846F1}">
+                <asvg:svgBlip xmlns:asvg="http://schemas.microsoft.com/office/drawing/2016/SVG/main" r:embed="rId4"/>
+              </a:ext>
+            </a:extLst>
+          </a:blip>
+          <a:stretch>
+            <a:fillRect/>
+          </a:stretch>
+        </p:blipFill>
+        <p:spPr>
+          <a:xfrm>
+            <a:off x="-50800" y="6122728"/>
+            <a:ext cx="12242800" cy="1278197"/>
+          </a:xfrm>
+          <a:prstGeom prst="rect">
+            <a:avLst/>
+          </a:prstGeom>
+        </p:spPr>
+      </p:pic>
+      <p:sp>
+        <p:nvSpPr>
+          <p:cNvPr id="5" name="箭头: 五边形 4">
+            <a:extLst>
+              <a:ext uri="{FF2B5EF4-FFF2-40B4-BE49-F238E27FC236}">
+                <a16:creationId xmlns:a16="http://schemas.microsoft.com/office/drawing/2014/main" id="{61E862C7-DDED-46B2-88A9-92A4D3F40475}"/>
+              </a:ext>
+            </a:extLst>
+          </p:cNvPr>
+          <p:cNvSpPr/>
+          <p:nvPr/>
+        </p:nvSpPr>
+        <p:spPr>
+          <a:xfrm rot="5400000">
+            <a:off x="-60257" y="234315"/>
+            <a:ext cx="1234440" cy="765810"/>
+          </a:xfrm>
+          <a:prstGeom prst="homePlate">
+            <a:avLst/>
+          </a:prstGeom>
+          <a:solidFill>
+            <a:srgbClr val="034246"/>
+          </a:solidFill>
+        </p:spPr>
+        <p:style>
+          <a:lnRef idx="2">
+            <a:schemeClr val="accent1">
+              <a:shade val="50000"/>
+            </a:schemeClr>
+          </a:lnRef>
+          <a:fillRef idx="1">
+            <a:schemeClr val="accent1"/>
+          </a:fillRef>
+          <a:effectRef idx="0">
+            <a:schemeClr val="accent1"/>
+          </a:effectRef>
+          <a:fontRef idx="minor">
+            <a:schemeClr val="lt1"/>
+          </a:fontRef>
+        </p:style>
+        <p:txBody>
+          <a:bodyPr rtlCol="0" anchor="ctr"/>
+          <a:lstStyle/>
+          <a:p>
+            <a:pPr algn="ctr"/>
+            <a:endParaRPr lang="en-HK"/>
+          </a:p>
+        </p:txBody>
+      </p:sp>
+      <p:pic>
+        <p:nvPicPr>
+          <p:cNvPr id="6" name="图形 5">
+            <a:extLst>
+              <a:ext uri="{FF2B5EF4-FFF2-40B4-BE49-F238E27FC236}">
+                <a16:creationId xmlns:a16="http://schemas.microsoft.com/office/drawing/2014/main" id="{217E1EC4-7E0E-4611-9AC8-528215714F14}"/>
+              </a:ext>
+            </a:extLst>
+          </p:cNvPr>
+          <p:cNvPicPr>
+            <a:picLocks noChangeAspect="1"/>
+          </p:cNvPicPr>
+          <p:nvPr/>
+        </p:nvPicPr>
+        <p:blipFill>
+          <a:blip r:embed="rId5">
+            <a:extLst>
+              <a:ext uri="{96DAC541-7B7A-43D3-8B79-37D633B846F1}">
+                <asvg:svgBlip xmlns:asvg="http://schemas.microsoft.com/office/drawing/2016/SVG/main" r:embed="rId6"/>
+              </a:ext>
+            </a:extLst>
+          </a:blip>
+          <a:stretch>
+            <a:fillRect/>
+          </a:stretch>
+        </p:blipFill>
+        <p:spPr>
+          <a:xfrm>
+            <a:off x="312039" y="103823"/>
+            <a:ext cx="489848" cy="717523"/>
+          </a:xfrm>
+          <a:prstGeom prst="rect">
+            <a:avLst/>
+          </a:prstGeom>
+        </p:spPr>
+      </p:pic>
+      <p:sp>
+        <p:nvSpPr>
+          <p:cNvPr id="7" name="矩形 6">
+            <a:extLst>
+              <a:ext uri="{FF2B5EF4-FFF2-40B4-BE49-F238E27FC236}">
+                <a16:creationId xmlns:a16="http://schemas.microsoft.com/office/drawing/2014/main" id="{0E6E5E10-CB6E-48A9-958C-AC330CBA839D}"/>
+              </a:ext>
+            </a:extLst>
+          </p:cNvPr>
+          <p:cNvSpPr/>
+          <p:nvPr/>
+        </p:nvSpPr>
+        <p:spPr>
+          <a:xfrm>
+            <a:off x="1077849" y="1632540"/>
+            <a:ext cx="10239080" cy="2308324"/>
+          </a:xfrm>
+          <a:prstGeom prst="rect">
+            <a:avLst/>
+          </a:prstGeom>
+        </p:spPr>
+        <p:txBody>
+          <a:bodyPr wrap="square">
+            <a:spAutoFit/>
+          </a:bodyPr>
+          <a:lstStyle/>
+          <a:p>
+            <a:r>
+              <a:rPr lang="en-US" altLang="zh-CN" dirty="0">
+                <a:solidFill>
+                  <a:srgbClr val="333333"/>
+                </a:solidFill>
+                <a:latin typeface="Times New Roman" panose="02020603050405020304" pitchFamily="18" charset="0"/>
+                <a:cs typeface="Times New Roman" panose="02020603050405020304" pitchFamily="18" charset="0"/>
+              </a:rPr>
+              <a:t>in terms of </a:t>
+            </a:r>
+            <a:r>
+              <a:rPr lang="en-US" altLang="zh-CN" b="1" dirty="0">
+                <a:solidFill>
+                  <a:srgbClr val="333333"/>
+                </a:solidFill>
+                <a:latin typeface="Times New Roman" panose="02020603050405020304" pitchFamily="18" charset="0"/>
+                <a:cs typeface="Times New Roman" panose="02020603050405020304" pitchFamily="18" charset="0"/>
+              </a:rPr>
+              <a:t>marketing</a:t>
+            </a:r>
+            <a:r>
+              <a:rPr lang="en-US" altLang="zh-CN" dirty="0">
+                <a:solidFill>
+                  <a:srgbClr val="333333"/>
+                </a:solidFill>
+                <a:latin typeface="Times New Roman" panose="02020603050405020304" pitchFamily="18" charset="0"/>
+                <a:cs typeface="Times New Roman" panose="02020603050405020304" pitchFamily="18" charset="0"/>
+              </a:rPr>
+              <a:t>, Coca-Cola uses TensorFlow as a marketing tool in its customer loyalty program. Coca-Cola printed a 14-bit code on the back of bottle caps and created a machine learning system that uses TensorFlow to easily identify Numbers (often hard to see) to create proof of purchase</a:t>
+            </a:r>
+          </a:p>
+          <a:p>
+            <a:endParaRPr lang="en-US" altLang="zh-CN" dirty="0">
+              <a:solidFill>
+                <a:srgbClr val="333333"/>
+              </a:solidFill>
+              <a:latin typeface="Times New Roman" panose="02020603050405020304" pitchFamily="18" charset="0"/>
+              <a:cs typeface="Times New Roman" panose="02020603050405020304" pitchFamily="18" charset="0"/>
+            </a:endParaRPr>
+          </a:p>
+          <a:p>
+            <a:r>
+              <a:rPr lang="en-US" altLang="zh-CN" dirty="0">
+                <a:latin typeface="Times New Roman" panose="02020603050405020304" pitchFamily="18" charset="0"/>
+                <a:cs typeface="Times New Roman" panose="02020603050405020304" pitchFamily="18" charset="0"/>
+              </a:rPr>
+              <a:t>In terms of </a:t>
+            </a:r>
+            <a:r>
+              <a:rPr lang="en-US" altLang="zh-CN" b="1" dirty="0">
+                <a:latin typeface="Times New Roman" panose="02020603050405020304" pitchFamily="18" charset="0"/>
+                <a:cs typeface="Times New Roman" panose="02020603050405020304" pitchFamily="18" charset="0"/>
+              </a:rPr>
+              <a:t>telecom services</a:t>
+            </a:r>
+            <a:r>
+              <a:rPr lang="en-US" altLang="zh-CN" dirty="0">
+                <a:latin typeface="Times New Roman" panose="02020603050405020304" pitchFamily="18" charset="0"/>
+                <a:cs typeface="Times New Roman" panose="02020603050405020304" pitchFamily="18" charset="0"/>
+              </a:rPr>
+              <a:t>, China telecom business office APP builds a neural network to learn to recognize telecom recharge cards. Finally, it can be easily recognized in the case of backlight, jitter and severe digital occlusion. The success rate of model training is 99.3%, and it takes 0.05 seconds to complete the recognition.</a:t>
+            </a:r>
+          </a:p>
+        </p:txBody>
+      </p:sp>
+    </p:spTree>
+    <p:extLst>
+      <p:ext uri="{BB962C8B-B14F-4D97-AF65-F5344CB8AC3E}">
+        <p14:creationId xmlns:p14="http://schemas.microsoft.com/office/powerpoint/2010/main" val="1737759753"/>
+      </p:ext>
+    </p:extLst>
+  </p:cSld>
+  <p:clrMapOvr>
+    <a:masterClrMapping/>
+  </p:clrMapOvr>
 </p:sld>
 </file>
 
@@ -11432,7 +12559,21 @@
       </a:bgFillStyleLst>
     </a:fmtScheme>
   </a:themeElements>
-  <a:objectDefaults/>
+  <a:objectDefaults>
+    <a:txDef>
+      <a:spPr>
+        <a:noFill/>
+      </a:spPr>
+      <a:bodyPr wrap="none" rtlCol="0">
+        <a:spAutoFit/>
+      </a:bodyPr>
+      <a:lstStyle>
+        <a:defPPr algn="l">
+          <a:defRPr kumimoji="1" dirty="0" smtClean="0"/>
+        </a:defPPr>
+      </a:lstStyle>
+    </a:txDef>
+  </a:objectDefaults>
   <a:extraClrSchemeLst/>
   <a:extLst>
     <a:ext uri="{05A4C25C-085E-4340-85A3-A5531E510DB2}">

--- a/tfboys.pptx
+++ b/tfboys.pptx
@@ -4314,7 +4314,7 @@
         <p:spPr>
           <a:xfrm>
             <a:off x="801887" y="5506829"/>
-            <a:ext cx="4625369" cy="923330"/>
+            <a:ext cx="4747197" cy="923330"/>
           </a:xfrm>
           <a:prstGeom prst="rect">
             <a:avLst/>
@@ -4347,8 +4347,13 @@
           <a:p>
             <a:r>
               <a:rPr lang="en-US" altLang="zh-CN" dirty="0"/>
-              <a:t>[6]https://github.com/zhanyongsheng/LetsJum</a:t>
-            </a:r>
+              <a:t>[6]https://github.com/zhanyongsheng</a:t>
+            </a:r>
+            <a:r>
+              <a:rPr lang="en-US" altLang="zh-CN"/>
+              <a:t>/LetsJump</a:t>
+            </a:r>
+            <a:endParaRPr lang="en-US" altLang="zh-CN" dirty="0"/>
           </a:p>
         </p:txBody>
       </p:sp>
